--- a/jacob/presentation/pres_two/CSC495_Toxic_Crusaders_Presentation.pptx
+++ b/jacob/presentation/pres_two/CSC495_Toxic_Crusaders_Presentation.pptx
@@ -2215,7 +2215,7 @@
   <p:cSld>
     <p:spTree>
       <p:nvGrpSpPr>
-        <p:cNvPr id="556" name="Shape 556"/>
+        <p:cNvPr id="558" name="Shape 558"/>
         <p:cNvGrpSpPr/>
         <p:nvPr/>
       </p:nvGrpSpPr>
@@ -2229,7 +2229,7 @@
       </p:grpSpPr>
       <p:sp>
         <p:nvSpPr>
-          <p:cNvPr id="557" name="Shape 557"/>
+          <p:cNvPr id="559" name="Shape 559"/>
           <p:cNvSpPr txBox="1"/>
           <p:nvPr>
             <p:ph idx="1" type="body"/>
@@ -2269,7 +2269,7 @@
       </p:sp>
       <p:sp>
         <p:nvSpPr>
-          <p:cNvPr id="558" name="Shape 558"/>
+          <p:cNvPr id="560" name="Shape 560"/>
           <p:cNvSpPr/>
           <p:nvPr>
             <p:ph idx="2" type="sldImg"/>
@@ -2314,7 +2314,7 @@
   <p:cSld>
     <p:spTree>
       <p:nvGrpSpPr>
-        <p:cNvPr id="572" name="Shape 572"/>
+        <p:cNvPr id="575" name="Shape 575"/>
         <p:cNvGrpSpPr/>
         <p:nvPr/>
       </p:nvGrpSpPr>
@@ -2328,7 +2328,7 @@
       </p:grpSpPr>
       <p:sp>
         <p:nvSpPr>
-          <p:cNvPr id="573" name="Shape 573"/>
+          <p:cNvPr id="576" name="Shape 576"/>
           <p:cNvSpPr txBox="1"/>
           <p:nvPr>
             <p:ph idx="1" type="body"/>
@@ -2368,7 +2368,7 @@
       </p:sp>
       <p:sp>
         <p:nvSpPr>
-          <p:cNvPr id="574" name="Shape 574"/>
+          <p:cNvPr id="577" name="Shape 577"/>
           <p:cNvSpPr/>
           <p:nvPr>
             <p:ph idx="2" type="sldImg"/>
@@ -2413,7 +2413,7 @@
   <p:cSld>
     <p:spTree>
       <p:nvGrpSpPr>
-        <p:cNvPr id="588" name="Shape 588"/>
+        <p:cNvPr id="592" name="Shape 592"/>
         <p:cNvGrpSpPr/>
         <p:nvPr/>
       </p:nvGrpSpPr>
@@ -2427,7 +2427,7 @@
       </p:grpSpPr>
       <p:sp>
         <p:nvSpPr>
-          <p:cNvPr id="589" name="Shape 589"/>
+          <p:cNvPr id="593" name="Shape 593"/>
           <p:cNvSpPr txBox="1"/>
           <p:nvPr>
             <p:ph idx="1" type="body"/>
@@ -2467,7 +2467,7 @@
       </p:sp>
       <p:sp>
         <p:nvSpPr>
-          <p:cNvPr id="590" name="Shape 590"/>
+          <p:cNvPr id="594" name="Shape 594"/>
           <p:cNvSpPr/>
           <p:nvPr>
             <p:ph idx="2" type="sldImg"/>
@@ -28338,9 +28338,414 @@
           </a:p>
         </p:txBody>
       </p:sp>
+      <p:sp>
+        <p:nvSpPr>
+          <p:cNvPr id="513" name="Shape 513"/>
+          <p:cNvSpPr/>
+          <p:nvPr/>
+        </p:nvSpPr>
+        <p:spPr>
+          <a:xfrm>
+            <a:off x="28580" y="5089464"/>
+            <a:ext cx="5634600" cy="33000"/>
+          </a:xfrm>
+          <a:prstGeom prst="rect">
+            <a:avLst/>
+          </a:prstGeom>
+          <a:solidFill>
+            <a:srgbClr val="434343"/>
+          </a:solidFill>
+          <a:ln>
+            <a:noFill/>
+          </a:ln>
+        </p:spPr>
+        <p:txBody>
+          <a:bodyPr anchorCtr="0" anchor="ctr" bIns="32750" lIns="32750" rIns="32750" wrap="square" tIns="32750">
+            <a:noAutofit/>
+          </a:bodyPr>
+          <a:lstStyle/>
+          <a:p>
+            <a:pPr indent="-88900" lvl="0" marL="0" marR="0" rtl="0" algn="ctr">
+              <a:lnSpc>
+                <a:spcPct val="100000"/>
+              </a:lnSpc>
+              <a:spcBef>
+                <a:spcPts val="0"/>
+              </a:spcBef>
+              <a:spcAft>
+                <a:spcPts val="0"/>
+              </a:spcAft>
+              <a:buClr>
+                <a:srgbClr val="FFFFFF"/>
+              </a:buClr>
+              <a:buFont typeface="Helvetica Neue"/>
+              <a:buNone/>
+            </a:pPr>
+            <a:r>
+              <a:t/>
+            </a:r>
+            <a:endParaRPr b="0" i="0" sz="1400" u="none" cap="none" strike="noStrike">
+              <a:solidFill>
+                <a:srgbClr val="FFFFFF"/>
+              </a:solidFill>
+              <a:latin typeface="Helvetica Neue"/>
+              <a:ea typeface="Helvetica Neue"/>
+              <a:cs typeface="Helvetica Neue"/>
+              <a:sym typeface="Helvetica Neue"/>
+            </a:endParaRPr>
+          </a:p>
+        </p:txBody>
+      </p:sp>
+      <p:sp>
+        <p:nvSpPr>
+          <p:cNvPr id="514" name="Shape 514"/>
+          <p:cNvSpPr/>
+          <p:nvPr/>
+        </p:nvSpPr>
+        <p:spPr>
+          <a:xfrm>
+            <a:off x="31954" y="2099458"/>
+            <a:ext cx="5628900" cy="2974800"/>
+          </a:xfrm>
+          <a:prstGeom prst="rect">
+            <a:avLst/>
+          </a:prstGeom>
+          <a:solidFill>
+            <a:srgbClr val="000000"/>
+          </a:solidFill>
+          <a:ln>
+            <a:noFill/>
+          </a:ln>
+        </p:spPr>
+        <p:txBody>
+          <a:bodyPr anchorCtr="0" anchor="ctr" bIns="32750" lIns="32750" rIns="32750" wrap="square" tIns="32750">
+            <a:noAutofit/>
+          </a:bodyPr>
+          <a:lstStyle/>
+          <a:p>
+            <a:pPr indent="-88900" lvl="0" marL="0" marR="0" rtl="0" algn="ctr">
+              <a:lnSpc>
+                <a:spcPct val="100000"/>
+              </a:lnSpc>
+              <a:spcBef>
+                <a:spcPts val="0"/>
+              </a:spcBef>
+              <a:spcAft>
+                <a:spcPts val="0"/>
+              </a:spcAft>
+              <a:buClr>
+                <a:srgbClr val="FFFFFF"/>
+              </a:buClr>
+              <a:buFont typeface="Helvetica Neue"/>
+              <a:buNone/>
+            </a:pPr>
+            <a:r>
+              <a:t/>
+            </a:r>
+            <a:endParaRPr b="0" i="0" sz="1400" u="none" cap="none" strike="noStrike">
+              <a:solidFill>
+                <a:srgbClr val="FFFFFF"/>
+              </a:solidFill>
+              <a:latin typeface="Helvetica Neue"/>
+              <a:ea typeface="Helvetica Neue"/>
+              <a:cs typeface="Helvetica Neue"/>
+              <a:sym typeface="Helvetica Neue"/>
+            </a:endParaRPr>
+          </a:p>
+        </p:txBody>
+      </p:sp>
+      <p:sp>
+        <p:nvSpPr>
+          <p:cNvPr id="515" name="Shape 515"/>
+          <p:cNvSpPr/>
+          <p:nvPr/>
+        </p:nvSpPr>
+        <p:spPr>
+          <a:xfrm>
+            <a:off x="4339745" y="955019"/>
+            <a:ext cx="1322100" cy="1129200"/>
+          </a:xfrm>
+          <a:prstGeom prst="rect">
+            <a:avLst/>
+          </a:prstGeom>
+          <a:solidFill>
+            <a:srgbClr val="6C6C6C"/>
+          </a:solidFill>
+          <a:ln>
+            <a:noFill/>
+          </a:ln>
+        </p:spPr>
+        <p:txBody>
+          <a:bodyPr anchorCtr="0" anchor="ctr" bIns="32750" lIns="32750" rIns="32750" wrap="square" tIns="32750">
+            <a:noAutofit/>
+          </a:bodyPr>
+          <a:lstStyle/>
+          <a:p>
+            <a:pPr indent="-88900" lvl="0" marL="0" marR="0" rtl="0" algn="ctr">
+              <a:lnSpc>
+                <a:spcPct val="100000"/>
+              </a:lnSpc>
+              <a:spcBef>
+                <a:spcPts val="0"/>
+              </a:spcBef>
+              <a:spcAft>
+                <a:spcPts val="0"/>
+              </a:spcAft>
+              <a:buClr>
+                <a:srgbClr val="FFFFFF"/>
+              </a:buClr>
+              <a:buFont typeface="Helvetica Neue"/>
+              <a:buNone/>
+            </a:pPr>
+            <a:r>
+              <a:t/>
+            </a:r>
+            <a:endParaRPr b="0" i="0" sz="1400" u="none" cap="none" strike="noStrike">
+              <a:solidFill>
+                <a:srgbClr val="FFFFFF"/>
+              </a:solidFill>
+              <a:latin typeface="Helvetica Neue"/>
+              <a:ea typeface="Helvetica Neue"/>
+              <a:cs typeface="Helvetica Neue"/>
+              <a:sym typeface="Helvetica Neue"/>
+            </a:endParaRPr>
+          </a:p>
+        </p:txBody>
+      </p:sp>
+      <p:sp>
+        <p:nvSpPr>
+          <p:cNvPr id="516" name="Shape 516"/>
+          <p:cNvSpPr/>
+          <p:nvPr/>
+        </p:nvSpPr>
+        <p:spPr>
+          <a:xfrm>
+            <a:off x="4344609" y="22274"/>
+            <a:ext cx="4772700" cy="917400"/>
+          </a:xfrm>
+          <a:prstGeom prst="rect">
+            <a:avLst/>
+          </a:prstGeom>
+          <a:solidFill>
+            <a:srgbClr val="434343"/>
+          </a:solidFill>
+          <a:ln>
+            <a:noFill/>
+          </a:ln>
+        </p:spPr>
+        <p:txBody>
+          <a:bodyPr anchorCtr="0" anchor="ctr" bIns="32750" lIns="32750" rIns="32750" wrap="square" tIns="32750">
+            <a:noAutofit/>
+          </a:bodyPr>
+          <a:lstStyle/>
+          <a:p>
+            <a:pPr indent="-88900" lvl="0" marL="0" marR="0" rtl="0" algn="ctr">
+              <a:lnSpc>
+                <a:spcPct val="100000"/>
+              </a:lnSpc>
+              <a:spcBef>
+                <a:spcPts val="0"/>
+              </a:spcBef>
+              <a:spcAft>
+                <a:spcPts val="0"/>
+              </a:spcAft>
+              <a:buClr>
+                <a:srgbClr val="FFFFFF"/>
+              </a:buClr>
+              <a:buFont typeface="Helvetica Neue"/>
+              <a:buNone/>
+            </a:pPr>
+            <a:r>
+              <a:t/>
+            </a:r>
+            <a:endParaRPr b="0" i="0" sz="1400" u="none" cap="none" strike="noStrike">
+              <a:solidFill>
+                <a:srgbClr val="FFFFFF"/>
+              </a:solidFill>
+              <a:latin typeface="Helvetica Neue"/>
+              <a:ea typeface="Helvetica Neue"/>
+              <a:cs typeface="Helvetica Neue"/>
+              <a:sym typeface="Helvetica Neue"/>
+            </a:endParaRPr>
+          </a:p>
+        </p:txBody>
+      </p:sp>
+      <p:sp>
+        <p:nvSpPr>
+          <p:cNvPr id="517" name="Shape 517"/>
+          <p:cNvSpPr txBox="1"/>
+          <p:nvPr/>
+        </p:nvSpPr>
+        <p:spPr>
+          <a:xfrm>
+            <a:off x="4382101" y="264675"/>
+            <a:ext cx="4697700" cy="432600"/>
+          </a:xfrm>
+          <a:prstGeom prst="rect">
+            <a:avLst/>
+          </a:prstGeom>
+          <a:noFill/>
+          <a:ln>
+            <a:noFill/>
+          </a:ln>
+        </p:spPr>
+        <p:txBody>
+          <a:bodyPr anchorCtr="0" anchor="ctr" bIns="32750" lIns="32750" rIns="32750" wrap="square" tIns="32750">
+            <a:noAutofit/>
+          </a:bodyPr>
+          <a:lstStyle/>
+          <a:p>
+            <a:pPr indent="-196850" lvl="0" marL="0" marR="0" rtl="0" algn="ctr">
+              <a:lnSpc>
+                <a:spcPct val="100000"/>
+              </a:lnSpc>
+              <a:spcBef>
+                <a:spcPts val="0"/>
+              </a:spcBef>
+              <a:spcAft>
+                <a:spcPts val="0"/>
+              </a:spcAft>
+              <a:buClr>
+                <a:srgbClr val="FFFFFF"/>
+              </a:buClr>
+              <a:buSzPct val="114814"/>
+              <a:buFont typeface="Helvetica Neue"/>
+              <a:buNone/>
+            </a:pPr>
+            <a:r>
+              <a:rPr b="1" lang="en" sz="2700">
+                <a:solidFill>
+                  <a:srgbClr val="FFFFFF"/>
+                </a:solidFill>
+                <a:latin typeface="Helvetica Neue"/>
+                <a:ea typeface="Helvetica Neue"/>
+                <a:cs typeface="Helvetica Neue"/>
+                <a:sym typeface="Helvetica Neue"/>
+              </a:rPr>
+              <a:t>Initial Exploration and Visualization</a:t>
+            </a:r>
+          </a:p>
+        </p:txBody>
+      </p:sp>
+      <p:sp>
+        <p:nvSpPr>
+          <p:cNvPr id="518" name="Shape 518"/>
+          <p:cNvSpPr/>
+          <p:nvPr/>
+        </p:nvSpPr>
+        <p:spPr>
+          <a:xfrm>
+            <a:off x="5682332" y="2101132"/>
+            <a:ext cx="3434400" cy="2083200"/>
+          </a:xfrm>
+          <a:prstGeom prst="rect">
+            <a:avLst/>
+          </a:prstGeom>
+          <a:solidFill>
+            <a:srgbClr val="434343"/>
+          </a:solidFill>
+          <a:ln>
+            <a:noFill/>
+          </a:ln>
+        </p:spPr>
+        <p:txBody>
+          <a:bodyPr anchorCtr="0" anchor="ctr" bIns="32750" lIns="32750" rIns="32750" wrap="square" tIns="32750">
+            <a:noAutofit/>
+          </a:bodyPr>
+          <a:lstStyle/>
+          <a:p>
+            <a:pPr indent="-88900" lvl="0" marL="0" marR="0" rtl="0" algn="ctr">
+              <a:lnSpc>
+                <a:spcPct val="100000"/>
+              </a:lnSpc>
+              <a:spcBef>
+                <a:spcPts val="0"/>
+              </a:spcBef>
+              <a:spcAft>
+                <a:spcPts val="0"/>
+              </a:spcAft>
+              <a:buClr>
+                <a:srgbClr val="FFFFFF"/>
+              </a:buClr>
+              <a:buFont typeface="Helvetica Neue"/>
+              <a:buNone/>
+            </a:pPr>
+            <a:r>
+              <a:t/>
+            </a:r>
+            <a:endParaRPr b="0" i="0" sz="1400" u="none" cap="none" strike="noStrike">
+              <a:solidFill>
+                <a:srgbClr val="FFFFFF"/>
+              </a:solidFill>
+              <a:latin typeface="Helvetica Neue"/>
+              <a:ea typeface="Helvetica Neue"/>
+              <a:cs typeface="Helvetica Neue"/>
+              <a:sym typeface="Helvetica Neue"/>
+            </a:endParaRPr>
+          </a:p>
+        </p:txBody>
+      </p:sp>
+      <p:sp>
+        <p:nvSpPr>
+          <p:cNvPr id="519" name="Shape 519"/>
+          <p:cNvSpPr/>
+          <p:nvPr/>
+        </p:nvSpPr>
+        <p:spPr>
+          <a:xfrm>
+            <a:off x="5685350" y="957050"/>
+            <a:ext cx="2451300" cy="1125000"/>
+          </a:xfrm>
+          <a:prstGeom prst="rect">
+            <a:avLst/>
+          </a:prstGeom>
+          <a:solidFill>
+            <a:srgbClr val="6C6C6C"/>
+          </a:solidFill>
+          <a:ln>
+            <a:noFill/>
+          </a:ln>
+        </p:spPr>
+        <p:txBody>
+          <a:bodyPr anchorCtr="0" anchor="ctr" bIns="32750" lIns="32750" rIns="32750" wrap="square" tIns="32750">
+            <a:noAutofit/>
+          </a:bodyPr>
+          <a:lstStyle/>
+          <a:p>
+            <a:pPr indent="-88900" lvl="0" marL="0" marR="0" rtl="0" algn="ctr">
+              <a:lnSpc>
+                <a:spcPct val="100000"/>
+              </a:lnSpc>
+              <a:spcBef>
+                <a:spcPts val="0"/>
+              </a:spcBef>
+              <a:spcAft>
+                <a:spcPts val="0"/>
+              </a:spcAft>
+              <a:buClr>
+                <a:srgbClr val="FFFFFF"/>
+              </a:buClr>
+              <a:buFont typeface="Helvetica Neue"/>
+              <a:buNone/>
+            </a:pPr>
+            <a:r>
+              <a:t/>
+            </a:r>
+            <a:endParaRPr b="0" i="0" sz="1400" u="none" cap="none" strike="noStrike">
+              <a:solidFill>
+                <a:srgbClr val="FFFFFF"/>
+              </a:solidFill>
+              <a:latin typeface="Helvetica Neue"/>
+              <a:ea typeface="Helvetica Neue"/>
+              <a:cs typeface="Helvetica Neue"/>
+              <a:sym typeface="Helvetica Neue"/>
+            </a:endParaRPr>
+          </a:p>
+        </p:txBody>
+      </p:sp>
       <p:pic>
         <p:nvPicPr>
-          <p:cNvPr descr="chemicalplant.jpg" id="513" name="Shape 513"/>
+          <p:cNvPr descr="2eastmainbfr.jpg" id="520" name="Shape 520"/>
           <p:cNvPicPr preferRelativeResize="0"/>
           <p:nvPr/>
         </p:nvPicPr>
@@ -28353,8 +28758,8 @@
         </p:blipFill>
         <p:spPr>
           <a:xfrm>
-            <a:off x="28053" y="17150"/>
-            <a:ext cx="4286250" cy="2066575"/>
+            <a:off x="8174459" y="957284"/>
+            <a:ext cx="944244" cy="1124691"/>
           </a:xfrm>
           <a:prstGeom prst="rect">
             <a:avLst/>
@@ -28365,414 +28770,9 @@
           </a:ln>
         </p:spPr>
       </p:pic>
-      <p:sp>
-        <p:nvSpPr>
-          <p:cNvPr id="514" name="Shape 514"/>
-          <p:cNvSpPr/>
-          <p:nvPr/>
-        </p:nvSpPr>
-        <p:spPr>
-          <a:xfrm>
-            <a:off x="28580" y="5089464"/>
-            <a:ext cx="5634600" cy="33000"/>
-          </a:xfrm>
-          <a:prstGeom prst="rect">
-            <a:avLst/>
-          </a:prstGeom>
-          <a:solidFill>
-            <a:srgbClr val="434343"/>
-          </a:solidFill>
-          <a:ln>
-            <a:noFill/>
-          </a:ln>
-        </p:spPr>
-        <p:txBody>
-          <a:bodyPr anchorCtr="0" anchor="ctr" bIns="32750" lIns="32750" rIns="32750" wrap="square" tIns="32750">
-            <a:noAutofit/>
-          </a:bodyPr>
-          <a:lstStyle/>
-          <a:p>
-            <a:pPr indent="-88900" lvl="0" marL="0" marR="0" rtl="0" algn="ctr">
-              <a:lnSpc>
-                <a:spcPct val="100000"/>
-              </a:lnSpc>
-              <a:spcBef>
-                <a:spcPts val="0"/>
-              </a:spcBef>
-              <a:spcAft>
-                <a:spcPts val="0"/>
-              </a:spcAft>
-              <a:buClr>
-                <a:srgbClr val="FFFFFF"/>
-              </a:buClr>
-              <a:buFont typeface="Helvetica Neue"/>
-              <a:buNone/>
-            </a:pPr>
-            <a:r>
-              <a:t/>
-            </a:r>
-            <a:endParaRPr b="0" i="0" sz="1400" u="none" cap="none" strike="noStrike">
-              <a:solidFill>
-                <a:srgbClr val="FFFFFF"/>
-              </a:solidFill>
-              <a:latin typeface="Helvetica Neue"/>
-              <a:ea typeface="Helvetica Neue"/>
-              <a:cs typeface="Helvetica Neue"/>
-              <a:sym typeface="Helvetica Neue"/>
-            </a:endParaRPr>
-          </a:p>
-        </p:txBody>
-      </p:sp>
-      <p:sp>
-        <p:nvSpPr>
-          <p:cNvPr id="515" name="Shape 515"/>
-          <p:cNvSpPr/>
-          <p:nvPr/>
-        </p:nvSpPr>
-        <p:spPr>
-          <a:xfrm>
-            <a:off x="31954" y="2099458"/>
-            <a:ext cx="5628900" cy="2974800"/>
-          </a:xfrm>
-          <a:prstGeom prst="rect">
-            <a:avLst/>
-          </a:prstGeom>
-          <a:solidFill>
-            <a:srgbClr val="000000"/>
-          </a:solidFill>
-          <a:ln>
-            <a:noFill/>
-          </a:ln>
-        </p:spPr>
-        <p:txBody>
-          <a:bodyPr anchorCtr="0" anchor="ctr" bIns="32750" lIns="32750" rIns="32750" wrap="square" tIns="32750">
-            <a:noAutofit/>
-          </a:bodyPr>
-          <a:lstStyle/>
-          <a:p>
-            <a:pPr indent="-88900" lvl="0" marL="0" marR="0" rtl="0" algn="ctr">
-              <a:lnSpc>
-                <a:spcPct val="100000"/>
-              </a:lnSpc>
-              <a:spcBef>
-                <a:spcPts val="0"/>
-              </a:spcBef>
-              <a:spcAft>
-                <a:spcPts val="0"/>
-              </a:spcAft>
-              <a:buClr>
-                <a:srgbClr val="FFFFFF"/>
-              </a:buClr>
-              <a:buFont typeface="Helvetica Neue"/>
-              <a:buNone/>
-            </a:pPr>
-            <a:r>
-              <a:t/>
-            </a:r>
-            <a:endParaRPr b="0" i="0" sz="1400" u="none" cap="none" strike="noStrike">
-              <a:solidFill>
-                <a:srgbClr val="FFFFFF"/>
-              </a:solidFill>
-              <a:latin typeface="Helvetica Neue"/>
-              <a:ea typeface="Helvetica Neue"/>
-              <a:cs typeface="Helvetica Neue"/>
-              <a:sym typeface="Helvetica Neue"/>
-            </a:endParaRPr>
-          </a:p>
-        </p:txBody>
-      </p:sp>
-      <p:sp>
-        <p:nvSpPr>
-          <p:cNvPr id="516" name="Shape 516"/>
-          <p:cNvSpPr/>
-          <p:nvPr/>
-        </p:nvSpPr>
-        <p:spPr>
-          <a:xfrm>
-            <a:off x="4339745" y="955019"/>
-            <a:ext cx="1322100" cy="1129200"/>
-          </a:xfrm>
-          <a:prstGeom prst="rect">
-            <a:avLst/>
-          </a:prstGeom>
-          <a:solidFill>
-            <a:srgbClr val="6C6C6C"/>
-          </a:solidFill>
-          <a:ln>
-            <a:noFill/>
-          </a:ln>
-        </p:spPr>
-        <p:txBody>
-          <a:bodyPr anchorCtr="0" anchor="ctr" bIns="32750" lIns="32750" rIns="32750" wrap="square" tIns="32750">
-            <a:noAutofit/>
-          </a:bodyPr>
-          <a:lstStyle/>
-          <a:p>
-            <a:pPr indent="-88900" lvl="0" marL="0" marR="0" rtl="0" algn="ctr">
-              <a:lnSpc>
-                <a:spcPct val="100000"/>
-              </a:lnSpc>
-              <a:spcBef>
-                <a:spcPts val="0"/>
-              </a:spcBef>
-              <a:spcAft>
-                <a:spcPts val="0"/>
-              </a:spcAft>
-              <a:buClr>
-                <a:srgbClr val="FFFFFF"/>
-              </a:buClr>
-              <a:buFont typeface="Helvetica Neue"/>
-              <a:buNone/>
-            </a:pPr>
-            <a:r>
-              <a:t/>
-            </a:r>
-            <a:endParaRPr b="0" i="0" sz="1400" u="none" cap="none" strike="noStrike">
-              <a:solidFill>
-                <a:srgbClr val="FFFFFF"/>
-              </a:solidFill>
-              <a:latin typeface="Helvetica Neue"/>
-              <a:ea typeface="Helvetica Neue"/>
-              <a:cs typeface="Helvetica Neue"/>
-              <a:sym typeface="Helvetica Neue"/>
-            </a:endParaRPr>
-          </a:p>
-        </p:txBody>
-      </p:sp>
-      <p:sp>
-        <p:nvSpPr>
-          <p:cNvPr id="517" name="Shape 517"/>
-          <p:cNvSpPr/>
-          <p:nvPr/>
-        </p:nvSpPr>
-        <p:spPr>
-          <a:xfrm>
-            <a:off x="4344609" y="22274"/>
-            <a:ext cx="4772700" cy="917400"/>
-          </a:xfrm>
-          <a:prstGeom prst="rect">
-            <a:avLst/>
-          </a:prstGeom>
-          <a:solidFill>
-            <a:srgbClr val="434343"/>
-          </a:solidFill>
-          <a:ln>
-            <a:noFill/>
-          </a:ln>
-        </p:spPr>
-        <p:txBody>
-          <a:bodyPr anchorCtr="0" anchor="ctr" bIns="32750" lIns="32750" rIns="32750" wrap="square" tIns="32750">
-            <a:noAutofit/>
-          </a:bodyPr>
-          <a:lstStyle/>
-          <a:p>
-            <a:pPr indent="-88900" lvl="0" marL="0" marR="0" rtl="0" algn="ctr">
-              <a:lnSpc>
-                <a:spcPct val="100000"/>
-              </a:lnSpc>
-              <a:spcBef>
-                <a:spcPts val="0"/>
-              </a:spcBef>
-              <a:spcAft>
-                <a:spcPts val="0"/>
-              </a:spcAft>
-              <a:buClr>
-                <a:srgbClr val="FFFFFF"/>
-              </a:buClr>
-              <a:buFont typeface="Helvetica Neue"/>
-              <a:buNone/>
-            </a:pPr>
-            <a:r>
-              <a:t/>
-            </a:r>
-            <a:endParaRPr b="0" i="0" sz="1400" u="none" cap="none" strike="noStrike">
-              <a:solidFill>
-                <a:srgbClr val="FFFFFF"/>
-              </a:solidFill>
-              <a:latin typeface="Helvetica Neue"/>
-              <a:ea typeface="Helvetica Neue"/>
-              <a:cs typeface="Helvetica Neue"/>
-              <a:sym typeface="Helvetica Neue"/>
-            </a:endParaRPr>
-          </a:p>
-        </p:txBody>
-      </p:sp>
-      <p:sp>
-        <p:nvSpPr>
-          <p:cNvPr id="518" name="Shape 518"/>
-          <p:cNvSpPr txBox="1"/>
-          <p:nvPr/>
-        </p:nvSpPr>
-        <p:spPr>
-          <a:xfrm>
-            <a:off x="4382101" y="264675"/>
-            <a:ext cx="4697700" cy="432600"/>
-          </a:xfrm>
-          <a:prstGeom prst="rect">
-            <a:avLst/>
-          </a:prstGeom>
-          <a:noFill/>
-          <a:ln>
-            <a:noFill/>
-          </a:ln>
-        </p:spPr>
-        <p:txBody>
-          <a:bodyPr anchorCtr="0" anchor="ctr" bIns="32750" lIns="32750" rIns="32750" wrap="square" tIns="32750">
-            <a:noAutofit/>
-          </a:bodyPr>
-          <a:lstStyle/>
-          <a:p>
-            <a:pPr indent="-196850" lvl="0" marL="0" marR="0" rtl="0" algn="ctr">
-              <a:lnSpc>
-                <a:spcPct val="100000"/>
-              </a:lnSpc>
-              <a:spcBef>
-                <a:spcPts val="0"/>
-              </a:spcBef>
-              <a:spcAft>
-                <a:spcPts val="0"/>
-              </a:spcAft>
-              <a:buClr>
-                <a:srgbClr val="FFFFFF"/>
-              </a:buClr>
-              <a:buSzPct val="114814"/>
-              <a:buFont typeface="Helvetica Neue"/>
-              <a:buNone/>
-            </a:pPr>
-            <a:r>
-              <a:rPr b="1" lang="en" sz="2700">
-                <a:solidFill>
-                  <a:srgbClr val="FFFFFF"/>
-                </a:solidFill>
-                <a:latin typeface="Helvetica Neue"/>
-                <a:ea typeface="Helvetica Neue"/>
-                <a:cs typeface="Helvetica Neue"/>
-                <a:sym typeface="Helvetica Neue"/>
-              </a:rPr>
-              <a:t>Initial Exploration and Visualization</a:t>
-            </a:r>
-          </a:p>
-        </p:txBody>
-      </p:sp>
-      <p:sp>
-        <p:nvSpPr>
-          <p:cNvPr id="519" name="Shape 519"/>
-          <p:cNvSpPr/>
-          <p:nvPr/>
-        </p:nvSpPr>
-        <p:spPr>
-          <a:xfrm>
-            <a:off x="5682332" y="2101132"/>
-            <a:ext cx="3434400" cy="2083200"/>
-          </a:xfrm>
-          <a:prstGeom prst="rect">
-            <a:avLst/>
-          </a:prstGeom>
-          <a:solidFill>
-            <a:srgbClr val="434343"/>
-          </a:solidFill>
-          <a:ln>
-            <a:noFill/>
-          </a:ln>
-        </p:spPr>
-        <p:txBody>
-          <a:bodyPr anchorCtr="0" anchor="ctr" bIns="32750" lIns="32750" rIns="32750" wrap="square" tIns="32750">
-            <a:noAutofit/>
-          </a:bodyPr>
-          <a:lstStyle/>
-          <a:p>
-            <a:pPr indent="-88900" lvl="0" marL="0" marR="0" rtl="0" algn="ctr">
-              <a:lnSpc>
-                <a:spcPct val="100000"/>
-              </a:lnSpc>
-              <a:spcBef>
-                <a:spcPts val="0"/>
-              </a:spcBef>
-              <a:spcAft>
-                <a:spcPts val="0"/>
-              </a:spcAft>
-              <a:buClr>
-                <a:srgbClr val="FFFFFF"/>
-              </a:buClr>
-              <a:buFont typeface="Helvetica Neue"/>
-              <a:buNone/>
-            </a:pPr>
-            <a:r>
-              <a:t/>
-            </a:r>
-            <a:endParaRPr b="0" i="0" sz="1400" u="none" cap="none" strike="noStrike">
-              <a:solidFill>
-                <a:srgbClr val="FFFFFF"/>
-              </a:solidFill>
-              <a:latin typeface="Helvetica Neue"/>
-              <a:ea typeface="Helvetica Neue"/>
-              <a:cs typeface="Helvetica Neue"/>
-              <a:sym typeface="Helvetica Neue"/>
-            </a:endParaRPr>
-          </a:p>
-        </p:txBody>
-      </p:sp>
-      <p:sp>
-        <p:nvSpPr>
-          <p:cNvPr id="520" name="Shape 520"/>
-          <p:cNvSpPr/>
-          <p:nvPr/>
-        </p:nvSpPr>
-        <p:spPr>
-          <a:xfrm>
-            <a:off x="5685350" y="957050"/>
-            <a:ext cx="2451300" cy="1125000"/>
-          </a:xfrm>
-          <a:prstGeom prst="rect">
-            <a:avLst/>
-          </a:prstGeom>
-          <a:solidFill>
-            <a:srgbClr val="6C6C6C"/>
-          </a:solidFill>
-          <a:ln>
-            <a:noFill/>
-          </a:ln>
-        </p:spPr>
-        <p:txBody>
-          <a:bodyPr anchorCtr="0" anchor="ctr" bIns="32750" lIns="32750" rIns="32750" wrap="square" tIns="32750">
-            <a:noAutofit/>
-          </a:bodyPr>
-          <a:lstStyle/>
-          <a:p>
-            <a:pPr indent="-88900" lvl="0" marL="0" marR="0" rtl="0" algn="ctr">
-              <a:lnSpc>
-                <a:spcPct val="100000"/>
-              </a:lnSpc>
-              <a:spcBef>
-                <a:spcPts val="0"/>
-              </a:spcBef>
-              <a:spcAft>
-                <a:spcPts val="0"/>
-              </a:spcAft>
-              <a:buClr>
-                <a:srgbClr val="FFFFFF"/>
-              </a:buClr>
-              <a:buFont typeface="Helvetica Neue"/>
-              <a:buNone/>
-            </a:pPr>
-            <a:r>
-              <a:t/>
-            </a:r>
-            <a:endParaRPr b="0" i="0" sz="1400" u="none" cap="none" strike="noStrike">
-              <a:solidFill>
-                <a:srgbClr val="FFFFFF"/>
-              </a:solidFill>
-              <a:latin typeface="Helvetica Neue"/>
-              <a:ea typeface="Helvetica Neue"/>
-              <a:cs typeface="Helvetica Neue"/>
-              <a:sym typeface="Helvetica Neue"/>
-            </a:endParaRPr>
-          </a:p>
-        </p:txBody>
-      </p:sp>
       <p:pic>
         <p:nvPicPr>
-          <p:cNvPr descr="2eastmainbfr.jpg" id="521" name="Shape 521"/>
+          <p:cNvPr descr="natural-wetland-2.jpg" id="521" name="Shape 521"/>
           <p:cNvPicPr preferRelativeResize="0"/>
           <p:nvPr/>
         </p:nvPicPr>
@@ -28785,8 +28785,8 @@
         </p:blipFill>
         <p:spPr>
           <a:xfrm>
-            <a:off x="8174459" y="957284"/>
-            <a:ext cx="944244" cy="1124691"/>
+            <a:off x="7569975" y="4203150"/>
+            <a:ext cx="1564600" cy="916575"/>
           </a:xfrm>
           <a:prstGeom prst="rect">
             <a:avLst/>
@@ -28797,9 +28797,67 @@
           </a:ln>
         </p:spPr>
       </p:pic>
+      <p:sp>
+        <p:nvSpPr>
+          <p:cNvPr id="522" name="Shape 522"/>
+          <p:cNvSpPr/>
+          <p:nvPr/>
+        </p:nvSpPr>
+        <p:spPr>
+          <a:xfrm>
+            <a:off x="5683150" y="4203175"/>
+            <a:ext cx="1866900" cy="917400"/>
+          </a:xfrm>
+          <a:prstGeom prst="rect">
+            <a:avLst/>
+          </a:prstGeom>
+          <a:solidFill>
+            <a:srgbClr val="6C6C6C"/>
+          </a:solidFill>
+          <a:ln>
+            <a:noFill/>
+          </a:ln>
+        </p:spPr>
+        <p:txBody>
+          <a:bodyPr anchorCtr="0" anchor="ctr" bIns="32750" lIns="32750" rIns="32750" wrap="square" tIns="32750">
+            <a:noAutofit/>
+          </a:bodyPr>
+          <a:lstStyle/>
+          <a:p>
+            <a:pPr indent="-88900" lvl="0" marL="0" marR="0" rtl="0" algn="ctr">
+              <a:lnSpc>
+                <a:spcPct val="100000"/>
+              </a:lnSpc>
+              <a:spcBef>
+                <a:spcPts val="0"/>
+              </a:spcBef>
+              <a:spcAft>
+                <a:spcPts val="0"/>
+              </a:spcAft>
+              <a:buClr>
+                <a:srgbClr val="FFFFFF"/>
+              </a:buClr>
+              <a:buFont typeface="Helvetica Neue"/>
+              <a:buNone/>
+            </a:pPr>
+            <a:r>
+              <a:t/>
+            </a:r>
+            <a:endParaRPr b="0" i="0" sz="1400" u="none" cap="none" strike="noStrike">
+              <a:solidFill>
+                <a:srgbClr val="FFFFFF"/>
+              </a:solidFill>
+              <a:latin typeface="Helvetica Neue"/>
+              <a:ea typeface="Helvetica Neue"/>
+              <a:cs typeface="Helvetica Neue"/>
+              <a:sym typeface="Helvetica Neue"/>
+            </a:endParaRPr>
+          </a:p>
+        </p:txBody>
+      </p:sp>
       <p:pic>
         <p:nvPicPr>
-          <p:cNvPr descr="natural-wetland-2.jpg" id="522" name="Shape 522"/>
+          <p:cNvPr descr="trimockup.jpg" id="523" name="Shape 523"/>
           <p:cNvPicPr preferRelativeResize="0"/>
           <p:nvPr/>
         </p:nvPicPr>
@@ -28812,8 +28870,8 @@
         </p:blipFill>
         <p:spPr>
           <a:xfrm>
-            <a:off x="7569975" y="4203150"/>
-            <a:ext cx="1564600" cy="916575"/>
+            <a:off x="23725" y="16750"/>
+            <a:ext cx="4286250" cy="2066100"/>
           </a:xfrm>
           <a:prstGeom prst="rect">
             <a:avLst/>
@@ -28824,64 +28882,6 @@
           </a:ln>
         </p:spPr>
       </p:pic>
-      <p:sp>
-        <p:nvSpPr>
-          <p:cNvPr id="523" name="Shape 523"/>
-          <p:cNvSpPr/>
-          <p:nvPr/>
-        </p:nvSpPr>
-        <p:spPr>
-          <a:xfrm>
-            <a:off x="5683150" y="4203175"/>
-            <a:ext cx="1866900" cy="917400"/>
-          </a:xfrm>
-          <a:prstGeom prst="rect">
-            <a:avLst/>
-          </a:prstGeom>
-          <a:solidFill>
-            <a:srgbClr val="6C6C6C"/>
-          </a:solidFill>
-          <a:ln>
-            <a:noFill/>
-          </a:ln>
-        </p:spPr>
-        <p:txBody>
-          <a:bodyPr anchorCtr="0" anchor="ctr" bIns="32750" lIns="32750" rIns="32750" wrap="square" tIns="32750">
-            <a:noAutofit/>
-          </a:bodyPr>
-          <a:lstStyle/>
-          <a:p>
-            <a:pPr indent="-88900" lvl="0" marL="0" marR="0" rtl="0" algn="ctr">
-              <a:lnSpc>
-                <a:spcPct val="100000"/>
-              </a:lnSpc>
-              <a:spcBef>
-                <a:spcPts val="0"/>
-              </a:spcBef>
-              <a:spcAft>
-                <a:spcPts val="0"/>
-              </a:spcAft>
-              <a:buClr>
-                <a:srgbClr val="FFFFFF"/>
-              </a:buClr>
-              <a:buFont typeface="Helvetica Neue"/>
-              <a:buNone/>
-            </a:pPr>
-            <a:r>
-              <a:t/>
-            </a:r>
-            <a:endParaRPr b="0" i="0" sz="1400" u="none" cap="none" strike="noStrike">
-              <a:solidFill>
-                <a:srgbClr val="FFFFFF"/>
-              </a:solidFill>
-              <a:latin typeface="Helvetica Neue"/>
-              <a:ea typeface="Helvetica Neue"/>
-              <a:cs typeface="Helvetica Neue"/>
-              <a:sym typeface="Helvetica Neue"/>
-            </a:endParaRPr>
-          </a:p>
-        </p:txBody>
-      </p:sp>
     </p:spTree>
   </p:cSld>
   <p:clrMapOvr>
@@ -28975,9 +28975,414 @@
           </a:p>
         </p:txBody>
       </p:sp>
+      <p:sp>
+        <p:nvSpPr>
+          <p:cNvPr id="529" name="Shape 529"/>
+          <p:cNvSpPr/>
+          <p:nvPr/>
+        </p:nvSpPr>
+        <p:spPr>
+          <a:xfrm>
+            <a:off x="28580" y="5089464"/>
+            <a:ext cx="5634600" cy="33000"/>
+          </a:xfrm>
+          <a:prstGeom prst="rect">
+            <a:avLst/>
+          </a:prstGeom>
+          <a:solidFill>
+            <a:srgbClr val="434343"/>
+          </a:solidFill>
+          <a:ln>
+            <a:noFill/>
+          </a:ln>
+        </p:spPr>
+        <p:txBody>
+          <a:bodyPr anchorCtr="0" anchor="ctr" bIns="32750" lIns="32750" rIns="32750" wrap="square" tIns="32750">
+            <a:noAutofit/>
+          </a:bodyPr>
+          <a:lstStyle/>
+          <a:p>
+            <a:pPr indent="-88900" lvl="0" marL="0" marR="0" rtl="0" algn="ctr">
+              <a:lnSpc>
+                <a:spcPct val="100000"/>
+              </a:lnSpc>
+              <a:spcBef>
+                <a:spcPts val="0"/>
+              </a:spcBef>
+              <a:spcAft>
+                <a:spcPts val="0"/>
+              </a:spcAft>
+              <a:buClr>
+                <a:srgbClr val="FFFFFF"/>
+              </a:buClr>
+              <a:buFont typeface="Helvetica Neue"/>
+              <a:buNone/>
+            </a:pPr>
+            <a:r>
+              <a:t/>
+            </a:r>
+            <a:endParaRPr b="0" i="0" sz="1400" u="none" cap="none" strike="noStrike">
+              <a:solidFill>
+                <a:srgbClr val="FFFFFF"/>
+              </a:solidFill>
+              <a:latin typeface="Helvetica Neue"/>
+              <a:ea typeface="Helvetica Neue"/>
+              <a:cs typeface="Helvetica Neue"/>
+              <a:sym typeface="Helvetica Neue"/>
+            </a:endParaRPr>
+          </a:p>
+        </p:txBody>
+      </p:sp>
+      <p:sp>
+        <p:nvSpPr>
+          <p:cNvPr id="530" name="Shape 530"/>
+          <p:cNvSpPr/>
+          <p:nvPr/>
+        </p:nvSpPr>
+        <p:spPr>
+          <a:xfrm>
+            <a:off x="31954" y="2099458"/>
+            <a:ext cx="5628900" cy="2974800"/>
+          </a:xfrm>
+          <a:prstGeom prst="rect">
+            <a:avLst/>
+          </a:prstGeom>
+          <a:solidFill>
+            <a:srgbClr val="000000"/>
+          </a:solidFill>
+          <a:ln>
+            <a:noFill/>
+          </a:ln>
+        </p:spPr>
+        <p:txBody>
+          <a:bodyPr anchorCtr="0" anchor="ctr" bIns="32750" lIns="32750" rIns="32750" wrap="square" tIns="32750">
+            <a:noAutofit/>
+          </a:bodyPr>
+          <a:lstStyle/>
+          <a:p>
+            <a:pPr indent="-88900" lvl="0" marL="0" marR="0" rtl="0" algn="ctr">
+              <a:lnSpc>
+                <a:spcPct val="100000"/>
+              </a:lnSpc>
+              <a:spcBef>
+                <a:spcPts val="0"/>
+              </a:spcBef>
+              <a:spcAft>
+                <a:spcPts val="0"/>
+              </a:spcAft>
+              <a:buClr>
+                <a:srgbClr val="FFFFFF"/>
+              </a:buClr>
+              <a:buFont typeface="Helvetica Neue"/>
+              <a:buNone/>
+            </a:pPr>
+            <a:r>
+              <a:t/>
+            </a:r>
+            <a:endParaRPr b="0" i="0" sz="1400" u="none" cap="none" strike="noStrike">
+              <a:solidFill>
+                <a:srgbClr val="FFFFFF"/>
+              </a:solidFill>
+              <a:latin typeface="Helvetica Neue"/>
+              <a:ea typeface="Helvetica Neue"/>
+              <a:cs typeface="Helvetica Neue"/>
+              <a:sym typeface="Helvetica Neue"/>
+            </a:endParaRPr>
+          </a:p>
+        </p:txBody>
+      </p:sp>
+      <p:sp>
+        <p:nvSpPr>
+          <p:cNvPr id="531" name="Shape 531"/>
+          <p:cNvSpPr/>
+          <p:nvPr/>
+        </p:nvSpPr>
+        <p:spPr>
+          <a:xfrm>
+            <a:off x="4339745" y="955019"/>
+            <a:ext cx="1322100" cy="1129200"/>
+          </a:xfrm>
+          <a:prstGeom prst="rect">
+            <a:avLst/>
+          </a:prstGeom>
+          <a:solidFill>
+            <a:srgbClr val="6C6C6C"/>
+          </a:solidFill>
+          <a:ln>
+            <a:noFill/>
+          </a:ln>
+        </p:spPr>
+        <p:txBody>
+          <a:bodyPr anchorCtr="0" anchor="ctr" bIns="32750" lIns="32750" rIns="32750" wrap="square" tIns="32750">
+            <a:noAutofit/>
+          </a:bodyPr>
+          <a:lstStyle/>
+          <a:p>
+            <a:pPr indent="-88900" lvl="0" marL="0" marR="0" rtl="0" algn="ctr">
+              <a:lnSpc>
+                <a:spcPct val="100000"/>
+              </a:lnSpc>
+              <a:spcBef>
+                <a:spcPts val="0"/>
+              </a:spcBef>
+              <a:spcAft>
+                <a:spcPts val="0"/>
+              </a:spcAft>
+              <a:buClr>
+                <a:srgbClr val="FFFFFF"/>
+              </a:buClr>
+              <a:buFont typeface="Helvetica Neue"/>
+              <a:buNone/>
+            </a:pPr>
+            <a:r>
+              <a:t/>
+            </a:r>
+            <a:endParaRPr b="0" i="0" sz="1400" u="none" cap="none" strike="noStrike">
+              <a:solidFill>
+                <a:srgbClr val="FFFFFF"/>
+              </a:solidFill>
+              <a:latin typeface="Helvetica Neue"/>
+              <a:ea typeface="Helvetica Neue"/>
+              <a:cs typeface="Helvetica Neue"/>
+              <a:sym typeface="Helvetica Neue"/>
+            </a:endParaRPr>
+          </a:p>
+        </p:txBody>
+      </p:sp>
+      <p:sp>
+        <p:nvSpPr>
+          <p:cNvPr id="532" name="Shape 532"/>
+          <p:cNvSpPr/>
+          <p:nvPr/>
+        </p:nvSpPr>
+        <p:spPr>
+          <a:xfrm>
+            <a:off x="4344609" y="22274"/>
+            <a:ext cx="4772700" cy="917400"/>
+          </a:xfrm>
+          <a:prstGeom prst="rect">
+            <a:avLst/>
+          </a:prstGeom>
+          <a:solidFill>
+            <a:srgbClr val="434343"/>
+          </a:solidFill>
+          <a:ln>
+            <a:noFill/>
+          </a:ln>
+        </p:spPr>
+        <p:txBody>
+          <a:bodyPr anchorCtr="0" anchor="ctr" bIns="32750" lIns="32750" rIns="32750" wrap="square" tIns="32750">
+            <a:noAutofit/>
+          </a:bodyPr>
+          <a:lstStyle/>
+          <a:p>
+            <a:pPr indent="-88900" lvl="0" marL="0" marR="0" rtl="0" algn="ctr">
+              <a:lnSpc>
+                <a:spcPct val="100000"/>
+              </a:lnSpc>
+              <a:spcBef>
+                <a:spcPts val="0"/>
+              </a:spcBef>
+              <a:spcAft>
+                <a:spcPts val="0"/>
+              </a:spcAft>
+              <a:buClr>
+                <a:srgbClr val="FFFFFF"/>
+              </a:buClr>
+              <a:buFont typeface="Helvetica Neue"/>
+              <a:buNone/>
+            </a:pPr>
+            <a:r>
+              <a:t/>
+            </a:r>
+            <a:endParaRPr b="0" i="0" sz="1400" u="none" cap="none" strike="noStrike">
+              <a:solidFill>
+                <a:srgbClr val="FFFFFF"/>
+              </a:solidFill>
+              <a:latin typeface="Helvetica Neue"/>
+              <a:ea typeface="Helvetica Neue"/>
+              <a:cs typeface="Helvetica Neue"/>
+              <a:sym typeface="Helvetica Neue"/>
+            </a:endParaRPr>
+          </a:p>
+        </p:txBody>
+      </p:sp>
+      <p:sp>
+        <p:nvSpPr>
+          <p:cNvPr id="533" name="Shape 533"/>
+          <p:cNvSpPr txBox="1"/>
+          <p:nvPr/>
+        </p:nvSpPr>
+        <p:spPr>
+          <a:xfrm>
+            <a:off x="4382101" y="264675"/>
+            <a:ext cx="4697700" cy="432600"/>
+          </a:xfrm>
+          <a:prstGeom prst="rect">
+            <a:avLst/>
+          </a:prstGeom>
+          <a:noFill/>
+          <a:ln>
+            <a:noFill/>
+          </a:ln>
+        </p:spPr>
+        <p:txBody>
+          <a:bodyPr anchorCtr="0" anchor="ctr" bIns="32750" lIns="32750" rIns="32750" wrap="square" tIns="32750">
+            <a:noAutofit/>
+          </a:bodyPr>
+          <a:lstStyle/>
+          <a:p>
+            <a:pPr indent="-196850" lvl="0" marL="0" marR="0" rtl="0" algn="ctr">
+              <a:lnSpc>
+                <a:spcPct val="100000"/>
+              </a:lnSpc>
+              <a:spcBef>
+                <a:spcPts val="0"/>
+              </a:spcBef>
+              <a:spcAft>
+                <a:spcPts val="0"/>
+              </a:spcAft>
+              <a:buClr>
+                <a:srgbClr val="FFFFFF"/>
+              </a:buClr>
+              <a:buSzPct val="114814"/>
+              <a:buFont typeface="Helvetica Neue"/>
+              <a:buNone/>
+            </a:pPr>
+            <a:r>
+              <a:rPr b="1" lang="en" sz="2700">
+                <a:solidFill>
+                  <a:srgbClr val="FFFFFF"/>
+                </a:solidFill>
+                <a:latin typeface="Helvetica Neue"/>
+                <a:ea typeface="Helvetica Neue"/>
+                <a:cs typeface="Helvetica Neue"/>
+                <a:sym typeface="Helvetica Neue"/>
+              </a:rPr>
+              <a:t>Initial Exploration and Visualization</a:t>
+            </a:r>
+          </a:p>
+        </p:txBody>
+      </p:sp>
+      <p:sp>
+        <p:nvSpPr>
+          <p:cNvPr id="534" name="Shape 534"/>
+          <p:cNvSpPr/>
+          <p:nvPr/>
+        </p:nvSpPr>
+        <p:spPr>
+          <a:xfrm>
+            <a:off x="5682332" y="2101132"/>
+            <a:ext cx="3434400" cy="2083200"/>
+          </a:xfrm>
+          <a:prstGeom prst="rect">
+            <a:avLst/>
+          </a:prstGeom>
+          <a:solidFill>
+            <a:srgbClr val="434343"/>
+          </a:solidFill>
+          <a:ln>
+            <a:noFill/>
+          </a:ln>
+        </p:spPr>
+        <p:txBody>
+          <a:bodyPr anchorCtr="0" anchor="ctr" bIns="32750" lIns="32750" rIns="32750" wrap="square" tIns="32750">
+            <a:noAutofit/>
+          </a:bodyPr>
+          <a:lstStyle/>
+          <a:p>
+            <a:pPr indent="-88900" lvl="0" marL="0" marR="0" rtl="0" algn="ctr">
+              <a:lnSpc>
+                <a:spcPct val="100000"/>
+              </a:lnSpc>
+              <a:spcBef>
+                <a:spcPts val="0"/>
+              </a:spcBef>
+              <a:spcAft>
+                <a:spcPts val="0"/>
+              </a:spcAft>
+              <a:buClr>
+                <a:srgbClr val="FFFFFF"/>
+              </a:buClr>
+              <a:buFont typeface="Helvetica Neue"/>
+              <a:buNone/>
+            </a:pPr>
+            <a:r>
+              <a:t/>
+            </a:r>
+            <a:endParaRPr b="0" i="0" sz="1400" u="none" cap="none" strike="noStrike">
+              <a:solidFill>
+                <a:srgbClr val="FFFFFF"/>
+              </a:solidFill>
+              <a:latin typeface="Helvetica Neue"/>
+              <a:ea typeface="Helvetica Neue"/>
+              <a:cs typeface="Helvetica Neue"/>
+              <a:sym typeface="Helvetica Neue"/>
+            </a:endParaRPr>
+          </a:p>
+        </p:txBody>
+      </p:sp>
+      <p:sp>
+        <p:nvSpPr>
+          <p:cNvPr id="535" name="Shape 535"/>
+          <p:cNvSpPr/>
+          <p:nvPr/>
+        </p:nvSpPr>
+        <p:spPr>
+          <a:xfrm>
+            <a:off x="5685350" y="957050"/>
+            <a:ext cx="2451300" cy="1125000"/>
+          </a:xfrm>
+          <a:prstGeom prst="rect">
+            <a:avLst/>
+          </a:prstGeom>
+          <a:solidFill>
+            <a:srgbClr val="6C6C6C"/>
+          </a:solidFill>
+          <a:ln>
+            <a:noFill/>
+          </a:ln>
+        </p:spPr>
+        <p:txBody>
+          <a:bodyPr anchorCtr="0" anchor="ctr" bIns="32750" lIns="32750" rIns="32750" wrap="square" tIns="32750">
+            <a:noAutofit/>
+          </a:bodyPr>
+          <a:lstStyle/>
+          <a:p>
+            <a:pPr indent="-88900" lvl="0" marL="0" marR="0" rtl="0" algn="ctr">
+              <a:lnSpc>
+                <a:spcPct val="100000"/>
+              </a:lnSpc>
+              <a:spcBef>
+                <a:spcPts val="0"/>
+              </a:spcBef>
+              <a:spcAft>
+                <a:spcPts val="0"/>
+              </a:spcAft>
+              <a:buClr>
+                <a:srgbClr val="FFFFFF"/>
+              </a:buClr>
+              <a:buFont typeface="Helvetica Neue"/>
+              <a:buNone/>
+            </a:pPr>
+            <a:r>
+              <a:t/>
+            </a:r>
+            <a:endParaRPr b="0" i="0" sz="1400" u="none" cap="none" strike="noStrike">
+              <a:solidFill>
+                <a:srgbClr val="FFFFFF"/>
+              </a:solidFill>
+              <a:latin typeface="Helvetica Neue"/>
+              <a:ea typeface="Helvetica Neue"/>
+              <a:cs typeface="Helvetica Neue"/>
+              <a:sym typeface="Helvetica Neue"/>
+            </a:endParaRPr>
+          </a:p>
+        </p:txBody>
+      </p:sp>
       <p:pic>
         <p:nvPicPr>
-          <p:cNvPr descr="chemicalplant.jpg" id="529" name="Shape 529"/>
+          <p:cNvPr descr="2eastmainbfr.jpg" id="536" name="Shape 536"/>
           <p:cNvPicPr preferRelativeResize="0"/>
           <p:nvPr/>
         </p:nvPicPr>
@@ -28990,8 +29395,8 @@
         </p:blipFill>
         <p:spPr>
           <a:xfrm>
-            <a:off x="28053" y="17150"/>
-            <a:ext cx="4286250" cy="2066575"/>
+            <a:off x="8174459" y="957284"/>
+            <a:ext cx="944244" cy="1124691"/>
           </a:xfrm>
           <a:prstGeom prst="rect">
             <a:avLst/>
@@ -29002,414 +29407,9 @@
           </a:ln>
         </p:spPr>
       </p:pic>
-      <p:sp>
-        <p:nvSpPr>
-          <p:cNvPr id="530" name="Shape 530"/>
-          <p:cNvSpPr/>
-          <p:nvPr/>
-        </p:nvSpPr>
-        <p:spPr>
-          <a:xfrm>
-            <a:off x="28580" y="5089464"/>
-            <a:ext cx="5634600" cy="33000"/>
-          </a:xfrm>
-          <a:prstGeom prst="rect">
-            <a:avLst/>
-          </a:prstGeom>
-          <a:solidFill>
-            <a:srgbClr val="434343"/>
-          </a:solidFill>
-          <a:ln>
-            <a:noFill/>
-          </a:ln>
-        </p:spPr>
-        <p:txBody>
-          <a:bodyPr anchorCtr="0" anchor="ctr" bIns="32750" lIns="32750" rIns="32750" wrap="square" tIns="32750">
-            <a:noAutofit/>
-          </a:bodyPr>
-          <a:lstStyle/>
-          <a:p>
-            <a:pPr indent="-88900" lvl="0" marL="0" marR="0" rtl="0" algn="ctr">
-              <a:lnSpc>
-                <a:spcPct val="100000"/>
-              </a:lnSpc>
-              <a:spcBef>
-                <a:spcPts val="0"/>
-              </a:spcBef>
-              <a:spcAft>
-                <a:spcPts val="0"/>
-              </a:spcAft>
-              <a:buClr>
-                <a:srgbClr val="FFFFFF"/>
-              </a:buClr>
-              <a:buFont typeface="Helvetica Neue"/>
-              <a:buNone/>
-            </a:pPr>
-            <a:r>
-              <a:t/>
-            </a:r>
-            <a:endParaRPr b="0" i="0" sz="1400" u="none" cap="none" strike="noStrike">
-              <a:solidFill>
-                <a:srgbClr val="FFFFFF"/>
-              </a:solidFill>
-              <a:latin typeface="Helvetica Neue"/>
-              <a:ea typeface="Helvetica Neue"/>
-              <a:cs typeface="Helvetica Neue"/>
-              <a:sym typeface="Helvetica Neue"/>
-            </a:endParaRPr>
-          </a:p>
-        </p:txBody>
-      </p:sp>
-      <p:sp>
-        <p:nvSpPr>
-          <p:cNvPr id="531" name="Shape 531"/>
-          <p:cNvSpPr/>
-          <p:nvPr/>
-        </p:nvSpPr>
-        <p:spPr>
-          <a:xfrm>
-            <a:off x="31954" y="2099458"/>
-            <a:ext cx="5628900" cy="2974800"/>
-          </a:xfrm>
-          <a:prstGeom prst="rect">
-            <a:avLst/>
-          </a:prstGeom>
-          <a:solidFill>
-            <a:srgbClr val="000000"/>
-          </a:solidFill>
-          <a:ln>
-            <a:noFill/>
-          </a:ln>
-        </p:spPr>
-        <p:txBody>
-          <a:bodyPr anchorCtr="0" anchor="ctr" bIns="32750" lIns="32750" rIns="32750" wrap="square" tIns="32750">
-            <a:noAutofit/>
-          </a:bodyPr>
-          <a:lstStyle/>
-          <a:p>
-            <a:pPr indent="-88900" lvl="0" marL="0" marR="0" rtl="0" algn="ctr">
-              <a:lnSpc>
-                <a:spcPct val="100000"/>
-              </a:lnSpc>
-              <a:spcBef>
-                <a:spcPts val="0"/>
-              </a:spcBef>
-              <a:spcAft>
-                <a:spcPts val="0"/>
-              </a:spcAft>
-              <a:buClr>
-                <a:srgbClr val="FFFFFF"/>
-              </a:buClr>
-              <a:buFont typeface="Helvetica Neue"/>
-              <a:buNone/>
-            </a:pPr>
-            <a:r>
-              <a:t/>
-            </a:r>
-            <a:endParaRPr b="0" i="0" sz="1400" u="none" cap="none" strike="noStrike">
-              <a:solidFill>
-                <a:srgbClr val="FFFFFF"/>
-              </a:solidFill>
-              <a:latin typeface="Helvetica Neue"/>
-              <a:ea typeface="Helvetica Neue"/>
-              <a:cs typeface="Helvetica Neue"/>
-              <a:sym typeface="Helvetica Neue"/>
-            </a:endParaRPr>
-          </a:p>
-        </p:txBody>
-      </p:sp>
-      <p:sp>
-        <p:nvSpPr>
-          <p:cNvPr id="532" name="Shape 532"/>
-          <p:cNvSpPr/>
-          <p:nvPr/>
-        </p:nvSpPr>
-        <p:spPr>
-          <a:xfrm>
-            <a:off x="4339745" y="955019"/>
-            <a:ext cx="1322100" cy="1129200"/>
-          </a:xfrm>
-          <a:prstGeom prst="rect">
-            <a:avLst/>
-          </a:prstGeom>
-          <a:solidFill>
-            <a:srgbClr val="6C6C6C"/>
-          </a:solidFill>
-          <a:ln>
-            <a:noFill/>
-          </a:ln>
-        </p:spPr>
-        <p:txBody>
-          <a:bodyPr anchorCtr="0" anchor="ctr" bIns="32750" lIns="32750" rIns="32750" wrap="square" tIns="32750">
-            <a:noAutofit/>
-          </a:bodyPr>
-          <a:lstStyle/>
-          <a:p>
-            <a:pPr indent="-88900" lvl="0" marL="0" marR="0" rtl="0" algn="ctr">
-              <a:lnSpc>
-                <a:spcPct val="100000"/>
-              </a:lnSpc>
-              <a:spcBef>
-                <a:spcPts val="0"/>
-              </a:spcBef>
-              <a:spcAft>
-                <a:spcPts val="0"/>
-              </a:spcAft>
-              <a:buClr>
-                <a:srgbClr val="FFFFFF"/>
-              </a:buClr>
-              <a:buFont typeface="Helvetica Neue"/>
-              <a:buNone/>
-            </a:pPr>
-            <a:r>
-              <a:t/>
-            </a:r>
-            <a:endParaRPr b="0" i="0" sz="1400" u="none" cap="none" strike="noStrike">
-              <a:solidFill>
-                <a:srgbClr val="FFFFFF"/>
-              </a:solidFill>
-              <a:latin typeface="Helvetica Neue"/>
-              <a:ea typeface="Helvetica Neue"/>
-              <a:cs typeface="Helvetica Neue"/>
-              <a:sym typeface="Helvetica Neue"/>
-            </a:endParaRPr>
-          </a:p>
-        </p:txBody>
-      </p:sp>
-      <p:sp>
-        <p:nvSpPr>
-          <p:cNvPr id="533" name="Shape 533"/>
-          <p:cNvSpPr/>
-          <p:nvPr/>
-        </p:nvSpPr>
-        <p:spPr>
-          <a:xfrm>
-            <a:off x="4344609" y="22274"/>
-            <a:ext cx="4772700" cy="917400"/>
-          </a:xfrm>
-          <a:prstGeom prst="rect">
-            <a:avLst/>
-          </a:prstGeom>
-          <a:solidFill>
-            <a:srgbClr val="434343"/>
-          </a:solidFill>
-          <a:ln>
-            <a:noFill/>
-          </a:ln>
-        </p:spPr>
-        <p:txBody>
-          <a:bodyPr anchorCtr="0" anchor="ctr" bIns="32750" lIns="32750" rIns="32750" wrap="square" tIns="32750">
-            <a:noAutofit/>
-          </a:bodyPr>
-          <a:lstStyle/>
-          <a:p>
-            <a:pPr indent="-88900" lvl="0" marL="0" marR="0" rtl="0" algn="ctr">
-              <a:lnSpc>
-                <a:spcPct val="100000"/>
-              </a:lnSpc>
-              <a:spcBef>
-                <a:spcPts val="0"/>
-              </a:spcBef>
-              <a:spcAft>
-                <a:spcPts val="0"/>
-              </a:spcAft>
-              <a:buClr>
-                <a:srgbClr val="FFFFFF"/>
-              </a:buClr>
-              <a:buFont typeface="Helvetica Neue"/>
-              <a:buNone/>
-            </a:pPr>
-            <a:r>
-              <a:t/>
-            </a:r>
-            <a:endParaRPr b="0" i="0" sz="1400" u="none" cap="none" strike="noStrike">
-              <a:solidFill>
-                <a:srgbClr val="FFFFFF"/>
-              </a:solidFill>
-              <a:latin typeface="Helvetica Neue"/>
-              <a:ea typeface="Helvetica Neue"/>
-              <a:cs typeface="Helvetica Neue"/>
-              <a:sym typeface="Helvetica Neue"/>
-            </a:endParaRPr>
-          </a:p>
-        </p:txBody>
-      </p:sp>
-      <p:sp>
-        <p:nvSpPr>
-          <p:cNvPr id="534" name="Shape 534"/>
-          <p:cNvSpPr txBox="1"/>
-          <p:nvPr/>
-        </p:nvSpPr>
-        <p:spPr>
-          <a:xfrm>
-            <a:off x="4382101" y="264675"/>
-            <a:ext cx="4697700" cy="432600"/>
-          </a:xfrm>
-          <a:prstGeom prst="rect">
-            <a:avLst/>
-          </a:prstGeom>
-          <a:noFill/>
-          <a:ln>
-            <a:noFill/>
-          </a:ln>
-        </p:spPr>
-        <p:txBody>
-          <a:bodyPr anchorCtr="0" anchor="ctr" bIns="32750" lIns="32750" rIns="32750" wrap="square" tIns="32750">
-            <a:noAutofit/>
-          </a:bodyPr>
-          <a:lstStyle/>
-          <a:p>
-            <a:pPr indent="-196850" lvl="0" marL="0" marR="0" rtl="0" algn="ctr">
-              <a:lnSpc>
-                <a:spcPct val="100000"/>
-              </a:lnSpc>
-              <a:spcBef>
-                <a:spcPts val="0"/>
-              </a:spcBef>
-              <a:spcAft>
-                <a:spcPts val="0"/>
-              </a:spcAft>
-              <a:buClr>
-                <a:srgbClr val="FFFFFF"/>
-              </a:buClr>
-              <a:buSzPct val="114814"/>
-              <a:buFont typeface="Helvetica Neue"/>
-              <a:buNone/>
-            </a:pPr>
-            <a:r>
-              <a:rPr b="1" lang="en" sz="2700">
-                <a:solidFill>
-                  <a:srgbClr val="FFFFFF"/>
-                </a:solidFill>
-                <a:latin typeface="Helvetica Neue"/>
-                <a:ea typeface="Helvetica Neue"/>
-                <a:cs typeface="Helvetica Neue"/>
-                <a:sym typeface="Helvetica Neue"/>
-              </a:rPr>
-              <a:t>Initial Exploration and Visualization</a:t>
-            </a:r>
-          </a:p>
-        </p:txBody>
-      </p:sp>
-      <p:sp>
-        <p:nvSpPr>
-          <p:cNvPr id="535" name="Shape 535"/>
-          <p:cNvSpPr/>
-          <p:nvPr/>
-        </p:nvSpPr>
-        <p:spPr>
-          <a:xfrm>
-            <a:off x="5682332" y="2101132"/>
-            <a:ext cx="3434400" cy="2083200"/>
-          </a:xfrm>
-          <a:prstGeom prst="rect">
-            <a:avLst/>
-          </a:prstGeom>
-          <a:solidFill>
-            <a:srgbClr val="434343"/>
-          </a:solidFill>
-          <a:ln>
-            <a:noFill/>
-          </a:ln>
-        </p:spPr>
-        <p:txBody>
-          <a:bodyPr anchorCtr="0" anchor="ctr" bIns="32750" lIns="32750" rIns="32750" wrap="square" tIns="32750">
-            <a:noAutofit/>
-          </a:bodyPr>
-          <a:lstStyle/>
-          <a:p>
-            <a:pPr indent="-88900" lvl="0" marL="0" marR="0" rtl="0" algn="ctr">
-              <a:lnSpc>
-                <a:spcPct val="100000"/>
-              </a:lnSpc>
-              <a:spcBef>
-                <a:spcPts val="0"/>
-              </a:spcBef>
-              <a:spcAft>
-                <a:spcPts val="0"/>
-              </a:spcAft>
-              <a:buClr>
-                <a:srgbClr val="FFFFFF"/>
-              </a:buClr>
-              <a:buFont typeface="Helvetica Neue"/>
-              <a:buNone/>
-            </a:pPr>
-            <a:r>
-              <a:t/>
-            </a:r>
-            <a:endParaRPr b="0" i="0" sz="1400" u="none" cap="none" strike="noStrike">
-              <a:solidFill>
-                <a:srgbClr val="FFFFFF"/>
-              </a:solidFill>
-              <a:latin typeface="Helvetica Neue"/>
-              <a:ea typeface="Helvetica Neue"/>
-              <a:cs typeface="Helvetica Neue"/>
-              <a:sym typeface="Helvetica Neue"/>
-            </a:endParaRPr>
-          </a:p>
-        </p:txBody>
-      </p:sp>
-      <p:sp>
-        <p:nvSpPr>
-          <p:cNvPr id="536" name="Shape 536"/>
-          <p:cNvSpPr/>
-          <p:nvPr/>
-        </p:nvSpPr>
-        <p:spPr>
-          <a:xfrm>
-            <a:off x="5685350" y="957050"/>
-            <a:ext cx="2451300" cy="1125000"/>
-          </a:xfrm>
-          <a:prstGeom prst="rect">
-            <a:avLst/>
-          </a:prstGeom>
-          <a:solidFill>
-            <a:srgbClr val="6C6C6C"/>
-          </a:solidFill>
-          <a:ln>
-            <a:noFill/>
-          </a:ln>
-        </p:spPr>
-        <p:txBody>
-          <a:bodyPr anchorCtr="0" anchor="ctr" bIns="32750" lIns="32750" rIns="32750" wrap="square" tIns="32750">
-            <a:noAutofit/>
-          </a:bodyPr>
-          <a:lstStyle/>
-          <a:p>
-            <a:pPr indent="-88900" lvl="0" marL="0" marR="0" rtl="0" algn="ctr">
-              <a:lnSpc>
-                <a:spcPct val="100000"/>
-              </a:lnSpc>
-              <a:spcBef>
-                <a:spcPts val="0"/>
-              </a:spcBef>
-              <a:spcAft>
-                <a:spcPts val="0"/>
-              </a:spcAft>
-              <a:buClr>
-                <a:srgbClr val="FFFFFF"/>
-              </a:buClr>
-              <a:buFont typeface="Helvetica Neue"/>
-              <a:buNone/>
-            </a:pPr>
-            <a:r>
-              <a:t/>
-            </a:r>
-            <a:endParaRPr b="0" i="0" sz="1400" u="none" cap="none" strike="noStrike">
-              <a:solidFill>
-                <a:srgbClr val="FFFFFF"/>
-              </a:solidFill>
-              <a:latin typeface="Helvetica Neue"/>
-              <a:ea typeface="Helvetica Neue"/>
-              <a:cs typeface="Helvetica Neue"/>
-              <a:sym typeface="Helvetica Neue"/>
-            </a:endParaRPr>
-          </a:p>
-        </p:txBody>
-      </p:sp>
       <p:pic>
         <p:nvPicPr>
-          <p:cNvPr descr="2eastmainbfr.jpg" id="537" name="Shape 537"/>
+          <p:cNvPr descr="natural-wetland-2.jpg" id="537" name="Shape 537"/>
           <p:cNvPicPr preferRelativeResize="0"/>
           <p:nvPr/>
         </p:nvPicPr>
@@ -29422,8 +29422,8 @@
         </p:blipFill>
         <p:spPr>
           <a:xfrm>
-            <a:off x="8174459" y="957284"/>
-            <a:ext cx="944244" cy="1124691"/>
+            <a:off x="7569975" y="4203150"/>
+            <a:ext cx="1564600" cy="916575"/>
           </a:xfrm>
           <a:prstGeom prst="rect">
             <a:avLst/>
@@ -29434,9 +29434,67 @@
           </a:ln>
         </p:spPr>
       </p:pic>
+      <p:sp>
+        <p:nvSpPr>
+          <p:cNvPr id="538" name="Shape 538"/>
+          <p:cNvSpPr/>
+          <p:nvPr/>
+        </p:nvSpPr>
+        <p:spPr>
+          <a:xfrm>
+            <a:off x="5683150" y="4203175"/>
+            <a:ext cx="1866900" cy="917400"/>
+          </a:xfrm>
+          <a:prstGeom prst="rect">
+            <a:avLst/>
+          </a:prstGeom>
+          <a:solidFill>
+            <a:srgbClr val="6C6C6C"/>
+          </a:solidFill>
+          <a:ln>
+            <a:noFill/>
+          </a:ln>
+        </p:spPr>
+        <p:txBody>
+          <a:bodyPr anchorCtr="0" anchor="ctr" bIns="32750" lIns="32750" rIns="32750" wrap="square" tIns="32750">
+            <a:noAutofit/>
+          </a:bodyPr>
+          <a:lstStyle/>
+          <a:p>
+            <a:pPr indent="-88900" lvl="0" marL="0" marR="0" rtl="0" algn="ctr">
+              <a:lnSpc>
+                <a:spcPct val="100000"/>
+              </a:lnSpc>
+              <a:spcBef>
+                <a:spcPts val="0"/>
+              </a:spcBef>
+              <a:spcAft>
+                <a:spcPts val="0"/>
+              </a:spcAft>
+              <a:buClr>
+                <a:srgbClr val="FFFFFF"/>
+              </a:buClr>
+              <a:buFont typeface="Helvetica Neue"/>
+              <a:buNone/>
+            </a:pPr>
+            <a:r>
+              <a:t/>
+            </a:r>
+            <a:endParaRPr b="0" i="0" sz="1400" u="none" cap="none" strike="noStrike">
+              <a:solidFill>
+                <a:srgbClr val="FFFFFF"/>
+              </a:solidFill>
+              <a:latin typeface="Helvetica Neue"/>
+              <a:ea typeface="Helvetica Neue"/>
+              <a:cs typeface="Helvetica Neue"/>
+              <a:sym typeface="Helvetica Neue"/>
+            </a:endParaRPr>
+          </a:p>
+        </p:txBody>
+      </p:sp>
       <p:pic>
         <p:nvPicPr>
-          <p:cNvPr descr="natural-wetland-2.jpg" id="538" name="Shape 538"/>
+          <p:cNvPr descr="trimockup.jpg" id="539" name="Shape 539"/>
           <p:cNvPicPr preferRelativeResize="0"/>
           <p:nvPr/>
         </p:nvPicPr>
@@ -29449,8 +29507,8 @@
         </p:blipFill>
         <p:spPr>
           <a:xfrm>
-            <a:off x="7569975" y="4203150"/>
-            <a:ext cx="1564600" cy="916575"/>
+            <a:off x="23725" y="16750"/>
+            <a:ext cx="4286250" cy="2066100"/>
           </a:xfrm>
           <a:prstGeom prst="rect">
             <a:avLst/>
@@ -29461,64 +29519,6 @@
           </a:ln>
         </p:spPr>
       </p:pic>
-      <p:sp>
-        <p:nvSpPr>
-          <p:cNvPr id="539" name="Shape 539"/>
-          <p:cNvSpPr/>
-          <p:nvPr/>
-        </p:nvSpPr>
-        <p:spPr>
-          <a:xfrm>
-            <a:off x="5683150" y="4203175"/>
-            <a:ext cx="1866900" cy="917400"/>
-          </a:xfrm>
-          <a:prstGeom prst="rect">
-            <a:avLst/>
-          </a:prstGeom>
-          <a:solidFill>
-            <a:srgbClr val="6C6C6C"/>
-          </a:solidFill>
-          <a:ln>
-            <a:noFill/>
-          </a:ln>
-        </p:spPr>
-        <p:txBody>
-          <a:bodyPr anchorCtr="0" anchor="ctr" bIns="32750" lIns="32750" rIns="32750" wrap="square" tIns="32750">
-            <a:noAutofit/>
-          </a:bodyPr>
-          <a:lstStyle/>
-          <a:p>
-            <a:pPr indent="-88900" lvl="0" marL="0" marR="0" rtl="0" algn="ctr">
-              <a:lnSpc>
-                <a:spcPct val="100000"/>
-              </a:lnSpc>
-              <a:spcBef>
-                <a:spcPts val="0"/>
-              </a:spcBef>
-              <a:spcAft>
-                <a:spcPts val="0"/>
-              </a:spcAft>
-              <a:buClr>
-                <a:srgbClr val="FFFFFF"/>
-              </a:buClr>
-              <a:buFont typeface="Helvetica Neue"/>
-              <a:buNone/>
-            </a:pPr>
-            <a:r>
-              <a:t/>
-            </a:r>
-            <a:endParaRPr b="0" i="0" sz="1400" u="none" cap="none" strike="noStrike">
-              <a:solidFill>
-                <a:srgbClr val="FFFFFF"/>
-              </a:solidFill>
-              <a:latin typeface="Helvetica Neue"/>
-              <a:ea typeface="Helvetica Neue"/>
-              <a:cs typeface="Helvetica Neue"/>
-              <a:sym typeface="Helvetica Neue"/>
-            </a:endParaRPr>
-          </a:p>
-        </p:txBody>
-      </p:sp>
     </p:spTree>
   </p:cSld>
   <p:clrMapOvr>
@@ -29612,9 +29612,537 @@
           </a:p>
         </p:txBody>
       </p:sp>
+      <p:sp>
+        <p:nvSpPr>
+          <p:cNvPr id="545" name="Shape 545"/>
+          <p:cNvSpPr/>
+          <p:nvPr/>
+        </p:nvSpPr>
+        <p:spPr>
+          <a:xfrm>
+            <a:off x="28580" y="5089464"/>
+            <a:ext cx="5634600" cy="33000"/>
+          </a:xfrm>
+          <a:prstGeom prst="rect">
+            <a:avLst/>
+          </a:prstGeom>
+          <a:solidFill>
+            <a:srgbClr val="434343"/>
+          </a:solidFill>
+          <a:ln>
+            <a:noFill/>
+          </a:ln>
+        </p:spPr>
+        <p:txBody>
+          <a:bodyPr anchorCtr="0" anchor="ctr" bIns="32750" lIns="32750" rIns="32750" wrap="square" tIns="32750">
+            <a:noAutofit/>
+          </a:bodyPr>
+          <a:lstStyle/>
+          <a:p>
+            <a:pPr indent="-88900" lvl="0" marL="0" marR="0" rtl="0" algn="ctr">
+              <a:lnSpc>
+                <a:spcPct val="100000"/>
+              </a:lnSpc>
+              <a:spcBef>
+                <a:spcPts val="0"/>
+              </a:spcBef>
+              <a:spcAft>
+                <a:spcPts val="0"/>
+              </a:spcAft>
+              <a:buClr>
+                <a:srgbClr val="FFFFFF"/>
+              </a:buClr>
+              <a:buFont typeface="Helvetica Neue"/>
+              <a:buNone/>
+            </a:pPr>
+            <a:r>
+              <a:t/>
+            </a:r>
+            <a:endParaRPr b="0" i="0" sz="1400" u="none" cap="none" strike="noStrike">
+              <a:solidFill>
+                <a:srgbClr val="FFFFFF"/>
+              </a:solidFill>
+              <a:latin typeface="Helvetica Neue"/>
+              <a:ea typeface="Helvetica Neue"/>
+              <a:cs typeface="Helvetica Neue"/>
+              <a:sym typeface="Helvetica Neue"/>
+            </a:endParaRPr>
+          </a:p>
+        </p:txBody>
+      </p:sp>
+      <p:sp>
+        <p:nvSpPr>
+          <p:cNvPr id="546" name="Shape 546"/>
+          <p:cNvSpPr/>
+          <p:nvPr/>
+        </p:nvSpPr>
+        <p:spPr>
+          <a:xfrm>
+            <a:off x="31954" y="2099458"/>
+            <a:ext cx="5628900" cy="2974800"/>
+          </a:xfrm>
+          <a:prstGeom prst="rect">
+            <a:avLst/>
+          </a:prstGeom>
+          <a:solidFill>
+            <a:srgbClr val="000000"/>
+          </a:solidFill>
+          <a:ln>
+            <a:noFill/>
+          </a:ln>
+        </p:spPr>
+        <p:txBody>
+          <a:bodyPr anchorCtr="0" anchor="ctr" bIns="32750" lIns="32750" rIns="32750" wrap="square" tIns="32750">
+            <a:noAutofit/>
+          </a:bodyPr>
+          <a:lstStyle/>
+          <a:p>
+            <a:pPr indent="-215900" lvl="0" marL="215900" rtl="0">
+              <a:spcBef>
+                <a:spcPts val="0"/>
+              </a:spcBef>
+              <a:buClr>
+                <a:schemeClr val="lt1"/>
+              </a:buClr>
+              <a:buSzPct val="146666"/>
+              <a:buFont typeface="Helvetica Neue"/>
+              <a:buChar char="•"/>
+            </a:pPr>
+            <a:r>
+              <a:rPr b="1" lang="en" sz="1500">
+                <a:solidFill>
+                  <a:schemeClr val="lt1"/>
+                </a:solidFill>
+                <a:latin typeface="Helvetica Neue"/>
+                <a:ea typeface="Helvetica Neue"/>
+                <a:cs typeface="Helvetica Neue"/>
+                <a:sym typeface="Helvetica Neue"/>
+              </a:rPr>
+              <a:t>Over 100 columns on attributes, lots of them are irrelevant for our purposes</a:t>
+            </a:r>
+          </a:p>
+          <a:p>
+            <a:pPr indent="-215900" lvl="0" marL="215900" rtl="0">
+              <a:spcBef>
+                <a:spcPts val="0"/>
+              </a:spcBef>
+              <a:buClr>
+                <a:schemeClr val="lt1"/>
+              </a:buClr>
+              <a:buSzPct val="146666"/>
+              <a:buFont typeface="Helvetica Neue"/>
+              <a:buChar char="•"/>
+            </a:pPr>
+            <a:r>
+              <a:rPr b="1" lang="en" sz="1500">
+                <a:solidFill>
+                  <a:schemeClr val="lt1"/>
+                </a:solidFill>
+                <a:latin typeface="Helvetica Neue"/>
+                <a:ea typeface="Helvetica Neue"/>
+                <a:cs typeface="Helvetica Neue"/>
+                <a:sym typeface="Helvetica Neue"/>
+              </a:rPr>
+              <a:t>This includes unwanted Government codes, industry compliance codes, etc</a:t>
+            </a:r>
+          </a:p>
+          <a:p>
+            <a:pPr indent="-215900" lvl="0" marL="215900" rtl="0">
+              <a:spcBef>
+                <a:spcPts val="0"/>
+              </a:spcBef>
+              <a:buClr>
+                <a:schemeClr val="lt1"/>
+              </a:buClr>
+              <a:buSzPct val="146666"/>
+              <a:buFont typeface="Helvetica Neue"/>
+              <a:buChar char="•"/>
+            </a:pPr>
+            <a:r>
+              <a:rPr b="1" lang="en" sz="1500">
+                <a:solidFill>
+                  <a:schemeClr val="lt1"/>
+                </a:solidFill>
+                <a:latin typeface="Helvetica Neue"/>
+                <a:ea typeface="Helvetica Neue"/>
+                <a:cs typeface="Helvetica Neue"/>
+                <a:sym typeface="Helvetica Neue"/>
+              </a:rPr>
+              <a:t>We want location information, chemical information, and release and recycling information</a:t>
+            </a:r>
+          </a:p>
+          <a:p>
+            <a:pPr indent="-215900" lvl="0" marL="215900" rtl="0">
+              <a:spcBef>
+                <a:spcPts val="0"/>
+              </a:spcBef>
+              <a:buClr>
+                <a:schemeClr val="lt1"/>
+              </a:buClr>
+              <a:buSzPct val="146666"/>
+              <a:buFont typeface="Helvetica Neue"/>
+              <a:buChar char="•"/>
+            </a:pPr>
+            <a:r>
+              <a:rPr b="1" lang="en" sz="1500">
+                <a:solidFill>
+                  <a:schemeClr val="lt1"/>
+                </a:solidFill>
+                <a:latin typeface="Helvetica Neue"/>
+                <a:ea typeface="Helvetica Neue"/>
+                <a:cs typeface="Helvetica Neue"/>
+                <a:sym typeface="Helvetica Neue"/>
+              </a:rPr>
+              <a:t>We identified 21 categories, common to US and State data sets, to use</a:t>
+            </a:r>
+            <a:br>
+              <a:rPr b="1" lang="en" sz="1500">
+                <a:solidFill>
+                  <a:schemeClr val="lt1"/>
+                </a:solidFill>
+                <a:latin typeface="Helvetica Neue"/>
+                <a:ea typeface="Helvetica Neue"/>
+                <a:cs typeface="Helvetica Neue"/>
+                <a:sym typeface="Helvetica Neue"/>
+              </a:rPr>
+            </a:br>
+            <a:r>
+              <a:rPr b="1" lang="en" sz="1500">
+                <a:solidFill>
+                  <a:schemeClr val="lt1"/>
+                </a:solidFill>
+                <a:latin typeface="Helvetica Neue"/>
+                <a:ea typeface="Helvetica Neue"/>
+                <a:cs typeface="Helvetica Neue"/>
+                <a:sym typeface="Helvetica Neue"/>
+              </a:rPr>
+              <a:t> </a:t>
+            </a:r>
+          </a:p>
+          <a:p>
+            <a:pPr indent="-88900" lvl="0" marL="0" marR="0" rtl="0" algn="ctr">
+              <a:lnSpc>
+                <a:spcPct val="100000"/>
+              </a:lnSpc>
+              <a:spcBef>
+                <a:spcPts val="0"/>
+              </a:spcBef>
+              <a:spcAft>
+                <a:spcPts val="0"/>
+              </a:spcAft>
+              <a:buClr>
+                <a:srgbClr val="FFFFFF"/>
+              </a:buClr>
+              <a:buFont typeface="Helvetica Neue"/>
+              <a:buNone/>
+            </a:pPr>
+            <a:r>
+              <a:t/>
+            </a:r>
+            <a:endParaRPr>
+              <a:solidFill>
+                <a:srgbClr val="FFFFFF"/>
+              </a:solidFill>
+              <a:latin typeface="Helvetica Neue"/>
+              <a:ea typeface="Helvetica Neue"/>
+              <a:cs typeface="Helvetica Neue"/>
+              <a:sym typeface="Helvetica Neue"/>
+            </a:endParaRPr>
+          </a:p>
+        </p:txBody>
+      </p:sp>
+      <p:sp>
+        <p:nvSpPr>
+          <p:cNvPr id="547" name="Shape 547"/>
+          <p:cNvSpPr/>
+          <p:nvPr/>
+        </p:nvSpPr>
+        <p:spPr>
+          <a:xfrm>
+            <a:off x="4339745" y="955019"/>
+            <a:ext cx="1322100" cy="1129200"/>
+          </a:xfrm>
+          <a:prstGeom prst="rect">
+            <a:avLst/>
+          </a:prstGeom>
+          <a:solidFill>
+            <a:srgbClr val="6C6C6C"/>
+          </a:solidFill>
+          <a:ln>
+            <a:noFill/>
+          </a:ln>
+        </p:spPr>
+        <p:txBody>
+          <a:bodyPr anchorCtr="0" anchor="ctr" bIns="32750" lIns="32750" rIns="32750" wrap="square" tIns="32750">
+            <a:noAutofit/>
+          </a:bodyPr>
+          <a:lstStyle/>
+          <a:p>
+            <a:pPr indent="-88900" lvl="0" marL="0" marR="0" rtl="0" algn="ctr">
+              <a:lnSpc>
+                <a:spcPct val="100000"/>
+              </a:lnSpc>
+              <a:spcBef>
+                <a:spcPts val="0"/>
+              </a:spcBef>
+              <a:spcAft>
+                <a:spcPts val="0"/>
+              </a:spcAft>
+              <a:buClr>
+                <a:srgbClr val="FFFFFF"/>
+              </a:buClr>
+              <a:buFont typeface="Helvetica Neue"/>
+              <a:buNone/>
+            </a:pPr>
+            <a:r>
+              <a:t/>
+            </a:r>
+            <a:endParaRPr b="0" i="0" sz="1400" u="none" cap="none" strike="noStrike">
+              <a:solidFill>
+                <a:srgbClr val="FFFFFF"/>
+              </a:solidFill>
+              <a:latin typeface="Helvetica Neue"/>
+              <a:ea typeface="Helvetica Neue"/>
+              <a:cs typeface="Helvetica Neue"/>
+              <a:sym typeface="Helvetica Neue"/>
+            </a:endParaRPr>
+          </a:p>
+        </p:txBody>
+      </p:sp>
+      <p:sp>
+        <p:nvSpPr>
+          <p:cNvPr id="548" name="Shape 548"/>
+          <p:cNvSpPr/>
+          <p:nvPr/>
+        </p:nvSpPr>
+        <p:spPr>
+          <a:xfrm>
+            <a:off x="4344609" y="22274"/>
+            <a:ext cx="4772700" cy="917400"/>
+          </a:xfrm>
+          <a:prstGeom prst="rect">
+            <a:avLst/>
+          </a:prstGeom>
+          <a:solidFill>
+            <a:srgbClr val="434343"/>
+          </a:solidFill>
+          <a:ln>
+            <a:noFill/>
+          </a:ln>
+        </p:spPr>
+        <p:txBody>
+          <a:bodyPr anchorCtr="0" anchor="ctr" bIns="32750" lIns="32750" rIns="32750" wrap="square" tIns="32750">
+            <a:noAutofit/>
+          </a:bodyPr>
+          <a:lstStyle/>
+          <a:p>
+            <a:pPr indent="-88900" lvl="0" marL="0" marR="0" rtl="0" algn="ctr">
+              <a:lnSpc>
+                <a:spcPct val="100000"/>
+              </a:lnSpc>
+              <a:spcBef>
+                <a:spcPts val="0"/>
+              </a:spcBef>
+              <a:spcAft>
+                <a:spcPts val="0"/>
+              </a:spcAft>
+              <a:buClr>
+                <a:srgbClr val="FFFFFF"/>
+              </a:buClr>
+              <a:buFont typeface="Helvetica Neue"/>
+              <a:buNone/>
+            </a:pPr>
+            <a:r>
+              <a:t/>
+            </a:r>
+            <a:endParaRPr b="0" i="0" sz="1400" u="none" cap="none" strike="noStrike">
+              <a:solidFill>
+                <a:srgbClr val="FFFFFF"/>
+              </a:solidFill>
+              <a:latin typeface="Helvetica Neue"/>
+              <a:ea typeface="Helvetica Neue"/>
+              <a:cs typeface="Helvetica Neue"/>
+              <a:sym typeface="Helvetica Neue"/>
+            </a:endParaRPr>
+          </a:p>
+        </p:txBody>
+      </p:sp>
+      <p:sp>
+        <p:nvSpPr>
+          <p:cNvPr id="549" name="Shape 549"/>
+          <p:cNvSpPr txBox="1"/>
+          <p:nvPr/>
+        </p:nvSpPr>
+        <p:spPr>
+          <a:xfrm>
+            <a:off x="4382101" y="264675"/>
+            <a:ext cx="4697700" cy="432600"/>
+          </a:xfrm>
+          <a:prstGeom prst="rect">
+            <a:avLst/>
+          </a:prstGeom>
+          <a:noFill/>
+          <a:ln>
+            <a:noFill/>
+          </a:ln>
+        </p:spPr>
+        <p:txBody>
+          <a:bodyPr anchorCtr="0" anchor="ctr" bIns="32750" lIns="32750" rIns="32750" wrap="square" tIns="32750">
+            <a:noAutofit/>
+          </a:bodyPr>
+          <a:lstStyle/>
+          <a:p>
+            <a:pPr indent="-196850" lvl="0" marL="0" marR="0" rtl="0" algn="ctr">
+              <a:lnSpc>
+                <a:spcPct val="100000"/>
+              </a:lnSpc>
+              <a:spcBef>
+                <a:spcPts val="0"/>
+              </a:spcBef>
+              <a:spcAft>
+                <a:spcPts val="0"/>
+              </a:spcAft>
+              <a:buClr>
+                <a:srgbClr val="FFFFFF"/>
+              </a:buClr>
+              <a:buSzPct val="114814"/>
+              <a:buFont typeface="Helvetica Neue"/>
+              <a:buNone/>
+            </a:pPr>
+            <a:r>
+              <a:rPr b="1" lang="en" sz="2700">
+                <a:solidFill>
+                  <a:srgbClr val="FFFFFF"/>
+                </a:solidFill>
+                <a:latin typeface="Helvetica Neue"/>
+                <a:ea typeface="Helvetica Neue"/>
+                <a:cs typeface="Helvetica Neue"/>
+                <a:sym typeface="Helvetica Neue"/>
+              </a:rPr>
+              <a:t>Standardizing Project Data: What Do We Need?</a:t>
+            </a:r>
+          </a:p>
+        </p:txBody>
+      </p:sp>
+      <p:sp>
+        <p:nvSpPr>
+          <p:cNvPr id="550" name="Shape 550"/>
+          <p:cNvSpPr/>
+          <p:nvPr/>
+        </p:nvSpPr>
+        <p:spPr>
+          <a:xfrm>
+            <a:off x="5682332" y="2101132"/>
+            <a:ext cx="3434400" cy="2083200"/>
+          </a:xfrm>
+          <a:prstGeom prst="rect">
+            <a:avLst/>
+          </a:prstGeom>
+          <a:solidFill>
+            <a:srgbClr val="434343"/>
+          </a:solidFill>
+          <a:ln>
+            <a:noFill/>
+          </a:ln>
+        </p:spPr>
+        <p:txBody>
+          <a:bodyPr anchorCtr="0" anchor="ctr" bIns="32750" lIns="32750" rIns="32750" wrap="square" tIns="32750">
+            <a:noAutofit/>
+          </a:bodyPr>
+          <a:lstStyle/>
+          <a:p>
+            <a:pPr indent="-88900" lvl="0" marL="0" marR="0" rtl="0" algn="ctr">
+              <a:lnSpc>
+                <a:spcPct val="100000"/>
+              </a:lnSpc>
+              <a:spcBef>
+                <a:spcPts val="0"/>
+              </a:spcBef>
+              <a:spcAft>
+                <a:spcPts val="0"/>
+              </a:spcAft>
+              <a:buClr>
+                <a:srgbClr val="FFFFFF"/>
+              </a:buClr>
+              <a:buFont typeface="Helvetica Neue"/>
+              <a:buNone/>
+            </a:pPr>
+            <a:r>
+              <a:t/>
+            </a:r>
+            <a:endParaRPr b="0" i="0" sz="1400" u="none" cap="none" strike="noStrike">
+              <a:solidFill>
+                <a:srgbClr val="FFFFFF"/>
+              </a:solidFill>
+              <a:latin typeface="Helvetica Neue"/>
+              <a:ea typeface="Helvetica Neue"/>
+              <a:cs typeface="Helvetica Neue"/>
+              <a:sym typeface="Helvetica Neue"/>
+            </a:endParaRPr>
+          </a:p>
+        </p:txBody>
+      </p:sp>
+      <p:sp>
+        <p:nvSpPr>
+          <p:cNvPr id="551" name="Shape 551"/>
+          <p:cNvSpPr/>
+          <p:nvPr/>
+        </p:nvSpPr>
+        <p:spPr>
+          <a:xfrm>
+            <a:off x="5685350" y="957050"/>
+            <a:ext cx="2451300" cy="1125000"/>
+          </a:xfrm>
+          <a:prstGeom prst="rect">
+            <a:avLst/>
+          </a:prstGeom>
+          <a:solidFill>
+            <a:srgbClr val="6C6C6C"/>
+          </a:solidFill>
+          <a:ln>
+            <a:noFill/>
+          </a:ln>
+        </p:spPr>
+        <p:txBody>
+          <a:bodyPr anchorCtr="0" anchor="ctr" bIns="32750" lIns="32750" rIns="32750" wrap="square" tIns="32750">
+            <a:noAutofit/>
+          </a:bodyPr>
+          <a:lstStyle/>
+          <a:p>
+            <a:pPr indent="-88900" lvl="0" marL="0" marR="0" rtl="0" algn="ctr">
+              <a:lnSpc>
+                <a:spcPct val="100000"/>
+              </a:lnSpc>
+              <a:spcBef>
+                <a:spcPts val="0"/>
+              </a:spcBef>
+              <a:spcAft>
+                <a:spcPts val="0"/>
+              </a:spcAft>
+              <a:buClr>
+                <a:srgbClr val="FFFFFF"/>
+              </a:buClr>
+              <a:buFont typeface="Helvetica Neue"/>
+              <a:buNone/>
+            </a:pPr>
+            <a:r>
+              <a:t/>
+            </a:r>
+            <a:endParaRPr b="0" i="0" sz="1400" u="none" cap="none" strike="noStrike">
+              <a:solidFill>
+                <a:srgbClr val="FFFFFF"/>
+              </a:solidFill>
+              <a:latin typeface="Helvetica Neue"/>
+              <a:ea typeface="Helvetica Neue"/>
+              <a:cs typeface="Helvetica Neue"/>
+              <a:sym typeface="Helvetica Neue"/>
+            </a:endParaRPr>
+          </a:p>
+        </p:txBody>
+      </p:sp>
       <p:pic>
         <p:nvPicPr>
-          <p:cNvPr descr="chemicalplant.jpg" id="545" name="Shape 545"/>
+          <p:cNvPr descr="2eastmainbfr.jpg" id="552" name="Shape 552"/>
           <p:cNvPicPr preferRelativeResize="0"/>
           <p:nvPr/>
         </p:nvPicPr>
@@ -29627,8 +30155,8 @@
         </p:blipFill>
         <p:spPr>
           <a:xfrm>
-            <a:off x="28053" y="17150"/>
-            <a:ext cx="4286250" cy="2066575"/>
+            <a:off x="8174459" y="957284"/>
+            <a:ext cx="944244" cy="1124691"/>
           </a:xfrm>
           <a:prstGeom prst="rect">
             <a:avLst/>
@@ -29639,537 +30167,9 @@
           </a:ln>
         </p:spPr>
       </p:pic>
-      <p:sp>
-        <p:nvSpPr>
-          <p:cNvPr id="546" name="Shape 546"/>
-          <p:cNvSpPr/>
-          <p:nvPr/>
-        </p:nvSpPr>
-        <p:spPr>
-          <a:xfrm>
-            <a:off x="28580" y="5089464"/>
-            <a:ext cx="5634600" cy="33000"/>
-          </a:xfrm>
-          <a:prstGeom prst="rect">
-            <a:avLst/>
-          </a:prstGeom>
-          <a:solidFill>
-            <a:srgbClr val="434343"/>
-          </a:solidFill>
-          <a:ln>
-            <a:noFill/>
-          </a:ln>
-        </p:spPr>
-        <p:txBody>
-          <a:bodyPr anchorCtr="0" anchor="ctr" bIns="32750" lIns="32750" rIns="32750" wrap="square" tIns="32750">
-            <a:noAutofit/>
-          </a:bodyPr>
-          <a:lstStyle/>
-          <a:p>
-            <a:pPr indent="-88900" lvl="0" marL="0" marR="0" rtl="0" algn="ctr">
-              <a:lnSpc>
-                <a:spcPct val="100000"/>
-              </a:lnSpc>
-              <a:spcBef>
-                <a:spcPts val="0"/>
-              </a:spcBef>
-              <a:spcAft>
-                <a:spcPts val="0"/>
-              </a:spcAft>
-              <a:buClr>
-                <a:srgbClr val="FFFFFF"/>
-              </a:buClr>
-              <a:buFont typeface="Helvetica Neue"/>
-              <a:buNone/>
-            </a:pPr>
-            <a:r>
-              <a:t/>
-            </a:r>
-            <a:endParaRPr b="0" i="0" sz="1400" u="none" cap="none" strike="noStrike">
-              <a:solidFill>
-                <a:srgbClr val="FFFFFF"/>
-              </a:solidFill>
-              <a:latin typeface="Helvetica Neue"/>
-              <a:ea typeface="Helvetica Neue"/>
-              <a:cs typeface="Helvetica Neue"/>
-              <a:sym typeface="Helvetica Neue"/>
-            </a:endParaRPr>
-          </a:p>
-        </p:txBody>
-      </p:sp>
-      <p:sp>
-        <p:nvSpPr>
-          <p:cNvPr id="547" name="Shape 547"/>
-          <p:cNvSpPr/>
-          <p:nvPr/>
-        </p:nvSpPr>
-        <p:spPr>
-          <a:xfrm>
-            <a:off x="31954" y="2099458"/>
-            <a:ext cx="5628900" cy="2974800"/>
-          </a:xfrm>
-          <a:prstGeom prst="rect">
-            <a:avLst/>
-          </a:prstGeom>
-          <a:solidFill>
-            <a:srgbClr val="000000"/>
-          </a:solidFill>
-          <a:ln>
-            <a:noFill/>
-          </a:ln>
-        </p:spPr>
-        <p:txBody>
-          <a:bodyPr anchorCtr="0" anchor="ctr" bIns="32750" lIns="32750" rIns="32750" wrap="square" tIns="32750">
-            <a:noAutofit/>
-          </a:bodyPr>
-          <a:lstStyle/>
-          <a:p>
-            <a:pPr indent="-215900" lvl="0" marL="215900" rtl="0">
-              <a:spcBef>
-                <a:spcPts val="0"/>
-              </a:spcBef>
-              <a:buClr>
-                <a:schemeClr val="lt1"/>
-              </a:buClr>
-              <a:buSzPct val="146666"/>
-              <a:buFont typeface="Helvetica Neue"/>
-              <a:buChar char="•"/>
-            </a:pPr>
-            <a:r>
-              <a:rPr b="1" lang="en" sz="1500">
-                <a:solidFill>
-                  <a:schemeClr val="lt1"/>
-                </a:solidFill>
-                <a:latin typeface="Helvetica Neue"/>
-                <a:ea typeface="Helvetica Neue"/>
-                <a:cs typeface="Helvetica Neue"/>
-                <a:sym typeface="Helvetica Neue"/>
-              </a:rPr>
-              <a:t>Over 100 columns on attributes, lots of them are irrelevant for our purposes</a:t>
-            </a:r>
-          </a:p>
-          <a:p>
-            <a:pPr indent="-215900" lvl="0" marL="215900" rtl="0">
-              <a:spcBef>
-                <a:spcPts val="0"/>
-              </a:spcBef>
-              <a:buClr>
-                <a:schemeClr val="lt1"/>
-              </a:buClr>
-              <a:buSzPct val="146666"/>
-              <a:buFont typeface="Helvetica Neue"/>
-              <a:buChar char="•"/>
-            </a:pPr>
-            <a:r>
-              <a:rPr b="1" lang="en" sz="1500">
-                <a:solidFill>
-                  <a:schemeClr val="lt1"/>
-                </a:solidFill>
-                <a:latin typeface="Helvetica Neue"/>
-                <a:ea typeface="Helvetica Neue"/>
-                <a:cs typeface="Helvetica Neue"/>
-                <a:sym typeface="Helvetica Neue"/>
-              </a:rPr>
-              <a:t>This includes Government codes, industry compliance codes, etc</a:t>
-            </a:r>
-          </a:p>
-          <a:p>
-            <a:pPr indent="-215900" lvl="0" marL="215900" rtl="0">
-              <a:spcBef>
-                <a:spcPts val="0"/>
-              </a:spcBef>
-              <a:buClr>
-                <a:schemeClr val="lt1"/>
-              </a:buClr>
-              <a:buSzPct val="146666"/>
-              <a:buFont typeface="Helvetica Neue"/>
-              <a:buChar char="•"/>
-            </a:pPr>
-            <a:r>
-              <a:rPr b="1" lang="en" sz="1500">
-                <a:solidFill>
-                  <a:schemeClr val="lt1"/>
-                </a:solidFill>
-                <a:latin typeface="Helvetica Neue"/>
-                <a:ea typeface="Helvetica Neue"/>
-                <a:cs typeface="Helvetica Neue"/>
-                <a:sym typeface="Helvetica Neue"/>
-              </a:rPr>
-              <a:t>We want location information, chemical information, and release and recycling information</a:t>
-            </a:r>
-          </a:p>
-          <a:p>
-            <a:pPr indent="-215900" lvl="0" marL="215900" rtl="0">
-              <a:spcBef>
-                <a:spcPts val="0"/>
-              </a:spcBef>
-              <a:buClr>
-                <a:schemeClr val="lt1"/>
-              </a:buClr>
-              <a:buSzPct val="146666"/>
-              <a:buFont typeface="Helvetica Neue"/>
-              <a:buChar char="•"/>
-            </a:pPr>
-            <a:r>
-              <a:rPr b="1" lang="en" sz="1500">
-                <a:solidFill>
-                  <a:schemeClr val="lt1"/>
-                </a:solidFill>
-                <a:latin typeface="Helvetica Neue"/>
-                <a:ea typeface="Helvetica Neue"/>
-                <a:cs typeface="Helvetica Neue"/>
-                <a:sym typeface="Helvetica Neue"/>
-              </a:rPr>
-              <a:t>We identified 21 categories, common to US and State data sets, to use</a:t>
-            </a:r>
-            <a:br>
-              <a:rPr b="1" lang="en" sz="1500">
-                <a:solidFill>
-                  <a:schemeClr val="lt1"/>
-                </a:solidFill>
-                <a:latin typeface="Helvetica Neue"/>
-                <a:ea typeface="Helvetica Neue"/>
-                <a:cs typeface="Helvetica Neue"/>
-                <a:sym typeface="Helvetica Neue"/>
-              </a:rPr>
-            </a:br>
-            <a:r>
-              <a:rPr b="1" lang="en" sz="1500">
-                <a:solidFill>
-                  <a:schemeClr val="lt1"/>
-                </a:solidFill>
-                <a:latin typeface="Helvetica Neue"/>
-                <a:ea typeface="Helvetica Neue"/>
-                <a:cs typeface="Helvetica Neue"/>
-                <a:sym typeface="Helvetica Neue"/>
-              </a:rPr>
-              <a:t> </a:t>
-            </a:r>
-          </a:p>
-          <a:p>
-            <a:pPr indent="-88900" lvl="0" marL="0" marR="0" rtl="0" algn="ctr">
-              <a:lnSpc>
-                <a:spcPct val="100000"/>
-              </a:lnSpc>
-              <a:spcBef>
-                <a:spcPts val="0"/>
-              </a:spcBef>
-              <a:spcAft>
-                <a:spcPts val="0"/>
-              </a:spcAft>
-              <a:buClr>
-                <a:srgbClr val="FFFFFF"/>
-              </a:buClr>
-              <a:buFont typeface="Helvetica Neue"/>
-              <a:buNone/>
-            </a:pPr>
-            <a:r>
-              <a:t/>
-            </a:r>
-            <a:endParaRPr>
-              <a:solidFill>
-                <a:srgbClr val="FFFFFF"/>
-              </a:solidFill>
-              <a:latin typeface="Helvetica Neue"/>
-              <a:ea typeface="Helvetica Neue"/>
-              <a:cs typeface="Helvetica Neue"/>
-              <a:sym typeface="Helvetica Neue"/>
-            </a:endParaRPr>
-          </a:p>
-        </p:txBody>
-      </p:sp>
-      <p:sp>
-        <p:nvSpPr>
-          <p:cNvPr id="548" name="Shape 548"/>
-          <p:cNvSpPr/>
-          <p:nvPr/>
-        </p:nvSpPr>
-        <p:spPr>
-          <a:xfrm>
-            <a:off x="4339745" y="955019"/>
-            <a:ext cx="1322100" cy="1129200"/>
-          </a:xfrm>
-          <a:prstGeom prst="rect">
-            <a:avLst/>
-          </a:prstGeom>
-          <a:solidFill>
-            <a:srgbClr val="6C6C6C"/>
-          </a:solidFill>
-          <a:ln>
-            <a:noFill/>
-          </a:ln>
-        </p:spPr>
-        <p:txBody>
-          <a:bodyPr anchorCtr="0" anchor="ctr" bIns="32750" lIns="32750" rIns="32750" wrap="square" tIns="32750">
-            <a:noAutofit/>
-          </a:bodyPr>
-          <a:lstStyle/>
-          <a:p>
-            <a:pPr indent="-88900" lvl="0" marL="0" marR="0" rtl="0" algn="ctr">
-              <a:lnSpc>
-                <a:spcPct val="100000"/>
-              </a:lnSpc>
-              <a:spcBef>
-                <a:spcPts val="0"/>
-              </a:spcBef>
-              <a:spcAft>
-                <a:spcPts val="0"/>
-              </a:spcAft>
-              <a:buClr>
-                <a:srgbClr val="FFFFFF"/>
-              </a:buClr>
-              <a:buFont typeface="Helvetica Neue"/>
-              <a:buNone/>
-            </a:pPr>
-            <a:r>
-              <a:t/>
-            </a:r>
-            <a:endParaRPr b="0" i="0" sz="1400" u="none" cap="none" strike="noStrike">
-              <a:solidFill>
-                <a:srgbClr val="FFFFFF"/>
-              </a:solidFill>
-              <a:latin typeface="Helvetica Neue"/>
-              <a:ea typeface="Helvetica Neue"/>
-              <a:cs typeface="Helvetica Neue"/>
-              <a:sym typeface="Helvetica Neue"/>
-            </a:endParaRPr>
-          </a:p>
-        </p:txBody>
-      </p:sp>
-      <p:sp>
-        <p:nvSpPr>
-          <p:cNvPr id="549" name="Shape 549"/>
-          <p:cNvSpPr/>
-          <p:nvPr/>
-        </p:nvSpPr>
-        <p:spPr>
-          <a:xfrm>
-            <a:off x="4344609" y="22274"/>
-            <a:ext cx="4772700" cy="917400"/>
-          </a:xfrm>
-          <a:prstGeom prst="rect">
-            <a:avLst/>
-          </a:prstGeom>
-          <a:solidFill>
-            <a:srgbClr val="434343"/>
-          </a:solidFill>
-          <a:ln>
-            <a:noFill/>
-          </a:ln>
-        </p:spPr>
-        <p:txBody>
-          <a:bodyPr anchorCtr="0" anchor="ctr" bIns="32750" lIns="32750" rIns="32750" wrap="square" tIns="32750">
-            <a:noAutofit/>
-          </a:bodyPr>
-          <a:lstStyle/>
-          <a:p>
-            <a:pPr indent="-88900" lvl="0" marL="0" marR="0" rtl="0" algn="ctr">
-              <a:lnSpc>
-                <a:spcPct val="100000"/>
-              </a:lnSpc>
-              <a:spcBef>
-                <a:spcPts val="0"/>
-              </a:spcBef>
-              <a:spcAft>
-                <a:spcPts val="0"/>
-              </a:spcAft>
-              <a:buClr>
-                <a:srgbClr val="FFFFFF"/>
-              </a:buClr>
-              <a:buFont typeface="Helvetica Neue"/>
-              <a:buNone/>
-            </a:pPr>
-            <a:r>
-              <a:t/>
-            </a:r>
-            <a:endParaRPr b="0" i="0" sz="1400" u="none" cap="none" strike="noStrike">
-              <a:solidFill>
-                <a:srgbClr val="FFFFFF"/>
-              </a:solidFill>
-              <a:latin typeface="Helvetica Neue"/>
-              <a:ea typeface="Helvetica Neue"/>
-              <a:cs typeface="Helvetica Neue"/>
-              <a:sym typeface="Helvetica Neue"/>
-            </a:endParaRPr>
-          </a:p>
-        </p:txBody>
-      </p:sp>
-      <p:sp>
-        <p:nvSpPr>
-          <p:cNvPr id="550" name="Shape 550"/>
-          <p:cNvSpPr txBox="1"/>
-          <p:nvPr/>
-        </p:nvSpPr>
-        <p:spPr>
-          <a:xfrm>
-            <a:off x="4382101" y="264675"/>
-            <a:ext cx="4697700" cy="432600"/>
-          </a:xfrm>
-          <a:prstGeom prst="rect">
-            <a:avLst/>
-          </a:prstGeom>
-          <a:noFill/>
-          <a:ln>
-            <a:noFill/>
-          </a:ln>
-        </p:spPr>
-        <p:txBody>
-          <a:bodyPr anchorCtr="0" anchor="ctr" bIns="32750" lIns="32750" rIns="32750" wrap="square" tIns="32750">
-            <a:noAutofit/>
-          </a:bodyPr>
-          <a:lstStyle/>
-          <a:p>
-            <a:pPr indent="-196850" lvl="0" marL="0" marR="0" rtl="0" algn="ctr">
-              <a:lnSpc>
-                <a:spcPct val="100000"/>
-              </a:lnSpc>
-              <a:spcBef>
-                <a:spcPts val="0"/>
-              </a:spcBef>
-              <a:spcAft>
-                <a:spcPts val="0"/>
-              </a:spcAft>
-              <a:buClr>
-                <a:srgbClr val="FFFFFF"/>
-              </a:buClr>
-              <a:buSzPct val="114814"/>
-              <a:buFont typeface="Helvetica Neue"/>
-              <a:buNone/>
-            </a:pPr>
-            <a:r>
-              <a:rPr b="1" lang="en" sz="2700">
-                <a:solidFill>
-                  <a:srgbClr val="FFFFFF"/>
-                </a:solidFill>
-                <a:latin typeface="Helvetica Neue"/>
-                <a:ea typeface="Helvetica Neue"/>
-                <a:cs typeface="Helvetica Neue"/>
-                <a:sym typeface="Helvetica Neue"/>
-              </a:rPr>
-              <a:t>Standardizing Project Data: What Do We Need?</a:t>
-            </a:r>
-          </a:p>
-        </p:txBody>
-      </p:sp>
-      <p:sp>
-        <p:nvSpPr>
-          <p:cNvPr id="551" name="Shape 551"/>
-          <p:cNvSpPr/>
-          <p:nvPr/>
-        </p:nvSpPr>
-        <p:spPr>
-          <a:xfrm>
-            <a:off x="5682332" y="2101132"/>
-            <a:ext cx="3434400" cy="2083200"/>
-          </a:xfrm>
-          <a:prstGeom prst="rect">
-            <a:avLst/>
-          </a:prstGeom>
-          <a:solidFill>
-            <a:srgbClr val="434343"/>
-          </a:solidFill>
-          <a:ln>
-            <a:noFill/>
-          </a:ln>
-        </p:spPr>
-        <p:txBody>
-          <a:bodyPr anchorCtr="0" anchor="ctr" bIns="32750" lIns="32750" rIns="32750" wrap="square" tIns="32750">
-            <a:noAutofit/>
-          </a:bodyPr>
-          <a:lstStyle/>
-          <a:p>
-            <a:pPr indent="-88900" lvl="0" marL="0" marR="0" rtl="0" algn="ctr">
-              <a:lnSpc>
-                <a:spcPct val="100000"/>
-              </a:lnSpc>
-              <a:spcBef>
-                <a:spcPts val="0"/>
-              </a:spcBef>
-              <a:spcAft>
-                <a:spcPts val="0"/>
-              </a:spcAft>
-              <a:buClr>
-                <a:srgbClr val="FFFFFF"/>
-              </a:buClr>
-              <a:buFont typeface="Helvetica Neue"/>
-              <a:buNone/>
-            </a:pPr>
-            <a:r>
-              <a:t/>
-            </a:r>
-            <a:endParaRPr b="0" i="0" sz="1400" u="none" cap="none" strike="noStrike">
-              <a:solidFill>
-                <a:srgbClr val="FFFFFF"/>
-              </a:solidFill>
-              <a:latin typeface="Helvetica Neue"/>
-              <a:ea typeface="Helvetica Neue"/>
-              <a:cs typeface="Helvetica Neue"/>
-              <a:sym typeface="Helvetica Neue"/>
-            </a:endParaRPr>
-          </a:p>
-        </p:txBody>
-      </p:sp>
-      <p:sp>
-        <p:nvSpPr>
-          <p:cNvPr id="552" name="Shape 552"/>
-          <p:cNvSpPr/>
-          <p:nvPr/>
-        </p:nvSpPr>
-        <p:spPr>
-          <a:xfrm>
-            <a:off x="5685350" y="957050"/>
-            <a:ext cx="2451300" cy="1125000"/>
-          </a:xfrm>
-          <a:prstGeom prst="rect">
-            <a:avLst/>
-          </a:prstGeom>
-          <a:solidFill>
-            <a:srgbClr val="6C6C6C"/>
-          </a:solidFill>
-          <a:ln>
-            <a:noFill/>
-          </a:ln>
-        </p:spPr>
-        <p:txBody>
-          <a:bodyPr anchorCtr="0" anchor="ctr" bIns="32750" lIns="32750" rIns="32750" wrap="square" tIns="32750">
-            <a:noAutofit/>
-          </a:bodyPr>
-          <a:lstStyle/>
-          <a:p>
-            <a:pPr indent="-88900" lvl="0" marL="0" marR="0" rtl="0" algn="ctr">
-              <a:lnSpc>
-                <a:spcPct val="100000"/>
-              </a:lnSpc>
-              <a:spcBef>
-                <a:spcPts val="0"/>
-              </a:spcBef>
-              <a:spcAft>
-                <a:spcPts val="0"/>
-              </a:spcAft>
-              <a:buClr>
-                <a:srgbClr val="FFFFFF"/>
-              </a:buClr>
-              <a:buFont typeface="Helvetica Neue"/>
-              <a:buNone/>
-            </a:pPr>
-            <a:r>
-              <a:t/>
-            </a:r>
-            <a:endParaRPr b="0" i="0" sz="1400" u="none" cap="none" strike="noStrike">
-              <a:solidFill>
-                <a:srgbClr val="FFFFFF"/>
-              </a:solidFill>
-              <a:latin typeface="Helvetica Neue"/>
-              <a:ea typeface="Helvetica Neue"/>
-              <a:cs typeface="Helvetica Neue"/>
-              <a:sym typeface="Helvetica Neue"/>
-            </a:endParaRPr>
-          </a:p>
-        </p:txBody>
-      </p:sp>
       <p:pic>
         <p:nvPicPr>
-          <p:cNvPr descr="2eastmainbfr.jpg" id="553" name="Shape 553"/>
+          <p:cNvPr descr="natural-wetland-2.jpg" id="553" name="Shape 553"/>
           <p:cNvPicPr preferRelativeResize="0"/>
           <p:nvPr/>
         </p:nvPicPr>
@@ -30182,8 +30182,8 @@
         </p:blipFill>
         <p:spPr>
           <a:xfrm>
-            <a:off x="8174459" y="957284"/>
-            <a:ext cx="944244" cy="1124691"/>
+            <a:off x="7569975" y="4203150"/>
+            <a:ext cx="1564600" cy="916575"/>
           </a:xfrm>
           <a:prstGeom prst="rect">
             <a:avLst/>
@@ -30194,9 +30194,67 @@
           </a:ln>
         </p:spPr>
       </p:pic>
+      <p:sp>
+        <p:nvSpPr>
+          <p:cNvPr id="554" name="Shape 554"/>
+          <p:cNvSpPr/>
+          <p:nvPr/>
+        </p:nvSpPr>
+        <p:spPr>
+          <a:xfrm>
+            <a:off x="5683150" y="4203175"/>
+            <a:ext cx="1866900" cy="917400"/>
+          </a:xfrm>
+          <a:prstGeom prst="rect">
+            <a:avLst/>
+          </a:prstGeom>
+          <a:solidFill>
+            <a:srgbClr val="6C6C6C"/>
+          </a:solidFill>
+          <a:ln>
+            <a:noFill/>
+          </a:ln>
+        </p:spPr>
+        <p:txBody>
+          <a:bodyPr anchorCtr="0" anchor="ctr" bIns="32750" lIns="32750" rIns="32750" wrap="square" tIns="32750">
+            <a:noAutofit/>
+          </a:bodyPr>
+          <a:lstStyle/>
+          <a:p>
+            <a:pPr indent="-88900" lvl="0" marL="0" marR="0" rtl="0" algn="ctr">
+              <a:lnSpc>
+                <a:spcPct val="100000"/>
+              </a:lnSpc>
+              <a:spcBef>
+                <a:spcPts val="0"/>
+              </a:spcBef>
+              <a:spcAft>
+                <a:spcPts val="0"/>
+              </a:spcAft>
+              <a:buClr>
+                <a:srgbClr val="FFFFFF"/>
+              </a:buClr>
+              <a:buFont typeface="Helvetica Neue"/>
+              <a:buNone/>
+            </a:pPr>
+            <a:r>
+              <a:t/>
+            </a:r>
+            <a:endParaRPr b="0" i="0" sz="1400" u="none" cap="none" strike="noStrike">
+              <a:solidFill>
+                <a:srgbClr val="FFFFFF"/>
+              </a:solidFill>
+              <a:latin typeface="Helvetica Neue"/>
+              <a:ea typeface="Helvetica Neue"/>
+              <a:cs typeface="Helvetica Neue"/>
+              <a:sym typeface="Helvetica Neue"/>
+            </a:endParaRPr>
+          </a:p>
+        </p:txBody>
+      </p:sp>
       <p:pic>
         <p:nvPicPr>
-          <p:cNvPr descr="natural-wetland-2.jpg" id="554" name="Shape 554"/>
+          <p:cNvPr descr="philly.jpg" id="555" name="Shape 555"/>
           <p:cNvPicPr preferRelativeResize="0"/>
           <p:nvPr/>
         </p:nvPicPr>
@@ -30209,8 +30267,8 @@
         </p:blipFill>
         <p:spPr>
           <a:xfrm>
-            <a:off x="7569975" y="4203150"/>
-            <a:ext cx="1564600" cy="916575"/>
+            <a:off x="27504" y="16878"/>
+            <a:ext cx="4295180" cy="2069455"/>
           </a:xfrm>
           <a:prstGeom prst="rect">
             <a:avLst/>
@@ -30223,43 +30281,314 @@
       </p:pic>
       <p:sp>
         <p:nvSpPr>
-          <p:cNvPr id="555" name="Shape 555"/>
-          <p:cNvSpPr/>
+          <p:cNvPr id="556" name="Shape 556"/>
+          <p:cNvSpPr txBox="1"/>
           <p:nvPr/>
         </p:nvSpPr>
         <p:spPr>
           <a:xfrm>
-            <a:off x="5683150" y="4203175"/>
-            <a:ext cx="1866900" cy="917400"/>
-          </a:xfrm>
-          <a:prstGeom prst="rect">
-            <a:avLst/>
-          </a:prstGeom>
-          <a:solidFill>
-            <a:srgbClr val="6C6C6C"/>
-          </a:solidFill>
+            <a:off x="5685350" y="2101125"/>
+            <a:ext cx="1830600" cy="2083200"/>
+          </a:xfrm>
+          <a:prstGeom prst="rect">
+            <a:avLst/>
+          </a:prstGeom>
+          <a:noFill/>
           <a:ln>
             <a:noFill/>
           </a:ln>
         </p:spPr>
         <p:txBody>
-          <a:bodyPr anchorCtr="0" anchor="ctr" bIns="32750" lIns="32750" rIns="32750" wrap="square" tIns="32750">
+          <a:bodyPr anchorCtr="0" anchor="t" bIns="91425" lIns="91425" rIns="91425" wrap="square" tIns="91425">
             <a:noAutofit/>
           </a:bodyPr>
           <a:lstStyle/>
           <a:p>
-            <a:pPr indent="-88900" lvl="0" marL="0" marR="0" rtl="0" algn="ctr">
-              <a:lnSpc>
-                <a:spcPct val="100000"/>
-              </a:lnSpc>
-              <a:spcBef>
-                <a:spcPts val="0"/>
-              </a:spcBef>
-              <a:spcAft>
-                <a:spcPts val="0"/>
-              </a:spcAft>
-              <a:buClr>
-                <a:srgbClr val="FFFFFF"/>
+            <a:pPr lvl="0" rtl="0">
+              <a:lnSpc>
+                <a:spcPct val="115000"/>
+              </a:lnSpc>
+              <a:spcBef>
+                <a:spcPts val="0"/>
+              </a:spcBef>
+              <a:buNone/>
+            </a:pPr>
+            <a:r>
+              <a:rPr b="1" lang="en" sz="900">
+                <a:solidFill>
+                  <a:schemeClr val="lt1"/>
+                </a:solidFill>
+                <a:latin typeface="Helvetica Neue"/>
+                <a:ea typeface="Helvetica Neue"/>
+                <a:cs typeface="Helvetica Neue"/>
+                <a:sym typeface="Helvetica Neue"/>
+              </a:rPr>
+              <a:t>YEAR</a:t>
+            </a:r>
+          </a:p>
+          <a:p>
+            <a:pPr lvl="0" rtl="0">
+              <a:lnSpc>
+                <a:spcPct val="115000"/>
+              </a:lnSpc>
+              <a:spcBef>
+                <a:spcPts val="0"/>
+              </a:spcBef>
+              <a:buNone/>
+            </a:pPr>
+            <a:r>
+              <a:rPr b="1" lang="en" sz="900">
+                <a:solidFill>
+                  <a:schemeClr val="lt1"/>
+                </a:solidFill>
+                <a:latin typeface="Helvetica Neue"/>
+                <a:ea typeface="Helvetica Neue"/>
+                <a:cs typeface="Helvetica Neue"/>
+                <a:sym typeface="Helvetica Neue"/>
+              </a:rPr>
+              <a:t>FACILITY_NAME</a:t>
+            </a:r>
+          </a:p>
+          <a:p>
+            <a:pPr lvl="0" rtl="0">
+              <a:lnSpc>
+                <a:spcPct val="115000"/>
+              </a:lnSpc>
+              <a:spcBef>
+                <a:spcPts val="0"/>
+              </a:spcBef>
+              <a:buNone/>
+            </a:pPr>
+            <a:r>
+              <a:rPr b="1" lang="en" sz="900">
+                <a:solidFill>
+                  <a:schemeClr val="lt1"/>
+                </a:solidFill>
+                <a:latin typeface="Helvetica Neue"/>
+                <a:ea typeface="Helvetica Neue"/>
+                <a:cs typeface="Helvetica Neue"/>
+                <a:sym typeface="Helvetica Neue"/>
+              </a:rPr>
+              <a:t>FEDERAL_FACILITY</a:t>
+            </a:r>
+          </a:p>
+          <a:p>
+            <a:pPr lvl="0" rtl="0">
+              <a:lnSpc>
+                <a:spcPct val="115000"/>
+              </a:lnSpc>
+              <a:spcBef>
+                <a:spcPts val="0"/>
+              </a:spcBef>
+              <a:buNone/>
+            </a:pPr>
+            <a:r>
+              <a:rPr b="1" lang="en" sz="900">
+                <a:solidFill>
+                  <a:schemeClr val="lt1"/>
+                </a:solidFill>
+                <a:latin typeface="Helvetica Neue"/>
+                <a:ea typeface="Helvetica Neue"/>
+                <a:cs typeface="Helvetica Neue"/>
+                <a:sym typeface="Helvetica Neue"/>
+              </a:rPr>
+              <a:t>PARENT_COMPANY_NAME</a:t>
+            </a:r>
+          </a:p>
+          <a:p>
+            <a:pPr lvl="0" rtl="0">
+              <a:lnSpc>
+                <a:spcPct val="115000"/>
+              </a:lnSpc>
+              <a:spcBef>
+                <a:spcPts val="0"/>
+              </a:spcBef>
+              <a:buNone/>
+            </a:pPr>
+            <a:r>
+              <a:rPr b="1" lang="en" sz="900">
+                <a:solidFill>
+                  <a:schemeClr val="lt1"/>
+                </a:solidFill>
+                <a:latin typeface="Helvetica Neue"/>
+                <a:ea typeface="Helvetica Neue"/>
+                <a:cs typeface="Helvetica Neue"/>
+                <a:sym typeface="Helvetica Neue"/>
+              </a:rPr>
+              <a:t>INDUSTRY_SECTOR</a:t>
+            </a:r>
+          </a:p>
+          <a:p>
+            <a:pPr lvl="0" rtl="0">
+              <a:lnSpc>
+                <a:spcPct val="115000"/>
+              </a:lnSpc>
+              <a:spcBef>
+                <a:spcPts val="0"/>
+              </a:spcBef>
+              <a:buNone/>
+            </a:pPr>
+            <a:r>
+              <a:rPr b="1" lang="en" sz="900">
+                <a:solidFill>
+                  <a:schemeClr val="lt1"/>
+                </a:solidFill>
+                <a:latin typeface="Helvetica Neue"/>
+                <a:ea typeface="Helvetica Neue"/>
+                <a:cs typeface="Helvetica Neue"/>
+                <a:sym typeface="Helvetica Neue"/>
+              </a:rPr>
+              <a:t>ZIP</a:t>
+            </a:r>
+          </a:p>
+          <a:p>
+            <a:pPr lvl="0" rtl="0">
+              <a:lnSpc>
+                <a:spcPct val="115000"/>
+              </a:lnSpc>
+              <a:spcBef>
+                <a:spcPts val="0"/>
+              </a:spcBef>
+              <a:buNone/>
+            </a:pPr>
+            <a:r>
+              <a:rPr b="1" lang="en" sz="900">
+                <a:solidFill>
+                  <a:schemeClr val="lt1"/>
+                </a:solidFill>
+                <a:latin typeface="Helvetica Neue"/>
+                <a:ea typeface="Helvetica Neue"/>
+                <a:cs typeface="Helvetica Neue"/>
+                <a:sym typeface="Helvetica Neue"/>
+              </a:rPr>
+              <a:t>STATE</a:t>
+            </a:r>
+          </a:p>
+          <a:p>
+            <a:pPr lvl="0" rtl="0">
+              <a:lnSpc>
+                <a:spcPct val="115000"/>
+              </a:lnSpc>
+              <a:spcBef>
+                <a:spcPts val="0"/>
+              </a:spcBef>
+              <a:buNone/>
+            </a:pPr>
+            <a:r>
+              <a:rPr b="1" lang="en" sz="900">
+                <a:solidFill>
+                  <a:schemeClr val="lt1"/>
+                </a:solidFill>
+                <a:latin typeface="Helvetica Neue"/>
+                <a:ea typeface="Helvetica Neue"/>
+                <a:cs typeface="Helvetica Neue"/>
+                <a:sym typeface="Helvetica Neue"/>
+              </a:rPr>
+              <a:t>CITY</a:t>
+            </a:r>
+          </a:p>
+          <a:p>
+            <a:pPr lvl="0" rtl="0">
+              <a:lnSpc>
+                <a:spcPct val="115000"/>
+              </a:lnSpc>
+              <a:spcBef>
+                <a:spcPts val="0"/>
+              </a:spcBef>
+              <a:buNone/>
+            </a:pPr>
+            <a:r>
+              <a:rPr b="1" lang="en" sz="900">
+                <a:solidFill>
+                  <a:schemeClr val="lt1"/>
+                </a:solidFill>
+                <a:latin typeface="Helvetica Neue"/>
+                <a:ea typeface="Helvetica Neue"/>
+                <a:cs typeface="Helvetica Neue"/>
+                <a:sym typeface="Helvetica Neue"/>
+              </a:rPr>
+              <a:t>COUNTY</a:t>
+            </a:r>
+          </a:p>
+          <a:p>
+            <a:pPr lvl="0" rtl="0">
+              <a:lnSpc>
+                <a:spcPct val="115000"/>
+              </a:lnSpc>
+              <a:spcBef>
+                <a:spcPts val="0"/>
+              </a:spcBef>
+              <a:buNone/>
+            </a:pPr>
+            <a:r>
+              <a:rPr b="1" lang="en" sz="900">
+                <a:solidFill>
+                  <a:schemeClr val="lt1"/>
+                </a:solidFill>
+                <a:latin typeface="Helvetica Neue"/>
+                <a:ea typeface="Helvetica Neue"/>
+                <a:cs typeface="Helvetica Neue"/>
+                <a:sym typeface="Helvetica Neue"/>
+              </a:rPr>
+              <a:t>LATITUDE</a:t>
+            </a:r>
+          </a:p>
+          <a:p>
+            <a:pPr lvl="0" rtl="0">
+              <a:lnSpc>
+                <a:spcPct val="115000"/>
+              </a:lnSpc>
+              <a:spcBef>
+                <a:spcPts val="0"/>
+              </a:spcBef>
+              <a:buNone/>
+            </a:pPr>
+            <a:r>
+              <a:rPr b="1" lang="en" sz="900">
+                <a:solidFill>
+                  <a:schemeClr val="lt1"/>
+                </a:solidFill>
+                <a:latin typeface="Helvetica Neue"/>
+                <a:ea typeface="Helvetica Neue"/>
+                <a:cs typeface="Helvetica Neue"/>
+                <a:sym typeface="Helvetica Neue"/>
+              </a:rPr>
+              <a:t>LONGITUDE</a:t>
+            </a:r>
+          </a:p>
+          <a:p>
+            <a:pPr lvl="0" rtl="0">
+              <a:lnSpc>
+                <a:spcPct val="115000"/>
+              </a:lnSpc>
+              <a:spcBef>
+                <a:spcPts val="0"/>
+              </a:spcBef>
+              <a:buNone/>
+            </a:pPr>
+            <a:r>
+              <a:rPr b="1" lang="en" sz="900">
+                <a:solidFill>
+                  <a:schemeClr val="lt1"/>
+                </a:solidFill>
+                <a:latin typeface="Helvetica Neue"/>
+                <a:ea typeface="Helvetica Neue"/>
+                <a:cs typeface="Helvetica Neue"/>
+                <a:sym typeface="Helvetica Neue"/>
+              </a:rPr>
+              <a:t>CHEMICAL</a:t>
+            </a:r>
+          </a:p>
+          <a:p>
+            <a:pPr lvl="0" rtl="0">
+              <a:lnSpc>
+                <a:spcPct val="115000"/>
+              </a:lnSpc>
+              <a:spcBef>
+                <a:spcPts val="0"/>
+              </a:spcBef>
+              <a:buClr>
+                <a:schemeClr val="lt1"/>
               </a:buClr>
               <a:buFont typeface="Helvetica Neue"/>
               <a:buNone/>
@@ -30267,15 +30596,293 @@
             <a:r>
               <a:t/>
             </a:r>
-            <a:endParaRPr b="0" i="0" sz="1400" u="none" cap="none" strike="noStrike">
+            <a:endParaRPr b="1" sz="900">
               <a:solidFill>
-                <a:srgbClr val="FFFFFF"/>
+                <a:schemeClr val="lt1"/>
               </a:solidFill>
               <a:latin typeface="Helvetica Neue"/>
               <a:ea typeface="Helvetica Neue"/>
               <a:cs typeface="Helvetica Neue"/>
               <a:sym typeface="Helvetica Neue"/>
             </a:endParaRPr>
+          </a:p>
+        </p:txBody>
+      </p:sp>
+      <p:sp>
+        <p:nvSpPr>
+          <p:cNvPr id="557" name="Shape 557"/>
+          <p:cNvSpPr txBox="1"/>
+          <p:nvPr/>
+        </p:nvSpPr>
+        <p:spPr>
+          <a:xfrm>
+            <a:off x="7286275" y="2099425"/>
+            <a:ext cx="1830600" cy="2083200"/>
+          </a:xfrm>
+          <a:prstGeom prst="rect">
+            <a:avLst/>
+          </a:prstGeom>
+          <a:noFill/>
+          <a:ln>
+            <a:noFill/>
+          </a:ln>
+        </p:spPr>
+        <p:txBody>
+          <a:bodyPr anchorCtr="0" anchor="t" bIns="91425" lIns="91425" rIns="91425" wrap="square" tIns="91425">
+            <a:noAutofit/>
+          </a:bodyPr>
+          <a:lstStyle/>
+          <a:p>
+            <a:pPr lvl="0" rtl="0">
+              <a:lnSpc>
+                <a:spcPct val="115000"/>
+              </a:lnSpc>
+              <a:spcBef>
+                <a:spcPts val="0"/>
+              </a:spcBef>
+              <a:buClr>
+                <a:schemeClr val="dk1"/>
+              </a:buClr>
+              <a:buSzPct val="122222"/>
+              <a:buFont typeface="Arial"/>
+              <a:buNone/>
+            </a:pPr>
+            <a:r>
+              <a:rPr b="1" lang="en" sz="900">
+                <a:solidFill>
+                  <a:schemeClr val="lt1"/>
+                </a:solidFill>
+                <a:latin typeface="Helvetica Neue"/>
+                <a:ea typeface="Helvetica Neue"/>
+                <a:cs typeface="Helvetica Neue"/>
+                <a:sym typeface="Helvetica Neue"/>
+              </a:rPr>
+              <a:t>UNIT_OF_MEASURE</a:t>
+            </a:r>
+          </a:p>
+          <a:p>
+            <a:pPr lvl="0" rtl="0">
+              <a:lnSpc>
+                <a:spcPct val="115000"/>
+              </a:lnSpc>
+              <a:spcBef>
+                <a:spcPts val="0"/>
+              </a:spcBef>
+              <a:buClr>
+                <a:schemeClr val="dk1"/>
+              </a:buClr>
+              <a:buSzPct val="122222"/>
+              <a:buFont typeface="Arial"/>
+              <a:buNone/>
+            </a:pPr>
+            <a:r>
+              <a:rPr b="1" lang="en" sz="900">
+                <a:solidFill>
+                  <a:schemeClr val="lt1"/>
+                </a:solidFill>
+                <a:latin typeface="Helvetica Neue"/>
+                <a:ea typeface="Helvetica Neue"/>
+                <a:cs typeface="Helvetica Neue"/>
+                <a:sym typeface="Helvetica Neue"/>
+              </a:rPr>
+              <a:t>CARCINOGEN</a:t>
+            </a:r>
+          </a:p>
+          <a:p>
+            <a:pPr lvl="0" rtl="0">
+              <a:lnSpc>
+                <a:spcPct val="115000"/>
+              </a:lnSpc>
+              <a:spcBef>
+                <a:spcPts val="0"/>
+              </a:spcBef>
+              <a:buClr>
+                <a:schemeClr val="dk1"/>
+              </a:buClr>
+              <a:buSzPct val="122222"/>
+              <a:buFont typeface="Arial"/>
+              <a:buNone/>
+            </a:pPr>
+            <a:r>
+              <a:rPr b="1" lang="en" sz="900">
+                <a:solidFill>
+                  <a:schemeClr val="lt1"/>
+                </a:solidFill>
+                <a:latin typeface="Helvetica Neue"/>
+                <a:ea typeface="Helvetica Neue"/>
+                <a:cs typeface="Helvetica Neue"/>
+                <a:sym typeface="Helvetica Neue"/>
+              </a:rPr>
+              <a:t>CAA_CHEMICAL</a:t>
+            </a:r>
+          </a:p>
+          <a:p>
+            <a:pPr lvl="0" rtl="0">
+              <a:lnSpc>
+                <a:spcPct val="115000"/>
+              </a:lnSpc>
+              <a:spcBef>
+                <a:spcPts val="0"/>
+              </a:spcBef>
+              <a:buClr>
+                <a:schemeClr val="dk1"/>
+              </a:buClr>
+              <a:buSzPct val="122222"/>
+              <a:buFont typeface="Arial"/>
+              <a:buNone/>
+            </a:pPr>
+            <a:r>
+              <a:rPr b="1" lang="en" sz="900">
+                <a:solidFill>
+                  <a:schemeClr val="lt1"/>
+                </a:solidFill>
+                <a:latin typeface="Helvetica Neue"/>
+                <a:ea typeface="Helvetica Neue"/>
+                <a:cs typeface="Helvetica Neue"/>
+                <a:sym typeface="Helvetica Neue"/>
+              </a:rPr>
+              <a:t>TOTAL_RELEASES</a:t>
+            </a:r>
+          </a:p>
+          <a:p>
+            <a:pPr lvl="0" rtl="0">
+              <a:lnSpc>
+                <a:spcPct val="115000"/>
+              </a:lnSpc>
+              <a:spcBef>
+                <a:spcPts val="0"/>
+              </a:spcBef>
+              <a:buClr>
+                <a:schemeClr val="dk1"/>
+              </a:buClr>
+              <a:buSzPct val="122222"/>
+              <a:buFont typeface="Arial"/>
+              <a:buNone/>
+            </a:pPr>
+            <a:r>
+              <a:rPr b="1" lang="en" sz="900">
+                <a:solidFill>
+                  <a:schemeClr val="lt1"/>
+                </a:solidFill>
+                <a:latin typeface="Helvetica Neue"/>
+                <a:ea typeface="Helvetica Neue"/>
+                <a:cs typeface="Helvetica Neue"/>
+                <a:sym typeface="Helvetica Neue"/>
+              </a:rPr>
+              <a:t>ON_SITE_RELEASE_TOTAL</a:t>
+            </a:r>
+          </a:p>
+          <a:p>
+            <a:pPr lvl="0" rtl="0">
+              <a:lnSpc>
+                <a:spcPct val="115000"/>
+              </a:lnSpc>
+              <a:spcBef>
+                <a:spcPts val="0"/>
+              </a:spcBef>
+              <a:buClr>
+                <a:schemeClr val="dk1"/>
+              </a:buClr>
+              <a:buSzPct val="122222"/>
+              <a:buFont typeface="Arial"/>
+              <a:buNone/>
+            </a:pPr>
+            <a:r>
+              <a:rPr b="1" lang="en" sz="900">
+                <a:solidFill>
+                  <a:schemeClr val="lt1"/>
+                </a:solidFill>
+                <a:latin typeface="Helvetica Neue"/>
+                <a:ea typeface="Helvetica Neue"/>
+                <a:cs typeface="Helvetica Neue"/>
+                <a:sym typeface="Helvetica Neue"/>
+              </a:rPr>
+              <a:t>OFF_SITE_RELEASE_TOTAL</a:t>
+            </a:r>
+          </a:p>
+          <a:p>
+            <a:pPr lvl="0" rtl="0">
+              <a:lnSpc>
+                <a:spcPct val="115000"/>
+              </a:lnSpc>
+              <a:spcBef>
+                <a:spcPts val="0"/>
+              </a:spcBef>
+              <a:buClr>
+                <a:schemeClr val="dk1"/>
+              </a:buClr>
+              <a:buSzPct val="122222"/>
+              <a:buFont typeface="Arial"/>
+              <a:buNone/>
+            </a:pPr>
+            <a:r>
+              <a:rPr b="1" lang="en" sz="900">
+                <a:solidFill>
+                  <a:schemeClr val="lt1"/>
+                </a:solidFill>
+                <a:latin typeface="Helvetica Neue"/>
+                <a:ea typeface="Helvetica Neue"/>
+                <a:cs typeface="Helvetica Neue"/>
+                <a:sym typeface="Helvetica Neue"/>
+              </a:rPr>
+              <a:t>ON_SITE_RECYCLED_TOTAL</a:t>
+            </a:r>
+          </a:p>
+          <a:p>
+            <a:pPr lvl="0" rtl="0">
+              <a:lnSpc>
+                <a:spcPct val="115000"/>
+              </a:lnSpc>
+              <a:spcBef>
+                <a:spcPts val="0"/>
+              </a:spcBef>
+              <a:buClr>
+                <a:schemeClr val="dk1"/>
+              </a:buClr>
+              <a:buSzPct val="122222"/>
+              <a:buFont typeface="Arial"/>
+              <a:buNone/>
+            </a:pPr>
+            <a:r>
+              <a:rPr b="1" lang="en" sz="900">
+                <a:solidFill>
+                  <a:schemeClr val="lt1"/>
+                </a:solidFill>
+                <a:latin typeface="Helvetica Neue"/>
+                <a:ea typeface="Helvetica Neue"/>
+                <a:cs typeface="Helvetica Neue"/>
+                <a:sym typeface="Helvetica Neue"/>
+              </a:rPr>
+              <a:t>OFF_SITE_RECYCLED TOTAL</a:t>
+            </a:r>
+          </a:p>
+          <a:p>
+            <a:pPr lvl="0" rtl="0">
+              <a:lnSpc>
+                <a:spcPct val="115000"/>
+              </a:lnSpc>
+              <a:spcBef>
+                <a:spcPts val="0"/>
+              </a:spcBef>
+              <a:buClr>
+                <a:schemeClr val="dk1"/>
+              </a:buClr>
+              <a:buSzPct val="122222"/>
+              <a:buFont typeface="Arial"/>
+              <a:buNone/>
+            </a:pPr>
+            <a:r>
+              <a:rPr b="1" lang="en" sz="900">
+                <a:solidFill>
+                  <a:schemeClr val="lt1"/>
+                </a:solidFill>
+                <a:latin typeface="Helvetica Neue"/>
+                <a:ea typeface="Helvetica Neue"/>
+                <a:cs typeface="Helvetica Neue"/>
+                <a:sym typeface="Helvetica Neue"/>
+              </a:rPr>
+              <a:t>ONE_TIME_RELEASES</a:t>
+            </a:r>
           </a:p>
         </p:txBody>
       </p:sp>
@@ -30302,7 +30909,7 @@
     </p:bg>
     <p:spTree>
       <p:nvGrpSpPr>
-        <p:cNvPr id="559" name="Shape 559"/>
+        <p:cNvPr id="561" name="Shape 561"/>
         <p:cNvGrpSpPr/>
         <p:nvPr/>
       </p:nvGrpSpPr>
@@ -30316,7 +30923,7 @@
       </p:grpSpPr>
       <p:sp>
         <p:nvSpPr>
-          <p:cNvPr id="560" name="Shape 560"/>
+          <p:cNvPr id="562" name="Shape 562"/>
           <p:cNvSpPr/>
           <p:nvPr/>
         </p:nvSpPr>
@@ -30372,9 +30979,573 @@
           </a:p>
         </p:txBody>
       </p:sp>
+      <p:sp>
+        <p:nvSpPr>
+          <p:cNvPr id="563" name="Shape 563"/>
+          <p:cNvSpPr/>
+          <p:nvPr/>
+        </p:nvSpPr>
+        <p:spPr>
+          <a:xfrm>
+            <a:off x="28580" y="5089464"/>
+            <a:ext cx="5634600" cy="33000"/>
+          </a:xfrm>
+          <a:prstGeom prst="rect">
+            <a:avLst/>
+          </a:prstGeom>
+          <a:solidFill>
+            <a:srgbClr val="434343"/>
+          </a:solidFill>
+          <a:ln>
+            <a:noFill/>
+          </a:ln>
+        </p:spPr>
+        <p:txBody>
+          <a:bodyPr anchorCtr="0" anchor="ctr" bIns="32750" lIns="32750" rIns="32750" wrap="square" tIns="32750">
+            <a:noAutofit/>
+          </a:bodyPr>
+          <a:lstStyle/>
+          <a:p>
+            <a:pPr indent="-88900" lvl="0" marL="0" marR="0" rtl="0" algn="ctr">
+              <a:lnSpc>
+                <a:spcPct val="100000"/>
+              </a:lnSpc>
+              <a:spcBef>
+                <a:spcPts val="0"/>
+              </a:spcBef>
+              <a:spcAft>
+                <a:spcPts val="0"/>
+              </a:spcAft>
+              <a:buClr>
+                <a:srgbClr val="FFFFFF"/>
+              </a:buClr>
+              <a:buFont typeface="Helvetica Neue"/>
+              <a:buNone/>
+            </a:pPr>
+            <a:r>
+              <a:t/>
+            </a:r>
+            <a:endParaRPr b="0" i="0" sz="1400" u="none" cap="none" strike="noStrike">
+              <a:solidFill>
+                <a:srgbClr val="FFFFFF"/>
+              </a:solidFill>
+              <a:latin typeface="Helvetica Neue"/>
+              <a:ea typeface="Helvetica Neue"/>
+              <a:cs typeface="Helvetica Neue"/>
+              <a:sym typeface="Helvetica Neue"/>
+            </a:endParaRPr>
+          </a:p>
+        </p:txBody>
+      </p:sp>
+      <p:sp>
+        <p:nvSpPr>
+          <p:cNvPr id="564" name="Shape 564"/>
+          <p:cNvSpPr/>
+          <p:nvPr/>
+        </p:nvSpPr>
+        <p:spPr>
+          <a:xfrm>
+            <a:off x="31954" y="2099458"/>
+            <a:ext cx="5628900" cy="2974800"/>
+          </a:xfrm>
+          <a:prstGeom prst="rect">
+            <a:avLst/>
+          </a:prstGeom>
+          <a:solidFill>
+            <a:srgbClr val="000000"/>
+          </a:solidFill>
+          <a:ln>
+            <a:noFill/>
+          </a:ln>
+        </p:spPr>
+        <p:txBody>
+          <a:bodyPr anchorCtr="0" anchor="ctr" bIns="32750" lIns="32750" rIns="32750" wrap="square" tIns="32750">
+            <a:noAutofit/>
+          </a:bodyPr>
+          <a:lstStyle/>
+          <a:p>
+            <a:pPr indent="-190500" lvl="0" marL="215900" rtl="0">
+              <a:spcBef>
+                <a:spcPts val="0"/>
+              </a:spcBef>
+              <a:buClr>
+                <a:schemeClr val="lt1"/>
+              </a:buClr>
+              <a:buSzPct val="100000"/>
+              <a:buFont typeface="Helvetica Neue"/>
+              <a:buChar char="•"/>
+            </a:pPr>
+            <a:r>
+              <a:rPr b="1" lang="en" sz="1800">
+                <a:solidFill>
+                  <a:schemeClr val="lt1"/>
+                </a:solidFill>
+                <a:latin typeface="Helvetica Neue"/>
+                <a:ea typeface="Helvetica Neue"/>
+                <a:cs typeface="Helvetica Neue"/>
+                <a:sym typeface="Helvetica Neue"/>
+              </a:rPr>
+              <a:t>Created Python script to process US and State CSV files</a:t>
+            </a:r>
+          </a:p>
+          <a:p>
+            <a:pPr indent="-342900" lvl="1" marL="914400" rtl="0">
+              <a:spcBef>
+                <a:spcPts val="0"/>
+              </a:spcBef>
+              <a:buClr>
+                <a:schemeClr val="lt1"/>
+              </a:buClr>
+              <a:buSzPct val="100000"/>
+              <a:buFont typeface="Helvetica Neue"/>
+            </a:pPr>
+            <a:r>
+              <a:rPr b="1" lang="en" sz="1800">
+                <a:solidFill>
+                  <a:schemeClr val="lt1"/>
+                </a:solidFill>
+                <a:latin typeface="Helvetica Neue"/>
+                <a:ea typeface="Helvetica Neue"/>
+                <a:cs typeface="Helvetica Neue"/>
+                <a:sym typeface="Helvetica Neue"/>
+              </a:rPr>
+              <a:t>Trims unwanted attributes</a:t>
+            </a:r>
+          </a:p>
+          <a:p>
+            <a:pPr indent="-342900" lvl="1" marL="914400" rtl="0">
+              <a:spcBef>
+                <a:spcPts val="0"/>
+              </a:spcBef>
+              <a:buClr>
+                <a:schemeClr val="lt1"/>
+              </a:buClr>
+              <a:buSzPct val="100000"/>
+              <a:buFont typeface="Helvetica Neue"/>
+            </a:pPr>
+            <a:r>
+              <a:rPr b="1" lang="en" sz="1800">
+                <a:solidFill>
+                  <a:schemeClr val="lt1"/>
+                </a:solidFill>
+                <a:latin typeface="Helvetica Neue"/>
+                <a:ea typeface="Helvetica Neue"/>
+                <a:cs typeface="Helvetica Neue"/>
+                <a:sym typeface="Helvetica Neue"/>
+              </a:rPr>
+              <a:t>Renames columns for standard access</a:t>
+            </a:r>
+          </a:p>
+          <a:p>
+            <a:pPr indent="-342900" lvl="1" marL="914400" rtl="0">
+              <a:spcBef>
+                <a:spcPts val="0"/>
+              </a:spcBef>
+              <a:buClr>
+                <a:schemeClr val="lt1"/>
+              </a:buClr>
+              <a:buSzPct val="100000"/>
+              <a:buFont typeface="Helvetica Neue"/>
+            </a:pPr>
+            <a:r>
+              <a:rPr b="1" lang="en" sz="1800">
+                <a:solidFill>
+                  <a:schemeClr val="lt1"/>
+                </a:solidFill>
+                <a:latin typeface="Helvetica Neue"/>
+                <a:ea typeface="Helvetica Neue"/>
+                <a:cs typeface="Helvetica Neue"/>
+                <a:sym typeface="Helvetica Neue"/>
+              </a:rPr>
+              <a:t>Handles NaN values in numerical columns</a:t>
+            </a:r>
+          </a:p>
+          <a:p>
+            <a:pPr indent="-342900" lvl="1" marL="914400" rtl="0">
+              <a:spcBef>
+                <a:spcPts val="0"/>
+              </a:spcBef>
+              <a:buClr>
+                <a:schemeClr val="lt1"/>
+              </a:buClr>
+              <a:buSzPct val="100000"/>
+              <a:buFont typeface="Helvetica Neue"/>
+            </a:pPr>
+            <a:r>
+              <a:rPr b="1" lang="en" sz="1800">
+                <a:solidFill>
+                  <a:schemeClr val="lt1"/>
+                </a:solidFill>
+                <a:latin typeface="Helvetica Neue"/>
+                <a:ea typeface="Helvetica Neue"/>
+                <a:cs typeface="Helvetica Neue"/>
+                <a:sym typeface="Helvetica Neue"/>
+              </a:rPr>
+              <a:t>Reduces CSV size by ~75%</a:t>
+            </a:r>
+          </a:p>
+          <a:p>
+            <a:pPr lvl="0" rtl="0">
+              <a:spcBef>
+                <a:spcPts val="0"/>
+              </a:spcBef>
+              <a:buNone/>
+            </a:pPr>
+            <a:r>
+              <a:t/>
+            </a:r>
+            <a:endParaRPr b="1" sz="1800">
+              <a:solidFill>
+                <a:schemeClr val="lt1"/>
+              </a:solidFill>
+              <a:latin typeface="Helvetica Neue"/>
+              <a:ea typeface="Helvetica Neue"/>
+              <a:cs typeface="Helvetica Neue"/>
+              <a:sym typeface="Helvetica Neue"/>
+            </a:endParaRPr>
+          </a:p>
+          <a:p>
+            <a:pPr indent="-190500" lvl="0" marL="215900" rtl="0">
+              <a:spcBef>
+                <a:spcPts val="0"/>
+              </a:spcBef>
+              <a:buClr>
+                <a:schemeClr val="lt1"/>
+              </a:buClr>
+              <a:buSzPct val="100000"/>
+              <a:buFont typeface="Helvetica Neue"/>
+              <a:buChar char="•"/>
+            </a:pPr>
+            <a:r>
+              <a:rPr b="1" lang="en" sz="1800">
+                <a:solidFill>
+                  <a:schemeClr val="lt1"/>
+                </a:solidFill>
+                <a:latin typeface="Helvetica Neue"/>
+                <a:ea typeface="Helvetica Neue"/>
+                <a:cs typeface="Helvetica Neue"/>
+                <a:sym typeface="Helvetica Neue"/>
+              </a:rPr>
+              <a:t>Run script on downloaded CSV files to pre-clean for use in ipynb</a:t>
+            </a:r>
+            <a:br>
+              <a:rPr b="1" lang="en" sz="1800">
+                <a:solidFill>
+                  <a:schemeClr val="lt1"/>
+                </a:solidFill>
+                <a:latin typeface="Helvetica Neue"/>
+                <a:ea typeface="Helvetica Neue"/>
+                <a:cs typeface="Helvetica Neue"/>
+                <a:sym typeface="Helvetica Neue"/>
+              </a:rPr>
+            </a:br>
+            <a:r>
+              <a:rPr b="1" lang="en" sz="1800">
+                <a:solidFill>
+                  <a:schemeClr val="lt1"/>
+                </a:solidFill>
+                <a:latin typeface="Helvetica Neue"/>
+                <a:ea typeface="Helvetica Neue"/>
+                <a:cs typeface="Helvetica Neue"/>
+                <a:sym typeface="Helvetica Neue"/>
+              </a:rPr>
+              <a:t> </a:t>
+            </a:r>
+          </a:p>
+        </p:txBody>
+      </p:sp>
+      <p:sp>
+        <p:nvSpPr>
+          <p:cNvPr id="565" name="Shape 565"/>
+          <p:cNvSpPr/>
+          <p:nvPr/>
+        </p:nvSpPr>
+        <p:spPr>
+          <a:xfrm>
+            <a:off x="4339745" y="955019"/>
+            <a:ext cx="1322100" cy="1129200"/>
+          </a:xfrm>
+          <a:prstGeom prst="rect">
+            <a:avLst/>
+          </a:prstGeom>
+          <a:solidFill>
+            <a:srgbClr val="6C6C6C"/>
+          </a:solidFill>
+          <a:ln>
+            <a:noFill/>
+          </a:ln>
+        </p:spPr>
+        <p:txBody>
+          <a:bodyPr anchorCtr="0" anchor="ctr" bIns="32750" lIns="32750" rIns="32750" wrap="square" tIns="32750">
+            <a:noAutofit/>
+          </a:bodyPr>
+          <a:lstStyle/>
+          <a:p>
+            <a:pPr indent="-88900" lvl="0" marL="0" marR="0" rtl="0" algn="ctr">
+              <a:lnSpc>
+                <a:spcPct val="100000"/>
+              </a:lnSpc>
+              <a:spcBef>
+                <a:spcPts val="0"/>
+              </a:spcBef>
+              <a:spcAft>
+                <a:spcPts val="0"/>
+              </a:spcAft>
+              <a:buClr>
+                <a:srgbClr val="FFFFFF"/>
+              </a:buClr>
+              <a:buFont typeface="Helvetica Neue"/>
+              <a:buNone/>
+            </a:pPr>
+            <a:r>
+              <a:t/>
+            </a:r>
+            <a:endParaRPr b="0" i="0" sz="1400" u="none" cap="none" strike="noStrike">
+              <a:solidFill>
+                <a:srgbClr val="FFFFFF"/>
+              </a:solidFill>
+              <a:latin typeface="Helvetica Neue"/>
+              <a:ea typeface="Helvetica Neue"/>
+              <a:cs typeface="Helvetica Neue"/>
+              <a:sym typeface="Helvetica Neue"/>
+            </a:endParaRPr>
+          </a:p>
+        </p:txBody>
+      </p:sp>
+      <p:sp>
+        <p:nvSpPr>
+          <p:cNvPr id="566" name="Shape 566"/>
+          <p:cNvSpPr/>
+          <p:nvPr/>
+        </p:nvSpPr>
+        <p:spPr>
+          <a:xfrm>
+            <a:off x="4344609" y="22274"/>
+            <a:ext cx="4772700" cy="917400"/>
+          </a:xfrm>
+          <a:prstGeom prst="rect">
+            <a:avLst/>
+          </a:prstGeom>
+          <a:solidFill>
+            <a:srgbClr val="434343"/>
+          </a:solidFill>
+          <a:ln>
+            <a:noFill/>
+          </a:ln>
+        </p:spPr>
+        <p:txBody>
+          <a:bodyPr anchorCtr="0" anchor="ctr" bIns="32750" lIns="32750" rIns="32750" wrap="square" tIns="32750">
+            <a:noAutofit/>
+          </a:bodyPr>
+          <a:lstStyle/>
+          <a:p>
+            <a:pPr indent="-88900" lvl="0" marL="0" marR="0" rtl="0" algn="ctr">
+              <a:lnSpc>
+                <a:spcPct val="100000"/>
+              </a:lnSpc>
+              <a:spcBef>
+                <a:spcPts val="0"/>
+              </a:spcBef>
+              <a:spcAft>
+                <a:spcPts val="0"/>
+              </a:spcAft>
+              <a:buClr>
+                <a:srgbClr val="FFFFFF"/>
+              </a:buClr>
+              <a:buFont typeface="Helvetica Neue"/>
+              <a:buNone/>
+            </a:pPr>
+            <a:r>
+              <a:t/>
+            </a:r>
+            <a:endParaRPr b="0" i="0" sz="1400" u="none" cap="none" strike="noStrike">
+              <a:solidFill>
+                <a:srgbClr val="FFFFFF"/>
+              </a:solidFill>
+              <a:latin typeface="Helvetica Neue"/>
+              <a:ea typeface="Helvetica Neue"/>
+              <a:cs typeface="Helvetica Neue"/>
+              <a:sym typeface="Helvetica Neue"/>
+            </a:endParaRPr>
+          </a:p>
+        </p:txBody>
+      </p:sp>
+      <p:sp>
+        <p:nvSpPr>
+          <p:cNvPr id="567" name="Shape 567"/>
+          <p:cNvSpPr txBox="1"/>
+          <p:nvPr/>
+        </p:nvSpPr>
+        <p:spPr>
+          <a:xfrm>
+            <a:off x="4382101" y="264675"/>
+            <a:ext cx="4697700" cy="432600"/>
+          </a:xfrm>
+          <a:prstGeom prst="rect">
+            <a:avLst/>
+          </a:prstGeom>
+          <a:noFill/>
+          <a:ln>
+            <a:noFill/>
+          </a:ln>
+        </p:spPr>
+        <p:txBody>
+          <a:bodyPr anchorCtr="0" anchor="ctr" bIns="32750" lIns="32750" rIns="32750" wrap="square" tIns="32750">
+            <a:noAutofit/>
+          </a:bodyPr>
+          <a:lstStyle/>
+          <a:p>
+            <a:pPr indent="-196850" lvl="0" marL="0" marR="0" rtl="0" algn="ctr">
+              <a:lnSpc>
+                <a:spcPct val="100000"/>
+              </a:lnSpc>
+              <a:spcBef>
+                <a:spcPts val="0"/>
+              </a:spcBef>
+              <a:spcAft>
+                <a:spcPts val="0"/>
+              </a:spcAft>
+              <a:buClr>
+                <a:srgbClr val="FFFFFF"/>
+              </a:buClr>
+              <a:buSzPct val="114814"/>
+              <a:buFont typeface="Helvetica Neue"/>
+              <a:buNone/>
+            </a:pPr>
+            <a:r>
+              <a:rPr b="1" lang="en" sz="2700">
+                <a:solidFill>
+                  <a:srgbClr val="FFFFFF"/>
+                </a:solidFill>
+                <a:latin typeface="Helvetica Neue"/>
+                <a:ea typeface="Helvetica Neue"/>
+                <a:cs typeface="Helvetica Neue"/>
+                <a:sym typeface="Helvetica Neue"/>
+              </a:rPr>
+              <a:t>Standardizing Project Data: Cleaning CSV Files</a:t>
+            </a:r>
+          </a:p>
+        </p:txBody>
+      </p:sp>
+      <p:sp>
+        <p:nvSpPr>
+          <p:cNvPr id="568" name="Shape 568"/>
+          <p:cNvSpPr/>
+          <p:nvPr/>
+        </p:nvSpPr>
+        <p:spPr>
+          <a:xfrm>
+            <a:off x="5682332" y="2101132"/>
+            <a:ext cx="3434400" cy="2083200"/>
+          </a:xfrm>
+          <a:prstGeom prst="rect">
+            <a:avLst/>
+          </a:prstGeom>
+          <a:solidFill>
+            <a:srgbClr val="434343"/>
+          </a:solidFill>
+          <a:ln>
+            <a:noFill/>
+          </a:ln>
+        </p:spPr>
+        <p:txBody>
+          <a:bodyPr anchorCtr="0" anchor="ctr" bIns="32750" lIns="32750" rIns="32750" wrap="square" tIns="32750">
+            <a:noAutofit/>
+          </a:bodyPr>
+          <a:lstStyle/>
+          <a:p>
+            <a:pPr indent="-88900" lvl="0" marL="0" marR="0" rtl="0" algn="ctr">
+              <a:lnSpc>
+                <a:spcPct val="100000"/>
+              </a:lnSpc>
+              <a:spcBef>
+                <a:spcPts val="0"/>
+              </a:spcBef>
+              <a:spcAft>
+                <a:spcPts val="0"/>
+              </a:spcAft>
+              <a:buClr>
+                <a:srgbClr val="FFFFFF"/>
+              </a:buClr>
+              <a:buFont typeface="Helvetica Neue"/>
+              <a:buNone/>
+            </a:pPr>
+            <a:r>
+              <a:t/>
+            </a:r>
+            <a:endParaRPr b="0" i="0" sz="1400" u="none" cap="none" strike="noStrike">
+              <a:solidFill>
+                <a:srgbClr val="FFFFFF"/>
+              </a:solidFill>
+              <a:latin typeface="Helvetica Neue"/>
+              <a:ea typeface="Helvetica Neue"/>
+              <a:cs typeface="Helvetica Neue"/>
+              <a:sym typeface="Helvetica Neue"/>
+            </a:endParaRPr>
+          </a:p>
+        </p:txBody>
+      </p:sp>
+      <p:sp>
+        <p:nvSpPr>
+          <p:cNvPr id="569" name="Shape 569"/>
+          <p:cNvSpPr/>
+          <p:nvPr/>
+        </p:nvSpPr>
+        <p:spPr>
+          <a:xfrm>
+            <a:off x="5685350" y="957050"/>
+            <a:ext cx="2451300" cy="1125000"/>
+          </a:xfrm>
+          <a:prstGeom prst="rect">
+            <a:avLst/>
+          </a:prstGeom>
+          <a:solidFill>
+            <a:srgbClr val="6C6C6C"/>
+          </a:solidFill>
+          <a:ln>
+            <a:noFill/>
+          </a:ln>
+        </p:spPr>
+        <p:txBody>
+          <a:bodyPr anchorCtr="0" anchor="ctr" bIns="32750" lIns="32750" rIns="32750" wrap="square" tIns="32750">
+            <a:noAutofit/>
+          </a:bodyPr>
+          <a:lstStyle/>
+          <a:p>
+            <a:pPr indent="-88900" lvl="0" marL="0" marR="0" rtl="0" algn="ctr">
+              <a:lnSpc>
+                <a:spcPct val="100000"/>
+              </a:lnSpc>
+              <a:spcBef>
+                <a:spcPts val="0"/>
+              </a:spcBef>
+              <a:spcAft>
+                <a:spcPts val="0"/>
+              </a:spcAft>
+              <a:buClr>
+                <a:srgbClr val="FFFFFF"/>
+              </a:buClr>
+              <a:buFont typeface="Helvetica Neue"/>
+              <a:buNone/>
+            </a:pPr>
+            <a:r>
+              <a:t/>
+            </a:r>
+            <a:endParaRPr b="0" i="0" sz="1400" u="none" cap="none" strike="noStrike">
+              <a:solidFill>
+                <a:srgbClr val="FFFFFF"/>
+              </a:solidFill>
+              <a:latin typeface="Helvetica Neue"/>
+              <a:ea typeface="Helvetica Neue"/>
+              <a:cs typeface="Helvetica Neue"/>
+              <a:sym typeface="Helvetica Neue"/>
+            </a:endParaRPr>
+          </a:p>
+        </p:txBody>
+      </p:sp>
       <p:pic>
         <p:nvPicPr>
-          <p:cNvPr descr="chemicalplant.jpg" id="561" name="Shape 561"/>
+          <p:cNvPr descr="2eastmainbfr.jpg" id="570" name="Shape 570"/>
           <p:cNvPicPr preferRelativeResize="0"/>
           <p:nvPr/>
         </p:nvPicPr>
@@ -30387,8 +31558,8 @@
         </p:blipFill>
         <p:spPr>
           <a:xfrm>
-            <a:off x="28053" y="17150"/>
-            <a:ext cx="4286250" cy="2066575"/>
+            <a:off x="8174459" y="957284"/>
+            <a:ext cx="944244" cy="1124691"/>
           </a:xfrm>
           <a:prstGeom prst="rect">
             <a:avLst/>
@@ -30399,573 +31570,9 @@
           </a:ln>
         </p:spPr>
       </p:pic>
-      <p:sp>
-        <p:nvSpPr>
-          <p:cNvPr id="562" name="Shape 562"/>
-          <p:cNvSpPr/>
-          <p:nvPr/>
-        </p:nvSpPr>
-        <p:spPr>
-          <a:xfrm>
-            <a:off x="28580" y="5089464"/>
-            <a:ext cx="5634600" cy="33000"/>
-          </a:xfrm>
-          <a:prstGeom prst="rect">
-            <a:avLst/>
-          </a:prstGeom>
-          <a:solidFill>
-            <a:srgbClr val="434343"/>
-          </a:solidFill>
-          <a:ln>
-            <a:noFill/>
-          </a:ln>
-        </p:spPr>
-        <p:txBody>
-          <a:bodyPr anchorCtr="0" anchor="ctr" bIns="32750" lIns="32750" rIns="32750" wrap="square" tIns="32750">
-            <a:noAutofit/>
-          </a:bodyPr>
-          <a:lstStyle/>
-          <a:p>
-            <a:pPr indent="-88900" lvl="0" marL="0" marR="0" rtl="0" algn="ctr">
-              <a:lnSpc>
-                <a:spcPct val="100000"/>
-              </a:lnSpc>
-              <a:spcBef>
-                <a:spcPts val="0"/>
-              </a:spcBef>
-              <a:spcAft>
-                <a:spcPts val="0"/>
-              </a:spcAft>
-              <a:buClr>
-                <a:srgbClr val="FFFFFF"/>
-              </a:buClr>
-              <a:buFont typeface="Helvetica Neue"/>
-              <a:buNone/>
-            </a:pPr>
-            <a:r>
-              <a:t/>
-            </a:r>
-            <a:endParaRPr b="0" i="0" sz="1400" u="none" cap="none" strike="noStrike">
-              <a:solidFill>
-                <a:srgbClr val="FFFFFF"/>
-              </a:solidFill>
-              <a:latin typeface="Helvetica Neue"/>
-              <a:ea typeface="Helvetica Neue"/>
-              <a:cs typeface="Helvetica Neue"/>
-              <a:sym typeface="Helvetica Neue"/>
-            </a:endParaRPr>
-          </a:p>
-        </p:txBody>
-      </p:sp>
-      <p:sp>
-        <p:nvSpPr>
-          <p:cNvPr id="563" name="Shape 563"/>
-          <p:cNvSpPr/>
-          <p:nvPr/>
-        </p:nvSpPr>
-        <p:spPr>
-          <a:xfrm>
-            <a:off x="31954" y="2099458"/>
-            <a:ext cx="5628900" cy="2974800"/>
-          </a:xfrm>
-          <a:prstGeom prst="rect">
-            <a:avLst/>
-          </a:prstGeom>
-          <a:solidFill>
-            <a:srgbClr val="000000"/>
-          </a:solidFill>
-          <a:ln>
-            <a:noFill/>
-          </a:ln>
-        </p:spPr>
-        <p:txBody>
-          <a:bodyPr anchorCtr="0" anchor="ctr" bIns="32750" lIns="32750" rIns="32750" wrap="square" tIns="32750">
-            <a:noAutofit/>
-          </a:bodyPr>
-          <a:lstStyle/>
-          <a:p>
-            <a:pPr indent="-190500" lvl="0" marL="215900" rtl="0">
-              <a:spcBef>
-                <a:spcPts val="0"/>
-              </a:spcBef>
-              <a:buClr>
-                <a:schemeClr val="lt1"/>
-              </a:buClr>
-              <a:buSzPct val="100000"/>
-              <a:buFont typeface="Helvetica Neue"/>
-              <a:buChar char="•"/>
-            </a:pPr>
-            <a:r>
-              <a:rPr b="1" lang="en" sz="1800">
-                <a:solidFill>
-                  <a:schemeClr val="lt1"/>
-                </a:solidFill>
-                <a:latin typeface="Helvetica Neue"/>
-                <a:ea typeface="Helvetica Neue"/>
-                <a:cs typeface="Helvetica Neue"/>
-                <a:sym typeface="Helvetica Neue"/>
-              </a:rPr>
-              <a:t>Created Python script to process US and State CSV files</a:t>
-            </a:r>
-          </a:p>
-          <a:p>
-            <a:pPr indent="-342900" lvl="1" marL="914400" rtl="0">
-              <a:spcBef>
-                <a:spcPts val="0"/>
-              </a:spcBef>
-              <a:buClr>
-                <a:schemeClr val="lt1"/>
-              </a:buClr>
-              <a:buSzPct val="100000"/>
-              <a:buFont typeface="Helvetica Neue"/>
-            </a:pPr>
-            <a:r>
-              <a:rPr b="1" lang="en" sz="1800">
-                <a:solidFill>
-                  <a:schemeClr val="lt1"/>
-                </a:solidFill>
-                <a:latin typeface="Helvetica Neue"/>
-                <a:ea typeface="Helvetica Neue"/>
-                <a:cs typeface="Helvetica Neue"/>
-                <a:sym typeface="Helvetica Neue"/>
-              </a:rPr>
-              <a:t>Trims unwanted attributes</a:t>
-            </a:r>
-          </a:p>
-          <a:p>
-            <a:pPr indent="-342900" lvl="1" marL="914400" rtl="0">
-              <a:spcBef>
-                <a:spcPts val="0"/>
-              </a:spcBef>
-              <a:buClr>
-                <a:schemeClr val="lt1"/>
-              </a:buClr>
-              <a:buSzPct val="100000"/>
-              <a:buFont typeface="Helvetica Neue"/>
-            </a:pPr>
-            <a:r>
-              <a:rPr b="1" lang="en" sz="1800">
-                <a:solidFill>
-                  <a:schemeClr val="lt1"/>
-                </a:solidFill>
-                <a:latin typeface="Helvetica Neue"/>
-                <a:ea typeface="Helvetica Neue"/>
-                <a:cs typeface="Helvetica Neue"/>
-                <a:sym typeface="Helvetica Neue"/>
-              </a:rPr>
-              <a:t>Renames columns for standard access</a:t>
-            </a:r>
-          </a:p>
-          <a:p>
-            <a:pPr indent="-342900" lvl="1" marL="914400" rtl="0">
-              <a:spcBef>
-                <a:spcPts val="0"/>
-              </a:spcBef>
-              <a:buClr>
-                <a:schemeClr val="lt1"/>
-              </a:buClr>
-              <a:buSzPct val="100000"/>
-              <a:buFont typeface="Helvetica Neue"/>
-            </a:pPr>
-            <a:r>
-              <a:rPr b="1" lang="en" sz="1800">
-                <a:solidFill>
-                  <a:schemeClr val="lt1"/>
-                </a:solidFill>
-                <a:latin typeface="Helvetica Neue"/>
-                <a:ea typeface="Helvetica Neue"/>
-                <a:cs typeface="Helvetica Neue"/>
-                <a:sym typeface="Helvetica Neue"/>
-              </a:rPr>
-              <a:t>Handles NaN values in numerical columns</a:t>
-            </a:r>
-          </a:p>
-          <a:p>
-            <a:pPr indent="-342900" lvl="1" marL="914400" rtl="0">
-              <a:spcBef>
-                <a:spcPts val="0"/>
-              </a:spcBef>
-              <a:buClr>
-                <a:schemeClr val="lt1"/>
-              </a:buClr>
-              <a:buSzPct val="100000"/>
-              <a:buFont typeface="Helvetica Neue"/>
-            </a:pPr>
-            <a:r>
-              <a:rPr b="1" lang="en" sz="1800">
-                <a:solidFill>
-                  <a:schemeClr val="lt1"/>
-                </a:solidFill>
-                <a:latin typeface="Helvetica Neue"/>
-                <a:ea typeface="Helvetica Neue"/>
-                <a:cs typeface="Helvetica Neue"/>
-                <a:sym typeface="Helvetica Neue"/>
-              </a:rPr>
-              <a:t>Reduces CSV size by ~75%</a:t>
-            </a:r>
-          </a:p>
-          <a:p>
-            <a:pPr lvl="0" rtl="0">
-              <a:spcBef>
-                <a:spcPts val="0"/>
-              </a:spcBef>
-              <a:buNone/>
-            </a:pPr>
-            <a:r>
-              <a:t/>
-            </a:r>
-            <a:endParaRPr b="1" sz="1800">
-              <a:solidFill>
-                <a:schemeClr val="lt1"/>
-              </a:solidFill>
-              <a:latin typeface="Helvetica Neue"/>
-              <a:ea typeface="Helvetica Neue"/>
-              <a:cs typeface="Helvetica Neue"/>
-              <a:sym typeface="Helvetica Neue"/>
-            </a:endParaRPr>
-          </a:p>
-          <a:p>
-            <a:pPr indent="-190500" lvl="0" marL="215900" rtl="0">
-              <a:spcBef>
-                <a:spcPts val="0"/>
-              </a:spcBef>
-              <a:buClr>
-                <a:schemeClr val="lt1"/>
-              </a:buClr>
-              <a:buSzPct val="100000"/>
-              <a:buFont typeface="Helvetica Neue"/>
-              <a:buChar char="•"/>
-            </a:pPr>
-            <a:r>
-              <a:rPr b="1" lang="en" sz="1800">
-                <a:solidFill>
-                  <a:schemeClr val="lt1"/>
-                </a:solidFill>
-                <a:latin typeface="Helvetica Neue"/>
-                <a:ea typeface="Helvetica Neue"/>
-                <a:cs typeface="Helvetica Neue"/>
-                <a:sym typeface="Helvetica Neue"/>
-              </a:rPr>
-              <a:t>Run script on downloaded CSV files to pre-clean for use in ipynb</a:t>
-            </a:r>
-            <a:br>
-              <a:rPr b="1" lang="en" sz="1800">
-                <a:solidFill>
-                  <a:schemeClr val="lt1"/>
-                </a:solidFill>
-                <a:latin typeface="Helvetica Neue"/>
-                <a:ea typeface="Helvetica Neue"/>
-                <a:cs typeface="Helvetica Neue"/>
-                <a:sym typeface="Helvetica Neue"/>
-              </a:rPr>
-            </a:br>
-            <a:r>
-              <a:rPr b="1" lang="en" sz="1800">
-                <a:solidFill>
-                  <a:schemeClr val="lt1"/>
-                </a:solidFill>
-                <a:latin typeface="Helvetica Neue"/>
-                <a:ea typeface="Helvetica Neue"/>
-                <a:cs typeface="Helvetica Neue"/>
-                <a:sym typeface="Helvetica Neue"/>
-              </a:rPr>
-              <a:t> </a:t>
-            </a:r>
-          </a:p>
-        </p:txBody>
-      </p:sp>
-      <p:sp>
-        <p:nvSpPr>
-          <p:cNvPr id="564" name="Shape 564"/>
-          <p:cNvSpPr/>
-          <p:nvPr/>
-        </p:nvSpPr>
-        <p:spPr>
-          <a:xfrm>
-            <a:off x="4339745" y="955019"/>
-            <a:ext cx="1322100" cy="1129200"/>
-          </a:xfrm>
-          <a:prstGeom prst="rect">
-            <a:avLst/>
-          </a:prstGeom>
-          <a:solidFill>
-            <a:srgbClr val="6C6C6C"/>
-          </a:solidFill>
-          <a:ln>
-            <a:noFill/>
-          </a:ln>
-        </p:spPr>
-        <p:txBody>
-          <a:bodyPr anchorCtr="0" anchor="ctr" bIns="32750" lIns="32750" rIns="32750" wrap="square" tIns="32750">
-            <a:noAutofit/>
-          </a:bodyPr>
-          <a:lstStyle/>
-          <a:p>
-            <a:pPr indent="-88900" lvl="0" marL="0" marR="0" rtl="0" algn="ctr">
-              <a:lnSpc>
-                <a:spcPct val="100000"/>
-              </a:lnSpc>
-              <a:spcBef>
-                <a:spcPts val="0"/>
-              </a:spcBef>
-              <a:spcAft>
-                <a:spcPts val="0"/>
-              </a:spcAft>
-              <a:buClr>
-                <a:srgbClr val="FFFFFF"/>
-              </a:buClr>
-              <a:buFont typeface="Helvetica Neue"/>
-              <a:buNone/>
-            </a:pPr>
-            <a:r>
-              <a:t/>
-            </a:r>
-            <a:endParaRPr b="0" i="0" sz="1400" u="none" cap="none" strike="noStrike">
-              <a:solidFill>
-                <a:srgbClr val="FFFFFF"/>
-              </a:solidFill>
-              <a:latin typeface="Helvetica Neue"/>
-              <a:ea typeface="Helvetica Neue"/>
-              <a:cs typeface="Helvetica Neue"/>
-              <a:sym typeface="Helvetica Neue"/>
-            </a:endParaRPr>
-          </a:p>
-        </p:txBody>
-      </p:sp>
-      <p:sp>
-        <p:nvSpPr>
-          <p:cNvPr id="565" name="Shape 565"/>
-          <p:cNvSpPr/>
-          <p:nvPr/>
-        </p:nvSpPr>
-        <p:spPr>
-          <a:xfrm>
-            <a:off x="4344609" y="22274"/>
-            <a:ext cx="4772700" cy="917400"/>
-          </a:xfrm>
-          <a:prstGeom prst="rect">
-            <a:avLst/>
-          </a:prstGeom>
-          <a:solidFill>
-            <a:srgbClr val="434343"/>
-          </a:solidFill>
-          <a:ln>
-            <a:noFill/>
-          </a:ln>
-        </p:spPr>
-        <p:txBody>
-          <a:bodyPr anchorCtr="0" anchor="ctr" bIns="32750" lIns="32750" rIns="32750" wrap="square" tIns="32750">
-            <a:noAutofit/>
-          </a:bodyPr>
-          <a:lstStyle/>
-          <a:p>
-            <a:pPr indent="-88900" lvl="0" marL="0" marR="0" rtl="0" algn="ctr">
-              <a:lnSpc>
-                <a:spcPct val="100000"/>
-              </a:lnSpc>
-              <a:spcBef>
-                <a:spcPts val="0"/>
-              </a:spcBef>
-              <a:spcAft>
-                <a:spcPts val="0"/>
-              </a:spcAft>
-              <a:buClr>
-                <a:srgbClr val="FFFFFF"/>
-              </a:buClr>
-              <a:buFont typeface="Helvetica Neue"/>
-              <a:buNone/>
-            </a:pPr>
-            <a:r>
-              <a:t/>
-            </a:r>
-            <a:endParaRPr b="0" i="0" sz="1400" u="none" cap="none" strike="noStrike">
-              <a:solidFill>
-                <a:srgbClr val="FFFFFF"/>
-              </a:solidFill>
-              <a:latin typeface="Helvetica Neue"/>
-              <a:ea typeface="Helvetica Neue"/>
-              <a:cs typeface="Helvetica Neue"/>
-              <a:sym typeface="Helvetica Neue"/>
-            </a:endParaRPr>
-          </a:p>
-        </p:txBody>
-      </p:sp>
-      <p:sp>
-        <p:nvSpPr>
-          <p:cNvPr id="566" name="Shape 566"/>
-          <p:cNvSpPr txBox="1"/>
-          <p:nvPr/>
-        </p:nvSpPr>
-        <p:spPr>
-          <a:xfrm>
-            <a:off x="4382101" y="264675"/>
-            <a:ext cx="4697700" cy="432600"/>
-          </a:xfrm>
-          <a:prstGeom prst="rect">
-            <a:avLst/>
-          </a:prstGeom>
-          <a:noFill/>
-          <a:ln>
-            <a:noFill/>
-          </a:ln>
-        </p:spPr>
-        <p:txBody>
-          <a:bodyPr anchorCtr="0" anchor="ctr" bIns="32750" lIns="32750" rIns="32750" wrap="square" tIns="32750">
-            <a:noAutofit/>
-          </a:bodyPr>
-          <a:lstStyle/>
-          <a:p>
-            <a:pPr indent="-196850" lvl="0" marL="0" marR="0" rtl="0" algn="ctr">
-              <a:lnSpc>
-                <a:spcPct val="100000"/>
-              </a:lnSpc>
-              <a:spcBef>
-                <a:spcPts val="0"/>
-              </a:spcBef>
-              <a:spcAft>
-                <a:spcPts val="0"/>
-              </a:spcAft>
-              <a:buClr>
-                <a:srgbClr val="FFFFFF"/>
-              </a:buClr>
-              <a:buSzPct val="114814"/>
-              <a:buFont typeface="Helvetica Neue"/>
-              <a:buNone/>
-            </a:pPr>
-            <a:r>
-              <a:rPr b="1" lang="en" sz="2700">
-                <a:solidFill>
-                  <a:srgbClr val="FFFFFF"/>
-                </a:solidFill>
-                <a:latin typeface="Helvetica Neue"/>
-                <a:ea typeface="Helvetica Neue"/>
-                <a:cs typeface="Helvetica Neue"/>
-                <a:sym typeface="Helvetica Neue"/>
-              </a:rPr>
-              <a:t>Standardizing Project Data: Cleaning CSV Files</a:t>
-            </a:r>
-          </a:p>
-        </p:txBody>
-      </p:sp>
-      <p:sp>
-        <p:nvSpPr>
-          <p:cNvPr id="567" name="Shape 567"/>
-          <p:cNvSpPr/>
-          <p:nvPr/>
-        </p:nvSpPr>
-        <p:spPr>
-          <a:xfrm>
-            <a:off x="5682332" y="2101132"/>
-            <a:ext cx="3434400" cy="2083200"/>
-          </a:xfrm>
-          <a:prstGeom prst="rect">
-            <a:avLst/>
-          </a:prstGeom>
-          <a:solidFill>
-            <a:srgbClr val="434343"/>
-          </a:solidFill>
-          <a:ln>
-            <a:noFill/>
-          </a:ln>
-        </p:spPr>
-        <p:txBody>
-          <a:bodyPr anchorCtr="0" anchor="ctr" bIns="32750" lIns="32750" rIns="32750" wrap="square" tIns="32750">
-            <a:noAutofit/>
-          </a:bodyPr>
-          <a:lstStyle/>
-          <a:p>
-            <a:pPr indent="-88900" lvl="0" marL="0" marR="0" rtl="0" algn="ctr">
-              <a:lnSpc>
-                <a:spcPct val="100000"/>
-              </a:lnSpc>
-              <a:spcBef>
-                <a:spcPts val="0"/>
-              </a:spcBef>
-              <a:spcAft>
-                <a:spcPts val="0"/>
-              </a:spcAft>
-              <a:buClr>
-                <a:srgbClr val="FFFFFF"/>
-              </a:buClr>
-              <a:buFont typeface="Helvetica Neue"/>
-              <a:buNone/>
-            </a:pPr>
-            <a:r>
-              <a:t/>
-            </a:r>
-            <a:endParaRPr b="0" i="0" sz="1400" u="none" cap="none" strike="noStrike">
-              <a:solidFill>
-                <a:srgbClr val="FFFFFF"/>
-              </a:solidFill>
-              <a:latin typeface="Helvetica Neue"/>
-              <a:ea typeface="Helvetica Neue"/>
-              <a:cs typeface="Helvetica Neue"/>
-              <a:sym typeface="Helvetica Neue"/>
-            </a:endParaRPr>
-          </a:p>
-        </p:txBody>
-      </p:sp>
-      <p:sp>
-        <p:nvSpPr>
-          <p:cNvPr id="568" name="Shape 568"/>
-          <p:cNvSpPr/>
-          <p:nvPr/>
-        </p:nvSpPr>
-        <p:spPr>
-          <a:xfrm>
-            <a:off x="5685350" y="957050"/>
-            <a:ext cx="2451300" cy="1125000"/>
-          </a:xfrm>
-          <a:prstGeom prst="rect">
-            <a:avLst/>
-          </a:prstGeom>
-          <a:solidFill>
-            <a:srgbClr val="6C6C6C"/>
-          </a:solidFill>
-          <a:ln>
-            <a:noFill/>
-          </a:ln>
-        </p:spPr>
-        <p:txBody>
-          <a:bodyPr anchorCtr="0" anchor="ctr" bIns="32750" lIns="32750" rIns="32750" wrap="square" tIns="32750">
-            <a:noAutofit/>
-          </a:bodyPr>
-          <a:lstStyle/>
-          <a:p>
-            <a:pPr indent="-88900" lvl="0" marL="0" marR="0" rtl="0" algn="ctr">
-              <a:lnSpc>
-                <a:spcPct val="100000"/>
-              </a:lnSpc>
-              <a:spcBef>
-                <a:spcPts val="0"/>
-              </a:spcBef>
-              <a:spcAft>
-                <a:spcPts val="0"/>
-              </a:spcAft>
-              <a:buClr>
-                <a:srgbClr val="FFFFFF"/>
-              </a:buClr>
-              <a:buFont typeface="Helvetica Neue"/>
-              <a:buNone/>
-            </a:pPr>
-            <a:r>
-              <a:t/>
-            </a:r>
-            <a:endParaRPr b="0" i="0" sz="1400" u="none" cap="none" strike="noStrike">
-              <a:solidFill>
-                <a:srgbClr val="FFFFFF"/>
-              </a:solidFill>
-              <a:latin typeface="Helvetica Neue"/>
-              <a:ea typeface="Helvetica Neue"/>
-              <a:cs typeface="Helvetica Neue"/>
-              <a:sym typeface="Helvetica Neue"/>
-            </a:endParaRPr>
-          </a:p>
-        </p:txBody>
-      </p:sp>
       <p:pic>
         <p:nvPicPr>
-          <p:cNvPr descr="2eastmainbfr.jpg" id="569" name="Shape 569"/>
+          <p:cNvPr descr="natural-wetland-2.jpg" id="571" name="Shape 571"/>
           <p:cNvPicPr preferRelativeResize="0"/>
           <p:nvPr/>
         </p:nvPicPr>
@@ -30978,33 +31585,6 @@
         </p:blipFill>
         <p:spPr>
           <a:xfrm>
-            <a:off x="8174459" y="957284"/>
-            <a:ext cx="944244" cy="1124691"/>
-          </a:xfrm>
-          <a:prstGeom prst="rect">
-            <a:avLst/>
-          </a:prstGeom>
-          <a:noFill/>
-          <a:ln>
-            <a:noFill/>
-          </a:ln>
-        </p:spPr>
-      </p:pic>
-      <p:pic>
-        <p:nvPicPr>
-          <p:cNvPr descr="natural-wetland-2.jpg" id="570" name="Shape 570"/>
-          <p:cNvPicPr preferRelativeResize="0"/>
-          <p:nvPr/>
-        </p:nvPicPr>
-        <p:blipFill rotWithShape="1">
-          <a:blip r:embed="rId5">
-            <a:alphaModFix/>
-          </a:blip>
-          <a:srcRect b="0" l="0" r="0" t="0"/>
-          <a:stretch/>
-        </p:blipFill>
-        <p:spPr>
-          <a:xfrm>
             <a:off x="7569975" y="4203150"/>
             <a:ext cx="1564600" cy="916575"/>
           </a:xfrm>
@@ -31019,7 +31599,7 @@
       </p:pic>
       <p:sp>
         <p:nvSpPr>
-          <p:cNvPr id="571" name="Shape 571"/>
+          <p:cNvPr id="572" name="Shape 572"/>
           <p:cNvSpPr/>
           <p:nvPr/>
         </p:nvSpPr>
@@ -31075,6 +31655,61 @@
           </a:p>
         </p:txBody>
       </p:sp>
+      <p:pic>
+        <p:nvPicPr>
+          <p:cNvPr descr="Screen Shot 2017-10-28 at 3.13.37 PM.png" id="573" name="Shape 573"/>
+          <p:cNvPicPr preferRelativeResize="0"/>
+          <p:nvPr/>
+        </p:nvPicPr>
+        <p:blipFill>
+          <a:blip r:embed="rId5">
+            <a:alphaModFix/>
+          </a:blip>
+          <a:stretch>
+            <a:fillRect/>
+          </a:stretch>
+        </p:blipFill>
+        <p:spPr>
+          <a:xfrm>
+            <a:off x="5684300" y="2107201"/>
+            <a:ext cx="3434402" cy="2065500"/>
+          </a:xfrm>
+          <a:prstGeom prst="rect">
+            <a:avLst/>
+          </a:prstGeom>
+          <a:noFill/>
+          <a:ln>
+            <a:noFill/>
+          </a:ln>
+        </p:spPr>
+      </p:pic>
+      <p:pic>
+        <p:nvPicPr>
+          <p:cNvPr descr="philly.jpg" id="574" name="Shape 574"/>
+          <p:cNvPicPr preferRelativeResize="0"/>
+          <p:nvPr/>
+        </p:nvPicPr>
+        <p:blipFill rotWithShape="1">
+          <a:blip r:embed="rId6">
+            <a:alphaModFix/>
+          </a:blip>
+          <a:srcRect b="0" l="0" r="0" t="0"/>
+          <a:stretch/>
+        </p:blipFill>
+        <p:spPr>
+          <a:xfrm>
+            <a:off x="27504" y="16878"/>
+            <a:ext cx="4295180" cy="2069455"/>
+          </a:xfrm>
+          <a:prstGeom prst="rect">
+            <a:avLst/>
+          </a:prstGeom>
+          <a:noFill/>
+          <a:ln>
+            <a:noFill/>
+          </a:ln>
+        </p:spPr>
+      </p:pic>
     </p:spTree>
   </p:cSld>
   <p:clrMapOvr>
@@ -31098,7 +31733,7 @@
     </p:bg>
     <p:spTree>
       <p:nvGrpSpPr>
-        <p:cNvPr id="575" name="Shape 575"/>
+        <p:cNvPr id="578" name="Shape 578"/>
         <p:cNvGrpSpPr/>
         <p:nvPr/>
       </p:nvGrpSpPr>
@@ -31112,7 +31747,7 @@
       </p:grpSpPr>
       <p:sp>
         <p:nvSpPr>
-          <p:cNvPr id="576" name="Shape 576"/>
+          <p:cNvPr id="579" name="Shape 579"/>
           <p:cNvSpPr/>
           <p:nvPr/>
         </p:nvSpPr>
@@ -31168,9 +31803,505 @@
           </a:p>
         </p:txBody>
       </p:sp>
+      <p:sp>
+        <p:nvSpPr>
+          <p:cNvPr id="580" name="Shape 580"/>
+          <p:cNvSpPr/>
+          <p:nvPr/>
+        </p:nvSpPr>
+        <p:spPr>
+          <a:xfrm>
+            <a:off x="28580" y="5089464"/>
+            <a:ext cx="5634600" cy="33000"/>
+          </a:xfrm>
+          <a:prstGeom prst="rect">
+            <a:avLst/>
+          </a:prstGeom>
+          <a:solidFill>
+            <a:srgbClr val="434343"/>
+          </a:solidFill>
+          <a:ln>
+            <a:noFill/>
+          </a:ln>
+        </p:spPr>
+        <p:txBody>
+          <a:bodyPr anchorCtr="0" anchor="ctr" bIns="32750" lIns="32750" rIns="32750" wrap="square" tIns="32750">
+            <a:noAutofit/>
+          </a:bodyPr>
+          <a:lstStyle/>
+          <a:p>
+            <a:pPr indent="-88900" lvl="0" marL="0" marR="0" rtl="0" algn="ctr">
+              <a:lnSpc>
+                <a:spcPct val="100000"/>
+              </a:lnSpc>
+              <a:spcBef>
+                <a:spcPts val="0"/>
+              </a:spcBef>
+              <a:spcAft>
+                <a:spcPts val="0"/>
+              </a:spcAft>
+              <a:buClr>
+                <a:srgbClr val="FFFFFF"/>
+              </a:buClr>
+              <a:buFont typeface="Helvetica Neue"/>
+              <a:buNone/>
+            </a:pPr>
+            <a:r>
+              <a:t/>
+            </a:r>
+            <a:endParaRPr b="0" i="0" sz="1400" u="none" cap="none" strike="noStrike">
+              <a:solidFill>
+                <a:srgbClr val="FFFFFF"/>
+              </a:solidFill>
+              <a:latin typeface="Helvetica Neue"/>
+              <a:ea typeface="Helvetica Neue"/>
+              <a:cs typeface="Helvetica Neue"/>
+              <a:sym typeface="Helvetica Neue"/>
+            </a:endParaRPr>
+          </a:p>
+        </p:txBody>
+      </p:sp>
+      <p:sp>
+        <p:nvSpPr>
+          <p:cNvPr id="581" name="Shape 581"/>
+          <p:cNvSpPr/>
+          <p:nvPr/>
+        </p:nvSpPr>
+        <p:spPr>
+          <a:xfrm>
+            <a:off x="31954" y="2099458"/>
+            <a:ext cx="5628900" cy="2974800"/>
+          </a:xfrm>
+          <a:prstGeom prst="rect">
+            <a:avLst/>
+          </a:prstGeom>
+          <a:solidFill>
+            <a:srgbClr val="000000"/>
+          </a:solidFill>
+          <a:ln>
+            <a:noFill/>
+          </a:ln>
+        </p:spPr>
+        <p:txBody>
+          <a:bodyPr anchorCtr="0" anchor="ctr" bIns="32750" lIns="32750" rIns="32750" wrap="square" tIns="32750">
+            <a:noAutofit/>
+          </a:bodyPr>
+          <a:lstStyle/>
+          <a:p>
+            <a:pPr indent="-190500" lvl="0" marL="215900" rtl="0">
+              <a:spcBef>
+                <a:spcPts val="0"/>
+              </a:spcBef>
+              <a:buClr>
+                <a:schemeClr val="lt1"/>
+              </a:buClr>
+              <a:buSzPct val="100000"/>
+              <a:buFont typeface="Helvetica Neue"/>
+              <a:buChar char="•"/>
+            </a:pPr>
+            <a:r>
+              <a:rPr b="1" lang="en" sz="1800">
+                <a:solidFill>
+                  <a:schemeClr val="lt1"/>
+                </a:solidFill>
+                <a:latin typeface="Helvetica Neue"/>
+                <a:ea typeface="Helvetica Neue"/>
+                <a:cs typeface="Helvetica Neue"/>
+                <a:sym typeface="Helvetica Neue"/>
+              </a:rPr>
+              <a:t>Apply graphing, mapping, and statistical functions to US and State TRI data sets, focusing on:</a:t>
+            </a:r>
+          </a:p>
+          <a:p>
+            <a:pPr indent="-342900" lvl="1" marL="914400" rtl="0">
+              <a:spcBef>
+                <a:spcPts val="0"/>
+              </a:spcBef>
+              <a:buClr>
+                <a:schemeClr val="lt1"/>
+              </a:buClr>
+              <a:buSzPct val="100000"/>
+              <a:buFont typeface="Helvetica Neue"/>
+            </a:pPr>
+            <a:r>
+              <a:rPr b="1" lang="en" sz="1800">
+                <a:solidFill>
+                  <a:schemeClr val="lt1"/>
+                </a:solidFill>
+                <a:latin typeface="Helvetica Neue"/>
+                <a:ea typeface="Helvetica Neue"/>
+                <a:cs typeface="Helvetica Neue"/>
+                <a:sym typeface="Helvetica Neue"/>
+              </a:rPr>
+              <a:t>Nationwide relations and trends</a:t>
+            </a:r>
+          </a:p>
+          <a:p>
+            <a:pPr indent="-342900" lvl="1" marL="914400" rtl="0">
+              <a:spcBef>
+                <a:spcPts val="0"/>
+              </a:spcBef>
+              <a:buClr>
+                <a:schemeClr val="lt1"/>
+              </a:buClr>
+              <a:buSzPct val="100000"/>
+              <a:buFont typeface="Helvetica Neue"/>
+            </a:pPr>
+            <a:r>
+              <a:rPr b="1" lang="en" sz="1800">
+                <a:solidFill>
+                  <a:schemeClr val="lt1"/>
+                </a:solidFill>
+                <a:latin typeface="Helvetica Neue"/>
+                <a:ea typeface="Helvetica Neue"/>
+                <a:cs typeface="Helvetica Neue"/>
+                <a:sym typeface="Helvetica Neue"/>
+              </a:rPr>
+              <a:t>Regional relations and trends</a:t>
+            </a:r>
+          </a:p>
+          <a:p>
+            <a:pPr indent="-342900" lvl="1" marL="914400" rtl="0">
+              <a:spcBef>
+                <a:spcPts val="0"/>
+              </a:spcBef>
+              <a:buClr>
+                <a:schemeClr val="lt1"/>
+              </a:buClr>
+              <a:buSzPct val="100000"/>
+              <a:buFont typeface="Helvetica Neue"/>
+            </a:pPr>
+            <a:r>
+              <a:rPr b="1" lang="en" sz="1800">
+                <a:solidFill>
+                  <a:schemeClr val="lt1"/>
+                </a:solidFill>
+                <a:latin typeface="Helvetica Neue"/>
+                <a:ea typeface="Helvetica Neue"/>
+                <a:cs typeface="Helvetica Neue"/>
+                <a:sym typeface="Helvetica Neue"/>
+              </a:rPr>
+              <a:t>Facilities and parent companies’ releases</a:t>
+            </a:r>
+          </a:p>
+          <a:p>
+            <a:pPr indent="-342900" lvl="1" marL="914400" rtl="0">
+              <a:spcBef>
+                <a:spcPts val="0"/>
+              </a:spcBef>
+              <a:buClr>
+                <a:schemeClr val="lt1"/>
+              </a:buClr>
+              <a:buSzPct val="100000"/>
+              <a:buFont typeface="Helvetica Neue"/>
+            </a:pPr>
+            <a:r>
+              <a:rPr b="1" lang="en" sz="1800">
+                <a:solidFill>
+                  <a:schemeClr val="lt1"/>
+                </a:solidFill>
+                <a:latin typeface="Helvetica Neue"/>
+                <a:ea typeface="Helvetica Neue"/>
+                <a:cs typeface="Helvetica Neue"/>
+                <a:sym typeface="Helvetica Neue"/>
+              </a:rPr>
+              <a:t>Industry sector releases</a:t>
+            </a:r>
+          </a:p>
+        </p:txBody>
+      </p:sp>
+      <p:sp>
+        <p:nvSpPr>
+          <p:cNvPr id="582" name="Shape 582"/>
+          <p:cNvSpPr/>
+          <p:nvPr/>
+        </p:nvSpPr>
+        <p:spPr>
+          <a:xfrm>
+            <a:off x="4339745" y="955019"/>
+            <a:ext cx="1322100" cy="1129200"/>
+          </a:xfrm>
+          <a:prstGeom prst="rect">
+            <a:avLst/>
+          </a:prstGeom>
+          <a:solidFill>
+            <a:srgbClr val="6C6C6C"/>
+          </a:solidFill>
+          <a:ln>
+            <a:noFill/>
+          </a:ln>
+        </p:spPr>
+        <p:txBody>
+          <a:bodyPr anchorCtr="0" anchor="ctr" bIns="32750" lIns="32750" rIns="32750" wrap="square" tIns="32750">
+            <a:noAutofit/>
+          </a:bodyPr>
+          <a:lstStyle/>
+          <a:p>
+            <a:pPr indent="-88900" lvl="0" marL="0" marR="0" rtl="0" algn="ctr">
+              <a:lnSpc>
+                <a:spcPct val="100000"/>
+              </a:lnSpc>
+              <a:spcBef>
+                <a:spcPts val="0"/>
+              </a:spcBef>
+              <a:spcAft>
+                <a:spcPts val="0"/>
+              </a:spcAft>
+              <a:buClr>
+                <a:srgbClr val="FFFFFF"/>
+              </a:buClr>
+              <a:buFont typeface="Helvetica Neue"/>
+              <a:buNone/>
+            </a:pPr>
+            <a:r>
+              <a:t/>
+            </a:r>
+            <a:endParaRPr b="0" i="0" sz="1400" u="none" cap="none" strike="noStrike">
+              <a:solidFill>
+                <a:srgbClr val="FFFFFF"/>
+              </a:solidFill>
+              <a:latin typeface="Helvetica Neue"/>
+              <a:ea typeface="Helvetica Neue"/>
+              <a:cs typeface="Helvetica Neue"/>
+              <a:sym typeface="Helvetica Neue"/>
+            </a:endParaRPr>
+          </a:p>
+        </p:txBody>
+      </p:sp>
+      <p:sp>
+        <p:nvSpPr>
+          <p:cNvPr id="583" name="Shape 583"/>
+          <p:cNvSpPr/>
+          <p:nvPr/>
+        </p:nvSpPr>
+        <p:spPr>
+          <a:xfrm>
+            <a:off x="4344609" y="22274"/>
+            <a:ext cx="4772700" cy="917400"/>
+          </a:xfrm>
+          <a:prstGeom prst="rect">
+            <a:avLst/>
+          </a:prstGeom>
+          <a:solidFill>
+            <a:srgbClr val="434343"/>
+          </a:solidFill>
+          <a:ln>
+            <a:noFill/>
+          </a:ln>
+        </p:spPr>
+        <p:txBody>
+          <a:bodyPr anchorCtr="0" anchor="ctr" bIns="32750" lIns="32750" rIns="32750" wrap="square" tIns="32750">
+            <a:noAutofit/>
+          </a:bodyPr>
+          <a:lstStyle/>
+          <a:p>
+            <a:pPr indent="-88900" lvl="0" marL="0" marR="0" rtl="0" algn="ctr">
+              <a:lnSpc>
+                <a:spcPct val="100000"/>
+              </a:lnSpc>
+              <a:spcBef>
+                <a:spcPts val="0"/>
+              </a:spcBef>
+              <a:spcAft>
+                <a:spcPts val="0"/>
+              </a:spcAft>
+              <a:buClr>
+                <a:srgbClr val="FFFFFF"/>
+              </a:buClr>
+              <a:buFont typeface="Helvetica Neue"/>
+              <a:buNone/>
+            </a:pPr>
+            <a:r>
+              <a:t/>
+            </a:r>
+            <a:endParaRPr b="0" i="0" sz="1400" u="none" cap="none" strike="noStrike">
+              <a:solidFill>
+                <a:srgbClr val="FFFFFF"/>
+              </a:solidFill>
+              <a:latin typeface="Helvetica Neue"/>
+              <a:ea typeface="Helvetica Neue"/>
+              <a:cs typeface="Helvetica Neue"/>
+              <a:sym typeface="Helvetica Neue"/>
+            </a:endParaRPr>
+          </a:p>
+        </p:txBody>
+      </p:sp>
+      <p:sp>
+        <p:nvSpPr>
+          <p:cNvPr id="584" name="Shape 584"/>
+          <p:cNvSpPr txBox="1"/>
+          <p:nvPr/>
+        </p:nvSpPr>
+        <p:spPr>
+          <a:xfrm>
+            <a:off x="4382101" y="264675"/>
+            <a:ext cx="4697700" cy="432600"/>
+          </a:xfrm>
+          <a:prstGeom prst="rect">
+            <a:avLst/>
+          </a:prstGeom>
+          <a:noFill/>
+          <a:ln>
+            <a:noFill/>
+          </a:ln>
+        </p:spPr>
+        <p:txBody>
+          <a:bodyPr anchorCtr="0" anchor="ctr" bIns="32750" lIns="32750" rIns="32750" wrap="square" tIns="32750">
+            <a:noAutofit/>
+          </a:bodyPr>
+          <a:lstStyle/>
+          <a:p>
+            <a:pPr indent="-196850" lvl="0" marL="0" marR="0" rtl="0" algn="ctr">
+              <a:lnSpc>
+                <a:spcPct val="100000"/>
+              </a:lnSpc>
+              <a:spcBef>
+                <a:spcPts val="0"/>
+              </a:spcBef>
+              <a:spcAft>
+                <a:spcPts val="0"/>
+              </a:spcAft>
+              <a:buClr>
+                <a:srgbClr val="FFFFFF"/>
+              </a:buClr>
+              <a:buSzPct val="114814"/>
+              <a:buFont typeface="Helvetica Neue"/>
+              <a:buNone/>
+            </a:pPr>
+            <a:r>
+              <a:rPr b="1" lang="en" sz="2700">
+                <a:solidFill>
+                  <a:srgbClr val="FFFFFF"/>
+                </a:solidFill>
+                <a:latin typeface="Helvetica Neue"/>
+                <a:ea typeface="Helvetica Neue"/>
+                <a:cs typeface="Helvetica Neue"/>
+                <a:sym typeface="Helvetica Neue"/>
+              </a:rPr>
+              <a:t>Next Steps</a:t>
+            </a:r>
+          </a:p>
+        </p:txBody>
+      </p:sp>
+      <p:sp>
+        <p:nvSpPr>
+          <p:cNvPr id="585" name="Shape 585"/>
+          <p:cNvSpPr/>
+          <p:nvPr/>
+        </p:nvSpPr>
+        <p:spPr>
+          <a:xfrm>
+            <a:off x="5682332" y="2101132"/>
+            <a:ext cx="3434400" cy="2083200"/>
+          </a:xfrm>
+          <a:prstGeom prst="rect">
+            <a:avLst/>
+          </a:prstGeom>
+          <a:solidFill>
+            <a:srgbClr val="434343"/>
+          </a:solidFill>
+          <a:ln>
+            <a:noFill/>
+          </a:ln>
+        </p:spPr>
+        <p:txBody>
+          <a:bodyPr anchorCtr="0" anchor="ctr" bIns="32750" lIns="32750" rIns="32750" wrap="square" tIns="32750">
+            <a:noAutofit/>
+          </a:bodyPr>
+          <a:lstStyle/>
+          <a:p>
+            <a:pPr indent="-88900" lvl="0" marL="0" marR="0" rtl="0" algn="ctr">
+              <a:lnSpc>
+                <a:spcPct val="100000"/>
+              </a:lnSpc>
+              <a:spcBef>
+                <a:spcPts val="0"/>
+              </a:spcBef>
+              <a:spcAft>
+                <a:spcPts val="0"/>
+              </a:spcAft>
+              <a:buClr>
+                <a:srgbClr val="FFFFFF"/>
+              </a:buClr>
+              <a:buFont typeface="Helvetica Neue"/>
+              <a:buNone/>
+            </a:pPr>
+            <a:r>
+              <a:t/>
+            </a:r>
+            <a:endParaRPr b="0" i="0" sz="1400" u="none" cap="none" strike="noStrike">
+              <a:solidFill>
+                <a:srgbClr val="FFFFFF"/>
+              </a:solidFill>
+              <a:latin typeface="Helvetica Neue"/>
+              <a:ea typeface="Helvetica Neue"/>
+              <a:cs typeface="Helvetica Neue"/>
+              <a:sym typeface="Helvetica Neue"/>
+            </a:endParaRPr>
+          </a:p>
+        </p:txBody>
+      </p:sp>
+      <p:sp>
+        <p:nvSpPr>
+          <p:cNvPr id="586" name="Shape 586"/>
+          <p:cNvSpPr/>
+          <p:nvPr/>
+        </p:nvSpPr>
+        <p:spPr>
+          <a:xfrm>
+            <a:off x="5685350" y="957050"/>
+            <a:ext cx="2451300" cy="1125000"/>
+          </a:xfrm>
+          <a:prstGeom prst="rect">
+            <a:avLst/>
+          </a:prstGeom>
+          <a:solidFill>
+            <a:srgbClr val="6C6C6C"/>
+          </a:solidFill>
+          <a:ln>
+            <a:noFill/>
+          </a:ln>
+        </p:spPr>
+        <p:txBody>
+          <a:bodyPr anchorCtr="0" anchor="ctr" bIns="32750" lIns="32750" rIns="32750" wrap="square" tIns="32750">
+            <a:noAutofit/>
+          </a:bodyPr>
+          <a:lstStyle/>
+          <a:p>
+            <a:pPr indent="-88900" lvl="0" marL="0" marR="0" rtl="0" algn="ctr">
+              <a:lnSpc>
+                <a:spcPct val="100000"/>
+              </a:lnSpc>
+              <a:spcBef>
+                <a:spcPts val="0"/>
+              </a:spcBef>
+              <a:spcAft>
+                <a:spcPts val="0"/>
+              </a:spcAft>
+              <a:buClr>
+                <a:srgbClr val="FFFFFF"/>
+              </a:buClr>
+              <a:buFont typeface="Helvetica Neue"/>
+              <a:buNone/>
+            </a:pPr>
+            <a:r>
+              <a:t/>
+            </a:r>
+            <a:endParaRPr b="0" i="0" sz="1400" u="none" cap="none" strike="noStrike">
+              <a:solidFill>
+                <a:srgbClr val="FFFFFF"/>
+              </a:solidFill>
+              <a:latin typeface="Helvetica Neue"/>
+              <a:ea typeface="Helvetica Neue"/>
+              <a:cs typeface="Helvetica Neue"/>
+              <a:sym typeface="Helvetica Neue"/>
+            </a:endParaRPr>
+          </a:p>
+        </p:txBody>
+      </p:sp>
       <p:pic>
         <p:nvPicPr>
-          <p:cNvPr descr="chemicalplant.jpg" id="577" name="Shape 577"/>
+          <p:cNvPr descr="2eastmainbfr.jpg" id="587" name="Shape 587"/>
           <p:cNvPicPr preferRelativeResize="0"/>
           <p:nvPr/>
         </p:nvPicPr>
@@ -31183,8 +32314,8 @@
         </p:blipFill>
         <p:spPr>
           <a:xfrm>
-            <a:off x="28053" y="17150"/>
-            <a:ext cx="4286250" cy="2066575"/>
+            <a:off x="8174459" y="957284"/>
+            <a:ext cx="944244" cy="1124691"/>
           </a:xfrm>
           <a:prstGeom prst="rect">
             <a:avLst/>
@@ -31195,505 +32326,9 @@
           </a:ln>
         </p:spPr>
       </p:pic>
-      <p:sp>
-        <p:nvSpPr>
-          <p:cNvPr id="578" name="Shape 578"/>
-          <p:cNvSpPr/>
-          <p:nvPr/>
-        </p:nvSpPr>
-        <p:spPr>
-          <a:xfrm>
-            <a:off x="28580" y="5089464"/>
-            <a:ext cx="5634600" cy="33000"/>
-          </a:xfrm>
-          <a:prstGeom prst="rect">
-            <a:avLst/>
-          </a:prstGeom>
-          <a:solidFill>
-            <a:srgbClr val="434343"/>
-          </a:solidFill>
-          <a:ln>
-            <a:noFill/>
-          </a:ln>
-        </p:spPr>
-        <p:txBody>
-          <a:bodyPr anchorCtr="0" anchor="ctr" bIns="32750" lIns="32750" rIns="32750" wrap="square" tIns="32750">
-            <a:noAutofit/>
-          </a:bodyPr>
-          <a:lstStyle/>
-          <a:p>
-            <a:pPr indent="-88900" lvl="0" marL="0" marR="0" rtl="0" algn="ctr">
-              <a:lnSpc>
-                <a:spcPct val="100000"/>
-              </a:lnSpc>
-              <a:spcBef>
-                <a:spcPts val="0"/>
-              </a:spcBef>
-              <a:spcAft>
-                <a:spcPts val="0"/>
-              </a:spcAft>
-              <a:buClr>
-                <a:srgbClr val="FFFFFF"/>
-              </a:buClr>
-              <a:buFont typeface="Helvetica Neue"/>
-              <a:buNone/>
-            </a:pPr>
-            <a:r>
-              <a:t/>
-            </a:r>
-            <a:endParaRPr b="0" i="0" sz="1400" u="none" cap="none" strike="noStrike">
-              <a:solidFill>
-                <a:srgbClr val="FFFFFF"/>
-              </a:solidFill>
-              <a:latin typeface="Helvetica Neue"/>
-              <a:ea typeface="Helvetica Neue"/>
-              <a:cs typeface="Helvetica Neue"/>
-              <a:sym typeface="Helvetica Neue"/>
-            </a:endParaRPr>
-          </a:p>
-        </p:txBody>
-      </p:sp>
-      <p:sp>
-        <p:nvSpPr>
-          <p:cNvPr id="579" name="Shape 579"/>
-          <p:cNvSpPr/>
-          <p:nvPr/>
-        </p:nvSpPr>
-        <p:spPr>
-          <a:xfrm>
-            <a:off x="31954" y="2099458"/>
-            <a:ext cx="5628900" cy="2974800"/>
-          </a:xfrm>
-          <a:prstGeom prst="rect">
-            <a:avLst/>
-          </a:prstGeom>
-          <a:solidFill>
-            <a:srgbClr val="000000"/>
-          </a:solidFill>
-          <a:ln>
-            <a:noFill/>
-          </a:ln>
-        </p:spPr>
-        <p:txBody>
-          <a:bodyPr anchorCtr="0" anchor="ctr" bIns="32750" lIns="32750" rIns="32750" wrap="square" tIns="32750">
-            <a:noAutofit/>
-          </a:bodyPr>
-          <a:lstStyle/>
-          <a:p>
-            <a:pPr indent="-190500" lvl="0" marL="215900" rtl="0">
-              <a:spcBef>
-                <a:spcPts val="0"/>
-              </a:spcBef>
-              <a:buClr>
-                <a:schemeClr val="lt1"/>
-              </a:buClr>
-              <a:buSzPct val="100000"/>
-              <a:buFont typeface="Helvetica Neue"/>
-              <a:buChar char="•"/>
-            </a:pPr>
-            <a:r>
-              <a:rPr b="1" lang="en" sz="1800">
-                <a:solidFill>
-                  <a:schemeClr val="lt1"/>
-                </a:solidFill>
-                <a:latin typeface="Helvetica Neue"/>
-                <a:ea typeface="Helvetica Neue"/>
-                <a:cs typeface="Helvetica Neue"/>
-                <a:sym typeface="Helvetica Neue"/>
-              </a:rPr>
-              <a:t>Apply graphing, mapping, and statistical functions to US and State TRI data sets, focusing on:</a:t>
-            </a:r>
-          </a:p>
-          <a:p>
-            <a:pPr indent="-342900" lvl="1" marL="914400" rtl="0">
-              <a:spcBef>
-                <a:spcPts val="0"/>
-              </a:spcBef>
-              <a:buClr>
-                <a:schemeClr val="lt1"/>
-              </a:buClr>
-              <a:buSzPct val="100000"/>
-              <a:buFont typeface="Helvetica Neue"/>
-            </a:pPr>
-            <a:r>
-              <a:rPr b="1" lang="en" sz="1800">
-                <a:solidFill>
-                  <a:schemeClr val="lt1"/>
-                </a:solidFill>
-                <a:latin typeface="Helvetica Neue"/>
-                <a:ea typeface="Helvetica Neue"/>
-                <a:cs typeface="Helvetica Neue"/>
-                <a:sym typeface="Helvetica Neue"/>
-              </a:rPr>
-              <a:t>Nationwide relations and trends</a:t>
-            </a:r>
-          </a:p>
-          <a:p>
-            <a:pPr indent="-342900" lvl="1" marL="914400" rtl="0">
-              <a:spcBef>
-                <a:spcPts val="0"/>
-              </a:spcBef>
-              <a:buClr>
-                <a:schemeClr val="lt1"/>
-              </a:buClr>
-              <a:buSzPct val="100000"/>
-              <a:buFont typeface="Helvetica Neue"/>
-            </a:pPr>
-            <a:r>
-              <a:rPr b="1" lang="en" sz="1800">
-                <a:solidFill>
-                  <a:schemeClr val="lt1"/>
-                </a:solidFill>
-                <a:latin typeface="Helvetica Neue"/>
-                <a:ea typeface="Helvetica Neue"/>
-                <a:cs typeface="Helvetica Neue"/>
-                <a:sym typeface="Helvetica Neue"/>
-              </a:rPr>
-              <a:t>Regional relations and trends</a:t>
-            </a:r>
-          </a:p>
-          <a:p>
-            <a:pPr indent="-342900" lvl="1" marL="914400" rtl="0">
-              <a:spcBef>
-                <a:spcPts val="0"/>
-              </a:spcBef>
-              <a:buClr>
-                <a:schemeClr val="lt1"/>
-              </a:buClr>
-              <a:buSzPct val="100000"/>
-              <a:buFont typeface="Helvetica Neue"/>
-            </a:pPr>
-            <a:r>
-              <a:rPr b="1" lang="en" sz="1800">
-                <a:solidFill>
-                  <a:schemeClr val="lt1"/>
-                </a:solidFill>
-                <a:latin typeface="Helvetica Neue"/>
-                <a:ea typeface="Helvetica Neue"/>
-                <a:cs typeface="Helvetica Neue"/>
-                <a:sym typeface="Helvetica Neue"/>
-              </a:rPr>
-              <a:t>Facilities and parent companies’ releases</a:t>
-            </a:r>
-          </a:p>
-          <a:p>
-            <a:pPr indent="-342900" lvl="1" marL="914400" rtl="0">
-              <a:spcBef>
-                <a:spcPts val="0"/>
-              </a:spcBef>
-              <a:buClr>
-                <a:schemeClr val="lt1"/>
-              </a:buClr>
-              <a:buSzPct val="100000"/>
-              <a:buFont typeface="Helvetica Neue"/>
-            </a:pPr>
-            <a:r>
-              <a:rPr b="1" lang="en" sz="1800">
-                <a:solidFill>
-                  <a:schemeClr val="lt1"/>
-                </a:solidFill>
-                <a:latin typeface="Helvetica Neue"/>
-                <a:ea typeface="Helvetica Neue"/>
-                <a:cs typeface="Helvetica Neue"/>
-                <a:sym typeface="Helvetica Neue"/>
-              </a:rPr>
-              <a:t>Industry sector releases</a:t>
-            </a:r>
-          </a:p>
-        </p:txBody>
-      </p:sp>
-      <p:sp>
-        <p:nvSpPr>
-          <p:cNvPr id="580" name="Shape 580"/>
-          <p:cNvSpPr/>
-          <p:nvPr/>
-        </p:nvSpPr>
-        <p:spPr>
-          <a:xfrm>
-            <a:off x="4339745" y="955019"/>
-            <a:ext cx="1322100" cy="1129200"/>
-          </a:xfrm>
-          <a:prstGeom prst="rect">
-            <a:avLst/>
-          </a:prstGeom>
-          <a:solidFill>
-            <a:srgbClr val="6C6C6C"/>
-          </a:solidFill>
-          <a:ln>
-            <a:noFill/>
-          </a:ln>
-        </p:spPr>
-        <p:txBody>
-          <a:bodyPr anchorCtr="0" anchor="ctr" bIns="32750" lIns="32750" rIns="32750" wrap="square" tIns="32750">
-            <a:noAutofit/>
-          </a:bodyPr>
-          <a:lstStyle/>
-          <a:p>
-            <a:pPr indent="-88900" lvl="0" marL="0" marR="0" rtl="0" algn="ctr">
-              <a:lnSpc>
-                <a:spcPct val="100000"/>
-              </a:lnSpc>
-              <a:spcBef>
-                <a:spcPts val="0"/>
-              </a:spcBef>
-              <a:spcAft>
-                <a:spcPts val="0"/>
-              </a:spcAft>
-              <a:buClr>
-                <a:srgbClr val="FFFFFF"/>
-              </a:buClr>
-              <a:buFont typeface="Helvetica Neue"/>
-              <a:buNone/>
-            </a:pPr>
-            <a:r>
-              <a:t/>
-            </a:r>
-            <a:endParaRPr b="0" i="0" sz="1400" u="none" cap="none" strike="noStrike">
-              <a:solidFill>
-                <a:srgbClr val="FFFFFF"/>
-              </a:solidFill>
-              <a:latin typeface="Helvetica Neue"/>
-              <a:ea typeface="Helvetica Neue"/>
-              <a:cs typeface="Helvetica Neue"/>
-              <a:sym typeface="Helvetica Neue"/>
-            </a:endParaRPr>
-          </a:p>
-        </p:txBody>
-      </p:sp>
-      <p:sp>
-        <p:nvSpPr>
-          <p:cNvPr id="581" name="Shape 581"/>
-          <p:cNvSpPr/>
-          <p:nvPr/>
-        </p:nvSpPr>
-        <p:spPr>
-          <a:xfrm>
-            <a:off x="4344609" y="22274"/>
-            <a:ext cx="4772700" cy="917400"/>
-          </a:xfrm>
-          <a:prstGeom prst="rect">
-            <a:avLst/>
-          </a:prstGeom>
-          <a:solidFill>
-            <a:srgbClr val="434343"/>
-          </a:solidFill>
-          <a:ln>
-            <a:noFill/>
-          </a:ln>
-        </p:spPr>
-        <p:txBody>
-          <a:bodyPr anchorCtr="0" anchor="ctr" bIns="32750" lIns="32750" rIns="32750" wrap="square" tIns="32750">
-            <a:noAutofit/>
-          </a:bodyPr>
-          <a:lstStyle/>
-          <a:p>
-            <a:pPr indent="-88900" lvl="0" marL="0" marR="0" rtl="0" algn="ctr">
-              <a:lnSpc>
-                <a:spcPct val="100000"/>
-              </a:lnSpc>
-              <a:spcBef>
-                <a:spcPts val="0"/>
-              </a:spcBef>
-              <a:spcAft>
-                <a:spcPts val="0"/>
-              </a:spcAft>
-              <a:buClr>
-                <a:srgbClr val="FFFFFF"/>
-              </a:buClr>
-              <a:buFont typeface="Helvetica Neue"/>
-              <a:buNone/>
-            </a:pPr>
-            <a:r>
-              <a:t/>
-            </a:r>
-            <a:endParaRPr b="0" i="0" sz="1400" u="none" cap="none" strike="noStrike">
-              <a:solidFill>
-                <a:srgbClr val="FFFFFF"/>
-              </a:solidFill>
-              <a:latin typeface="Helvetica Neue"/>
-              <a:ea typeface="Helvetica Neue"/>
-              <a:cs typeface="Helvetica Neue"/>
-              <a:sym typeface="Helvetica Neue"/>
-            </a:endParaRPr>
-          </a:p>
-        </p:txBody>
-      </p:sp>
-      <p:sp>
-        <p:nvSpPr>
-          <p:cNvPr id="582" name="Shape 582"/>
-          <p:cNvSpPr txBox="1"/>
-          <p:nvPr/>
-        </p:nvSpPr>
-        <p:spPr>
-          <a:xfrm>
-            <a:off x="4382101" y="264675"/>
-            <a:ext cx="4697700" cy="432600"/>
-          </a:xfrm>
-          <a:prstGeom prst="rect">
-            <a:avLst/>
-          </a:prstGeom>
-          <a:noFill/>
-          <a:ln>
-            <a:noFill/>
-          </a:ln>
-        </p:spPr>
-        <p:txBody>
-          <a:bodyPr anchorCtr="0" anchor="ctr" bIns="32750" lIns="32750" rIns="32750" wrap="square" tIns="32750">
-            <a:noAutofit/>
-          </a:bodyPr>
-          <a:lstStyle/>
-          <a:p>
-            <a:pPr indent="-196850" lvl="0" marL="0" marR="0" rtl="0" algn="ctr">
-              <a:lnSpc>
-                <a:spcPct val="100000"/>
-              </a:lnSpc>
-              <a:spcBef>
-                <a:spcPts val="0"/>
-              </a:spcBef>
-              <a:spcAft>
-                <a:spcPts val="0"/>
-              </a:spcAft>
-              <a:buClr>
-                <a:srgbClr val="FFFFFF"/>
-              </a:buClr>
-              <a:buSzPct val="114814"/>
-              <a:buFont typeface="Helvetica Neue"/>
-              <a:buNone/>
-            </a:pPr>
-            <a:r>
-              <a:rPr b="1" lang="en" sz="2700">
-                <a:solidFill>
-                  <a:srgbClr val="FFFFFF"/>
-                </a:solidFill>
-                <a:latin typeface="Helvetica Neue"/>
-                <a:ea typeface="Helvetica Neue"/>
-                <a:cs typeface="Helvetica Neue"/>
-                <a:sym typeface="Helvetica Neue"/>
-              </a:rPr>
-              <a:t>Next Steps</a:t>
-            </a:r>
-          </a:p>
-        </p:txBody>
-      </p:sp>
-      <p:sp>
-        <p:nvSpPr>
-          <p:cNvPr id="583" name="Shape 583"/>
-          <p:cNvSpPr/>
-          <p:nvPr/>
-        </p:nvSpPr>
-        <p:spPr>
-          <a:xfrm>
-            <a:off x="5682332" y="2101132"/>
-            <a:ext cx="3434400" cy="2083200"/>
-          </a:xfrm>
-          <a:prstGeom prst="rect">
-            <a:avLst/>
-          </a:prstGeom>
-          <a:solidFill>
-            <a:srgbClr val="434343"/>
-          </a:solidFill>
-          <a:ln>
-            <a:noFill/>
-          </a:ln>
-        </p:spPr>
-        <p:txBody>
-          <a:bodyPr anchorCtr="0" anchor="ctr" bIns="32750" lIns="32750" rIns="32750" wrap="square" tIns="32750">
-            <a:noAutofit/>
-          </a:bodyPr>
-          <a:lstStyle/>
-          <a:p>
-            <a:pPr indent="-88900" lvl="0" marL="0" marR="0" rtl="0" algn="ctr">
-              <a:lnSpc>
-                <a:spcPct val="100000"/>
-              </a:lnSpc>
-              <a:spcBef>
-                <a:spcPts val="0"/>
-              </a:spcBef>
-              <a:spcAft>
-                <a:spcPts val="0"/>
-              </a:spcAft>
-              <a:buClr>
-                <a:srgbClr val="FFFFFF"/>
-              </a:buClr>
-              <a:buFont typeface="Helvetica Neue"/>
-              <a:buNone/>
-            </a:pPr>
-            <a:r>
-              <a:t/>
-            </a:r>
-            <a:endParaRPr b="0" i="0" sz="1400" u="none" cap="none" strike="noStrike">
-              <a:solidFill>
-                <a:srgbClr val="FFFFFF"/>
-              </a:solidFill>
-              <a:latin typeface="Helvetica Neue"/>
-              <a:ea typeface="Helvetica Neue"/>
-              <a:cs typeface="Helvetica Neue"/>
-              <a:sym typeface="Helvetica Neue"/>
-            </a:endParaRPr>
-          </a:p>
-        </p:txBody>
-      </p:sp>
-      <p:sp>
-        <p:nvSpPr>
-          <p:cNvPr id="584" name="Shape 584"/>
-          <p:cNvSpPr/>
-          <p:nvPr/>
-        </p:nvSpPr>
-        <p:spPr>
-          <a:xfrm>
-            <a:off x="5685350" y="957050"/>
-            <a:ext cx="2451300" cy="1125000"/>
-          </a:xfrm>
-          <a:prstGeom prst="rect">
-            <a:avLst/>
-          </a:prstGeom>
-          <a:solidFill>
-            <a:srgbClr val="6C6C6C"/>
-          </a:solidFill>
-          <a:ln>
-            <a:noFill/>
-          </a:ln>
-        </p:spPr>
-        <p:txBody>
-          <a:bodyPr anchorCtr="0" anchor="ctr" bIns="32750" lIns="32750" rIns="32750" wrap="square" tIns="32750">
-            <a:noAutofit/>
-          </a:bodyPr>
-          <a:lstStyle/>
-          <a:p>
-            <a:pPr indent="-88900" lvl="0" marL="0" marR="0" rtl="0" algn="ctr">
-              <a:lnSpc>
-                <a:spcPct val="100000"/>
-              </a:lnSpc>
-              <a:spcBef>
-                <a:spcPts val="0"/>
-              </a:spcBef>
-              <a:spcAft>
-                <a:spcPts val="0"/>
-              </a:spcAft>
-              <a:buClr>
-                <a:srgbClr val="FFFFFF"/>
-              </a:buClr>
-              <a:buFont typeface="Helvetica Neue"/>
-              <a:buNone/>
-            </a:pPr>
-            <a:r>
-              <a:t/>
-            </a:r>
-            <a:endParaRPr b="0" i="0" sz="1400" u="none" cap="none" strike="noStrike">
-              <a:solidFill>
-                <a:srgbClr val="FFFFFF"/>
-              </a:solidFill>
-              <a:latin typeface="Helvetica Neue"/>
-              <a:ea typeface="Helvetica Neue"/>
-              <a:cs typeface="Helvetica Neue"/>
-              <a:sym typeface="Helvetica Neue"/>
-            </a:endParaRPr>
-          </a:p>
-        </p:txBody>
-      </p:sp>
       <p:pic>
         <p:nvPicPr>
-          <p:cNvPr descr="2eastmainbfr.jpg" id="585" name="Shape 585"/>
+          <p:cNvPr descr="natural-wetland-2.jpg" id="588" name="Shape 588"/>
           <p:cNvPicPr preferRelativeResize="0"/>
           <p:nvPr/>
         </p:nvPicPr>
@@ -31706,8 +32341,8 @@
         </p:blipFill>
         <p:spPr>
           <a:xfrm>
-            <a:off x="8174459" y="957284"/>
-            <a:ext cx="944244" cy="1124691"/>
+            <a:off x="7569975" y="4203150"/>
+            <a:ext cx="1564600" cy="916575"/>
           </a:xfrm>
           <a:prstGeom prst="rect">
             <a:avLst/>
@@ -31718,9 +32353,67 @@
           </a:ln>
         </p:spPr>
       </p:pic>
+      <p:sp>
+        <p:nvSpPr>
+          <p:cNvPr id="589" name="Shape 589"/>
+          <p:cNvSpPr/>
+          <p:nvPr/>
+        </p:nvSpPr>
+        <p:spPr>
+          <a:xfrm>
+            <a:off x="5683150" y="4203175"/>
+            <a:ext cx="1866900" cy="917400"/>
+          </a:xfrm>
+          <a:prstGeom prst="rect">
+            <a:avLst/>
+          </a:prstGeom>
+          <a:solidFill>
+            <a:srgbClr val="6C6C6C"/>
+          </a:solidFill>
+          <a:ln>
+            <a:noFill/>
+          </a:ln>
+        </p:spPr>
+        <p:txBody>
+          <a:bodyPr anchorCtr="0" anchor="ctr" bIns="32750" lIns="32750" rIns="32750" wrap="square" tIns="32750">
+            <a:noAutofit/>
+          </a:bodyPr>
+          <a:lstStyle/>
+          <a:p>
+            <a:pPr indent="-88900" lvl="0" marL="0" marR="0" rtl="0" algn="ctr">
+              <a:lnSpc>
+                <a:spcPct val="100000"/>
+              </a:lnSpc>
+              <a:spcBef>
+                <a:spcPts val="0"/>
+              </a:spcBef>
+              <a:spcAft>
+                <a:spcPts val="0"/>
+              </a:spcAft>
+              <a:buClr>
+                <a:srgbClr val="FFFFFF"/>
+              </a:buClr>
+              <a:buFont typeface="Helvetica Neue"/>
+              <a:buNone/>
+            </a:pPr>
+            <a:r>
+              <a:t/>
+            </a:r>
+            <a:endParaRPr b="0" i="0" sz="1400" u="none" cap="none" strike="noStrike">
+              <a:solidFill>
+                <a:srgbClr val="FFFFFF"/>
+              </a:solidFill>
+              <a:latin typeface="Helvetica Neue"/>
+              <a:ea typeface="Helvetica Neue"/>
+              <a:cs typeface="Helvetica Neue"/>
+              <a:sym typeface="Helvetica Neue"/>
+            </a:endParaRPr>
+          </a:p>
+        </p:txBody>
+      </p:sp>
       <p:pic>
         <p:nvPicPr>
-          <p:cNvPr descr="natural-wetland-2.jpg" id="586" name="Shape 586"/>
+          <p:cNvPr descr="Toxic-Waste.jpg" id="590" name="Shape 590"/>
           <p:cNvPicPr preferRelativeResize="0"/>
           <p:nvPr/>
         </p:nvPicPr>
@@ -31733,8 +32426,8 @@
         </p:blipFill>
         <p:spPr>
           <a:xfrm>
-            <a:off x="7569975" y="4203150"/>
-            <a:ext cx="1564600" cy="916575"/>
+            <a:off x="24267" y="19442"/>
+            <a:ext cx="4273408" cy="2058823"/>
           </a:xfrm>
           <a:prstGeom prst="rect">
             <a:avLst/>
@@ -31745,64 +32438,33 @@
           </a:ln>
         </p:spPr>
       </p:pic>
-      <p:sp>
-        <p:nvSpPr>
-          <p:cNvPr id="587" name="Shape 587"/>
-          <p:cNvSpPr/>
+      <p:pic>
+        <p:nvPicPr>
+          <p:cNvPr descr="composite_data.gif" id="591" name="Shape 591"/>
+          <p:cNvPicPr preferRelativeResize="0"/>
           <p:nvPr/>
-        </p:nvSpPr>
-        <p:spPr>
-          <a:xfrm>
-            <a:off x="5683150" y="4203175"/>
-            <a:ext cx="1866900" cy="917400"/>
-          </a:xfrm>
-          <a:prstGeom prst="rect">
-            <a:avLst/>
-          </a:prstGeom>
-          <a:solidFill>
-            <a:srgbClr val="6C6C6C"/>
-          </a:solidFill>
-          <a:ln>
-            <a:noFill/>
-          </a:ln>
-        </p:spPr>
-        <p:txBody>
-          <a:bodyPr anchorCtr="0" anchor="ctr" bIns="32750" lIns="32750" rIns="32750" wrap="square" tIns="32750">
-            <a:noAutofit/>
-          </a:bodyPr>
-          <a:lstStyle/>
-          <a:p>
-            <a:pPr indent="-88900" lvl="0" marL="0" marR="0" rtl="0" algn="ctr">
-              <a:lnSpc>
-                <a:spcPct val="100000"/>
-              </a:lnSpc>
-              <a:spcBef>
-                <a:spcPts val="0"/>
-              </a:spcBef>
-              <a:spcAft>
-                <a:spcPts val="0"/>
-              </a:spcAft>
-              <a:buClr>
-                <a:srgbClr val="FFFFFF"/>
-              </a:buClr>
-              <a:buFont typeface="Helvetica Neue"/>
-              <a:buNone/>
-            </a:pPr>
-            <a:r>
-              <a:t/>
-            </a:r>
-            <a:endParaRPr b="0" i="0" sz="1400" u="none" cap="none" strike="noStrike">
-              <a:solidFill>
-                <a:srgbClr val="FFFFFF"/>
-              </a:solidFill>
-              <a:latin typeface="Helvetica Neue"/>
-              <a:ea typeface="Helvetica Neue"/>
-              <a:cs typeface="Helvetica Neue"/>
-              <a:sym typeface="Helvetica Neue"/>
-            </a:endParaRPr>
-          </a:p>
-        </p:txBody>
-      </p:sp>
+        </p:nvPicPr>
+        <p:blipFill rotWithShape="1">
+          <a:blip r:embed="rId6">
+            <a:alphaModFix/>
+          </a:blip>
+          <a:srcRect b="0" l="0" r="0" t="0"/>
+          <a:stretch/>
+        </p:blipFill>
+        <p:spPr>
+          <a:xfrm>
+            <a:off x="5683120" y="2101132"/>
+            <a:ext cx="3432796" cy="2082286"/>
+          </a:xfrm>
+          <a:prstGeom prst="rect">
+            <a:avLst/>
+          </a:prstGeom>
+          <a:noFill/>
+          <a:ln>
+            <a:noFill/>
+          </a:ln>
+        </p:spPr>
+      </p:pic>
     </p:spTree>
   </p:cSld>
   <p:clrMapOvr>
@@ -31826,7 +32488,7 @@
     </p:bg>
     <p:spTree>
       <p:nvGrpSpPr>
-        <p:cNvPr id="591" name="Shape 591"/>
+        <p:cNvPr id="595" name="Shape 595"/>
         <p:cNvGrpSpPr/>
         <p:nvPr/>
       </p:nvGrpSpPr>
@@ -31840,7 +32502,7 @@
       </p:grpSpPr>
       <p:pic>
         <p:nvPicPr>
-          <p:cNvPr descr="natural-wetland-2.jpg" id="592" name="Shape 592"/>
+          <p:cNvPr descr="natural-wetland-2.jpg" id="596" name="Shape 596"/>
           <p:cNvPicPr preferRelativeResize="0"/>
           <p:nvPr/>
         </p:nvPicPr>
@@ -31867,7 +32529,7 @@
       </p:pic>
       <p:sp>
         <p:nvSpPr>
-          <p:cNvPr id="593" name="Shape 593"/>
+          <p:cNvPr id="597" name="Shape 597"/>
           <p:cNvSpPr/>
           <p:nvPr/>
         </p:nvSpPr>
@@ -31925,7 +32587,7 @@
       </p:sp>
       <p:sp>
         <p:nvSpPr>
-          <p:cNvPr id="594" name="Shape 594"/>
+          <p:cNvPr id="598" name="Shape 598"/>
           <p:cNvSpPr/>
           <p:nvPr/>
         </p:nvSpPr>
@@ -31983,7 +32645,7 @@
       </p:sp>
       <p:pic>
         <p:nvPicPr>
-          <p:cNvPr descr="chemicalplant.jpg" id="595" name="Shape 595"/>
+          <p:cNvPr descr="chemicalplant.jpg" id="599" name="Shape 599"/>
           <p:cNvPicPr preferRelativeResize="0"/>
           <p:nvPr/>
         </p:nvPicPr>
@@ -32010,7 +32672,7 @@
       </p:pic>
       <p:sp>
         <p:nvSpPr>
-          <p:cNvPr id="596" name="Shape 596"/>
+          <p:cNvPr id="600" name="Shape 600"/>
           <p:cNvSpPr/>
           <p:nvPr/>
         </p:nvSpPr>
@@ -32068,7 +32730,7 @@
       </p:sp>
       <p:sp>
         <p:nvSpPr>
-          <p:cNvPr id="597" name="Shape 597"/>
+          <p:cNvPr id="601" name="Shape 601"/>
           <p:cNvSpPr/>
           <p:nvPr/>
         </p:nvSpPr>
@@ -32126,7 +32788,7 @@
       </p:sp>
       <p:sp>
         <p:nvSpPr>
-          <p:cNvPr id="598" name="Shape 598"/>
+          <p:cNvPr id="602" name="Shape 602"/>
           <p:cNvSpPr/>
           <p:nvPr/>
         </p:nvSpPr>
@@ -32184,7 +32846,7 @@
       </p:sp>
       <p:sp>
         <p:nvSpPr>
-          <p:cNvPr id="599" name="Shape 599"/>
+          <p:cNvPr id="603" name="Shape 603"/>
           <p:cNvSpPr/>
           <p:nvPr/>
         </p:nvSpPr>
@@ -32242,7 +32904,7 @@
       </p:sp>
       <p:sp>
         <p:nvSpPr>
-          <p:cNvPr id="600" name="Shape 600"/>
+          <p:cNvPr id="604" name="Shape 604"/>
           <p:cNvSpPr/>
           <p:nvPr/>
         </p:nvSpPr>
@@ -32300,7 +32962,7 @@
       </p:sp>
       <p:sp>
         <p:nvSpPr>
-          <p:cNvPr id="601" name="Shape 601"/>
+          <p:cNvPr id="605" name="Shape 605"/>
           <p:cNvSpPr/>
           <p:nvPr/>
         </p:nvSpPr>
@@ -32358,7 +33020,7 @@
       </p:sp>
       <p:sp>
         <p:nvSpPr>
-          <p:cNvPr id="602" name="Shape 602"/>
+          <p:cNvPr id="606" name="Shape 606"/>
           <p:cNvSpPr/>
           <p:nvPr/>
         </p:nvSpPr>
@@ -32416,7 +33078,7 @@
       </p:sp>
       <p:sp>
         <p:nvSpPr>
-          <p:cNvPr id="603" name="Shape 603"/>
+          <p:cNvPr id="607" name="Shape 607"/>
           <p:cNvSpPr/>
           <p:nvPr/>
         </p:nvSpPr>
@@ -32474,7 +33136,7 @@
       </p:sp>
       <p:pic>
         <p:nvPicPr>
-          <p:cNvPr descr="taipei.png" id="604" name="Shape 604"/>
+          <p:cNvPr descr="taipei.png" id="608" name="Shape 608"/>
           <p:cNvPicPr preferRelativeResize="0"/>
           <p:nvPr/>
         </p:nvPicPr>
@@ -32501,7 +33163,7 @@
       </p:pic>
       <p:sp>
         <p:nvSpPr>
-          <p:cNvPr id="605" name="Shape 605"/>
+          <p:cNvPr id="609" name="Shape 609"/>
           <p:cNvSpPr txBox="1"/>
           <p:nvPr/>
         </p:nvSpPr>
@@ -32558,7 +33220,7 @@
       </p:sp>
       <p:sp>
         <p:nvSpPr>
-          <p:cNvPr id="606" name="Shape 606"/>
+          <p:cNvPr id="610" name="Shape 610"/>
           <p:cNvSpPr txBox="1"/>
           <p:nvPr/>
         </p:nvSpPr>
@@ -32615,7 +33277,7 @@
       </p:sp>
       <p:sp>
         <p:nvSpPr>
-          <p:cNvPr id="607" name="Shape 607"/>
+          <p:cNvPr id="611" name="Shape 611"/>
           <p:cNvSpPr txBox="1"/>
           <p:nvPr/>
         </p:nvSpPr>
@@ -32741,7 +33403,7 @@
       </p:sp>
       <p:sp>
         <p:nvSpPr>
-          <p:cNvPr id="608" name="Shape 608"/>
+          <p:cNvPr id="612" name="Shape 612"/>
           <p:cNvSpPr txBox="1"/>
           <p:nvPr/>
         </p:nvSpPr>
@@ -32798,7 +33460,7 @@
       </p:sp>
       <p:sp>
         <p:nvSpPr>
-          <p:cNvPr id="609" name="Shape 609"/>
+          <p:cNvPr id="613" name="Shape 613"/>
           <p:cNvSpPr/>
           <p:nvPr/>
         </p:nvSpPr>
@@ -32856,7 +33518,7 @@
       </p:sp>
       <p:pic>
         <p:nvPicPr>
-          <p:cNvPr descr="2eastmainbfr.jpg" id="610" name="Shape 610"/>
+          <p:cNvPr descr="2eastmainbfr.jpg" id="614" name="Shape 614"/>
           <p:cNvPicPr preferRelativeResize="0"/>
           <p:nvPr/>
         </p:nvPicPr>
@@ -32923,7 +33585,7 @@
                                           </p:stCondLst>
                                         </p:cTn>
                                         <p:tgtEl>
-                                          <p:spTgt spid="605"/>
+                                          <p:spTgt spid="609"/>
                                         </p:tgtEl>
                                         <p:attrNameLst>
                                           <p:attrName>style.visibility</p:attrName>
@@ -32937,7 +33599,7 @@
                                       <p:cBhvr>
                                         <p:cTn dur="1500"/>
                                         <p:tgtEl>
-                                          <p:spTgt spid="605"/>
+                                          <p:spTgt spid="609"/>
                                         </p:tgtEl>
                                       </p:cBhvr>
                                     </p:animEffect>
@@ -32967,7 +33629,7 @@
                                           </p:stCondLst>
                                         </p:cTn>
                                         <p:tgtEl>
-                                          <p:spTgt spid="608"/>
+                                          <p:spTgt spid="612"/>
                                         </p:tgtEl>
                                         <p:attrNameLst>
                                           <p:attrName>style.visibility</p:attrName>
@@ -32981,7 +33643,7 @@
                                       <p:cBhvr>
                                         <p:cTn dur="1500"/>
                                         <p:tgtEl>
-                                          <p:spTgt spid="608"/>
+                                          <p:spTgt spid="612"/>
                                         </p:tgtEl>
                                       </p:cBhvr>
                                     </p:animEffect>
@@ -39296,9 +39958,9 @@
 </file>
 
 <file path=ppt/theme/theme1.xml><?xml version="1.0" encoding="utf-8"?>
-<a:theme xmlns:a="http://schemas.openxmlformats.org/drawingml/2006/main" xmlns:r="http://schemas.openxmlformats.org/officeDocument/2006/relationships" name="Simple Light">
+<a:theme xmlns:a="http://schemas.openxmlformats.org/drawingml/2006/main" xmlns:r="http://schemas.openxmlformats.org/officeDocument/2006/relationships" name="Black">
   <a:themeElements>
-    <a:clrScheme name="Simple Light">
+    <a:clrScheme name="Black">
       <a:dk1>
         <a:srgbClr val="000000"/>
       </a:dk1>
@@ -39306,34 +39968,34 @@
         <a:srgbClr val="FFFFFF"/>
       </a:lt1>
       <a:dk2>
-        <a:srgbClr val="595959"/>
+        <a:srgbClr val="434343"/>
       </a:dk2>
       <a:lt2>
-        <a:srgbClr val="EEEEEE"/>
+        <a:srgbClr val="A9A9A9"/>
       </a:lt2>
       <a:accent1>
-        <a:srgbClr val="FFAB40"/>
+        <a:srgbClr val="0076BA"/>
       </a:accent1>
       <a:accent2>
-        <a:srgbClr val="212121"/>
+        <a:srgbClr val="00A89D"/>
       </a:accent2>
       <a:accent3>
-        <a:srgbClr val="78909C"/>
+        <a:srgbClr val="1DB100"/>
       </a:accent3>
       <a:accent4>
-        <a:srgbClr val="FFAB40"/>
+        <a:srgbClr val="F8BA00"/>
       </a:accent4>
       <a:accent5>
-        <a:srgbClr val="0097A7"/>
+        <a:srgbClr val="EE220C"/>
       </a:accent5>
       <a:accent6>
-        <a:srgbClr val="EEFF41"/>
+        <a:srgbClr val="CB297B"/>
       </a:accent6>
       <a:hlink>
-        <a:srgbClr val="0097A7"/>
+        <a:srgbClr val="0000FF"/>
       </a:hlink>
       <a:folHlink>
-        <a:srgbClr val="0097A7"/>
+        <a:srgbClr val="FF00FF"/>
       </a:folHlink>
     </a:clrScheme>
     <a:fontScheme name="Office">
@@ -39854,9 +40516,9 @@
 </file>
 
 <file path=ppt/theme/theme3.xml><?xml version="1.0" encoding="utf-8"?>
-<a:theme xmlns:a="http://schemas.openxmlformats.org/drawingml/2006/main" xmlns:r="http://schemas.openxmlformats.org/officeDocument/2006/relationships" name="Black">
+<a:theme xmlns:a="http://schemas.openxmlformats.org/drawingml/2006/main" xmlns:r="http://schemas.openxmlformats.org/officeDocument/2006/relationships" name="Simple Light">
   <a:themeElements>
-    <a:clrScheme name="Black">
+    <a:clrScheme name="Simple Light">
       <a:dk1>
         <a:srgbClr val="000000"/>
       </a:dk1>
@@ -39864,34 +40526,34 @@
         <a:srgbClr val="FFFFFF"/>
       </a:lt1>
       <a:dk2>
-        <a:srgbClr val="434343"/>
+        <a:srgbClr val="595959"/>
       </a:dk2>
       <a:lt2>
-        <a:srgbClr val="A9A9A9"/>
+        <a:srgbClr val="EEEEEE"/>
       </a:lt2>
       <a:accent1>
-        <a:srgbClr val="0076BA"/>
+        <a:srgbClr val="FFAB40"/>
       </a:accent1>
       <a:accent2>
-        <a:srgbClr val="00A89D"/>
+        <a:srgbClr val="212121"/>
       </a:accent2>
       <a:accent3>
-        <a:srgbClr val="1DB100"/>
+        <a:srgbClr val="78909C"/>
       </a:accent3>
       <a:accent4>
-        <a:srgbClr val="F8BA00"/>
+        <a:srgbClr val="FFAB40"/>
       </a:accent4>
       <a:accent5>
-        <a:srgbClr val="EE220C"/>
+        <a:srgbClr val="0097A7"/>
       </a:accent5>
       <a:accent6>
-        <a:srgbClr val="CB297B"/>
+        <a:srgbClr val="EEFF41"/>
       </a:accent6>
       <a:hlink>
-        <a:srgbClr val="0000FF"/>
+        <a:srgbClr val="0097A7"/>
       </a:hlink>
       <a:folHlink>
-        <a:srgbClr val="FF00FF"/>
+        <a:srgbClr val="0097A7"/>
       </a:folHlink>
     </a:clrScheme>
     <a:fontScheme name="Office">

--- a/jacob/presentation/pres_two/CSC495_Toxic_Crusaders_Presentation.pptx
+++ b/jacob/presentation/pres_two/CSC495_Toxic_Crusaders_Presentation.pptx
@@ -2017,7 +2017,7 @@
   <p:cSld>
     <p:spTree>
       <p:nvGrpSpPr>
-        <p:cNvPr id="524" name="Shape 524"/>
+        <p:cNvPr id="525" name="Shape 525"/>
         <p:cNvGrpSpPr/>
         <p:nvPr/>
       </p:nvGrpSpPr>
@@ -2031,7 +2031,7 @@
       </p:grpSpPr>
       <p:sp>
         <p:nvSpPr>
-          <p:cNvPr id="525" name="Shape 525"/>
+          <p:cNvPr id="526" name="Shape 526"/>
           <p:cNvSpPr txBox="1"/>
           <p:nvPr>
             <p:ph idx="1" type="body"/>
@@ -2071,7 +2071,7 @@
       </p:sp>
       <p:sp>
         <p:nvSpPr>
-          <p:cNvPr id="526" name="Shape 526"/>
+          <p:cNvPr id="527" name="Shape 527"/>
           <p:cNvSpPr/>
           <p:nvPr>
             <p:ph idx="2" type="sldImg"/>
@@ -2116,7 +2116,7 @@
   <p:cSld>
     <p:spTree>
       <p:nvGrpSpPr>
-        <p:cNvPr id="540" name="Shape 540"/>
+        <p:cNvPr id="542" name="Shape 542"/>
         <p:cNvGrpSpPr/>
         <p:nvPr/>
       </p:nvGrpSpPr>
@@ -2130,7 +2130,7 @@
       </p:grpSpPr>
       <p:sp>
         <p:nvSpPr>
-          <p:cNvPr id="541" name="Shape 541"/>
+          <p:cNvPr id="543" name="Shape 543"/>
           <p:cNvSpPr txBox="1"/>
           <p:nvPr>
             <p:ph idx="1" type="body"/>
@@ -2170,7 +2170,7 @@
       </p:sp>
       <p:sp>
         <p:nvSpPr>
-          <p:cNvPr id="542" name="Shape 542"/>
+          <p:cNvPr id="544" name="Shape 544"/>
           <p:cNvSpPr/>
           <p:nvPr>
             <p:ph idx="2" type="sldImg"/>
@@ -2215,7 +2215,7 @@
   <p:cSld>
     <p:spTree>
       <p:nvGrpSpPr>
-        <p:cNvPr id="558" name="Shape 558"/>
+        <p:cNvPr id="560" name="Shape 560"/>
         <p:cNvGrpSpPr/>
         <p:nvPr/>
       </p:nvGrpSpPr>
@@ -2229,7 +2229,7 @@
       </p:grpSpPr>
       <p:sp>
         <p:nvSpPr>
-          <p:cNvPr id="559" name="Shape 559"/>
+          <p:cNvPr id="561" name="Shape 561"/>
           <p:cNvSpPr txBox="1"/>
           <p:nvPr>
             <p:ph idx="1" type="body"/>
@@ -2269,7 +2269,7 @@
       </p:sp>
       <p:sp>
         <p:nvSpPr>
-          <p:cNvPr id="560" name="Shape 560"/>
+          <p:cNvPr id="562" name="Shape 562"/>
           <p:cNvSpPr/>
           <p:nvPr>
             <p:ph idx="2" type="sldImg"/>
@@ -2314,7 +2314,7 @@
   <p:cSld>
     <p:spTree>
       <p:nvGrpSpPr>
-        <p:cNvPr id="575" name="Shape 575"/>
+        <p:cNvPr id="577" name="Shape 577"/>
         <p:cNvGrpSpPr/>
         <p:nvPr/>
       </p:nvGrpSpPr>
@@ -2328,7 +2328,7 @@
       </p:grpSpPr>
       <p:sp>
         <p:nvSpPr>
-          <p:cNvPr id="576" name="Shape 576"/>
+          <p:cNvPr id="578" name="Shape 578"/>
           <p:cNvSpPr txBox="1"/>
           <p:nvPr>
             <p:ph idx="1" type="body"/>
@@ -2368,7 +2368,7 @@
       </p:sp>
       <p:sp>
         <p:nvSpPr>
-          <p:cNvPr id="577" name="Shape 577"/>
+          <p:cNvPr id="579" name="Shape 579"/>
           <p:cNvSpPr/>
           <p:nvPr>
             <p:ph idx="2" type="sldImg"/>
@@ -2413,7 +2413,7 @@
   <p:cSld>
     <p:spTree>
       <p:nvGrpSpPr>
-        <p:cNvPr id="592" name="Shape 592"/>
+        <p:cNvPr id="594" name="Shape 594"/>
         <p:cNvGrpSpPr/>
         <p:nvPr/>
       </p:nvGrpSpPr>
@@ -2427,7 +2427,7 @@
       </p:grpSpPr>
       <p:sp>
         <p:nvSpPr>
-          <p:cNvPr id="593" name="Shape 593"/>
+          <p:cNvPr id="595" name="Shape 595"/>
           <p:cNvSpPr txBox="1"/>
           <p:nvPr>
             <p:ph idx="1" type="body"/>
@@ -2467,7 +2467,7 @@
       </p:sp>
       <p:sp>
         <p:nvSpPr>
-          <p:cNvPr id="594" name="Shape 594"/>
+          <p:cNvPr id="596" name="Shape 596"/>
           <p:cNvSpPr/>
           <p:nvPr>
             <p:ph idx="2" type="sldImg"/>
@@ -28882,6 +28882,34 @@
           </a:ln>
         </p:spPr>
       </p:pic>
+      <p:pic>
+        <p:nvPicPr>
+          <p:cNvPr descr="Screen Shot 2017-10-28 at 2.40.04 PM.png" id="524" name="Shape 524"/>
+          <p:cNvPicPr preferRelativeResize="0"/>
+          <p:nvPr/>
+        </p:nvPicPr>
+        <p:blipFill>
+          <a:blip r:embed="rId6">
+            <a:alphaModFix/>
+          </a:blip>
+          <a:stretch>
+            <a:fillRect/>
+          </a:stretch>
+        </p:blipFill>
+        <p:spPr>
+          <a:xfrm>
+            <a:off x="31950" y="2099450"/>
+            <a:ext cx="5628901" cy="2974800"/>
+          </a:xfrm>
+          <a:prstGeom prst="rect">
+            <a:avLst/>
+          </a:prstGeom>
+          <a:noFill/>
+          <a:ln>
+            <a:noFill/>
+          </a:ln>
+        </p:spPr>
+      </p:pic>
     </p:spTree>
   </p:cSld>
   <p:clrMapOvr>
@@ -28905,7 +28933,7 @@
     </p:bg>
     <p:spTree>
       <p:nvGrpSpPr>
-        <p:cNvPr id="527" name="Shape 527"/>
+        <p:cNvPr id="528" name="Shape 528"/>
         <p:cNvGrpSpPr/>
         <p:nvPr/>
       </p:nvGrpSpPr>
@@ -28919,7 +28947,7 @@
       </p:grpSpPr>
       <p:sp>
         <p:nvSpPr>
-          <p:cNvPr id="528" name="Shape 528"/>
+          <p:cNvPr id="529" name="Shape 529"/>
           <p:cNvSpPr/>
           <p:nvPr/>
         </p:nvSpPr>
@@ -28977,7 +29005,7 @@
       </p:sp>
       <p:sp>
         <p:nvSpPr>
-          <p:cNvPr id="529" name="Shape 529"/>
+          <p:cNvPr id="530" name="Shape 530"/>
           <p:cNvSpPr/>
           <p:nvPr/>
         </p:nvSpPr>
@@ -29035,7 +29063,7 @@
       </p:sp>
       <p:sp>
         <p:nvSpPr>
-          <p:cNvPr id="530" name="Shape 530"/>
+          <p:cNvPr id="531" name="Shape 531"/>
           <p:cNvSpPr/>
           <p:nvPr/>
         </p:nvSpPr>
@@ -29093,7 +29121,7 @@
       </p:sp>
       <p:sp>
         <p:nvSpPr>
-          <p:cNvPr id="531" name="Shape 531"/>
+          <p:cNvPr id="532" name="Shape 532"/>
           <p:cNvSpPr/>
           <p:nvPr/>
         </p:nvSpPr>
@@ -29151,7 +29179,7 @@
       </p:sp>
       <p:sp>
         <p:nvSpPr>
-          <p:cNvPr id="532" name="Shape 532"/>
+          <p:cNvPr id="533" name="Shape 533"/>
           <p:cNvSpPr/>
           <p:nvPr/>
         </p:nvSpPr>
@@ -29209,7 +29237,7 @@
       </p:sp>
       <p:sp>
         <p:nvSpPr>
-          <p:cNvPr id="533" name="Shape 533"/>
+          <p:cNvPr id="534" name="Shape 534"/>
           <p:cNvSpPr txBox="1"/>
           <p:nvPr/>
         </p:nvSpPr>
@@ -29266,7 +29294,7 @@
       </p:sp>
       <p:sp>
         <p:nvSpPr>
-          <p:cNvPr id="534" name="Shape 534"/>
+          <p:cNvPr id="535" name="Shape 535"/>
           <p:cNvSpPr/>
           <p:nvPr/>
         </p:nvSpPr>
@@ -29324,7 +29352,7 @@
       </p:sp>
       <p:sp>
         <p:nvSpPr>
-          <p:cNvPr id="535" name="Shape 535"/>
+          <p:cNvPr id="536" name="Shape 536"/>
           <p:cNvSpPr/>
           <p:nvPr/>
         </p:nvSpPr>
@@ -29382,7 +29410,7 @@
       </p:sp>
       <p:pic>
         <p:nvPicPr>
-          <p:cNvPr descr="2eastmainbfr.jpg" id="536" name="Shape 536"/>
+          <p:cNvPr descr="2eastmainbfr.jpg" id="537" name="Shape 537"/>
           <p:cNvPicPr preferRelativeResize="0"/>
           <p:nvPr/>
         </p:nvPicPr>
@@ -29409,7 +29437,7 @@
       </p:pic>
       <p:pic>
         <p:nvPicPr>
-          <p:cNvPr descr="natural-wetland-2.jpg" id="537" name="Shape 537"/>
+          <p:cNvPr descr="natural-wetland-2.jpg" id="538" name="Shape 538"/>
           <p:cNvPicPr preferRelativeResize="0"/>
           <p:nvPr/>
         </p:nvPicPr>
@@ -29436,7 +29464,7 @@
       </p:pic>
       <p:sp>
         <p:nvSpPr>
-          <p:cNvPr id="538" name="Shape 538"/>
+          <p:cNvPr id="539" name="Shape 539"/>
           <p:cNvSpPr/>
           <p:nvPr/>
         </p:nvSpPr>
@@ -29494,7 +29522,7 @@
       </p:sp>
       <p:pic>
         <p:nvPicPr>
-          <p:cNvPr descr="trimockup.jpg" id="539" name="Shape 539"/>
+          <p:cNvPr descr="trimockup.jpg" id="540" name="Shape 540"/>
           <p:cNvPicPr preferRelativeResize="0"/>
           <p:nvPr/>
         </p:nvPicPr>
@@ -29509,6 +29537,34 @@
           <a:xfrm>
             <a:off x="23725" y="16750"/>
             <a:ext cx="4286250" cy="2066100"/>
+          </a:xfrm>
+          <a:prstGeom prst="rect">
+            <a:avLst/>
+          </a:prstGeom>
+          <a:noFill/>
+          <a:ln>
+            <a:noFill/>
+          </a:ln>
+        </p:spPr>
+      </p:pic>
+      <p:pic>
+        <p:nvPicPr>
+          <p:cNvPr descr="Screen Shot 2017-10-28 at 2.48.59 PM.png" id="541" name="Shape 541"/>
+          <p:cNvPicPr preferRelativeResize="0"/>
+          <p:nvPr/>
+        </p:nvPicPr>
+        <p:blipFill>
+          <a:blip r:embed="rId6">
+            <a:alphaModFix/>
+          </a:blip>
+          <a:stretch>
+            <a:fillRect/>
+          </a:stretch>
+        </p:blipFill>
+        <p:spPr>
+          <a:xfrm>
+            <a:off x="31950" y="2099450"/>
+            <a:ext cx="5628899" cy="2974801"/>
           </a:xfrm>
           <a:prstGeom prst="rect">
             <a:avLst/>
@@ -29542,7 +29598,7 @@
     </p:bg>
     <p:spTree>
       <p:nvGrpSpPr>
-        <p:cNvPr id="543" name="Shape 543"/>
+        <p:cNvPr id="545" name="Shape 545"/>
         <p:cNvGrpSpPr/>
         <p:nvPr/>
       </p:nvGrpSpPr>
@@ -29556,7 +29612,7 @@
       </p:grpSpPr>
       <p:sp>
         <p:nvSpPr>
-          <p:cNvPr id="544" name="Shape 544"/>
+          <p:cNvPr id="546" name="Shape 546"/>
           <p:cNvSpPr/>
           <p:nvPr/>
         </p:nvSpPr>
@@ -29614,7 +29670,7 @@
       </p:sp>
       <p:sp>
         <p:nvSpPr>
-          <p:cNvPr id="545" name="Shape 545"/>
+          <p:cNvPr id="547" name="Shape 547"/>
           <p:cNvSpPr/>
           <p:nvPr/>
         </p:nvSpPr>
@@ -29672,7 +29728,7 @@
       </p:sp>
       <p:sp>
         <p:nvSpPr>
-          <p:cNvPr id="546" name="Shape 546"/>
+          <p:cNvPr id="548" name="Shape 548"/>
           <p:cNvSpPr/>
           <p:nvPr/>
         </p:nvSpPr>
@@ -29853,7 +29909,7 @@
       </p:sp>
       <p:sp>
         <p:nvSpPr>
-          <p:cNvPr id="547" name="Shape 547"/>
+          <p:cNvPr id="549" name="Shape 549"/>
           <p:cNvSpPr/>
           <p:nvPr/>
         </p:nvSpPr>
@@ -29911,7 +29967,7 @@
       </p:sp>
       <p:sp>
         <p:nvSpPr>
-          <p:cNvPr id="548" name="Shape 548"/>
+          <p:cNvPr id="550" name="Shape 550"/>
           <p:cNvSpPr/>
           <p:nvPr/>
         </p:nvSpPr>
@@ -29969,7 +30025,7 @@
       </p:sp>
       <p:sp>
         <p:nvSpPr>
-          <p:cNvPr id="549" name="Shape 549"/>
+          <p:cNvPr id="551" name="Shape 551"/>
           <p:cNvSpPr txBox="1"/>
           <p:nvPr/>
         </p:nvSpPr>
@@ -30026,7 +30082,7 @@
       </p:sp>
       <p:sp>
         <p:nvSpPr>
-          <p:cNvPr id="550" name="Shape 550"/>
+          <p:cNvPr id="552" name="Shape 552"/>
           <p:cNvSpPr/>
           <p:nvPr/>
         </p:nvSpPr>
@@ -30084,7 +30140,7 @@
       </p:sp>
       <p:sp>
         <p:nvSpPr>
-          <p:cNvPr id="551" name="Shape 551"/>
+          <p:cNvPr id="553" name="Shape 553"/>
           <p:cNvSpPr/>
           <p:nvPr/>
         </p:nvSpPr>
@@ -30142,7 +30198,7 @@
       </p:sp>
       <p:pic>
         <p:nvPicPr>
-          <p:cNvPr descr="2eastmainbfr.jpg" id="552" name="Shape 552"/>
+          <p:cNvPr descr="2eastmainbfr.jpg" id="554" name="Shape 554"/>
           <p:cNvPicPr preferRelativeResize="0"/>
           <p:nvPr/>
         </p:nvPicPr>
@@ -30169,7 +30225,7 @@
       </p:pic>
       <p:pic>
         <p:nvPicPr>
-          <p:cNvPr descr="natural-wetland-2.jpg" id="553" name="Shape 553"/>
+          <p:cNvPr descr="natural-wetland-2.jpg" id="555" name="Shape 555"/>
           <p:cNvPicPr preferRelativeResize="0"/>
           <p:nvPr/>
         </p:nvPicPr>
@@ -30196,7 +30252,7 @@
       </p:pic>
       <p:sp>
         <p:nvSpPr>
-          <p:cNvPr id="554" name="Shape 554"/>
+          <p:cNvPr id="556" name="Shape 556"/>
           <p:cNvSpPr/>
           <p:nvPr/>
         </p:nvSpPr>
@@ -30254,7 +30310,7 @@
       </p:sp>
       <p:pic>
         <p:nvPicPr>
-          <p:cNvPr descr="philly.jpg" id="555" name="Shape 555"/>
+          <p:cNvPr descr="philly.jpg" id="557" name="Shape 557"/>
           <p:cNvPicPr preferRelativeResize="0"/>
           <p:nvPr/>
         </p:nvPicPr>
@@ -30281,7 +30337,7 @@
       </p:pic>
       <p:sp>
         <p:nvSpPr>
-          <p:cNvPr id="556" name="Shape 556"/>
+          <p:cNvPr id="558" name="Shape 558"/>
           <p:cNvSpPr txBox="1"/>
           <p:nvPr/>
         </p:nvSpPr>
@@ -30610,7 +30666,7 @@
       </p:sp>
       <p:sp>
         <p:nvSpPr>
-          <p:cNvPr id="557" name="Shape 557"/>
+          <p:cNvPr id="559" name="Shape 559"/>
           <p:cNvSpPr txBox="1"/>
           <p:nvPr/>
         </p:nvSpPr>
@@ -30909,7 +30965,7 @@
     </p:bg>
     <p:spTree>
       <p:nvGrpSpPr>
-        <p:cNvPr id="561" name="Shape 561"/>
+        <p:cNvPr id="563" name="Shape 563"/>
         <p:cNvGrpSpPr/>
         <p:nvPr/>
       </p:nvGrpSpPr>
@@ -30923,7 +30979,7 @@
       </p:grpSpPr>
       <p:sp>
         <p:nvSpPr>
-          <p:cNvPr id="562" name="Shape 562"/>
+          <p:cNvPr id="564" name="Shape 564"/>
           <p:cNvSpPr/>
           <p:nvPr/>
         </p:nvSpPr>
@@ -30981,7 +31037,7 @@
       </p:sp>
       <p:sp>
         <p:nvSpPr>
-          <p:cNvPr id="563" name="Shape 563"/>
+          <p:cNvPr id="565" name="Shape 565"/>
           <p:cNvSpPr/>
           <p:nvPr/>
         </p:nvSpPr>
@@ -31039,7 +31095,7 @@
       </p:sp>
       <p:sp>
         <p:nvSpPr>
-          <p:cNvPr id="564" name="Shape 564"/>
+          <p:cNvPr id="566" name="Shape 566"/>
           <p:cNvSpPr/>
           <p:nvPr/>
         </p:nvSpPr>
@@ -31256,7 +31312,7 @@
       </p:sp>
       <p:sp>
         <p:nvSpPr>
-          <p:cNvPr id="565" name="Shape 565"/>
+          <p:cNvPr id="567" name="Shape 567"/>
           <p:cNvSpPr/>
           <p:nvPr/>
         </p:nvSpPr>
@@ -31314,7 +31370,7 @@
       </p:sp>
       <p:sp>
         <p:nvSpPr>
-          <p:cNvPr id="566" name="Shape 566"/>
+          <p:cNvPr id="568" name="Shape 568"/>
           <p:cNvSpPr/>
           <p:nvPr/>
         </p:nvSpPr>
@@ -31372,7 +31428,7 @@
       </p:sp>
       <p:sp>
         <p:nvSpPr>
-          <p:cNvPr id="567" name="Shape 567"/>
+          <p:cNvPr id="569" name="Shape 569"/>
           <p:cNvSpPr txBox="1"/>
           <p:nvPr/>
         </p:nvSpPr>
@@ -31429,7 +31485,7 @@
       </p:sp>
       <p:sp>
         <p:nvSpPr>
-          <p:cNvPr id="568" name="Shape 568"/>
+          <p:cNvPr id="570" name="Shape 570"/>
           <p:cNvSpPr/>
           <p:nvPr/>
         </p:nvSpPr>
@@ -31487,7 +31543,7 @@
       </p:sp>
       <p:sp>
         <p:nvSpPr>
-          <p:cNvPr id="569" name="Shape 569"/>
+          <p:cNvPr id="571" name="Shape 571"/>
           <p:cNvSpPr/>
           <p:nvPr/>
         </p:nvSpPr>
@@ -31545,7 +31601,7 @@
       </p:sp>
       <p:pic>
         <p:nvPicPr>
-          <p:cNvPr descr="2eastmainbfr.jpg" id="570" name="Shape 570"/>
+          <p:cNvPr descr="2eastmainbfr.jpg" id="572" name="Shape 572"/>
           <p:cNvPicPr preferRelativeResize="0"/>
           <p:nvPr/>
         </p:nvPicPr>
@@ -31572,7 +31628,7 @@
       </p:pic>
       <p:pic>
         <p:nvPicPr>
-          <p:cNvPr descr="natural-wetland-2.jpg" id="571" name="Shape 571"/>
+          <p:cNvPr descr="natural-wetland-2.jpg" id="573" name="Shape 573"/>
           <p:cNvPicPr preferRelativeResize="0"/>
           <p:nvPr/>
         </p:nvPicPr>
@@ -31599,7 +31655,7 @@
       </p:pic>
       <p:sp>
         <p:nvSpPr>
-          <p:cNvPr id="572" name="Shape 572"/>
+          <p:cNvPr id="574" name="Shape 574"/>
           <p:cNvSpPr/>
           <p:nvPr/>
         </p:nvSpPr>
@@ -31657,7 +31713,7 @@
       </p:sp>
       <p:pic>
         <p:nvPicPr>
-          <p:cNvPr descr="Screen Shot 2017-10-28 at 3.13.37 PM.png" id="573" name="Shape 573"/>
+          <p:cNvPr descr="Screen Shot 2017-10-28 at 3.13.37 PM.png" id="575" name="Shape 575"/>
           <p:cNvPicPr preferRelativeResize="0"/>
           <p:nvPr/>
         </p:nvPicPr>
@@ -31685,7 +31741,7 @@
       </p:pic>
       <p:pic>
         <p:nvPicPr>
-          <p:cNvPr descr="philly.jpg" id="574" name="Shape 574"/>
+          <p:cNvPr descr="philly.jpg" id="576" name="Shape 576"/>
           <p:cNvPicPr preferRelativeResize="0"/>
           <p:nvPr/>
         </p:nvPicPr>
@@ -31733,7 +31789,7 @@
     </p:bg>
     <p:spTree>
       <p:nvGrpSpPr>
-        <p:cNvPr id="578" name="Shape 578"/>
+        <p:cNvPr id="580" name="Shape 580"/>
         <p:cNvGrpSpPr/>
         <p:nvPr/>
       </p:nvGrpSpPr>
@@ -31747,7 +31803,7 @@
       </p:grpSpPr>
       <p:sp>
         <p:nvSpPr>
-          <p:cNvPr id="579" name="Shape 579"/>
+          <p:cNvPr id="581" name="Shape 581"/>
           <p:cNvSpPr/>
           <p:nvPr/>
         </p:nvSpPr>
@@ -31805,7 +31861,7 @@
       </p:sp>
       <p:sp>
         <p:nvSpPr>
-          <p:cNvPr id="580" name="Shape 580"/>
+          <p:cNvPr id="582" name="Shape 582"/>
           <p:cNvSpPr/>
           <p:nvPr/>
         </p:nvSpPr>
@@ -31863,7 +31919,7 @@
       </p:sp>
       <p:sp>
         <p:nvSpPr>
-          <p:cNvPr id="581" name="Shape 581"/>
+          <p:cNvPr id="583" name="Shape 583"/>
           <p:cNvSpPr/>
           <p:nvPr/>
         </p:nvSpPr>
@@ -32012,7 +32068,7 @@
       </p:sp>
       <p:sp>
         <p:nvSpPr>
-          <p:cNvPr id="582" name="Shape 582"/>
+          <p:cNvPr id="584" name="Shape 584"/>
           <p:cNvSpPr/>
           <p:nvPr/>
         </p:nvSpPr>
@@ -32070,7 +32126,7 @@
       </p:sp>
       <p:sp>
         <p:nvSpPr>
-          <p:cNvPr id="583" name="Shape 583"/>
+          <p:cNvPr id="585" name="Shape 585"/>
           <p:cNvSpPr/>
           <p:nvPr/>
         </p:nvSpPr>
@@ -32128,7 +32184,7 @@
       </p:sp>
       <p:sp>
         <p:nvSpPr>
-          <p:cNvPr id="584" name="Shape 584"/>
+          <p:cNvPr id="586" name="Shape 586"/>
           <p:cNvSpPr txBox="1"/>
           <p:nvPr/>
         </p:nvSpPr>
@@ -32185,7 +32241,7 @@
       </p:sp>
       <p:sp>
         <p:nvSpPr>
-          <p:cNvPr id="585" name="Shape 585"/>
+          <p:cNvPr id="587" name="Shape 587"/>
           <p:cNvSpPr/>
           <p:nvPr/>
         </p:nvSpPr>
@@ -32243,7 +32299,7 @@
       </p:sp>
       <p:sp>
         <p:nvSpPr>
-          <p:cNvPr id="586" name="Shape 586"/>
+          <p:cNvPr id="588" name="Shape 588"/>
           <p:cNvSpPr/>
           <p:nvPr/>
         </p:nvSpPr>
@@ -32301,7 +32357,7 @@
       </p:sp>
       <p:pic>
         <p:nvPicPr>
-          <p:cNvPr descr="2eastmainbfr.jpg" id="587" name="Shape 587"/>
+          <p:cNvPr descr="2eastmainbfr.jpg" id="589" name="Shape 589"/>
           <p:cNvPicPr preferRelativeResize="0"/>
           <p:nvPr/>
         </p:nvPicPr>
@@ -32328,7 +32384,7 @@
       </p:pic>
       <p:pic>
         <p:nvPicPr>
-          <p:cNvPr descr="natural-wetland-2.jpg" id="588" name="Shape 588"/>
+          <p:cNvPr descr="natural-wetland-2.jpg" id="590" name="Shape 590"/>
           <p:cNvPicPr preferRelativeResize="0"/>
           <p:nvPr/>
         </p:nvPicPr>
@@ -32355,7 +32411,7 @@
       </p:pic>
       <p:sp>
         <p:nvSpPr>
-          <p:cNvPr id="589" name="Shape 589"/>
+          <p:cNvPr id="591" name="Shape 591"/>
           <p:cNvSpPr/>
           <p:nvPr/>
         </p:nvSpPr>
@@ -32413,7 +32469,7 @@
       </p:sp>
       <p:pic>
         <p:nvPicPr>
-          <p:cNvPr descr="Toxic-Waste.jpg" id="590" name="Shape 590"/>
+          <p:cNvPr descr="Toxic-Waste.jpg" id="592" name="Shape 592"/>
           <p:cNvPicPr preferRelativeResize="0"/>
           <p:nvPr/>
         </p:nvPicPr>
@@ -32440,7 +32496,7 @@
       </p:pic>
       <p:pic>
         <p:nvPicPr>
-          <p:cNvPr descr="composite_data.gif" id="591" name="Shape 591"/>
+          <p:cNvPr descr="composite_data.gif" id="593" name="Shape 593"/>
           <p:cNvPicPr preferRelativeResize="0"/>
           <p:nvPr/>
         </p:nvPicPr>
@@ -32488,7 +32544,7 @@
     </p:bg>
     <p:spTree>
       <p:nvGrpSpPr>
-        <p:cNvPr id="595" name="Shape 595"/>
+        <p:cNvPr id="597" name="Shape 597"/>
         <p:cNvGrpSpPr/>
         <p:nvPr/>
       </p:nvGrpSpPr>
@@ -32502,7 +32558,7 @@
       </p:grpSpPr>
       <p:pic>
         <p:nvPicPr>
-          <p:cNvPr descr="natural-wetland-2.jpg" id="596" name="Shape 596"/>
+          <p:cNvPr descr="natural-wetland-2.jpg" id="598" name="Shape 598"/>
           <p:cNvPicPr preferRelativeResize="0"/>
           <p:nvPr/>
         </p:nvPicPr>
@@ -32529,7 +32585,7 @@
       </p:pic>
       <p:sp>
         <p:nvSpPr>
-          <p:cNvPr id="597" name="Shape 597"/>
+          <p:cNvPr id="599" name="Shape 599"/>
           <p:cNvSpPr/>
           <p:nvPr/>
         </p:nvSpPr>
@@ -32587,7 +32643,7 @@
       </p:sp>
       <p:sp>
         <p:nvSpPr>
-          <p:cNvPr id="598" name="Shape 598"/>
+          <p:cNvPr id="600" name="Shape 600"/>
           <p:cNvSpPr/>
           <p:nvPr/>
         </p:nvSpPr>
@@ -32645,7 +32701,7 @@
       </p:sp>
       <p:pic>
         <p:nvPicPr>
-          <p:cNvPr descr="chemicalplant.jpg" id="599" name="Shape 599"/>
+          <p:cNvPr descr="chemicalplant.jpg" id="601" name="Shape 601"/>
           <p:cNvPicPr preferRelativeResize="0"/>
           <p:nvPr/>
         </p:nvPicPr>
@@ -32672,7 +32728,7 @@
       </p:pic>
       <p:sp>
         <p:nvSpPr>
-          <p:cNvPr id="600" name="Shape 600"/>
+          <p:cNvPr id="602" name="Shape 602"/>
           <p:cNvSpPr/>
           <p:nvPr/>
         </p:nvSpPr>
@@ -32730,7 +32786,7 @@
       </p:sp>
       <p:sp>
         <p:nvSpPr>
-          <p:cNvPr id="601" name="Shape 601"/>
+          <p:cNvPr id="603" name="Shape 603"/>
           <p:cNvSpPr/>
           <p:nvPr/>
         </p:nvSpPr>
@@ -32788,7 +32844,7 @@
       </p:sp>
       <p:sp>
         <p:nvSpPr>
-          <p:cNvPr id="602" name="Shape 602"/>
+          <p:cNvPr id="604" name="Shape 604"/>
           <p:cNvSpPr/>
           <p:nvPr/>
         </p:nvSpPr>
@@ -32846,7 +32902,7 @@
       </p:sp>
       <p:sp>
         <p:nvSpPr>
-          <p:cNvPr id="603" name="Shape 603"/>
+          <p:cNvPr id="605" name="Shape 605"/>
           <p:cNvSpPr/>
           <p:nvPr/>
         </p:nvSpPr>
@@ -32904,7 +32960,7 @@
       </p:sp>
       <p:sp>
         <p:nvSpPr>
-          <p:cNvPr id="604" name="Shape 604"/>
+          <p:cNvPr id="606" name="Shape 606"/>
           <p:cNvSpPr/>
           <p:nvPr/>
         </p:nvSpPr>
@@ -32962,7 +33018,7 @@
       </p:sp>
       <p:sp>
         <p:nvSpPr>
-          <p:cNvPr id="605" name="Shape 605"/>
+          <p:cNvPr id="607" name="Shape 607"/>
           <p:cNvSpPr/>
           <p:nvPr/>
         </p:nvSpPr>
@@ -33020,7 +33076,7 @@
       </p:sp>
       <p:sp>
         <p:nvSpPr>
-          <p:cNvPr id="606" name="Shape 606"/>
+          <p:cNvPr id="608" name="Shape 608"/>
           <p:cNvSpPr/>
           <p:nvPr/>
         </p:nvSpPr>
@@ -33078,7 +33134,7 @@
       </p:sp>
       <p:sp>
         <p:nvSpPr>
-          <p:cNvPr id="607" name="Shape 607"/>
+          <p:cNvPr id="609" name="Shape 609"/>
           <p:cNvSpPr/>
           <p:nvPr/>
         </p:nvSpPr>
@@ -33136,7 +33192,7 @@
       </p:sp>
       <p:pic>
         <p:nvPicPr>
-          <p:cNvPr descr="taipei.png" id="608" name="Shape 608"/>
+          <p:cNvPr descr="taipei.png" id="610" name="Shape 610"/>
           <p:cNvPicPr preferRelativeResize="0"/>
           <p:nvPr/>
         </p:nvPicPr>
@@ -33163,7 +33219,7 @@
       </p:pic>
       <p:sp>
         <p:nvSpPr>
-          <p:cNvPr id="609" name="Shape 609"/>
+          <p:cNvPr id="611" name="Shape 611"/>
           <p:cNvSpPr txBox="1"/>
           <p:nvPr/>
         </p:nvSpPr>
@@ -33220,7 +33276,7 @@
       </p:sp>
       <p:sp>
         <p:nvSpPr>
-          <p:cNvPr id="610" name="Shape 610"/>
+          <p:cNvPr id="612" name="Shape 612"/>
           <p:cNvSpPr txBox="1"/>
           <p:nvPr/>
         </p:nvSpPr>
@@ -33277,7 +33333,7 @@
       </p:sp>
       <p:sp>
         <p:nvSpPr>
-          <p:cNvPr id="611" name="Shape 611"/>
+          <p:cNvPr id="613" name="Shape 613"/>
           <p:cNvSpPr txBox="1"/>
           <p:nvPr/>
         </p:nvSpPr>
@@ -33403,7 +33459,7 @@
       </p:sp>
       <p:sp>
         <p:nvSpPr>
-          <p:cNvPr id="612" name="Shape 612"/>
+          <p:cNvPr id="614" name="Shape 614"/>
           <p:cNvSpPr txBox="1"/>
           <p:nvPr/>
         </p:nvSpPr>
@@ -33460,7 +33516,7 @@
       </p:sp>
       <p:sp>
         <p:nvSpPr>
-          <p:cNvPr id="613" name="Shape 613"/>
+          <p:cNvPr id="615" name="Shape 615"/>
           <p:cNvSpPr/>
           <p:nvPr/>
         </p:nvSpPr>
@@ -33518,7 +33574,7 @@
       </p:sp>
       <p:pic>
         <p:nvPicPr>
-          <p:cNvPr descr="2eastmainbfr.jpg" id="614" name="Shape 614"/>
+          <p:cNvPr descr="2eastmainbfr.jpg" id="616" name="Shape 616"/>
           <p:cNvPicPr preferRelativeResize="0"/>
           <p:nvPr/>
         </p:nvPicPr>
@@ -33585,7 +33641,7 @@
                                           </p:stCondLst>
                                         </p:cTn>
                                         <p:tgtEl>
-                                          <p:spTgt spid="609"/>
+                                          <p:spTgt spid="611"/>
                                         </p:tgtEl>
                                         <p:attrNameLst>
                                           <p:attrName>style.visibility</p:attrName>
@@ -33599,7 +33655,7 @@
                                       <p:cBhvr>
                                         <p:cTn dur="1500"/>
                                         <p:tgtEl>
-                                          <p:spTgt spid="609"/>
+                                          <p:spTgt spid="611"/>
                                         </p:tgtEl>
                                       </p:cBhvr>
                                     </p:animEffect>
@@ -33629,7 +33685,7 @@
                                           </p:stCondLst>
                                         </p:cTn>
                                         <p:tgtEl>
-                                          <p:spTgt spid="612"/>
+                                          <p:spTgt spid="614"/>
                                         </p:tgtEl>
                                         <p:attrNameLst>
                                           <p:attrName>style.visibility</p:attrName>
@@ -33643,7 +33699,7 @@
                                       <p:cBhvr>
                                         <p:cTn dur="1500"/>
                                         <p:tgtEl>
-                                          <p:spTgt spid="612"/>
+                                          <p:spTgt spid="614"/>
                                         </p:tgtEl>
                                       </p:cBhvr>
                                     </p:animEffect>
@@ -40237,6 +40293,285 @@
 </file>
 
 <file path=ppt/theme/theme2.xml><?xml version="1.0" encoding="utf-8"?>
+<a:theme xmlns:a="http://schemas.openxmlformats.org/drawingml/2006/main" xmlns:r="http://schemas.openxmlformats.org/officeDocument/2006/relationships" name="Simple Light">
+  <a:themeElements>
+    <a:clrScheme name="Simple Light">
+      <a:dk1>
+        <a:srgbClr val="000000"/>
+      </a:dk1>
+      <a:lt1>
+        <a:srgbClr val="FFFFFF"/>
+      </a:lt1>
+      <a:dk2>
+        <a:srgbClr val="595959"/>
+      </a:dk2>
+      <a:lt2>
+        <a:srgbClr val="EEEEEE"/>
+      </a:lt2>
+      <a:accent1>
+        <a:srgbClr val="FFAB40"/>
+      </a:accent1>
+      <a:accent2>
+        <a:srgbClr val="212121"/>
+      </a:accent2>
+      <a:accent3>
+        <a:srgbClr val="78909C"/>
+      </a:accent3>
+      <a:accent4>
+        <a:srgbClr val="FFAB40"/>
+      </a:accent4>
+      <a:accent5>
+        <a:srgbClr val="0097A7"/>
+      </a:accent5>
+      <a:accent6>
+        <a:srgbClr val="EEFF41"/>
+      </a:accent6>
+      <a:hlink>
+        <a:srgbClr val="0097A7"/>
+      </a:hlink>
+      <a:folHlink>
+        <a:srgbClr val="0097A7"/>
+      </a:folHlink>
+    </a:clrScheme>
+    <a:fontScheme name="Office">
+      <a:majorFont>
+        <a:latin typeface="Arial"/>
+        <a:ea typeface=""/>
+        <a:cs typeface=""/>
+        <a:font script="Jpan" typeface="ＭＳ Ｐゴシック"/>
+        <a:font script="Hang" typeface="맑은 고딕"/>
+        <a:font script="Hans" typeface="宋体"/>
+        <a:font script="Hant" typeface="新細明體"/>
+        <a:font script="Arab" typeface="Times New Roman"/>
+        <a:font script="Hebr" typeface="Times New Roman"/>
+        <a:font script="Thai" typeface="Angsana New"/>
+        <a:font script="Ethi" typeface="Nyala"/>
+        <a:font script="Beng" typeface="Vrinda"/>
+        <a:font script="Gujr" typeface="Shruti"/>
+        <a:font script="Khmr" typeface="MoolBoran"/>
+        <a:font script="Knda" typeface="Tunga"/>
+        <a:font script="Guru" typeface="Raavi"/>
+        <a:font script="Cans" typeface="Euphemia"/>
+        <a:font script="Cher" typeface="Plantagenet Cherokee"/>
+        <a:font script="Yiii" typeface="Microsoft Yi Baiti"/>
+        <a:font script="Tibt" typeface="Microsoft Himalaya"/>
+        <a:font script="Thaa" typeface="MV Boli"/>
+        <a:font script="Deva" typeface="Mangal"/>
+        <a:font script="Telu" typeface="Gautami"/>
+        <a:font script="Taml" typeface="Latha"/>
+        <a:font script="Syrc" typeface="Estrangelo Edessa"/>
+        <a:font script="Orya" typeface="Kalinga"/>
+        <a:font script="Mlym" typeface="Kartika"/>
+        <a:font script="Laoo" typeface="DokChampa"/>
+        <a:font script="Sinh" typeface="Iskoola Pota"/>
+        <a:font script="Mong" typeface="Mongolian Baiti"/>
+        <a:font script="Viet" typeface="Times New Roman"/>
+        <a:font script="Uigh" typeface="Microsoft Uighur"/>
+        <a:font script="Geor" typeface="Sylfaen"/>
+      </a:majorFont>
+      <a:minorFont>
+        <a:latin typeface="Arial"/>
+        <a:ea typeface=""/>
+        <a:cs typeface=""/>
+        <a:font script="Jpan" typeface="ＭＳ Ｐゴシック"/>
+        <a:font script="Hang" typeface="맑은 고딕"/>
+        <a:font script="Hans" typeface="宋体"/>
+        <a:font script="Hant" typeface="新細明體"/>
+        <a:font script="Arab" typeface="Arial"/>
+        <a:font script="Hebr" typeface="Arial"/>
+        <a:font script="Thai" typeface="Cordia New"/>
+        <a:font script="Ethi" typeface="Nyala"/>
+        <a:font script="Beng" typeface="Vrinda"/>
+        <a:font script="Gujr" typeface="Shruti"/>
+        <a:font script="Khmr" typeface="DaunPenh"/>
+        <a:font script="Knda" typeface="Tunga"/>
+        <a:font script="Guru" typeface="Raavi"/>
+        <a:font script="Cans" typeface="Euphemia"/>
+        <a:font script="Cher" typeface="Plantagenet Cherokee"/>
+        <a:font script="Yiii" typeface="Microsoft Yi Baiti"/>
+        <a:font script="Tibt" typeface="Microsoft Himalaya"/>
+        <a:font script="Thaa" typeface="MV Boli"/>
+        <a:font script="Deva" typeface="Mangal"/>
+        <a:font script="Telu" typeface="Gautami"/>
+        <a:font script="Taml" typeface="Latha"/>
+        <a:font script="Syrc" typeface="Estrangelo Edessa"/>
+        <a:font script="Orya" typeface="Kalinga"/>
+        <a:font script="Mlym" typeface="Kartika"/>
+        <a:font script="Laoo" typeface="DokChampa"/>
+        <a:font script="Sinh" typeface="Iskoola Pota"/>
+        <a:font script="Mong" typeface="Mongolian Baiti"/>
+        <a:font script="Viet" typeface="Arial"/>
+        <a:font script="Uigh" typeface="Microsoft Uighur"/>
+        <a:font script="Geor" typeface="Sylfaen"/>
+      </a:minorFont>
+    </a:fontScheme>
+    <a:fmtScheme name="Office">
+      <a:fillStyleLst>
+        <a:solidFill>
+          <a:schemeClr val="phClr"/>
+        </a:solidFill>
+        <a:gradFill rotWithShape="1">
+          <a:gsLst>
+            <a:gs pos="0">
+              <a:schemeClr val="phClr">
+                <a:tint val="50000"/>
+                <a:satMod val="300000"/>
+              </a:schemeClr>
+            </a:gs>
+            <a:gs pos="35000">
+              <a:schemeClr val="phClr">
+                <a:tint val="37000"/>
+                <a:satMod val="300000"/>
+              </a:schemeClr>
+            </a:gs>
+            <a:gs pos="100000">
+              <a:schemeClr val="phClr">
+                <a:tint val="15000"/>
+                <a:satMod val="350000"/>
+              </a:schemeClr>
+            </a:gs>
+          </a:gsLst>
+          <a:lin ang="16200000" scaled="1"/>
+        </a:gradFill>
+        <a:gradFill rotWithShape="1">
+          <a:gsLst>
+            <a:gs pos="0">
+              <a:schemeClr val="phClr">
+                <a:tint val="100000"/>
+                <a:shade val="100000"/>
+                <a:satMod val="130000"/>
+              </a:schemeClr>
+            </a:gs>
+            <a:gs pos="100000">
+              <a:schemeClr val="phClr">
+                <a:tint val="50000"/>
+                <a:shade val="100000"/>
+                <a:satMod val="350000"/>
+              </a:schemeClr>
+            </a:gs>
+          </a:gsLst>
+          <a:lin ang="16200000" scaled="0"/>
+        </a:gradFill>
+      </a:fillStyleLst>
+      <a:lnStyleLst>
+        <a:ln w="9525" cap="flat" cmpd="sng" algn="ctr">
+          <a:solidFill>
+            <a:schemeClr val="phClr">
+              <a:shade val="95000"/>
+              <a:satMod val="105000"/>
+            </a:schemeClr>
+          </a:solidFill>
+          <a:prstDash val="solid"/>
+        </a:ln>
+        <a:ln w="25400" cap="flat" cmpd="sng" algn="ctr">
+          <a:solidFill>
+            <a:schemeClr val="phClr"/>
+          </a:solidFill>
+          <a:prstDash val="solid"/>
+        </a:ln>
+        <a:ln w="38100" cap="flat" cmpd="sng" algn="ctr">
+          <a:solidFill>
+            <a:schemeClr val="phClr"/>
+          </a:solidFill>
+          <a:prstDash val="solid"/>
+        </a:ln>
+      </a:lnStyleLst>
+      <a:effectStyleLst>
+        <a:effectStyle>
+          <a:effectLst>
+            <a:outerShdw blurRad="40000" dist="20000" dir="5400000" rotWithShape="0">
+              <a:srgbClr val="000000">
+                <a:alpha val="38000"/>
+              </a:srgbClr>
+            </a:outerShdw>
+          </a:effectLst>
+        </a:effectStyle>
+        <a:effectStyle>
+          <a:effectLst>
+            <a:outerShdw blurRad="40000" dist="23000" dir="5400000" rotWithShape="0">
+              <a:srgbClr val="000000">
+                <a:alpha val="35000"/>
+              </a:srgbClr>
+            </a:outerShdw>
+          </a:effectLst>
+        </a:effectStyle>
+        <a:effectStyle>
+          <a:effectLst>
+            <a:outerShdw blurRad="40000" dist="23000" dir="5400000" rotWithShape="0">
+              <a:srgbClr val="000000">
+                <a:alpha val="35000"/>
+              </a:srgbClr>
+            </a:outerShdw>
+          </a:effectLst>
+          <a:scene3d>
+            <a:camera prst="orthographicFront">
+              <a:rot lat="0" lon="0" rev="0"/>
+            </a:camera>
+            <a:lightRig rig="threePt" dir="t">
+              <a:rot lat="0" lon="0" rev="1200000"/>
+            </a:lightRig>
+          </a:scene3d>
+          <a:sp3d>
+            <a:bevelT w="63500" h="25400"/>
+          </a:sp3d>
+        </a:effectStyle>
+      </a:effectStyleLst>
+      <a:bgFillStyleLst>
+        <a:solidFill>
+          <a:schemeClr val="phClr"/>
+        </a:solidFill>
+        <a:gradFill rotWithShape="1">
+          <a:gsLst>
+            <a:gs pos="0">
+              <a:schemeClr val="phClr">
+                <a:tint val="40000"/>
+                <a:satMod val="350000"/>
+              </a:schemeClr>
+            </a:gs>
+            <a:gs pos="40000">
+              <a:schemeClr val="phClr">
+                <a:tint val="45000"/>
+                <a:shade val="99000"/>
+                <a:satMod val="350000"/>
+              </a:schemeClr>
+            </a:gs>
+            <a:gs pos="100000">
+              <a:schemeClr val="phClr">
+                <a:shade val="20000"/>
+                <a:satMod val="255000"/>
+              </a:schemeClr>
+            </a:gs>
+          </a:gsLst>
+          <a:path path="circle">
+            <a:fillToRect l="50000" t="-80000" r="50000" b="180000"/>
+          </a:path>
+        </a:gradFill>
+        <a:gradFill rotWithShape="1">
+          <a:gsLst>
+            <a:gs pos="0">
+              <a:schemeClr val="phClr">
+                <a:tint val="80000"/>
+                <a:satMod val="300000"/>
+              </a:schemeClr>
+            </a:gs>
+            <a:gs pos="100000">
+              <a:schemeClr val="phClr">
+                <a:shade val="30000"/>
+                <a:satMod val="200000"/>
+              </a:schemeClr>
+            </a:gs>
+          </a:gsLst>
+          <a:path path="circle">
+            <a:fillToRect l="50000" t="50000" r="50000" b="50000"/>
+          </a:path>
+        </a:gradFill>
+      </a:bgFillStyleLst>
+    </a:fmtScheme>
+  </a:themeElements>
+</a:theme>
+</file>
+
+<file path=ppt/theme/theme3.xml><?xml version="1.0" encoding="utf-8"?>
 <a:theme xmlns:a="http://schemas.openxmlformats.org/drawingml/2006/main" xmlns:r="http://schemas.openxmlformats.org/officeDocument/2006/relationships" name="Custom Theme">
   <a:themeElements>
     <a:clrScheme name="Default">
@@ -40513,283 +40848,4 @@
     </a:fmtScheme>
   </a:themeElements>
 </a:theme>
-</file>
-
-<file path=ppt/theme/theme3.xml><?xml version="1.0" encoding="utf-8"?>
-<a:theme xmlns:a="http://schemas.openxmlformats.org/drawingml/2006/main" xmlns:r="http://schemas.openxmlformats.org/officeDocument/2006/relationships" name="Simple Light">
-  <a:themeElements>
-    <a:clrScheme name="Simple Light">
-      <a:dk1>
-        <a:srgbClr val="000000"/>
-      </a:dk1>
-      <a:lt1>
-        <a:srgbClr val="FFFFFF"/>
-      </a:lt1>
-      <a:dk2>
-        <a:srgbClr val="595959"/>
-      </a:dk2>
-      <a:lt2>
-        <a:srgbClr val="EEEEEE"/>
-      </a:lt2>
-      <a:accent1>
-        <a:srgbClr val="FFAB40"/>
-      </a:accent1>
-      <a:accent2>
-        <a:srgbClr val="212121"/>
-      </a:accent2>
-      <a:accent3>
-        <a:srgbClr val="78909C"/>
-      </a:accent3>
-      <a:accent4>
-        <a:srgbClr val="FFAB40"/>
-      </a:accent4>
-      <a:accent5>
-        <a:srgbClr val="0097A7"/>
-      </a:accent5>
-      <a:accent6>
-        <a:srgbClr val="EEFF41"/>
-      </a:accent6>
-      <a:hlink>
-        <a:srgbClr val="0097A7"/>
-      </a:hlink>
-      <a:folHlink>
-        <a:srgbClr val="0097A7"/>
-      </a:folHlink>
-    </a:clrScheme>
-    <a:fontScheme name="Office">
-      <a:majorFont>
-        <a:latin typeface="Arial"/>
-        <a:ea typeface=""/>
-        <a:cs typeface=""/>
-        <a:font script="Jpan" typeface="ＭＳ Ｐゴシック"/>
-        <a:font script="Hang" typeface="맑은 고딕"/>
-        <a:font script="Hans" typeface="宋体"/>
-        <a:font script="Hant" typeface="新細明體"/>
-        <a:font script="Arab" typeface="Times New Roman"/>
-        <a:font script="Hebr" typeface="Times New Roman"/>
-        <a:font script="Thai" typeface="Angsana New"/>
-        <a:font script="Ethi" typeface="Nyala"/>
-        <a:font script="Beng" typeface="Vrinda"/>
-        <a:font script="Gujr" typeface="Shruti"/>
-        <a:font script="Khmr" typeface="MoolBoran"/>
-        <a:font script="Knda" typeface="Tunga"/>
-        <a:font script="Guru" typeface="Raavi"/>
-        <a:font script="Cans" typeface="Euphemia"/>
-        <a:font script="Cher" typeface="Plantagenet Cherokee"/>
-        <a:font script="Yiii" typeface="Microsoft Yi Baiti"/>
-        <a:font script="Tibt" typeface="Microsoft Himalaya"/>
-        <a:font script="Thaa" typeface="MV Boli"/>
-        <a:font script="Deva" typeface="Mangal"/>
-        <a:font script="Telu" typeface="Gautami"/>
-        <a:font script="Taml" typeface="Latha"/>
-        <a:font script="Syrc" typeface="Estrangelo Edessa"/>
-        <a:font script="Orya" typeface="Kalinga"/>
-        <a:font script="Mlym" typeface="Kartika"/>
-        <a:font script="Laoo" typeface="DokChampa"/>
-        <a:font script="Sinh" typeface="Iskoola Pota"/>
-        <a:font script="Mong" typeface="Mongolian Baiti"/>
-        <a:font script="Viet" typeface="Times New Roman"/>
-        <a:font script="Uigh" typeface="Microsoft Uighur"/>
-        <a:font script="Geor" typeface="Sylfaen"/>
-      </a:majorFont>
-      <a:minorFont>
-        <a:latin typeface="Arial"/>
-        <a:ea typeface=""/>
-        <a:cs typeface=""/>
-        <a:font script="Jpan" typeface="ＭＳ Ｐゴシック"/>
-        <a:font script="Hang" typeface="맑은 고딕"/>
-        <a:font script="Hans" typeface="宋体"/>
-        <a:font script="Hant" typeface="新細明體"/>
-        <a:font script="Arab" typeface="Arial"/>
-        <a:font script="Hebr" typeface="Arial"/>
-        <a:font script="Thai" typeface="Cordia New"/>
-        <a:font script="Ethi" typeface="Nyala"/>
-        <a:font script="Beng" typeface="Vrinda"/>
-        <a:font script="Gujr" typeface="Shruti"/>
-        <a:font script="Khmr" typeface="DaunPenh"/>
-        <a:font script="Knda" typeface="Tunga"/>
-        <a:font script="Guru" typeface="Raavi"/>
-        <a:font script="Cans" typeface="Euphemia"/>
-        <a:font script="Cher" typeface="Plantagenet Cherokee"/>
-        <a:font script="Yiii" typeface="Microsoft Yi Baiti"/>
-        <a:font script="Tibt" typeface="Microsoft Himalaya"/>
-        <a:font script="Thaa" typeface="MV Boli"/>
-        <a:font script="Deva" typeface="Mangal"/>
-        <a:font script="Telu" typeface="Gautami"/>
-        <a:font script="Taml" typeface="Latha"/>
-        <a:font script="Syrc" typeface="Estrangelo Edessa"/>
-        <a:font script="Orya" typeface="Kalinga"/>
-        <a:font script="Mlym" typeface="Kartika"/>
-        <a:font script="Laoo" typeface="DokChampa"/>
-        <a:font script="Sinh" typeface="Iskoola Pota"/>
-        <a:font script="Mong" typeface="Mongolian Baiti"/>
-        <a:font script="Viet" typeface="Arial"/>
-        <a:font script="Uigh" typeface="Microsoft Uighur"/>
-        <a:font script="Geor" typeface="Sylfaen"/>
-      </a:minorFont>
-    </a:fontScheme>
-    <a:fmtScheme name="Office">
-      <a:fillStyleLst>
-        <a:solidFill>
-          <a:schemeClr val="phClr"/>
-        </a:solidFill>
-        <a:gradFill rotWithShape="1">
-          <a:gsLst>
-            <a:gs pos="0">
-              <a:schemeClr val="phClr">
-                <a:tint val="50000"/>
-                <a:satMod val="300000"/>
-              </a:schemeClr>
-            </a:gs>
-            <a:gs pos="35000">
-              <a:schemeClr val="phClr">
-                <a:tint val="37000"/>
-                <a:satMod val="300000"/>
-              </a:schemeClr>
-            </a:gs>
-            <a:gs pos="100000">
-              <a:schemeClr val="phClr">
-                <a:tint val="15000"/>
-                <a:satMod val="350000"/>
-              </a:schemeClr>
-            </a:gs>
-          </a:gsLst>
-          <a:lin ang="16200000" scaled="1"/>
-        </a:gradFill>
-        <a:gradFill rotWithShape="1">
-          <a:gsLst>
-            <a:gs pos="0">
-              <a:schemeClr val="phClr">
-                <a:tint val="100000"/>
-                <a:shade val="100000"/>
-                <a:satMod val="130000"/>
-              </a:schemeClr>
-            </a:gs>
-            <a:gs pos="100000">
-              <a:schemeClr val="phClr">
-                <a:tint val="50000"/>
-                <a:shade val="100000"/>
-                <a:satMod val="350000"/>
-              </a:schemeClr>
-            </a:gs>
-          </a:gsLst>
-          <a:lin ang="16200000" scaled="0"/>
-        </a:gradFill>
-      </a:fillStyleLst>
-      <a:lnStyleLst>
-        <a:ln w="9525" cap="flat" cmpd="sng" algn="ctr">
-          <a:solidFill>
-            <a:schemeClr val="phClr">
-              <a:shade val="95000"/>
-              <a:satMod val="105000"/>
-            </a:schemeClr>
-          </a:solidFill>
-          <a:prstDash val="solid"/>
-        </a:ln>
-        <a:ln w="25400" cap="flat" cmpd="sng" algn="ctr">
-          <a:solidFill>
-            <a:schemeClr val="phClr"/>
-          </a:solidFill>
-          <a:prstDash val="solid"/>
-        </a:ln>
-        <a:ln w="38100" cap="flat" cmpd="sng" algn="ctr">
-          <a:solidFill>
-            <a:schemeClr val="phClr"/>
-          </a:solidFill>
-          <a:prstDash val="solid"/>
-        </a:ln>
-      </a:lnStyleLst>
-      <a:effectStyleLst>
-        <a:effectStyle>
-          <a:effectLst>
-            <a:outerShdw blurRad="40000" dist="20000" dir="5400000" rotWithShape="0">
-              <a:srgbClr val="000000">
-                <a:alpha val="38000"/>
-              </a:srgbClr>
-            </a:outerShdw>
-          </a:effectLst>
-        </a:effectStyle>
-        <a:effectStyle>
-          <a:effectLst>
-            <a:outerShdw blurRad="40000" dist="23000" dir="5400000" rotWithShape="0">
-              <a:srgbClr val="000000">
-                <a:alpha val="35000"/>
-              </a:srgbClr>
-            </a:outerShdw>
-          </a:effectLst>
-        </a:effectStyle>
-        <a:effectStyle>
-          <a:effectLst>
-            <a:outerShdw blurRad="40000" dist="23000" dir="5400000" rotWithShape="0">
-              <a:srgbClr val="000000">
-                <a:alpha val="35000"/>
-              </a:srgbClr>
-            </a:outerShdw>
-          </a:effectLst>
-          <a:scene3d>
-            <a:camera prst="orthographicFront">
-              <a:rot lat="0" lon="0" rev="0"/>
-            </a:camera>
-            <a:lightRig rig="threePt" dir="t">
-              <a:rot lat="0" lon="0" rev="1200000"/>
-            </a:lightRig>
-          </a:scene3d>
-          <a:sp3d>
-            <a:bevelT w="63500" h="25400"/>
-          </a:sp3d>
-        </a:effectStyle>
-      </a:effectStyleLst>
-      <a:bgFillStyleLst>
-        <a:solidFill>
-          <a:schemeClr val="phClr"/>
-        </a:solidFill>
-        <a:gradFill rotWithShape="1">
-          <a:gsLst>
-            <a:gs pos="0">
-              <a:schemeClr val="phClr">
-                <a:tint val="40000"/>
-                <a:satMod val="350000"/>
-              </a:schemeClr>
-            </a:gs>
-            <a:gs pos="40000">
-              <a:schemeClr val="phClr">
-                <a:tint val="45000"/>
-                <a:shade val="99000"/>
-                <a:satMod val="350000"/>
-              </a:schemeClr>
-            </a:gs>
-            <a:gs pos="100000">
-              <a:schemeClr val="phClr">
-                <a:shade val="20000"/>
-                <a:satMod val="255000"/>
-              </a:schemeClr>
-            </a:gs>
-          </a:gsLst>
-          <a:path path="circle">
-            <a:fillToRect l="50000" t="-80000" r="50000" b="180000"/>
-          </a:path>
-        </a:gradFill>
-        <a:gradFill rotWithShape="1">
-          <a:gsLst>
-            <a:gs pos="0">
-              <a:schemeClr val="phClr">
-                <a:tint val="80000"/>
-                <a:satMod val="300000"/>
-              </a:schemeClr>
-            </a:gs>
-            <a:gs pos="100000">
-              <a:schemeClr val="phClr">
-                <a:shade val="30000"/>
-                <a:satMod val="200000"/>
-              </a:schemeClr>
-            </a:gs>
-          </a:gsLst>
-          <a:path path="circle">
-            <a:fillToRect l="50000" t="50000" r="50000" b="50000"/>
-          </a:path>
-        </a:gradFill>
-      </a:bgFillStyleLst>
-    </a:fmtScheme>
-  </a:themeElements>
-</a:theme>
 </file>
--- a/jacob/presentation/pres_two/CSC495_Toxic_Crusaders_Presentation.pptx
+++ b/jacob/presentation/pres_two/CSC495_Toxic_Crusaders_Presentation.pptx
@@ -12727,6 +12727,9 @@
     <p:sldLayoutId id="2147483657" r:id="rId10"/>
     <p:sldLayoutId id="2147483658" r:id="rId11"/>
   </p:sldLayoutIdLst>
+  <p:transition spd="med">
+    <p:fade thruBlk="1"/>
+  </p:transition>
   <p:hf dt="0" ftr="0" hdr="0" sldNum="0"/>
   <p:txStyles>
     <p:titleStyle>
@@ -13795,6 +13798,9 @@
     <p:sldLayoutId id="2147483669" r:id="rId11"/>
     <p:sldLayoutId id="2147483670" r:id="rId12"/>
   </p:sldLayoutIdLst>
+  <p:transition spd="med">
+    <p:fade thruBlk="1"/>
+  </p:transition>
   <p:hf dt="0" ftr="0" hdr="0" sldNum="0"/>
   <p:txStyles>
     <p:titleStyle>
@@ -15254,89 +15260,6 @@
   <p:clrMapOvr>
     <a:masterClrMapping/>
   </p:clrMapOvr>
-  <p:timing>
-    <p:tnLst>
-      <p:par>
-        <p:cTn dur="indefinite" nodeType="tmRoot" restart="never">
-          <p:childTnLst>
-            <p:seq concurrent="1" nextAc="seek">
-              <p:cTn dur="indefinite" id="2" nodeType="mainSeq">
-                <p:childTnLst>
-                  <p:par>
-                    <p:cTn fill="hold">
-                      <p:stCondLst>
-                        <p:cond delay="indefinite"/>
-                      </p:stCondLst>
-                      <p:childTnLst>
-                        <p:par>
-                          <p:cTn fill="hold">
-                            <p:stCondLst>
-                              <p:cond delay="0"/>
-                            </p:stCondLst>
-                            <p:childTnLst>
-                              <p:par>
-                                <p:cTn fill="hold" nodeType="clickEffect" presetClass="entr" presetID="10" presetSubtype="0">
-                                  <p:stCondLst>
-                                    <p:cond delay="0"/>
-                                  </p:stCondLst>
-                                  <p:childTnLst>
-                                    <p:set>
-                                      <p:cBhvr>
-                                        <p:cTn dur="1" fill="hold">
-                                          <p:stCondLst>
-                                            <p:cond delay="0"/>
-                                          </p:stCondLst>
-                                        </p:cTn>
-                                        <p:tgtEl>
-                                          <p:spTgt spid="119"/>
-                                        </p:tgtEl>
-                                        <p:attrNameLst>
-                                          <p:attrName>style.visibility</p:attrName>
-                                        </p:attrNameLst>
-                                      </p:cBhvr>
-                                      <p:to>
-                                        <p:strVal val="visible"/>
-                                      </p:to>
-                                    </p:set>
-                                    <p:animEffect filter="fade" transition="in">
-                                      <p:cBhvr>
-                                        <p:cTn dur="1500"/>
-                                        <p:tgtEl>
-                                          <p:spTgt spid="119"/>
-                                        </p:tgtEl>
-                                      </p:cBhvr>
-                                    </p:animEffect>
-                                  </p:childTnLst>
-                                </p:cTn>
-                              </p:par>
-                            </p:childTnLst>
-                          </p:cTn>
-                        </p:par>
-                      </p:childTnLst>
-                    </p:cTn>
-                  </p:par>
-                </p:childTnLst>
-              </p:cTn>
-              <p:prevCondLst>
-                <p:cond evt="onPrev">
-                  <p:tgtEl>
-                    <p:sldTgt/>
-                  </p:tgtEl>
-                </p:cond>
-              </p:prevCondLst>
-              <p:nextCondLst>
-                <p:cond evt="onNext">
-                  <p:tgtEl>
-                    <p:sldTgt/>
-                  </p:tgtEl>
-                </p:cond>
-              </p:nextCondLst>
-            </p:seq>
-          </p:childTnLst>
-        </p:cTn>
-      </p:par>
-    </p:tnLst>
-  </p:timing>
 </p:sld>
 </file>
 
@@ -16232,9 +16155,6 @@
   <p:clrMapOvr>
     <a:masterClrMapping/>
   </p:clrMapOvr>
-  <p:transition>
-    <p:fade thruBlk="1"/>
-  </p:transition>
 </p:sld>
 </file>
 
@@ -17129,9 +17049,6 @@
   <p:clrMapOvr>
     <a:masterClrMapping/>
   </p:clrMapOvr>
-  <p:transition>
-    <p:fade thruBlk="1"/>
-  </p:transition>
 </p:sld>
 </file>
 
@@ -18161,9 +18078,6 @@
   <p:clrMapOvr>
     <a:masterClrMapping/>
   </p:clrMapOvr>
-  <p:transition>
-    <p:fade thruBlk="1"/>
-  </p:transition>
 </p:sld>
 </file>
 
@@ -19133,9 +19047,6 @@
   <p:clrMapOvr>
     <a:masterClrMapping/>
   </p:clrMapOvr>
-  <p:transition>
-    <p:fade thruBlk="1"/>
-  </p:transition>
 </p:sld>
 </file>
 
@@ -19969,9 +19880,6 @@
   <p:clrMapOvr>
     <a:masterClrMapping/>
   </p:clrMapOvr>
-  <p:transition>
-    <p:fade thruBlk="1"/>
-  </p:transition>
 </p:sld>
 </file>
 
@@ -20990,9 +20898,6 @@
   <p:clrMapOvr>
     <a:masterClrMapping/>
   </p:clrMapOvr>
-  <p:transition>
-    <p:fade thruBlk="1"/>
-  </p:transition>
 </p:sld>
 </file>
 
@@ -21835,9 +21740,6 @@
   <p:clrMapOvr>
     <a:masterClrMapping/>
   </p:clrMapOvr>
-  <p:transition>
-    <p:fade thruBlk="1"/>
-  </p:transition>
 </p:sld>
 </file>
 
@@ -22913,9 +22815,6 @@
   <p:clrMapOvr>
     <a:masterClrMapping/>
   </p:clrMapOvr>
-  <p:transition spd="slow">
-    <p:fade thruBlk="1"/>
-  </p:transition>
   <p:timing>
     <p:tnLst>
       <p:par>
@@ -24061,9 +23960,6 @@
   <p:clrMapOvr>
     <a:masterClrMapping/>
   </p:clrMapOvr>
-  <p:transition spd="slow">
-    <p:fade thruBlk="1"/>
-  </p:transition>
   <p:timing>
     <p:tnLst>
       <p:par>
@@ -25005,9 +24901,6 @@
   <p:clrMapOvr>
     <a:masterClrMapping/>
   </p:clrMapOvr>
-  <p:transition>
-    <p:fade thruBlk="1"/>
-  </p:transition>
 </p:sld>
 </file>
 
@@ -25825,9 +25718,6 @@
   <p:clrMapOvr>
     <a:masterClrMapping/>
   </p:clrMapOvr>
-  <p:transition>
-    <p:fade thruBlk="1"/>
-  </p:transition>
 </p:sld>
 </file>
 
@@ -26667,9 +26557,6 @@
   <p:clrMapOvr>
     <a:masterClrMapping/>
   </p:clrMapOvr>
-  <p:transition>
-    <p:fade thruBlk="1"/>
-  </p:transition>
 </p:sld>
 </file>
 
@@ -27318,7 +27205,7 @@
                 <a:cs typeface="Helvetica Neue"/>
                 <a:sym typeface="Helvetica Neue"/>
               </a:rPr>
-              <a:t>Potentially use ZIP code centriods, but that has problems</a:t>
+              <a:t>Potentially use ZIP code centroids, but that has problems</a:t>
             </a:r>
             <a:br>
               <a:rPr b="1" lang="en" sz="1500">
@@ -27478,9 +27365,6 @@
   <p:clrMapOvr>
     <a:masterClrMapping/>
   </p:clrMapOvr>
-  <p:transition>
-    <p:fade thruBlk="1"/>
-  </p:transition>
 </p:sld>
 </file>
 
@@ -28250,9 +28134,6 @@
   <p:clrMapOvr>
     <a:masterClrMapping/>
   </p:clrMapOvr>
-  <p:transition>
-    <p:fade thruBlk="1"/>
-  </p:transition>
 </p:sld>
 </file>
 
@@ -28915,9 +28796,6 @@
   <p:clrMapOvr>
     <a:masterClrMapping/>
   </p:clrMapOvr>
-  <p:transition>
-    <p:fade thruBlk="1"/>
-  </p:transition>
 </p:sld>
 </file>
 
@@ -29549,7 +29427,7 @@
       </p:pic>
       <p:pic>
         <p:nvPicPr>
-          <p:cNvPr descr="Screen Shot 2017-10-28 at 2.48.59 PM.png" id="541" name="Shape 541"/>
+          <p:cNvPr descr="Screen Shot 2017-10-30 at 1.15.49 AM.png" id="541" name="Shape 541"/>
           <p:cNvPicPr preferRelativeResize="0"/>
           <p:nvPr/>
         </p:nvPicPr>
@@ -29564,7 +29442,7 @@
         <p:spPr>
           <a:xfrm>
             <a:off x="31950" y="2099450"/>
-            <a:ext cx="5628899" cy="2974801"/>
+            <a:ext cx="5653401" cy="2974799"/>
           </a:xfrm>
           <a:prstGeom prst="rect">
             <a:avLst/>
@@ -29580,9 +29458,6 @@
   <p:clrMapOvr>
     <a:masterClrMapping/>
   </p:clrMapOvr>
-  <p:transition>
-    <p:fade thruBlk="1"/>
-  </p:transition>
 </p:sld>
 </file>
 
@@ -30947,9 +30822,6 @@
   <p:clrMapOvr>
     <a:masterClrMapping/>
   </p:clrMapOvr>
-  <p:transition>
-    <p:fade thruBlk="1"/>
-  </p:transition>
 </p:sld>
 </file>
 
@@ -31771,9 +31643,6 @@
   <p:clrMapOvr>
     <a:masterClrMapping/>
   </p:clrMapOvr>
-  <p:transition>
-    <p:fade thruBlk="1"/>
-  </p:transition>
 </p:sld>
 </file>
 
@@ -32526,9 +32395,6 @@
   <p:clrMapOvr>
     <a:masterClrMapping/>
   </p:clrMapOvr>
-  <p:transition>
-    <p:fade thruBlk="1"/>
-  </p:transition>
 </p:sld>
 </file>
 
@@ -33604,9 +33470,6 @@
   <p:clrMapOvr>
     <a:masterClrMapping/>
   </p:clrMapOvr>
-  <p:transition spd="slow">
-    <p:fade thruBlk="1"/>
-  </p:transition>
   <p:timing>
     <p:tnLst>
       <p:par>
@@ -34635,9 +34498,6 @@
   <p:clrMapOvr>
     <a:masterClrMapping/>
   </p:clrMapOvr>
-  <p:transition>
-    <p:fade thruBlk="1"/>
-  </p:transition>
 </p:sld>
 </file>
 
@@ -35539,9 +35399,92 @@
   <p:clrMapOvr>
     <a:masterClrMapping/>
   </p:clrMapOvr>
-  <p:transition>
-    <p:fade thruBlk="1"/>
-  </p:transition>
+  <p:timing>
+    <p:tnLst>
+      <p:par>
+        <p:cTn dur="indefinite" nodeType="tmRoot" restart="never">
+          <p:childTnLst>
+            <p:seq concurrent="1" nextAc="seek">
+              <p:cTn dur="indefinite" id="2" nodeType="mainSeq">
+                <p:childTnLst>
+                  <p:par>
+                    <p:cTn fill="hold">
+                      <p:stCondLst>
+                        <p:cond delay="indefinite"/>
+                        <p:cond evt="onBegin" delay="0">
+                          <p:tn val="2"/>
+                        </p:cond>
+                      </p:stCondLst>
+                      <p:childTnLst>
+                        <p:par>
+                          <p:cTn fill="hold">
+                            <p:stCondLst>
+                              <p:cond delay="0"/>
+                            </p:stCondLst>
+                            <p:childTnLst>
+                              <p:par>
+                                <p:cTn fill="hold" nodeType="afterEffect" presetClass="entr" presetID="10" presetSubtype="0">
+                                  <p:stCondLst>
+                                    <p:cond delay="0"/>
+                                  </p:stCondLst>
+                                  <p:childTnLst>
+                                    <p:set>
+                                      <p:cBhvr>
+                                        <p:cTn dur="1" fill="hold">
+                                          <p:stCondLst>
+                                            <p:cond delay="0"/>
+                                          </p:stCondLst>
+                                        </p:cTn>
+                                        <p:tgtEl>
+                                          <p:spTgt spid="169"/>
+                                        </p:tgtEl>
+                                        <p:attrNameLst>
+                                          <p:attrName>style.visibility</p:attrName>
+                                        </p:attrNameLst>
+                                      </p:cBhvr>
+                                      <p:to>
+                                        <p:strVal val="visible"/>
+                                      </p:to>
+                                    </p:set>
+                                    <p:animEffect filter="fade" transition="in">
+                                      <p:cBhvr>
+                                        <p:cTn dur="1600"/>
+                                        <p:tgtEl>
+                                          <p:spTgt spid="169"/>
+                                        </p:tgtEl>
+                                      </p:cBhvr>
+                                    </p:animEffect>
+                                  </p:childTnLst>
+                                </p:cTn>
+                              </p:par>
+                            </p:childTnLst>
+                          </p:cTn>
+                        </p:par>
+                      </p:childTnLst>
+                    </p:cTn>
+                  </p:par>
+                </p:childTnLst>
+              </p:cTn>
+              <p:prevCondLst>
+                <p:cond evt="onPrev">
+                  <p:tgtEl>
+                    <p:sldTgt/>
+                  </p:tgtEl>
+                </p:cond>
+              </p:prevCondLst>
+              <p:nextCondLst>
+                <p:cond evt="onNext">
+                  <p:tgtEl>
+                    <p:sldTgt/>
+                  </p:tgtEl>
+                </p:cond>
+              </p:nextCondLst>
+            </p:seq>
+          </p:childTnLst>
+        </p:cTn>
+      </p:par>
+    </p:tnLst>
+  </p:timing>
 </p:sld>
 </file>
 
@@ -36436,9 +36379,6 @@
   <p:clrMapOvr>
     <a:masterClrMapping/>
   </p:clrMapOvr>
-  <p:transition spd="slow">
-    <p:fade thruBlk="1"/>
-  </p:transition>
 </p:sld>
 </file>
 
@@ -37272,9 +37212,6 @@
   <p:clrMapOvr>
     <a:masterClrMapping/>
   </p:clrMapOvr>
-  <p:transition>
-    <p:fade thruBlk="1"/>
-  </p:transition>
 </p:sld>
 </file>
 
@@ -38120,9 +38057,92 @@
   <p:clrMapOvr>
     <a:masterClrMapping/>
   </p:clrMapOvr>
-  <p:transition>
-    <p:fade thruBlk="1"/>
-  </p:transition>
+  <p:timing>
+    <p:tnLst>
+      <p:par>
+        <p:cTn dur="indefinite" nodeType="tmRoot" restart="never">
+          <p:childTnLst>
+            <p:seq concurrent="1" nextAc="seek">
+              <p:cTn dur="indefinite" id="2" nodeType="mainSeq">
+                <p:childTnLst>
+                  <p:par>
+                    <p:cTn fill="hold">
+                      <p:stCondLst>
+                        <p:cond delay="indefinite"/>
+                        <p:cond evt="onBegin" delay="0">
+                          <p:tn val="2"/>
+                        </p:cond>
+                      </p:stCondLst>
+                      <p:childTnLst>
+                        <p:par>
+                          <p:cTn fill="hold">
+                            <p:stCondLst>
+                              <p:cond delay="0"/>
+                            </p:stCondLst>
+                            <p:childTnLst>
+                              <p:par>
+                                <p:cTn fill="hold" nodeType="afterEffect" presetClass="entr" presetID="10" presetSubtype="0">
+                                  <p:stCondLst>
+                                    <p:cond delay="0"/>
+                                  </p:stCondLst>
+                                  <p:childTnLst>
+                                    <p:set>
+                                      <p:cBhvr>
+                                        <p:cTn dur="1" fill="hold">
+                                          <p:stCondLst>
+                                            <p:cond delay="0"/>
+                                          </p:stCondLst>
+                                        </p:cTn>
+                                        <p:tgtEl>
+                                          <p:spTgt spid="224"/>
+                                        </p:tgtEl>
+                                        <p:attrNameLst>
+                                          <p:attrName>style.visibility</p:attrName>
+                                        </p:attrNameLst>
+                                      </p:cBhvr>
+                                      <p:to>
+                                        <p:strVal val="visible"/>
+                                      </p:to>
+                                    </p:set>
+                                    <p:animEffect filter="fade" transition="in">
+                                      <p:cBhvr>
+                                        <p:cTn dur="1000"/>
+                                        <p:tgtEl>
+                                          <p:spTgt spid="224"/>
+                                        </p:tgtEl>
+                                      </p:cBhvr>
+                                    </p:animEffect>
+                                  </p:childTnLst>
+                                </p:cTn>
+                              </p:par>
+                            </p:childTnLst>
+                          </p:cTn>
+                        </p:par>
+                      </p:childTnLst>
+                    </p:cTn>
+                  </p:par>
+                </p:childTnLst>
+              </p:cTn>
+              <p:prevCondLst>
+                <p:cond evt="onPrev">
+                  <p:tgtEl>
+                    <p:sldTgt/>
+                  </p:tgtEl>
+                </p:cond>
+              </p:prevCondLst>
+              <p:nextCondLst>
+                <p:cond evt="onNext">
+                  <p:tgtEl>
+                    <p:sldTgt/>
+                  </p:tgtEl>
+                </p:cond>
+              </p:nextCondLst>
+            </p:seq>
+          </p:childTnLst>
+        </p:cTn>
+      </p:par>
+    </p:tnLst>
+  </p:timing>
 </p:sld>
 </file>
 
@@ -38914,9 +38934,6 @@
   <p:clrMapOvr>
     <a:masterClrMapping/>
   </p:clrMapOvr>
-  <p:transition>
-    <p:fade thruBlk="1"/>
-  </p:transition>
 </p:sld>
 </file>
 
@@ -40007,13 +40024,375 @@
   <p:clrMapOvr>
     <a:masterClrMapping/>
   </p:clrMapOvr>
-  <p:transition>
-    <p:fade thruBlk="1"/>
-  </p:transition>
+  <p:timing>
+    <p:tnLst>
+      <p:par>
+        <p:cTn dur="indefinite" nodeType="tmRoot" restart="never">
+          <p:childTnLst>
+            <p:seq concurrent="1" nextAc="seek">
+              <p:cTn dur="indefinite" id="2" nodeType="mainSeq">
+                <p:childTnLst>
+                  <p:par>
+                    <p:cTn fill="hold">
+                      <p:stCondLst>
+                        <p:cond delay="indefinite"/>
+                        <p:cond evt="onBegin" delay="0">
+                          <p:tn val="2"/>
+                        </p:cond>
+                      </p:stCondLst>
+                      <p:childTnLst>
+                        <p:par>
+                          <p:cTn fill="hold">
+                            <p:stCondLst>
+                              <p:cond delay="0"/>
+                            </p:stCondLst>
+                            <p:childTnLst>
+                              <p:par>
+                                <p:cTn fill="hold" nodeType="afterEffect" presetClass="entr" presetID="10" presetSubtype="0">
+                                  <p:stCondLst>
+                                    <p:cond delay="0"/>
+                                  </p:stCondLst>
+                                  <p:childTnLst>
+                                    <p:set>
+                                      <p:cBhvr>
+                                        <p:cTn dur="1" fill="hold">
+                                          <p:stCondLst>
+                                            <p:cond delay="0"/>
+                                          </p:stCondLst>
+                                        </p:cTn>
+                                        <p:tgtEl>
+                                          <p:spTgt spid="259"/>
+                                        </p:tgtEl>
+                                        <p:attrNameLst>
+                                          <p:attrName>style.visibility</p:attrName>
+                                        </p:attrNameLst>
+                                      </p:cBhvr>
+                                      <p:to>
+                                        <p:strVal val="visible"/>
+                                      </p:to>
+                                    </p:set>
+                                    <p:animEffect filter="fade" transition="in">
+                                      <p:cBhvr>
+                                        <p:cTn dur="1000"/>
+                                        <p:tgtEl>
+                                          <p:spTgt spid="259"/>
+                                        </p:tgtEl>
+                                      </p:cBhvr>
+                                    </p:animEffect>
+                                  </p:childTnLst>
+                                </p:cTn>
+                              </p:par>
+                            </p:childTnLst>
+                          </p:cTn>
+                        </p:par>
+                      </p:childTnLst>
+                    </p:cTn>
+                  </p:par>
+                </p:childTnLst>
+              </p:cTn>
+              <p:prevCondLst>
+                <p:cond evt="onPrev">
+                  <p:tgtEl>
+                    <p:sldTgt/>
+                  </p:tgtEl>
+                </p:cond>
+              </p:prevCondLst>
+              <p:nextCondLst>
+                <p:cond evt="onNext">
+                  <p:tgtEl>
+                    <p:sldTgt/>
+                  </p:tgtEl>
+                </p:cond>
+              </p:nextCondLst>
+            </p:seq>
+          </p:childTnLst>
+        </p:cTn>
+      </p:par>
+    </p:tnLst>
+  </p:timing>
 </p:sld>
 </file>
 
 <file path=ppt/theme/theme1.xml><?xml version="1.0" encoding="utf-8"?>
+<a:theme xmlns:a="http://schemas.openxmlformats.org/drawingml/2006/main" xmlns:r="http://schemas.openxmlformats.org/officeDocument/2006/relationships" name="Custom Theme">
+  <a:themeElements>
+    <a:clrScheme name="Default">
+      <a:dk1>
+        <a:srgbClr val="000000"/>
+      </a:dk1>
+      <a:lt1>
+        <a:srgbClr val="FFFFFF"/>
+      </a:lt1>
+      <a:dk2>
+        <a:srgbClr val="158158"/>
+      </a:dk2>
+      <a:lt2>
+        <a:srgbClr val="F3F3F3"/>
+      </a:lt2>
+      <a:accent1>
+        <a:srgbClr val="058DC7"/>
+      </a:accent1>
+      <a:accent2>
+        <a:srgbClr val="50B432"/>
+      </a:accent2>
+      <a:accent3>
+        <a:srgbClr val="ED561B"/>
+      </a:accent3>
+      <a:accent4>
+        <a:srgbClr val="EDEF00"/>
+      </a:accent4>
+      <a:accent5>
+        <a:srgbClr val="24CBE5"/>
+      </a:accent5>
+      <a:accent6>
+        <a:srgbClr val="64E572"/>
+      </a:accent6>
+      <a:hlink>
+        <a:srgbClr val="2200CC"/>
+      </a:hlink>
+      <a:folHlink>
+        <a:srgbClr val="551A8B"/>
+      </a:folHlink>
+    </a:clrScheme>
+    <a:fontScheme name="Office">
+      <a:majorFont>
+        <a:latin typeface="Arial"/>
+        <a:ea typeface=""/>
+        <a:cs typeface=""/>
+        <a:font script="Jpan" typeface="ＭＳ Ｐゴシック"/>
+        <a:font script="Hang" typeface="맑은 고딕"/>
+        <a:font script="Hans" typeface="宋体"/>
+        <a:font script="Hant" typeface="新細明體"/>
+        <a:font script="Arab" typeface="Times New Roman"/>
+        <a:font script="Hebr" typeface="Times New Roman"/>
+        <a:font script="Thai" typeface="Angsana New"/>
+        <a:font script="Ethi" typeface="Nyala"/>
+        <a:font script="Beng" typeface="Vrinda"/>
+        <a:font script="Gujr" typeface="Shruti"/>
+        <a:font script="Khmr" typeface="MoolBoran"/>
+        <a:font script="Knda" typeface="Tunga"/>
+        <a:font script="Guru" typeface="Raavi"/>
+        <a:font script="Cans" typeface="Euphemia"/>
+        <a:font script="Cher" typeface="Plantagenet Cherokee"/>
+        <a:font script="Yiii" typeface="Microsoft Yi Baiti"/>
+        <a:font script="Tibt" typeface="Microsoft Himalaya"/>
+        <a:font script="Thaa" typeface="MV Boli"/>
+        <a:font script="Deva" typeface="Mangal"/>
+        <a:font script="Telu" typeface="Gautami"/>
+        <a:font script="Taml" typeface="Latha"/>
+        <a:font script="Syrc" typeface="Estrangelo Edessa"/>
+        <a:font script="Orya" typeface="Kalinga"/>
+        <a:font script="Mlym" typeface="Kartika"/>
+        <a:font script="Laoo" typeface="DokChampa"/>
+        <a:font script="Sinh" typeface="Iskoola Pota"/>
+        <a:font script="Mong" typeface="Mongolian Baiti"/>
+        <a:font script="Viet" typeface="Times New Roman"/>
+        <a:font script="Uigh" typeface="Microsoft Uighur"/>
+        <a:font script="Geor" typeface="Sylfaen"/>
+      </a:majorFont>
+      <a:minorFont>
+        <a:latin typeface="Arial"/>
+        <a:ea typeface=""/>
+        <a:cs typeface=""/>
+        <a:font script="Jpan" typeface="ＭＳ Ｐゴシック"/>
+        <a:font script="Hang" typeface="맑은 고딕"/>
+        <a:font script="Hans" typeface="宋体"/>
+        <a:font script="Hant" typeface="新細明體"/>
+        <a:font script="Arab" typeface="Arial"/>
+        <a:font script="Hebr" typeface="Arial"/>
+        <a:font script="Thai" typeface="Cordia New"/>
+        <a:font script="Ethi" typeface="Nyala"/>
+        <a:font script="Beng" typeface="Vrinda"/>
+        <a:font script="Gujr" typeface="Shruti"/>
+        <a:font script="Khmr" typeface="DaunPenh"/>
+        <a:font script="Knda" typeface="Tunga"/>
+        <a:font script="Guru" typeface="Raavi"/>
+        <a:font script="Cans" typeface="Euphemia"/>
+        <a:font script="Cher" typeface="Plantagenet Cherokee"/>
+        <a:font script="Yiii" typeface="Microsoft Yi Baiti"/>
+        <a:font script="Tibt" typeface="Microsoft Himalaya"/>
+        <a:font script="Thaa" typeface="MV Boli"/>
+        <a:font script="Deva" typeface="Mangal"/>
+        <a:font script="Telu" typeface="Gautami"/>
+        <a:font script="Taml" typeface="Latha"/>
+        <a:font script="Syrc" typeface="Estrangelo Edessa"/>
+        <a:font script="Orya" typeface="Kalinga"/>
+        <a:font script="Mlym" typeface="Kartika"/>
+        <a:font script="Laoo" typeface="DokChampa"/>
+        <a:font script="Sinh" typeface="Iskoola Pota"/>
+        <a:font script="Mong" typeface="Mongolian Baiti"/>
+        <a:font script="Viet" typeface="Arial"/>
+        <a:font script="Uigh" typeface="Microsoft Uighur"/>
+        <a:font script="Geor" typeface="Sylfaen"/>
+      </a:minorFont>
+    </a:fontScheme>
+    <a:fmtScheme name="Office">
+      <a:fillStyleLst>
+        <a:solidFill>
+          <a:schemeClr val="phClr"/>
+        </a:solidFill>
+        <a:gradFill rotWithShape="1">
+          <a:gsLst>
+            <a:gs pos="0">
+              <a:schemeClr val="phClr">
+                <a:tint val="50000"/>
+                <a:satMod val="300000"/>
+              </a:schemeClr>
+            </a:gs>
+            <a:gs pos="35000">
+              <a:schemeClr val="phClr">
+                <a:tint val="37000"/>
+                <a:satMod val="300000"/>
+              </a:schemeClr>
+            </a:gs>
+            <a:gs pos="100000">
+              <a:schemeClr val="phClr">
+                <a:tint val="15000"/>
+                <a:satMod val="350000"/>
+              </a:schemeClr>
+            </a:gs>
+          </a:gsLst>
+          <a:lin ang="16200000" scaled="1"/>
+        </a:gradFill>
+        <a:gradFill rotWithShape="1">
+          <a:gsLst>
+            <a:gs pos="0">
+              <a:schemeClr val="phClr">
+                <a:tint val="100000"/>
+                <a:shade val="100000"/>
+                <a:satMod val="130000"/>
+              </a:schemeClr>
+            </a:gs>
+            <a:gs pos="100000">
+              <a:schemeClr val="phClr">
+                <a:tint val="50000"/>
+                <a:shade val="100000"/>
+                <a:satMod val="350000"/>
+              </a:schemeClr>
+            </a:gs>
+          </a:gsLst>
+          <a:lin ang="16200000" scaled="0"/>
+        </a:gradFill>
+      </a:fillStyleLst>
+      <a:lnStyleLst>
+        <a:ln w="9525" cap="flat" cmpd="sng" algn="ctr">
+          <a:solidFill>
+            <a:schemeClr val="phClr">
+              <a:shade val="95000"/>
+              <a:satMod val="105000"/>
+            </a:schemeClr>
+          </a:solidFill>
+          <a:prstDash val="solid"/>
+        </a:ln>
+        <a:ln w="25400" cap="flat" cmpd="sng" algn="ctr">
+          <a:solidFill>
+            <a:schemeClr val="phClr"/>
+          </a:solidFill>
+          <a:prstDash val="solid"/>
+        </a:ln>
+        <a:ln w="38100" cap="flat" cmpd="sng" algn="ctr">
+          <a:solidFill>
+            <a:schemeClr val="phClr"/>
+          </a:solidFill>
+          <a:prstDash val="solid"/>
+        </a:ln>
+      </a:lnStyleLst>
+      <a:effectStyleLst>
+        <a:effectStyle>
+          <a:effectLst>
+            <a:outerShdw blurRad="40000" dist="20000" dir="5400000" rotWithShape="0">
+              <a:srgbClr val="000000">
+                <a:alpha val="38000"/>
+              </a:srgbClr>
+            </a:outerShdw>
+          </a:effectLst>
+        </a:effectStyle>
+        <a:effectStyle>
+          <a:effectLst>
+            <a:outerShdw blurRad="40000" dist="23000" dir="5400000" rotWithShape="0">
+              <a:srgbClr val="000000">
+                <a:alpha val="35000"/>
+              </a:srgbClr>
+            </a:outerShdw>
+          </a:effectLst>
+        </a:effectStyle>
+        <a:effectStyle>
+          <a:effectLst>
+            <a:outerShdw blurRad="40000" dist="23000" dir="5400000" rotWithShape="0">
+              <a:srgbClr val="000000">
+                <a:alpha val="35000"/>
+              </a:srgbClr>
+            </a:outerShdw>
+          </a:effectLst>
+          <a:scene3d>
+            <a:camera prst="orthographicFront">
+              <a:rot lat="0" lon="0" rev="0"/>
+            </a:camera>
+            <a:lightRig rig="threePt" dir="t">
+              <a:rot lat="0" lon="0" rev="1200000"/>
+            </a:lightRig>
+          </a:scene3d>
+          <a:sp3d>
+            <a:bevelT w="63500" h="25400"/>
+          </a:sp3d>
+        </a:effectStyle>
+      </a:effectStyleLst>
+      <a:bgFillStyleLst>
+        <a:solidFill>
+          <a:schemeClr val="phClr"/>
+        </a:solidFill>
+        <a:gradFill rotWithShape="1">
+          <a:gsLst>
+            <a:gs pos="0">
+              <a:schemeClr val="phClr">
+                <a:tint val="40000"/>
+                <a:satMod val="350000"/>
+              </a:schemeClr>
+            </a:gs>
+            <a:gs pos="40000">
+              <a:schemeClr val="phClr">
+                <a:tint val="45000"/>
+                <a:shade val="99000"/>
+                <a:satMod val="350000"/>
+              </a:schemeClr>
+            </a:gs>
+            <a:gs pos="100000">
+              <a:schemeClr val="phClr">
+                <a:shade val="20000"/>
+                <a:satMod val="255000"/>
+              </a:schemeClr>
+            </a:gs>
+          </a:gsLst>
+          <a:path path="circle">
+            <a:fillToRect l="50000" t="-80000" r="50000" b="180000"/>
+          </a:path>
+        </a:gradFill>
+        <a:gradFill rotWithShape="1">
+          <a:gsLst>
+            <a:gs pos="0">
+              <a:schemeClr val="phClr">
+                <a:tint val="80000"/>
+                <a:satMod val="300000"/>
+              </a:schemeClr>
+            </a:gs>
+            <a:gs pos="100000">
+              <a:schemeClr val="phClr">
+                <a:shade val="30000"/>
+                <a:satMod val="200000"/>
+              </a:schemeClr>
+            </a:gs>
+          </a:gsLst>
+          <a:path path="circle">
+            <a:fillToRect l="50000" t="50000" r="50000" b="50000"/>
+          </a:path>
+        </a:gradFill>
+      </a:bgFillStyleLst>
+    </a:fmtScheme>
+  </a:themeElements>
+</a:theme>
+</file>
+
+<file path=ppt/theme/theme2.xml><?xml version="1.0" encoding="utf-8"?>
 <a:theme xmlns:a="http://schemas.openxmlformats.org/drawingml/2006/main" xmlns:r="http://schemas.openxmlformats.org/officeDocument/2006/relationships" name="Black">
   <a:themeElements>
     <a:clrScheme name="Black">
@@ -40292,7 +40671,7 @@
 </a:theme>
 </file>
 
-<file path=ppt/theme/theme2.xml><?xml version="1.0" encoding="utf-8"?>
+<file path=ppt/theme/theme3.xml><?xml version="1.0" encoding="utf-8"?>
 <a:theme xmlns:a="http://schemas.openxmlformats.org/drawingml/2006/main" xmlns:r="http://schemas.openxmlformats.org/officeDocument/2006/relationships" name="Simple Light">
   <a:themeElements>
     <a:clrScheme name="Simple Light">
@@ -40569,283 +40948,4 @@
     </a:fmtScheme>
   </a:themeElements>
 </a:theme>
-</file>
-
-<file path=ppt/theme/theme3.xml><?xml version="1.0" encoding="utf-8"?>
-<a:theme xmlns:a="http://schemas.openxmlformats.org/drawingml/2006/main" xmlns:r="http://schemas.openxmlformats.org/officeDocument/2006/relationships" name="Custom Theme">
-  <a:themeElements>
-    <a:clrScheme name="Default">
-      <a:dk1>
-        <a:srgbClr val="000000"/>
-      </a:dk1>
-      <a:lt1>
-        <a:srgbClr val="FFFFFF"/>
-      </a:lt1>
-      <a:dk2>
-        <a:srgbClr val="158158"/>
-      </a:dk2>
-      <a:lt2>
-        <a:srgbClr val="F3F3F3"/>
-      </a:lt2>
-      <a:accent1>
-        <a:srgbClr val="058DC7"/>
-      </a:accent1>
-      <a:accent2>
-        <a:srgbClr val="50B432"/>
-      </a:accent2>
-      <a:accent3>
-        <a:srgbClr val="ED561B"/>
-      </a:accent3>
-      <a:accent4>
-        <a:srgbClr val="EDEF00"/>
-      </a:accent4>
-      <a:accent5>
-        <a:srgbClr val="24CBE5"/>
-      </a:accent5>
-      <a:accent6>
-        <a:srgbClr val="64E572"/>
-      </a:accent6>
-      <a:hlink>
-        <a:srgbClr val="2200CC"/>
-      </a:hlink>
-      <a:folHlink>
-        <a:srgbClr val="551A8B"/>
-      </a:folHlink>
-    </a:clrScheme>
-    <a:fontScheme name="Office">
-      <a:majorFont>
-        <a:latin typeface="Arial"/>
-        <a:ea typeface=""/>
-        <a:cs typeface=""/>
-        <a:font script="Jpan" typeface="ＭＳ Ｐゴシック"/>
-        <a:font script="Hang" typeface="맑은 고딕"/>
-        <a:font script="Hans" typeface="宋体"/>
-        <a:font script="Hant" typeface="新細明體"/>
-        <a:font script="Arab" typeface="Times New Roman"/>
-        <a:font script="Hebr" typeface="Times New Roman"/>
-        <a:font script="Thai" typeface="Angsana New"/>
-        <a:font script="Ethi" typeface="Nyala"/>
-        <a:font script="Beng" typeface="Vrinda"/>
-        <a:font script="Gujr" typeface="Shruti"/>
-        <a:font script="Khmr" typeface="MoolBoran"/>
-        <a:font script="Knda" typeface="Tunga"/>
-        <a:font script="Guru" typeface="Raavi"/>
-        <a:font script="Cans" typeface="Euphemia"/>
-        <a:font script="Cher" typeface="Plantagenet Cherokee"/>
-        <a:font script="Yiii" typeface="Microsoft Yi Baiti"/>
-        <a:font script="Tibt" typeface="Microsoft Himalaya"/>
-        <a:font script="Thaa" typeface="MV Boli"/>
-        <a:font script="Deva" typeface="Mangal"/>
-        <a:font script="Telu" typeface="Gautami"/>
-        <a:font script="Taml" typeface="Latha"/>
-        <a:font script="Syrc" typeface="Estrangelo Edessa"/>
-        <a:font script="Orya" typeface="Kalinga"/>
-        <a:font script="Mlym" typeface="Kartika"/>
-        <a:font script="Laoo" typeface="DokChampa"/>
-        <a:font script="Sinh" typeface="Iskoola Pota"/>
-        <a:font script="Mong" typeface="Mongolian Baiti"/>
-        <a:font script="Viet" typeface="Times New Roman"/>
-        <a:font script="Uigh" typeface="Microsoft Uighur"/>
-        <a:font script="Geor" typeface="Sylfaen"/>
-      </a:majorFont>
-      <a:minorFont>
-        <a:latin typeface="Arial"/>
-        <a:ea typeface=""/>
-        <a:cs typeface=""/>
-        <a:font script="Jpan" typeface="ＭＳ Ｐゴシック"/>
-        <a:font script="Hang" typeface="맑은 고딕"/>
-        <a:font script="Hans" typeface="宋体"/>
-        <a:font script="Hant" typeface="新細明體"/>
-        <a:font script="Arab" typeface="Arial"/>
-        <a:font script="Hebr" typeface="Arial"/>
-        <a:font script="Thai" typeface="Cordia New"/>
-        <a:font script="Ethi" typeface="Nyala"/>
-        <a:font script="Beng" typeface="Vrinda"/>
-        <a:font script="Gujr" typeface="Shruti"/>
-        <a:font script="Khmr" typeface="DaunPenh"/>
-        <a:font script="Knda" typeface="Tunga"/>
-        <a:font script="Guru" typeface="Raavi"/>
-        <a:font script="Cans" typeface="Euphemia"/>
-        <a:font script="Cher" typeface="Plantagenet Cherokee"/>
-        <a:font script="Yiii" typeface="Microsoft Yi Baiti"/>
-        <a:font script="Tibt" typeface="Microsoft Himalaya"/>
-        <a:font script="Thaa" typeface="MV Boli"/>
-        <a:font script="Deva" typeface="Mangal"/>
-        <a:font script="Telu" typeface="Gautami"/>
-        <a:font script="Taml" typeface="Latha"/>
-        <a:font script="Syrc" typeface="Estrangelo Edessa"/>
-        <a:font script="Orya" typeface="Kalinga"/>
-        <a:font script="Mlym" typeface="Kartika"/>
-        <a:font script="Laoo" typeface="DokChampa"/>
-        <a:font script="Sinh" typeface="Iskoola Pota"/>
-        <a:font script="Mong" typeface="Mongolian Baiti"/>
-        <a:font script="Viet" typeface="Arial"/>
-        <a:font script="Uigh" typeface="Microsoft Uighur"/>
-        <a:font script="Geor" typeface="Sylfaen"/>
-      </a:minorFont>
-    </a:fontScheme>
-    <a:fmtScheme name="Office">
-      <a:fillStyleLst>
-        <a:solidFill>
-          <a:schemeClr val="phClr"/>
-        </a:solidFill>
-        <a:gradFill rotWithShape="1">
-          <a:gsLst>
-            <a:gs pos="0">
-              <a:schemeClr val="phClr">
-                <a:tint val="50000"/>
-                <a:satMod val="300000"/>
-              </a:schemeClr>
-            </a:gs>
-            <a:gs pos="35000">
-              <a:schemeClr val="phClr">
-                <a:tint val="37000"/>
-                <a:satMod val="300000"/>
-              </a:schemeClr>
-            </a:gs>
-            <a:gs pos="100000">
-              <a:schemeClr val="phClr">
-                <a:tint val="15000"/>
-                <a:satMod val="350000"/>
-              </a:schemeClr>
-            </a:gs>
-          </a:gsLst>
-          <a:lin ang="16200000" scaled="1"/>
-        </a:gradFill>
-        <a:gradFill rotWithShape="1">
-          <a:gsLst>
-            <a:gs pos="0">
-              <a:schemeClr val="phClr">
-                <a:tint val="100000"/>
-                <a:shade val="100000"/>
-                <a:satMod val="130000"/>
-              </a:schemeClr>
-            </a:gs>
-            <a:gs pos="100000">
-              <a:schemeClr val="phClr">
-                <a:tint val="50000"/>
-                <a:shade val="100000"/>
-                <a:satMod val="350000"/>
-              </a:schemeClr>
-            </a:gs>
-          </a:gsLst>
-          <a:lin ang="16200000" scaled="0"/>
-        </a:gradFill>
-      </a:fillStyleLst>
-      <a:lnStyleLst>
-        <a:ln w="9525" cap="flat" cmpd="sng" algn="ctr">
-          <a:solidFill>
-            <a:schemeClr val="phClr">
-              <a:shade val="95000"/>
-              <a:satMod val="105000"/>
-            </a:schemeClr>
-          </a:solidFill>
-          <a:prstDash val="solid"/>
-        </a:ln>
-        <a:ln w="25400" cap="flat" cmpd="sng" algn="ctr">
-          <a:solidFill>
-            <a:schemeClr val="phClr"/>
-          </a:solidFill>
-          <a:prstDash val="solid"/>
-        </a:ln>
-        <a:ln w="38100" cap="flat" cmpd="sng" algn="ctr">
-          <a:solidFill>
-            <a:schemeClr val="phClr"/>
-          </a:solidFill>
-          <a:prstDash val="solid"/>
-        </a:ln>
-      </a:lnStyleLst>
-      <a:effectStyleLst>
-        <a:effectStyle>
-          <a:effectLst>
-            <a:outerShdw blurRad="40000" dist="20000" dir="5400000" rotWithShape="0">
-              <a:srgbClr val="000000">
-                <a:alpha val="38000"/>
-              </a:srgbClr>
-            </a:outerShdw>
-          </a:effectLst>
-        </a:effectStyle>
-        <a:effectStyle>
-          <a:effectLst>
-            <a:outerShdw blurRad="40000" dist="23000" dir="5400000" rotWithShape="0">
-              <a:srgbClr val="000000">
-                <a:alpha val="35000"/>
-              </a:srgbClr>
-            </a:outerShdw>
-          </a:effectLst>
-        </a:effectStyle>
-        <a:effectStyle>
-          <a:effectLst>
-            <a:outerShdw blurRad="40000" dist="23000" dir="5400000" rotWithShape="0">
-              <a:srgbClr val="000000">
-                <a:alpha val="35000"/>
-              </a:srgbClr>
-            </a:outerShdw>
-          </a:effectLst>
-          <a:scene3d>
-            <a:camera prst="orthographicFront">
-              <a:rot lat="0" lon="0" rev="0"/>
-            </a:camera>
-            <a:lightRig rig="threePt" dir="t">
-              <a:rot lat="0" lon="0" rev="1200000"/>
-            </a:lightRig>
-          </a:scene3d>
-          <a:sp3d>
-            <a:bevelT w="63500" h="25400"/>
-          </a:sp3d>
-        </a:effectStyle>
-      </a:effectStyleLst>
-      <a:bgFillStyleLst>
-        <a:solidFill>
-          <a:schemeClr val="phClr"/>
-        </a:solidFill>
-        <a:gradFill rotWithShape="1">
-          <a:gsLst>
-            <a:gs pos="0">
-              <a:schemeClr val="phClr">
-                <a:tint val="40000"/>
-                <a:satMod val="350000"/>
-              </a:schemeClr>
-            </a:gs>
-            <a:gs pos="40000">
-              <a:schemeClr val="phClr">
-                <a:tint val="45000"/>
-                <a:shade val="99000"/>
-                <a:satMod val="350000"/>
-              </a:schemeClr>
-            </a:gs>
-            <a:gs pos="100000">
-              <a:schemeClr val="phClr">
-                <a:shade val="20000"/>
-                <a:satMod val="255000"/>
-              </a:schemeClr>
-            </a:gs>
-          </a:gsLst>
-          <a:path path="circle">
-            <a:fillToRect l="50000" t="-80000" r="50000" b="180000"/>
-          </a:path>
-        </a:gradFill>
-        <a:gradFill rotWithShape="1">
-          <a:gsLst>
-            <a:gs pos="0">
-              <a:schemeClr val="phClr">
-                <a:tint val="80000"/>
-                <a:satMod val="300000"/>
-              </a:schemeClr>
-            </a:gs>
-            <a:gs pos="100000">
-              <a:schemeClr val="phClr">
-                <a:shade val="30000"/>
-                <a:satMod val="200000"/>
-              </a:schemeClr>
-            </a:gs>
-          </a:gsLst>
-          <a:path path="circle">
-            <a:fillToRect l="50000" t="50000" r="50000" b="50000"/>
-          </a:path>
-        </a:gradFill>
-      </a:bgFillStyleLst>
-    </a:fmtScheme>
-  </a:themeElements>
-</a:theme>
 </file>
--- a/jacob/presentation/pres_two/CSC495_Toxic_Crusaders_Presentation.pptx
+++ b/jacob/presentation/pres_two/CSC495_Toxic_Crusaders_Presentation.pptx
@@ -37,23 +37,24 @@
     <p:sldId id="281" r:id="rId31"/>
     <p:sldId id="282" r:id="rId32"/>
     <p:sldId id="283" r:id="rId33"/>
+    <p:sldId id="284" r:id="rId34"/>
   </p:sldIdLst>
   <p:sldSz cy="5143500" cx="9144000"/>
   <p:notesSz cx="6858000" cy="9144000"/>
   <p:embeddedFontLst>
     <p:embeddedFont>
       <p:font typeface="Helvetica Neue"/>
-      <p:regular r:id="rId34"/>
-      <p:bold r:id="rId35"/>
-      <p:italic r:id="rId36"/>
-      <p:boldItalic r:id="rId37"/>
+      <p:regular r:id="rId35"/>
+      <p:bold r:id="rId36"/>
+      <p:italic r:id="rId37"/>
+      <p:boldItalic r:id="rId38"/>
     </p:embeddedFont>
     <p:embeddedFont>
       <p:font typeface="Helvetica Neue Light"/>
-      <p:regular r:id="rId38"/>
-      <p:bold r:id="rId39"/>
-      <p:italic r:id="rId40"/>
-      <p:boldItalic r:id="rId41"/>
+      <p:regular r:id="rId39"/>
+      <p:bold r:id="rId40"/>
+      <p:italic r:id="rId41"/>
+      <p:boldItalic r:id="rId42"/>
     </p:embeddedFont>
   </p:embeddedFontLst>
   <p:defaultTextStyle>
@@ -1918,7 +1919,7 @@
   <p:cSld>
     <p:spTree>
       <p:nvGrpSpPr>
-        <p:cNvPr id="508" name="Shape 508"/>
+        <p:cNvPr id="512" name="Shape 512"/>
         <p:cNvGrpSpPr/>
         <p:nvPr/>
       </p:nvGrpSpPr>
@@ -1932,7 +1933,7 @@
       </p:grpSpPr>
       <p:sp>
         <p:nvSpPr>
-          <p:cNvPr id="509" name="Shape 509"/>
+          <p:cNvPr id="513" name="Shape 513"/>
           <p:cNvSpPr txBox="1"/>
           <p:nvPr>
             <p:ph idx="1" type="body"/>
@@ -1972,7 +1973,7 @@
       </p:sp>
       <p:sp>
         <p:nvSpPr>
-          <p:cNvPr id="510" name="Shape 510"/>
+          <p:cNvPr id="514" name="Shape 514"/>
           <p:cNvSpPr/>
           <p:nvPr>
             <p:ph idx="2" type="sldImg"/>
@@ -2017,7 +2018,7 @@
   <p:cSld>
     <p:spTree>
       <p:nvGrpSpPr>
-        <p:cNvPr id="525" name="Shape 525"/>
+        <p:cNvPr id="529" name="Shape 529"/>
         <p:cNvGrpSpPr/>
         <p:nvPr/>
       </p:nvGrpSpPr>
@@ -2031,7 +2032,7 @@
       </p:grpSpPr>
       <p:sp>
         <p:nvSpPr>
-          <p:cNvPr id="526" name="Shape 526"/>
+          <p:cNvPr id="530" name="Shape 530"/>
           <p:cNvSpPr txBox="1"/>
           <p:nvPr>
             <p:ph idx="1" type="body"/>
@@ -2071,7 +2072,7 @@
       </p:sp>
       <p:sp>
         <p:nvSpPr>
-          <p:cNvPr id="527" name="Shape 527"/>
+          <p:cNvPr id="531" name="Shape 531"/>
           <p:cNvSpPr/>
           <p:nvPr>
             <p:ph idx="2" type="sldImg"/>
@@ -2116,7 +2117,7 @@
   <p:cSld>
     <p:spTree>
       <p:nvGrpSpPr>
-        <p:cNvPr id="542" name="Shape 542"/>
+        <p:cNvPr id="546" name="Shape 546"/>
         <p:cNvGrpSpPr/>
         <p:nvPr/>
       </p:nvGrpSpPr>
@@ -2130,7 +2131,7 @@
       </p:grpSpPr>
       <p:sp>
         <p:nvSpPr>
-          <p:cNvPr id="543" name="Shape 543"/>
+          <p:cNvPr id="547" name="Shape 547"/>
           <p:cNvSpPr txBox="1"/>
           <p:nvPr>
             <p:ph idx="1" type="body"/>
@@ -2170,7 +2171,7 @@
       </p:sp>
       <p:sp>
         <p:nvSpPr>
-          <p:cNvPr id="544" name="Shape 544"/>
+          <p:cNvPr id="548" name="Shape 548"/>
           <p:cNvSpPr/>
           <p:nvPr>
             <p:ph idx="2" type="sldImg"/>
@@ -2215,7 +2216,7 @@
   <p:cSld>
     <p:spTree>
       <p:nvGrpSpPr>
-        <p:cNvPr id="560" name="Shape 560"/>
+        <p:cNvPr id="563" name="Shape 563"/>
         <p:cNvGrpSpPr/>
         <p:nvPr/>
       </p:nvGrpSpPr>
@@ -2229,7 +2230,7 @@
       </p:grpSpPr>
       <p:sp>
         <p:nvSpPr>
-          <p:cNvPr id="561" name="Shape 561"/>
+          <p:cNvPr id="564" name="Shape 564"/>
           <p:cNvSpPr txBox="1"/>
           <p:nvPr>
             <p:ph idx="1" type="body"/>
@@ -2269,7 +2270,7 @@
       </p:sp>
       <p:sp>
         <p:nvSpPr>
-          <p:cNvPr id="562" name="Shape 562"/>
+          <p:cNvPr id="565" name="Shape 565"/>
           <p:cNvSpPr/>
           <p:nvPr>
             <p:ph idx="2" type="sldImg"/>
@@ -2314,7 +2315,7 @@
   <p:cSld>
     <p:spTree>
       <p:nvGrpSpPr>
-        <p:cNvPr id="577" name="Shape 577"/>
+        <p:cNvPr id="581" name="Shape 581"/>
         <p:cNvGrpSpPr/>
         <p:nvPr/>
       </p:nvGrpSpPr>
@@ -2328,7 +2329,7 @@
       </p:grpSpPr>
       <p:sp>
         <p:nvSpPr>
-          <p:cNvPr id="578" name="Shape 578"/>
+          <p:cNvPr id="582" name="Shape 582"/>
           <p:cNvSpPr txBox="1"/>
           <p:nvPr>
             <p:ph idx="1" type="body"/>
@@ -2368,7 +2369,7 @@
       </p:sp>
       <p:sp>
         <p:nvSpPr>
-          <p:cNvPr id="579" name="Shape 579"/>
+          <p:cNvPr id="583" name="Shape 583"/>
           <p:cNvSpPr/>
           <p:nvPr>
             <p:ph idx="2" type="sldImg"/>
@@ -2413,7 +2414,7 @@
   <p:cSld>
     <p:spTree>
       <p:nvGrpSpPr>
-        <p:cNvPr id="594" name="Shape 594"/>
+        <p:cNvPr id="598" name="Shape 598"/>
         <p:cNvGrpSpPr/>
         <p:nvPr/>
       </p:nvGrpSpPr>
@@ -2427,7 +2428,7 @@
       </p:grpSpPr>
       <p:sp>
         <p:nvSpPr>
-          <p:cNvPr id="595" name="Shape 595"/>
+          <p:cNvPr id="599" name="Shape 599"/>
           <p:cNvSpPr txBox="1"/>
           <p:nvPr>
             <p:ph idx="1" type="body"/>
@@ -2467,7 +2468,106 @@
       </p:sp>
       <p:sp>
         <p:nvSpPr>
-          <p:cNvPr id="596" name="Shape 596"/>
+          <p:cNvPr id="600" name="Shape 600"/>
+          <p:cNvSpPr/>
+          <p:nvPr>
+            <p:ph idx="2" type="sldImg"/>
+          </p:nvPr>
+        </p:nvSpPr>
+        <p:spPr>
+          <a:xfrm>
+            <a:off x="381000" y="685800"/>
+            <a:ext cx="6096000" cy="3429000"/>
+          </a:xfrm>
+          <a:custGeom>
+            <a:pathLst>
+              <a:path extrusionOk="0" h="120000" w="120000">
+                <a:moveTo>
+                  <a:pt x="0" y="0"/>
+                </a:moveTo>
+                <a:lnTo>
+                  <a:pt x="120000" y="0"/>
+                </a:lnTo>
+                <a:lnTo>
+                  <a:pt x="120000" y="120000"/>
+                </a:lnTo>
+                <a:lnTo>
+                  <a:pt x="0" y="120000"/>
+                </a:lnTo>
+                <a:close/>
+              </a:path>
+            </a:pathLst>
+          </a:custGeom>
+        </p:spPr>
+      </p:sp>
+    </p:spTree>
+  </p:cSld>
+  <p:clrMapOvr>
+    <a:masterClrMapping/>
+  </p:clrMapOvr>
+</p:notes>
+</file>
+
+<file path=ppt/notesSlides/notesSlide29.xml><?xml version="1.0" encoding="utf-8"?>
+<p:notes xmlns:a="http://schemas.openxmlformats.org/drawingml/2006/main" xmlns:r="http://schemas.openxmlformats.org/officeDocument/2006/relationships" xmlns:mc="http://schemas.openxmlformats.org/markup-compatibility/2006" xmlns:mv="urn:schemas-microsoft-com:mac:vml" xmlns:p="http://schemas.openxmlformats.org/presentationml/2006/main" xmlns:c="http://schemas.openxmlformats.org/drawingml/2006/chart" xmlns:dgm="http://schemas.openxmlformats.org/drawingml/2006/diagram" xmlns:o="urn:schemas-microsoft-com:office:office" xmlns:v="urn:schemas-microsoft-com:vml" xmlns:pvml="urn:schemas-microsoft-com:office:powerpoint" xmlns:com="http://schemas.openxmlformats.org/drawingml/2006/compatibility" xmlns:p14="http://schemas.microsoft.com/office/powerpoint/2010/main" xmlns:p15="http://schemas.microsoft.com/office/powerpoint/2012/main" showMasterPhAnim="0" showMasterSp="0">
+  <p:cSld>
+    <p:spTree>
+      <p:nvGrpSpPr>
+        <p:cNvPr id="615" name="Shape 615"/>
+        <p:cNvGrpSpPr/>
+        <p:nvPr/>
+      </p:nvGrpSpPr>
+      <p:grpSpPr>
+        <a:xfrm>
+          <a:off x="0" y="0"/>
+          <a:ext cx="0" cy="0"/>
+          <a:chOff x="0" y="0"/>
+          <a:chExt cx="0" cy="0"/>
+        </a:xfrm>
+      </p:grpSpPr>
+      <p:sp>
+        <p:nvSpPr>
+          <p:cNvPr id="616" name="Shape 616"/>
+          <p:cNvSpPr txBox="1"/>
+          <p:nvPr>
+            <p:ph idx="1" type="body"/>
+          </p:nvPr>
+        </p:nvSpPr>
+        <p:spPr>
+          <a:xfrm>
+            <a:off x="914400" y="4343400"/>
+            <a:ext cx="5029200" cy="4114800"/>
+          </a:xfrm>
+          <a:prstGeom prst="rect">
+            <a:avLst/>
+          </a:prstGeom>
+          <a:noFill/>
+          <a:ln>
+            <a:noFill/>
+          </a:ln>
+        </p:spPr>
+        <p:txBody>
+          <a:bodyPr anchorCtr="0" anchor="ctr" bIns="91425" lIns="91425" rIns="91425" wrap="square" tIns="91425">
+            <a:noAutofit/>
+          </a:bodyPr>
+          <a:lstStyle/>
+          <a:p>
+            <a:pPr lvl="0" rtl="0">
+              <a:spcBef>
+                <a:spcPts val="0"/>
+              </a:spcBef>
+              <a:buNone/>
+            </a:pPr>
+            <a:r>
+              <a:t/>
+            </a:r>
+            <a:endParaRPr/>
+          </a:p>
+        </p:txBody>
+      </p:sp>
+      <p:sp>
+        <p:nvSpPr>
+          <p:cNvPr id="617" name="Shape 617"/>
           <p:cNvSpPr/>
           <p:nvPr>
             <p:ph idx="2" type="sldImg"/>
@@ -27535,43 +27635,28 @@
           </a:bodyPr>
           <a:lstStyle/>
           <a:p>
-            <a:pPr indent="-215900" lvl="0" marL="215900" rtl="0">
-              <a:spcBef>
-                <a:spcPts val="0"/>
-              </a:spcBef>
-              <a:buClr>
-                <a:schemeClr val="lt1"/>
-              </a:buClr>
-              <a:buSzPct val="146666"/>
-              <a:buFont typeface="Helvetica Neue"/>
-              <a:buChar char="•"/>
-            </a:pPr>
-            <a:r>
-              <a:rPr b="1" lang="en" sz="1500">
-                <a:solidFill>
-                  <a:schemeClr val="lt1"/>
-                </a:solidFill>
-                <a:latin typeface="Helvetica Neue"/>
-                <a:ea typeface="Helvetica Neue"/>
-                <a:cs typeface="Helvetica Neue"/>
-                <a:sym typeface="Helvetica Neue"/>
-              </a:rPr>
-              <a:t>To make the best use of our remaining time, we have chosen to focus on the TRI data sets</a:t>
-            </a:r>
-          </a:p>
-          <a:p>
-            <a:pPr lvl="0" rtl="0">
-              <a:spcBef>
-                <a:spcPts val="0"/>
-              </a:spcBef>
+            <a:pPr indent="-88900" lvl="0" marL="0" marR="0" rtl="0" algn="ctr">
+              <a:lnSpc>
+                <a:spcPct val="100000"/>
+              </a:lnSpc>
+              <a:spcBef>
+                <a:spcPts val="0"/>
+              </a:spcBef>
+              <a:spcAft>
+                <a:spcPts val="0"/>
+              </a:spcAft>
+              <a:buClr>
+                <a:srgbClr val="FFFFFF"/>
+              </a:buClr>
+              <a:buFont typeface="Helvetica Neue"/>
               <a:buNone/>
             </a:pPr>
             <a:r>
               <a:t/>
             </a:r>
-            <a:endParaRPr b="1" sz="1500">
+            <a:endParaRPr b="0" i="0" sz="1400" u="none" cap="none" strike="noStrike">
               <a:solidFill>
-                <a:schemeClr val="lt1"/>
+                <a:srgbClr val="FFFFFF"/>
               </a:solidFill>
               <a:latin typeface="Helvetica Neue"/>
               <a:ea typeface="Helvetica Neue"/>
@@ -27579,44 +27664,57 @@
               <a:sym typeface="Helvetica Neue"/>
             </a:endParaRPr>
           </a:p>
-          <a:p>
-            <a:pPr indent="-215900" lvl="0" marL="215900" rtl="0">
-              <a:spcBef>
-                <a:spcPts val="0"/>
-              </a:spcBef>
-              <a:buClr>
-                <a:schemeClr val="lt1"/>
-              </a:buClr>
-              <a:buSzPct val="146666"/>
-              <a:buFont typeface="Helvetica Neue"/>
-              <a:buChar char="•"/>
-            </a:pPr>
-            <a:r>
-              <a:rPr b="1" lang="en" sz="1500">
-                <a:solidFill>
-                  <a:schemeClr val="lt1"/>
-                </a:solidFill>
-                <a:latin typeface="Helvetica Neue"/>
-                <a:ea typeface="Helvetica Neue"/>
-                <a:cs typeface="Helvetica Neue"/>
-                <a:sym typeface="Helvetica Neue"/>
-              </a:rPr>
-              <a:t>~30 years of data, over 100 columns</a:t>
-            </a:r>
-          </a:p>
-          <a:p>
-            <a:pPr lvl="0" rtl="0">
-              <a:spcBef>
-                <a:spcPts val="0"/>
-              </a:spcBef>
+        </p:txBody>
+      </p:sp>
+      <p:sp>
+        <p:nvSpPr>
+          <p:cNvPr id="498" name="Shape 498"/>
+          <p:cNvSpPr/>
+          <p:nvPr/>
+        </p:nvSpPr>
+        <p:spPr>
+          <a:xfrm>
+            <a:off x="4339745" y="955019"/>
+            <a:ext cx="1322100" cy="1129200"/>
+          </a:xfrm>
+          <a:prstGeom prst="rect">
+            <a:avLst/>
+          </a:prstGeom>
+          <a:solidFill>
+            <a:srgbClr val="6C6C6C"/>
+          </a:solidFill>
+          <a:ln>
+            <a:noFill/>
+          </a:ln>
+        </p:spPr>
+        <p:txBody>
+          <a:bodyPr anchorCtr="0" anchor="ctr" bIns="32750" lIns="32750" rIns="32750" wrap="square" tIns="32750">
+            <a:noAutofit/>
+          </a:bodyPr>
+          <a:lstStyle/>
+          <a:p>
+            <a:pPr indent="-88900" lvl="0" marL="0" marR="0" rtl="0" algn="ctr">
+              <a:lnSpc>
+                <a:spcPct val="100000"/>
+              </a:lnSpc>
+              <a:spcBef>
+                <a:spcPts val="0"/>
+              </a:spcBef>
+              <a:spcAft>
+                <a:spcPts val="0"/>
+              </a:spcAft>
+              <a:buClr>
+                <a:srgbClr val="FFFFFF"/>
+              </a:buClr>
+              <a:buFont typeface="Helvetica Neue"/>
               <a:buNone/>
             </a:pPr>
             <a:r>
               <a:t/>
             </a:r>
-            <a:endParaRPr b="1" sz="1500">
+            <a:endParaRPr b="0" i="0" sz="1400" u="none" cap="none" strike="noStrike">
               <a:solidFill>
-                <a:schemeClr val="lt1"/>
+                <a:srgbClr val="FFFFFF"/>
               </a:solidFill>
               <a:latin typeface="Helvetica Neue"/>
               <a:ea typeface="Helvetica Neue"/>
@@ -27624,72 +27722,24 @@
               <a:sym typeface="Helvetica Neue"/>
             </a:endParaRPr>
           </a:p>
-          <a:p>
-            <a:pPr indent="-215900" lvl="0" marL="215900" rtl="0">
-              <a:spcBef>
-                <a:spcPts val="0"/>
-              </a:spcBef>
-              <a:buClr>
-                <a:schemeClr val="lt1"/>
-              </a:buClr>
-              <a:buSzPct val="146666"/>
-              <a:buFont typeface="Helvetica Neue"/>
-              <a:buChar char="•"/>
-            </a:pPr>
-            <a:r>
-              <a:rPr b="1" lang="en" sz="1500">
-                <a:solidFill>
-                  <a:schemeClr val="lt1"/>
-                </a:solidFill>
-                <a:latin typeface="Helvetica Neue"/>
-                <a:ea typeface="Helvetica Neue"/>
-                <a:cs typeface="Helvetica Neue"/>
-                <a:sym typeface="Helvetica Neue"/>
-              </a:rPr>
-              <a:t>Many interesting questions to be explored on national and state levels</a:t>
-            </a:r>
-            <a:br>
-              <a:rPr b="1" lang="en" sz="1500">
-                <a:solidFill>
-                  <a:schemeClr val="lt1"/>
-                </a:solidFill>
-                <a:latin typeface="Helvetica Neue"/>
-                <a:ea typeface="Helvetica Neue"/>
-                <a:cs typeface="Helvetica Neue"/>
-                <a:sym typeface="Helvetica Neue"/>
-              </a:rPr>
-            </a:br>
-            <a:r>
-              <a:rPr b="1" lang="en" sz="1500">
-                <a:solidFill>
-                  <a:schemeClr val="lt1"/>
-                </a:solidFill>
-                <a:latin typeface="Helvetica Neue"/>
-                <a:ea typeface="Helvetica Neue"/>
-                <a:cs typeface="Helvetica Neue"/>
-                <a:sym typeface="Helvetica Neue"/>
-              </a:rPr>
-              <a:t> </a:t>
-            </a:r>
-          </a:p>
         </p:txBody>
       </p:sp>
       <p:sp>
         <p:nvSpPr>
-          <p:cNvPr id="498" name="Shape 498"/>
+          <p:cNvPr id="499" name="Shape 499"/>
           <p:cNvSpPr/>
           <p:nvPr/>
         </p:nvSpPr>
         <p:spPr>
           <a:xfrm>
-            <a:off x="4339745" y="955019"/>
-            <a:ext cx="1322100" cy="1129200"/>
+            <a:off x="4344609" y="22274"/>
+            <a:ext cx="4772700" cy="917400"/>
           </a:xfrm>
           <a:prstGeom prst="rect">
             <a:avLst/>
           </a:prstGeom>
           <a:solidFill>
-            <a:srgbClr val="6C6C6C"/>
+            <a:srgbClr val="434343"/>
           </a:solidFill>
           <a:ln>
             <a:noFill/>
@@ -27734,14 +27784,71 @@
       </p:sp>
       <p:sp>
         <p:nvSpPr>
-          <p:cNvPr id="499" name="Shape 499"/>
+          <p:cNvPr id="500" name="Shape 500"/>
+          <p:cNvSpPr txBox="1"/>
+          <p:nvPr/>
+        </p:nvSpPr>
+        <p:spPr>
+          <a:xfrm>
+            <a:off x="5195359" y="264666"/>
+            <a:ext cx="2842500" cy="432600"/>
+          </a:xfrm>
+          <a:prstGeom prst="rect">
+            <a:avLst/>
+          </a:prstGeom>
+          <a:noFill/>
+          <a:ln>
+            <a:noFill/>
+          </a:ln>
+        </p:spPr>
+        <p:txBody>
+          <a:bodyPr anchorCtr="0" anchor="ctr" bIns="32750" lIns="32750" rIns="32750" wrap="square" tIns="32750">
+            <a:noAutofit/>
+          </a:bodyPr>
+          <a:lstStyle/>
+          <a:p>
+            <a:pPr indent="-196850" lvl="0" marL="0" marR="0" rtl="0" algn="ctr">
+              <a:lnSpc>
+                <a:spcPct val="100000"/>
+              </a:lnSpc>
+              <a:spcBef>
+                <a:spcPts val="0"/>
+              </a:spcBef>
+              <a:spcAft>
+                <a:spcPts val="0"/>
+              </a:spcAft>
+              <a:buClr>
+                <a:srgbClr val="FFFFFF"/>
+              </a:buClr>
+              <a:buSzPct val="100000"/>
+              <a:buFont typeface="Helvetica Neue"/>
+              <a:buNone/>
+            </a:pPr>
+            <a:r>
+              <a:rPr b="1" lang="en" sz="3100">
+                <a:solidFill>
+                  <a:srgbClr val="FFFFFF"/>
+                </a:solidFill>
+                <a:latin typeface="Helvetica Neue"/>
+                <a:ea typeface="Helvetica Neue"/>
+                <a:cs typeface="Helvetica Neue"/>
+                <a:sym typeface="Helvetica Neue"/>
+              </a:rPr>
+              <a:t>ZHVI: Going Forward</a:t>
+            </a:r>
+          </a:p>
+        </p:txBody>
+      </p:sp>
+      <p:sp>
+        <p:nvSpPr>
+          <p:cNvPr id="501" name="Shape 501"/>
           <p:cNvSpPr/>
           <p:nvPr/>
         </p:nvSpPr>
         <p:spPr>
           <a:xfrm>
-            <a:off x="4344609" y="22274"/>
-            <a:ext cx="4772700" cy="917400"/>
+            <a:off x="5682332" y="2101132"/>
+            <a:ext cx="3434400" cy="2083200"/>
           </a:xfrm>
           <a:prstGeom prst="rect">
             <a:avLst/>
@@ -27792,77 +27899,20 @@
       </p:sp>
       <p:sp>
         <p:nvSpPr>
-          <p:cNvPr id="500" name="Shape 500"/>
-          <p:cNvSpPr txBox="1"/>
-          <p:nvPr/>
-        </p:nvSpPr>
-        <p:spPr>
-          <a:xfrm>
-            <a:off x="4382101" y="264675"/>
-            <a:ext cx="4697700" cy="432600"/>
-          </a:xfrm>
-          <a:prstGeom prst="rect">
-            <a:avLst/>
-          </a:prstGeom>
-          <a:noFill/>
-          <a:ln>
-            <a:noFill/>
-          </a:ln>
-        </p:spPr>
-        <p:txBody>
-          <a:bodyPr anchorCtr="0" anchor="ctr" bIns="32750" lIns="32750" rIns="32750" wrap="square" tIns="32750">
-            <a:noAutofit/>
-          </a:bodyPr>
-          <a:lstStyle/>
-          <a:p>
-            <a:pPr indent="-196850" lvl="0" marL="0" marR="0" rtl="0" algn="ctr">
-              <a:lnSpc>
-                <a:spcPct val="100000"/>
-              </a:lnSpc>
-              <a:spcBef>
-                <a:spcPts val="0"/>
-              </a:spcBef>
-              <a:spcAft>
-                <a:spcPts val="0"/>
-              </a:spcAft>
-              <a:buClr>
-                <a:srgbClr val="FFFFFF"/>
-              </a:buClr>
-              <a:buSzPct val="114814"/>
-              <a:buFont typeface="Helvetica Neue"/>
-              <a:buNone/>
-            </a:pPr>
-            <a:r>
-              <a:rPr b="1" lang="en" sz="2700">
-                <a:solidFill>
-                  <a:srgbClr val="FFFFFF"/>
-                </a:solidFill>
-                <a:latin typeface="Helvetica Neue"/>
-                <a:ea typeface="Helvetica Neue"/>
-                <a:cs typeface="Helvetica Neue"/>
-                <a:sym typeface="Helvetica Neue"/>
-              </a:rPr>
-              <a:t>New Goal: Explore TRI Data</a:t>
-            </a:r>
-          </a:p>
-        </p:txBody>
-      </p:sp>
-      <p:sp>
-        <p:nvSpPr>
-          <p:cNvPr id="501" name="Shape 501"/>
+          <p:cNvPr id="502" name="Shape 502"/>
           <p:cNvSpPr/>
           <p:nvPr/>
         </p:nvSpPr>
         <p:spPr>
           <a:xfrm>
-            <a:off x="5682332" y="2101132"/>
-            <a:ext cx="3434400" cy="2083200"/>
+            <a:off x="5685350" y="957050"/>
+            <a:ext cx="2451300" cy="1125000"/>
           </a:xfrm>
           <a:prstGeom prst="rect">
             <a:avLst/>
           </a:prstGeom>
           <a:solidFill>
-            <a:srgbClr val="434343"/>
+            <a:srgbClr val="6C6C6C"/>
           </a:solidFill>
           <a:ln>
             <a:noFill/>
@@ -27905,67 +27955,9 @@
           </a:p>
         </p:txBody>
       </p:sp>
-      <p:sp>
-        <p:nvSpPr>
-          <p:cNvPr id="502" name="Shape 502"/>
-          <p:cNvSpPr/>
-          <p:nvPr/>
-        </p:nvSpPr>
-        <p:spPr>
-          <a:xfrm>
-            <a:off x="5685350" y="957050"/>
-            <a:ext cx="2451300" cy="1125000"/>
-          </a:xfrm>
-          <a:prstGeom prst="rect">
-            <a:avLst/>
-          </a:prstGeom>
-          <a:solidFill>
-            <a:srgbClr val="6C6C6C"/>
-          </a:solidFill>
-          <a:ln>
-            <a:noFill/>
-          </a:ln>
-        </p:spPr>
-        <p:txBody>
-          <a:bodyPr anchorCtr="0" anchor="ctr" bIns="32750" lIns="32750" rIns="32750" wrap="square" tIns="32750">
-            <a:noAutofit/>
-          </a:bodyPr>
-          <a:lstStyle/>
-          <a:p>
-            <a:pPr indent="-88900" lvl="0" marL="0" marR="0" rtl="0" algn="ctr">
-              <a:lnSpc>
-                <a:spcPct val="100000"/>
-              </a:lnSpc>
-              <a:spcBef>
-                <a:spcPts val="0"/>
-              </a:spcBef>
-              <a:spcAft>
-                <a:spcPts val="0"/>
-              </a:spcAft>
-              <a:buClr>
-                <a:srgbClr val="FFFFFF"/>
-              </a:buClr>
-              <a:buFont typeface="Helvetica Neue"/>
-              <a:buNone/>
-            </a:pPr>
-            <a:r>
-              <a:t/>
-            </a:r>
-            <a:endParaRPr b="0" i="0" sz="1400" u="none" cap="none" strike="noStrike">
-              <a:solidFill>
-                <a:srgbClr val="FFFFFF"/>
-              </a:solidFill>
-              <a:latin typeface="Helvetica Neue"/>
-              <a:ea typeface="Helvetica Neue"/>
-              <a:cs typeface="Helvetica Neue"/>
-              <a:sym typeface="Helvetica Neue"/>
-            </a:endParaRPr>
-          </a:p>
-        </p:txBody>
-      </p:sp>
       <p:pic>
         <p:nvPicPr>
-          <p:cNvPr descr="2eastmainbfr.jpg" id="503" name="Shape 503"/>
+          <p:cNvPr descr="natural-wetland-2.jpg" id="503" name="Shape 503"/>
           <p:cNvPicPr preferRelativeResize="0"/>
           <p:nvPr/>
         </p:nvPicPr>
@@ -27978,8 +27970,8 @@
         </p:blipFill>
         <p:spPr>
           <a:xfrm>
-            <a:off x="8174459" y="957284"/>
-            <a:ext cx="944244" cy="1124691"/>
+            <a:off x="7569975" y="4203150"/>
+            <a:ext cx="1564600" cy="916575"/>
           </a:xfrm>
           <a:prstGeom prst="rect">
             <a:avLst/>
@@ -27990,9 +27982,190 @@
           </a:ln>
         </p:spPr>
       </p:pic>
+      <p:sp>
+        <p:nvSpPr>
+          <p:cNvPr id="504" name="Shape 504"/>
+          <p:cNvSpPr/>
+          <p:nvPr/>
+        </p:nvSpPr>
+        <p:spPr>
+          <a:xfrm>
+            <a:off x="5683150" y="4203175"/>
+            <a:ext cx="1866900" cy="917400"/>
+          </a:xfrm>
+          <a:prstGeom prst="rect">
+            <a:avLst/>
+          </a:prstGeom>
+          <a:solidFill>
+            <a:srgbClr val="6C6C6C"/>
+          </a:solidFill>
+          <a:ln>
+            <a:noFill/>
+          </a:ln>
+        </p:spPr>
+        <p:txBody>
+          <a:bodyPr anchorCtr="0" anchor="ctr" bIns="32750" lIns="32750" rIns="32750" wrap="square" tIns="32750">
+            <a:noAutofit/>
+          </a:bodyPr>
+          <a:lstStyle/>
+          <a:p>
+            <a:pPr indent="-88900" lvl="0" marL="0" marR="0" rtl="0" algn="ctr">
+              <a:lnSpc>
+                <a:spcPct val="100000"/>
+              </a:lnSpc>
+              <a:spcBef>
+                <a:spcPts val="0"/>
+              </a:spcBef>
+              <a:spcAft>
+                <a:spcPts val="0"/>
+              </a:spcAft>
+              <a:buClr>
+                <a:srgbClr val="FFFFFF"/>
+              </a:buClr>
+              <a:buFont typeface="Helvetica Neue"/>
+              <a:buNone/>
+            </a:pPr>
+            <a:r>
+              <a:t/>
+            </a:r>
+            <a:endParaRPr b="0" i="0" sz="1400" u="none" cap="none" strike="noStrike">
+              <a:solidFill>
+                <a:srgbClr val="FFFFFF"/>
+              </a:solidFill>
+              <a:latin typeface="Helvetica Neue"/>
+              <a:ea typeface="Helvetica Neue"/>
+              <a:cs typeface="Helvetica Neue"/>
+              <a:sym typeface="Helvetica Neue"/>
+            </a:endParaRPr>
+          </a:p>
+        </p:txBody>
+      </p:sp>
+      <p:sp>
+        <p:nvSpPr>
+          <p:cNvPr id="505" name="Shape 505"/>
+          <p:cNvSpPr txBox="1"/>
+          <p:nvPr/>
+        </p:nvSpPr>
+        <p:spPr>
+          <a:xfrm>
+            <a:off x="27500" y="2086850"/>
+            <a:ext cx="5628900" cy="3000000"/>
+          </a:xfrm>
+          <a:prstGeom prst="rect">
+            <a:avLst/>
+          </a:prstGeom>
+          <a:noFill/>
+          <a:ln>
+            <a:noFill/>
+          </a:ln>
+        </p:spPr>
+        <p:txBody>
+          <a:bodyPr anchorCtr="0" anchor="ctr" bIns="91425" lIns="91425" rIns="91425" wrap="square" tIns="91425">
+            <a:noAutofit/>
+          </a:bodyPr>
+          <a:lstStyle/>
+          <a:p>
+            <a:pPr indent="-215900" lvl="0" marL="215900" rtl="0">
+              <a:spcBef>
+                <a:spcPts val="0"/>
+              </a:spcBef>
+              <a:buClr>
+                <a:schemeClr val="lt1"/>
+              </a:buClr>
+              <a:buSzPct val="146666"/>
+              <a:buFont typeface="Helvetica Neue"/>
+              <a:buChar char="•"/>
+            </a:pPr>
+            <a:r>
+              <a:rPr b="1" lang="en" sz="1500">
+                <a:solidFill>
+                  <a:schemeClr val="lt1"/>
+                </a:solidFill>
+                <a:latin typeface="Helvetica Neue"/>
+                <a:ea typeface="Helvetica Neue"/>
+                <a:cs typeface="Helvetica Neue"/>
+                <a:sym typeface="Helvetica Neue"/>
+              </a:rPr>
+              <a:t>Although, a certain pattern was observed with the average price of homes(considering the centroid) with respect to their distances from the TRI industries.</a:t>
+            </a:r>
+            <a:br>
+              <a:rPr b="1" lang="en" sz="1500">
+                <a:solidFill>
+                  <a:schemeClr val="lt1"/>
+                </a:solidFill>
+                <a:latin typeface="Helvetica Neue"/>
+                <a:ea typeface="Helvetica Neue"/>
+                <a:cs typeface="Helvetica Neue"/>
+                <a:sym typeface="Helvetica Neue"/>
+              </a:rPr>
+            </a:br>
+          </a:p>
+          <a:p>
+            <a:pPr indent="-215900" lvl="0" marL="215900" rtl="0">
+              <a:spcBef>
+                <a:spcPts val="0"/>
+              </a:spcBef>
+              <a:buClr>
+                <a:schemeClr val="lt1"/>
+              </a:buClr>
+              <a:buSzPct val="146666"/>
+              <a:buFont typeface="Helvetica Neue"/>
+              <a:buChar char="•"/>
+            </a:pPr>
+            <a:r>
+              <a:rPr b="1" lang="en" sz="1500">
+                <a:solidFill>
+                  <a:schemeClr val="lt1"/>
+                </a:solidFill>
+                <a:latin typeface="Helvetica Neue"/>
+                <a:ea typeface="Helvetica Neue"/>
+                <a:cs typeface="Helvetica Neue"/>
+                <a:sym typeface="Helvetica Neue"/>
+              </a:rPr>
+              <a:t>For the Chemical Industry Sector, it was noticed that the average home prices(1-,2-,3-,4- bedrooms,condos) increase as their distance from the industry facility increases.</a:t>
+            </a:r>
+            <a:br>
+              <a:rPr b="1" lang="en" sz="1500">
+                <a:solidFill>
+                  <a:schemeClr val="lt1"/>
+                </a:solidFill>
+                <a:latin typeface="Helvetica Neue"/>
+                <a:ea typeface="Helvetica Neue"/>
+                <a:cs typeface="Helvetica Neue"/>
+                <a:sym typeface="Helvetica Neue"/>
+              </a:rPr>
+            </a:br>
+          </a:p>
+          <a:p>
+            <a:pPr indent="-171450" lvl="0" marL="215900" rtl="0">
+              <a:spcBef>
+                <a:spcPts val="0"/>
+              </a:spcBef>
+              <a:buClr>
+                <a:schemeClr val="lt1"/>
+              </a:buClr>
+              <a:buSzPct val="100000"/>
+              <a:buFont typeface="Helvetica Neue"/>
+              <a:buChar char="•"/>
+            </a:pPr>
+            <a:r>
+              <a:rPr b="1" lang="en" sz="1500">
+                <a:solidFill>
+                  <a:schemeClr val="lt1"/>
+                </a:solidFill>
+                <a:latin typeface="Helvetica Neue"/>
+                <a:ea typeface="Helvetica Neue"/>
+                <a:cs typeface="Helvetica Neue"/>
+                <a:sym typeface="Helvetica Neue"/>
+              </a:rPr>
+              <a:t>Continue to look into these trends going forward, perhaps secondary goal now</a:t>
+            </a:r>
+          </a:p>
+        </p:txBody>
+      </p:sp>
       <p:pic>
         <p:nvPicPr>
-          <p:cNvPr descr="natural-wetland-2.jpg" id="504" name="Shape 504"/>
+          <p:cNvPr descr="buffalogrove_illinois.jpeg" id="506" name="Shape 506"/>
           <p:cNvPicPr preferRelativeResize="0"/>
           <p:nvPr/>
         </p:nvPicPr>
@@ -28005,8 +28178,8 @@
         </p:blipFill>
         <p:spPr>
           <a:xfrm>
-            <a:off x="7569975" y="4203150"/>
-            <a:ext cx="1564600" cy="916575"/>
+            <a:off x="27499" y="16875"/>
+            <a:ext cx="4286250" cy="2066575"/>
           </a:xfrm>
           <a:prstGeom prst="rect">
             <a:avLst/>
@@ -28017,72 +28190,126 @@
           </a:ln>
         </p:spPr>
       </p:pic>
-      <p:sp>
-        <p:nvSpPr>
-          <p:cNvPr id="505" name="Shape 505"/>
-          <p:cNvSpPr/>
-          <p:nvPr/>
-        </p:nvSpPr>
-        <p:spPr>
-          <a:xfrm>
-            <a:off x="5683150" y="4203175"/>
-            <a:ext cx="1866900" cy="917400"/>
-          </a:xfrm>
-          <a:prstGeom prst="rect">
-            <a:avLst/>
-          </a:prstGeom>
-          <a:solidFill>
-            <a:srgbClr val="6C6C6C"/>
-          </a:solidFill>
-          <a:ln>
-            <a:noFill/>
-          </a:ln>
-        </p:spPr>
-        <p:txBody>
-          <a:bodyPr anchorCtr="0" anchor="ctr" bIns="32750" lIns="32750" rIns="32750" wrap="square" tIns="32750">
-            <a:noAutofit/>
-          </a:bodyPr>
-          <a:lstStyle/>
-          <a:p>
-            <a:pPr indent="-88900" lvl="0" marL="0" marR="0" rtl="0" algn="ctr">
-              <a:lnSpc>
-                <a:spcPct val="100000"/>
-              </a:lnSpc>
-              <a:spcBef>
-                <a:spcPts val="0"/>
-              </a:spcBef>
-              <a:spcAft>
-                <a:spcPts val="0"/>
-              </a:spcAft>
-              <a:buClr>
-                <a:srgbClr val="FFFFFF"/>
-              </a:buClr>
-              <a:buFont typeface="Helvetica Neue"/>
-              <a:buNone/>
-            </a:pPr>
-            <a:r>
-              <a:t/>
-            </a:r>
-            <a:endParaRPr b="0" i="0" sz="1400" u="none" cap="none" strike="noStrike">
-              <a:solidFill>
-                <a:srgbClr val="FFFFFF"/>
-              </a:solidFill>
-              <a:latin typeface="Helvetica Neue"/>
-              <a:ea typeface="Helvetica Neue"/>
-              <a:cs typeface="Helvetica Neue"/>
-              <a:sym typeface="Helvetica Neue"/>
-            </a:endParaRPr>
-          </a:p>
-        </p:txBody>
-      </p:sp>
       <p:pic>
         <p:nvPicPr>
-          <p:cNvPr descr="neighboor_near_plant.jpg" id="506" name="Shape 506"/>
+          <p:cNvPr id="507" name="Shape 507"/>
+          <p:cNvPicPr preferRelativeResize="0"/>
+          <p:nvPr/>
+        </p:nvPicPr>
+        <p:blipFill>
+          <a:blip r:embed="rId5">
+            <a:alphaModFix/>
+          </a:blip>
+          <a:stretch>
+            <a:fillRect/>
+          </a:stretch>
+        </p:blipFill>
+        <p:spPr>
+          <a:xfrm>
+            <a:off x="31950" y="22275"/>
+            <a:ext cx="2211474" cy="2066575"/>
+          </a:xfrm>
+          <a:prstGeom prst="rect">
+            <a:avLst/>
+          </a:prstGeom>
+          <a:noFill/>
+          <a:ln>
+            <a:noFill/>
+          </a:ln>
+        </p:spPr>
+      </p:pic>
+      <p:pic>
+        <p:nvPicPr>
+          <p:cNvPr id="508" name="Shape 508"/>
+          <p:cNvPicPr preferRelativeResize="0"/>
+          <p:nvPr/>
+        </p:nvPicPr>
+        <p:blipFill>
+          <a:blip r:embed="rId6">
+            <a:alphaModFix/>
+          </a:blip>
+          <a:stretch>
+            <a:fillRect/>
+          </a:stretch>
+        </p:blipFill>
+        <p:spPr>
+          <a:xfrm>
+            <a:off x="5656400" y="2101025"/>
+            <a:ext cx="1768124" cy="2083201"/>
+          </a:xfrm>
+          <a:prstGeom prst="rect">
+            <a:avLst/>
+          </a:prstGeom>
+          <a:noFill/>
+          <a:ln>
+            <a:noFill/>
+          </a:ln>
+        </p:spPr>
+      </p:pic>
+      <p:pic>
+        <p:nvPicPr>
+          <p:cNvPr id="509" name="Shape 509"/>
+          <p:cNvPicPr preferRelativeResize="0"/>
+          <p:nvPr/>
+        </p:nvPicPr>
+        <p:blipFill>
+          <a:blip r:embed="rId7">
+            <a:alphaModFix/>
+          </a:blip>
+          <a:stretch>
+            <a:fillRect/>
+          </a:stretch>
+        </p:blipFill>
+        <p:spPr>
+          <a:xfrm>
+            <a:off x="7424525" y="2081975"/>
+            <a:ext cx="1694550" cy="2113751"/>
+          </a:xfrm>
+          <a:prstGeom prst="rect">
+            <a:avLst/>
+          </a:prstGeom>
+          <a:noFill/>
+          <a:ln>
+            <a:noFill/>
+          </a:ln>
+        </p:spPr>
+      </p:pic>
+      <p:pic>
+        <p:nvPicPr>
+          <p:cNvPr id="510" name="Shape 510"/>
+          <p:cNvPicPr preferRelativeResize="0"/>
+          <p:nvPr/>
+        </p:nvPicPr>
+        <p:blipFill>
+          <a:blip r:embed="rId8">
+            <a:alphaModFix/>
+          </a:blip>
+          <a:stretch>
+            <a:fillRect/>
+          </a:stretch>
+        </p:blipFill>
+        <p:spPr>
+          <a:xfrm>
+            <a:off x="2243426" y="1025"/>
+            <a:ext cx="2072824" cy="2083200"/>
+          </a:xfrm>
+          <a:prstGeom prst="rect">
+            <a:avLst/>
+          </a:prstGeom>
+          <a:noFill/>
+          <a:ln>
+            <a:noFill/>
+          </a:ln>
+        </p:spPr>
+      </p:pic>
+      <p:pic>
+        <p:nvPicPr>
+          <p:cNvPr descr="2eastmainbfr.jpg" id="511" name="Shape 511"/>
           <p:cNvPicPr preferRelativeResize="0"/>
           <p:nvPr/>
         </p:nvPicPr>
         <p:blipFill rotWithShape="1">
-          <a:blip r:embed="rId5">
+          <a:blip r:embed="rId9">
             <a:alphaModFix/>
           </a:blip>
           <a:srcRect b="0" l="0" r="0" t="0"/>
@@ -28090,35 +28317,8 @@
         </p:blipFill>
         <p:spPr>
           <a:xfrm>
-            <a:off x="24382" y="16931"/>
-            <a:ext cx="4293976" cy="2061310"/>
-          </a:xfrm>
-          <a:prstGeom prst="rect">
-            <a:avLst/>
-          </a:prstGeom>
-          <a:noFill/>
-          <a:ln>
-            <a:noFill/>
-          </a:ln>
-        </p:spPr>
-      </p:pic>
-      <p:pic>
-        <p:nvPicPr>
-          <p:cNvPr descr="triindustrymap.jpg" id="507" name="Shape 507"/>
-          <p:cNvPicPr preferRelativeResize="0"/>
-          <p:nvPr/>
-        </p:nvPicPr>
-        <p:blipFill rotWithShape="1">
-          <a:blip r:embed="rId6">
-            <a:alphaModFix/>
-          </a:blip>
-          <a:srcRect b="0" l="0" r="0" t="0"/>
-          <a:stretch/>
-        </p:blipFill>
-        <p:spPr>
-          <a:xfrm>
-            <a:off x="5684240" y="2101132"/>
-            <a:ext cx="3430627" cy="2079356"/>
+            <a:off x="8174459" y="957284"/>
+            <a:ext cx="944244" cy="1124691"/>
           </a:xfrm>
           <a:prstGeom prst="rect">
             <a:avLst/>
@@ -28149,7 +28349,7 @@
     </p:bg>
     <p:spTree>
       <p:nvGrpSpPr>
-        <p:cNvPr id="511" name="Shape 511"/>
+        <p:cNvPr id="515" name="Shape 515"/>
         <p:cNvGrpSpPr/>
         <p:nvPr/>
       </p:nvGrpSpPr>
@@ -28163,7 +28363,7 @@
       </p:grpSpPr>
       <p:sp>
         <p:nvSpPr>
-          <p:cNvPr id="512" name="Shape 512"/>
+          <p:cNvPr id="516" name="Shape 516"/>
           <p:cNvSpPr/>
           <p:nvPr/>
         </p:nvSpPr>
@@ -28221,7 +28421,7 @@
       </p:sp>
       <p:sp>
         <p:nvSpPr>
-          <p:cNvPr id="513" name="Shape 513"/>
+          <p:cNvPr id="517" name="Shape 517"/>
           <p:cNvSpPr/>
           <p:nvPr/>
         </p:nvSpPr>
@@ -28279,7 +28479,7 @@
       </p:sp>
       <p:sp>
         <p:nvSpPr>
-          <p:cNvPr id="514" name="Shape 514"/>
+          <p:cNvPr id="518" name="Shape 518"/>
           <p:cNvSpPr/>
           <p:nvPr/>
         </p:nvSpPr>
@@ -28304,28 +28504,43 @@
           </a:bodyPr>
           <a:lstStyle/>
           <a:p>
-            <a:pPr indent="-88900" lvl="0" marL="0" marR="0" rtl="0" algn="ctr">
-              <a:lnSpc>
-                <a:spcPct val="100000"/>
-              </a:lnSpc>
-              <a:spcBef>
-                <a:spcPts val="0"/>
-              </a:spcBef>
-              <a:spcAft>
-                <a:spcPts val="0"/>
-              </a:spcAft>
-              <a:buClr>
-                <a:srgbClr val="FFFFFF"/>
-              </a:buClr>
-              <a:buFont typeface="Helvetica Neue"/>
+            <a:pPr indent="-215900" lvl="0" marL="215900" rtl="0">
+              <a:spcBef>
+                <a:spcPts val="0"/>
+              </a:spcBef>
+              <a:buClr>
+                <a:schemeClr val="lt1"/>
+              </a:buClr>
+              <a:buSzPct val="146666"/>
+              <a:buFont typeface="Helvetica Neue"/>
+              <a:buChar char="•"/>
+            </a:pPr>
+            <a:r>
+              <a:rPr b="1" lang="en" sz="1500">
+                <a:solidFill>
+                  <a:schemeClr val="lt1"/>
+                </a:solidFill>
+                <a:latin typeface="Helvetica Neue"/>
+                <a:ea typeface="Helvetica Neue"/>
+                <a:cs typeface="Helvetica Neue"/>
+                <a:sym typeface="Helvetica Neue"/>
+              </a:rPr>
+              <a:t>To make the best use of our remaining time, we have chosen to focus on the TRI data sets</a:t>
+            </a:r>
+          </a:p>
+          <a:p>
+            <a:pPr lvl="0" rtl="0">
+              <a:spcBef>
+                <a:spcPts val="0"/>
+              </a:spcBef>
               <a:buNone/>
             </a:pPr>
             <a:r>
               <a:t/>
             </a:r>
-            <a:endParaRPr b="0" i="0" sz="1400" u="none" cap="none" strike="noStrike">
+            <a:endParaRPr b="1" sz="1500">
               <a:solidFill>
-                <a:srgbClr val="FFFFFF"/>
+                <a:schemeClr val="lt1"/>
               </a:solidFill>
               <a:latin typeface="Helvetica Neue"/>
               <a:ea typeface="Helvetica Neue"/>
@@ -28333,57 +28548,44 @@
               <a:sym typeface="Helvetica Neue"/>
             </a:endParaRPr>
           </a:p>
-        </p:txBody>
-      </p:sp>
-      <p:sp>
-        <p:nvSpPr>
-          <p:cNvPr id="515" name="Shape 515"/>
-          <p:cNvSpPr/>
-          <p:nvPr/>
-        </p:nvSpPr>
-        <p:spPr>
-          <a:xfrm>
-            <a:off x="4339745" y="955019"/>
-            <a:ext cx="1322100" cy="1129200"/>
-          </a:xfrm>
-          <a:prstGeom prst="rect">
-            <a:avLst/>
-          </a:prstGeom>
-          <a:solidFill>
-            <a:srgbClr val="6C6C6C"/>
-          </a:solidFill>
-          <a:ln>
-            <a:noFill/>
-          </a:ln>
-        </p:spPr>
-        <p:txBody>
-          <a:bodyPr anchorCtr="0" anchor="ctr" bIns="32750" lIns="32750" rIns="32750" wrap="square" tIns="32750">
-            <a:noAutofit/>
-          </a:bodyPr>
-          <a:lstStyle/>
-          <a:p>
-            <a:pPr indent="-88900" lvl="0" marL="0" marR="0" rtl="0" algn="ctr">
-              <a:lnSpc>
-                <a:spcPct val="100000"/>
-              </a:lnSpc>
-              <a:spcBef>
-                <a:spcPts val="0"/>
-              </a:spcBef>
-              <a:spcAft>
-                <a:spcPts val="0"/>
-              </a:spcAft>
-              <a:buClr>
-                <a:srgbClr val="FFFFFF"/>
-              </a:buClr>
-              <a:buFont typeface="Helvetica Neue"/>
+          <a:p>
+            <a:pPr indent="-215900" lvl="0" marL="215900" rtl="0">
+              <a:spcBef>
+                <a:spcPts val="0"/>
+              </a:spcBef>
+              <a:buClr>
+                <a:schemeClr val="lt1"/>
+              </a:buClr>
+              <a:buSzPct val="146666"/>
+              <a:buFont typeface="Helvetica Neue"/>
+              <a:buChar char="•"/>
+            </a:pPr>
+            <a:r>
+              <a:rPr b="1" lang="en" sz="1500">
+                <a:solidFill>
+                  <a:schemeClr val="lt1"/>
+                </a:solidFill>
+                <a:latin typeface="Helvetica Neue"/>
+                <a:ea typeface="Helvetica Neue"/>
+                <a:cs typeface="Helvetica Neue"/>
+                <a:sym typeface="Helvetica Neue"/>
+              </a:rPr>
+              <a:t>~30 years of data, over 100 columns</a:t>
+            </a:r>
+          </a:p>
+          <a:p>
+            <a:pPr lvl="0" rtl="0">
+              <a:spcBef>
+                <a:spcPts val="0"/>
+              </a:spcBef>
               <a:buNone/>
             </a:pPr>
             <a:r>
               <a:t/>
             </a:r>
-            <a:endParaRPr b="0" i="0" sz="1400" u="none" cap="none" strike="noStrike">
+            <a:endParaRPr b="1" sz="1500">
               <a:solidFill>
-                <a:srgbClr val="FFFFFF"/>
+                <a:schemeClr val="lt1"/>
               </a:solidFill>
               <a:latin typeface="Helvetica Neue"/>
               <a:ea typeface="Helvetica Neue"/>
@@ -28391,24 +28593,72 @@
               <a:sym typeface="Helvetica Neue"/>
             </a:endParaRPr>
           </a:p>
+          <a:p>
+            <a:pPr indent="-215900" lvl="0" marL="215900" rtl="0">
+              <a:spcBef>
+                <a:spcPts val="0"/>
+              </a:spcBef>
+              <a:buClr>
+                <a:schemeClr val="lt1"/>
+              </a:buClr>
+              <a:buSzPct val="146666"/>
+              <a:buFont typeface="Helvetica Neue"/>
+              <a:buChar char="•"/>
+            </a:pPr>
+            <a:r>
+              <a:rPr b="1" lang="en" sz="1500">
+                <a:solidFill>
+                  <a:schemeClr val="lt1"/>
+                </a:solidFill>
+                <a:latin typeface="Helvetica Neue"/>
+                <a:ea typeface="Helvetica Neue"/>
+                <a:cs typeface="Helvetica Neue"/>
+                <a:sym typeface="Helvetica Neue"/>
+              </a:rPr>
+              <a:t>Many interesting questions to be explored on national and state levels</a:t>
+            </a:r>
+            <a:br>
+              <a:rPr b="1" lang="en" sz="1500">
+                <a:solidFill>
+                  <a:schemeClr val="lt1"/>
+                </a:solidFill>
+                <a:latin typeface="Helvetica Neue"/>
+                <a:ea typeface="Helvetica Neue"/>
+                <a:cs typeface="Helvetica Neue"/>
+                <a:sym typeface="Helvetica Neue"/>
+              </a:rPr>
+            </a:br>
+            <a:r>
+              <a:rPr b="1" lang="en" sz="1500">
+                <a:solidFill>
+                  <a:schemeClr val="lt1"/>
+                </a:solidFill>
+                <a:latin typeface="Helvetica Neue"/>
+                <a:ea typeface="Helvetica Neue"/>
+                <a:cs typeface="Helvetica Neue"/>
+                <a:sym typeface="Helvetica Neue"/>
+              </a:rPr>
+              <a:t> </a:t>
+            </a:r>
+          </a:p>
         </p:txBody>
       </p:sp>
       <p:sp>
         <p:nvSpPr>
-          <p:cNvPr id="516" name="Shape 516"/>
+          <p:cNvPr id="519" name="Shape 519"/>
           <p:cNvSpPr/>
           <p:nvPr/>
         </p:nvSpPr>
         <p:spPr>
           <a:xfrm>
-            <a:off x="4344609" y="22274"/>
-            <a:ext cx="4772700" cy="917400"/>
+            <a:off x="4339745" y="955019"/>
+            <a:ext cx="1322100" cy="1129200"/>
           </a:xfrm>
           <a:prstGeom prst="rect">
             <a:avLst/>
           </a:prstGeom>
           <a:solidFill>
-            <a:srgbClr val="434343"/>
+            <a:srgbClr val="6C6C6C"/>
           </a:solidFill>
           <a:ln>
             <a:noFill/>
@@ -28453,71 +28703,14 @@
       </p:sp>
       <p:sp>
         <p:nvSpPr>
-          <p:cNvPr id="517" name="Shape 517"/>
-          <p:cNvSpPr txBox="1"/>
-          <p:nvPr/>
-        </p:nvSpPr>
-        <p:spPr>
-          <a:xfrm>
-            <a:off x="4382101" y="264675"/>
-            <a:ext cx="4697700" cy="432600"/>
-          </a:xfrm>
-          <a:prstGeom prst="rect">
-            <a:avLst/>
-          </a:prstGeom>
-          <a:noFill/>
-          <a:ln>
-            <a:noFill/>
-          </a:ln>
-        </p:spPr>
-        <p:txBody>
-          <a:bodyPr anchorCtr="0" anchor="ctr" bIns="32750" lIns="32750" rIns="32750" wrap="square" tIns="32750">
-            <a:noAutofit/>
-          </a:bodyPr>
-          <a:lstStyle/>
-          <a:p>
-            <a:pPr indent="-196850" lvl="0" marL="0" marR="0" rtl="0" algn="ctr">
-              <a:lnSpc>
-                <a:spcPct val="100000"/>
-              </a:lnSpc>
-              <a:spcBef>
-                <a:spcPts val="0"/>
-              </a:spcBef>
-              <a:spcAft>
-                <a:spcPts val="0"/>
-              </a:spcAft>
-              <a:buClr>
-                <a:srgbClr val="FFFFFF"/>
-              </a:buClr>
-              <a:buSzPct val="114814"/>
-              <a:buFont typeface="Helvetica Neue"/>
-              <a:buNone/>
-            </a:pPr>
-            <a:r>
-              <a:rPr b="1" lang="en" sz="2700">
-                <a:solidFill>
-                  <a:srgbClr val="FFFFFF"/>
-                </a:solidFill>
-                <a:latin typeface="Helvetica Neue"/>
-                <a:ea typeface="Helvetica Neue"/>
-                <a:cs typeface="Helvetica Neue"/>
-                <a:sym typeface="Helvetica Neue"/>
-              </a:rPr>
-              <a:t>Initial Exploration and Visualization</a:t>
-            </a:r>
-          </a:p>
-        </p:txBody>
-      </p:sp>
-      <p:sp>
-        <p:nvSpPr>
-          <p:cNvPr id="518" name="Shape 518"/>
+          <p:cNvPr id="520" name="Shape 520"/>
           <p:cNvSpPr/>
           <p:nvPr/>
         </p:nvSpPr>
         <p:spPr>
           <a:xfrm>
-            <a:off x="5682332" y="2101132"/>
-            <a:ext cx="3434400" cy="2083200"/>
+            <a:off x="4344609" y="22274"/>
+            <a:ext cx="4772700" cy="917400"/>
           </a:xfrm>
           <a:prstGeom prst="rect">
             <a:avLst/>
@@ -28568,20 +28761,77 @@
       </p:sp>
       <p:sp>
         <p:nvSpPr>
-          <p:cNvPr id="519" name="Shape 519"/>
+          <p:cNvPr id="521" name="Shape 521"/>
+          <p:cNvSpPr txBox="1"/>
+          <p:nvPr/>
+        </p:nvSpPr>
+        <p:spPr>
+          <a:xfrm>
+            <a:off x="4382101" y="264675"/>
+            <a:ext cx="4697700" cy="432600"/>
+          </a:xfrm>
+          <a:prstGeom prst="rect">
+            <a:avLst/>
+          </a:prstGeom>
+          <a:noFill/>
+          <a:ln>
+            <a:noFill/>
+          </a:ln>
+        </p:spPr>
+        <p:txBody>
+          <a:bodyPr anchorCtr="0" anchor="ctr" bIns="32750" lIns="32750" rIns="32750" wrap="square" tIns="32750">
+            <a:noAutofit/>
+          </a:bodyPr>
+          <a:lstStyle/>
+          <a:p>
+            <a:pPr indent="-196850" lvl="0" marL="0" marR="0" rtl="0" algn="ctr">
+              <a:lnSpc>
+                <a:spcPct val="100000"/>
+              </a:lnSpc>
+              <a:spcBef>
+                <a:spcPts val="0"/>
+              </a:spcBef>
+              <a:spcAft>
+                <a:spcPts val="0"/>
+              </a:spcAft>
+              <a:buClr>
+                <a:srgbClr val="FFFFFF"/>
+              </a:buClr>
+              <a:buSzPct val="114814"/>
+              <a:buFont typeface="Helvetica Neue"/>
+              <a:buNone/>
+            </a:pPr>
+            <a:r>
+              <a:rPr b="1" lang="en" sz="2700">
+                <a:solidFill>
+                  <a:srgbClr val="FFFFFF"/>
+                </a:solidFill>
+                <a:latin typeface="Helvetica Neue"/>
+                <a:ea typeface="Helvetica Neue"/>
+                <a:cs typeface="Helvetica Neue"/>
+                <a:sym typeface="Helvetica Neue"/>
+              </a:rPr>
+              <a:t>New Goal: Explore TRI Data</a:t>
+            </a:r>
+          </a:p>
+        </p:txBody>
+      </p:sp>
+      <p:sp>
+        <p:nvSpPr>
+          <p:cNvPr id="522" name="Shape 522"/>
           <p:cNvSpPr/>
           <p:nvPr/>
         </p:nvSpPr>
         <p:spPr>
           <a:xfrm>
-            <a:off x="5685350" y="957050"/>
-            <a:ext cx="2451300" cy="1125000"/>
+            <a:off x="5682332" y="2101132"/>
+            <a:ext cx="3434400" cy="2083200"/>
           </a:xfrm>
           <a:prstGeom prst="rect">
             <a:avLst/>
           </a:prstGeom>
           <a:solidFill>
-            <a:srgbClr val="6C6C6C"/>
+            <a:srgbClr val="434343"/>
           </a:solidFill>
           <a:ln>
             <a:noFill/>
@@ -28624,9 +28874,67 @@
           </a:p>
         </p:txBody>
       </p:sp>
+      <p:sp>
+        <p:nvSpPr>
+          <p:cNvPr id="523" name="Shape 523"/>
+          <p:cNvSpPr/>
+          <p:nvPr/>
+        </p:nvSpPr>
+        <p:spPr>
+          <a:xfrm>
+            <a:off x="5685350" y="957050"/>
+            <a:ext cx="2451300" cy="1125000"/>
+          </a:xfrm>
+          <a:prstGeom prst="rect">
+            <a:avLst/>
+          </a:prstGeom>
+          <a:solidFill>
+            <a:srgbClr val="6C6C6C"/>
+          </a:solidFill>
+          <a:ln>
+            <a:noFill/>
+          </a:ln>
+        </p:spPr>
+        <p:txBody>
+          <a:bodyPr anchorCtr="0" anchor="ctr" bIns="32750" lIns="32750" rIns="32750" wrap="square" tIns="32750">
+            <a:noAutofit/>
+          </a:bodyPr>
+          <a:lstStyle/>
+          <a:p>
+            <a:pPr indent="-88900" lvl="0" marL="0" marR="0" rtl="0" algn="ctr">
+              <a:lnSpc>
+                <a:spcPct val="100000"/>
+              </a:lnSpc>
+              <a:spcBef>
+                <a:spcPts val="0"/>
+              </a:spcBef>
+              <a:spcAft>
+                <a:spcPts val="0"/>
+              </a:spcAft>
+              <a:buClr>
+                <a:srgbClr val="FFFFFF"/>
+              </a:buClr>
+              <a:buFont typeface="Helvetica Neue"/>
+              <a:buNone/>
+            </a:pPr>
+            <a:r>
+              <a:t/>
+            </a:r>
+            <a:endParaRPr b="0" i="0" sz="1400" u="none" cap="none" strike="noStrike">
+              <a:solidFill>
+                <a:srgbClr val="FFFFFF"/>
+              </a:solidFill>
+              <a:latin typeface="Helvetica Neue"/>
+              <a:ea typeface="Helvetica Neue"/>
+              <a:cs typeface="Helvetica Neue"/>
+              <a:sym typeface="Helvetica Neue"/>
+            </a:endParaRPr>
+          </a:p>
+        </p:txBody>
+      </p:sp>
       <p:pic>
         <p:nvPicPr>
-          <p:cNvPr descr="2eastmainbfr.jpg" id="520" name="Shape 520"/>
+          <p:cNvPr descr="2eastmainbfr.jpg" id="524" name="Shape 524"/>
           <p:cNvPicPr preferRelativeResize="0"/>
           <p:nvPr/>
         </p:nvPicPr>
@@ -28653,7 +28961,7 @@
       </p:pic>
       <p:pic>
         <p:nvPicPr>
-          <p:cNvPr descr="natural-wetland-2.jpg" id="521" name="Shape 521"/>
+          <p:cNvPr descr="natural-wetland-2.jpg" id="525" name="Shape 525"/>
           <p:cNvPicPr preferRelativeResize="0"/>
           <p:nvPr/>
         </p:nvPicPr>
@@ -28680,7 +28988,7 @@
       </p:pic>
       <p:sp>
         <p:nvSpPr>
-          <p:cNvPr id="522" name="Shape 522"/>
+          <p:cNvPr id="526" name="Shape 526"/>
           <p:cNvSpPr/>
           <p:nvPr/>
         </p:nvSpPr>
@@ -28738,7 +29046,7 @@
       </p:sp>
       <p:pic>
         <p:nvPicPr>
-          <p:cNvPr descr="trimockup.jpg" id="523" name="Shape 523"/>
+          <p:cNvPr descr="neighboor_near_plant.jpg" id="527" name="Shape 527"/>
           <p:cNvPicPr preferRelativeResize="0"/>
           <p:nvPr/>
         </p:nvPicPr>
@@ -28751,8 +29059,8 @@
         </p:blipFill>
         <p:spPr>
           <a:xfrm>
-            <a:off x="23725" y="16750"/>
-            <a:ext cx="4286250" cy="2066100"/>
+            <a:off x="24382" y="16931"/>
+            <a:ext cx="4293976" cy="2061310"/>
           </a:xfrm>
           <a:prstGeom prst="rect">
             <a:avLst/>
@@ -28765,22 +29073,21 @@
       </p:pic>
       <p:pic>
         <p:nvPicPr>
-          <p:cNvPr descr="Screen Shot 2017-10-28 at 2.40.04 PM.png" id="524" name="Shape 524"/>
+          <p:cNvPr descr="triindustrymap.jpg" id="528" name="Shape 528"/>
           <p:cNvPicPr preferRelativeResize="0"/>
           <p:nvPr/>
         </p:nvPicPr>
-        <p:blipFill>
+        <p:blipFill rotWithShape="1">
           <a:blip r:embed="rId6">
             <a:alphaModFix/>
           </a:blip>
-          <a:stretch>
-            <a:fillRect/>
-          </a:stretch>
+          <a:srcRect b="0" l="0" r="0" t="0"/>
+          <a:stretch/>
         </p:blipFill>
         <p:spPr>
           <a:xfrm>
-            <a:off x="31950" y="2099450"/>
-            <a:ext cx="5628901" cy="2974800"/>
+            <a:off x="5684240" y="2101132"/>
+            <a:ext cx="3430627" cy="2079356"/>
           </a:xfrm>
           <a:prstGeom prst="rect">
             <a:avLst/>
@@ -28811,7 +29118,7 @@
     </p:bg>
     <p:spTree>
       <p:nvGrpSpPr>
-        <p:cNvPr id="528" name="Shape 528"/>
+        <p:cNvPr id="532" name="Shape 532"/>
         <p:cNvGrpSpPr/>
         <p:nvPr/>
       </p:nvGrpSpPr>
@@ -28825,7 +29132,7 @@
       </p:grpSpPr>
       <p:sp>
         <p:nvSpPr>
-          <p:cNvPr id="529" name="Shape 529"/>
+          <p:cNvPr id="533" name="Shape 533"/>
           <p:cNvSpPr/>
           <p:nvPr/>
         </p:nvSpPr>
@@ -28883,7 +29190,7 @@
       </p:sp>
       <p:sp>
         <p:nvSpPr>
-          <p:cNvPr id="530" name="Shape 530"/>
+          <p:cNvPr id="534" name="Shape 534"/>
           <p:cNvSpPr/>
           <p:nvPr/>
         </p:nvSpPr>
@@ -28941,7 +29248,7 @@
       </p:sp>
       <p:sp>
         <p:nvSpPr>
-          <p:cNvPr id="531" name="Shape 531"/>
+          <p:cNvPr id="535" name="Shape 535"/>
           <p:cNvSpPr/>
           <p:nvPr/>
         </p:nvSpPr>
@@ -28999,7 +29306,7 @@
       </p:sp>
       <p:sp>
         <p:nvSpPr>
-          <p:cNvPr id="532" name="Shape 532"/>
+          <p:cNvPr id="536" name="Shape 536"/>
           <p:cNvSpPr/>
           <p:nvPr/>
         </p:nvSpPr>
@@ -29057,7 +29364,7 @@
       </p:sp>
       <p:sp>
         <p:nvSpPr>
-          <p:cNvPr id="533" name="Shape 533"/>
+          <p:cNvPr id="537" name="Shape 537"/>
           <p:cNvSpPr/>
           <p:nvPr/>
         </p:nvSpPr>
@@ -29115,7 +29422,7 @@
       </p:sp>
       <p:sp>
         <p:nvSpPr>
-          <p:cNvPr id="534" name="Shape 534"/>
+          <p:cNvPr id="538" name="Shape 538"/>
           <p:cNvSpPr txBox="1"/>
           <p:nvPr/>
         </p:nvSpPr>
@@ -29172,7 +29479,7 @@
       </p:sp>
       <p:sp>
         <p:nvSpPr>
-          <p:cNvPr id="535" name="Shape 535"/>
+          <p:cNvPr id="539" name="Shape 539"/>
           <p:cNvSpPr/>
           <p:nvPr/>
         </p:nvSpPr>
@@ -29230,7 +29537,7 @@
       </p:sp>
       <p:sp>
         <p:nvSpPr>
-          <p:cNvPr id="536" name="Shape 536"/>
+          <p:cNvPr id="540" name="Shape 540"/>
           <p:cNvSpPr/>
           <p:nvPr/>
         </p:nvSpPr>
@@ -29288,7 +29595,7 @@
       </p:sp>
       <p:pic>
         <p:nvPicPr>
-          <p:cNvPr descr="2eastmainbfr.jpg" id="537" name="Shape 537"/>
+          <p:cNvPr descr="2eastmainbfr.jpg" id="541" name="Shape 541"/>
           <p:cNvPicPr preferRelativeResize="0"/>
           <p:nvPr/>
         </p:nvPicPr>
@@ -29315,7 +29622,7 @@
       </p:pic>
       <p:pic>
         <p:nvPicPr>
-          <p:cNvPr descr="natural-wetland-2.jpg" id="538" name="Shape 538"/>
+          <p:cNvPr descr="natural-wetland-2.jpg" id="542" name="Shape 542"/>
           <p:cNvPicPr preferRelativeResize="0"/>
           <p:nvPr/>
         </p:nvPicPr>
@@ -29342,7 +29649,7 @@
       </p:pic>
       <p:sp>
         <p:nvSpPr>
-          <p:cNvPr id="539" name="Shape 539"/>
+          <p:cNvPr id="543" name="Shape 543"/>
           <p:cNvSpPr/>
           <p:nvPr/>
         </p:nvSpPr>
@@ -29400,7 +29707,7 @@
       </p:sp>
       <p:pic>
         <p:nvPicPr>
-          <p:cNvPr descr="trimockup.jpg" id="540" name="Shape 540"/>
+          <p:cNvPr descr="trimockup.jpg" id="544" name="Shape 544"/>
           <p:cNvPicPr preferRelativeResize="0"/>
           <p:nvPr/>
         </p:nvPicPr>
@@ -29427,7 +29734,7 @@
       </p:pic>
       <p:pic>
         <p:nvPicPr>
-          <p:cNvPr descr="Screen Shot 2017-10-30 at 1.15.49 AM.png" id="541" name="Shape 541"/>
+          <p:cNvPr descr="Screen Shot 2017-10-28 at 2.40.04 PM.png" id="545" name="Shape 545"/>
           <p:cNvPicPr preferRelativeResize="0"/>
           <p:nvPr/>
         </p:nvPicPr>
@@ -29442,7 +29749,7 @@
         <p:spPr>
           <a:xfrm>
             <a:off x="31950" y="2099450"/>
-            <a:ext cx="5653401" cy="2974799"/>
+            <a:ext cx="5628901" cy="2974800"/>
           </a:xfrm>
           <a:prstGeom prst="rect">
             <a:avLst/>
@@ -29473,7 +29780,7 @@
     </p:bg>
     <p:spTree>
       <p:nvGrpSpPr>
-        <p:cNvPr id="545" name="Shape 545"/>
+        <p:cNvPr id="549" name="Shape 549"/>
         <p:cNvGrpSpPr/>
         <p:nvPr/>
       </p:nvGrpSpPr>
@@ -29487,7 +29794,7 @@
       </p:grpSpPr>
       <p:sp>
         <p:nvSpPr>
-          <p:cNvPr id="546" name="Shape 546"/>
+          <p:cNvPr id="550" name="Shape 550"/>
           <p:cNvSpPr/>
           <p:nvPr/>
         </p:nvSpPr>
@@ -29545,7 +29852,7 @@
       </p:sp>
       <p:sp>
         <p:nvSpPr>
-          <p:cNvPr id="547" name="Shape 547"/>
+          <p:cNvPr id="551" name="Shape 551"/>
           <p:cNvSpPr/>
           <p:nvPr/>
         </p:nvSpPr>
@@ -29603,7 +29910,7 @@
       </p:sp>
       <p:sp>
         <p:nvSpPr>
-          <p:cNvPr id="548" name="Shape 548"/>
+          <p:cNvPr id="552" name="Shape 552"/>
           <p:cNvSpPr/>
           <p:nvPr/>
         </p:nvSpPr>
@@ -29628,129 +29935,6 @@
           </a:bodyPr>
           <a:lstStyle/>
           <a:p>
-            <a:pPr indent="-215900" lvl="0" marL="215900" rtl="0">
-              <a:spcBef>
-                <a:spcPts val="0"/>
-              </a:spcBef>
-              <a:buClr>
-                <a:schemeClr val="lt1"/>
-              </a:buClr>
-              <a:buSzPct val="146666"/>
-              <a:buFont typeface="Helvetica Neue"/>
-              <a:buChar char="•"/>
-            </a:pPr>
-            <a:r>
-              <a:rPr b="1" lang="en" sz="1500">
-                <a:solidFill>
-                  <a:schemeClr val="lt1"/>
-                </a:solidFill>
-                <a:latin typeface="Helvetica Neue"/>
-                <a:ea typeface="Helvetica Neue"/>
-                <a:cs typeface="Helvetica Neue"/>
-                <a:sym typeface="Helvetica Neue"/>
-              </a:rPr>
-              <a:t>Over 100 columns on attributes, lots of them are irrelevant for our purposes</a:t>
-            </a:r>
-          </a:p>
-          <a:p>
-            <a:pPr indent="-215900" lvl="0" marL="215900" rtl="0">
-              <a:spcBef>
-                <a:spcPts val="0"/>
-              </a:spcBef>
-              <a:buClr>
-                <a:schemeClr val="lt1"/>
-              </a:buClr>
-              <a:buSzPct val="146666"/>
-              <a:buFont typeface="Helvetica Neue"/>
-              <a:buChar char="•"/>
-            </a:pPr>
-            <a:r>
-              <a:rPr b="1" lang="en" sz="1500">
-                <a:solidFill>
-                  <a:schemeClr val="lt1"/>
-                </a:solidFill>
-                <a:latin typeface="Helvetica Neue"/>
-                <a:ea typeface="Helvetica Neue"/>
-                <a:cs typeface="Helvetica Neue"/>
-                <a:sym typeface="Helvetica Neue"/>
-              </a:rPr>
-              <a:t>This includes unwanted Government codes, industry compliance codes, etc</a:t>
-            </a:r>
-          </a:p>
-          <a:p>
-            <a:pPr indent="-215900" lvl="0" marL="215900" rtl="0">
-              <a:spcBef>
-                <a:spcPts val="0"/>
-              </a:spcBef>
-              <a:buClr>
-                <a:schemeClr val="lt1"/>
-              </a:buClr>
-              <a:buSzPct val="146666"/>
-              <a:buFont typeface="Helvetica Neue"/>
-              <a:buChar char="•"/>
-            </a:pPr>
-            <a:r>
-              <a:rPr b="1" lang="en" sz="1500">
-                <a:solidFill>
-                  <a:schemeClr val="lt1"/>
-                </a:solidFill>
-                <a:latin typeface="Helvetica Neue"/>
-                <a:ea typeface="Helvetica Neue"/>
-                <a:cs typeface="Helvetica Neue"/>
-                <a:sym typeface="Helvetica Neue"/>
-              </a:rPr>
-              <a:t>We want location information, chemical information, and release and recycling information</a:t>
-            </a:r>
-          </a:p>
-          <a:p>
-            <a:pPr indent="-215900" lvl="0" marL="215900" rtl="0">
-              <a:spcBef>
-                <a:spcPts val="0"/>
-              </a:spcBef>
-              <a:buClr>
-                <a:schemeClr val="lt1"/>
-              </a:buClr>
-              <a:buSzPct val="146666"/>
-              <a:buFont typeface="Helvetica Neue"/>
-              <a:buChar char="•"/>
-            </a:pPr>
-            <a:r>
-              <a:rPr b="1" lang="en" sz="1500">
-                <a:solidFill>
-                  <a:schemeClr val="lt1"/>
-                </a:solidFill>
-                <a:latin typeface="Helvetica Neue"/>
-                <a:ea typeface="Helvetica Neue"/>
-                <a:cs typeface="Helvetica Neue"/>
-                <a:sym typeface="Helvetica Neue"/>
-              </a:rPr>
-              <a:t>We identified 21 categories, common to US and State data sets, to use</a:t>
-            </a:r>
-            <a:br>
-              <a:rPr b="1" lang="en" sz="1500">
-                <a:solidFill>
-                  <a:schemeClr val="lt1"/>
-                </a:solidFill>
-                <a:latin typeface="Helvetica Neue"/>
-                <a:ea typeface="Helvetica Neue"/>
-                <a:cs typeface="Helvetica Neue"/>
-                <a:sym typeface="Helvetica Neue"/>
-              </a:rPr>
-            </a:br>
-            <a:r>
-              <a:rPr b="1" lang="en" sz="1500">
-                <a:solidFill>
-                  <a:schemeClr val="lt1"/>
-                </a:solidFill>
-                <a:latin typeface="Helvetica Neue"/>
-                <a:ea typeface="Helvetica Neue"/>
-                <a:cs typeface="Helvetica Neue"/>
-                <a:sym typeface="Helvetica Neue"/>
-              </a:rPr>
-              <a:t> </a:t>
-            </a:r>
-          </a:p>
-          <a:p>
             <a:pPr indent="-88900" lvl="0" marL="0" marR="0" rtl="0" algn="ctr">
               <a:lnSpc>
                 <a:spcPct val="100000"/>
@@ -29770,7 +29954,7 @@
             <a:r>
               <a:t/>
             </a:r>
-            <a:endParaRPr>
+            <a:endParaRPr b="0" i="0" sz="1400" u="none" cap="none" strike="noStrike">
               <a:solidFill>
                 <a:srgbClr val="FFFFFF"/>
               </a:solidFill>
@@ -29784,7 +29968,7 @@
       </p:sp>
       <p:sp>
         <p:nvSpPr>
-          <p:cNvPr id="549" name="Shape 549"/>
+          <p:cNvPr id="553" name="Shape 553"/>
           <p:cNvSpPr/>
           <p:nvPr/>
         </p:nvSpPr>
@@ -29842,7 +30026,7 @@
       </p:sp>
       <p:sp>
         <p:nvSpPr>
-          <p:cNvPr id="550" name="Shape 550"/>
+          <p:cNvPr id="554" name="Shape 554"/>
           <p:cNvSpPr/>
           <p:nvPr/>
         </p:nvSpPr>
@@ -29900,7 +30084,7 @@
       </p:sp>
       <p:sp>
         <p:nvSpPr>
-          <p:cNvPr id="551" name="Shape 551"/>
+          <p:cNvPr id="555" name="Shape 555"/>
           <p:cNvSpPr txBox="1"/>
           <p:nvPr/>
         </p:nvSpPr>
@@ -29950,14 +30134,14 @@
                 <a:cs typeface="Helvetica Neue"/>
                 <a:sym typeface="Helvetica Neue"/>
               </a:rPr>
-              <a:t>Standardizing Project Data: What Do We Need?</a:t>
+              <a:t>Initial Exploration and Visualization</a:t>
             </a:r>
           </a:p>
         </p:txBody>
       </p:sp>
       <p:sp>
         <p:nvSpPr>
-          <p:cNvPr id="552" name="Shape 552"/>
+          <p:cNvPr id="556" name="Shape 556"/>
           <p:cNvSpPr/>
           <p:nvPr/>
         </p:nvSpPr>
@@ -30015,7 +30199,7 @@
       </p:sp>
       <p:sp>
         <p:nvSpPr>
-          <p:cNvPr id="553" name="Shape 553"/>
+          <p:cNvPr id="557" name="Shape 557"/>
           <p:cNvSpPr/>
           <p:nvPr/>
         </p:nvSpPr>
@@ -30073,7 +30257,7 @@
       </p:sp>
       <p:pic>
         <p:nvPicPr>
-          <p:cNvPr descr="2eastmainbfr.jpg" id="554" name="Shape 554"/>
+          <p:cNvPr descr="2eastmainbfr.jpg" id="558" name="Shape 558"/>
           <p:cNvPicPr preferRelativeResize="0"/>
           <p:nvPr/>
         </p:nvPicPr>
@@ -30100,7 +30284,7 @@
       </p:pic>
       <p:pic>
         <p:nvPicPr>
-          <p:cNvPr descr="natural-wetland-2.jpg" id="555" name="Shape 555"/>
+          <p:cNvPr descr="natural-wetland-2.jpg" id="559" name="Shape 559"/>
           <p:cNvPicPr preferRelativeResize="0"/>
           <p:nvPr/>
         </p:nvPicPr>
@@ -30127,7 +30311,7 @@
       </p:pic>
       <p:sp>
         <p:nvSpPr>
-          <p:cNvPr id="556" name="Shape 556"/>
+          <p:cNvPr id="560" name="Shape 560"/>
           <p:cNvSpPr/>
           <p:nvPr/>
         </p:nvSpPr>
@@ -30185,7 +30369,7 @@
       </p:sp>
       <p:pic>
         <p:nvPicPr>
-          <p:cNvPr descr="philly.jpg" id="557" name="Shape 557"/>
+          <p:cNvPr descr="trimockup.jpg" id="561" name="Shape 561"/>
           <p:cNvPicPr preferRelativeResize="0"/>
           <p:nvPr/>
         </p:nvPicPr>
@@ -30198,8 +30382,8 @@
         </p:blipFill>
         <p:spPr>
           <a:xfrm>
-            <a:off x="27504" y="16878"/>
-            <a:ext cx="4295180" cy="2069455"/>
+            <a:off x="23725" y="16750"/>
+            <a:ext cx="4286250" cy="2066100"/>
           </a:xfrm>
           <a:prstGeom prst="rect">
             <a:avLst/>
@@ -30210,16 +30394,24 @@
           </a:ln>
         </p:spPr>
       </p:pic>
-      <p:sp>
-        <p:nvSpPr>
-          <p:cNvPr id="558" name="Shape 558"/>
-          <p:cNvSpPr txBox="1"/>
-          <p:nvPr/>
-        </p:nvSpPr>
-        <p:spPr>
-          <a:xfrm>
-            <a:off x="5685350" y="2101125"/>
-            <a:ext cx="1830600" cy="2083200"/>
+      <p:pic>
+        <p:nvPicPr>
+          <p:cNvPr descr="Screen Shot 2017-10-30 at 1.15.49 AM.png" id="562" name="Shape 562"/>
+          <p:cNvPicPr preferRelativeResize="0"/>
+          <p:nvPr/>
+        </p:nvPicPr>
+        <p:blipFill>
+          <a:blip r:embed="rId6">
+            <a:alphaModFix/>
+          </a:blip>
+          <a:stretch>
+            <a:fillRect/>
+          </a:stretch>
+        </p:blipFill>
+        <p:spPr>
+          <a:xfrm>
+            <a:off x="31950" y="2099450"/>
+            <a:ext cx="5653401" cy="2974799"/>
           </a:xfrm>
           <a:prstGeom prst="rect">
             <a:avLst/>
@@ -30229,594 +30421,7 @@
             <a:noFill/>
           </a:ln>
         </p:spPr>
-        <p:txBody>
-          <a:bodyPr anchorCtr="0" anchor="t" bIns="91425" lIns="91425" rIns="91425" wrap="square" tIns="91425">
-            <a:noAutofit/>
-          </a:bodyPr>
-          <a:lstStyle/>
-          <a:p>
-            <a:pPr lvl="0" rtl="0">
-              <a:lnSpc>
-                <a:spcPct val="115000"/>
-              </a:lnSpc>
-              <a:spcBef>
-                <a:spcPts val="0"/>
-              </a:spcBef>
-              <a:buNone/>
-            </a:pPr>
-            <a:r>
-              <a:rPr b="1" lang="en" sz="900">
-                <a:solidFill>
-                  <a:schemeClr val="lt1"/>
-                </a:solidFill>
-                <a:latin typeface="Helvetica Neue"/>
-                <a:ea typeface="Helvetica Neue"/>
-                <a:cs typeface="Helvetica Neue"/>
-                <a:sym typeface="Helvetica Neue"/>
-              </a:rPr>
-              <a:t>YEAR</a:t>
-            </a:r>
-          </a:p>
-          <a:p>
-            <a:pPr lvl="0" rtl="0">
-              <a:lnSpc>
-                <a:spcPct val="115000"/>
-              </a:lnSpc>
-              <a:spcBef>
-                <a:spcPts val="0"/>
-              </a:spcBef>
-              <a:buNone/>
-            </a:pPr>
-            <a:r>
-              <a:rPr b="1" lang="en" sz="900">
-                <a:solidFill>
-                  <a:schemeClr val="lt1"/>
-                </a:solidFill>
-                <a:latin typeface="Helvetica Neue"/>
-                <a:ea typeface="Helvetica Neue"/>
-                <a:cs typeface="Helvetica Neue"/>
-                <a:sym typeface="Helvetica Neue"/>
-              </a:rPr>
-              <a:t>FACILITY_NAME</a:t>
-            </a:r>
-          </a:p>
-          <a:p>
-            <a:pPr lvl="0" rtl="0">
-              <a:lnSpc>
-                <a:spcPct val="115000"/>
-              </a:lnSpc>
-              <a:spcBef>
-                <a:spcPts val="0"/>
-              </a:spcBef>
-              <a:buNone/>
-            </a:pPr>
-            <a:r>
-              <a:rPr b="1" lang="en" sz="900">
-                <a:solidFill>
-                  <a:schemeClr val="lt1"/>
-                </a:solidFill>
-                <a:latin typeface="Helvetica Neue"/>
-                <a:ea typeface="Helvetica Neue"/>
-                <a:cs typeface="Helvetica Neue"/>
-                <a:sym typeface="Helvetica Neue"/>
-              </a:rPr>
-              <a:t>FEDERAL_FACILITY</a:t>
-            </a:r>
-          </a:p>
-          <a:p>
-            <a:pPr lvl="0" rtl="0">
-              <a:lnSpc>
-                <a:spcPct val="115000"/>
-              </a:lnSpc>
-              <a:spcBef>
-                <a:spcPts val="0"/>
-              </a:spcBef>
-              <a:buNone/>
-            </a:pPr>
-            <a:r>
-              <a:rPr b="1" lang="en" sz="900">
-                <a:solidFill>
-                  <a:schemeClr val="lt1"/>
-                </a:solidFill>
-                <a:latin typeface="Helvetica Neue"/>
-                <a:ea typeface="Helvetica Neue"/>
-                <a:cs typeface="Helvetica Neue"/>
-                <a:sym typeface="Helvetica Neue"/>
-              </a:rPr>
-              <a:t>PARENT_COMPANY_NAME</a:t>
-            </a:r>
-          </a:p>
-          <a:p>
-            <a:pPr lvl="0" rtl="0">
-              <a:lnSpc>
-                <a:spcPct val="115000"/>
-              </a:lnSpc>
-              <a:spcBef>
-                <a:spcPts val="0"/>
-              </a:spcBef>
-              <a:buNone/>
-            </a:pPr>
-            <a:r>
-              <a:rPr b="1" lang="en" sz="900">
-                <a:solidFill>
-                  <a:schemeClr val="lt1"/>
-                </a:solidFill>
-                <a:latin typeface="Helvetica Neue"/>
-                <a:ea typeface="Helvetica Neue"/>
-                <a:cs typeface="Helvetica Neue"/>
-                <a:sym typeface="Helvetica Neue"/>
-              </a:rPr>
-              <a:t>INDUSTRY_SECTOR</a:t>
-            </a:r>
-          </a:p>
-          <a:p>
-            <a:pPr lvl="0" rtl="0">
-              <a:lnSpc>
-                <a:spcPct val="115000"/>
-              </a:lnSpc>
-              <a:spcBef>
-                <a:spcPts val="0"/>
-              </a:spcBef>
-              <a:buNone/>
-            </a:pPr>
-            <a:r>
-              <a:rPr b="1" lang="en" sz="900">
-                <a:solidFill>
-                  <a:schemeClr val="lt1"/>
-                </a:solidFill>
-                <a:latin typeface="Helvetica Neue"/>
-                <a:ea typeface="Helvetica Neue"/>
-                <a:cs typeface="Helvetica Neue"/>
-                <a:sym typeface="Helvetica Neue"/>
-              </a:rPr>
-              <a:t>ZIP</a:t>
-            </a:r>
-          </a:p>
-          <a:p>
-            <a:pPr lvl="0" rtl="0">
-              <a:lnSpc>
-                <a:spcPct val="115000"/>
-              </a:lnSpc>
-              <a:spcBef>
-                <a:spcPts val="0"/>
-              </a:spcBef>
-              <a:buNone/>
-            </a:pPr>
-            <a:r>
-              <a:rPr b="1" lang="en" sz="900">
-                <a:solidFill>
-                  <a:schemeClr val="lt1"/>
-                </a:solidFill>
-                <a:latin typeface="Helvetica Neue"/>
-                <a:ea typeface="Helvetica Neue"/>
-                <a:cs typeface="Helvetica Neue"/>
-                <a:sym typeface="Helvetica Neue"/>
-              </a:rPr>
-              <a:t>STATE</a:t>
-            </a:r>
-          </a:p>
-          <a:p>
-            <a:pPr lvl="0" rtl="0">
-              <a:lnSpc>
-                <a:spcPct val="115000"/>
-              </a:lnSpc>
-              <a:spcBef>
-                <a:spcPts val="0"/>
-              </a:spcBef>
-              <a:buNone/>
-            </a:pPr>
-            <a:r>
-              <a:rPr b="1" lang="en" sz="900">
-                <a:solidFill>
-                  <a:schemeClr val="lt1"/>
-                </a:solidFill>
-                <a:latin typeface="Helvetica Neue"/>
-                <a:ea typeface="Helvetica Neue"/>
-                <a:cs typeface="Helvetica Neue"/>
-                <a:sym typeface="Helvetica Neue"/>
-              </a:rPr>
-              <a:t>CITY</a:t>
-            </a:r>
-          </a:p>
-          <a:p>
-            <a:pPr lvl="0" rtl="0">
-              <a:lnSpc>
-                <a:spcPct val="115000"/>
-              </a:lnSpc>
-              <a:spcBef>
-                <a:spcPts val="0"/>
-              </a:spcBef>
-              <a:buNone/>
-            </a:pPr>
-            <a:r>
-              <a:rPr b="1" lang="en" sz="900">
-                <a:solidFill>
-                  <a:schemeClr val="lt1"/>
-                </a:solidFill>
-                <a:latin typeface="Helvetica Neue"/>
-                <a:ea typeface="Helvetica Neue"/>
-                <a:cs typeface="Helvetica Neue"/>
-                <a:sym typeface="Helvetica Neue"/>
-              </a:rPr>
-              <a:t>COUNTY</a:t>
-            </a:r>
-          </a:p>
-          <a:p>
-            <a:pPr lvl="0" rtl="0">
-              <a:lnSpc>
-                <a:spcPct val="115000"/>
-              </a:lnSpc>
-              <a:spcBef>
-                <a:spcPts val="0"/>
-              </a:spcBef>
-              <a:buNone/>
-            </a:pPr>
-            <a:r>
-              <a:rPr b="1" lang="en" sz="900">
-                <a:solidFill>
-                  <a:schemeClr val="lt1"/>
-                </a:solidFill>
-                <a:latin typeface="Helvetica Neue"/>
-                <a:ea typeface="Helvetica Neue"/>
-                <a:cs typeface="Helvetica Neue"/>
-                <a:sym typeface="Helvetica Neue"/>
-              </a:rPr>
-              <a:t>LATITUDE</a:t>
-            </a:r>
-          </a:p>
-          <a:p>
-            <a:pPr lvl="0" rtl="0">
-              <a:lnSpc>
-                <a:spcPct val="115000"/>
-              </a:lnSpc>
-              <a:spcBef>
-                <a:spcPts val="0"/>
-              </a:spcBef>
-              <a:buNone/>
-            </a:pPr>
-            <a:r>
-              <a:rPr b="1" lang="en" sz="900">
-                <a:solidFill>
-                  <a:schemeClr val="lt1"/>
-                </a:solidFill>
-                <a:latin typeface="Helvetica Neue"/>
-                <a:ea typeface="Helvetica Neue"/>
-                <a:cs typeface="Helvetica Neue"/>
-                <a:sym typeface="Helvetica Neue"/>
-              </a:rPr>
-              <a:t>LONGITUDE</a:t>
-            </a:r>
-          </a:p>
-          <a:p>
-            <a:pPr lvl="0" rtl="0">
-              <a:lnSpc>
-                <a:spcPct val="115000"/>
-              </a:lnSpc>
-              <a:spcBef>
-                <a:spcPts val="0"/>
-              </a:spcBef>
-              <a:buNone/>
-            </a:pPr>
-            <a:r>
-              <a:rPr b="1" lang="en" sz="900">
-                <a:solidFill>
-                  <a:schemeClr val="lt1"/>
-                </a:solidFill>
-                <a:latin typeface="Helvetica Neue"/>
-                <a:ea typeface="Helvetica Neue"/>
-                <a:cs typeface="Helvetica Neue"/>
-                <a:sym typeface="Helvetica Neue"/>
-              </a:rPr>
-              <a:t>CHEMICAL</a:t>
-            </a:r>
-          </a:p>
-          <a:p>
-            <a:pPr lvl="0" rtl="0">
-              <a:lnSpc>
-                <a:spcPct val="115000"/>
-              </a:lnSpc>
-              <a:spcBef>
-                <a:spcPts val="0"/>
-              </a:spcBef>
-              <a:buClr>
-                <a:schemeClr val="lt1"/>
-              </a:buClr>
-              <a:buFont typeface="Helvetica Neue"/>
-              <a:buNone/>
-            </a:pPr>
-            <a:r>
-              <a:t/>
-            </a:r>
-            <a:endParaRPr b="1" sz="900">
-              <a:solidFill>
-                <a:schemeClr val="lt1"/>
-              </a:solidFill>
-              <a:latin typeface="Helvetica Neue"/>
-              <a:ea typeface="Helvetica Neue"/>
-              <a:cs typeface="Helvetica Neue"/>
-              <a:sym typeface="Helvetica Neue"/>
-            </a:endParaRPr>
-          </a:p>
-        </p:txBody>
-      </p:sp>
-      <p:sp>
-        <p:nvSpPr>
-          <p:cNvPr id="559" name="Shape 559"/>
-          <p:cNvSpPr txBox="1"/>
-          <p:nvPr/>
-        </p:nvSpPr>
-        <p:spPr>
-          <a:xfrm>
-            <a:off x="7286275" y="2099425"/>
-            <a:ext cx="1830600" cy="2083200"/>
-          </a:xfrm>
-          <a:prstGeom prst="rect">
-            <a:avLst/>
-          </a:prstGeom>
-          <a:noFill/>
-          <a:ln>
-            <a:noFill/>
-          </a:ln>
-        </p:spPr>
-        <p:txBody>
-          <a:bodyPr anchorCtr="0" anchor="t" bIns="91425" lIns="91425" rIns="91425" wrap="square" tIns="91425">
-            <a:noAutofit/>
-          </a:bodyPr>
-          <a:lstStyle/>
-          <a:p>
-            <a:pPr lvl="0" rtl="0">
-              <a:lnSpc>
-                <a:spcPct val="115000"/>
-              </a:lnSpc>
-              <a:spcBef>
-                <a:spcPts val="0"/>
-              </a:spcBef>
-              <a:buClr>
-                <a:schemeClr val="dk1"/>
-              </a:buClr>
-              <a:buSzPct val="122222"/>
-              <a:buFont typeface="Arial"/>
-              <a:buNone/>
-            </a:pPr>
-            <a:r>
-              <a:rPr b="1" lang="en" sz="900">
-                <a:solidFill>
-                  <a:schemeClr val="lt1"/>
-                </a:solidFill>
-                <a:latin typeface="Helvetica Neue"/>
-                <a:ea typeface="Helvetica Neue"/>
-                <a:cs typeface="Helvetica Neue"/>
-                <a:sym typeface="Helvetica Neue"/>
-              </a:rPr>
-              <a:t>UNIT_OF_MEASURE</a:t>
-            </a:r>
-          </a:p>
-          <a:p>
-            <a:pPr lvl="0" rtl="0">
-              <a:lnSpc>
-                <a:spcPct val="115000"/>
-              </a:lnSpc>
-              <a:spcBef>
-                <a:spcPts val="0"/>
-              </a:spcBef>
-              <a:buClr>
-                <a:schemeClr val="dk1"/>
-              </a:buClr>
-              <a:buSzPct val="122222"/>
-              <a:buFont typeface="Arial"/>
-              <a:buNone/>
-            </a:pPr>
-            <a:r>
-              <a:rPr b="1" lang="en" sz="900">
-                <a:solidFill>
-                  <a:schemeClr val="lt1"/>
-                </a:solidFill>
-                <a:latin typeface="Helvetica Neue"/>
-                <a:ea typeface="Helvetica Neue"/>
-                <a:cs typeface="Helvetica Neue"/>
-                <a:sym typeface="Helvetica Neue"/>
-              </a:rPr>
-              <a:t>CARCINOGEN</a:t>
-            </a:r>
-          </a:p>
-          <a:p>
-            <a:pPr lvl="0" rtl="0">
-              <a:lnSpc>
-                <a:spcPct val="115000"/>
-              </a:lnSpc>
-              <a:spcBef>
-                <a:spcPts val="0"/>
-              </a:spcBef>
-              <a:buClr>
-                <a:schemeClr val="dk1"/>
-              </a:buClr>
-              <a:buSzPct val="122222"/>
-              <a:buFont typeface="Arial"/>
-              <a:buNone/>
-            </a:pPr>
-            <a:r>
-              <a:rPr b="1" lang="en" sz="900">
-                <a:solidFill>
-                  <a:schemeClr val="lt1"/>
-                </a:solidFill>
-                <a:latin typeface="Helvetica Neue"/>
-                <a:ea typeface="Helvetica Neue"/>
-                <a:cs typeface="Helvetica Neue"/>
-                <a:sym typeface="Helvetica Neue"/>
-              </a:rPr>
-              <a:t>CAA_CHEMICAL</a:t>
-            </a:r>
-          </a:p>
-          <a:p>
-            <a:pPr lvl="0" rtl="0">
-              <a:lnSpc>
-                <a:spcPct val="115000"/>
-              </a:lnSpc>
-              <a:spcBef>
-                <a:spcPts val="0"/>
-              </a:spcBef>
-              <a:buClr>
-                <a:schemeClr val="dk1"/>
-              </a:buClr>
-              <a:buSzPct val="122222"/>
-              <a:buFont typeface="Arial"/>
-              <a:buNone/>
-            </a:pPr>
-            <a:r>
-              <a:rPr b="1" lang="en" sz="900">
-                <a:solidFill>
-                  <a:schemeClr val="lt1"/>
-                </a:solidFill>
-                <a:latin typeface="Helvetica Neue"/>
-                <a:ea typeface="Helvetica Neue"/>
-                <a:cs typeface="Helvetica Neue"/>
-                <a:sym typeface="Helvetica Neue"/>
-              </a:rPr>
-              <a:t>TOTAL_RELEASES</a:t>
-            </a:r>
-          </a:p>
-          <a:p>
-            <a:pPr lvl="0" rtl="0">
-              <a:lnSpc>
-                <a:spcPct val="115000"/>
-              </a:lnSpc>
-              <a:spcBef>
-                <a:spcPts val="0"/>
-              </a:spcBef>
-              <a:buClr>
-                <a:schemeClr val="dk1"/>
-              </a:buClr>
-              <a:buSzPct val="122222"/>
-              <a:buFont typeface="Arial"/>
-              <a:buNone/>
-            </a:pPr>
-            <a:r>
-              <a:rPr b="1" lang="en" sz="900">
-                <a:solidFill>
-                  <a:schemeClr val="lt1"/>
-                </a:solidFill>
-                <a:latin typeface="Helvetica Neue"/>
-                <a:ea typeface="Helvetica Neue"/>
-                <a:cs typeface="Helvetica Neue"/>
-                <a:sym typeface="Helvetica Neue"/>
-              </a:rPr>
-              <a:t>ON_SITE_RELEASE_TOTAL</a:t>
-            </a:r>
-          </a:p>
-          <a:p>
-            <a:pPr lvl="0" rtl="0">
-              <a:lnSpc>
-                <a:spcPct val="115000"/>
-              </a:lnSpc>
-              <a:spcBef>
-                <a:spcPts val="0"/>
-              </a:spcBef>
-              <a:buClr>
-                <a:schemeClr val="dk1"/>
-              </a:buClr>
-              <a:buSzPct val="122222"/>
-              <a:buFont typeface="Arial"/>
-              <a:buNone/>
-            </a:pPr>
-            <a:r>
-              <a:rPr b="1" lang="en" sz="900">
-                <a:solidFill>
-                  <a:schemeClr val="lt1"/>
-                </a:solidFill>
-                <a:latin typeface="Helvetica Neue"/>
-                <a:ea typeface="Helvetica Neue"/>
-                <a:cs typeface="Helvetica Neue"/>
-                <a:sym typeface="Helvetica Neue"/>
-              </a:rPr>
-              <a:t>OFF_SITE_RELEASE_TOTAL</a:t>
-            </a:r>
-          </a:p>
-          <a:p>
-            <a:pPr lvl="0" rtl="0">
-              <a:lnSpc>
-                <a:spcPct val="115000"/>
-              </a:lnSpc>
-              <a:spcBef>
-                <a:spcPts val="0"/>
-              </a:spcBef>
-              <a:buClr>
-                <a:schemeClr val="dk1"/>
-              </a:buClr>
-              <a:buSzPct val="122222"/>
-              <a:buFont typeface="Arial"/>
-              <a:buNone/>
-            </a:pPr>
-            <a:r>
-              <a:rPr b="1" lang="en" sz="900">
-                <a:solidFill>
-                  <a:schemeClr val="lt1"/>
-                </a:solidFill>
-                <a:latin typeface="Helvetica Neue"/>
-                <a:ea typeface="Helvetica Neue"/>
-                <a:cs typeface="Helvetica Neue"/>
-                <a:sym typeface="Helvetica Neue"/>
-              </a:rPr>
-              <a:t>ON_SITE_RECYCLED_TOTAL</a:t>
-            </a:r>
-          </a:p>
-          <a:p>
-            <a:pPr lvl="0" rtl="0">
-              <a:lnSpc>
-                <a:spcPct val="115000"/>
-              </a:lnSpc>
-              <a:spcBef>
-                <a:spcPts val="0"/>
-              </a:spcBef>
-              <a:buClr>
-                <a:schemeClr val="dk1"/>
-              </a:buClr>
-              <a:buSzPct val="122222"/>
-              <a:buFont typeface="Arial"/>
-              <a:buNone/>
-            </a:pPr>
-            <a:r>
-              <a:rPr b="1" lang="en" sz="900">
-                <a:solidFill>
-                  <a:schemeClr val="lt1"/>
-                </a:solidFill>
-                <a:latin typeface="Helvetica Neue"/>
-                <a:ea typeface="Helvetica Neue"/>
-                <a:cs typeface="Helvetica Neue"/>
-                <a:sym typeface="Helvetica Neue"/>
-              </a:rPr>
-              <a:t>OFF_SITE_RECYCLED TOTAL</a:t>
-            </a:r>
-          </a:p>
-          <a:p>
-            <a:pPr lvl="0" rtl="0">
-              <a:lnSpc>
-                <a:spcPct val="115000"/>
-              </a:lnSpc>
-              <a:spcBef>
-                <a:spcPts val="0"/>
-              </a:spcBef>
-              <a:buClr>
-                <a:schemeClr val="dk1"/>
-              </a:buClr>
-              <a:buSzPct val="122222"/>
-              <a:buFont typeface="Arial"/>
-              <a:buNone/>
-            </a:pPr>
-            <a:r>
-              <a:rPr b="1" lang="en" sz="900">
-                <a:solidFill>
-                  <a:schemeClr val="lt1"/>
-                </a:solidFill>
-                <a:latin typeface="Helvetica Neue"/>
-                <a:ea typeface="Helvetica Neue"/>
-                <a:cs typeface="Helvetica Neue"/>
-                <a:sym typeface="Helvetica Neue"/>
-              </a:rPr>
-              <a:t>ONE_TIME_RELEASES</a:t>
-            </a:r>
-          </a:p>
-        </p:txBody>
-      </p:sp>
+      </p:pic>
     </p:spTree>
   </p:cSld>
   <p:clrMapOvr>
@@ -30837,7 +30442,7 @@
     </p:bg>
     <p:spTree>
       <p:nvGrpSpPr>
-        <p:cNvPr id="563" name="Shape 563"/>
+        <p:cNvPr id="566" name="Shape 566"/>
         <p:cNvGrpSpPr/>
         <p:nvPr/>
       </p:nvGrpSpPr>
@@ -30851,7 +30456,7 @@
       </p:grpSpPr>
       <p:sp>
         <p:nvSpPr>
-          <p:cNvPr id="564" name="Shape 564"/>
+          <p:cNvPr id="567" name="Shape 567"/>
           <p:cNvSpPr/>
           <p:nvPr/>
         </p:nvSpPr>
@@ -30909,7 +30514,7 @@
       </p:sp>
       <p:sp>
         <p:nvSpPr>
-          <p:cNvPr id="565" name="Shape 565"/>
+          <p:cNvPr id="568" name="Shape 568"/>
           <p:cNvSpPr/>
           <p:nvPr/>
         </p:nvSpPr>
@@ -30967,7 +30572,7 @@
       </p:sp>
       <p:sp>
         <p:nvSpPr>
-          <p:cNvPr id="566" name="Shape 566"/>
+          <p:cNvPr id="569" name="Shape 569"/>
           <p:cNvSpPr/>
           <p:nvPr/>
         </p:nvSpPr>
@@ -30992,19 +30597,19 @@
           </a:bodyPr>
           <a:lstStyle/>
           <a:p>
-            <a:pPr indent="-190500" lvl="0" marL="215900" rtl="0">
+            <a:pPr indent="-215900" lvl="0" marL="215900" rtl="0">
               <a:spcBef>
                 <a:spcPts val="0"/>
               </a:spcBef>
               <a:buClr>
                 <a:schemeClr val="lt1"/>
               </a:buClr>
-              <a:buSzPct val="100000"/>
+              <a:buSzPct val="146666"/>
               <a:buFont typeface="Helvetica Neue"/>
               <a:buChar char="•"/>
             </a:pPr>
             <a:r>
-              <a:rPr b="1" lang="en" sz="1800">
+              <a:rPr b="1" lang="en" sz="1500">
                 <a:solidFill>
                   <a:schemeClr val="lt1"/>
                 </a:solidFill>
@@ -31013,22 +30618,23 @@
                 <a:cs typeface="Helvetica Neue"/>
                 <a:sym typeface="Helvetica Neue"/>
               </a:rPr>
-              <a:t>Created Python script to process US and State CSV files</a:t>
-            </a:r>
-          </a:p>
-          <a:p>
-            <a:pPr indent="-342900" lvl="1" marL="914400" rtl="0">
+              <a:t>Over 100 columns on attributes, lots of them are irrelevant for our purposes</a:t>
+            </a:r>
+          </a:p>
+          <a:p>
+            <a:pPr indent="-215900" lvl="0" marL="215900" rtl="0">
               <a:spcBef>
                 <a:spcPts val="0"/>
               </a:spcBef>
               <a:buClr>
                 <a:schemeClr val="lt1"/>
               </a:buClr>
-              <a:buSzPct val="100000"/>
-              <a:buFont typeface="Helvetica Neue"/>
-            </a:pPr>
-            <a:r>
-              <a:rPr b="1" lang="en" sz="1800">
+              <a:buSzPct val="146666"/>
+              <a:buFont typeface="Helvetica Neue"/>
+              <a:buChar char="•"/>
+            </a:pPr>
+            <a:r>
+              <a:rPr b="1" lang="en" sz="1500">
                 <a:solidFill>
                   <a:schemeClr val="lt1"/>
                 </a:solidFill>
@@ -31037,22 +30643,23 @@
                 <a:cs typeface="Helvetica Neue"/>
                 <a:sym typeface="Helvetica Neue"/>
               </a:rPr>
-              <a:t>Trims unwanted attributes</a:t>
-            </a:r>
-          </a:p>
-          <a:p>
-            <a:pPr indent="-342900" lvl="1" marL="914400" rtl="0">
+              <a:t>This includes unwanted Government codes, industry compliance codes, etc</a:t>
+            </a:r>
+          </a:p>
+          <a:p>
+            <a:pPr indent="-215900" lvl="0" marL="215900" rtl="0">
               <a:spcBef>
                 <a:spcPts val="0"/>
               </a:spcBef>
               <a:buClr>
                 <a:schemeClr val="lt1"/>
               </a:buClr>
-              <a:buSzPct val="100000"/>
-              <a:buFont typeface="Helvetica Neue"/>
-            </a:pPr>
-            <a:r>
-              <a:rPr b="1" lang="en" sz="1800">
+              <a:buSzPct val="146666"/>
+              <a:buFont typeface="Helvetica Neue"/>
+              <a:buChar char="•"/>
+            </a:pPr>
+            <a:r>
+              <a:rPr b="1" lang="en" sz="1500">
                 <a:solidFill>
                   <a:schemeClr val="lt1"/>
                 </a:solidFill>
@@ -31061,22 +30668,23 @@
                 <a:cs typeface="Helvetica Neue"/>
                 <a:sym typeface="Helvetica Neue"/>
               </a:rPr>
-              <a:t>Renames columns for standard access</a:t>
-            </a:r>
-          </a:p>
-          <a:p>
-            <a:pPr indent="-342900" lvl="1" marL="914400" rtl="0">
+              <a:t>We want location information, chemical information, and release and recycling information</a:t>
+            </a:r>
+          </a:p>
+          <a:p>
+            <a:pPr indent="-215900" lvl="0" marL="215900" rtl="0">
               <a:spcBef>
                 <a:spcPts val="0"/>
               </a:spcBef>
               <a:buClr>
                 <a:schemeClr val="lt1"/>
               </a:buClr>
-              <a:buSzPct val="100000"/>
-              <a:buFont typeface="Helvetica Neue"/>
-            </a:pPr>
-            <a:r>
-              <a:rPr b="1" lang="en" sz="1800">
+              <a:buSzPct val="146666"/>
+              <a:buFont typeface="Helvetica Neue"/>
+              <a:buChar char="•"/>
+            </a:pPr>
+            <a:r>
+              <a:rPr b="1" lang="en" sz="1500">
                 <a:solidFill>
                   <a:schemeClr val="lt1"/>
                 </a:solidFill>
@@ -31085,44 +30693,810 @@
                 <a:cs typeface="Helvetica Neue"/>
                 <a:sym typeface="Helvetica Neue"/>
               </a:rPr>
-              <a:t>Handles NaN values in numerical columns</a:t>
-            </a:r>
-          </a:p>
-          <a:p>
-            <a:pPr indent="-342900" lvl="1" marL="914400" rtl="0">
+              <a:t>We identified 21 categories, common to US and State data sets, to use</a:t>
+            </a:r>
+            <a:br>
+              <a:rPr b="1" lang="en" sz="1500">
+                <a:solidFill>
+                  <a:schemeClr val="lt1"/>
+                </a:solidFill>
+                <a:latin typeface="Helvetica Neue"/>
+                <a:ea typeface="Helvetica Neue"/>
+                <a:cs typeface="Helvetica Neue"/>
+                <a:sym typeface="Helvetica Neue"/>
+              </a:rPr>
+            </a:br>
+            <a:r>
+              <a:rPr b="1" lang="en" sz="1500">
+                <a:solidFill>
+                  <a:schemeClr val="lt1"/>
+                </a:solidFill>
+                <a:latin typeface="Helvetica Neue"/>
+                <a:ea typeface="Helvetica Neue"/>
+                <a:cs typeface="Helvetica Neue"/>
+                <a:sym typeface="Helvetica Neue"/>
+              </a:rPr>
+              <a:t> </a:t>
+            </a:r>
+          </a:p>
+          <a:p>
+            <a:pPr indent="-88900" lvl="0" marL="0" marR="0" rtl="0" algn="ctr">
+              <a:lnSpc>
+                <a:spcPct val="100000"/>
+              </a:lnSpc>
+              <a:spcBef>
+                <a:spcPts val="0"/>
+              </a:spcBef>
+              <a:spcAft>
+                <a:spcPts val="0"/>
+              </a:spcAft>
+              <a:buClr>
+                <a:srgbClr val="FFFFFF"/>
+              </a:buClr>
+              <a:buFont typeface="Helvetica Neue"/>
+              <a:buNone/>
+            </a:pPr>
+            <a:r>
+              <a:t/>
+            </a:r>
+            <a:endParaRPr>
+              <a:solidFill>
+                <a:srgbClr val="FFFFFF"/>
+              </a:solidFill>
+              <a:latin typeface="Helvetica Neue"/>
+              <a:ea typeface="Helvetica Neue"/>
+              <a:cs typeface="Helvetica Neue"/>
+              <a:sym typeface="Helvetica Neue"/>
+            </a:endParaRPr>
+          </a:p>
+        </p:txBody>
+      </p:sp>
+      <p:sp>
+        <p:nvSpPr>
+          <p:cNvPr id="570" name="Shape 570"/>
+          <p:cNvSpPr/>
+          <p:nvPr/>
+        </p:nvSpPr>
+        <p:spPr>
+          <a:xfrm>
+            <a:off x="4339745" y="955019"/>
+            <a:ext cx="1322100" cy="1129200"/>
+          </a:xfrm>
+          <a:prstGeom prst="rect">
+            <a:avLst/>
+          </a:prstGeom>
+          <a:solidFill>
+            <a:srgbClr val="6C6C6C"/>
+          </a:solidFill>
+          <a:ln>
+            <a:noFill/>
+          </a:ln>
+        </p:spPr>
+        <p:txBody>
+          <a:bodyPr anchorCtr="0" anchor="ctr" bIns="32750" lIns="32750" rIns="32750" wrap="square" tIns="32750">
+            <a:noAutofit/>
+          </a:bodyPr>
+          <a:lstStyle/>
+          <a:p>
+            <a:pPr indent="-88900" lvl="0" marL="0" marR="0" rtl="0" algn="ctr">
+              <a:lnSpc>
+                <a:spcPct val="100000"/>
+              </a:lnSpc>
+              <a:spcBef>
+                <a:spcPts val="0"/>
+              </a:spcBef>
+              <a:spcAft>
+                <a:spcPts val="0"/>
+              </a:spcAft>
+              <a:buClr>
+                <a:srgbClr val="FFFFFF"/>
+              </a:buClr>
+              <a:buFont typeface="Helvetica Neue"/>
+              <a:buNone/>
+            </a:pPr>
+            <a:r>
+              <a:t/>
+            </a:r>
+            <a:endParaRPr b="0" i="0" sz="1400" u="none" cap="none" strike="noStrike">
+              <a:solidFill>
+                <a:srgbClr val="FFFFFF"/>
+              </a:solidFill>
+              <a:latin typeface="Helvetica Neue"/>
+              <a:ea typeface="Helvetica Neue"/>
+              <a:cs typeface="Helvetica Neue"/>
+              <a:sym typeface="Helvetica Neue"/>
+            </a:endParaRPr>
+          </a:p>
+        </p:txBody>
+      </p:sp>
+      <p:sp>
+        <p:nvSpPr>
+          <p:cNvPr id="571" name="Shape 571"/>
+          <p:cNvSpPr/>
+          <p:nvPr/>
+        </p:nvSpPr>
+        <p:spPr>
+          <a:xfrm>
+            <a:off x="4344609" y="22274"/>
+            <a:ext cx="4772700" cy="917400"/>
+          </a:xfrm>
+          <a:prstGeom prst="rect">
+            <a:avLst/>
+          </a:prstGeom>
+          <a:solidFill>
+            <a:srgbClr val="434343"/>
+          </a:solidFill>
+          <a:ln>
+            <a:noFill/>
+          </a:ln>
+        </p:spPr>
+        <p:txBody>
+          <a:bodyPr anchorCtr="0" anchor="ctr" bIns="32750" lIns="32750" rIns="32750" wrap="square" tIns="32750">
+            <a:noAutofit/>
+          </a:bodyPr>
+          <a:lstStyle/>
+          <a:p>
+            <a:pPr indent="-88900" lvl="0" marL="0" marR="0" rtl="0" algn="ctr">
+              <a:lnSpc>
+                <a:spcPct val="100000"/>
+              </a:lnSpc>
+              <a:spcBef>
+                <a:spcPts val="0"/>
+              </a:spcBef>
+              <a:spcAft>
+                <a:spcPts val="0"/>
+              </a:spcAft>
+              <a:buClr>
+                <a:srgbClr val="FFFFFF"/>
+              </a:buClr>
+              <a:buFont typeface="Helvetica Neue"/>
+              <a:buNone/>
+            </a:pPr>
+            <a:r>
+              <a:t/>
+            </a:r>
+            <a:endParaRPr b="0" i="0" sz="1400" u="none" cap="none" strike="noStrike">
+              <a:solidFill>
+                <a:srgbClr val="FFFFFF"/>
+              </a:solidFill>
+              <a:latin typeface="Helvetica Neue"/>
+              <a:ea typeface="Helvetica Neue"/>
+              <a:cs typeface="Helvetica Neue"/>
+              <a:sym typeface="Helvetica Neue"/>
+            </a:endParaRPr>
+          </a:p>
+        </p:txBody>
+      </p:sp>
+      <p:sp>
+        <p:nvSpPr>
+          <p:cNvPr id="572" name="Shape 572"/>
+          <p:cNvSpPr txBox="1"/>
+          <p:nvPr/>
+        </p:nvSpPr>
+        <p:spPr>
+          <a:xfrm>
+            <a:off x="4382101" y="264675"/>
+            <a:ext cx="4697700" cy="432600"/>
+          </a:xfrm>
+          <a:prstGeom prst="rect">
+            <a:avLst/>
+          </a:prstGeom>
+          <a:noFill/>
+          <a:ln>
+            <a:noFill/>
+          </a:ln>
+        </p:spPr>
+        <p:txBody>
+          <a:bodyPr anchorCtr="0" anchor="ctr" bIns="32750" lIns="32750" rIns="32750" wrap="square" tIns="32750">
+            <a:noAutofit/>
+          </a:bodyPr>
+          <a:lstStyle/>
+          <a:p>
+            <a:pPr indent="-196850" lvl="0" marL="0" marR="0" rtl="0" algn="ctr">
+              <a:lnSpc>
+                <a:spcPct val="100000"/>
+              </a:lnSpc>
+              <a:spcBef>
+                <a:spcPts val="0"/>
+              </a:spcBef>
+              <a:spcAft>
+                <a:spcPts val="0"/>
+              </a:spcAft>
+              <a:buClr>
+                <a:srgbClr val="FFFFFF"/>
+              </a:buClr>
+              <a:buSzPct val="114814"/>
+              <a:buFont typeface="Helvetica Neue"/>
+              <a:buNone/>
+            </a:pPr>
+            <a:r>
+              <a:rPr b="1" lang="en" sz="2700">
+                <a:solidFill>
+                  <a:srgbClr val="FFFFFF"/>
+                </a:solidFill>
+                <a:latin typeface="Helvetica Neue"/>
+                <a:ea typeface="Helvetica Neue"/>
+                <a:cs typeface="Helvetica Neue"/>
+                <a:sym typeface="Helvetica Neue"/>
+              </a:rPr>
+              <a:t>Standardizing Project Data: What Do We Need?</a:t>
+            </a:r>
+          </a:p>
+        </p:txBody>
+      </p:sp>
+      <p:sp>
+        <p:nvSpPr>
+          <p:cNvPr id="573" name="Shape 573"/>
+          <p:cNvSpPr/>
+          <p:nvPr/>
+        </p:nvSpPr>
+        <p:spPr>
+          <a:xfrm>
+            <a:off x="5682332" y="2101132"/>
+            <a:ext cx="3434400" cy="2083200"/>
+          </a:xfrm>
+          <a:prstGeom prst="rect">
+            <a:avLst/>
+          </a:prstGeom>
+          <a:solidFill>
+            <a:srgbClr val="434343"/>
+          </a:solidFill>
+          <a:ln>
+            <a:noFill/>
+          </a:ln>
+        </p:spPr>
+        <p:txBody>
+          <a:bodyPr anchorCtr="0" anchor="ctr" bIns="32750" lIns="32750" rIns="32750" wrap="square" tIns="32750">
+            <a:noAutofit/>
+          </a:bodyPr>
+          <a:lstStyle/>
+          <a:p>
+            <a:pPr indent="-88900" lvl="0" marL="0" marR="0" rtl="0" algn="ctr">
+              <a:lnSpc>
+                <a:spcPct val="100000"/>
+              </a:lnSpc>
+              <a:spcBef>
+                <a:spcPts val="0"/>
+              </a:spcBef>
+              <a:spcAft>
+                <a:spcPts val="0"/>
+              </a:spcAft>
+              <a:buClr>
+                <a:srgbClr val="FFFFFF"/>
+              </a:buClr>
+              <a:buFont typeface="Helvetica Neue"/>
+              <a:buNone/>
+            </a:pPr>
+            <a:r>
+              <a:t/>
+            </a:r>
+            <a:endParaRPr b="0" i="0" sz="1400" u="none" cap="none" strike="noStrike">
+              <a:solidFill>
+                <a:srgbClr val="FFFFFF"/>
+              </a:solidFill>
+              <a:latin typeface="Helvetica Neue"/>
+              <a:ea typeface="Helvetica Neue"/>
+              <a:cs typeface="Helvetica Neue"/>
+              <a:sym typeface="Helvetica Neue"/>
+            </a:endParaRPr>
+          </a:p>
+        </p:txBody>
+      </p:sp>
+      <p:sp>
+        <p:nvSpPr>
+          <p:cNvPr id="574" name="Shape 574"/>
+          <p:cNvSpPr/>
+          <p:nvPr/>
+        </p:nvSpPr>
+        <p:spPr>
+          <a:xfrm>
+            <a:off x="5685350" y="957050"/>
+            <a:ext cx="2451300" cy="1125000"/>
+          </a:xfrm>
+          <a:prstGeom prst="rect">
+            <a:avLst/>
+          </a:prstGeom>
+          <a:solidFill>
+            <a:srgbClr val="6C6C6C"/>
+          </a:solidFill>
+          <a:ln>
+            <a:noFill/>
+          </a:ln>
+        </p:spPr>
+        <p:txBody>
+          <a:bodyPr anchorCtr="0" anchor="ctr" bIns="32750" lIns="32750" rIns="32750" wrap="square" tIns="32750">
+            <a:noAutofit/>
+          </a:bodyPr>
+          <a:lstStyle/>
+          <a:p>
+            <a:pPr indent="-88900" lvl="0" marL="0" marR="0" rtl="0" algn="ctr">
+              <a:lnSpc>
+                <a:spcPct val="100000"/>
+              </a:lnSpc>
+              <a:spcBef>
+                <a:spcPts val="0"/>
+              </a:spcBef>
+              <a:spcAft>
+                <a:spcPts val="0"/>
+              </a:spcAft>
+              <a:buClr>
+                <a:srgbClr val="FFFFFF"/>
+              </a:buClr>
+              <a:buFont typeface="Helvetica Neue"/>
+              <a:buNone/>
+            </a:pPr>
+            <a:r>
+              <a:t/>
+            </a:r>
+            <a:endParaRPr b="0" i="0" sz="1400" u="none" cap="none" strike="noStrike">
+              <a:solidFill>
+                <a:srgbClr val="FFFFFF"/>
+              </a:solidFill>
+              <a:latin typeface="Helvetica Neue"/>
+              <a:ea typeface="Helvetica Neue"/>
+              <a:cs typeface="Helvetica Neue"/>
+              <a:sym typeface="Helvetica Neue"/>
+            </a:endParaRPr>
+          </a:p>
+        </p:txBody>
+      </p:sp>
+      <p:pic>
+        <p:nvPicPr>
+          <p:cNvPr descr="2eastmainbfr.jpg" id="575" name="Shape 575"/>
+          <p:cNvPicPr preferRelativeResize="0"/>
+          <p:nvPr/>
+        </p:nvPicPr>
+        <p:blipFill rotWithShape="1">
+          <a:blip r:embed="rId3">
+            <a:alphaModFix/>
+          </a:blip>
+          <a:srcRect b="0" l="0" r="0" t="0"/>
+          <a:stretch/>
+        </p:blipFill>
+        <p:spPr>
+          <a:xfrm>
+            <a:off x="8174459" y="957284"/>
+            <a:ext cx="944244" cy="1124691"/>
+          </a:xfrm>
+          <a:prstGeom prst="rect">
+            <a:avLst/>
+          </a:prstGeom>
+          <a:noFill/>
+          <a:ln>
+            <a:noFill/>
+          </a:ln>
+        </p:spPr>
+      </p:pic>
+      <p:pic>
+        <p:nvPicPr>
+          <p:cNvPr descr="natural-wetland-2.jpg" id="576" name="Shape 576"/>
+          <p:cNvPicPr preferRelativeResize="0"/>
+          <p:nvPr/>
+        </p:nvPicPr>
+        <p:blipFill rotWithShape="1">
+          <a:blip r:embed="rId4">
+            <a:alphaModFix/>
+          </a:blip>
+          <a:srcRect b="0" l="0" r="0" t="0"/>
+          <a:stretch/>
+        </p:blipFill>
+        <p:spPr>
+          <a:xfrm>
+            <a:off x="7569975" y="4203150"/>
+            <a:ext cx="1564600" cy="916575"/>
+          </a:xfrm>
+          <a:prstGeom prst="rect">
+            <a:avLst/>
+          </a:prstGeom>
+          <a:noFill/>
+          <a:ln>
+            <a:noFill/>
+          </a:ln>
+        </p:spPr>
+      </p:pic>
+      <p:sp>
+        <p:nvSpPr>
+          <p:cNvPr id="577" name="Shape 577"/>
+          <p:cNvSpPr/>
+          <p:nvPr/>
+        </p:nvSpPr>
+        <p:spPr>
+          <a:xfrm>
+            <a:off x="5683150" y="4203175"/>
+            <a:ext cx="1866900" cy="917400"/>
+          </a:xfrm>
+          <a:prstGeom prst="rect">
+            <a:avLst/>
+          </a:prstGeom>
+          <a:solidFill>
+            <a:srgbClr val="6C6C6C"/>
+          </a:solidFill>
+          <a:ln>
+            <a:noFill/>
+          </a:ln>
+        </p:spPr>
+        <p:txBody>
+          <a:bodyPr anchorCtr="0" anchor="ctr" bIns="32750" lIns="32750" rIns="32750" wrap="square" tIns="32750">
+            <a:noAutofit/>
+          </a:bodyPr>
+          <a:lstStyle/>
+          <a:p>
+            <a:pPr indent="-88900" lvl="0" marL="0" marR="0" rtl="0" algn="ctr">
+              <a:lnSpc>
+                <a:spcPct val="100000"/>
+              </a:lnSpc>
+              <a:spcBef>
+                <a:spcPts val="0"/>
+              </a:spcBef>
+              <a:spcAft>
+                <a:spcPts val="0"/>
+              </a:spcAft>
+              <a:buClr>
+                <a:srgbClr val="FFFFFF"/>
+              </a:buClr>
+              <a:buFont typeface="Helvetica Neue"/>
+              <a:buNone/>
+            </a:pPr>
+            <a:r>
+              <a:t/>
+            </a:r>
+            <a:endParaRPr b="0" i="0" sz="1400" u="none" cap="none" strike="noStrike">
+              <a:solidFill>
+                <a:srgbClr val="FFFFFF"/>
+              </a:solidFill>
+              <a:latin typeface="Helvetica Neue"/>
+              <a:ea typeface="Helvetica Neue"/>
+              <a:cs typeface="Helvetica Neue"/>
+              <a:sym typeface="Helvetica Neue"/>
+            </a:endParaRPr>
+          </a:p>
+        </p:txBody>
+      </p:sp>
+      <p:pic>
+        <p:nvPicPr>
+          <p:cNvPr descr="philly.jpg" id="578" name="Shape 578"/>
+          <p:cNvPicPr preferRelativeResize="0"/>
+          <p:nvPr/>
+        </p:nvPicPr>
+        <p:blipFill rotWithShape="1">
+          <a:blip r:embed="rId5">
+            <a:alphaModFix/>
+          </a:blip>
+          <a:srcRect b="0" l="0" r="0" t="0"/>
+          <a:stretch/>
+        </p:blipFill>
+        <p:spPr>
+          <a:xfrm>
+            <a:off x="27504" y="16878"/>
+            <a:ext cx="4295180" cy="2069455"/>
+          </a:xfrm>
+          <a:prstGeom prst="rect">
+            <a:avLst/>
+          </a:prstGeom>
+          <a:noFill/>
+          <a:ln>
+            <a:noFill/>
+          </a:ln>
+        </p:spPr>
+      </p:pic>
+      <p:sp>
+        <p:nvSpPr>
+          <p:cNvPr id="579" name="Shape 579"/>
+          <p:cNvSpPr txBox="1"/>
+          <p:nvPr/>
+        </p:nvSpPr>
+        <p:spPr>
+          <a:xfrm>
+            <a:off x="5685350" y="2101125"/>
+            <a:ext cx="1830600" cy="2083200"/>
+          </a:xfrm>
+          <a:prstGeom prst="rect">
+            <a:avLst/>
+          </a:prstGeom>
+          <a:noFill/>
+          <a:ln>
+            <a:noFill/>
+          </a:ln>
+        </p:spPr>
+        <p:txBody>
+          <a:bodyPr anchorCtr="0" anchor="t" bIns="91425" lIns="91425" rIns="91425" wrap="square" tIns="91425">
+            <a:noAutofit/>
+          </a:bodyPr>
+          <a:lstStyle/>
+          <a:p>
+            <a:pPr lvl="0" rtl="0">
+              <a:lnSpc>
+                <a:spcPct val="115000"/>
+              </a:lnSpc>
+              <a:spcBef>
+                <a:spcPts val="0"/>
+              </a:spcBef>
+              <a:buNone/>
+            </a:pPr>
+            <a:r>
+              <a:rPr b="1" lang="en" sz="900">
+                <a:solidFill>
+                  <a:schemeClr val="lt1"/>
+                </a:solidFill>
+                <a:latin typeface="Helvetica Neue"/>
+                <a:ea typeface="Helvetica Neue"/>
+                <a:cs typeface="Helvetica Neue"/>
+                <a:sym typeface="Helvetica Neue"/>
+              </a:rPr>
+              <a:t>YEAR</a:t>
+            </a:r>
+          </a:p>
+          <a:p>
+            <a:pPr lvl="0" rtl="0">
+              <a:lnSpc>
+                <a:spcPct val="115000"/>
+              </a:lnSpc>
+              <a:spcBef>
+                <a:spcPts val="0"/>
+              </a:spcBef>
+              <a:buNone/>
+            </a:pPr>
+            <a:r>
+              <a:rPr b="1" lang="en" sz="900">
+                <a:solidFill>
+                  <a:schemeClr val="lt1"/>
+                </a:solidFill>
+                <a:latin typeface="Helvetica Neue"/>
+                <a:ea typeface="Helvetica Neue"/>
+                <a:cs typeface="Helvetica Neue"/>
+                <a:sym typeface="Helvetica Neue"/>
+              </a:rPr>
+              <a:t>FACILITY_NAME</a:t>
+            </a:r>
+          </a:p>
+          <a:p>
+            <a:pPr lvl="0" rtl="0">
+              <a:lnSpc>
+                <a:spcPct val="115000"/>
+              </a:lnSpc>
+              <a:spcBef>
+                <a:spcPts val="0"/>
+              </a:spcBef>
+              <a:buNone/>
+            </a:pPr>
+            <a:r>
+              <a:rPr b="1" lang="en" sz="900">
+                <a:solidFill>
+                  <a:schemeClr val="lt1"/>
+                </a:solidFill>
+                <a:latin typeface="Helvetica Neue"/>
+                <a:ea typeface="Helvetica Neue"/>
+                <a:cs typeface="Helvetica Neue"/>
+                <a:sym typeface="Helvetica Neue"/>
+              </a:rPr>
+              <a:t>FEDERAL_FACILITY</a:t>
+            </a:r>
+          </a:p>
+          <a:p>
+            <a:pPr lvl="0" rtl="0">
+              <a:lnSpc>
+                <a:spcPct val="115000"/>
+              </a:lnSpc>
+              <a:spcBef>
+                <a:spcPts val="0"/>
+              </a:spcBef>
+              <a:buNone/>
+            </a:pPr>
+            <a:r>
+              <a:rPr b="1" lang="en" sz="900">
+                <a:solidFill>
+                  <a:schemeClr val="lt1"/>
+                </a:solidFill>
+                <a:latin typeface="Helvetica Neue"/>
+                <a:ea typeface="Helvetica Neue"/>
+                <a:cs typeface="Helvetica Neue"/>
+                <a:sym typeface="Helvetica Neue"/>
+              </a:rPr>
+              <a:t>PARENT_COMPANY_NAME</a:t>
+            </a:r>
+          </a:p>
+          <a:p>
+            <a:pPr lvl="0" rtl="0">
+              <a:lnSpc>
+                <a:spcPct val="115000"/>
+              </a:lnSpc>
+              <a:spcBef>
+                <a:spcPts val="0"/>
+              </a:spcBef>
+              <a:buNone/>
+            </a:pPr>
+            <a:r>
+              <a:rPr b="1" lang="en" sz="900">
+                <a:solidFill>
+                  <a:schemeClr val="lt1"/>
+                </a:solidFill>
+                <a:latin typeface="Helvetica Neue"/>
+                <a:ea typeface="Helvetica Neue"/>
+                <a:cs typeface="Helvetica Neue"/>
+                <a:sym typeface="Helvetica Neue"/>
+              </a:rPr>
+              <a:t>INDUSTRY_SECTOR</a:t>
+            </a:r>
+          </a:p>
+          <a:p>
+            <a:pPr lvl="0" rtl="0">
+              <a:lnSpc>
+                <a:spcPct val="115000"/>
+              </a:lnSpc>
+              <a:spcBef>
+                <a:spcPts val="0"/>
+              </a:spcBef>
+              <a:buNone/>
+            </a:pPr>
+            <a:r>
+              <a:rPr b="1" lang="en" sz="900">
+                <a:solidFill>
+                  <a:schemeClr val="lt1"/>
+                </a:solidFill>
+                <a:latin typeface="Helvetica Neue"/>
+                <a:ea typeface="Helvetica Neue"/>
+                <a:cs typeface="Helvetica Neue"/>
+                <a:sym typeface="Helvetica Neue"/>
+              </a:rPr>
+              <a:t>ZIP</a:t>
+            </a:r>
+          </a:p>
+          <a:p>
+            <a:pPr lvl="0" rtl="0">
+              <a:lnSpc>
+                <a:spcPct val="115000"/>
+              </a:lnSpc>
+              <a:spcBef>
+                <a:spcPts val="0"/>
+              </a:spcBef>
+              <a:buNone/>
+            </a:pPr>
+            <a:r>
+              <a:rPr b="1" lang="en" sz="900">
+                <a:solidFill>
+                  <a:schemeClr val="lt1"/>
+                </a:solidFill>
+                <a:latin typeface="Helvetica Neue"/>
+                <a:ea typeface="Helvetica Neue"/>
+                <a:cs typeface="Helvetica Neue"/>
+                <a:sym typeface="Helvetica Neue"/>
+              </a:rPr>
+              <a:t>STATE</a:t>
+            </a:r>
+          </a:p>
+          <a:p>
+            <a:pPr lvl="0" rtl="0">
+              <a:lnSpc>
+                <a:spcPct val="115000"/>
+              </a:lnSpc>
+              <a:spcBef>
+                <a:spcPts val="0"/>
+              </a:spcBef>
+              <a:buNone/>
+            </a:pPr>
+            <a:r>
+              <a:rPr b="1" lang="en" sz="900">
+                <a:solidFill>
+                  <a:schemeClr val="lt1"/>
+                </a:solidFill>
+                <a:latin typeface="Helvetica Neue"/>
+                <a:ea typeface="Helvetica Neue"/>
+                <a:cs typeface="Helvetica Neue"/>
+                <a:sym typeface="Helvetica Neue"/>
+              </a:rPr>
+              <a:t>CITY</a:t>
+            </a:r>
+          </a:p>
+          <a:p>
+            <a:pPr lvl="0" rtl="0">
+              <a:lnSpc>
+                <a:spcPct val="115000"/>
+              </a:lnSpc>
+              <a:spcBef>
+                <a:spcPts val="0"/>
+              </a:spcBef>
+              <a:buNone/>
+            </a:pPr>
+            <a:r>
+              <a:rPr b="1" lang="en" sz="900">
+                <a:solidFill>
+                  <a:schemeClr val="lt1"/>
+                </a:solidFill>
+                <a:latin typeface="Helvetica Neue"/>
+                <a:ea typeface="Helvetica Neue"/>
+                <a:cs typeface="Helvetica Neue"/>
+                <a:sym typeface="Helvetica Neue"/>
+              </a:rPr>
+              <a:t>COUNTY</a:t>
+            </a:r>
+          </a:p>
+          <a:p>
+            <a:pPr lvl="0" rtl="0">
+              <a:lnSpc>
+                <a:spcPct val="115000"/>
+              </a:lnSpc>
+              <a:spcBef>
+                <a:spcPts val="0"/>
+              </a:spcBef>
+              <a:buNone/>
+            </a:pPr>
+            <a:r>
+              <a:rPr b="1" lang="en" sz="900">
+                <a:solidFill>
+                  <a:schemeClr val="lt1"/>
+                </a:solidFill>
+                <a:latin typeface="Helvetica Neue"/>
+                <a:ea typeface="Helvetica Neue"/>
+                <a:cs typeface="Helvetica Neue"/>
+                <a:sym typeface="Helvetica Neue"/>
+              </a:rPr>
+              <a:t>LATITUDE</a:t>
+            </a:r>
+          </a:p>
+          <a:p>
+            <a:pPr lvl="0" rtl="0">
+              <a:lnSpc>
+                <a:spcPct val="115000"/>
+              </a:lnSpc>
+              <a:spcBef>
+                <a:spcPts val="0"/>
+              </a:spcBef>
+              <a:buNone/>
+            </a:pPr>
+            <a:r>
+              <a:rPr b="1" lang="en" sz="900">
+                <a:solidFill>
+                  <a:schemeClr val="lt1"/>
+                </a:solidFill>
+                <a:latin typeface="Helvetica Neue"/>
+                <a:ea typeface="Helvetica Neue"/>
+                <a:cs typeface="Helvetica Neue"/>
+                <a:sym typeface="Helvetica Neue"/>
+              </a:rPr>
+              <a:t>LONGITUDE</a:t>
+            </a:r>
+          </a:p>
+          <a:p>
+            <a:pPr lvl="0" rtl="0">
+              <a:lnSpc>
+                <a:spcPct val="115000"/>
+              </a:lnSpc>
+              <a:spcBef>
+                <a:spcPts val="0"/>
+              </a:spcBef>
+              <a:buNone/>
+            </a:pPr>
+            <a:r>
+              <a:rPr b="1" lang="en" sz="900">
+                <a:solidFill>
+                  <a:schemeClr val="lt1"/>
+                </a:solidFill>
+                <a:latin typeface="Helvetica Neue"/>
+                <a:ea typeface="Helvetica Neue"/>
+                <a:cs typeface="Helvetica Neue"/>
+                <a:sym typeface="Helvetica Neue"/>
+              </a:rPr>
+              <a:t>CHEMICAL</a:t>
+            </a:r>
+          </a:p>
+          <a:p>
+            <a:pPr lvl="0" rtl="0">
+              <a:lnSpc>
+                <a:spcPct val="115000"/>
+              </a:lnSpc>
               <a:spcBef>
                 <a:spcPts val="0"/>
               </a:spcBef>
               <a:buClr>
                 <a:schemeClr val="lt1"/>
               </a:buClr>
-              <a:buSzPct val="100000"/>
-              <a:buFont typeface="Helvetica Neue"/>
-            </a:pPr>
-            <a:r>
-              <a:rPr b="1" lang="en" sz="1800">
-                <a:solidFill>
-                  <a:schemeClr val="lt1"/>
-                </a:solidFill>
-                <a:latin typeface="Helvetica Neue"/>
-                <a:ea typeface="Helvetica Neue"/>
-                <a:cs typeface="Helvetica Neue"/>
-                <a:sym typeface="Helvetica Neue"/>
-              </a:rPr>
-              <a:t>Reduces CSV size by ~75%</a:t>
-            </a:r>
-          </a:p>
-          <a:p>
-            <a:pPr lvl="0" rtl="0">
-              <a:spcBef>
-                <a:spcPts val="0"/>
-              </a:spcBef>
+              <a:buFont typeface="Helvetica Neue"/>
               <a:buNone/>
             </a:pPr>
             <a:r>
               <a:t/>
             </a:r>
-            <a:endParaRPr b="1" sz="1800">
+            <a:endParaRPr b="1" sz="900">
               <a:solidFill>
                 <a:schemeClr val="lt1"/>
               </a:solidFill>
@@ -31132,512 +31506,286 @@
               <a:sym typeface="Helvetica Neue"/>
             </a:endParaRPr>
           </a:p>
-          <a:p>
-            <a:pPr indent="-190500" lvl="0" marL="215900" rtl="0">
-              <a:spcBef>
-                <a:spcPts val="0"/>
-              </a:spcBef>
-              <a:buClr>
-                <a:schemeClr val="lt1"/>
-              </a:buClr>
-              <a:buSzPct val="100000"/>
-              <a:buFont typeface="Helvetica Neue"/>
-              <a:buChar char="•"/>
-            </a:pPr>
-            <a:r>
-              <a:rPr b="1" lang="en" sz="1800">
-                <a:solidFill>
-                  <a:schemeClr val="lt1"/>
-                </a:solidFill>
-                <a:latin typeface="Helvetica Neue"/>
-                <a:ea typeface="Helvetica Neue"/>
-                <a:cs typeface="Helvetica Neue"/>
-                <a:sym typeface="Helvetica Neue"/>
-              </a:rPr>
-              <a:t>Run script on downloaded CSV files to pre-clean for use in ipynb</a:t>
-            </a:r>
-            <a:br>
-              <a:rPr b="1" lang="en" sz="1800">
-                <a:solidFill>
-                  <a:schemeClr val="lt1"/>
-                </a:solidFill>
-                <a:latin typeface="Helvetica Neue"/>
-                <a:ea typeface="Helvetica Neue"/>
-                <a:cs typeface="Helvetica Neue"/>
-                <a:sym typeface="Helvetica Neue"/>
-              </a:rPr>
-            </a:br>
-            <a:r>
-              <a:rPr b="1" lang="en" sz="1800">
-                <a:solidFill>
-                  <a:schemeClr val="lt1"/>
-                </a:solidFill>
-                <a:latin typeface="Helvetica Neue"/>
-                <a:ea typeface="Helvetica Neue"/>
-                <a:cs typeface="Helvetica Neue"/>
-                <a:sym typeface="Helvetica Neue"/>
-              </a:rPr>
-              <a:t> </a:t>
-            </a:r>
-          </a:p>
         </p:txBody>
       </p:sp>
       <p:sp>
         <p:nvSpPr>
-          <p:cNvPr id="567" name="Shape 567"/>
-          <p:cNvSpPr/>
-          <p:nvPr/>
-        </p:nvSpPr>
-        <p:spPr>
-          <a:xfrm>
-            <a:off x="4339745" y="955019"/>
-            <a:ext cx="1322100" cy="1129200"/>
-          </a:xfrm>
-          <a:prstGeom prst="rect">
-            <a:avLst/>
-          </a:prstGeom>
-          <a:solidFill>
-            <a:srgbClr val="6C6C6C"/>
-          </a:solidFill>
+          <p:cNvPr id="580" name="Shape 580"/>
+          <p:cNvSpPr txBox="1"/>
+          <p:nvPr/>
+        </p:nvSpPr>
+        <p:spPr>
+          <a:xfrm>
+            <a:off x="7286275" y="2099425"/>
+            <a:ext cx="1830600" cy="2083200"/>
+          </a:xfrm>
+          <a:prstGeom prst="rect">
+            <a:avLst/>
+          </a:prstGeom>
+          <a:noFill/>
           <a:ln>
             <a:noFill/>
           </a:ln>
         </p:spPr>
         <p:txBody>
-          <a:bodyPr anchorCtr="0" anchor="ctr" bIns="32750" lIns="32750" rIns="32750" wrap="square" tIns="32750">
+          <a:bodyPr anchorCtr="0" anchor="t" bIns="91425" lIns="91425" rIns="91425" wrap="square" tIns="91425">
             <a:noAutofit/>
           </a:bodyPr>
           <a:lstStyle/>
           <a:p>
-            <a:pPr indent="-88900" lvl="0" marL="0" marR="0" rtl="0" algn="ctr">
-              <a:lnSpc>
-                <a:spcPct val="100000"/>
-              </a:lnSpc>
-              <a:spcBef>
-                <a:spcPts val="0"/>
-              </a:spcBef>
-              <a:spcAft>
-                <a:spcPts val="0"/>
-              </a:spcAft>
-              <a:buClr>
-                <a:srgbClr val="FFFFFF"/>
-              </a:buClr>
-              <a:buFont typeface="Helvetica Neue"/>
-              <a:buNone/>
-            </a:pPr>
-            <a:r>
-              <a:t/>
-            </a:r>
-            <a:endParaRPr b="0" i="0" sz="1400" u="none" cap="none" strike="noStrike">
-              <a:solidFill>
-                <a:srgbClr val="FFFFFF"/>
-              </a:solidFill>
-              <a:latin typeface="Helvetica Neue"/>
-              <a:ea typeface="Helvetica Neue"/>
-              <a:cs typeface="Helvetica Neue"/>
-              <a:sym typeface="Helvetica Neue"/>
-            </a:endParaRPr>
+            <a:pPr lvl="0" rtl="0">
+              <a:lnSpc>
+                <a:spcPct val="115000"/>
+              </a:lnSpc>
+              <a:spcBef>
+                <a:spcPts val="0"/>
+              </a:spcBef>
+              <a:buClr>
+                <a:schemeClr val="dk1"/>
+              </a:buClr>
+              <a:buSzPct val="122222"/>
+              <a:buFont typeface="Arial"/>
+              <a:buNone/>
+            </a:pPr>
+            <a:r>
+              <a:rPr b="1" lang="en" sz="900">
+                <a:solidFill>
+                  <a:schemeClr val="lt1"/>
+                </a:solidFill>
+                <a:latin typeface="Helvetica Neue"/>
+                <a:ea typeface="Helvetica Neue"/>
+                <a:cs typeface="Helvetica Neue"/>
+                <a:sym typeface="Helvetica Neue"/>
+              </a:rPr>
+              <a:t>UNIT_OF_MEASURE</a:t>
+            </a:r>
+          </a:p>
+          <a:p>
+            <a:pPr lvl="0" rtl="0">
+              <a:lnSpc>
+                <a:spcPct val="115000"/>
+              </a:lnSpc>
+              <a:spcBef>
+                <a:spcPts val="0"/>
+              </a:spcBef>
+              <a:buClr>
+                <a:schemeClr val="dk1"/>
+              </a:buClr>
+              <a:buSzPct val="122222"/>
+              <a:buFont typeface="Arial"/>
+              <a:buNone/>
+            </a:pPr>
+            <a:r>
+              <a:rPr b="1" lang="en" sz="900">
+                <a:solidFill>
+                  <a:schemeClr val="lt1"/>
+                </a:solidFill>
+                <a:latin typeface="Helvetica Neue"/>
+                <a:ea typeface="Helvetica Neue"/>
+                <a:cs typeface="Helvetica Neue"/>
+                <a:sym typeface="Helvetica Neue"/>
+              </a:rPr>
+              <a:t>CARCINOGEN</a:t>
+            </a:r>
+          </a:p>
+          <a:p>
+            <a:pPr lvl="0" rtl="0">
+              <a:lnSpc>
+                <a:spcPct val="115000"/>
+              </a:lnSpc>
+              <a:spcBef>
+                <a:spcPts val="0"/>
+              </a:spcBef>
+              <a:buClr>
+                <a:schemeClr val="dk1"/>
+              </a:buClr>
+              <a:buSzPct val="122222"/>
+              <a:buFont typeface="Arial"/>
+              <a:buNone/>
+            </a:pPr>
+            <a:r>
+              <a:rPr b="1" lang="en" sz="900">
+                <a:solidFill>
+                  <a:schemeClr val="lt1"/>
+                </a:solidFill>
+                <a:latin typeface="Helvetica Neue"/>
+                <a:ea typeface="Helvetica Neue"/>
+                <a:cs typeface="Helvetica Neue"/>
+                <a:sym typeface="Helvetica Neue"/>
+              </a:rPr>
+              <a:t>CAA_CHEMICAL</a:t>
+            </a:r>
+          </a:p>
+          <a:p>
+            <a:pPr lvl="0" rtl="0">
+              <a:lnSpc>
+                <a:spcPct val="115000"/>
+              </a:lnSpc>
+              <a:spcBef>
+                <a:spcPts val="0"/>
+              </a:spcBef>
+              <a:buClr>
+                <a:schemeClr val="dk1"/>
+              </a:buClr>
+              <a:buSzPct val="122222"/>
+              <a:buFont typeface="Arial"/>
+              <a:buNone/>
+            </a:pPr>
+            <a:r>
+              <a:rPr b="1" lang="en" sz="900">
+                <a:solidFill>
+                  <a:schemeClr val="lt1"/>
+                </a:solidFill>
+                <a:latin typeface="Helvetica Neue"/>
+                <a:ea typeface="Helvetica Neue"/>
+                <a:cs typeface="Helvetica Neue"/>
+                <a:sym typeface="Helvetica Neue"/>
+              </a:rPr>
+              <a:t>TOTAL_RELEASES</a:t>
+            </a:r>
+          </a:p>
+          <a:p>
+            <a:pPr lvl="0" rtl="0">
+              <a:lnSpc>
+                <a:spcPct val="115000"/>
+              </a:lnSpc>
+              <a:spcBef>
+                <a:spcPts val="0"/>
+              </a:spcBef>
+              <a:buClr>
+                <a:schemeClr val="dk1"/>
+              </a:buClr>
+              <a:buSzPct val="122222"/>
+              <a:buFont typeface="Arial"/>
+              <a:buNone/>
+            </a:pPr>
+            <a:r>
+              <a:rPr b="1" lang="en" sz="900">
+                <a:solidFill>
+                  <a:schemeClr val="lt1"/>
+                </a:solidFill>
+                <a:latin typeface="Helvetica Neue"/>
+                <a:ea typeface="Helvetica Neue"/>
+                <a:cs typeface="Helvetica Neue"/>
+                <a:sym typeface="Helvetica Neue"/>
+              </a:rPr>
+              <a:t>ON_SITE_RELEASE_TOTAL</a:t>
+            </a:r>
+          </a:p>
+          <a:p>
+            <a:pPr lvl="0" rtl="0">
+              <a:lnSpc>
+                <a:spcPct val="115000"/>
+              </a:lnSpc>
+              <a:spcBef>
+                <a:spcPts val="0"/>
+              </a:spcBef>
+              <a:buClr>
+                <a:schemeClr val="dk1"/>
+              </a:buClr>
+              <a:buSzPct val="122222"/>
+              <a:buFont typeface="Arial"/>
+              <a:buNone/>
+            </a:pPr>
+            <a:r>
+              <a:rPr b="1" lang="en" sz="900">
+                <a:solidFill>
+                  <a:schemeClr val="lt1"/>
+                </a:solidFill>
+                <a:latin typeface="Helvetica Neue"/>
+                <a:ea typeface="Helvetica Neue"/>
+                <a:cs typeface="Helvetica Neue"/>
+                <a:sym typeface="Helvetica Neue"/>
+              </a:rPr>
+              <a:t>OFF_SITE_RELEASE_TOTAL</a:t>
+            </a:r>
+          </a:p>
+          <a:p>
+            <a:pPr lvl="0" rtl="0">
+              <a:lnSpc>
+                <a:spcPct val="115000"/>
+              </a:lnSpc>
+              <a:spcBef>
+                <a:spcPts val="0"/>
+              </a:spcBef>
+              <a:buClr>
+                <a:schemeClr val="dk1"/>
+              </a:buClr>
+              <a:buSzPct val="122222"/>
+              <a:buFont typeface="Arial"/>
+              <a:buNone/>
+            </a:pPr>
+            <a:r>
+              <a:rPr b="1" lang="en" sz="900">
+                <a:solidFill>
+                  <a:schemeClr val="lt1"/>
+                </a:solidFill>
+                <a:latin typeface="Helvetica Neue"/>
+                <a:ea typeface="Helvetica Neue"/>
+                <a:cs typeface="Helvetica Neue"/>
+                <a:sym typeface="Helvetica Neue"/>
+              </a:rPr>
+              <a:t>ON_SITE_RECYCLED_TOTAL</a:t>
+            </a:r>
+          </a:p>
+          <a:p>
+            <a:pPr lvl="0" rtl="0">
+              <a:lnSpc>
+                <a:spcPct val="115000"/>
+              </a:lnSpc>
+              <a:spcBef>
+                <a:spcPts val="0"/>
+              </a:spcBef>
+              <a:buClr>
+                <a:schemeClr val="dk1"/>
+              </a:buClr>
+              <a:buSzPct val="122222"/>
+              <a:buFont typeface="Arial"/>
+              <a:buNone/>
+            </a:pPr>
+            <a:r>
+              <a:rPr b="1" lang="en" sz="900">
+                <a:solidFill>
+                  <a:schemeClr val="lt1"/>
+                </a:solidFill>
+                <a:latin typeface="Helvetica Neue"/>
+                <a:ea typeface="Helvetica Neue"/>
+                <a:cs typeface="Helvetica Neue"/>
+                <a:sym typeface="Helvetica Neue"/>
+              </a:rPr>
+              <a:t>OFF_SITE_RECYCLED TOTAL</a:t>
+            </a:r>
+          </a:p>
+          <a:p>
+            <a:pPr lvl="0" rtl="0">
+              <a:lnSpc>
+                <a:spcPct val="115000"/>
+              </a:lnSpc>
+              <a:spcBef>
+                <a:spcPts val="0"/>
+              </a:spcBef>
+              <a:buClr>
+                <a:schemeClr val="dk1"/>
+              </a:buClr>
+              <a:buSzPct val="122222"/>
+              <a:buFont typeface="Arial"/>
+              <a:buNone/>
+            </a:pPr>
+            <a:r>
+              <a:rPr b="1" lang="en" sz="900">
+                <a:solidFill>
+                  <a:schemeClr val="lt1"/>
+                </a:solidFill>
+                <a:latin typeface="Helvetica Neue"/>
+                <a:ea typeface="Helvetica Neue"/>
+                <a:cs typeface="Helvetica Neue"/>
+                <a:sym typeface="Helvetica Neue"/>
+              </a:rPr>
+              <a:t>ONE_TIME_RELEASES</a:t>
+            </a:r>
           </a:p>
         </p:txBody>
       </p:sp>
-      <p:sp>
-        <p:nvSpPr>
-          <p:cNvPr id="568" name="Shape 568"/>
-          <p:cNvSpPr/>
-          <p:nvPr/>
-        </p:nvSpPr>
-        <p:spPr>
-          <a:xfrm>
-            <a:off x="4344609" y="22274"/>
-            <a:ext cx="4772700" cy="917400"/>
-          </a:xfrm>
-          <a:prstGeom prst="rect">
-            <a:avLst/>
-          </a:prstGeom>
-          <a:solidFill>
-            <a:srgbClr val="434343"/>
-          </a:solidFill>
-          <a:ln>
-            <a:noFill/>
-          </a:ln>
-        </p:spPr>
-        <p:txBody>
-          <a:bodyPr anchorCtr="0" anchor="ctr" bIns="32750" lIns="32750" rIns="32750" wrap="square" tIns="32750">
-            <a:noAutofit/>
-          </a:bodyPr>
-          <a:lstStyle/>
-          <a:p>
-            <a:pPr indent="-88900" lvl="0" marL="0" marR="0" rtl="0" algn="ctr">
-              <a:lnSpc>
-                <a:spcPct val="100000"/>
-              </a:lnSpc>
-              <a:spcBef>
-                <a:spcPts val="0"/>
-              </a:spcBef>
-              <a:spcAft>
-                <a:spcPts val="0"/>
-              </a:spcAft>
-              <a:buClr>
-                <a:srgbClr val="FFFFFF"/>
-              </a:buClr>
-              <a:buFont typeface="Helvetica Neue"/>
-              <a:buNone/>
-            </a:pPr>
-            <a:r>
-              <a:t/>
-            </a:r>
-            <a:endParaRPr b="0" i="0" sz="1400" u="none" cap="none" strike="noStrike">
-              <a:solidFill>
-                <a:srgbClr val="FFFFFF"/>
-              </a:solidFill>
-              <a:latin typeface="Helvetica Neue"/>
-              <a:ea typeface="Helvetica Neue"/>
-              <a:cs typeface="Helvetica Neue"/>
-              <a:sym typeface="Helvetica Neue"/>
-            </a:endParaRPr>
-          </a:p>
-        </p:txBody>
-      </p:sp>
-      <p:sp>
-        <p:nvSpPr>
-          <p:cNvPr id="569" name="Shape 569"/>
-          <p:cNvSpPr txBox="1"/>
-          <p:nvPr/>
-        </p:nvSpPr>
-        <p:spPr>
-          <a:xfrm>
-            <a:off x="4382101" y="264675"/>
-            <a:ext cx="4697700" cy="432600"/>
-          </a:xfrm>
-          <a:prstGeom prst="rect">
-            <a:avLst/>
-          </a:prstGeom>
-          <a:noFill/>
-          <a:ln>
-            <a:noFill/>
-          </a:ln>
-        </p:spPr>
-        <p:txBody>
-          <a:bodyPr anchorCtr="0" anchor="ctr" bIns="32750" lIns="32750" rIns="32750" wrap="square" tIns="32750">
-            <a:noAutofit/>
-          </a:bodyPr>
-          <a:lstStyle/>
-          <a:p>
-            <a:pPr indent="-196850" lvl="0" marL="0" marR="0" rtl="0" algn="ctr">
-              <a:lnSpc>
-                <a:spcPct val="100000"/>
-              </a:lnSpc>
-              <a:spcBef>
-                <a:spcPts val="0"/>
-              </a:spcBef>
-              <a:spcAft>
-                <a:spcPts val="0"/>
-              </a:spcAft>
-              <a:buClr>
-                <a:srgbClr val="FFFFFF"/>
-              </a:buClr>
-              <a:buSzPct val="114814"/>
-              <a:buFont typeface="Helvetica Neue"/>
-              <a:buNone/>
-            </a:pPr>
-            <a:r>
-              <a:rPr b="1" lang="en" sz="2700">
-                <a:solidFill>
-                  <a:srgbClr val="FFFFFF"/>
-                </a:solidFill>
-                <a:latin typeface="Helvetica Neue"/>
-                <a:ea typeface="Helvetica Neue"/>
-                <a:cs typeface="Helvetica Neue"/>
-                <a:sym typeface="Helvetica Neue"/>
-              </a:rPr>
-              <a:t>Standardizing Project Data: Cleaning CSV Files</a:t>
-            </a:r>
-          </a:p>
-        </p:txBody>
-      </p:sp>
-      <p:sp>
-        <p:nvSpPr>
-          <p:cNvPr id="570" name="Shape 570"/>
-          <p:cNvSpPr/>
-          <p:nvPr/>
-        </p:nvSpPr>
-        <p:spPr>
-          <a:xfrm>
-            <a:off x="5682332" y="2101132"/>
-            <a:ext cx="3434400" cy="2083200"/>
-          </a:xfrm>
-          <a:prstGeom prst="rect">
-            <a:avLst/>
-          </a:prstGeom>
-          <a:solidFill>
-            <a:srgbClr val="434343"/>
-          </a:solidFill>
-          <a:ln>
-            <a:noFill/>
-          </a:ln>
-        </p:spPr>
-        <p:txBody>
-          <a:bodyPr anchorCtr="0" anchor="ctr" bIns="32750" lIns="32750" rIns="32750" wrap="square" tIns="32750">
-            <a:noAutofit/>
-          </a:bodyPr>
-          <a:lstStyle/>
-          <a:p>
-            <a:pPr indent="-88900" lvl="0" marL="0" marR="0" rtl="0" algn="ctr">
-              <a:lnSpc>
-                <a:spcPct val="100000"/>
-              </a:lnSpc>
-              <a:spcBef>
-                <a:spcPts val="0"/>
-              </a:spcBef>
-              <a:spcAft>
-                <a:spcPts val="0"/>
-              </a:spcAft>
-              <a:buClr>
-                <a:srgbClr val="FFFFFF"/>
-              </a:buClr>
-              <a:buFont typeface="Helvetica Neue"/>
-              <a:buNone/>
-            </a:pPr>
-            <a:r>
-              <a:t/>
-            </a:r>
-            <a:endParaRPr b="0" i="0" sz="1400" u="none" cap="none" strike="noStrike">
-              <a:solidFill>
-                <a:srgbClr val="FFFFFF"/>
-              </a:solidFill>
-              <a:latin typeface="Helvetica Neue"/>
-              <a:ea typeface="Helvetica Neue"/>
-              <a:cs typeface="Helvetica Neue"/>
-              <a:sym typeface="Helvetica Neue"/>
-            </a:endParaRPr>
-          </a:p>
-        </p:txBody>
-      </p:sp>
-      <p:sp>
-        <p:nvSpPr>
-          <p:cNvPr id="571" name="Shape 571"/>
-          <p:cNvSpPr/>
-          <p:nvPr/>
-        </p:nvSpPr>
-        <p:spPr>
-          <a:xfrm>
-            <a:off x="5685350" y="957050"/>
-            <a:ext cx="2451300" cy="1125000"/>
-          </a:xfrm>
-          <a:prstGeom prst="rect">
-            <a:avLst/>
-          </a:prstGeom>
-          <a:solidFill>
-            <a:srgbClr val="6C6C6C"/>
-          </a:solidFill>
-          <a:ln>
-            <a:noFill/>
-          </a:ln>
-        </p:spPr>
-        <p:txBody>
-          <a:bodyPr anchorCtr="0" anchor="ctr" bIns="32750" lIns="32750" rIns="32750" wrap="square" tIns="32750">
-            <a:noAutofit/>
-          </a:bodyPr>
-          <a:lstStyle/>
-          <a:p>
-            <a:pPr indent="-88900" lvl="0" marL="0" marR="0" rtl="0" algn="ctr">
-              <a:lnSpc>
-                <a:spcPct val="100000"/>
-              </a:lnSpc>
-              <a:spcBef>
-                <a:spcPts val="0"/>
-              </a:spcBef>
-              <a:spcAft>
-                <a:spcPts val="0"/>
-              </a:spcAft>
-              <a:buClr>
-                <a:srgbClr val="FFFFFF"/>
-              </a:buClr>
-              <a:buFont typeface="Helvetica Neue"/>
-              <a:buNone/>
-            </a:pPr>
-            <a:r>
-              <a:t/>
-            </a:r>
-            <a:endParaRPr b="0" i="0" sz="1400" u="none" cap="none" strike="noStrike">
-              <a:solidFill>
-                <a:srgbClr val="FFFFFF"/>
-              </a:solidFill>
-              <a:latin typeface="Helvetica Neue"/>
-              <a:ea typeface="Helvetica Neue"/>
-              <a:cs typeface="Helvetica Neue"/>
-              <a:sym typeface="Helvetica Neue"/>
-            </a:endParaRPr>
-          </a:p>
-        </p:txBody>
-      </p:sp>
-      <p:pic>
-        <p:nvPicPr>
-          <p:cNvPr descr="2eastmainbfr.jpg" id="572" name="Shape 572"/>
-          <p:cNvPicPr preferRelativeResize="0"/>
-          <p:nvPr/>
-        </p:nvPicPr>
-        <p:blipFill rotWithShape="1">
-          <a:blip r:embed="rId3">
-            <a:alphaModFix/>
-          </a:blip>
-          <a:srcRect b="0" l="0" r="0" t="0"/>
-          <a:stretch/>
-        </p:blipFill>
-        <p:spPr>
-          <a:xfrm>
-            <a:off x="8174459" y="957284"/>
-            <a:ext cx="944244" cy="1124691"/>
-          </a:xfrm>
-          <a:prstGeom prst="rect">
-            <a:avLst/>
-          </a:prstGeom>
-          <a:noFill/>
-          <a:ln>
-            <a:noFill/>
-          </a:ln>
-        </p:spPr>
-      </p:pic>
-      <p:pic>
-        <p:nvPicPr>
-          <p:cNvPr descr="natural-wetland-2.jpg" id="573" name="Shape 573"/>
-          <p:cNvPicPr preferRelativeResize="0"/>
-          <p:nvPr/>
-        </p:nvPicPr>
-        <p:blipFill rotWithShape="1">
-          <a:blip r:embed="rId4">
-            <a:alphaModFix/>
-          </a:blip>
-          <a:srcRect b="0" l="0" r="0" t="0"/>
-          <a:stretch/>
-        </p:blipFill>
-        <p:spPr>
-          <a:xfrm>
-            <a:off x="7569975" y="4203150"/>
-            <a:ext cx="1564600" cy="916575"/>
-          </a:xfrm>
-          <a:prstGeom prst="rect">
-            <a:avLst/>
-          </a:prstGeom>
-          <a:noFill/>
-          <a:ln>
-            <a:noFill/>
-          </a:ln>
-        </p:spPr>
-      </p:pic>
-      <p:sp>
-        <p:nvSpPr>
-          <p:cNvPr id="574" name="Shape 574"/>
-          <p:cNvSpPr/>
-          <p:nvPr/>
-        </p:nvSpPr>
-        <p:spPr>
-          <a:xfrm>
-            <a:off x="5683150" y="4203175"/>
-            <a:ext cx="1866900" cy="917400"/>
-          </a:xfrm>
-          <a:prstGeom prst="rect">
-            <a:avLst/>
-          </a:prstGeom>
-          <a:solidFill>
-            <a:srgbClr val="6C6C6C"/>
-          </a:solidFill>
-          <a:ln>
-            <a:noFill/>
-          </a:ln>
-        </p:spPr>
-        <p:txBody>
-          <a:bodyPr anchorCtr="0" anchor="ctr" bIns="32750" lIns="32750" rIns="32750" wrap="square" tIns="32750">
-            <a:noAutofit/>
-          </a:bodyPr>
-          <a:lstStyle/>
-          <a:p>
-            <a:pPr indent="-88900" lvl="0" marL="0" marR="0" rtl="0" algn="ctr">
-              <a:lnSpc>
-                <a:spcPct val="100000"/>
-              </a:lnSpc>
-              <a:spcBef>
-                <a:spcPts val="0"/>
-              </a:spcBef>
-              <a:spcAft>
-                <a:spcPts val="0"/>
-              </a:spcAft>
-              <a:buClr>
-                <a:srgbClr val="FFFFFF"/>
-              </a:buClr>
-              <a:buFont typeface="Helvetica Neue"/>
-              <a:buNone/>
-            </a:pPr>
-            <a:r>
-              <a:t/>
-            </a:r>
-            <a:endParaRPr b="0" i="0" sz="1400" u="none" cap="none" strike="noStrike">
-              <a:solidFill>
-                <a:srgbClr val="FFFFFF"/>
-              </a:solidFill>
-              <a:latin typeface="Helvetica Neue"/>
-              <a:ea typeface="Helvetica Neue"/>
-              <a:cs typeface="Helvetica Neue"/>
-              <a:sym typeface="Helvetica Neue"/>
-            </a:endParaRPr>
-          </a:p>
-        </p:txBody>
-      </p:sp>
-      <p:pic>
-        <p:nvPicPr>
-          <p:cNvPr descr="Screen Shot 2017-10-28 at 3.13.37 PM.png" id="575" name="Shape 575"/>
-          <p:cNvPicPr preferRelativeResize="0"/>
-          <p:nvPr/>
-        </p:nvPicPr>
-        <p:blipFill>
-          <a:blip r:embed="rId5">
-            <a:alphaModFix/>
-          </a:blip>
-          <a:stretch>
-            <a:fillRect/>
-          </a:stretch>
-        </p:blipFill>
-        <p:spPr>
-          <a:xfrm>
-            <a:off x="5684300" y="2107201"/>
-            <a:ext cx="3434402" cy="2065500"/>
-          </a:xfrm>
-          <a:prstGeom prst="rect">
-            <a:avLst/>
-          </a:prstGeom>
-          <a:noFill/>
-          <a:ln>
-            <a:noFill/>
-          </a:ln>
-        </p:spPr>
-      </p:pic>
-      <p:pic>
-        <p:nvPicPr>
-          <p:cNvPr descr="philly.jpg" id="576" name="Shape 576"/>
-          <p:cNvPicPr preferRelativeResize="0"/>
-          <p:nvPr/>
-        </p:nvPicPr>
-        <p:blipFill rotWithShape="1">
-          <a:blip r:embed="rId6">
-            <a:alphaModFix/>
-          </a:blip>
-          <a:srcRect b="0" l="0" r="0" t="0"/>
-          <a:stretch/>
-        </p:blipFill>
-        <p:spPr>
-          <a:xfrm>
-            <a:off x="27504" y="16878"/>
-            <a:ext cx="4295180" cy="2069455"/>
-          </a:xfrm>
-          <a:prstGeom prst="rect">
-            <a:avLst/>
-          </a:prstGeom>
-          <a:noFill/>
-          <a:ln>
-            <a:noFill/>
-          </a:ln>
-        </p:spPr>
-      </p:pic>
     </p:spTree>
   </p:cSld>
   <p:clrMapOvr>
@@ -31658,7 +31806,7 @@
     </p:bg>
     <p:spTree>
       <p:nvGrpSpPr>
-        <p:cNvPr id="580" name="Shape 580"/>
+        <p:cNvPr id="584" name="Shape 584"/>
         <p:cNvGrpSpPr/>
         <p:nvPr/>
       </p:nvGrpSpPr>
@@ -31672,7 +31820,7 @@
       </p:grpSpPr>
       <p:sp>
         <p:nvSpPr>
-          <p:cNvPr id="581" name="Shape 581"/>
+          <p:cNvPr id="585" name="Shape 585"/>
           <p:cNvSpPr/>
           <p:nvPr/>
         </p:nvSpPr>
@@ -31730,7 +31878,7 @@
       </p:sp>
       <p:sp>
         <p:nvSpPr>
-          <p:cNvPr id="582" name="Shape 582"/>
+          <p:cNvPr id="586" name="Shape 586"/>
           <p:cNvSpPr/>
           <p:nvPr/>
         </p:nvSpPr>
@@ -31788,7 +31936,7 @@
       </p:sp>
       <p:sp>
         <p:nvSpPr>
-          <p:cNvPr id="583" name="Shape 583"/>
+          <p:cNvPr id="587" name="Shape 587"/>
           <p:cNvSpPr/>
           <p:nvPr/>
         </p:nvSpPr>
@@ -31834,7 +31982,7 @@
                 <a:cs typeface="Helvetica Neue"/>
                 <a:sym typeface="Helvetica Neue"/>
               </a:rPr>
-              <a:t>Apply graphing, mapping, and statistical functions to US and State TRI data sets, focusing on:</a:t>
+              <a:t>Created Python script to process US and State CSV files</a:t>
             </a:r>
           </a:p>
           <a:p>
@@ -31858,7 +32006,7 @@
                 <a:cs typeface="Helvetica Neue"/>
                 <a:sym typeface="Helvetica Neue"/>
               </a:rPr>
-              <a:t>Nationwide relations and trends</a:t>
+              <a:t>Trims unwanted attributes</a:t>
             </a:r>
           </a:p>
           <a:p>
@@ -31882,7 +32030,7 @@
                 <a:cs typeface="Helvetica Neue"/>
                 <a:sym typeface="Helvetica Neue"/>
               </a:rPr>
-              <a:t>Regional relations and trends</a:t>
+              <a:t>Renames columns for standard access</a:t>
             </a:r>
           </a:p>
           <a:p>
@@ -31906,7 +32054,7 @@
                 <a:cs typeface="Helvetica Neue"/>
                 <a:sym typeface="Helvetica Neue"/>
               </a:rPr>
-              <a:t>Facilities and parent companies’ releases</a:t>
+              <a:t>Handles NaN values in numerical columns</a:t>
             </a:r>
           </a:p>
           <a:p>
@@ -31930,60 +32078,22 @@
                 <a:cs typeface="Helvetica Neue"/>
                 <a:sym typeface="Helvetica Neue"/>
               </a:rPr>
-              <a:t>Industry sector releases</a:t>
-            </a:r>
-          </a:p>
-        </p:txBody>
-      </p:sp>
-      <p:sp>
-        <p:nvSpPr>
-          <p:cNvPr id="584" name="Shape 584"/>
-          <p:cNvSpPr/>
-          <p:nvPr/>
-        </p:nvSpPr>
-        <p:spPr>
-          <a:xfrm>
-            <a:off x="4339745" y="955019"/>
-            <a:ext cx="1322100" cy="1129200"/>
-          </a:xfrm>
-          <a:prstGeom prst="rect">
-            <a:avLst/>
-          </a:prstGeom>
-          <a:solidFill>
-            <a:srgbClr val="6C6C6C"/>
-          </a:solidFill>
-          <a:ln>
-            <a:noFill/>
-          </a:ln>
-        </p:spPr>
-        <p:txBody>
-          <a:bodyPr anchorCtr="0" anchor="ctr" bIns="32750" lIns="32750" rIns="32750" wrap="square" tIns="32750">
-            <a:noAutofit/>
-          </a:bodyPr>
-          <a:lstStyle/>
-          <a:p>
-            <a:pPr indent="-88900" lvl="0" marL="0" marR="0" rtl="0" algn="ctr">
-              <a:lnSpc>
-                <a:spcPct val="100000"/>
-              </a:lnSpc>
-              <a:spcBef>
-                <a:spcPts val="0"/>
-              </a:spcBef>
-              <a:spcAft>
-                <a:spcPts val="0"/>
-              </a:spcAft>
-              <a:buClr>
-                <a:srgbClr val="FFFFFF"/>
-              </a:buClr>
-              <a:buFont typeface="Helvetica Neue"/>
+              <a:t>Reduces CSV size by ~75%</a:t>
+            </a:r>
+          </a:p>
+          <a:p>
+            <a:pPr lvl="0" rtl="0">
+              <a:spcBef>
+                <a:spcPts val="0"/>
+              </a:spcBef>
               <a:buNone/>
             </a:pPr>
             <a:r>
               <a:t/>
             </a:r>
-            <a:endParaRPr b="0" i="0" sz="1400" u="none" cap="none" strike="noStrike">
+            <a:endParaRPr b="1" sz="1800">
               <a:solidFill>
-                <a:srgbClr val="FFFFFF"/>
+                <a:schemeClr val="lt1"/>
               </a:solidFill>
               <a:latin typeface="Helvetica Neue"/>
               <a:ea typeface="Helvetica Neue"/>
@@ -31991,24 +32101,72 @@
               <a:sym typeface="Helvetica Neue"/>
             </a:endParaRPr>
           </a:p>
+          <a:p>
+            <a:pPr indent="-190500" lvl="0" marL="215900" rtl="0">
+              <a:spcBef>
+                <a:spcPts val="0"/>
+              </a:spcBef>
+              <a:buClr>
+                <a:schemeClr val="lt1"/>
+              </a:buClr>
+              <a:buSzPct val="100000"/>
+              <a:buFont typeface="Helvetica Neue"/>
+              <a:buChar char="•"/>
+            </a:pPr>
+            <a:r>
+              <a:rPr b="1" lang="en" sz="1800">
+                <a:solidFill>
+                  <a:schemeClr val="lt1"/>
+                </a:solidFill>
+                <a:latin typeface="Helvetica Neue"/>
+                <a:ea typeface="Helvetica Neue"/>
+                <a:cs typeface="Helvetica Neue"/>
+                <a:sym typeface="Helvetica Neue"/>
+              </a:rPr>
+              <a:t>Run script on downloaded CSV files to pre-clean for use in ipynb</a:t>
+            </a:r>
+            <a:br>
+              <a:rPr b="1" lang="en" sz="1800">
+                <a:solidFill>
+                  <a:schemeClr val="lt1"/>
+                </a:solidFill>
+                <a:latin typeface="Helvetica Neue"/>
+                <a:ea typeface="Helvetica Neue"/>
+                <a:cs typeface="Helvetica Neue"/>
+                <a:sym typeface="Helvetica Neue"/>
+              </a:rPr>
+            </a:br>
+            <a:r>
+              <a:rPr b="1" lang="en" sz="1800">
+                <a:solidFill>
+                  <a:schemeClr val="lt1"/>
+                </a:solidFill>
+                <a:latin typeface="Helvetica Neue"/>
+                <a:ea typeface="Helvetica Neue"/>
+                <a:cs typeface="Helvetica Neue"/>
+                <a:sym typeface="Helvetica Neue"/>
+              </a:rPr>
+              <a:t> </a:t>
+            </a:r>
+          </a:p>
         </p:txBody>
       </p:sp>
       <p:sp>
         <p:nvSpPr>
-          <p:cNvPr id="585" name="Shape 585"/>
+          <p:cNvPr id="588" name="Shape 588"/>
           <p:cNvSpPr/>
           <p:nvPr/>
         </p:nvSpPr>
         <p:spPr>
           <a:xfrm>
-            <a:off x="4344609" y="22274"/>
-            <a:ext cx="4772700" cy="917400"/>
+            <a:off x="4339745" y="955019"/>
+            <a:ext cx="1322100" cy="1129200"/>
           </a:xfrm>
           <a:prstGeom prst="rect">
             <a:avLst/>
           </a:prstGeom>
           <a:solidFill>
-            <a:srgbClr val="434343"/>
+            <a:srgbClr val="6C6C6C"/>
           </a:solidFill>
           <a:ln>
             <a:noFill/>
@@ -32053,71 +32211,14 @@
       </p:sp>
       <p:sp>
         <p:nvSpPr>
-          <p:cNvPr id="586" name="Shape 586"/>
-          <p:cNvSpPr txBox="1"/>
-          <p:nvPr/>
-        </p:nvSpPr>
-        <p:spPr>
-          <a:xfrm>
-            <a:off x="4382101" y="264675"/>
-            <a:ext cx="4697700" cy="432600"/>
-          </a:xfrm>
-          <a:prstGeom prst="rect">
-            <a:avLst/>
-          </a:prstGeom>
-          <a:noFill/>
-          <a:ln>
-            <a:noFill/>
-          </a:ln>
-        </p:spPr>
-        <p:txBody>
-          <a:bodyPr anchorCtr="0" anchor="ctr" bIns="32750" lIns="32750" rIns="32750" wrap="square" tIns="32750">
-            <a:noAutofit/>
-          </a:bodyPr>
-          <a:lstStyle/>
-          <a:p>
-            <a:pPr indent="-196850" lvl="0" marL="0" marR="0" rtl="0" algn="ctr">
-              <a:lnSpc>
-                <a:spcPct val="100000"/>
-              </a:lnSpc>
-              <a:spcBef>
-                <a:spcPts val="0"/>
-              </a:spcBef>
-              <a:spcAft>
-                <a:spcPts val="0"/>
-              </a:spcAft>
-              <a:buClr>
-                <a:srgbClr val="FFFFFF"/>
-              </a:buClr>
-              <a:buSzPct val="114814"/>
-              <a:buFont typeface="Helvetica Neue"/>
-              <a:buNone/>
-            </a:pPr>
-            <a:r>
-              <a:rPr b="1" lang="en" sz="2700">
-                <a:solidFill>
-                  <a:srgbClr val="FFFFFF"/>
-                </a:solidFill>
-                <a:latin typeface="Helvetica Neue"/>
-                <a:ea typeface="Helvetica Neue"/>
-                <a:cs typeface="Helvetica Neue"/>
-                <a:sym typeface="Helvetica Neue"/>
-              </a:rPr>
-              <a:t>Next Steps</a:t>
-            </a:r>
-          </a:p>
-        </p:txBody>
-      </p:sp>
-      <p:sp>
-        <p:nvSpPr>
-          <p:cNvPr id="587" name="Shape 587"/>
+          <p:cNvPr id="589" name="Shape 589"/>
           <p:cNvSpPr/>
           <p:nvPr/>
         </p:nvSpPr>
         <p:spPr>
           <a:xfrm>
-            <a:off x="5682332" y="2101132"/>
-            <a:ext cx="3434400" cy="2083200"/>
+            <a:off x="4344609" y="22274"/>
+            <a:ext cx="4772700" cy="917400"/>
           </a:xfrm>
           <a:prstGeom prst="rect">
             <a:avLst/>
@@ -32168,20 +32269,77 @@
       </p:sp>
       <p:sp>
         <p:nvSpPr>
-          <p:cNvPr id="588" name="Shape 588"/>
+          <p:cNvPr id="590" name="Shape 590"/>
+          <p:cNvSpPr txBox="1"/>
+          <p:nvPr/>
+        </p:nvSpPr>
+        <p:spPr>
+          <a:xfrm>
+            <a:off x="4382101" y="264675"/>
+            <a:ext cx="4697700" cy="432600"/>
+          </a:xfrm>
+          <a:prstGeom prst="rect">
+            <a:avLst/>
+          </a:prstGeom>
+          <a:noFill/>
+          <a:ln>
+            <a:noFill/>
+          </a:ln>
+        </p:spPr>
+        <p:txBody>
+          <a:bodyPr anchorCtr="0" anchor="ctr" bIns="32750" lIns="32750" rIns="32750" wrap="square" tIns="32750">
+            <a:noAutofit/>
+          </a:bodyPr>
+          <a:lstStyle/>
+          <a:p>
+            <a:pPr indent="-196850" lvl="0" marL="0" marR="0" rtl="0" algn="ctr">
+              <a:lnSpc>
+                <a:spcPct val="100000"/>
+              </a:lnSpc>
+              <a:spcBef>
+                <a:spcPts val="0"/>
+              </a:spcBef>
+              <a:spcAft>
+                <a:spcPts val="0"/>
+              </a:spcAft>
+              <a:buClr>
+                <a:srgbClr val="FFFFFF"/>
+              </a:buClr>
+              <a:buSzPct val="114814"/>
+              <a:buFont typeface="Helvetica Neue"/>
+              <a:buNone/>
+            </a:pPr>
+            <a:r>
+              <a:rPr b="1" lang="en" sz="2700">
+                <a:solidFill>
+                  <a:srgbClr val="FFFFFF"/>
+                </a:solidFill>
+                <a:latin typeface="Helvetica Neue"/>
+                <a:ea typeface="Helvetica Neue"/>
+                <a:cs typeface="Helvetica Neue"/>
+                <a:sym typeface="Helvetica Neue"/>
+              </a:rPr>
+              <a:t>Standardizing Project Data: Cleaning CSV Files</a:t>
+            </a:r>
+          </a:p>
+        </p:txBody>
+      </p:sp>
+      <p:sp>
+        <p:nvSpPr>
+          <p:cNvPr id="591" name="Shape 591"/>
           <p:cNvSpPr/>
           <p:nvPr/>
         </p:nvSpPr>
         <p:spPr>
           <a:xfrm>
-            <a:off x="5685350" y="957050"/>
-            <a:ext cx="2451300" cy="1125000"/>
+            <a:off x="5682332" y="2101132"/>
+            <a:ext cx="3434400" cy="2083200"/>
           </a:xfrm>
           <a:prstGeom prst="rect">
             <a:avLst/>
           </a:prstGeom>
           <a:solidFill>
-            <a:srgbClr val="6C6C6C"/>
+            <a:srgbClr val="434343"/>
           </a:solidFill>
           <a:ln>
             <a:noFill/>
@@ -32224,9 +32382,67 @@
           </a:p>
         </p:txBody>
       </p:sp>
+      <p:sp>
+        <p:nvSpPr>
+          <p:cNvPr id="592" name="Shape 592"/>
+          <p:cNvSpPr/>
+          <p:nvPr/>
+        </p:nvSpPr>
+        <p:spPr>
+          <a:xfrm>
+            <a:off x="5685350" y="957050"/>
+            <a:ext cx="2451300" cy="1125000"/>
+          </a:xfrm>
+          <a:prstGeom prst="rect">
+            <a:avLst/>
+          </a:prstGeom>
+          <a:solidFill>
+            <a:srgbClr val="6C6C6C"/>
+          </a:solidFill>
+          <a:ln>
+            <a:noFill/>
+          </a:ln>
+        </p:spPr>
+        <p:txBody>
+          <a:bodyPr anchorCtr="0" anchor="ctr" bIns="32750" lIns="32750" rIns="32750" wrap="square" tIns="32750">
+            <a:noAutofit/>
+          </a:bodyPr>
+          <a:lstStyle/>
+          <a:p>
+            <a:pPr indent="-88900" lvl="0" marL="0" marR="0" rtl="0" algn="ctr">
+              <a:lnSpc>
+                <a:spcPct val="100000"/>
+              </a:lnSpc>
+              <a:spcBef>
+                <a:spcPts val="0"/>
+              </a:spcBef>
+              <a:spcAft>
+                <a:spcPts val="0"/>
+              </a:spcAft>
+              <a:buClr>
+                <a:srgbClr val="FFFFFF"/>
+              </a:buClr>
+              <a:buFont typeface="Helvetica Neue"/>
+              <a:buNone/>
+            </a:pPr>
+            <a:r>
+              <a:t/>
+            </a:r>
+            <a:endParaRPr b="0" i="0" sz="1400" u="none" cap="none" strike="noStrike">
+              <a:solidFill>
+                <a:srgbClr val="FFFFFF"/>
+              </a:solidFill>
+              <a:latin typeface="Helvetica Neue"/>
+              <a:ea typeface="Helvetica Neue"/>
+              <a:cs typeface="Helvetica Neue"/>
+              <a:sym typeface="Helvetica Neue"/>
+            </a:endParaRPr>
+          </a:p>
+        </p:txBody>
+      </p:sp>
       <p:pic>
         <p:nvPicPr>
-          <p:cNvPr descr="2eastmainbfr.jpg" id="589" name="Shape 589"/>
+          <p:cNvPr descr="2eastmainbfr.jpg" id="593" name="Shape 593"/>
           <p:cNvPicPr preferRelativeResize="0"/>
           <p:nvPr/>
         </p:nvPicPr>
@@ -32253,7 +32469,7 @@
       </p:pic>
       <p:pic>
         <p:nvPicPr>
-          <p:cNvPr descr="natural-wetland-2.jpg" id="590" name="Shape 590"/>
+          <p:cNvPr descr="natural-wetland-2.jpg" id="594" name="Shape 594"/>
           <p:cNvPicPr preferRelativeResize="0"/>
           <p:nvPr/>
         </p:nvPicPr>
@@ -32280,7 +32496,7 @@
       </p:pic>
       <p:sp>
         <p:nvSpPr>
-          <p:cNvPr id="591" name="Shape 591"/>
+          <p:cNvPr id="595" name="Shape 595"/>
           <p:cNvSpPr/>
           <p:nvPr/>
         </p:nvSpPr>
@@ -32338,21 +32554,22 @@
       </p:sp>
       <p:pic>
         <p:nvPicPr>
-          <p:cNvPr descr="Toxic-Waste.jpg" id="592" name="Shape 592"/>
+          <p:cNvPr descr="Screen Shot 2017-10-28 at 3.13.37 PM.png" id="596" name="Shape 596"/>
           <p:cNvPicPr preferRelativeResize="0"/>
           <p:nvPr/>
         </p:nvPicPr>
-        <p:blipFill rotWithShape="1">
+        <p:blipFill>
           <a:blip r:embed="rId5">
             <a:alphaModFix/>
           </a:blip>
-          <a:srcRect b="0" l="0" r="0" t="0"/>
-          <a:stretch/>
+          <a:stretch>
+            <a:fillRect/>
+          </a:stretch>
         </p:blipFill>
         <p:spPr>
           <a:xfrm>
-            <a:off x="24267" y="19442"/>
-            <a:ext cx="4273408" cy="2058823"/>
+            <a:off x="5684300" y="2107201"/>
+            <a:ext cx="3434402" cy="2065500"/>
           </a:xfrm>
           <a:prstGeom prst="rect">
             <a:avLst/>
@@ -32365,7 +32582,7 @@
       </p:pic>
       <p:pic>
         <p:nvPicPr>
-          <p:cNvPr descr="composite_data.gif" id="593" name="Shape 593"/>
+          <p:cNvPr descr="philly.jpg" id="597" name="Shape 597"/>
           <p:cNvPicPr preferRelativeResize="0"/>
           <p:nvPr/>
         </p:nvPicPr>
@@ -32378,8 +32595,8 @@
         </p:blipFill>
         <p:spPr>
           <a:xfrm>
-            <a:off x="5683120" y="2101132"/>
-            <a:ext cx="3432796" cy="2082286"/>
+            <a:off x="27504" y="16878"/>
+            <a:ext cx="4295180" cy="2069455"/>
           </a:xfrm>
           <a:prstGeom prst="rect">
             <a:avLst/>
@@ -32410,7 +32627,759 @@
     </p:bg>
     <p:spTree>
       <p:nvGrpSpPr>
-        <p:cNvPr id="597" name="Shape 597"/>
+        <p:cNvPr id="601" name="Shape 601"/>
+        <p:cNvGrpSpPr/>
+        <p:nvPr/>
+      </p:nvGrpSpPr>
+      <p:grpSpPr>
+        <a:xfrm>
+          <a:off x="0" y="0"/>
+          <a:ext cx="0" cy="0"/>
+          <a:chOff x="0" y="0"/>
+          <a:chExt cx="0" cy="0"/>
+        </a:xfrm>
+      </p:grpSpPr>
+      <p:sp>
+        <p:nvSpPr>
+          <p:cNvPr id="602" name="Shape 602"/>
+          <p:cNvSpPr/>
+          <p:nvPr/>
+        </p:nvSpPr>
+        <p:spPr>
+          <a:xfrm>
+            <a:off x="27504" y="22274"/>
+            <a:ext cx="4286400" cy="2065500"/>
+          </a:xfrm>
+          <a:prstGeom prst="rect">
+            <a:avLst/>
+          </a:prstGeom>
+          <a:solidFill>
+            <a:srgbClr val="434343"/>
+          </a:solidFill>
+          <a:ln>
+            <a:noFill/>
+          </a:ln>
+        </p:spPr>
+        <p:txBody>
+          <a:bodyPr anchorCtr="0" anchor="ctr" bIns="32750" lIns="32750" rIns="32750" wrap="square" tIns="32750">
+            <a:noAutofit/>
+          </a:bodyPr>
+          <a:lstStyle/>
+          <a:p>
+            <a:pPr indent="-88900" lvl="0" marL="0" marR="0" rtl="0" algn="ctr">
+              <a:lnSpc>
+                <a:spcPct val="100000"/>
+              </a:lnSpc>
+              <a:spcBef>
+                <a:spcPts val="0"/>
+              </a:spcBef>
+              <a:spcAft>
+                <a:spcPts val="0"/>
+              </a:spcAft>
+              <a:buClr>
+                <a:srgbClr val="FFFFFF"/>
+              </a:buClr>
+              <a:buFont typeface="Helvetica Neue"/>
+              <a:buNone/>
+            </a:pPr>
+            <a:r>
+              <a:t/>
+            </a:r>
+            <a:endParaRPr b="0" i="0" sz="1400" u="none" cap="none" strike="noStrike">
+              <a:solidFill>
+                <a:srgbClr val="FFFFFF"/>
+              </a:solidFill>
+              <a:latin typeface="Helvetica Neue"/>
+              <a:ea typeface="Helvetica Neue"/>
+              <a:cs typeface="Helvetica Neue"/>
+              <a:sym typeface="Helvetica Neue"/>
+            </a:endParaRPr>
+          </a:p>
+        </p:txBody>
+      </p:sp>
+      <p:sp>
+        <p:nvSpPr>
+          <p:cNvPr id="603" name="Shape 603"/>
+          <p:cNvSpPr/>
+          <p:nvPr/>
+        </p:nvSpPr>
+        <p:spPr>
+          <a:xfrm>
+            <a:off x="28580" y="5089464"/>
+            <a:ext cx="5634600" cy="33000"/>
+          </a:xfrm>
+          <a:prstGeom prst="rect">
+            <a:avLst/>
+          </a:prstGeom>
+          <a:solidFill>
+            <a:srgbClr val="434343"/>
+          </a:solidFill>
+          <a:ln>
+            <a:noFill/>
+          </a:ln>
+        </p:spPr>
+        <p:txBody>
+          <a:bodyPr anchorCtr="0" anchor="ctr" bIns="32750" lIns="32750" rIns="32750" wrap="square" tIns="32750">
+            <a:noAutofit/>
+          </a:bodyPr>
+          <a:lstStyle/>
+          <a:p>
+            <a:pPr indent="-88900" lvl="0" marL="0" marR="0" rtl="0" algn="ctr">
+              <a:lnSpc>
+                <a:spcPct val="100000"/>
+              </a:lnSpc>
+              <a:spcBef>
+                <a:spcPts val="0"/>
+              </a:spcBef>
+              <a:spcAft>
+                <a:spcPts val="0"/>
+              </a:spcAft>
+              <a:buClr>
+                <a:srgbClr val="FFFFFF"/>
+              </a:buClr>
+              <a:buFont typeface="Helvetica Neue"/>
+              <a:buNone/>
+            </a:pPr>
+            <a:r>
+              <a:t/>
+            </a:r>
+            <a:endParaRPr b="0" i="0" sz="1400" u="none" cap="none" strike="noStrike">
+              <a:solidFill>
+                <a:srgbClr val="FFFFFF"/>
+              </a:solidFill>
+              <a:latin typeface="Helvetica Neue"/>
+              <a:ea typeface="Helvetica Neue"/>
+              <a:cs typeface="Helvetica Neue"/>
+              <a:sym typeface="Helvetica Neue"/>
+            </a:endParaRPr>
+          </a:p>
+        </p:txBody>
+      </p:sp>
+      <p:sp>
+        <p:nvSpPr>
+          <p:cNvPr id="604" name="Shape 604"/>
+          <p:cNvSpPr/>
+          <p:nvPr/>
+        </p:nvSpPr>
+        <p:spPr>
+          <a:xfrm>
+            <a:off x="31954" y="2099458"/>
+            <a:ext cx="5628900" cy="2974800"/>
+          </a:xfrm>
+          <a:prstGeom prst="rect">
+            <a:avLst/>
+          </a:prstGeom>
+          <a:solidFill>
+            <a:srgbClr val="000000"/>
+          </a:solidFill>
+          <a:ln>
+            <a:noFill/>
+          </a:ln>
+        </p:spPr>
+        <p:txBody>
+          <a:bodyPr anchorCtr="0" anchor="ctr" bIns="32750" lIns="32750" rIns="32750" wrap="square" tIns="32750">
+            <a:noAutofit/>
+          </a:bodyPr>
+          <a:lstStyle/>
+          <a:p>
+            <a:pPr indent="-190500" lvl="0" marL="215900" rtl="0">
+              <a:spcBef>
+                <a:spcPts val="0"/>
+              </a:spcBef>
+              <a:buClr>
+                <a:schemeClr val="lt1"/>
+              </a:buClr>
+              <a:buSzPct val="100000"/>
+              <a:buFont typeface="Helvetica Neue"/>
+              <a:buChar char="•"/>
+            </a:pPr>
+            <a:r>
+              <a:rPr b="1" lang="en" sz="1800">
+                <a:solidFill>
+                  <a:schemeClr val="lt1"/>
+                </a:solidFill>
+                <a:latin typeface="Helvetica Neue"/>
+                <a:ea typeface="Helvetica Neue"/>
+                <a:cs typeface="Helvetica Neue"/>
+                <a:sym typeface="Helvetica Neue"/>
+              </a:rPr>
+              <a:t>Apply graphing, mapping, and statistical functions to US and State TRI data sets, focusing on:</a:t>
+            </a:r>
+          </a:p>
+          <a:p>
+            <a:pPr indent="-342900" lvl="1" marL="914400" rtl="0">
+              <a:spcBef>
+                <a:spcPts val="0"/>
+              </a:spcBef>
+              <a:buClr>
+                <a:schemeClr val="lt1"/>
+              </a:buClr>
+              <a:buSzPct val="100000"/>
+              <a:buFont typeface="Helvetica Neue"/>
+            </a:pPr>
+            <a:r>
+              <a:rPr b="1" lang="en" sz="1800">
+                <a:solidFill>
+                  <a:schemeClr val="lt1"/>
+                </a:solidFill>
+                <a:latin typeface="Helvetica Neue"/>
+                <a:ea typeface="Helvetica Neue"/>
+                <a:cs typeface="Helvetica Neue"/>
+                <a:sym typeface="Helvetica Neue"/>
+              </a:rPr>
+              <a:t>Nationwide relations and trends</a:t>
+            </a:r>
+          </a:p>
+          <a:p>
+            <a:pPr indent="-342900" lvl="1" marL="914400" rtl="0">
+              <a:spcBef>
+                <a:spcPts val="0"/>
+              </a:spcBef>
+              <a:buClr>
+                <a:schemeClr val="lt1"/>
+              </a:buClr>
+              <a:buSzPct val="100000"/>
+              <a:buFont typeface="Helvetica Neue"/>
+            </a:pPr>
+            <a:r>
+              <a:rPr b="1" lang="en" sz="1800">
+                <a:solidFill>
+                  <a:schemeClr val="lt1"/>
+                </a:solidFill>
+                <a:latin typeface="Helvetica Neue"/>
+                <a:ea typeface="Helvetica Neue"/>
+                <a:cs typeface="Helvetica Neue"/>
+                <a:sym typeface="Helvetica Neue"/>
+              </a:rPr>
+              <a:t>Regional relations and trends</a:t>
+            </a:r>
+          </a:p>
+          <a:p>
+            <a:pPr indent="-342900" lvl="1" marL="914400" rtl="0">
+              <a:spcBef>
+                <a:spcPts val="0"/>
+              </a:spcBef>
+              <a:buClr>
+                <a:schemeClr val="lt1"/>
+              </a:buClr>
+              <a:buSzPct val="100000"/>
+              <a:buFont typeface="Helvetica Neue"/>
+            </a:pPr>
+            <a:r>
+              <a:rPr b="1" lang="en" sz="1800">
+                <a:solidFill>
+                  <a:schemeClr val="lt1"/>
+                </a:solidFill>
+                <a:latin typeface="Helvetica Neue"/>
+                <a:ea typeface="Helvetica Neue"/>
+                <a:cs typeface="Helvetica Neue"/>
+                <a:sym typeface="Helvetica Neue"/>
+              </a:rPr>
+              <a:t>Facilities and parent companies’ releases</a:t>
+            </a:r>
+          </a:p>
+          <a:p>
+            <a:pPr indent="-342900" lvl="1" marL="914400" rtl="0">
+              <a:spcBef>
+                <a:spcPts val="0"/>
+              </a:spcBef>
+              <a:buClr>
+                <a:schemeClr val="lt1"/>
+              </a:buClr>
+              <a:buSzPct val="100000"/>
+              <a:buFont typeface="Helvetica Neue"/>
+            </a:pPr>
+            <a:r>
+              <a:rPr b="1" lang="en" sz="1800">
+                <a:solidFill>
+                  <a:schemeClr val="lt1"/>
+                </a:solidFill>
+                <a:latin typeface="Helvetica Neue"/>
+                <a:ea typeface="Helvetica Neue"/>
+                <a:cs typeface="Helvetica Neue"/>
+                <a:sym typeface="Helvetica Neue"/>
+              </a:rPr>
+              <a:t>Industry sector releases</a:t>
+            </a:r>
+          </a:p>
+        </p:txBody>
+      </p:sp>
+      <p:sp>
+        <p:nvSpPr>
+          <p:cNvPr id="605" name="Shape 605"/>
+          <p:cNvSpPr/>
+          <p:nvPr/>
+        </p:nvSpPr>
+        <p:spPr>
+          <a:xfrm>
+            <a:off x="4339745" y="955019"/>
+            <a:ext cx="1322100" cy="1129200"/>
+          </a:xfrm>
+          <a:prstGeom prst="rect">
+            <a:avLst/>
+          </a:prstGeom>
+          <a:solidFill>
+            <a:srgbClr val="6C6C6C"/>
+          </a:solidFill>
+          <a:ln>
+            <a:noFill/>
+          </a:ln>
+        </p:spPr>
+        <p:txBody>
+          <a:bodyPr anchorCtr="0" anchor="ctr" bIns="32750" lIns="32750" rIns="32750" wrap="square" tIns="32750">
+            <a:noAutofit/>
+          </a:bodyPr>
+          <a:lstStyle/>
+          <a:p>
+            <a:pPr indent="-88900" lvl="0" marL="0" marR="0" rtl="0" algn="ctr">
+              <a:lnSpc>
+                <a:spcPct val="100000"/>
+              </a:lnSpc>
+              <a:spcBef>
+                <a:spcPts val="0"/>
+              </a:spcBef>
+              <a:spcAft>
+                <a:spcPts val="0"/>
+              </a:spcAft>
+              <a:buClr>
+                <a:srgbClr val="FFFFFF"/>
+              </a:buClr>
+              <a:buFont typeface="Helvetica Neue"/>
+              <a:buNone/>
+            </a:pPr>
+            <a:r>
+              <a:t/>
+            </a:r>
+            <a:endParaRPr b="0" i="0" sz="1400" u="none" cap="none" strike="noStrike">
+              <a:solidFill>
+                <a:srgbClr val="FFFFFF"/>
+              </a:solidFill>
+              <a:latin typeface="Helvetica Neue"/>
+              <a:ea typeface="Helvetica Neue"/>
+              <a:cs typeface="Helvetica Neue"/>
+              <a:sym typeface="Helvetica Neue"/>
+            </a:endParaRPr>
+          </a:p>
+        </p:txBody>
+      </p:sp>
+      <p:sp>
+        <p:nvSpPr>
+          <p:cNvPr id="606" name="Shape 606"/>
+          <p:cNvSpPr/>
+          <p:nvPr/>
+        </p:nvSpPr>
+        <p:spPr>
+          <a:xfrm>
+            <a:off x="4344609" y="22274"/>
+            <a:ext cx="4772700" cy="917400"/>
+          </a:xfrm>
+          <a:prstGeom prst="rect">
+            <a:avLst/>
+          </a:prstGeom>
+          <a:solidFill>
+            <a:srgbClr val="434343"/>
+          </a:solidFill>
+          <a:ln>
+            <a:noFill/>
+          </a:ln>
+        </p:spPr>
+        <p:txBody>
+          <a:bodyPr anchorCtr="0" anchor="ctr" bIns="32750" lIns="32750" rIns="32750" wrap="square" tIns="32750">
+            <a:noAutofit/>
+          </a:bodyPr>
+          <a:lstStyle/>
+          <a:p>
+            <a:pPr indent="-88900" lvl="0" marL="0" marR="0" rtl="0" algn="ctr">
+              <a:lnSpc>
+                <a:spcPct val="100000"/>
+              </a:lnSpc>
+              <a:spcBef>
+                <a:spcPts val="0"/>
+              </a:spcBef>
+              <a:spcAft>
+                <a:spcPts val="0"/>
+              </a:spcAft>
+              <a:buClr>
+                <a:srgbClr val="FFFFFF"/>
+              </a:buClr>
+              <a:buFont typeface="Helvetica Neue"/>
+              <a:buNone/>
+            </a:pPr>
+            <a:r>
+              <a:t/>
+            </a:r>
+            <a:endParaRPr b="0" i="0" sz="1400" u="none" cap="none" strike="noStrike">
+              <a:solidFill>
+                <a:srgbClr val="FFFFFF"/>
+              </a:solidFill>
+              <a:latin typeface="Helvetica Neue"/>
+              <a:ea typeface="Helvetica Neue"/>
+              <a:cs typeface="Helvetica Neue"/>
+              <a:sym typeface="Helvetica Neue"/>
+            </a:endParaRPr>
+          </a:p>
+        </p:txBody>
+      </p:sp>
+      <p:sp>
+        <p:nvSpPr>
+          <p:cNvPr id="607" name="Shape 607"/>
+          <p:cNvSpPr txBox="1"/>
+          <p:nvPr/>
+        </p:nvSpPr>
+        <p:spPr>
+          <a:xfrm>
+            <a:off x="4382101" y="264675"/>
+            <a:ext cx="4697700" cy="432600"/>
+          </a:xfrm>
+          <a:prstGeom prst="rect">
+            <a:avLst/>
+          </a:prstGeom>
+          <a:noFill/>
+          <a:ln>
+            <a:noFill/>
+          </a:ln>
+        </p:spPr>
+        <p:txBody>
+          <a:bodyPr anchorCtr="0" anchor="ctr" bIns="32750" lIns="32750" rIns="32750" wrap="square" tIns="32750">
+            <a:noAutofit/>
+          </a:bodyPr>
+          <a:lstStyle/>
+          <a:p>
+            <a:pPr indent="-196850" lvl="0" marL="0" marR="0" rtl="0" algn="ctr">
+              <a:lnSpc>
+                <a:spcPct val="100000"/>
+              </a:lnSpc>
+              <a:spcBef>
+                <a:spcPts val="0"/>
+              </a:spcBef>
+              <a:spcAft>
+                <a:spcPts val="0"/>
+              </a:spcAft>
+              <a:buClr>
+                <a:srgbClr val="FFFFFF"/>
+              </a:buClr>
+              <a:buSzPct val="114814"/>
+              <a:buFont typeface="Helvetica Neue"/>
+              <a:buNone/>
+            </a:pPr>
+            <a:r>
+              <a:rPr b="1" lang="en" sz="2700">
+                <a:solidFill>
+                  <a:srgbClr val="FFFFFF"/>
+                </a:solidFill>
+                <a:latin typeface="Helvetica Neue"/>
+                <a:ea typeface="Helvetica Neue"/>
+                <a:cs typeface="Helvetica Neue"/>
+                <a:sym typeface="Helvetica Neue"/>
+              </a:rPr>
+              <a:t>Next Steps</a:t>
+            </a:r>
+          </a:p>
+        </p:txBody>
+      </p:sp>
+      <p:sp>
+        <p:nvSpPr>
+          <p:cNvPr id="608" name="Shape 608"/>
+          <p:cNvSpPr/>
+          <p:nvPr/>
+        </p:nvSpPr>
+        <p:spPr>
+          <a:xfrm>
+            <a:off x="5682332" y="2101132"/>
+            <a:ext cx="3434400" cy="2083200"/>
+          </a:xfrm>
+          <a:prstGeom prst="rect">
+            <a:avLst/>
+          </a:prstGeom>
+          <a:solidFill>
+            <a:srgbClr val="434343"/>
+          </a:solidFill>
+          <a:ln>
+            <a:noFill/>
+          </a:ln>
+        </p:spPr>
+        <p:txBody>
+          <a:bodyPr anchorCtr="0" anchor="ctr" bIns="32750" lIns="32750" rIns="32750" wrap="square" tIns="32750">
+            <a:noAutofit/>
+          </a:bodyPr>
+          <a:lstStyle/>
+          <a:p>
+            <a:pPr indent="-88900" lvl="0" marL="0" marR="0" rtl="0" algn="ctr">
+              <a:lnSpc>
+                <a:spcPct val="100000"/>
+              </a:lnSpc>
+              <a:spcBef>
+                <a:spcPts val="0"/>
+              </a:spcBef>
+              <a:spcAft>
+                <a:spcPts val="0"/>
+              </a:spcAft>
+              <a:buClr>
+                <a:srgbClr val="FFFFFF"/>
+              </a:buClr>
+              <a:buFont typeface="Helvetica Neue"/>
+              <a:buNone/>
+            </a:pPr>
+            <a:r>
+              <a:t/>
+            </a:r>
+            <a:endParaRPr b="0" i="0" sz="1400" u="none" cap="none" strike="noStrike">
+              <a:solidFill>
+                <a:srgbClr val="FFFFFF"/>
+              </a:solidFill>
+              <a:latin typeface="Helvetica Neue"/>
+              <a:ea typeface="Helvetica Neue"/>
+              <a:cs typeface="Helvetica Neue"/>
+              <a:sym typeface="Helvetica Neue"/>
+            </a:endParaRPr>
+          </a:p>
+        </p:txBody>
+      </p:sp>
+      <p:sp>
+        <p:nvSpPr>
+          <p:cNvPr id="609" name="Shape 609"/>
+          <p:cNvSpPr/>
+          <p:nvPr/>
+        </p:nvSpPr>
+        <p:spPr>
+          <a:xfrm>
+            <a:off x="5685350" y="957050"/>
+            <a:ext cx="2451300" cy="1125000"/>
+          </a:xfrm>
+          <a:prstGeom prst="rect">
+            <a:avLst/>
+          </a:prstGeom>
+          <a:solidFill>
+            <a:srgbClr val="6C6C6C"/>
+          </a:solidFill>
+          <a:ln>
+            <a:noFill/>
+          </a:ln>
+        </p:spPr>
+        <p:txBody>
+          <a:bodyPr anchorCtr="0" anchor="ctr" bIns="32750" lIns="32750" rIns="32750" wrap="square" tIns="32750">
+            <a:noAutofit/>
+          </a:bodyPr>
+          <a:lstStyle/>
+          <a:p>
+            <a:pPr indent="-88900" lvl="0" marL="0" marR="0" rtl="0" algn="ctr">
+              <a:lnSpc>
+                <a:spcPct val="100000"/>
+              </a:lnSpc>
+              <a:spcBef>
+                <a:spcPts val="0"/>
+              </a:spcBef>
+              <a:spcAft>
+                <a:spcPts val="0"/>
+              </a:spcAft>
+              <a:buClr>
+                <a:srgbClr val="FFFFFF"/>
+              </a:buClr>
+              <a:buFont typeface="Helvetica Neue"/>
+              <a:buNone/>
+            </a:pPr>
+            <a:r>
+              <a:t/>
+            </a:r>
+            <a:endParaRPr b="0" i="0" sz="1400" u="none" cap="none" strike="noStrike">
+              <a:solidFill>
+                <a:srgbClr val="FFFFFF"/>
+              </a:solidFill>
+              <a:latin typeface="Helvetica Neue"/>
+              <a:ea typeface="Helvetica Neue"/>
+              <a:cs typeface="Helvetica Neue"/>
+              <a:sym typeface="Helvetica Neue"/>
+            </a:endParaRPr>
+          </a:p>
+        </p:txBody>
+      </p:sp>
+      <p:pic>
+        <p:nvPicPr>
+          <p:cNvPr descr="2eastmainbfr.jpg" id="610" name="Shape 610"/>
+          <p:cNvPicPr preferRelativeResize="0"/>
+          <p:nvPr/>
+        </p:nvPicPr>
+        <p:blipFill rotWithShape="1">
+          <a:blip r:embed="rId3">
+            <a:alphaModFix/>
+          </a:blip>
+          <a:srcRect b="0" l="0" r="0" t="0"/>
+          <a:stretch/>
+        </p:blipFill>
+        <p:spPr>
+          <a:xfrm>
+            <a:off x="8174459" y="957284"/>
+            <a:ext cx="944244" cy="1124691"/>
+          </a:xfrm>
+          <a:prstGeom prst="rect">
+            <a:avLst/>
+          </a:prstGeom>
+          <a:noFill/>
+          <a:ln>
+            <a:noFill/>
+          </a:ln>
+        </p:spPr>
+      </p:pic>
+      <p:pic>
+        <p:nvPicPr>
+          <p:cNvPr descr="natural-wetland-2.jpg" id="611" name="Shape 611"/>
+          <p:cNvPicPr preferRelativeResize="0"/>
+          <p:nvPr/>
+        </p:nvPicPr>
+        <p:blipFill rotWithShape="1">
+          <a:blip r:embed="rId4">
+            <a:alphaModFix/>
+          </a:blip>
+          <a:srcRect b="0" l="0" r="0" t="0"/>
+          <a:stretch/>
+        </p:blipFill>
+        <p:spPr>
+          <a:xfrm>
+            <a:off x="7569975" y="4203150"/>
+            <a:ext cx="1564600" cy="916575"/>
+          </a:xfrm>
+          <a:prstGeom prst="rect">
+            <a:avLst/>
+          </a:prstGeom>
+          <a:noFill/>
+          <a:ln>
+            <a:noFill/>
+          </a:ln>
+        </p:spPr>
+      </p:pic>
+      <p:sp>
+        <p:nvSpPr>
+          <p:cNvPr id="612" name="Shape 612"/>
+          <p:cNvSpPr/>
+          <p:nvPr/>
+        </p:nvSpPr>
+        <p:spPr>
+          <a:xfrm>
+            <a:off x="5683150" y="4203175"/>
+            <a:ext cx="1866900" cy="917400"/>
+          </a:xfrm>
+          <a:prstGeom prst="rect">
+            <a:avLst/>
+          </a:prstGeom>
+          <a:solidFill>
+            <a:srgbClr val="6C6C6C"/>
+          </a:solidFill>
+          <a:ln>
+            <a:noFill/>
+          </a:ln>
+        </p:spPr>
+        <p:txBody>
+          <a:bodyPr anchorCtr="0" anchor="ctr" bIns="32750" lIns="32750" rIns="32750" wrap="square" tIns="32750">
+            <a:noAutofit/>
+          </a:bodyPr>
+          <a:lstStyle/>
+          <a:p>
+            <a:pPr indent="-88900" lvl="0" marL="0" marR="0" rtl="0" algn="ctr">
+              <a:lnSpc>
+                <a:spcPct val="100000"/>
+              </a:lnSpc>
+              <a:spcBef>
+                <a:spcPts val="0"/>
+              </a:spcBef>
+              <a:spcAft>
+                <a:spcPts val="0"/>
+              </a:spcAft>
+              <a:buClr>
+                <a:srgbClr val="FFFFFF"/>
+              </a:buClr>
+              <a:buFont typeface="Helvetica Neue"/>
+              <a:buNone/>
+            </a:pPr>
+            <a:r>
+              <a:t/>
+            </a:r>
+            <a:endParaRPr b="0" i="0" sz="1400" u="none" cap="none" strike="noStrike">
+              <a:solidFill>
+                <a:srgbClr val="FFFFFF"/>
+              </a:solidFill>
+              <a:latin typeface="Helvetica Neue"/>
+              <a:ea typeface="Helvetica Neue"/>
+              <a:cs typeface="Helvetica Neue"/>
+              <a:sym typeface="Helvetica Neue"/>
+            </a:endParaRPr>
+          </a:p>
+        </p:txBody>
+      </p:sp>
+      <p:pic>
+        <p:nvPicPr>
+          <p:cNvPr descr="Toxic-Waste.jpg" id="613" name="Shape 613"/>
+          <p:cNvPicPr preferRelativeResize="0"/>
+          <p:nvPr/>
+        </p:nvPicPr>
+        <p:blipFill rotWithShape="1">
+          <a:blip r:embed="rId5">
+            <a:alphaModFix/>
+          </a:blip>
+          <a:srcRect b="0" l="0" r="0" t="0"/>
+          <a:stretch/>
+        </p:blipFill>
+        <p:spPr>
+          <a:xfrm>
+            <a:off x="24267" y="19442"/>
+            <a:ext cx="4273408" cy="2058823"/>
+          </a:xfrm>
+          <a:prstGeom prst="rect">
+            <a:avLst/>
+          </a:prstGeom>
+          <a:noFill/>
+          <a:ln>
+            <a:noFill/>
+          </a:ln>
+        </p:spPr>
+      </p:pic>
+      <p:pic>
+        <p:nvPicPr>
+          <p:cNvPr descr="composite_data.gif" id="614" name="Shape 614"/>
+          <p:cNvPicPr preferRelativeResize="0"/>
+          <p:nvPr/>
+        </p:nvPicPr>
+        <p:blipFill rotWithShape="1">
+          <a:blip r:embed="rId6">
+            <a:alphaModFix/>
+          </a:blip>
+          <a:srcRect b="0" l="0" r="0" t="0"/>
+          <a:stretch/>
+        </p:blipFill>
+        <p:spPr>
+          <a:xfrm>
+            <a:off x="5683120" y="2101132"/>
+            <a:ext cx="3432796" cy="2082286"/>
+          </a:xfrm>
+          <a:prstGeom prst="rect">
+            <a:avLst/>
+          </a:prstGeom>
+          <a:noFill/>
+          <a:ln>
+            <a:noFill/>
+          </a:ln>
+        </p:spPr>
+      </p:pic>
+    </p:spTree>
+  </p:cSld>
+  <p:clrMapOvr>
+    <a:masterClrMapping/>
+  </p:clrMapOvr>
+</p:sld>
+</file>
+
+<file path=ppt/slides/slide29.xml><?xml version="1.0" encoding="utf-8"?>
+<p:sld xmlns:a="http://schemas.openxmlformats.org/drawingml/2006/main" xmlns:r="http://schemas.openxmlformats.org/officeDocument/2006/relationships" xmlns:mc="http://schemas.openxmlformats.org/markup-compatibility/2006" xmlns:mv="urn:schemas-microsoft-com:mac:vml" xmlns:p="http://schemas.openxmlformats.org/presentationml/2006/main" xmlns:c="http://schemas.openxmlformats.org/drawingml/2006/chart" xmlns:dgm="http://schemas.openxmlformats.org/drawingml/2006/diagram" xmlns:o="urn:schemas-microsoft-com:office:office" xmlns:v="urn:schemas-microsoft-com:vml" xmlns:pvml="urn:schemas-microsoft-com:office:powerpoint" xmlns:com="http://schemas.openxmlformats.org/drawingml/2006/compatibility" xmlns:p14="http://schemas.microsoft.com/office/powerpoint/2010/main" xmlns:p15="http://schemas.microsoft.com/office/powerpoint/2012/main">
+  <p:cSld>
+    <p:bg>
+      <p:bgPr>
+        <a:solidFill>
+          <a:srgbClr val="FFFFFF"/>
+        </a:solidFill>
+      </p:bgPr>
+    </p:bg>
+    <p:spTree>
+      <p:nvGrpSpPr>
+        <p:cNvPr id="618" name="Shape 618"/>
         <p:cNvGrpSpPr/>
         <p:nvPr/>
       </p:nvGrpSpPr>
@@ -32424,7 +33393,7 @@
       </p:grpSpPr>
       <p:pic>
         <p:nvPicPr>
-          <p:cNvPr descr="natural-wetland-2.jpg" id="598" name="Shape 598"/>
+          <p:cNvPr descr="natural-wetland-2.jpg" id="619" name="Shape 619"/>
           <p:cNvPicPr preferRelativeResize="0"/>
           <p:nvPr/>
         </p:nvPicPr>
@@ -32451,7 +33420,7 @@
       </p:pic>
       <p:sp>
         <p:nvSpPr>
-          <p:cNvPr id="599" name="Shape 599"/>
+          <p:cNvPr id="620" name="Shape 620"/>
           <p:cNvSpPr/>
           <p:nvPr/>
         </p:nvSpPr>
@@ -32509,7 +33478,7 @@
       </p:sp>
       <p:sp>
         <p:nvSpPr>
-          <p:cNvPr id="600" name="Shape 600"/>
+          <p:cNvPr id="621" name="Shape 621"/>
           <p:cNvSpPr/>
           <p:nvPr/>
         </p:nvSpPr>
@@ -32567,7 +33536,7 @@
       </p:sp>
       <p:pic>
         <p:nvPicPr>
-          <p:cNvPr descr="chemicalplant.jpg" id="601" name="Shape 601"/>
+          <p:cNvPr descr="chemicalplant.jpg" id="622" name="Shape 622"/>
           <p:cNvPicPr preferRelativeResize="0"/>
           <p:nvPr/>
         </p:nvPicPr>
@@ -32594,7 +33563,7 @@
       </p:pic>
       <p:sp>
         <p:nvSpPr>
-          <p:cNvPr id="602" name="Shape 602"/>
+          <p:cNvPr id="623" name="Shape 623"/>
           <p:cNvSpPr/>
           <p:nvPr/>
         </p:nvSpPr>
@@ -32652,7 +33621,7 @@
       </p:sp>
       <p:sp>
         <p:nvSpPr>
-          <p:cNvPr id="603" name="Shape 603"/>
+          <p:cNvPr id="624" name="Shape 624"/>
           <p:cNvSpPr/>
           <p:nvPr/>
         </p:nvSpPr>
@@ -32710,7 +33679,7 @@
       </p:sp>
       <p:sp>
         <p:nvSpPr>
-          <p:cNvPr id="604" name="Shape 604"/>
+          <p:cNvPr id="625" name="Shape 625"/>
           <p:cNvSpPr/>
           <p:nvPr/>
         </p:nvSpPr>
@@ -32768,7 +33737,7 @@
       </p:sp>
       <p:sp>
         <p:nvSpPr>
-          <p:cNvPr id="605" name="Shape 605"/>
+          <p:cNvPr id="626" name="Shape 626"/>
           <p:cNvSpPr/>
           <p:nvPr/>
         </p:nvSpPr>
@@ -32826,7 +33795,7 @@
       </p:sp>
       <p:sp>
         <p:nvSpPr>
-          <p:cNvPr id="606" name="Shape 606"/>
+          <p:cNvPr id="627" name="Shape 627"/>
           <p:cNvSpPr/>
           <p:nvPr/>
         </p:nvSpPr>
@@ -32884,7 +33853,7 @@
       </p:sp>
       <p:sp>
         <p:nvSpPr>
-          <p:cNvPr id="607" name="Shape 607"/>
+          <p:cNvPr id="628" name="Shape 628"/>
           <p:cNvSpPr/>
           <p:nvPr/>
         </p:nvSpPr>
@@ -32942,7 +33911,7 @@
       </p:sp>
       <p:sp>
         <p:nvSpPr>
-          <p:cNvPr id="608" name="Shape 608"/>
+          <p:cNvPr id="629" name="Shape 629"/>
           <p:cNvSpPr/>
           <p:nvPr/>
         </p:nvSpPr>
@@ -33000,7 +33969,7 @@
       </p:sp>
       <p:sp>
         <p:nvSpPr>
-          <p:cNvPr id="609" name="Shape 609"/>
+          <p:cNvPr id="630" name="Shape 630"/>
           <p:cNvSpPr/>
           <p:nvPr/>
         </p:nvSpPr>
@@ -33058,7 +34027,7 @@
       </p:sp>
       <p:pic>
         <p:nvPicPr>
-          <p:cNvPr descr="taipei.png" id="610" name="Shape 610"/>
+          <p:cNvPr descr="taipei.png" id="631" name="Shape 631"/>
           <p:cNvPicPr preferRelativeResize="0"/>
           <p:nvPr/>
         </p:nvPicPr>
@@ -33085,7 +34054,7 @@
       </p:pic>
       <p:sp>
         <p:nvSpPr>
-          <p:cNvPr id="611" name="Shape 611"/>
+          <p:cNvPr id="632" name="Shape 632"/>
           <p:cNvSpPr txBox="1"/>
           <p:nvPr/>
         </p:nvSpPr>
@@ -33142,7 +34111,7 @@
       </p:sp>
       <p:sp>
         <p:nvSpPr>
-          <p:cNvPr id="612" name="Shape 612"/>
+          <p:cNvPr id="633" name="Shape 633"/>
           <p:cNvSpPr txBox="1"/>
           <p:nvPr/>
         </p:nvSpPr>
@@ -33199,7 +34168,7 @@
       </p:sp>
       <p:sp>
         <p:nvSpPr>
-          <p:cNvPr id="613" name="Shape 613"/>
+          <p:cNvPr id="634" name="Shape 634"/>
           <p:cNvSpPr txBox="1"/>
           <p:nvPr/>
         </p:nvSpPr>
@@ -33325,7 +34294,7 @@
       </p:sp>
       <p:sp>
         <p:nvSpPr>
-          <p:cNvPr id="614" name="Shape 614"/>
+          <p:cNvPr id="635" name="Shape 635"/>
           <p:cNvSpPr txBox="1"/>
           <p:nvPr/>
         </p:nvSpPr>
@@ -33382,7 +34351,7 @@
       </p:sp>
       <p:sp>
         <p:nvSpPr>
-          <p:cNvPr id="615" name="Shape 615"/>
+          <p:cNvPr id="636" name="Shape 636"/>
           <p:cNvSpPr/>
           <p:nvPr/>
         </p:nvSpPr>
@@ -33440,7 +34409,7 @@
       </p:sp>
       <p:pic>
         <p:nvPicPr>
-          <p:cNvPr descr="2eastmainbfr.jpg" id="616" name="Shape 616"/>
+          <p:cNvPr descr="2eastmainbfr.jpg" id="637" name="Shape 637"/>
           <p:cNvPicPr preferRelativeResize="0"/>
           <p:nvPr/>
         </p:nvPicPr>
@@ -33504,7 +34473,7 @@
                                           </p:stCondLst>
                                         </p:cTn>
                                         <p:tgtEl>
-                                          <p:spTgt spid="611"/>
+                                          <p:spTgt spid="632"/>
                                         </p:tgtEl>
                                         <p:attrNameLst>
                                           <p:attrName>style.visibility</p:attrName>
@@ -33518,7 +34487,7 @@
                                       <p:cBhvr>
                                         <p:cTn dur="1500"/>
                                         <p:tgtEl>
-                                          <p:spTgt spid="611"/>
+                                          <p:spTgt spid="632"/>
                                         </p:tgtEl>
                                       </p:cBhvr>
                                     </p:animEffect>
@@ -33548,7 +34517,7 @@
                                           </p:stCondLst>
                                         </p:cTn>
                                         <p:tgtEl>
-                                          <p:spTgt spid="614"/>
+                                          <p:spTgt spid="635"/>
                                         </p:tgtEl>
                                         <p:attrNameLst>
                                           <p:attrName>style.visibility</p:attrName>
@@ -33562,7 +34531,7 @@
                                       <p:cBhvr>
                                         <p:cTn dur="1500"/>
                                         <p:tgtEl>
-                                          <p:spTgt spid="614"/>
+                                          <p:spTgt spid="635"/>
                                         </p:tgtEl>
                                       </p:cBhvr>
                                     </p:animEffect>
@@ -40114,285 +41083,6 @@
 </file>
 
 <file path=ppt/theme/theme1.xml><?xml version="1.0" encoding="utf-8"?>
-<a:theme xmlns:a="http://schemas.openxmlformats.org/drawingml/2006/main" xmlns:r="http://schemas.openxmlformats.org/officeDocument/2006/relationships" name="Custom Theme">
-  <a:themeElements>
-    <a:clrScheme name="Default">
-      <a:dk1>
-        <a:srgbClr val="000000"/>
-      </a:dk1>
-      <a:lt1>
-        <a:srgbClr val="FFFFFF"/>
-      </a:lt1>
-      <a:dk2>
-        <a:srgbClr val="158158"/>
-      </a:dk2>
-      <a:lt2>
-        <a:srgbClr val="F3F3F3"/>
-      </a:lt2>
-      <a:accent1>
-        <a:srgbClr val="058DC7"/>
-      </a:accent1>
-      <a:accent2>
-        <a:srgbClr val="50B432"/>
-      </a:accent2>
-      <a:accent3>
-        <a:srgbClr val="ED561B"/>
-      </a:accent3>
-      <a:accent4>
-        <a:srgbClr val="EDEF00"/>
-      </a:accent4>
-      <a:accent5>
-        <a:srgbClr val="24CBE5"/>
-      </a:accent5>
-      <a:accent6>
-        <a:srgbClr val="64E572"/>
-      </a:accent6>
-      <a:hlink>
-        <a:srgbClr val="2200CC"/>
-      </a:hlink>
-      <a:folHlink>
-        <a:srgbClr val="551A8B"/>
-      </a:folHlink>
-    </a:clrScheme>
-    <a:fontScheme name="Office">
-      <a:majorFont>
-        <a:latin typeface="Arial"/>
-        <a:ea typeface=""/>
-        <a:cs typeface=""/>
-        <a:font script="Jpan" typeface="ＭＳ Ｐゴシック"/>
-        <a:font script="Hang" typeface="맑은 고딕"/>
-        <a:font script="Hans" typeface="宋体"/>
-        <a:font script="Hant" typeface="新細明體"/>
-        <a:font script="Arab" typeface="Times New Roman"/>
-        <a:font script="Hebr" typeface="Times New Roman"/>
-        <a:font script="Thai" typeface="Angsana New"/>
-        <a:font script="Ethi" typeface="Nyala"/>
-        <a:font script="Beng" typeface="Vrinda"/>
-        <a:font script="Gujr" typeface="Shruti"/>
-        <a:font script="Khmr" typeface="MoolBoran"/>
-        <a:font script="Knda" typeface="Tunga"/>
-        <a:font script="Guru" typeface="Raavi"/>
-        <a:font script="Cans" typeface="Euphemia"/>
-        <a:font script="Cher" typeface="Plantagenet Cherokee"/>
-        <a:font script="Yiii" typeface="Microsoft Yi Baiti"/>
-        <a:font script="Tibt" typeface="Microsoft Himalaya"/>
-        <a:font script="Thaa" typeface="MV Boli"/>
-        <a:font script="Deva" typeface="Mangal"/>
-        <a:font script="Telu" typeface="Gautami"/>
-        <a:font script="Taml" typeface="Latha"/>
-        <a:font script="Syrc" typeface="Estrangelo Edessa"/>
-        <a:font script="Orya" typeface="Kalinga"/>
-        <a:font script="Mlym" typeface="Kartika"/>
-        <a:font script="Laoo" typeface="DokChampa"/>
-        <a:font script="Sinh" typeface="Iskoola Pota"/>
-        <a:font script="Mong" typeface="Mongolian Baiti"/>
-        <a:font script="Viet" typeface="Times New Roman"/>
-        <a:font script="Uigh" typeface="Microsoft Uighur"/>
-        <a:font script="Geor" typeface="Sylfaen"/>
-      </a:majorFont>
-      <a:minorFont>
-        <a:latin typeface="Arial"/>
-        <a:ea typeface=""/>
-        <a:cs typeface=""/>
-        <a:font script="Jpan" typeface="ＭＳ Ｐゴシック"/>
-        <a:font script="Hang" typeface="맑은 고딕"/>
-        <a:font script="Hans" typeface="宋体"/>
-        <a:font script="Hant" typeface="新細明體"/>
-        <a:font script="Arab" typeface="Arial"/>
-        <a:font script="Hebr" typeface="Arial"/>
-        <a:font script="Thai" typeface="Cordia New"/>
-        <a:font script="Ethi" typeface="Nyala"/>
-        <a:font script="Beng" typeface="Vrinda"/>
-        <a:font script="Gujr" typeface="Shruti"/>
-        <a:font script="Khmr" typeface="DaunPenh"/>
-        <a:font script="Knda" typeface="Tunga"/>
-        <a:font script="Guru" typeface="Raavi"/>
-        <a:font script="Cans" typeface="Euphemia"/>
-        <a:font script="Cher" typeface="Plantagenet Cherokee"/>
-        <a:font script="Yiii" typeface="Microsoft Yi Baiti"/>
-        <a:font script="Tibt" typeface="Microsoft Himalaya"/>
-        <a:font script="Thaa" typeface="MV Boli"/>
-        <a:font script="Deva" typeface="Mangal"/>
-        <a:font script="Telu" typeface="Gautami"/>
-        <a:font script="Taml" typeface="Latha"/>
-        <a:font script="Syrc" typeface="Estrangelo Edessa"/>
-        <a:font script="Orya" typeface="Kalinga"/>
-        <a:font script="Mlym" typeface="Kartika"/>
-        <a:font script="Laoo" typeface="DokChampa"/>
-        <a:font script="Sinh" typeface="Iskoola Pota"/>
-        <a:font script="Mong" typeface="Mongolian Baiti"/>
-        <a:font script="Viet" typeface="Arial"/>
-        <a:font script="Uigh" typeface="Microsoft Uighur"/>
-        <a:font script="Geor" typeface="Sylfaen"/>
-      </a:minorFont>
-    </a:fontScheme>
-    <a:fmtScheme name="Office">
-      <a:fillStyleLst>
-        <a:solidFill>
-          <a:schemeClr val="phClr"/>
-        </a:solidFill>
-        <a:gradFill rotWithShape="1">
-          <a:gsLst>
-            <a:gs pos="0">
-              <a:schemeClr val="phClr">
-                <a:tint val="50000"/>
-                <a:satMod val="300000"/>
-              </a:schemeClr>
-            </a:gs>
-            <a:gs pos="35000">
-              <a:schemeClr val="phClr">
-                <a:tint val="37000"/>
-                <a:satMod val="300000"/>
-              </a:schemeClr>
-            </a:gs>
-            <a:gs pos="100000">
-              <a:schemeClr val="phClr">
-                <a:tint val="15000"/>
-                <a:satMod val="350000"/>
-              </a:schemeClr>
-            </a:gs>
-          </a:gsLst>
-          <a:lin ang="16200000" scaled="1"/>
-        </a:gradFill>
-        <a:gradFill rotWithShape="1">
-          <a:gsLst>
-            <a:gs pos="0">
-              <a:schemeClr val="phClr">
-                <a:tint val="100000"/>
-                <a:shade val="100000"/>
-                <a:satMod val="130000"/>
-              </a:schemeClr>
-            </a:gs>
-            <a:gs pos="100000">
-              <a:schemeClr val="phClr">
-                <a:tint val="50000"/>
-                <a:shade val="100000"/>
-                <a:satMod val="350000"/>
-              </a:schemeClr>
-            </a:gs>
-          </a:gsLst>
-          <a:lin ang="16200000" scaled="0"/>
-        </a:gradFill>
-      </a:fillStyleLst>
-      <a:lnStyleLst>
-        <a:ln w="9525" cap="flat" cmpd="sng" algn="ctr">
-          <a:solidFill>
-            <a:schemeClr val="phClr">
-              <a:shade val="95000"/>
-              <a:satMod val="105000"/>
-            </a:schemeClr>
-          </a:solidFill>
-          <a:prstDash val="solid"/>
-        </a:ln>
-        <a:ln w="25400" cap="flat" cmpd="sng" algn="ctr">
-          <a:solidFill>
-            <a:schemeClr val="phClr"/>
-          </a:solidFill>
-          <a:prstDash val="solid"/>
-        </a:ln>
-        <a:ln w="38100" cap="flat" cmpd="sng" algn="ctr">
-          <a:solidFill>
-            <a:schemeClr val="phClr"/>
-          </a:solidFill>
-          <a:prstDash val="solid"/>
-        </a:ln>
-      </a:lnStyleLst>
-      <a:effectStyleLst>
-        <a:effectStyle>
-          <a:effectLst>
-            <a:outerShdw blurRad="40000" dist="20000" dir="5400000" rotWithShape="0">
-              <a:srgbClr val="000000">
-                <a:alpha val="38000"/>
-              </a:srgbClr>
-            </a:outerShdw>
-          </a:effectLst>
-        </a:effectStyle>
-        <a:effectStyle>
-          <a:effectLst>
-            <a:outerShdw blurRad="40000" dist="23000" dir="5400000" rotWithShape="0">
-              <a:srgbClr val="000000">
-                <a:alpha val="35000"/>
-              </a:srgbClr>
-            </a:outerShdw>
-          </a:effectLst>
-        </a:effectStyle>
-        <a:effectStyle>
-          <a:effectLst>
-            <a:outerShdw blurRad="40000" dist="23000" dir="5400000" rotWithShape="0">
-              <a:srgbClr val="000000">
-                <a:alpha val="35000"/>
-              </a:srgbClr>
-            </a:outerShdw>
-          </a:effectLst>
-          <a:scene3d>
-            <a:camera prst="orthographicFront">
-              <a:rot lat="0" lon="0" rev="0"/>
-            </a:camera>
-            <a:lightRig rig="threePt" dir="t">
-              <a:rot lat="0" lon="0" rev="1200000"/>
-            </a:lightRig>
-          </a:scene3d>
-          <a:sp3d>
-            <a:bevelT w="63500" h="25400"/>
-          </a:sp3d>
-        </a:effectStyle>
-      </a:effectStyleLst>
-      <a:bgFillStyleLst>
-        <a:solidFill>
-          <a:schemeClr val="phClr"/>
-        </a:solidFill>
-        <a:gradFill rotWithShape="1">
-          <a:gsLst>
-            <a:gs pos="0">
-              <a:schemeClr val="phClr">
-                <a:tint val="40000"/>
-                <a:satMod val="350000"/>
-              </a:schemeClr>
-            </a:gs>
-            <a:gs pos="40000">
-              <a:schemeClr val="phClr">
-                <a:tint val="45000"/>
-                <a:shade val="99000"/>
-                <a:satMod val="350000"/>
-              </a:schemeClr>
-            </a:gs>
-            <a:gs pos="100000">
-              <a:schemeClr val="phClr">
-                <a:shade val="20000"/>
-                <a:satMod val="255000"/>
-              </a:schemeClr>
-            </a:gs>
-          </a:gsLst>
-          <a:path path="circle">
-            <a:fillToRect l="50000" t="-80000" r="50000" b="180000"/>
-          </a:path>
-        </a:gradFill>
-        <a:gradFill rotWithShape="1">
-          <a:gsLst>
-            <a:gs pos="0">
-              <a:schemeClr val="phClr">
-                <a:tint val="80000"/>
-                <a:satMod val="300000"/>
-              </a:schemeClr>
-            </a:gs>
-            <a:gs pos="100000">
-              <a:schemeClr val="phClr">
-                <a:shade val="30000"/>
-                <a:satMod val="200000"/>
-              </a:schemeClr>
-            </a:gs>
-          </a:gsLst>
-          <a:path path="circle">
-            <a:fillToRect l="50000" t="50000" r="50000" b="50000"/>
-          </a:path>
-        </a:gradFill>
-      </a:bgFillStyleLst>
-    </a:fmtScheme>
-  </a:themeElements>
-</a:theme>
-</file>
-
-<file path=ppt/theme/theme2.xml><?xml version="1.0" encoding="utf-8"?>
 <a:theme xmlns:a="http://schemas.openxmlformats.org/drawingml/2006/main" xmlns:r="http://schemas.openxmlformats.org/officeDocument/2006/relationships" name="Black">
   <a:themeElements>
     <a:clrScheme name="Black">
@@ -40671,7 +41361,7 @@
 </a:theme>
 </file>
 
-<file path=ppt/theme/theme3.xml><?xml version="1.0" encoding="utf-8"?>
+<file path=ppt/theme/theme2.xml><?xml version="1.0" encoding="utf-8"?>
 <a:theme xmlns:a="http://schemas.openxmlformats.org/drawingml/2006/main" xmlns:r="http://schemas.openxmlformats.org/officeDocument/2006/relationships" name="Simple Light">
   <a:themeElements>
     <a:clrScheme name="Simple Light">
@@ -40948,4 +41638,283 @@
     </a:fmtScheme>
   </a:themeElements>
 </a:theme>
+</file>
+
+<file path=ppt/theme/theme3.xml><?xml version="1.0" encoding="utf-8"?>
+<a:theme xmlns:a="http://schemas.openxmlformats.org/drawingml/2006/main" xmlns:r="http://schemas.openxmlformats.org/officeDocument/2006/relationships" name="Custom Theme">
+  <a:themeElements>
+    <a:clrScheme name="Default">
+      <a:dk1>
+        <a:srgbClr val="000000"/>
+      </a:dk1>
+      <a:lt1>
+        <a:srgbClr val="FFFFFF"/>
+      </a:lt1>
+      <a:dk2>
+        <a:srgbClr val="158158"/>
+      </a:dk2>
+      <a:lt2>
+        <a:srgbClr val="F3F3F3"/>
+      </a:lt2>
+      <a:accent1>
+        <a:srgbClr val="058DC7"/>
+      </a:accent1>
+      <a:accent2>
+        <a:srgbClr val="50B432"/>
+      </a:accent2>
+      <a:accent3>
+        <a:srgbClr val="ED561B"/>
+      </a:accent3>
+      <a:accent4>
+        <a:srgbClr val="EDEF00"/>
+      </a:accent4>
+      <a:accent5>
+        <a:srgbClr val="24CBE5"/>
+      </a:accent5>
+      <a:accent6>
+        <a:srgbClr val="64E572"/>
+      </a:accent6>
+      <a:hlink>
+        <a:srgbClr val="2200CC"/>
+      </a:hlink>
+      <a:folHlink>
+        <a:srgbClr val="551A8B"/>
+      </a:folHlink>
+    </a:clrScheme>
+    <a:fontScheme name="Office">
+      <a:majorFont>
+        <a:latin typeface="Arial"/>
+        <a:ea typeface=""/>
+        <a:cs typeface=""/>
+        <a:font script="Jpan" typeface="ＭＳ Ｐゴシック"/>
+        <a:font script="Hang" typeface="맑은 고딕"/>
+        <a:font script="Hans" typeface="宋体"/>
+        <a:font script="Hant" typeface="新細明體"/>
+        <a:font script="Arab" typeface="Times New Roman"/>
+        <a:font script="Hebr" typeface="Times New Roman"/>
+        <a:font script="Thai" typeface="Angsana New"/>
+        <a:font script="Ethi" typeface="Nyala"/>
+        <a:font script="Beng" typeface="Vrinda"/>
+        <a:font script="Gujr" typeface="Shruti"/>
+        <a:font script="Khmr" typeface="MoolBoran"/>
+        <a:font script="Knda" typeface="Tunga"/>
+        <a:font script="Guru" typeface="Raavi"/>
+        <a:font script="Cans" typeface="Euphemia"/>
+        <a:font script="Cher" typeface="Plantagenet Cherokee"/>
+        <a:font script="Yiii" typeface="Microsoft Yi Baiti"/>
+        <a:font script="Tibt" typeface="Microsoft Himalaya"/>
+        <a:font script="Thaa" typeface="MV Boli"/>
+        <a:font script="Deva" typeface="Mangal"/>
+        <a:font script="Telu" typeface="Gautami"/>
+        <a:font script="Taml" typeface="Latha"/>
+        <a:font script="Syrc" typeface="Estrangelo Edessa"/>
+        <a:font script="Orya" typeface="Kalinga"/>
+        <a:font script="Mlym" typeface="Kartika"/>
+        <a:font script="Laoo" typeface="DokChampa"/>
+        <a:font script="Sinh" typeface="Iskoola Pota"/>
+        <a:font script="Mong" typeface="Mongolian Baiti"/>
+        <a:font script="Viet" typeface="Times New Roman"/>
+        <a:font script="Uigh" typeface="Microsoft Uighur"/>
+        <a:font script="Geor" typeface="Sylfaen"/>
+      </a:majorFont>
+      <a:minorFont>
+        <a:latin typeface="Arial"/>
+        <a:ea typeface=""/>
+        <a:cs typeface=""/>
+        <a:font script="Jpan" typeface="ＭＳ Ｐゴシック"/>
+        <a:font script="Hang" typeface="맑은 고딕"/>
+        <a:font script="Hans" typeface="宋体"/>
+        <a:font script="Hant" typeface="新細明體"/>
+        <a:font script="Arab" typeface="Arial"/>
+        <a:font script="Hebr" typeface="Arial"/>
+        <a:font script="Thai" typeface="Cordia New"/>
+        <a:font script="Ethi" typeface="Nyala"/>
+        <a:font script="Beng" typeface="Vrinda"/>
+        <a:font script="Gujr" typeface="Shruti"/>
+        <a:font script="Khmr" typeface="DaunPenh"/>
+        <a:font script="Knda" typeface="Tunga"/>
+        <a:font script="Guru" typeface="Raavi"/>
+        <a:font script="Cans" typeface="Euphemia"/>
+        <a:font script="Cher" typeface="Plantagenet Cherokee"/>
+        <a:font script="Yiii" typeface="Microsoft Yi Baiti"/>
+        <a:font script="Tibt" typeface="Microsoft Himalaya"/>
+        <a:font script="Thaa" typeface="MV Boli"/>
+        <a:font script="Deva" typeface="Mangal"/>
+        <a:font script="Telu" typeface="Gautami"/>
+        <a:font script="Taml" typeface="Latha"/>
+        <a:font script="Syrc" typeface="Estrangelo Edessa"/>
+        <a:font script="Orya" typeface="Kalinga"/>
+        <a:font script="Mlym" typeface="Kartika"/>
+        <a:font script="Laoo" typeface="DokChampa"/>
+        <a:font script="Sinh" typeface="Iskoola Pota"/>
+        <a:font script="Mong" typeface="Mongolian Baiti"/>
+        <a:font script="Viet" typeface="Arial"/>
+        <a:font script="Uigh" typeface="Microsoft Uighur"/>
+        <a:font script="Geor" typeface="Sylfaen"/>
+      </a:minorFont>
+    </a:fontScheme>
+    <a:fmtScheme name="Office">
+      <a:fillStyleLst>
+        <a:solidFill>
+          <a:schemeClr val="phClr"/>
+        </a:solidFill>
+        <a:gradFill rotWithShape="1">
+          <a:gsLst>
+            <a:gs pos="0">
+              <a:schemeClr val="phClr">
+                <a:tint val="50000"/>
+                <a:satMod val="300000"/>
+              </a:schemeClr>
+            </a:gs>
+            <a:gs pos="35000">
+              <a:schemeClr val="phClr">
+                <a:tint val="37000"/>
+                <a:satMod val="300000"/>
+              </a:schemeClr>
+            </a:gs>
+            <a:gs pos="100000">
+              <a:schemeClr val="phClr">
+                <a:tint val="15000"/>
+                <a:satMod val="350000"/>
+              </a:schemeClr>
+            </a:gs>
+          </a:gsLst>
+          <a:lin ang="16200000" scaled="1"/>
+        </a:gradFill>
+        <a:gradFill rotWithShape="1">
+          <a:gsLst>
+            <a:gs pos="0">
+              <a:schemeClr val="phClr">
+                <a:tint val="100000"/>
+                <a:shade val="100000"/>
+                <a:satMod val="130000"/>
+              </a:schemeClr>
+            </a:gs>
+            <a:gs pos="100000">
+              <a:schemeClr val="phClr">
+                <a:tint val="50000"/>
+                <a:shade val="100000"/>
+                <a:satMod val="350000"/>
+              </a:schemeClr>
+            </a:gs>
+          </a:gsLst>
+          <a:lin ang="16200000" scaled="0"/>
+        </a:gradFill>
+      </a:fillStyleLst>
+      <a:lnStyleLst>
+        <a:ln w="9525" cap="flat" cmpd="sng" algn="ctr">
+          <a:solidFill>
+            <a:schemeClr val="phClr">
+              <a:shade val="95000"/>
+              <a:satMod val="105000"/>
+            </a:schemeClr>
+          </a:solidFill>
+          <a:prstDash val="solid"/>
+        </a:ln>
+        <a:ln w="25400" cap="flat" cmpd="sng" algn="ctr">
+          <a:solidFill>
+            <a:schemeClr val="phClr"/>
+          </a:solidFill>
+          <a:prstDash val="solid"/>
+        </a:ln>
+        <a:ln w="38100" cap="flat" cmpd="sng" algn="ctr">
+          <a:solidFill>
+            <a:schemeClr val="phClr"/>
+          </a:solidFill>
+          <a:prstDash val="solid"/>
+        </a:ln>
+      </a:lnStyleLst>
+      <a:effectStyleLst>
+        <a:effectStyle>
+          <a:effectLst>
+            <a:outerShdw blurRad="40000" dist="20000" dir="5400000" rotWithShape="0">
+              <a:srgbClr val="000000">
+                <a:alpha val="38000"/>
+              </a:srgbClr>
+            </a:outerShdw>
+          </a:effectLst>
+        </a:effectStyle>
+        <a:effectStyle>
+          <a:effectLst>
+            <a:outerShdw blurRad="40000" dist="23000" dir="5400000" rotWithShape="0">
+              <a:srgbClr val="000000">
+                <a:alpha val="35000"/>
+              </a:srgbClr>
+            </a:outerShdw>
+          </a:effectLst>
+        </a:effectStyle>
+        <a:effectStyle>
+          <a:effectLst>
+            <a:outerShdw blurRad="40000" dist="23000" dir="5400000" rotWithShape="0">
+              <a:srgbClr val="000000">
+                <a:alpha val="35000"/>
+              </a:srgbClr>
+            </a:outerShdw>
+          </a:effectLst>
+          <a:scene3d>
+            <a:camera prst="orthographicFront">
+              <a:rot lat="0" lon="0" rev="0"/>
+            </a:camera>
+            <a:lightRig rig="threePt" dir="t">
+              <a:rot lat="0" lon="0" rev="1200000"/>
+            </a:lightRig>
+          </a:scene3d>
+          <a:sp3d>
+            <a:bevelT w="63500" h="25400"/>
+          </a:sp3d>
+        </a:effectStyle>
+      </a:effectStyleLst>
+      <a:bgFillStyleLst>
+        <a:solidFill>
+          <a:schemeClr val="phClr"/>
+        </a:solidFill>
+        <a:gradFill rotWithShape="1">
+          <a:gsLst>
+            <a:gs pos="0">
+              <a:schemeClr val="phClr">
+                <a:tint val="40000"/>
+                <a:satMod val="350000"/>
+              </a:schemeClr>
+            </a:gs>
+            <a:gs pos="40000">
+              <a:schemeClr val="phClr">
+                <a:tint val="45000"/>
+                <a:shade val="99000"/>
+                <a:satMod val="350000"/>
+              </a:schemeClr>
+            </a:gs>
+            <a:gs pos="100000">
+              <a:schemeClr val="phClr">
+                <a:shade val="20000"/>
+                <a:satMod val="255000"/>
+              </a:schemeClr>
+            </a:gs>
+          </a:gsLst>
+          <a:path path="circle">
+            <a:fillToRect l="50000" t="-80000" r="50000" b="180000"/>
+          </a:path>
+        </a:gradFill>
+        <a:gradFill rotWithShape="1">
+          <a:gsLst>
+            <a:gs pos="0">
+              <a:schemeClr val="phClr">
+                <a:tint val="80000"/>
+                <a:satMod val="300000"/>
+              </a:schemeClr>
+            </a:gs>
+            <a:gs pos="100000">
+              <a:schemeClr val="phClr">
+                <a:shade val="30000"/>
+                <a:satMod val="200000"/>
+              </a:schemeClr>
+            </a:gs>
+          </a:gsLst>
+          <a:path path="circle">
+            <a:fillToRect l="50000" t="50000" r="50000" b="50000"/>
+          </a:path>
+        </a:gradFill>
+      </a:bgFillStyleLst>
+    </a:fmtScheme>
+  </a:themeElements>
+</a:theme>
 </file>
--- a/jacob/presentation/pres_two/CSC495_Toxic_Crusaders_Presentation.pptx
+++ b/jacob/presentation/pres_two/CSC495_Toxic_Crusaders_Presentation.pptx
@@ -38,23 +38,25 @@
     <p:sldId id="282" r:id="rId32"/>
     <p:sldId id="283" r:id="rId33"/>
     <p:sldId id="284" r:id="rId34"/>
+    <p:sldId id="285" r:id="rId35"/>
+    <p:sldId id="286" r:id="rId36"/>
   </p:sldIdLst>
   <p:sldSz cy="5143500" cx="9144000"/>
   <p:notesSz cx="6858000" cy="9144000"/>
   <p:embeddedFontLst>
     <p:embeddedFont>
       <p:font typeface="Helvetica Neue"/>
-      <p:regular r:id="rId35"/>
-      <p:bold r:id="rId36"/>
-      <p:italic r:id="rId37"/>
-      <p:boldItalic r:id="rId38"/>
+      <p:regular r:id="rId37"/>
+      <p:bold r:id="rId38"/>
+      <p:italic r:id="rId39"/>
+      <p:boldItalic r:id="rId40"/>
     </p:embeddedFont>
     <p:embeddedFont>
       <p:font typeface="Helvetica Neue Light"/>
-      <p:regular r:id="rId39"/>
-      <p:bold r:id="rId40"/>
-      <p:italic r:id="rId41"/>
-      <p:boldItalic r:id="rId42"/>
+      <p:regular r:id="rId41"/>
+      <p:bold r:id="rId42"/>
+      <p:italic r:id="rId43"/>
+      <p:boldItalic r:id="rId44"/>
     </p:embeddedFont>
   </p:embeddedFontLst>
   <p:defaultTextStyle>
@@ -2117,7 +2119,7 @@
   <p:cSld>
     <p:spTree>
       <p:nvGrpSpPr>
-        <p:cNvPr id="546" name="Shape 546"/>
+        <p:cNvPr id="547" name="Shape 547"/>
         <p:cNvGrpSpPr/>
         <p:nvPr/>
       </p:nvGrpSpPr>
@@ -2131,7 +2133,7 @@
       </p:grpSpPr>
       <p:sp>
         <p:nvSpPr>
-          <p:cNvPr id="547" name="Shape 547"/>
+          <p:cNvPr id="548" name="Shape 548"/>
           <p:cNvSpPr txBox="1"/>
           <p:nvPr>
             <p:ph idx="1" type="body"/>
@@ -2171,7 +2173,7 @@
       </p:sp>
       <p:sp>
         <p:nvSpPr>
-          <p:cNvPr id="548" name="Shape 548"/>
+          <p:cNvPr id="549" name="Shape 549"/>
           <p:cNvSpPr/>
           <p:nvPr>
             <p:ph idx="2" type="sldImg"/>
@@ -2216,7 +2218,7 @@
   <p:cSld>
     <p:spTree>
       <p:nvGrpSpPr>
-        <p:cNvPr id="563" name="Shape 563"/>
+        <p:cNvPr id="564" name="Shape 564"/>
         <p:cNvGrpSpPr/>
         <p:nvPr/>
       </p:nvGrpSpPr>
@@ -2230,7 +2232,7 @@
       </p:grpSpPr>
       <p:sp>
         <p:nvSpPr>
-          <p:cNvPr id="564" name="Shape 564"/>
+          <p:cNvPr id="565" name="Shape 565"/>
           <p:cNvSpPr txBox="1"/>
           <p:nvPr>
             <p:ph idx="1" type="body"/>
@@ -2270,7 +2272,7 @@
       </p:sp>
       <p:sp>
         <p:nvSpPr>
-          <p:cNvPr id="565" name="Shape 565"/>
+          <p:cNvPr id="566" name="Shape 566"/>
           <p:cNvSpPr/>
           <p:nvPr>
             <p:ph idx="2" type="sldImg"/>
@@ -2513,7 +2515,7 @@
   <p:cSld>
     <p:spTree>
       <p:nvGrpSpPr>
-        <p:cNvPr id="615" name="Shape 615"/>
+        <p:cNvPr id="616" name="Shape 616"/>
         <p:cNvGrpSpPr/>
         <p:nvPr/>
       </p:nvGrpSpPr>
@@ -2527,7 +2529,7 @@
       </p:grpSpPr>
       <p:sp>
         <p:nvSpPr>
-          <p:cNvPr id="616" name="Shape 616"/>
+          <p:cNvPr id="617" name="Shape 617"/>
           <p:cNvSpPr txBox="1"/>
           <p:nvPr>
             <p:ph idx="1" type="body"/>
@@ -2567,7 +2569,7 @@
       </p:sp>
       <p:sp>
         <p:nvSpPr>
-          <p:cNvPr id="617" name="Shape 617"/>
+          <p:cNvPr id="618" name="Shape 618"/>
           <p:cNvSpPr/>
           <p:nvPr>
             <p:ph idx="2" type="sldImg"/>
@@ -2667,6 +2669,204 @@
       <p:sp>
         <p:nvSpPr>
           <p:cNvPr id="141" name="Shape 141"/>
+          <p:cNvSpPr/>
+          <p:nvPr>
+            <p:ph idx="2" type="sldImg"/>
+          </p:nvPr>
+        </p:nvSpPr>
+        <p:spPr>
+          <a:xfrm>
+            <a:off x="381000" y="685800"/>
+            <a:ext cx="6096000" cy="3429000"/>
+          </a:xfrm>
+          <a:custGeom>
+            <a:pathLst>
+              <a:path extrusionOk="0" h="120000" w="120000">
+                <a:moveTo>
+                  <a:pt x="0" y="0"/>
+                </a:moveTo>
+                <a:lnTo>
+                  <a:pt x="120000" y="0"/>
+                </a:lnTo>
+                <a:lnTo>
+                  <a:pt x="120000" y="120000"/>
+                </a:lnTo>
+                <a:lnTo>
+                  <a:pt x="0" y="120000"/>
+                </a:lnTo>
+                <a:close/>
+              </a:path>
+            </a:pathLst>
+          </a:custGeom>
+        </p:spPr>
+      </p:sp>
+    </p:spTree>
+  </p:cSld>
+  <p:clrMapOvr>
+    <a:masterClrMapping/>
+  </p:clrMapOvr>
+</p:notes>
+</file>
+
+<file path=ppt/notesSlides/notesSlide30.xml><?xml version="1.0" encoding="utf-8"?>
+<p:notes xmlns:a="http://schemas.openxmlformats.org/drawingml/2006/main" xmlns:r="http://schemas.openxmlformats.org/officeDocument/2006/relationships" xmlns:mc="http://schemas.openxmlformats.org/markup-compatibility/2006" xmlns:mv="urn:schemas-microsoft-com:mac:vml" xmlns:p="http://schemas.openxmlformats.org/presentationml/2006/main" xmlns:c="http://schemas.openxmlformats.org/drawingml/2006/chart" xmlns:dgm="http://schemas.openxmlformats.org/drawingml/2006/diagram" xmlns:o="urn:schemas-microsoft-com:office:office" xmlns:v="urn:schemas-microsoft-com:vml" xmlns:pvml="urn:schemas-microsoft-com:office:powerpoint" xmlns:com="http://schemas.openxmlformats.org/drawingml/2006/compatibility" xmlns:p14="http://schemas.microsoft.com/office/powerpoint/2010/main" xmlns:p15="http://schemas.microsoft.com/office/powerpoint/2012/main" showMasterPhAnim="0" showMasterSp="0">
+  <p:cSld>
+    <p:spTree>
+      <p:nvGrpSpPr>
+        <p:cNvPr id="633" name="Shape 633"/>
+        <p:cNvGrpSpPr/>
+        <p:nvPr/>
+      </p:nvGrpSpPr>
+      <p:grpSpPr>
+        <a:xfrm>
+          <a:off x="0" y="0"/>
+          <a:ext cx="0" cy="0"/>
+          <a:chOff x="0" y="0"/>
+          <a:chExt cx="0" cy="0"/>
+        </a:xfrm>
+      </p:grpSpPr>
+      <p:sp>
+        <p:nvSpPr>
+          <p:cNvPr id="634" name="Shape 634"/>
+          <p:cNvSpPr txBox="1"/>
+          <p:nvPr>
+            <p:ph idx="1" type="body"/>
+          </p:nvPr>
+        </p:nvSpPr>
+        <p:spPr>
+          <a:xfrm>
+            <a:off x="914400" y="4343400"/>
+            <a:ext cx="5029200" cy="4114800"/>
+          </a:xfrm>
+          <a:prstGeom prst="rect">
+            <a:avLst/>
+          </a:prstGeom>
+          <a:noFill/>
+          <a:ln>
+            <a:noFill/>
+          </a:ln>
+        </p:spPr>
+        <p:txBody>
+          <a:bodyPr anchorCtr="0" anchor="ctr" bIns="91425" lIns="91425" rIns="91425" wrap="square" tIns="91425">
+            <a:noAutofit/>
+          </a:bodyPr>
+          <a:lstStyle/>
+          <a:p>
+            <a:pPr lvl="0" rtl="0">
+              <a:spcBef>
+                <a:spcPts val="0"/>
+              </a:spcBef>
+              <a:buNone/>
+            </a:pPr>
+            <a:r>
+              <a:t/>
+            </a:r>
+            <a:endParaRPr/>
+          </a:p>
+        </p:txBody>
+      </p:sp>
+      <p:sp>
+        <p:nvSpPr>
+          <p:cNvPr id="635" name="Shape 635"/>
+          <p:cNvSpPr/>
+          <p:nvPr>
+            <p:ph idx="2" type="sldImg"/>
+          </p:nvPr>
+        </p:nvSpPr>
+        <p:spPr>
+          <a:xfrm>
+            <a:off x="381000" y="685800"/>
+            <a:ext cx="6096000" cy="3429000"/>
+          </a:xfrm>
+          <a:custGeom>
+            <a:pathLst>
+              <a:path extrusionOk="0" h="120000" w="120000">
+                <a:moveTo>
+                  <a:pt x="0" y="0"/>
+                </a:moveTo>
+                <a:lnTo>
+                  <a:pt x="120000" y="0"/>
+                </a:lnTo>
+                <a:lnTo>
+                  <a:pt x="120000" y="120000"/>
+                </a:lnTo>
+                <a:lnTo>
+                  <a:pt x="0" y="120000"/>
+                </a:lnTo>
+                <a:close/>
+              </a:path>
+            </a:pathLst>
+          </a:custGeom>
+        </p:spPr>
+      </p:sp>
+    </p:spTree>
+  </p:cSld>
+  <p:clrMapOvr>
+    <a:masterClrMapping/>
+  </p:clrMapOvr>
+</p:notes>
+</file>
+
+<file path=ppt/notesSlides/notesSlide31.xml><?xml version="1.0" encoding="utf-8"?>
+<p:notes xmlns:a="http://schemas.openxmlformats.org/drawingml/2006/main" xmlns:r="http://schemas.openxmlformats.org/officeDocument/2006/relationships" xmlns:mc="http://schemas.openxmlformats.org/markup-compatibility/2006" xmlns:mv="urn:schemas-microsoft-com:mac:vml" xmlns:p="http://schemas.openxmlformats.org/presentationml/2006/main" xmlns:c="http://schemas.openxmlformats.org/drawingml/2006/chart" xmlns:dgm="http://schemas.openxmlformats.org/drawingml/2006/diagram" xmlns:o="urn:schemas-microsoft-com:office:office" xmlns:v="urn:schemas-microsoft-com:vml" xmlns:pvml="urn:schemas-microsoft-com:office:powerpoint" xmlns:com="http://schemas.openxmlformats.org/drawingml/2006/compatibility" xmlns:p14="http://schemas.microsoft.com/office/powerpoint/2010/main" xmlns:p15="http://schemas.microsoft.com/office/powerpoint/2012/main" showMasterPhAnim="0" showMasterSp="0">
+  <p:cSld>
+    <p:spTree>
+      <p:nvGrpSpPr>
+        <p:cNvPr id="650" name="Shape 650"/>
+        <p:cNvGrpSpPr/>
+        <p:nvPr/>
+      </p:nvGrpSpPr>
+      <p:grpSpPr>
+        <a:xfrm>
+          <a:off x="0" y="0"/>
+          <a:ext cx="0" cy="0"/>
+          <a:chOff x="0" y="0"/>
+          <a:chExt cx="0" cy="0"/>
+        </a:xfrm>
+      </p:grpSpPr>
+      <p:sp>
+        <p:nvSpPr>
+          <p:cNvPr id="651" name="Shape 651"/>
+          <p:cNvSpPr txBox="1"/>
+          <p:nvPr>
+            <p:ph idx="1" type="body"/>
+          </p:nvPr>
+        </p:nvSpPr>
+        <p:spPr>
+          <a:xfrm>
+            <a:off x="914400" y="4343400"/>
+            <a:ext cx="5029200" cy="4114800"/>
+          </a:xfrm>
+          <a:prstGeom prst="rect">
+            <a:avLst/>
+          </a:prstGeom>
+          <a:noFill/>
+          <a:ln>
+            <a:noFill/>
+          </a:ln>
+        </p:spPr>
+        <p:txBody>
+          <a:bodyPr anchorCtr="0" anchor="ctr" bIns="91425" lIns="91425" rIns="91425" wrap="square" tIns="91425">
+            <a:noAutofit/>
+          </a:bodyPr>
+          <a:lstStyle/>
+          <a:p>
+            <a:pPr lvl="0" rtl="0">
+              <a:spcBef>
+                <a:spcPts val="0"/>
+              </a:spcBef>
+              <a:buNone/>
+            </a:pPr>
+            <a:r>
+              <a:t/>
+            </a:r>
+            <a:endParaRPr/>
+          </a:p>
+        </p:txBody>
+      </p:sp>
+      <p:sp>
+        <p:nvSpPr>
+          <p:cNvPr id="652" name="Shape 652"/>
           <p:cNvSpPr/>
           <p:nvPr>
             <p:ph idx="2" type="sldImg"/>
@@ -29732,9 +29932,59 @@
           </a:ln>
         </p:spPr>
       </p:pic>
+      <p:sp>
+        <p:nvSpPr>
+          <p:cNvPr id="545" name="Shape 545"/>
+          <p:cNvSpPr/>
+          <p:nvPr/>
+        </p:nvSpPr>
+        <p:spPr>
+          <a:xfrm>
+            <a:off x="31950" y="2099575"/>
+            <a:ext cx="5628900" cy="2974800"/>
+          </a:xfrm>
+          <a:prstGeom prst="rect">
+            <a:avLst/>
+          </a:prstGeom>
+          <a:solidFill>
+            <a:srgbClr val="FFFFFF"/>
+          </a:solidFill>
+          <a:ln cap="flat" cmpd="sng" w="9525">
+            <a:solidFill>
+              <a:schemeClr val="dk2"/>
+            </a:solidFill>
+            <a:prstDash val="solid"/>
+            <a:round/>
+            <a:headEnd len="med" w="med" type="none"/>
+            <a:tailEnd len="med" w="med" type="none"/>
+          </a:ln>
+        </p:spPr>
+        <p:txBody>
+          <a:bodyPr anchorCtr="0" anchor="ctr" bIns="91425" lIns="91425" rIns="91425" wrap="square" tIns="91425">
+            <a:noAutofit/>
+          </a:bodyPr>
+          <a:lstStyle/>
+          <a:p>
+            <a:pPr lvl="0">
+              <a:spcBef>
+                <a:spcPts val="0"/>
+              </a:spcBef>
+              <a:buNone/>
+            </a:pPr>
+            <a:r>
+              <a:t/>
+            </a:r>
+            <a:endParaRPr>
+              <a:solidFill>
+                <a:srgbClr val="FFFFFF"/>
+              </a:solidFill>
+            </a:endParaRPr>
+          </a:p>
+        </p:txBody>
+      </p:sp>
       <p:pic>
         <p:nvPicPr>
-          <p:cNvPr descr="Screen Shot 2017-10-28 at 2.40.04 PM.png" id="545" name="Shape 545"/>
+          <p:cNvPr descr="PlottedMapGrey.png" id="546" name="Shape 546"/>
           <p:cNvPicPr preferRelativeResize="0"/>
           <p:nvPr/>
         </p:nvPicPr>
@@ -29748,8 +29998,8 @@
         </p:blipFill>
         <p:spPr>
           <a:xfrm>
-            <a:off x="31950" y="2099450"/>
-            <a:ext cx="5628901" cy="2974800"/>
+            <a:off x="31950" y="2172625"/>
+            <a:ext cx="5628900" cy="2831975"/>
           </a:xfrm>
           <a:prstGeom prst="rect">
             <a:avLst/>
@@ -29780,7 +30030,7 @@
     </p:bg>
     <p:spTree>
       <p:nvGrpSpPr>
-        <p:cNvPr id="549" name="Shape 549"/>
+        <p:cNvPr id="550" name="Shape 550"/>
         <p:cNvGrpSpPr/>
         <p:nvPr/>
       </p:nvGrpSpPr>
@@ -29794,7 +30044,7 @@
       </p:grpSpPr>
       <p:sp>
         <p:nvSpPr>
-          <p:cNvPr id="550" name="Shape 550"/>
+          <p:cNvPr id="551" name="Shape 551"/>
           <p:cNvSpPr/>
           <p:nvPr/>
         </p:nvSpPr>
@@ -29852,7 +30102,7 @@
       </p:sp>
       <p:sp>
         <p:nvSpPr>
-          <p:cNvPr id="551" name="Shape 551"/>
+          <p:cNvPr id="552" name="Shape 552"/>
           <p:cNvSpPr/>
           <p:nvPr/>
         </p:nvSpPr>
@@ -29910,7 +30160,7 @@
       </p:sp>
       <p:sp>
         <p:nvSpPr>
-          <p:cNvPr id="552" name="Shape 552"/>
+          <p:cNvPr id="553" name="Shape 553"/>
           <p:cNvSpPr/>
           <p:nvPr/>
         </p:nvSpPr>
@@ -29968,7 +30218,7 @@
       </p:sp>
       <p:sp>
         <p:nvSpPr>
-          <p:cNvPr id="553" name="Shape 553"/>
+          <p:cNvPr id="554" name="Shape 554"/>
           <p:cNvSpPr/>
           <p:nvPr/>
         </p:nvSpPr>
@@ -30026,7 +30276,7 @@
       </p:sp>
       <p:sp>
         <p:nvSpPr>
-          <p:cNvPr id="554" name="Shape 554"/>
+          <p:cNvPr id="555" name="Shape 555"/>
           <p:cNvSpPr/>
           <p:nvPr/>
         </p:nvSpPr>
@@ -30084,7 +30334,7 @@
       </p:sp>
       <p:sp>
         <p:nvSpPr>
-          <p:cNvPr id="555" name="Shape 555"/>
+          <p:cNvPr id="556" name="Shape 556"/>
           <p:cNvSpPr txBox="1"/>
           <p:nvPr/>
         </p:nvSpPr>
@@ -30141,7 +30391,7 @@
       </p:sp>
       <p:sp>
         <p:nvSpPr>
-          <p:cNvPr id="556" name="Shape 556"/>
+          <p:cNvPr id="557" name="Shape 557"/>
           <p:cNvSpPr/>
           <p:nvPr/>
         </p:nvSpPr>
@@ -30199,7 +30449,7 @@
       </p:sp>
       <p:sp>
         <p:nvSpPr>
-          <p:cNvPr id="557" name="Shape 557"/>
+          <p:cNvPr id="558" name="Shape 558"/>
           <p:cNvSpPr/>
           <p:nvPr/>
         </p:nvSpPr>
@@ -30257,7 +30507,7 @@
       </p:sp>
       <p:pic>
         <p:nvPicPr>
-          <p:cNvPr descr="2eastmainbfr.jpg" id="558" name="Shape 558"/>
+          <p:cNvPr descr="2eastmainbfr.jpg" id="559" name="Shape 559"/>
           <p:cNvPicPr preferRelativeResize="0"/>
           <p:nvPr/>
         </p:nvPicPr>
@@ -30284,7 +30534,7 @@
       </p:pic>
       <p:pic>
         <p:nvPicPr>
-          <p:cNvPr descr="natural-wetland-2.jpg" id="559" name="Shape 559"/>
+          <p:cNvPr descr="natural-wetland-2.jpg" id="560" name="Shape 560"/>
           <p:cNvPicPr preferRelativeResize="0"/>
           <p:nvPr/>
         </p:nvPicPr>
@@ -30311,7 +30561,7 @@
       </p:pic>
       <p:sp>
         <p:nvSpPr>
-          <p:cNvPr id="560" name="Shape 560"/>
+          <p:cNvPr id="561" name="Shape 561"/>
           <p:cNvSpPr/>
           <p:nvPr/>
         </p:nvSpPr>
@@ -30369,7 +30619,7 @@
       </p:sp>
       <p:pic>
         <p:nvPicPr>
-          <p:cNvPr descr="trimockup.jpg" id="561" name="Shape 561"/>
+          <p:cNvPr descr="trimockup.jpg" id="562" name="Shape 562"/>
           <p:cNvPicPr preferRelativeResize="0"/>
           <p:nvPr/>
         </p:nvPicPr>
@@ -30396,7 +30646,7 @@
       </p:pic>
       <p:pic>
         <p:nvPicPr>
-          <p:cNvPr descr="Screen Shot 2017-10-30 at 1.15.49 AM.png" id="562" name="Shape 562"/>
+          <p:cNvPr descr="Screen Shot 2017-10-30 at 1.15.49 AM.png" id="563" name="Shape 563"/>
           <p:cNvPicPr preferRelativeResize="0"/>
           <p:nvPr/>
         </p:nvPicPr>
@@ -30442,7 +30692,7 @@
     </p:bg>
     <p:spTree>
       <p:nvGrpSpPr>
-        <p:cNvPr id="566" name="Shape 566"/>
+        <p:cNvPr id="567" name="Shape 567"/>
         <p:cNvGrpSpPr/>
         <p:nvPr/>
       </p:nvGrpSpPr>
@@ -30456,7 +30706,7 @@
       </p:grpSpPr>
       <p:sp>
         <p:nvSpPr>
-          <p:cNvPr id="567" name="Shape 567"/>
+          <p:cNvPr id="568" name="Shape 568"/>
           <p:cNvSpPr/>
           <p:nvPr/>
         </p:nvSpPr>
@@ -30514,7 +30764,7 @@
       </p:sp>
       <p:sp>
         <p:nvSpPr>
-          <p:cNvPr id="568" name="Shape 568"/>
+          <p:cNvPr id="569" name="Shape 569"/>
           <p:cNvSpPr/>
           <p:nvPr/>
         </p:nvSpPr>
@@ -30572,7 +30822,7 @@
       </p:sp>
       <p:sp>
         <p:nvSpPr>
-          <p:cNvPr id="569" name="Shape 569"/>
+          <p:cNvPr id="570" name="Shape 570"/>
           <p:cNvSpPr/>
           <p:nvPr/>
         </p:nvSpPr>
@@ -30597,129 +30847,6 @@
           </a:bodyPr>
           <a:lstStyle/>
           <a:p>
-            <a:pPr indent="-215900" lvl="0" marL="215900" rtl="0">
-              <a:spcBef>
-                <a:spcPts val="0"/>
-              </a:spcBef>
-              <a:buClr>
-                <a:schemeClr val="lt1"/>
-              </a:buClr>
-              <a:buSzPct val="146666"/>
-              <a:buFont typeface="Helvetica Neue"/>
-              <a:buChar char="•"/>
-            </a:pPr>
-            <a:r>
-              <a:rPr b="1" lang="en" sz="1500">
-                <a:solidFill>
-                  <a:schemeClr val="lt1"/>
-                </a:solidFill>
-                <a:latin typeface="Helvetica Neue"/>
-                <a:ea typeface="Helvetica Neue"/>
-                <a:cs typeface="Helvetica Neue"/>
-                <a:sym typeface="Helvetica Neue"/>
-              </a:rPr>
-              <a:t>Over 100 columns on attributes, lots of them are irrelevant for our purposes</a:t>
-            </a:r>
-          </a:p>
-          <a:p>
-            <a:pPr indent="-215900" lvl="0" marL="215900" rtl="0">
-              <a:spcBef>
-                <a:spcPts val="0"/>
-              </a:spcBef>
-              <a:buClr>
-                <a:schemeClr val="lt1"/>
-              </a:buClr>
-              <a:buSzPct val="146666"/>
-              <a:buFont typeface="Helvetica Neue"/>
-              <a:buChar char="•"/>
-            </a:pPr>
-            <a:r>
-              <a:rPr b="1" lang="en" sz="1500">
-                <a:solidFill>
-                  <a:schemeClr val="lt1"/>
-                </a:solidFill>
-                <a:latin typeface="Helvetica Neue"/>
-                <a:ea typeface="Helvetica Neue"/>
-                <a:cs typeface="Helvetica Neue"/>
-                <a:sym typeface="Helvetica Neue"/>
-              </a:rPr>
-              <a:t>This includes unwanted Government codes, industry compliance codes, etc</a:t>
-            </a:r>
-          </a:p>
-          <a:p>
-            <a:pPr indent="-215900" lvl="0" marL="215900" rtl="0">
-              <a:spcBef>
-                <a:spcPts val="0"/>
-              </a:spcBef>
-              <a:buClr>
-                <a:schemeClr val="lt1"/>
-              </a:buClr>
-              <a:buSzPct val="146666"/>
-              <a:buFont typeface="Helvetica Neue"/>
-              <a:buChar char="•"/>
-            </a:pPr>
-            <a:r>
-              <a:rPr b="1" lang="en" sz="1500">
-                <a:solidFill>
-                  <a:schemeClr val="lt1"/>
-                </a:solidFill>
-                <a:latin typeface="Helvetica Neue"/>
-                <a:ea typeface="Helvetica Neue"/>
-                <a:cs typeface="Helvetica Neue"/>
-                <a:sym typeface="Helvetica Neue"/>
-              </a:rPr>
-              <a:t>We want location information, chemical information, and release and recycling information</a:t>
-            </a:r>
-          </a:p>
-          <a:p>
-            <a:pPr indent="-215900" lvl="0" marL="215900" rtl="0">
-              <a:spcBef>
-                <a:spcPts val="0"/>
-              </a:spcBef>
-              <a:buClr>
-                <a:schemeClr val="lt1"/>
-              </a:buClr>
-              <a:buSzPct val="146666"/>
-              <a:buFont typeface="Helvetica Neue"/>
-              <a:buChar char="•"/>
-            </a:pPr>
-            <a:r>
-              <a:rPr b="1" lang="en" sz="1500">
-                <a:solidFill>
-                  <a:schemeClr val="lt1"/>
-                </a:solidFill>
-                <a:latin typeface="Helvetica Neue"/>
-                <a:ea typeface="Helvetica Neue"/>
-                <a:cs typeface="Helvetica Neue"/>
-                <a:sym typeface="Helvetica Neue"/>
-              </a:rPr>
-              <a:t>We identified 21 categories, common to US and State data sets, to use</a:t>
-            </a:r>
-            <a:br>
-              <a:rPr b="1" lang="en" sz="1500">
-                <a:solidFill>
-                  <a:schemeClr val="lt1"/>
-                </a:solidFill>
-                <a:latin typeface="Helvetica Neue"/>
-                <a:ea typeface="Helvetica Neue"/>
-                <a:cs typeface="Helvetica Neue"/>
-                <a:sym typeface="Helvetica Neue"/>
-              </a:rPr>
-            </a:br>
-            <a:r>
-              <a:rPr b="1" lang="en" sz="1500">
-                <a:solidFill>
-                  <a:schemeClr val="lt1"/>
-                </a:solidFill>
-                <a:latin typeface="Helvetica Neue"/>
-                <a:ea typeface="Helvetica Neue"/>
-                <a:cs typeface="Helvetica Neue"/>
-                <a:sym typeface="Helvetica Neue"/>
-              </a:rPr>
-              <a:t> </a:t>
-            </a:r>
-          </a:p>
-          <a:p>
             <a:pPr indent="-88900" lvl="0" marL="0" marR="0" rtl="0" algn="ctr">
               <a:lnSpc>
                 <a:spcPct val="100000"/>
@@ -30739,7 +30866,7 @@
             <a:r>
               <a:t/>
             </a:r>
-            <a:endParaRPr>
+            <a:endParaRPr b="0" i="0" sz="1400" u="none" cap="none" strike="noStrike">
               <a:solidFill>
                 <a:srgbClr val="FFFFFF"/>
               </a:solidFill>
@@ -30753,7 +30880,7 @@
       </p:sp>
       <p:sp>
         <p:nvSpPr>
-          <p:cNvPr id="570" name="Shape 570"/>
+          <p:cNvPr id="571" name="Shape 571"/>
           <p:cNvSpPr/>
           <p:nvPr/>
         </p:nvSpPr>
@@ -30811,7 +30938,7 @@
       </p:sp>
       <p:sp>
         <p:nvSpPr>
-          <p:cNvPr id="571" name="Shape 571"/>
+          <p:cNvPr id="572" name="Shape 572"/>
           <p:cNvSpPr/>
           <p:nvPr/>
         </p:nvSpPr>
@@ -30869,7 +30996,7 @@
       </p:sp>
       <p:sp>
         <p:nvSpPr>
-          <p:cNvPr id="572" name="Shape 572"/>
+          <p:cNvPr id="573" name="Shape 573"/>
           <p:cNvSpPr txBox="1"/>
           <p:nvPr/>
         </p:nvSpPr>
@@ -30919,14 +31046,14 @@
                 <a:cs typeface="Helvetica Neue"/>
                 <a:sym typeface="Helvetica Neue"/>
               </a:rPr>
-              <a:t>Standardizing Project Data: What Do We Need?</a:t>
+              <a:t>Initial Exploration and Visualization</a:t>
             </a:r>
           </a:p>
         </p:txBody>
       </p:sp>
       <p:sp>
         <p:nvSpPr>
-          <p:cNvPr id="573" name="Shape 573"/>
+          <p:cNvPr id="574" name="Shape 574"/>
           <p:cNvSpPr/>
           <p:nvPr/>
         </p:nvSpPr>
@@ -30984,7 +31111,7 @@
       </p:sp>
       <p:sp>
         <p:nvSpPr>
-          <p:cNvPr id="574" name="Shape 574"/>
+          <p:cNvPr id="575" name="Shape 575"/>
           <p:cNvSpPr/>
           <p:nvPr/>
         </p:nvSpPr>
@@ -31042,7 +31169,7 @@
       </p:sp>
       <p:pic>
         <p:nvPicPr>
-          <p:cNvPr descr="2eastmainbfr.jpg" id="575" name="Shape 575"/>
+          <p:cNvPr descr="2eastmainbfr.jpg" id="576" name="Shape 576"/>
           <p:cNvPicPr preferRelativeResize="0"/>
           <p:nvPr/>
         </p:nvPicPr>
@@ -31069,7 +31196,7 @@
       </p:pic>
       <p:pic>
         <p:nvPicPr>
-          <p:cNvPr descr="natural-wetland-2.jpg" id="576" name="Shape 576"/>
+          <p:cNvPr descr="natural-wetland-2.jpg" id="577" name="Shape 577"/>
           <p:cNvPicPr preferRelativeResize="0"/>
           <p:nvPr/>
         </p:nvPicPr>
@@ -31096,7 +31223,7 @@
       </p:pic>
       <p:sp>
         <p:nvSpPr>
-          <p:cNvPr id="577" name="Shape 577"/>
+          <p:cNvPr id="578" name="Shape 578"/>
           <p:cNvSpPr/>
           <p:nvPr/>
         </p:nvSpPr>
@@ -31154,7 +31281,7 @@
       </p:sp>
       <p:pic>
         <p:nvPicPr>
-          <p:cNvPr descr="philly.jpg" id="578" name="Shape 578"/>
+          <p:cNvPr descr="trimockup.jpg" id="579" name="Shape 579"/>
           <p:cNvPicPr preferRelativeResize="0"/>
           <p:nvPr/>
         </p:nvPicPr>
@@ -31167,8 +31294,8 @@
         </p:blipFill>
         <p:spPr>
           <a:xfrm>
-            <a:off x="27504" y="16878"/>
-            <a:ext cx="4295180" cy="2069455"/>
+            <a:off x="23725" y="16750"/>
+            <a:ext cx="4286250" cy="2066100"/>
           </a:xfrm>
           <a:prstGeom prst="rect">
             <a:avLst/>
@@ -31179,16 +31306,24 @@
           </a:ln>
         </p:spPr>
       </p:pic>
-      <p:sp>
-        <p:nvSpPr>
-          <p:cNvPr id="579" name="Shape 579"/>
-          <p:cNvSpPr txBox="1"/>
-          <p:nvPr/>
-        </p:nvSpPr>
-        <p:spPr>
-          <a:xfrm>
-            <a:off x="5685350" y="2101125"/>
-            <a:ext cx="1830600" cy="2083200"/>
+      <p:pic>
+        <p:nvPicPr>
+          <p:cNvPr descr="Screen Shot 2017-10-30 at 3.38.54 PM.png" id="580" name="Shape 580"/>
+          <p:cNvPicPr preferRelativeResize="0"/>
+          <p:nvPr/>
+        </p:nvPicPr>
+        <p:blipFill>
+          <a:blip r:embed="rId6">
+            <a:alphaModFix/>
+          </a:blip>
+          <a:stretch>
+            <a:fillRect/>
+          </a:stretch>
+        </p:blipFill>
+        <p:spPr>
+          <a:xfrm>
+            <a:off x="31950" y="2099450"/>
+            <a:ext cx="5628899" cy="2974801"/>
           </a:xfrm>
           <a:prstGeom prst="rect">
             <a:avLst/>
@@ -31198,594 +31333,7 @@
             <a:noFill/>
           </a:ln>
         </p:spPr>
-        <p:txBody>
-          <a:bodyPr anchorCtr="0" anchor="t" bIns="91425" lIns="91425" rIns="91425" wrap="square" tIns="91425">
-            <a:noAutofit/>
-          </a:bodyPr>
-          <a:lstStyle/>
-          <a:p>
-            <a:pPr lvl="0" rtl="0">
-              <a:lnSpc>
-                <a:spcPct val="115000"/>
-              </a:lnSpc>
-              <a:spcBef>
-                <a:spcPts val="0"/>
-              </a:spcBef>
-              <a:buNone/>
-            </a:pPr>
-            <a:r>
-              <a:rPr b="1" lang="en" sz="900">
-                <a:solidFill>
-                  <a:schemeClr val="lt1"/>
-                </a:solidFill>
-                <a:latin typeface="Helvetica Neue"/>
-                <a:ea typeface="Helvetica Neue"/>
-                <a:cs typeface="Helvetica Neue"/>
-                <a:sym typeface="Helvetica Neue"/>
-              </a:rPr>
-              <a:t>YEAR</a:t>
-            </a:r>
-          </a:p>
-          <a:p>
-            <a:pPr lvl="0" rtl="0">
-              <a:lnSpc>
-                <a:spcPct val="115000"/>
-              </a:lnSpc>
-              <a:spcBef>
-                <a:spcPts val="0"/>
-              </a:spcBef>
-              <a:buNone/>
-            </a:pPr>
-            <a:r>
-              <a:rPr b="1" lang="en" sz="900">
-                <a:solidFill>
-                  <a:schemeClr val="lt1"/>
-                </a:solidFill>
-                <a:latin typeface="Helvetica Neue"/>
-                <a:ea typeface="Helvetica Neue"/>
-                <a:cs typeface="Helvetica Neue"/>
-                <a:sym typeface="Helvetica Neue"/>
-              </a:rPr>
-              <a:t>FACILITY_NAME</a:t>
-            </a:r>
-          </a:p>
-          <a:p>
-            <a:pPr lvl="0" rtl="0">
-              <a:lnSpc>
-                <a:spcPct val="115000"/>
-              </a:lnSpc>
-              <a:spcBef>
-                <a:spcPts val="0"/>
-              </a:spcBef>
-              <a:buNone/>
-            </a:pPr>
-            <a:r>
-              <a:rPr b="1" lang="en" sz="900">
-                <a:solidFill>
-                  <a:schemeClr val="lt1"/>
-                </a:solidFill>
-                <a:latin typeface="Helvetica Neue"/>
-                <a:ea typeface="Helvetica Neue"/>
-                <a:cs typeface="Helvetica Neue"/>
-                <a:sym typeface="Helvetica Neue"/>
-              </a:rPr>
-              <a:t>FEDERAL_FACILITY</a:t>
-            </a:r>
-          </a:p>
-          <a:p>
-            <a:pPr lvl="0" rtl="0">
-              <a:lnSpc>
-                <a:spcPct val="115000"/>
-              </a:lnSpc>
-              <a:spcBef>
-                <a:spcPts val="0"/>
-              </a:spcBef>
-              <a:buNone/>
-            </a:pPr>
-            <a:r>
-              <a:rPr b="1" lang="en" sz="900">
-                <a:solidFill>
-                  <a:schemeClr val="lt1"/>
-                </a:solidFill>
-                <a:latin typeface="Helvetica Neue"/>
-                <a:ea typeface="Helvetica Neue"/>
-                <a:cs typeface="Helvetica Neue"/>
-                <a:sym typeface="Helvetica Neue"/>
-              </a:rPr>
-              <a:t>PARENT_COMPANY_NAME</a:t>
-            </a:r>
-          </a:p>
-          <a:p>
-            <a:pPr lvl="0" rtl="0">
-              <a:lnSpc>
-                <a:spcPct val="115000"/>
-              </a:lnSpc>
-              <a:spcBef>
-                <a:spcPts val="0"/>
-              </a:spcBef>
-              <a:buNone/>
-            </a:pPr>
-            <a:r>
-              <a:rPr b="1" lang="en" sz="900">
-                <a:solidFill>
-                  <a:schemeClr val="lt1"/>
-                </a:solidFill>
-                <a:latin typeface="Helvetica Neue"/>
-                <a:ea typeface="Helvetica Neue"/>
-                <a:cs typeface="Helvetica Neue"/>
-                <a:sym typeface="Helvetica Neue"/>
-              </a:rPr>
-              <a:t>INDUSTRY_SECTOR</a:t>
-            </a:r>
-          </a:p>
-          <a:p>
-            <a:pPr lvl="0" rtl="0">
-              <a:lnSpc>
-                <a:spcPct val="115000"/>
-              </a:lnSpc>
-              <a:spcBef>
-                <a:spcPts val="0"/>
-              </a:spcBef>
-              <a:buNone/>
-            </a:pPr>
-            <a:r>
-              <a:rPr b="1" lang="en" sz="900">
-                <a:solidFill>
-                  <a:schemeClr val="lt1"/>
-                </a:solidFill>
-                <a:latin typeface="Helvetica Neue"/>
-                <a:ea typeface="Helvetica Neue"/>
-                <a:cs typeface="Helvetica Neue"/>
-                <a:sym typeface="Helvetica Neue"/>
-              </a:rPr>
-              <a:t>ZIP</a:t>
-            </a:r>
-          </a:p>
-          <a:p>
-            <a:pPr lvl="0" rtl="0">
-              <a:lnSpc>
-                <a:spcPct val="115000"/>
-              </a:lnSpc>
-              <a:spcBef>
-                <a:spcPts val="0"/>
-              </a:spcBef>
-              <a:buNone/>
-            </a:pPr>
-            <a:r>
-              <a:rPr b="1" lang="en" sz="900">
-                <a:solidFill>
-                  <a:schemeClr val="lt1"/>
-                </a:solidFill>
-                <a:latin typeface="Helvetica Neue"/>
-                <a:ea typeface="Helvetica Neue"/>
-                <a:cs typeface="Helvetica Neue"/>
-                <a:sym typeface="Helvetica Neue"/>
-              </a:rPr>
-              <a:t>STATE</a:t>
-            </a:r>
-          </a:p>
-          <a:p>
-            <a:pPr lvl="0" rtl="0">
-              <a:lnSpc>
-                <a:spcPct val="115000"/>
-              </a:lnSpc>
-              <a:spcBef>
-                <a:spcPts val="0"/>
-              </a:spcBef>
-              <a:buNone/>
-            </a:pPr>
-            <a:r>
-              <a:rPr b="1" lang="en" sz="900">
-                <a:solidFill>
-                  <a:schemeClr val="lt1"/>
-                </a:solidFill>
-                <a:latin typeface="Helvetica Neue"/>
-                <a:ea typeface="Helvetica Neue"/>
-                <a:cs typeface="Helvetica Neue"/>
-                <a:sym typeface="Helvetica Neue"/>
-              </a:rPr>
-              <a:t>CITY</a:t>
-            </a:r>
-          </a:p>
-          <a:p>
-            <a:pPr lvl="0" rtl="0">
-              <a:lnSpc>
-                <a:spcPct val="115000"/>
-              </a:lnSpc>
-              <a:spcBef>
-                <a:spcPts val="0"/>
-              </a:spcBef>
-              <a:buNone/>
-            </a:pPr>
-            <a:r>
-              <a:rPr b="1" lang="en" sz="900">
-                <a:solidFill>
-                  <a:schemeClr val="lt1"/>
-                </a:solidFill>
-                <a:latin typeface="Helvetica Neue"/>
-                <a:ea typeface="Helvetica Neue"/>
-                <a:cs typeface="Helvetica Neue"/>
-                <a:sym typeface="Helvetica Neue"/>
-              </a:rPr>
-              <a:t>COUNTY</a:t>
-            </a:r>
-          </a:p>
-          <a:p>
-            <a:pPr lvl="0" rtl="0">
-              <a:lnSpc>
-                <a:spcPct val="115000"/>
-              </a:lnSpc>
-              <a:spcBef>
-                <a:spcPts val="0"/>
-              </a:spcBef>
-              <a:buNone/>
-            </a:pPr>
-            <a:r>
-              <a:rPr b="1" lang="en" sz="900">
-                <a:solidFill>
-                  <a:schemeClr val="lt1"/>
-                </a:solidFill>
-                <a:latin typeface="Helvetica Neue"/>
-                <a:ea typeface="Helvetica Neue"/>
-                <a:cs typeface="Helvetica Neue"/>
-                <a:sym typeface="Helvetica Neue"/>
-              </a:rPr>
-              <a:t>LATITUDE</a:t>
-            </a:r>
-          </a:p>
-          <a:p>
-            <a:pPr lvl="0" rtl="0">
-              <a:lnSpc>
-                <a:spcPct val="115000"/>
-              </a:lnSpc>
-              <a:spcBef>
-                <a:spcPts val="0"/>
-              </a:spcBef>
-              <a:buNone/>
-            </a:pPr>
-            <a:r>
-              <a:rPr b="1" lang="en" sz="900">
-                <a:solidFill>
-                  <a:schemeClr val="lt1"/>
-                </a:solidFill>
-                <a:latin typeface="Helvetica Neue"/>
-                <a:ea typeface="Helvetica Neue"/>
-                <a:cs typeface="Helvetica Neue"/>
-                <a:sym typeface="Helvetica Neue"/>
-              </a:rPr>
-              <a:t>LONGITUDE</a:t>
-            </a:r>
-          </a:p>
-          <a:p>
-            <a:pPr lvl="0" rtl="0">
-              <a:lnSpc>
-                <a:spcPct val="115000"/>
-              </a:lnSpc>
-              <a:spcBef>
-                <a:spcPts val="0"/>
-              </a:spcBef>
-              <a:buNone/>
-            </a:pPr>
-            <a:r>
-              <a:rPr b="1" lang="en" sz="900">
-                <a:solidFill>
-                  <a:schemeClr val="lt1"/>
-                </a:solidFill>
-                <a:latin typeface="Helvetica Neue"/>
-                <a:ea typeface="Helvetica Neue"/>
-                <a:cs typeface="Helvetica Neue"/>
-                <a:sym typeface="Helvetica Neue"/>
-              </a:rPr>
-              <a:t>CHEMICAL</a:t>
-            </a:r>
-          </a:p>
-          <a:p>
-            <a:pPr lvl="0" rtl="0">
-              <a:lnSpc>
-                <a:spcPct val="115000"/>
-              </a:lnSpc>
-              <a:spcBef>
-                <a:spcPts val="0"/>
-              </a:spcBef>
-              <a:buClr>
-                <a:schemeClr val="lt1"/>
-              </a:buClr>
-              <a:buFont typeface="Helvetica Neue"/>
-              <a:buNone/>
-            </a:pPr>
-            <a:r>
-              <a:t/>
-            </a:r>
-            <a:endParaRPr b="1" sz="900">
-              <a:solidFill>
-                <a:schemeClr val="lt1"/>
-              </a:solidFill>
-              <a:latin typeface="Helvetica Neue"/>
-              <a:ea typeface="Helvetica Neue"/>
-              <a:cs typeface="Helvetica Neue"/>
-              <a:sym typeface="Helvetica Neue"/>
-            </a:endParaRPr>
-          </a:p>
-        </p:txBody>
-      </p:sp>
-      <p:sp>
-        <p:nvSpPr>
-          <p:cNvPr id="580" name="Shape 580"/>
-          <p:cNvSpPr txBox="1"/>
-          <p:nvPr/>
-        </p:nvSpPr>
-        <p:spPr>
-          <a:xfrm>
-            <a:off x="7286275" y="2099425"/>
-            <a:ext cx="1830600" cy="2083200"/>
-          </a:xfrm>
-          <a:prstGeom prst="rect">
-            <a:avLst/>
-          </a:prstGeom>
-          <a:noFill/>
-          <a:ln>
-            <a:noFill/>
-          </a:ln>
-        </p:spPr>
-        <p:txBody>
-          <a:bodyPr anchorCtr="0" anchor="t" bIns="91425" lIns="91425" rIns="91425" wrap="square" tIns="91425">
-            <a:noAutofit/>
-          </a:bodyPr>
-          <a:lstStyle/>
-          <a:p>
-            <a:pPr lvl="0" rtl="0">
-              <a:lnSpc>
-                <a:spcPct val="115000"/>
-              </a:lnSpc>
-              <a:spcBef>
-                <a:spcPts val="0"/>
-              </a:spcBef>
-              <a:buClr>
-                <a:schemeClr val="dk1"/>
-              </a:buClr>
-              <a:buSzPct val="122222"/>
-              <a:buFont typeface="Arial"/>
-              <a:buNone/>
-            </a:pPr>
-            <a:r>
-              <a:rPr b="1" lang="en" sz="900">
-                <a:solidFill>
-                  <a:schemeClr val="lt1"/>
-                </a:solidFill>
-                <a:latin typeface="Helvetica Neue"/>
-                <a:ea typeface="Helvetica Neue"/>
-                <a:cs typeface="Helvetica Neue"/>
-                <a:sym typeface="Helvetica Neue"/>
-              </a:rPr>
-              <a:t>UNIT_OF_MEASURE</a:t>
-            </a:r>
-          </a:p>
-          <a:p>
-            <a:pPr lvl="0" rtl="0">
-              <a:lnSpc>
-                <a:spcPct val="115000"/>
-              </a:lnSpc>
-              <a:spcBef>
-                <a:spcPts val="0"/>
-              </a:spcBef>
-              <a:buClr>
-                <a:schemeClr val="dk1"/>
-              </a:buClr>
-              <a:buSzPct val="122222"/>
-              <a:buFont typeface="Arial"/>
-              <a:buNone/>
-            </a:pPr>
-            <a:r>
-              <a:rPr b="1" lang="en" sz="900">
-                <a:solidFill>
-                  <a:schemeClr val="lt1"/>
-                </a:solidFill>
-                <a:latin typeface="Helvetica Neue"/>
-                <a:ea typeface="Helvetica Neue"/>
-                <a:cs typeface="Helvetica Neue"/>
-                <a:sym typeface="Helvetica Neue"/>
-              </a:rPr>
-              <a:t>CARCINOGEN</a:t>
-            </a:r>
-          </a:p>
-          <a:p>
-            <a:pPr lvl="0" rtl="0">
-              <a:lnSpc>
-                <a:spcPct val="115000"/>
-              </a:lnSpc>
-              <a:spcBef>
-                <a:spcPts val="0"/>
-              </a:spcBef>
-              <a:buClr>
-                <a:schemeClr val="dk1"/>
-              </a:buClr>
-              <a:buSzPct val="122222"/>
-              <a:buFont typeface="Arial"/>
-              <a:buNone/>
-            </a:pPr>
-            <a:r>
-              <a:rPr b="1" lang="en" sz="900">
-                <a:solidFill>
-                  <a:schemeClr val="lt1"/>
-                </a:solidFill>
-                <a:latin typeface="Helvetica Neue"/>
-                <a:ea typeface="Helvetica Neue"/>
-                <a:cs typeface="Helvetica Neue"/>
-                <a:sym typeface="Helvetica Neue"/>
-              </a:rPr>
-              <a:t>CAA_CHEMICAL</a:t>
-            </a:r>
-          </a:p>
-          <a:p>
-            <a:pPr lvl="0" rtl="0">
-              <a:lnSpc>
-                <a:spcPct val="115000"/>
-              </a:lnSpc>
-              <a:spcBef>
-                <a:spcPts val="0"/>
-              </a:spcBef>
-              <a:buClr>
-                <a:schemeClr val="dk1"/>
-              </a:buClr>
-              <a:buSzPct val="122222"/>
-              <a:buFont typeface="Arial"/>
-              <a:buNone/>
-            </a:pPr>
-            <a:r>
-              <a:rPr b="1" lang="en" sz="900">
-                <a:solidFill>
-                  <a:schemeClr val="lt1"/>
-                </a:solidFill>
-                <a:latin typeface="Helvetica Neue"/>
-                <a:ea typeface="Helvetica Neue"/>
-                <a:cs typeface="Helvetica Neue"/>
-                <a:sym typeface="Helvetica Neue"/>
-              </a:rPr>
-              <a:t>TOTAL_RELEASES</a:t>
-            </a:r>
-          </a:p>
-          <a:p>
-            <a:pPr lvl="0" rtl="0">
-              <a:lnSpc>
-                <a:spcPct val="115000"/>
-              </a:lnSpc>
-              <a:spcBef>
-                <a:spcPts val="0"/>
-              </a:spcBef>
-              <a:buClr>
-                <a:schemeClr val="dk1"/>
-              </a:buClr>
-              <a:buSzPct val="122222"/>
-              <a:buFont typeface="Arial"/>
-              <a:buNone/>
-            </a:pPr>
-            <a:r>
-              <a:rPr b="1" lang="en" sz="900">
-                <a:solidFill>
-                  <a:schemeClr val="lt1"/>
-                </a:solidFill>
-                <a:latin typeface="Helvetica Neue"/>
-                <a:ea typeface="Helvetica Neue"/>
-                <a:cs typeface="Helvetica Neue"/>
-                <a:sym typeface="Helvetica Neue"/>
-              </a:rPr>
-              <a:t>ON_SITE_RELEASE_TOTAL</a:t>
-            </a:r>
-          </a:p>
-          <a:p>
-            <a:pPr lvl="0" rtl="0">
-              <a:lnSpc>
-                <a:spcPct val="115000"/>
-              </a:lnSpc>
-              <a:spcBef>
-                <a:spcPts val="0"/>
-              </a:spcBef>
-              <a:buClr>
-                <a:schemeClr val="dk1"/>
-              </a:buClr>
-              <a:buSzPct val="122222"/>
-              <a:buFont typeface="Arial"/>
-              <a:buNone/>
-            </a:pPr>
-            <a:r>
-              <a:rPr b="1" lang="en" sz="900">
-                <a:solidFill>
-                  <a:schemeClr val="lt1"/>
-                </a:solidFill>
-                <a:latin typeface="Helvetica Neue"/>
-                <a:ea typeface="Helvetica Neue"/>
-                <a:cs typeface="Helvetica Neue"/>
-                <a:sym typeface="Helvetica Neue"/>
-              </a:rPr>
-              <a:t>OFF_SITE_RELEASE_TOTAL</a:t>
-            </a:r>
-          </a:p>
-          <a:p>
-            <a:pPr lvl="0" rtl="0">
-              <a:lnSpc>
-                <a:spcPct val="115000"/>
-              </a:lnSpc>
-              <a:spcBef>
-                <a:spcPts val="0"/>
-              </a:spcBef>
-              <a:buClr>
-                <a:schemeClr val="dk1"/>
-              </a:buClr>
-              <a:buSzPct val="122222"/>
-              <a:buFont typeface="Arial"/>
-              <a:buNone/>
-            </a:pPr>
-            <a:r>
-              <a:rPr b="1" lang="en" sz="900">
-                <a:solidFill>
-                  <a:schemeClr val="lt1"/>
-                </a:solidFill>
-                <a:latin typeface="Helvetica Neue"/>
-                <a:ea typeface="Helvetica Neue"/>
-                <a:cs typeface="Helvetica Neue"/>
-                <a:sym typeface="Helvetica Neue"/>
-              </a:rPr>
-              <a:t>ON_SITE_RECYCLED_TOTAL</a:t>
-            </a:r>
-          </a:p>
-          <a:p>
-            <a:pPr lvl="0" rtl="0">
-              <a:lnSpc>
-                <a:spcPct val="115000"/>
-              </a:lnSpc>
-              <a:spcBef>
-                <a:spcPts val="0"/>
-              </a:spcBef>
-              <a:buClr>
-                <a:schemeClr val="dk1"/>
-              </a:buClr>
-              <a:buSzPct val="122222"/>
-              <a:buFont typeface="Arial"/>
-              <a:buNone/>
-            </a:pPr>
-            <a:r>
-              <a:rPr b="1" lang="en" sz="900">
-                <a:solidFill>
-                  <a:schemeClr val="lt1"/>
-                </a:solidFill>
-                <a:latin typeface="Helvetica Neue"/>
-                <a:ea typeface="Helvetica Neue"/>
-                <a:cs typeface="Helvetica Neue"/>
-                <a:sym typeface="Helvetica Neue"/>
-              </a:rPr>
-              <a:t>OFF_SITE_RECYCLED TOTAL</a:t>
-            </a:r>
-          </a:p>
-          <a:p>
-            <a:pPr lvl="0" rtl="0">
-              <a:lnSpc>
-                <a:spcPct val="115000"/>
-              </a:lnSpc>
-              <a:spcBef>
-                <a:spcPts val="0"/>
-              </a:spcBef>
-              <a:buClr>
-                <a:schemeClr val="dk1"/>
-              </a:buClr>
-              <a:buSzPct val="122222"/>
-              <a:buFont typeface="Arial"/>
-              <a:buNone/>
-            </a:pPr>
-            <a:r>
-              <a:rPr b="1" lang="en" sz="900">
-                <a:solidFill>
-                  <a:schemeClr val="lt1"/>
-                </a:solidFill>
-                <a:latin typeface="Helvetica Neue"/>
-                <a:ea typeface="Helvetica Neue"/>
-                <a:cs typeface="Helvetica Neue"/>
-                <a:sym typeface="Helvetica Neue"/>
-              </a:rPr>
-              <a:t>ONE_TIME_RELEASES</a:t>
-            </a:r>
-          </a:p>
-        </p:txBody>
-      </p:sp>
+      </p:pic>
     </p:spTree>
   </p:cSld>
   <p:clrMapOvr>
@@ -31961,139 +31509,28 @@
           </a:bodyPr>
           <a:lstStyle/>
           <a:p>
-            <a:pPr indent="-190500" lvl="0" marL="215900" rtl="0">
-              <a:spcBef>
-                <a:spcPts val="0"/>
-              </a:spcBef>
-              <a:buClr>
-                <a:schemeClr val="lt1"/>
-              </a:buClr>
-              <a:buSzPct val="100000"/>
-              <a:buFont typeface="Helvetica Neue"/>
-              <a:buChar char="•"/>
-            </a:pPr>
-            <a:r>
-              <a:rPr b="1" lang="en" sz="1800">
-                <a:solidFill>
-                  <a:schemeClr val="lt1"/>
-                </a:solidFill>
-                <a:latin typeface="Helvetica Neue"/>
-                <a:ea typeface="Helvetica Neue"/>
-                <a:cs typeface="Helvetica Neue"/>
-                <a:sym typeface="Helvetica Neue"/>
-              </a:rPr>
-              <a:t>Created Python script to process US and State CSV files</a:t>
-            </a:r>
-          </a:p>
-          <a:p>
-            <a:pPr indent="-342900" lvl="1" marL="914400" rtl="0">
-              <a:spcBef>
-                <a:spcPts val="0"/>
-              </a:spcBef>
-              <a:buClr>
-                <a:schemeClr val="lt1"/>
-              </a:buClr>
-              <a:buSzPct val="100000"/>
-              <a:buFont typeface="Helvetica Neue"/>
-            </a:pPr>
-            <a:r>
-              <a:rPr b="1" lang="en" sz="1800">
-                <a:solidFill>
-                  <a:schemeClr val="lt1"/>
-                </a:solidFill>
-                <a:latin typeface="Helvetica Neue"/>
-                <a:ea typeface="Helvetica Neue"/>
-                <a:cs typeface="Helvetica Neue"/>
-                <a:sym typeface="Helvetica Neue"/>
-              </a:rPr>
-              <a:t>Trims unwanted attributes</a:t>
-            </a:r>
-          </a:p>
-          <a:p>
-            <a:pPr indent="-342900" lvl="1" marL="914400" rtl="0">
-              <a:spcBef>
-                <a:spcPts val="0"/>
-              </a:spcBef>
-              <a:buClr>
-                <a:schemeClr val="lt1"/>
-              </a:buClr>
-              <a:buSzPct val="100000"/>
-              <a:buFont typeface="Helvetica Neue"/>
-            </a:pPr>
-            <a:r>
-              <a:rPr b="1" lang="en" sz="1800">
-                <a:solidFill>
-                  <a:schemeClr val="lt1"/>
-                </a:solidFill>
-                <a:latin typeface="Helvetica Neue"/>
-                <a:ea typeface="Helvetica Neue"/>
-                <a:cs typeface="Helvetica Neue"/>
-                <a:sym typeface="Helvetica Neue"/>
-              </a:rPr>
-              <a:t>Renames columns for standard access</a:t>
-            </a:r>
-          </a:p>
-          <a:p>
-            <a:pPr indent="-342900" lvl="1" marL="914400" rtl="0">
-              <a:spcBef>
-                <a:spcPts val="0"/>
-              </a:spcBef>
-              <a:buClr>
-                <a:schemeClr val="lt1"/>
-              </a:buClr>
-              <a:buSzPct val="100000"/>
-              <a:buFont typeface="Helvetica Neue"/>
-            </a:pPr>
-            <a:r>
-              <a:rPr b="1" lang="en" sz="1800">
-                <a:solidFill>
-                  <a:schemeClr val="lt1"/>
-                </a:solidFill>
-                <a:latin typeface="Helvetica Neue"/>
-                <a:ea typeface="Helvetica Neue"/>
-                <a:cs typeface="Helvetica Neue"/>
-                <a:sym typeface="Helvetica Neue"/>
-              </a:rPr>
-              <a:t>Handles NaN values in numerical columns</a:t>
-            </a:r>
-          </a:p>
-          <a:p>
-            <a:pPr indent="-342900" lvl="1" marL="914400" rtl="0">
-              <a:spcBef>
-                <a:spcPts val="0"/>
-              </a:spcBef>
-              <a:buClr>
-                <a:schemeClr val="lt1"/>
-              </a:buClr>
-              <a:buSzPct val="100000"/>
-              <a:buFont typeface="Helvetica Neue"/>
-            </a:pPr>
-            <a:r>
-              <a:rPr b="1" lang="en" sz="1800">
-                <a:solidFill>
-                  <a:schemeClr val="lt1"/>
-                </a:solidFill>
-                <a:latin typeface="Helvetica Neue"/>
-                <a:ea typeface="Helvetica Neue"/>
-                <a:cs typeface="Helvetica Neue"/>
-                <a:sym typeface="Helvetica Neue"/>
-              </a:rPr>
-              <a:t>Reduces CSV size by ~75%</a:t>
-            </a:r>
-          </a:p>
-          <a:p>
-            <a:pPr lvl="0" rtl="0">
-              <a:spcBef>
-                <a:spcPts val="0"/>
-              </a:spcBef>
+            <a:pPr indent="-88900" lvl="0" marL="0" marR="0" rtl="0" algn="ctr">
+              <a:lnSpc>
+                <a:spcPct val="100000"/>
+              </a:lnSpc>
+              <a:spcBef>
+                <a:spcPts val="0"/>
+              </a:spcBef>
+              <a:spcAft>
+                <a:spcPts val="0"/>
+              </a:spcAft>
+              <a:buClr>
+                <a:srgbClr val="FFFFFF"/>
+              </a:buClr>
+              <a:buFont typeface="Helvetica Neue"/>
               <a:buNone/>
             </a:pPr>
             <a:r>
               <a:t/>
             </a:r>
-            <a:endParaRPr b="1" sz="1800">
+            <a:endParaRPr b="0" i="0" sz="1400" u="none" cap="none" strike="noStrike">
               <a:solidFill>
-                <a:schemeClr val="lt1"/>
+                <a:srgbClr val="FFFFFF"/>
               </a:solidFill>
               <a:latin typeface="Helvetica Neue"/>
               <a:ea typeface="Helvetica Neue"/>
@@ -32101,54 +31538,6 @@
               <a:sym typeface="Helvetica Neue"/>
             </a:endParaRPr>
           </a:p>
-          <a:p>
-            <a:pPr indent="-190500" lvl="0" marL="215900" rtl="0">
-              <a:spcBef>
-                <a:spcPts val="0"/>
-              </a:spcBef>
-              <a:buClr>
-                <a:schemeClr val="lt1"/>
-              </a:buClr>
-              <a:buSzPct val="100000"/>
-              <a:buFont typeface="Helvetica Neue"/>
-              <a:buChar char="•"/>
-            </a:pPr>
-            <a:r>
-              <a:rPr b="1" lang="en" sz="1800">
-                <a:solidFill>
-                  <a:schemeClr val="lt1"/>
-                </a:solidFill>
-                <a:latin typeface="Helvetica Neue"/>
-                <a:ea typeface="Helvetica Neue"/>
-                <a:cs typeface="Helvetica Neue"/>
-                <a:sym typeface="Helvetica Neue"/>
-              </a:rPr>
-              <a:t>Run script on downloaded CSV files to pre-clean for use in ipynb</a:t>
-            </a:r>
-            <a:br>
-              <a:rPr b="1" lang="en" sz="1800">
-                <a:solidFill>
-                  <a:schemeClr val="lt1"/>
-                </a:solidFill>
-                <a:latin typeface="Helvetica Neue"/>
-                <a:ea typeface="Helvetica Neue"/>
-                <a:cs typeface="Helvetica Neue"/>
-                <a:sym typeface="Helvetica Neue"/>
-              </a:rPr>
-            </a:br>
-            <a:r>
-              <a:rPr b="1" lang="en" sz="1800">
-                <a:solidFill>
-                  <a:schemeClr val="lt1"/>
-                </a:solidFill>
-                <a:latin typeface="Helvetica Neue"/>
-                <a:ea typeface="Helvetica Neue"/>
-                <a:cs typeface="Helvetica Neue"/>
-                <a:sym typeface="Helvetica Neue"/>
-              </a:rPr>
-              <a:t> </a:t>
-            </a:r>
-          </a:p>
         </p:txBody>
       </p:sp>
       <p:sp>
@@ -32319,7 +31708,7 @@
                 <a:cs typeface="Helvetica Neue"/>
                 <a:sym typeface="Helvetica Neue"/>
               </a:rPr>
-              <a:t>Standardizing Project Data: Cleaning CSV Files</a:t>
+              <a:t>Initial Exploration and Visualization</a:t>
             </a:r>
           </a:p>
         </p:txBody>
@@ -32554,12 +31943,39 @@
       </p:sp>
       <p:pic>
         <p:nvPicPr>
-          <p:cNvPr descr="Screen Shot 2017-10-28 at 3.13.37 PM.png" id="596" name="Shape 596"/>
+          <p:cNvPr descr="trimockup.jpg" id="596" name="Shape 596"/>
+          <p:cNvPicPr preferRelativeResize="0"/>
+          <p:nvPr/>
+        </p:nvPicPr>
+        <p:blipFill rotWithShape="1">
+          <a:blip r:embed="rId5">
+            <a:alphaModFix/>
+          </a:blip>
+          <a:srcRect b="0" l="0" r="0" t="0"/>
+          <a:stretch/>
+        </p:blipFill>
+        <p:spPr>
+          <a:xfrm>
+            <a:off x="23725" y="16750"/>
+            <a:ext cx="4286250" cy="2066100"/>
+          </a:xfrm>
+          <a:prstGeom prst="rect">
+            <a:avLst/>
+          </a:prstGeom>
+          <a:noFill/>
+          <a:ln>
+            <a:noFill/>
+          </a:ln>
+        </p:spPr>
+      </p:pic>
+      <p:pic>
+        <p:nvPicPr>
+          <p:cNvPr descr="Screen Shot 2017-10-30 at 3.39.03 PM.png" id="597" name="Shape 597"/>
           <p:cNvPicPr preferRelativeResize="0"/>
           <p:nvPr/>
         </p:nvPicPr>
         <p:blipFill>
-          <a:blip r:embed="rId5">
+          <a:blip r:embed="rId6">
             <a:alphaModFix/>
           </a:blip>
           <a:stretch>
@@ -32568,35 +31984,8 @@
         </p:blipFill>
         <p:spPr>
           <a:xfrm>
-            <a:off x="5684300" y="2107201"/>
-            <a:ext cx="3434402" cy="2065500"/>
-          </a:xfrm>
-          <a:prstGeom prst="rect">
-            <a:avLst/>
-          </a:prstGeom>
-          <a:noFill/>
-          <a:ln>
-            <a:noFill/>
-          </a:ln>
-        </p:spPr>
-      </p:pic>
-      <p:pic>
-        <p:nvPicPr>
-          <p:cNvPr descr="philly.jpg" id="597" name="Shape 597"/>
-          <p:cNvPicPr preferRelativeResize="0"/>
-          <p:nvPr/>
-        </p:nvPicPr>
-        <p:blipFill rotWithShape="1">
-          <a:blip r:embed="rId6">
-            <a:alphaModFix/>
-          </a:blip>
-          <a:srcRect b="0" l="0" r="0" t="0"/>
-          <a:stretch/>
-        </p:blipFill>
-        <p:spPr>
-          <a:xfrm>
-            <a:off x="27504" y="16878"/>
-            <a:ext cx="4295180" cy="2069455"/>
+            <a:off x="31950" y="2099450"/>
+            <a:ext cx="5653400" cy="2974799"/>
           </a:xfrm>
           <a:prstGeom prst="rect">
             <a:avLst/>
@@ -32782,19 +32171,19 @@
           </a:bodyPr>
           <a:lstStyle/>
           <a:p>
-            <a:pPr indent="-190500" lvl="0" marL="215900" rtl="0">
+            <a:pPr indent="-215900" lvl="0" marL="215900" rtl="0">
               <a:spcBef>
                 <a:spcPts val="0"/>
               </a:spcBef>
               <a:buClr>
                 <a:schemeClr val="lt1"/>
               </a:buClr>
-              <a:buSzPct val="100000"/>
+              <a:buSzPct val="146666"/>
               <a:buFont typeface="Helvetica Neue"/>
               <a:buChar char="•"/>
             </a:pPr>
             <a:r>
-              <a:rPr b="1" lang="en" sz="1800">
+              <a:rPr b="1" lang="en" sz="1500">
                 <a:solidFill>
                   <a:schemeClr val="lt1"/>
                 </a:solidFill>
@@ -32803,22 +32192,23 @@
                 <a:cs typeface="Helvetica Neue"/>
                 <a:sym typeface="Helvetica Neue"/>
               </a:rPr>
-              <a:t>Apply graphing, mapping, and statistical functions to US and State TRI data sets, focusing on:</a:t>
-            </a:r>
-          </a:p>
-          <a:p>
-            <a:pPr indent="-342900" lvl="1" marL="914400" rtl="0">
+              <a:t>Over 100 columns on attributes, lots of them are irrelevant for our purposes</a:t>
+            </a:r>
+          </a:p>
+          <a:p>
+            <a:pPr indent="-215900" lvl="0" marL="215900" rtl="0">
               <a:spcBef>
                 <a:spcPts val="0"/>
               </a:spcBef>
               <a:buClr>
                 <a:schemeClr val="lt1"/>
               </a:buClr>
-              <a:buSzPct val="100000"/>
-              <a:buFont typeface="Helvetica Neue"/>
-            </a:pPr>
-            <a:r>
-              <a:rPr b="1" lang="en" sz="1800">
+              <a:buSzPct val="146666"/>
+              <a:buFont typeface="Helvetica Neue"/>
+              <a:buChar char="•"/>
+            </a:pPr>
+            <a:r>
+              <a:rPr b="1" lang="en" sz="1500">
                 <a:solidFill>
                   <a:schemeClr val="lt1"/>
                 </a:solidFill>
@@ -32827,22 +32217,23 @@
                 <a:cs typeface="Helvetica Neue"/>
                 <a:sym typeface="Helvetica Neue"/>
               </a:rPr>
-              <a:t>Nationwide relations and trends</a:t>
-            </a:r>
-          </a:p>
-          <a:p>
-            <a:pPr indent="-342900" lvl="1" marL="914400" rtl="0">
+              <a:t>This includes unwanted Government codes, industry compliance codes, etc</a:t>
+            </a:r>
+          </a:p>
+          <a:p>
+            <a:pPr indent="-215900" lvl="0" marL="215900" rtl="0">
               <a:spcBef>
                 <a:spcPts val="0"/>
               </a:spcBef>
               <a:buClr>
                 <a:schemeClr val="lt1"/>
               </a:buClr>
-              <a:buSzPct val="100000"/>
-              <a:buFont typeface="Helvetica Neue"/>
-            </a:pPr>
-            <a:r>
-              <a:rPr b="1" lang="en" sz="1800">
+              <a:buSzPct val="146666"/>
+              <a:buFont typeface="Helvetica Neue"/>
+              <a:buChar char="•"/>
+            </a:pPr>
+            <a:r>
+              <a:rPr b="1" lang="en" sz="1500">
                 <a:solidFill>
                   <a:schemeClr val="lt1"/>
                 </a:solidFill>
@@ -32851,22 +32242,23 @@
                 <a:cs typeface="Helvetica Neue"/>
                 <a:sym typeface="Helvetica Neue"/>
               </a:rPr>
-              <a:t>Regional relations and trends</a:t>
-            </a:r>
-          </a:p>
-          <a:p>
-            <a:pPr indent="-342900" lvl="1" marL="914400" rtl="0">
+              <a:t>We want location information, chemical information, and release and recycling information</a:t>
+            </a:r>
+          </a:p>
+          <a:p>
+            <a:pPr indent="-215900" lvl="0" marL="215900" rtl="0">
               <a:spcBef>
                 <a:spcPts val="0"/>
               </a:spcBef>
               <a:buClr>
                 <a:schemeClr val="lt1"/>
               </a:buClr>
-              <a:buSzPct val="100000"/>
-              <a:buFont typeface="Helvetica Neue"/>
-            </a:pPr>
-            <a:r>
-              <a:rPr b="1" lang="en" sz="1800">
+              <a:buSzPct val="146666"/>
+              <a:buFont typeface="Helvetica Neue"/>
+              <a:buChar char="•"/>
+            </a:pPr>
+            <a:r>
+              <a:rPr b="1" lang="en" sz="1500">
                 <a:solidFill>
                   <a:schemeClr val="lt1"/>
                 </a:solidFill>
@@ -32875,22 +32267,10 @@
                 <a:cs typeface="Helvetica Neue"/>
                 <a:sym typeface="Helvetica Neue"/>
               </a:rPr>
-              <a:t>Facilities and parent companies’ releases</a:t>
-            </a:r>
-          </a:p>
-          <a:p>
-            <a:pPr indent="-342900" lvl="1" marL="914400" rtl="0">
-              <a:spcBef>
-                <a:spcPts val="0"/>
-              </a:spcBef>
-              <a:buClr>
-                <a:schemeClr val="lt1"/>
-              </a:buClr>
-              <a:buSzPct val="100000"/>
-              <a:buFont typeface="Helvetica Neue"/>
-            </a:pPr>
-            <a:r>
-              <a:rPr b="1" lang="en" sz="1800">
+              <a:t>We identified 21 categories, common to US and State data sets, to use</a:t>
+            </a:r>
+            <a:br>
+              <a:rPr b="1" lang="en" sz="1500">
                 <a:solidFill>
                   <a:schemeClr val="lt1"/>
                 </a:solidFill>
@@ -32899,37 +32279,20 @@
                 <a:cs typeface="Helvetica Neue"/>
                 <a:sym typeface="Helvetica Neue"/>
               </a:rPr>
-              <a:t>Industry sector releases</a:t>
-            </a:r>
-          </a:p>
-        </p:txBody>
-      </p:sp>
-      <p:sp>
-        <p:nvSpPr>
-          <p:cNvPr id="605" name="Shape 605"/>
-          <p:cNvSpPr/>
-          <p:nvPr/>
-        </p:nvSpPr>
-        <p:spPr>
-          <a:xfrm>
-            <a:off x="4339745" y="955019"/>
-            <a:ext cx="1322100" cy="1129200"/>
-          </a:xfrm>
-          <a:prstGeom prst="rect">
-            <a:avLst/>
-          </a:prstGeom>
-          <a:solidFill>
-            <a:srgbClr val="6C6C6C"/>
-          </a:solidFill>
-          <a:ln>
-            <a:noFill/>
-          </a:ln>
-        </p:spPr>
-        <p:txBody>
-          <a:bodyPr anchorCtr="0" anchor="ctr" bIns="32750" lIns="32750" rIns="32750" wrap="square" tIns="32750">
-            <a:noAutofit/>
-          </a:bodyPr>
-          <a:lstStyle/>
+            </a:br>
+            <a:r>
+              <a:rPr b="1" lang="en" sz="1500">
+                <a:solidFill>
+                  <a:schemeClr val="lt1"/>
+                </a:solidFill>
+                <a:latin typeface="Helvetica Neue"/>
+                <a:ea typeface="Helvetica Neue"/>
+                <a:cs typeface="Helvetica Neue"/>
+                <a:sym typeface="Helvetica Neue"/>
+              </a:rPr>
+              <a:t> </a:t>
+            </a:r>
+          </a:p>
           <a:p>
             <a:pPr indent="-88900" lvl="0" marL="0" marR="0" rtl="0" algn="ctr">
               <a:lnSpc>
@@ -32950,7 +32313,7 @@
             <a:r>
               <a:t/>
             </a:r>
-            <a:endParaRPr b="0" i="0" sz="1400" u="none" cap="none" strike="noStrike">
+            <a:endParaRPr>
               <a:solidFill>
                 <a:srgbClr val="FFFFFF"/>
               </a:solidFill>
@@ -32964,20 +32327,20 @@
       </p:sp>
       <p:sp>
         <p:nvSpPr>
-          <p:cNvPr id="606" name="Shape 606"/>
+          <p:cNvPr id="605" name="Shape 605"/>
           <p:cNvSpPr/>
           <p:nvPr/>
         </p:nvSpPr>
         <p:spPr>
           <a:xfrm>
-            <a:off x="4344609" y="22274"/>
-            <a:ext cx="4772700" cy="917400"/>
+            <a:off x="4339745" y="955019"/>
+            <a:ext cx="1322100" cy="1129200"/>
           </a:xfrm>
           <a:prstGeom prst="rect">
             <a:avLst/>
           </a:prstGeom>
           <a:solidFill>
-            <a:srgbClr val="434343"/>
+            <a:srgbClr val="6C6C6C"/>
           </a:solidFill>
           <a:ln>
             <a:noFill/>
@@ -33022,19 +32385,21 @@
       </p:sp>
       <p:sp>
         <p:nvSpPr>
-          <p:cNvPr id="607" name="Shape 607"/>
-          <p:cNvSpPr txBox="1"/>
-          <p:nvPr/>
-        </p:nvSpPr>
-        <p:spPr>
-          <a:xfrm>
-            <a:off x="4382101" y="264675"/>
-            <a:ext cx="4697700" cy="432600"/>
-          </a:xfrm>
-          <a:prstGeom prst="rect">
-            <a:avLst/>
-          </a:prstGeom>
-          <a:noFill/>
+          <p:cNvPr id="606" name="Shape 606"/>
+          <p:cNvSpPr/>
+          <p:nvPr/>
+        </p:nvSpPr>
+        <p:spPr>
+          <a:xfrm>
+            <a:off x="4344609" y="22274"/>
+            <a:ext cx="4772700" cy="917400"/>
+          </a:xfrm>
+          <a:prstGeom prst="rect">
+            <a:avLst/>
+          </a:prstGeom>
+          <a:solidFill>
+            <a:srgbClr val="434343"/>
+          </a:solidFill>
           <a:ln>
             <a:noFill/>
           </a:ln>
@@ -33045,6 +32410,62 @@
           </a:bodyPr>
           <a:lstStyle/>
           <a:p>
+            <a:pPr indent="-88900" lvl="0" marL="0" marR="0" rtl="0" algn="ctr">
+              <a:lnSpc>
+                <a:spcPct val="100000"/>
+              </a:lnSpc>
+              <a:spcBef>
+                <a:spcPts val="0"/>
+              </a:spcBef>
+              <a:spcAft>
+                <a:spcPts val="0"/>
+              </a:spcAft>
+              <a:buClr>
+                <a:srgbClr val="FFFFFF"/>
+              </a:buClr>
+              <a:buFont typeface="Helvetica Neue"/>
+              <a:buNone/>
+            </a:pPr>
+            <a:r>
+              <a:t/>
+            </a:r>
+            <a:endParaRPr b="0" i="0" sz="1400" u="none" cap="none" strike="noStrike">
+              <a:solidFill>
+                <a:srgbClr val="FFFFFF"/>
+              </a:solidFill>
+              <a:latin typeface="Helvetica Neue"/>
+              <a:ea typeface="Helvetica Neue"/>
+              <a:cs typeface="Helvetica Neue"/>
+              <a:sym typeface="Helvetica Neue"/>
+            </a:endParaRPr>
+          </a:p>
+        </p:txBody>
+      </p:sp>
+      <p:sp>
+        <p:nvSpPr>
+          <p:cNvPr id="607" name="Shape 607"/>
+          <p:cNvSpPr txBox="1"/>
+          <p:nvPr/>
+        </p:nvSpPr>
+        <p:spPr>
+          <a:xfrm>
+            <a:off x="4382101" y="264675"/>
+            <a:ext cx="4697700" cy="432600"/>
+          </a:xfrm>
+          <a:prstGeom prst="rect">
+            <a:avLst/>
+          </a:prstGeom>
+          <a:noFill/>
+          <a:ln>
+            <a:noFill/>
+          </a:ln>
+        </p:spPr>
+        <p:txBody>
+          <a:bodyPr anchorCtr="0" anchor="ctr" bIns="32750" lIns="32750" rIns="32750" wrap="square" tIns="32750">
+            <a:noAutofit/>
+          </a:bodyPr>
+          <a:lstStyle/>
+          <a:p>
             <a:pPr indent="-196850" lvl="0" marL="0" marR="0" rtl="0" algn="ctr">
               <a:lnSpc>
                 <a:spcPct val="100000"/>
@@ -33072,7 +32493,7 @@
                 <a:cs typeface="Helvetica Neue"/>
                 <a:sym typeface="Helvetica Neue"/>
               </a:rPr>
-              <a:t>Next Steps</a:t>
+              <a:t>Standardizing Project Data: What Do We Need?</a:t>
             </a:r>
           </a:p>
         </p:txBody>
@@ -33307,7 +32728,7 @@
       </p:sp>
       <p:pic>
         <p:nvPicPr>
-          <p:cNvPr descr="Toxic-Waste.jpg" id="613" name="Shape 613"/>
+          <p:cNvPr descr="philly.jpg" id="613" name="Shape 613"/>
           <p:cNvPicPr preferRelativeResize="0"/>
           <p:nvPr/>
         </p:nvPicPr>
@@ -33320,8 +32741,8 @@
         </p:blipFill>
         <p:spPr>
           <a:xfrm>
-            <a:off x="24267" y="19442"/>
-            <a:ext cx="4273408" cy="2058823"/>
+            <a:off x="27504" y="16878"/>
+            <a:ext cx="4295180" cy="2069455"/>
           </a:xfrm>
           <a:prstGeom prst="rect">
             <a:avLst/>
@@ -33332,23 +32753,16 @@
           </a:ln>
         </p:spPr>
       </p:pic>
-      <p:pic>
-        <p:nvPicPr>
-          <p:cNvPr descr="composite_data.gif" id="614" name="Shape 614"/>
-          <p:cNvPicPr preferRelativeResize="0"/>
-          <p:nvPr/>
-        </p:nvPicPr>
-        <p:blipFill rotWithShape="1">
-          <a:blip r:embed="rId6">
-            <a:alphaModFix/>
-          </a:blip>
-          <a:srcRect b="0" l="0" r="0" t="0"/>
-          <a:stretch/>
-        </p:blipFill>
-        <p:spPr>
-          <a:xfrm>
-            <a:off x="5683120" y="2101132"/>
-            <a:ext cx="3432796" cy="2082286"/>
+      <p:sp>
+        <p:nvSpPr>
+          <p:cNvPr id="614" name="Shape 614"/>
+          <p:cNvSpPr txBox="1"/>
+          <p:nvPr/>
+        </p:nvSpPr>
+        <p:spPr>
+          <a:xfrm>
+            <a:off x="5685350" y="2101125"/>
+            <a:ext cx="1830600" cy="2083200"/>
           </a:xfrm>
           <a:prstGeom prst="rect">
             <a:avLst/>
@@ -33358,7 +32772,594 @@
             <a:noFill/>
           </a:ln>
         </p:spPr>
-      </p:pic>
+        <p:txBody>
+          <a:bodyPr anchorCtr="0" anchor="t" bIns="91425" lIns="91425" rIns="91425" wrap="square" tIns="91425">
+            <a:noAutofit/>
+          </a:bodyPr>
+          <a:lstStyle/>
+          <a:p>
+            <a:pPr lvl="0" rtl="0">
+              <a:lnSpc>
+                <a:spcPct val="115000"/>
+              </a:lnSpc>
+              <a:spcBef>
+                <a:spcPts val="0"/>
+              </a:spcBef>
+              <a:buNone/>
+            </a:pPr>
+            <a:r>
+              <a:rPr b="1" lang="en" sz="900">
+                <a:solidFill>
+                  <a:schemeClr val="lt1"/>
+                </a:solidFill>
+                <a:latin typeface="Helvetica Neue"/>
+                <a:ea typeface="Helvetica Neue"/>
+                <a:cs typeface="Helvetica Neue"/>
+                <a:sym typeface="Helvetica Neue"/>
+              </a:rPr>
+              <a:t>YEAR</a:t>
+            </a:r>
+          </a:p>
+          <a:p>
+            <a:pPr lvl="0" rtl="0">
+              <a:lnSpc>
+                <a:spcPct val="115000"/>
+              </a:lnSpc>
+              <a:spcBef>
+                <a:spcPts val="0"/>
+              </a:spcBef>
+              <a:buNone/>
+            </a:pPr>
+            <a:r>
+              <a:rPr b="1" lang="en" sz="900">
+                <a:solidFill>
+                  <a:schemeClr val="lt1"/>
+                </a:solidFill>
+                <a:latin typeface="Helvetica Neue"/>
+                <a:ea typeface="Helvetica Neue"/>
+                <a:cs typeface="Helvetica Neue"/>
+                <a:sym typeface="Helvetica Neue"/>
+              </a:rPr>
+              <a:t>FACILITY_NAME</a:t>
+            </a:r>
+          </a:p>
+          <a:p>
+            <a:pPr lvl="0" rtl="0">
+              <a:lnSpc>
+                <a:spcPct val="115000"/>
+              </a:lnSpc>
+              <a:spcBef>
+                <a:spcPts val="0"/>
+              </a:spcBef>
+              <a:buNone/>
+            </a:pPr>
+            <a:r>
+              <a:rPr b="1" lang="en" sz="900">
+                <a:solidFill>
+                  <a:schemeClr val="lt1"/>
+                </a:solidFill>
+                <a:latin typeface="Helvetica Neue"/>
+                <a:ea typeface="Helvetica Neue"/>
+                <a:cs typeface="Helvetica Neue"/>
+                <a:sym typeface="Helvetica Neue"/>
+              </a:rPr>
+              <a:t>FEDERAL_FACILITY</a:t>
+            </a:r>
+          </a:p>
+          <a:p>
+            <a:pPr lvl="0" rtl="0">
+              <a:lnSpc>
+                <a:spcPct val="115000"/>
+              </a:lnSpc>
+              <a:spcBef>
+                <a:spcPts val="0"/>
+              </a:spcBef>
+              <a:buNone/>
+            </a:pPr>
+            <a:r>
+              <a:rPr b="1" lang="en" sz="900">
+                <a:solidFill>
+                  <a:schemeClr val="lt1"/>
+                </a:solidFill>
+                <a:latin typeface="Helvetica Neue"/>
+                <a:ea typeface="Helvetica Neue"/>
+                <a:cs typeface="Helvetica Neue"/>
+                <a:sym typeface="Helvetica Neue"/>
+              </a:rPr>
+              <a:t>PARENT_COMPANY_NAME</a:t>
+            </a:r>
+          </a:p>
+          <a:p>
+            <a:pPr lvl="0" rtl="0">
+              <a:lnSpc>
+                <a:spcPct val="115000"/>
+              </a:lnSpc>
+              <a:spcBef>
+                <a:spcPts val="0"/>
+              </a:spcBef>
+              <a:buNone/>
+            </a:pPr>
+            <a:r>
+              <a:rPr b="1" lang="en" sz="900">
+                <a:solidFill>
+                  <a:schemeClr val="lt1"/>
+                </a:solidFill>
+                <a:latin typeface="Helvetica Neue"/>
+                <a:ea typeface="Helvetica Neue"/>
+                <a:cs typeface="Helvetica Neue"/>
+                <a:sym typeface="Helvetica Neue"/>
+              </a:rPr>
+              <a:t>INDUSTRY_SECTOR</a:t>
+            </a:r>
+          </a:p>
+          <a:p>
+            <a:pPr lvl="0" rtl="0">
+              <a:lnSpc>
+                <a:spcPct val="115000"/>
+              </a:lnSpc>
+              <a:spcBef>
+                <a:spcPts val="0"/>
+              </a:spcBef>
+              <a:buNone/>
+            </a:pPr>
+            <a:r>
+              <a:rPr b="1" lang="en" sz="900">
+                <a:solidFill>
+                  <a:schemeClr val="lt1"/>
+                </a:solidFill>
+                <a:latin typeface="Helvetica Neue"/>
+                <a:ea typeface="Helvetica Neue"/>
+                <a:cs typeface="Helvetica Neue"/>
+                <a:sym typeface="Helvetica Neue"/>
+              </a:rPr>
+              <a:t>ZIP</a:t>
+            </a:r>
+          </a:p>
+          <a:p>
+            <a:pPr lvl="0" rtl="0">
+              <a:lnSpc>
+                <a:spcPct val="115000"/>
+              </a:lnSpc>
+              <a:spcBef>
+                <a:spcPts val="0"/>
+              </a:spcBef>
+              <a:buNone/>
+            </a:pPr>
+            <a:r>
+              <a:rPr b="1" lang="en" sz="900">
+                <a:solidFill>
+                  <a:schemeClr val="lt1"/>
+                </a:solidFill>
+                <a:latin typeface="Helvetica Neue"/>
+                <a:ea typeface="Helvetica Neue"/>
+                <a:cs typeface="Helvetica Neue"/>
+                <a:sym typeface="Helvetica Neue"/>
+              </a:rPr>
+              <a:t>STATE</a:t>
+            </a:r>
+          </a:p>
+          <a:p>
+            <a:pPr lvl="0" rtl="0">
+              <a:lnSpc>
+                <a:spcPct val="115000"/>
+              </a:lnSpc>
+              <a:spcBef>
+                <a:spcPts val="0"/>
+              </a:spcBef>
+              <a:buNone/>
+            </a:pPr>
+            <a:r>
+              <a:rPr b="1" lang="en" sz="900">
+                <a:solidFill>
+                  <a:schemeClr val="lt1"/>
+                </a:solidFill>
+                <a:latin typeface="Helvetica Neue"/>
+                <a:ea typeface="Helvetica Neue"/>
+                <a:cs typeface="Helvetica Neue"/>
+                <a:sym typeface="Helvetica Neue"/>
+              </a:rPr>
+              <a:t>CITY</a:t>
+            </a:r>
+          </a:p>
+          <a:p>
+            <a:pPr lvl="0" rtl="0">
+              <a:lnSpc>
+                <a:spcPct val="115000"/>
+              </a:lnSpc>
+              <a:spcBef>
+                <a:spcPts val="0"/>
+              </a:spcBef>
+              <a:buNone/>
+            </a:pPr>
+            <a:r>
+              <a:rPr b="1" lang="en" sz="900">
+                <a:solidFill>
+                  <a:schemeClr val="lt1"/>
+                </a:solidFill>
+                <a:latin typeface="Helvetica Neue"/>
+                <a:ea typeface="Helvetica Neue"/>
+                <a:cs typeface="Helvetica Neue"/>
+                <a:sym typeface="Helvetica Neue"/>
+              </a:rPr>
+              <a:t>COUNTY</a:t>
+            </a:r>
+          </a:p>
+          <a:p>
+            <a:pPr lvl="0" rtl="0">
+              <a:lnSpc>
+                <a:spcPct val="115000"/>
+              </a:lnSpc>
+              <a:spcBef>
+                <a:spcPts val="0"/>
+              </a:spcBef>
+              <a:buNone/>
+            </a:pPr>
+            <a:r>
+              <a:rPr b="1" lang="en" sz="900">
+                <a:solidFill>
+                  <a:schemeClr val="lt1"/>
+                </a:solidFill>
+                <a:latin typeface="Helvetica Neue"/>
+                <a:ea typeface="Helvetica Neue"/>
+                <a:cs typeface="Helvetica Neue"/>
+                <a:sym typeface="Helvetica Neue"/>
+              </a:rPr>
+              <a:t>LATITUDE</a:t>
+            </a:r>
+          </a:p>
+          <a:p>
+            <a:pPr lvl="0" rtl="0">
+              <a:lnSpc>
+                <a:spcPct val="115000"/>
+              </a:lnSpc>
+              <a:spcBef>
+                <a:spcPts val="0"/>
+              </a:spcBef>
+              <a:buNone/>
+            </a:pPr>
+            <a:r>
+              <a:rPr b="1" lang="en" sz="900">
+                <a:solidFill>
+                  <a:schemeClr val="lt1"/>
+                </a:solidFill>
+                <a:latin typeface="Helvetica Neue"/>
+                <a:ea typeface="Helvetica Neue"/>
+                <a:cs typeface="Helvetica Neue"/>
+                <a:sym typeface="Helvetica Neue"/>
+              </a:rPr>
+              <a:t>LONGITUDE</a:t>
+            </a:r>
+          </a:p>
+          <a:p>
+            <a:pPr lvl="0" rtl="0">
+              <a:lnSpc>
+                <a:spcPct val="115000"/>
+              </a:lnSpc>
+              <a:spcBef>
+                <a:spcPts val="0"/>
+              </a:spcBef>
+              <a:buNone/>
+            </a:pPr>
+            <a:r>
+              <a:rPr b="1" lang="en" sz="900">
+                <a:solidFill>
+                  <a:schemeClr val="lt1"/>
+                </a:solidFill>
+                <a:latin typeface="Helvetica Neue"/>
+                <a:ea typeface="Helvetica Neue"/>
+                <a:cs typeface="Helvetica Neue"/>
+                <a:sym typeface="Helvetica Neue"/>
+              </a:rPr>
+              <a:t>CHEMICAL</a:t>
+            </a:r>
+          </a:p>
+          <a:p>
+            <a:pPr lvl="0" rtl="0">
+              <a:lnSpc>
+                <a:spcPct val="115000"/>
+              </a:lnSpc>
+              <a:spcBef>
+                <a:spcPts val="0"/>
+              </a:spcBef>
+              <a:buClr>
+                <a:schemeClr val="lt1"/>
+              </a:buClr>
+              <a:buFont typeface="Helvetica Neue"/>
+              <a:buNone/>
+            </a:pPr>
+            <a:r>
+              <a:t/>
+            </a:r>
+            <a:endParaRPr b="1" sz="900">
+              <a:solidFill>
+                <a:schemeClr val="lt1"/>
+              </a:solidFill>
+              <a:latin typeface="Helvetica Neue"/>
+              <a:ea typeface="Helvetica Neue"/>
+              <a:cs typeface="Helvetica Neue"/>
+              <a:sym typeface="Helvetica Neue"/>
+            </a:endParaRPr>
+          </a:p>
+        </p:txBody>
+      </p:sp>
+      <p:sp>
+        <p:nvSpPr>
+          <p:cNvPr id="615" name="Shape 615"/>
+          <p:cNvSpPr txBox="1"/>
+          <p:nvPr/>
+        </p:nvSpPr>
+        <p:spPr>
+          <a:xfrm>
+            <a:off x="7286275" y="2099425"/>
+            <a:ext cx="1830600" cy="2083200"/>
+          </a:xfrm>
+          <a:prstGeom prst="rect">
+            <a:avLst/>
+          </a:prstGeom>
+          <a:noFill/>
+          <a:ln>
+            <a:noFill/>
+          </a:ln>
+        </p:spPr>
+        <p:txBody>
+          <a:bodyPr anchorCtr="0" anchor="t" bIns="91425" lIns="91425" rIns="91425" wrap="square" tIns="91425">
+            <a:noAutofit/>
+          </a:bodyPr>
+          <a:lstStyle/>
+          <a:p>
+            <a:pPr lvl="0" rtl="0">
+              <a:lnSpc>
+                <a:spcPct val="115000"/>
+              </a:lnSpc>
+              <a:spcBef>
+                <a:spcPts val="0"/>
+              </a:spcBef>
+              <a:buClr>
+                <a:schemeClr val="dk1"/>
+              </a:buClr>
+              <a:buSzPct val="122222"/>
+              <a:buFont typeface="Arial"/>
+              <a:buNone/>
+            </a:pPr>
+            <a:r>
+              <a:rPr b="1" lang="en" sz="900">
+                <a:solidFill>
+                  <a:schemeClr val="lt1"/>
+                </a:solidFill>
+                <a:latin typeface="Helvetica Neue"/>
+                <a:ea typeface="Helvetica Neue"/>
+                <a:cs typeface="Helvetica Neue"/>
+                <a:sym typeface="Helvetica Neue"/>
+              </a:rPr>
+              <a:t>UNIT_OF_MEASURE</a:t>
+            </a:r>
+          </a:p>
+          <a:p>
+            <a:pPr lvl="0" rtl="0">
+              <a:lnSpc>
+                <a:spcPct val="115000"/>
+              </a:lnSpc>
+              <a:spcBef>
+                <a:spcPts val="0"/>
+              </a:spcBef>
+              <a:buClr>
+                <a:schemeClr val="dk1"/>
+              </a:buClr>
+              <a:buSzPct val="122222"/>
+              <a:buFont typeface="Arial"/>
+              <a:buNone/>
+            </a:pPr>
+            <a:r>
+              <a:rPr b="1" lang="en" sz="900">
+                <a:solidFill>
+                  <a:schemeClr val="lt1"/>
+                </a:solidFill>
+                <a:latin typeface="Helvetica Neue"/>
+                <a:ea typeface="Helvetica Neue"/>
+                <a:cs typeface="Helvetica Neue"/>
+                <a:sym typeface="Helvetica Neue"/>
+              </a:rPr>
+              <a:t>CARCINOGEN</a:t>
+            </a:r>
+          </a:p>
+          <a:p>
+            <a:pPr lvl="0" rtl="0">
+              <a:lnSpc>
+                <a:spcPct val="115000"/>
+              </a:lnSpc>
+              <a:spcBef>
+                <a:spcPts val="0"/>
+              </a:spcBef>
+              <a:buClr>
+                <a:schemeClr val="dk1"/>
+              </a:buClr>
+              <a:buSzPct val="122222"/>
+              <a:buFont typeface="Arial"/>
+              <a:buNone/>
+            </a:pPr>
+            <a:r>
+              <a:rPr b="1" lang="en" sz="900">
+                <a:solidFill>
+                  <a:schemeClr val="lt1"/>
+                </a:solidFill>
+                <a:latin typeface="Helvetica Neue"/>
+                <a:ea typeface="Helvetica Neue"/>
+                <a:cs typeface="Helvetica Neue"/>
+                <a:sym typeface="Helvetica Neue"/>
+              </a:rPr>
+              <a:t>CAA_CHEMICAL</a:t>
+            </a:r>
+          </a:p>
+          <a:p>
+            <a:pPr lvl="0" rtl="0">
+              <a:lnSpc>
+                <a:spcPct val="115000"/>
+              </a:lnSpc>
+              <a:spcBef>
+                <a:spcPts val="0"/>
+              </a:spcBef>
+              <a:buClr>
+                <a:schemeClr val="dk1"/>
+              </a:buClr>
+              <a:buSzPct val="122222"/>
+              <a:buFont typeface="Arial"/>
+              <a:buNone/>
+            </a:pPr>
+            <a:r>
+              <a:rPr b="1" lang="en" sz="900">
+                <a:solidFill>
+                  <a:schemeClr val="lt1"/>
+                </a:solidFill>
+                <a:latin typeface="Helvetica Neue"/>
+                <a:ea typeface="Helvetica Neue"/>
+                <a:cs typeface="Helvetica Neue"/>
+                <a:sym typeface="Helvetica Neue"/>
+              </a:rPr>
+              <a:t>TOTAL_RELEASES</a:t>
+            </a:r>
+          </a:p>
+          <a:p>
+            <a:pPr lvl="0" rtl="0">
+              <a:lnSpc>
+                <a:spcPct val="115000"/>
+              </a:lnSpc>
+              <a:spcBef>
+                <a:spcPts val="0"/>
+              </a:spcBef>
+              <a:buClr>
+                <a:schemeClr val="dk1"/>
+              </a:buClr>
+              <a:buSzPct val="122222"/>
+              <a:buFont typeface="Arial"/>
+              <a:buNone/>
+            </a:pPr>
+            <a:r>
+              <a:rPr b="1" lang="en" sz="900">
+                <a:solidFill>
+                  <a:schemeClr val="lt1"/>
+                </a:solidFill>
+                <a:latin typeface="Helvetica Neue"/>
+                <a:ea typeface="Helvetica Neue"/>
+                <a:cs typeface="Helvetica Neue"/>
+                <a:sym typeface="Helvetica Neue"/>
+              </a:rPr>
+              <a:t>ON_SITE_RELEASE_TOTAL</a:t>
+            </a:r>
+          </a:p>
+          <a:p>
+            <a:pPr lvl="0" rtl="0">
+              <a:lnSpc>
+                <a:spcPct val="115000"/>
+              </a:lnSpc>
+              <a:spcBef>
+                <a:spcPts val="0"/>
+              </a:spcBef>
+              <a:buClr>
+                <a:schemeClr val="dk1"/>
+              </a:buClr>
+              <a:buSzPct val="122222"/>
+              <a:buFont typeface="Arial"/>
+              <a:buNone/>
+            </a:pPr>
+            <a:r>
+              <a:rPr b="1" lang="en" sz="900">
+                <a:solidFill>
+                  <a:schemeClr val="lt1"/>
+                </a:solidFill>
+                <a:latin typeface="Helvetica Neue"/>
+                <a:ea typeface="Helvetica Neue"/>
+                <a:cs typeface="Helvetica Neue"/>
+                <a:sym typeface="Helvetica Neue"/>
+              </a:rPr>
+              <a:t>OFF_SITE_RELEASE_TOTAL</a:t>
+            </a:r>
+          </a:p>
+          <a:p>
+            <a:pPr lvl="0" rtl="0">
+              <a:lnSpc>
+                <a:spcPct val="115000"/>
+              </a:lnSpc>
+              <a:spcBef>
+                <a:spcPts val="0"/>
+              </a:spcBef>
+              <a:buClr>
+                <a:schemeClr val="dk1"/>
+              </a:buClr>
+              <a:buSzPct val="122222"/>
+              <a:buFont typeface="Arial"/>
+              <a:buNone/>
+            </a:pPr>
+            <a:r>
+              <a:rPr b="1" lang="en" sz="900">
+                <a:solidFill>
+                  <a:schemeClr val="lt1"/>
+                </a:solidFill>
+                <a:latin typeface="Helvetica Neue"/>
+                <a:ea typeface="Helvetica Neue"/>
+                <a:cs typeface="Helvetica Neue"/>
+                <a:sym typeface="Helvetica Neue"/>
+              </a:rPr>
+              <a:t>ON_SITE_RECYCLED_TOTAL</a:t>
+            </a:r>
+          </a:p>
+          <a:p>
+            <a:pPr lvl="0" rtl="0">
+              <a:lnSpc>
+                <a:spcPct val="115000"/>
+              </a:lnSpc>
+              <a:spcBef>
+                <a:spcPts val="0"/>
+              </a:spcBef>
+              <a:buClr>
+                <a:schemeClr val="dk1"/>
+              </a:buClr>
+              <a:buSzPct val="122222"/>
+              <a:buFont typeface="Arial"/>
+              <a:buNone/>
+            </a:pPr>
+            <a:r>
+              <a:rPr b="1" lang="en" sz="900">
+                <a:solidFill>
+                  <a:schemeClr val="lt1"/>
+                </a:solidFill>
+                <a:latin typeface="Helvetica Neue"/>
+                <a:ea typeface="Helvetica Neue"/>
+                <a:cs typeface="Helvetica Neue"/>
+                <a:sym typeface="Helvetica Neue"/>
+              </a:rPr>
+              <a:t>OFF_SITE_RECYCLED TOTAL</a:t>
+            </a:r>
+          </a:p>
+          <a:p>
+            <a:pPr lvl="0" rtl="0">
+              <a:lnSpc>
+                <a:spcPct val="115000"/>
+              </a:lnSpc>
+              <a:spcBef>
+                <a:spcPts val="0"/>
+              </a:spcBef>
+              <a:buClr>
+                <a:schemeClr val="dk1"/>
+              </a:buClr>
+              <a:buSzPct val="122222"/>
+              <a:buFont typeface="Arial"/>
+              <a:buNone/>
+            </a:pPr>
+            <a:r>
+              <a:rPr b="1" lang="en" sz="900">
+                <a:solidFill>
+                  <a:schemeClr val="lt1"/>
+                </a:solidFill>
+                <a:latin typeface="Helvetica Neue"/>
+                <a:ea typeface="Helvetica Neue"/>
+                <a:cs typeface="Helvetica Neue"/>
+                <a:sym typeface="Helvetica Neue"/>
+              </a:rPr>
+              <a:t>ONE_TIME_RELEASES</a:t>
+            </a:r>
+          </a:p>
+        </p:txBody>
+      </p:sp>
     </p:spTree>
   </p:cSld>
   <p:clrMapOvr>
@@ -33379,7 +33380,2481 @@
     </p:bg>
     <p:spTree>
       <p:nvGrpSpPr>
-        <p:cNvPr id="618" name="Shape 618"/>
+        <p:cNvPr id="619" name="Shape 619"/>
+        <p:cNvGrpSpPr/>
+        <p:nvPr/>
+      </p:nvGrpSpPr>
+      <p:grpSpPr>
+        <a:xfrm>
+          <a:off x="0" y="0"/>
+          <a:ext cx="0" cy="0"/>
+          <a:chOff x="0" y="0"/>
+          <a:chExt cx="0" cy="0"/>
+        </a:xfrm>
+      </p:grpSpPr>
+      <p:sp>
+        <p:nvSpPr>
+          <p:cNvPr id="620" name="Shape 620"/>
+          <p:cNvSpPr/>
+          <p:nvPr/>
+        </p:nvSpPr>
+        <p:spPr>
+          <a:xfrm>
+            <a:off x="27504" y="22274"/>
+            <a:ext cx="4286400" cy="2065500"/>
+          </a:xfrm>
+          <a:prstGeom prst="rect">
+            <a:avLst/>
+          </a:prstGeom>
+          <a:solidFill>
+            <a:srgbClr val="434343"/>
+          </a:solidFill>
+          <a:ln>
+            <a:noFill/>
+          </a:ln>
+        </p:spPr>
+        <p:txBody>
+          <a:bodyPr anchorCtr="0" anchor="ctr" bIns="32750" lIns="32750" rIns="32750" wrap="square" tIns="32750">
+            <a:noAutofit/>
+          </a:bodyPr>
+          <a:lstStyle/>
+          <a:p>
+            <a:pPr indent="-88900" lvl="0" marL="0" marR="0" rtl="0" algn="ctr">
+              <a:lnSpc>
+                <a:spcPct val="100000"/>
+              </a:lnSpc>
+              <a:spcBef>
+                <a:spcPts val="0"/>
+              </a:spcBef>
+              <a:spcAft>
+                <a:spcPts val="0"/>
+              </a:spcAft>
+              <a:buClr>
+                <a:srgbClr val="FFFFFF"/>
+              </a:buClr>
+              <a:buFont typeface="Helvetica Neue"/>
+              <a:buNone/>
+            </a:pPr>
+            <a:r>
+              <a:t/>
+            </a:r>
+            <a:endParaRPr b="0" i="0" sz="1400" u="none" cap="none" strike="noStrike">
+              <a:solidFill>
+                <a:srgbClr val="FFFFFF"/>
+              </a:solidFill>
+              <a:latin typeface="Helvetica Neue"/>
+              <a:ea typeface="Helvetica Neue"/>
+              <a:cs typeface="Helvetica Neue"/>
+              <a:sym typeface="Helvetica Neue"/>
+            </a:endParaRPr>
+          </a:p>
+        </p:txBody>
+      </p:sp>
+      <p:sp>
+        <p:nvSpPr>
+          <p:cNvPr id="621" name="Shape 621"/>
+          <p:cNvSpPr/>
+          <p:nvPr/>
+        </p:nvSpPr>
+        <p:spPr>
+          <a:xfrm>
+            <a:off x="28580" y="5089464"/>
+            <a:ext cx="5634600" cy="33000"/>
+          </a:xfrm>
+          <a:prstGeom prst="rect">
+            <a:avLst/>
+          </a:prstGeom>
+          <a:solidFill>
+            <a:srgbClr val="434343"/>
+          </a:solidFill>
+          <a:ln>
+            <a:noFill/>
+          </a:ln>
+        </p:spPr>
+        <p:txBody>
+          <a:bodyPr anchorCtr="0" anchor="ctr" bIns="32750" lIns="32750" rIns="32750" wrap="square" tIns="32750">
+            <a:noAutofit/>
+          </a:bodyPr>
+          <a:lstStyle/>
+          <a:p>
+            <a:pPr indent="-88900" lvl="0" marL="0" marR="0" rtl="0" algn="ctr">
+              <a:lnSpc>
+                <a:spcPct val="100000"/>
+              </a:lnSpc>
+              <a:spcBef>
+                <a:spcPts val="0"/>
+              </a:spcBef>
+              <a:spcAft>
+                <a:spcPts val="0"/>
+              </a:spcAft>
+              <a:buClr>
+                <a:srgbClr val="FFFFFF"/>
+              </a:buClr>
+              <a:buFont typeface="Helvetica Neue"/>
+              <a:buNone/>
+            </a:pPr>
+            <a:r>
+              <a:t/>
+            </a:r>
+            <a:endParaRPr b="0" i="0" sz="1400" u="none" cap="none" strike="noStrike">
+              <a:solidFill>
+                <a:srgbClr val="FFFFFF"/>
+              </a:solidFill>
+              <a:latin typeface="Helvetica Neue"/>
+              <a:ea typeface="Helvetica Neue"/>
+              <a:cs typeface="Helvetica Neue"/>
+              <a:sym typeface="Helvetica Neue"/>
+            </a:endParaRPr>
+          </a:p>
+        </p:txBody>
+      </p:sp>
+      <p:sp>
+        <p:nvSpPr>
+          <p:cNvPr id="622" name="Shape 622"/>
+          <p:cNvSpPr/>
+          <p:nvPr/>
+        </p:nvSpPr>
+        <p:spPr>
+          <a:xfrm>
+            <a:off x="31954" y="2099458"/>
+            <a:ext cx="5628900" cy="2974800"/>
+          </a:xfrm>
+          <a:prstGeom prst="rect">
+            <a:avLst/>
+          </a:prstGeom>
+          <a:solidFill>
+            <a:srgbClr val="000000"/>
+          </a:solidFill>
+          <a:ln>
+            <a:noFill/>
+          </a:ln>
+        </p:spPr>
+        <p:txBody>
+          <a:bodyPr anchorCtr="0" anchor="ctr" bIns="32750" lIns="32750" rIns="32750" wrap="square" tIns="32750">
+            <a:noAutofit/>
+          </a:bodyPr>
+          <a:lstStyle/>
+          <a:p>
+            <a:pPr indent="-190500" lvl="0" marL="215900" rtl="0">
+              <a:spcBef>
+                <a:spcPts val="0"/>
+              </a:spcBef>
+              <a:buClr>
+                <a:schemeClr val="lt1"/>
+              </a:buClr>
+              <a:buSzPct val="100000"/>
+              <a:buFont typeface="Helvetica Neue"/>
+              <a:buChar char="•"/>
+            </a:pPr>
+            <a:r>
+              <a:rPr b="1" lang="en" sz="1800">
+                <a:solidFill>
+                  <a:schemeClr val="lt1"/>
+                </a:solidFill>
+                <a:latin typeface="Helvetica Neue"/>
+                <a:ea typeface="Helvetica Neue"/>
+                <a:cs typeface="Helvetica Neue"/>
+                <a:sym typeface="Helvetica Neue"/>
+              </a:rPr>
+              <a:t>Created Python script to process US and State CSV files</a:t>
+            </a:r>
+          </a:p>
+          <a:p>
+            <a:pPr indent="-342900" lvl="1" marL="914400" rtl="0">
+              <a:spcBef>
+                <a:spcPts val="0"/>
+              </a:spcBef>
+              <a:buClr>
+                <a:schemeClr val="lt1"/>
+              </a:buClr>
+              <a:buSzPct val="100000"/>
+              <a:buFont typeface="Helvetica Neue"/>
+            </a:pPr>
+            <a:r>
+              <a:rPr b="1" lang="en" sz="1800">
+                <a:solidFill>
+                  <a:schemeClr val="lt1"/>
+                </a:solidFill>
+                <a:latin typeface="Helvetica Neue"/>
+                <a:ea typeface="Helvetica Neue"/>
+                <a:cs typeface="Helvetica Neue"/>
+                <a:sym typeface="Helvetica Neue"/>
+              </a:rPr>
+              <a:t>Trims unwanted attributes</a:t>
+            </a:r>
+          </a:p>
+          <a:p>
+            <a:pPr indent="-342900" lvl="1" marL="914400" rtl="0">
+              <a:spcBef>
+                <a:spcPts val="0"/>
+              </a:spcBef>
+              <a:buClr>
+                <a:schemeClr val="lt1"/>
+              </a:buClr>
+              <a:buSzPct val="100000"/>
+              <a:buFont typeface="Helvetica Neue"/>
+            </a:pPr>
+            <a:r>
+              <a:rPr b="1" lang="en" sz="1800">
+                <a:solidFill>
+                  <a:schemeClr val="lt1"/>
+                </a:solidFill>
+                <a:latin typeface="Helvetica Neue"/>
+                <a:ea typeface="Helvetica Neue"/>
+                <a:cs typeface="Helvetica Neue"/>
+                <a:sym typeface="Helvetica Neue"/>
+              </a:rPr>
+              <a:t>Renames columns for standard access</a:t>
+            </a:r>
+          </a:p>
+          <a:p>
+            <a:pPr indent="-342900" lvl="1" marL="914400" rtl="0">
+              <a:spcBef>
+                <a:spcPts val="0"/>
+              </a:spcBef>
+              <a:buClr>
+                <a:schemeClr val="lt1"/>
+              </a:buClr>
+              <a:buSzPct val="100000"/>
+              <a:buFont typeface="Helvetica Neue"/>
+            </a:pPr>
+            <a:r>
+              <a:rPr b="1" lang="en" sz="1800">
+                <a:solidFill>
+                  <a:schemeClr val="lt1"/>
+                </a:solidFill>
+                <a:latin typeface="Helvetica Neue"/>
+                <a:ea typeface="Helvetica Neue"/>
+                <a:cs typeface="Helvetica Neue"/>
+                <a:sym typeface="Helvetica Neue"/>
+              </a:rPr>
+              <a:t>Handles NaN values in numerical columns</a:t>
+            </a:r>
+          </a:p>
+          <a:p>
+            <a:pPr indent="-342900" lvl="1" marL="914400" rtl="0">
+              <a:spcBef>
+                <a:spcPts val="0"/>
+              </a:spcBef>
+              <a:buClr>
+                <a:schemeClr val="lt1"/>
+              </a:buClr>
+              <a:buSzPct val="100000"/>
+              <a:buFont typeface="Helvetica Neue"/>
+            </a:pPr>
+            <a:r>
+              <a:rPr b="1" lang="en" sz="1800">
+                <a:solidFill>
+                  <a:schemeClr val="lt1"/>
+                </a:solidFill>
+                <a:latin typeface="Helvetica Neue"/>
+                <a:ea typeface="Helvetica Neue"/>
+                <a:cs typeface="Helvetica Neue"/>
+                <a:sym typeface="Helvetica Neue"/>
+              </a:rPr>
+              <a:t>Reduces CSV size by ~75%</a:t>
+            </a:r>
+          </a:p>
+          <a:p>
+            <a:pPr lvl="0" rtl="0">
+              <a:spcBef>
+                <a:spcPts val="0"/>
+              </a:spcBef>
+              <a:buNone/>
+            </a:pPr>
+            <a:r>
+              <a:t/>
+            </a:r>
+            <a:endParaRPr b="1" sz="1800">
+              <a:solidFill>
+                <a:schemeClr val="lt1"/>
+              </a:solidFill>
+              <a:latin typeface="Helvetica Neue"/>
+              <a:ea typeface="Helvetica Neue"/>
+              <a:cs typeface="Helvetica Neue"/>
+              <a:sym typeface="Helvetica Neue"/>
+            </a:endParaRPr>
+          </a:p>
+          <a:p>
+            <a:pPr indent="-190500" lvl="0" marL="215900" rtl="0">
+              <a:spcBef>
+                <a:spcPts val="0"/>
+              </a:spcBef>
+              <a:buClr>
+                <a:schemeClr val="lt1"/>
+              </a:buClr>
+              <a:buSzPct val="100000"/>
+              <a:buFont typeface="Helvetica Neue"/>
+              <a:buChar char="•"/>
+            </a:pPr>
+            <a:r>
+              <a:rPr b="1" lang="en" sz="1800">
+                <a:solidFill>
+                  <a:schemeClr val="lt1"/>
+                </a:solidFill>
+                <a:latin typeface="Helvetica Neue"/>
+                <a:ea typeface="Helvetica Neue"/>
+                <a:cs typeface="Helvetica Neue"/>
+                <a:sym typeface="Helvetica Neue"/>
+              </a:rPr>
+              <a:t>Run script on downloaded CSV files to pre-clean for use in ipynb</a:t>
+            </a:r>
+            <a:br>
+              <a:rPr b="1" lang="en" sz="1800">
+                <a:solidFill>
+                  <a:schemeClr val="lt1"/>
+                </a:solidFill>
+                <a:latin typeface="Helvetica Neue"/>
+                <a:ea typeface="Helvetica Neue"/>
+                <a:cs typeface="Helvetica Neue"/>
+                <a:sym typeface="Helvetica Neue"/>
+              </a:rPr>
+            </a:br>
+            <a:r>
+              <a:rPr b="1" lang="en" sz="1800">
+                <a:solidFill>
+                  <a:schemeClr val="lt1"/>
+                </a:solidFill>
+                <a:latin typeface="Helvetica Neue"/>
+                <a:ea typeface="Helvetica Neue"/>
+                <a:cs typeface="Helvetica Neue"/>
+                <a:sym typeface="Helvetica Neue"/>
+              </a:rPr>
+              <a:t> </a:t>
+            </a:r>
+          </a:p>
+        </p:txBody>
+      </p:sp>
+      <p:sp>
+        <p:nvSpPr>
+          <p:cNvPr id="623" name="Shape 623"/>
+          <p:cNvSpPr/>
+          <p:nvPr/>
+        </p:nvSpPr>
+        <p:spPr>
+          <a:xfrm>
+            <a:off x="4339745" y="955019"/>
+            <a:ext cx="1322100" cy="1129200"/>
+          </a:xfrm>
+          <a:prstGeom prst="rect">
+            <a:avLst/>
+          </a:prstGeom>
+          <a:solidFill>
+            <a:srgbClr val="6C6C6C"/>
+          </a:solidFill>
+          <a:ln>
+            <a:noFill/>
+          </a:ln>
+        </p:spPr>
+        <p:txBody>
+          <a:bodyPr anchorCtr="0" anchor="ctr" bIns="32750" lIns="32750" rIns="32750" wrap="square" tIns="32750">
+            <a:noAutofit/>
+          </a:bodyPr>
+          <a:lstStyle/>
+          <a:p>
+            <a:pPr indent="-88900" lvl="0" marL="0" marR="0" rtl="0" algn="ctr">
+              <a:lnSpc>
+                <a:spcPct val="100000"/>
+              </a:lnSpc>
+              <a:spcBef>
+                <a:spcPts val="0"/>
+              </a:spcBef>
+              <a:spcAft>
+                <a:spcPts val="0"/>
+              </a:spcAft>
+              <a:buClr>
+                <a:srgbClr val="FFFFFF"/>
+              </a:buClr>
+              <a:buFont typeface="Helvetica Neue"/>
+              <a:buNone/>
+            </a:pPr>
+            <a:r>
+              <a:t/>
+            </a:r>
+            <a:endParaRPr b="0" i="0" sz="1400" u="none" cap="none" strike="noStrike">
+              <a:solidFill>
+                <a:srgbClr val="FFFFFF"/>
+              </a:solidFill>
+              <a:latin typeface="Helvetica Neue"/>
+              <a:ea typeface="Helvetica Neue"/>
+              <a:cs typeface="Helvetica Neue"/>
+              <a:sym typeface="Helvetica Neue"/>
+            </a:endParaRPr>
+          </a:p>
+        </p:txBody>
+      </p:sp>
+      <p:sp>
+        <p:nvSpPr>
+          <p:cNvPr id="624" name="Shape 624"/>
+          <p:cNvSpPr/>
+          <p:nvPr/>
+        </p:nvSpPr>
+        <p:spPr>
+          <a:xfrm>
+            <a:off x="4344609" y="22274"/>
+            <a:ext cx="4772700" cy="917400"/>
+          </a:xfrm>
+          <a:prstGeom prst="rect">
+            <a:avLst/>
+          </a:prstGeom>
+          <a:solidFill>
+            <a:srgbClr val="434343"/>
+          </a:solidFill>
+          <a:ln>
+            <a:noFill/>
+          </a:ln>
+        </p:spPr>
+        <p:txBody>
+          <a:bodyPr anchorCtr="0" anchor="ctr" bIns="32750" lIns="32750" rIns="32750" wrap="square" tIns="32750">
+            <a:noAutofit/>
+          </a:bodyPr>
+          <a:lstStyle/>
+          <a:p>
+            <a:pPr indent="-88900" lvl="0" marL="0" marR="0" rtl="0" algn="ctr">
+              <a:lnSpc>
+                <a:spcPct val="100000"/>
+              </a:lnSpc>
+              <a:spcBef>
+                <a:spcPts val="0"/>
+              </a:spcBef>
+              <a:spcAft>
+                <a:spcPts val="0"/>
+              </a:spcAft>
+              <a:buClr>
+                <a:srgbClr val="FFFFFF"/>
+              </a:buClr>
+              <a:buFont typeface="Helvetica Neue"/>
+              <a:buNone/>
+            </a:pPr>
+            <a:r>
+              <a:t/>
+            </a:r>
+            <a:endParaRPr b="0" i="0" sz="1400" u="none" cap="none" strike="noStrike">
+              <a:solidFill>
+                <a:srgbClr val="FFFFFF"/>
+              </a:solidFill>
+              <a:latin typeface="Helvetica Neue"/>
+              <a:ea typeface="Helvetica Neue"/>
+              <a:cs typeface="Helvetica Neue"/>
+              <a:sym typeface="Helvetica Neue"/>
+            </a:endParaRPr>
+          </a:p>
+        </p:txBody>
+      </p:sp>
+      <p:sp>
+        <p:nvSpPr>
+          <p:cNvPr id="625" name="Shape 625"/>
+          <p:cNvSpPr txBox="1"/>
+          <p:nvPr/>
+        </p:nvSpPr>
+        <p:spPr>
+          <a:xfrm>
+            <a:off x="4382101" y="264675"/>
+            <a:ext cx="4697700" cy="432600"/>
+          </a:xfrm>
+          <a:prstGeom prst="rect">
+            <a:avLst/>
+          </a:prstGeom>
+          <a:noFill/>
+          <a:ln>
+            <a:noFill/>
+          </a:ln>
+        </p:spPr>
+        <p:txBody>
+          <a:bodyPr anchorCtr="0" anchor="ctr" bIns="32750" lIns="32750" rIns="32750" wrap="square" tIns="32750">
+            <a:noAutofit/>
+          </a:bodyPr>
+          <a:lstStyle/>
+          <a:p>
+            <a:pPr indent="-196850" lvl="0" marL="0" marR="0" rtl="0" algn="ctr">
+              <a:lnSpc>
+                <a:spcPct val="100000"/>
+              </a:lnSpc>
+              <a:spcBef>
+                <a:spcPts val="0"/>
+              </a:spcBef>
+              <a:spcAft>
+                <a:spcPts val="0"/>
+              </a:spcAft>
+              <a:buClr>
+                <a:srgbClr val="FFFFFF"/>
+              </a:buClr>
+              <a:buSzPct val="114814"/>
+              <a:buFont typeface="Helvetica Neue"/>
+              <a:buNone/>
+            </a:pPr>
+            <a:r>
+              <a:rPr b="1" lang="en" sz="2700">
+                <a:solidFill>
+                  <a:srgbClr val="FFFFFF"/>
+                </a:solidFill>
+                <a:latin typeface="Helvetica Neue"/>
+                <a:ea typeface="Helvetica Neue"/>
+                <a:cs typeface="Helvetica Neue"/>
+                <a:sym typeface="Helvetica Neue"/>
+              </a:rPr>
+              <a:t>Standardizing Project Data: Cleaning CSV Files</a:t>
+            </a:r>
+          </a:p>
+        </p:txBody>
+      </p:sp>
+      <p:sp>
+        <p:nvSpPr>
+          <p:cNvPr id="626" name="Shape 626"/>
+          <p:cNvSpPr/>
+          <p:nvPr/>
+        </p:nvSpPr>
+        <p:spPr>
+          <a:xfrm>
+            <a:off x="5682332" y="2101132"/>
+            <a:ext cx="3434400" cy="2083200"/>
+          </a:xfrm>
+          <a:prstGeom prst="rect">
+            <a:avLst/>
+          </a:prstGeom>
+          <a:solidFill>
+            <a:srgbClr val="434343"/>
+          </a:solidFill>
+          <a:ln>
+            <a:noFill/>
+          </a:ln>
+        </p:spPr>
+        <p:txBody>
+          <a:bodyPr anchorCtr="0" anchor="ctr" bIns="32750" lIns="32750" rIns="32750" wrap="square" tIns="32750">
+            <a:noAutofit/>
+          </a:bodyPr>
+          <a:lstStyle/>
+          <a:p>
+            <a:pPr indent="-88900" lvl="0" marL="0" marR="0" rtl="0" algn="ctr">
+              <a:lnSpc>
+                <a:spcPct val="100000"/>
+              </a:lnSpc>
+              <a:spcBef>
+                <a:spcPts val="0"/>
+              </a:spcBef>
+              <a:spcAft>
+                <a:spcPts val="0"/>
+              </a:spcAft>
+              <a:buClr>
+                <a:srgbClr val="FFFFFF"/>
+              </a:buClr>
+              <a:buFont typeface="Helvetica Neue"/>
+              <a:buNone/>
+            </a:pPr>
+            <a:r>
+              <a:t/>
+            </a:r>
+            <a:endParaRPr b="0" i="0" sz="1400" u="none" cap="none" strike="noStrike">
+              <a:solidFill>
+                <a:srgbClr val="FFFFFF"/>
+              </a:solidFill>
+              <a:latin typeface="Helvetica Neue"/>
+              <a:ea typeface="Helvetica Neue"/>
+              <a:cs typeface="Helvetica Neue"/>
+              <a:sym typeface="Helvetica Neue"/>
+            </a:endParaRPr>
+          </a:p>
+        </p:txBody>
+      </p:sp>
+      <p:sp>
+        <p:nvSpPr>
+          <p:cNvPr id="627" name="Shape 627"/>
+          <p:cNvSpPr/>
+          <p:nvPr/>
+        </p:nvSpPr>
+        <p:spPr>
+          <a:xfrm>
+            <a:off x="5685350" y="957050"/>
+            <a:ext cx="2451300" cy="1125000"/>
+          </a:xfrm>
+          <a:prstGeom prst="rect">
+            <a:avLst/>
+          </a:prstGeom>
+          <a:solidFill>
+            <a:srgbClr val="6C6C6C"/>
+          </a:solidFill>
+          <a:ln>
+            <a:noFill/>
+          </a:ln>
+        </p:spPr>
+        <p:txBody>
+          <a:bodyPr anchorCtr="0" anchor="ctr" bIns="32750" lIns="32750" rIns="32750" wrap="square" tIns="32750">
+            <a:noAutofit/>
+          </a:bodyPr>
+          <a:lstStyle/>
+          <a:p>
+            <a:pPr indent="-88900" lvl="0" marL="0" marR="0" rtl="0" algn="ctr">
+              <a:lnSpc>
+                <a:spcPct val="100000"/>
+              </a:lnSpc>
+              <a:spcBef>
+                <a:spcPts val="0"/>
+              </a:spcBef>
+              <a:spcAft>
+                <a:spcPts val="0"/>
+              </a:spcAft>
+              <a:buClr>
+                <a:srgbClr val="FFFFFF"/>
+              </a:buClr>
+              <a:buFont typeface="Helvetica Neue"/>
+              <a:buNone/>
+            </a:pPr>
+            <a:r>
+              <a:t/>
+            </a:r>
+            <a:endParaRPr b="0" i="0" sz="1400" u="none" cap="none" strike="noStrike">
+              <a:solidFill>
+                <a:srgbClr val="FFFFFF"/>
+              </a:solidFill>
+              <a:latin typeface="Helvetica Neue"/>
+              <a:ea typeface="Helvetica Neue"/>
+              <a:cs typeface="Helvetica Neue"/>
+              <a:sym typeface="Helvetica Neue"/>
+            </a:endParaRPr>
+          </a:p>
+        </p:txBody>
+      </p:sp>
+      <p:pic>
+        <p:nvPicPr>
+          <p:cNvPr descr="2eastmainbfr.jpg" id="628" name="Shape 628"/>
+          <p:cNvPicPr preferRelativeResize="0"/>
+          <p:nvPr/>
+        </p:nvPicPr>
+        <p:blipFill rotWithShape="1">
+          <a:blip r:embed="rId3">
+            <a:alphaModFix/>
+          </a:blip>
+          <a:srcRect b="0" l="0" r="0" t="0"/>
+          <a:stretch/>
+        </p:blipFill>
+        <p:spPr>
+          <a:xfrm>
+            <a:off x="8174459" y="957284"/>
+            <a:ext cx="944244" cy="1124691"/>
+          </a:xfrm>
+          <a:prstGeom prst="rect">
+            <a:avLst/>
+          </a:prstGeom>
+          <a:noFill/>
+          <a:ln>
+            <a:noFill/>
+          </a:ln>
+        </p:spPr>
+      </p:pic>
+      <p:pic>
+        <p:nvPicPr>
+          <p:cNvPr descr="natural-wetland-2.jpg" id="629" name="Shape 629"/>
+          <p:cNvPicPr preferRelativeResize="0"/>
+          <p:nvPr/>
+        </p:nvPicPr>
+        <p:blipFill rotWithShape="1">
+          <a:blip r:embed="rId4">
+            <a:alphaModFix/>
+          </a:blip>
+          <a:srcRect b="0" l="0" r="0" t="0"/>
+          <a:stretch/>
+        </p:blipFill>
+        <p:spPr>
+          <a:xfrm>
+            <a:off x="7569975" y="4203150"/>
+            <a:ext cx="1564600" cy="916575"/>
+          </a:xfrm>
+          <a:prstGeom prst="rect">
+            <a:avLst/>
+          </a:prstGeom>
+          <a:noFill/>
+          <a:ln>
+            <a:noFill/>
+          </a:ln>
+        </p:spPr>
+      </p:pic>
+      <p:sp>
+        <p:nvSpPr>
+          <p:cNvPr id="630" name="Shape 630"/>
+          <p:cNvSpPr/>
+          <p:nvPr/>
+        </p:nvSpPr>
+        <p:spPr>
+          <a:xfrm>
+            <a:off x="5683150" y="4203175"/>
+            <a:ext cx="1866900" cy="917400"/>
+          </a:xfrm>
+          <a:prstGeom prst="rect">
+            <a:avLst/>
+          </a:prstGeom>
+          <a:solidFill>
+            <a:srgbClr val="6C6C6C"/>
+          </a:solidFill>
+          <a:ln>
+            <a:noFill/>
+          </a:ln>
+        </p:spPr>
+        <p:txBody>
+          <a:bodyPr anchorCtr="0" anchor="ctr" bIns="32750" lIns="32750" rIns="32750" wrap="square" tIns="32750">
+            <a:noAutofit/>
+          </a:bodyPr>
+          <a:lstStyle/>
+          <a:p>
+            <a:pPr indent="-88900" lvl="0" marL="0" marR="0" rtl="0" algn="ctr">
+              <a:lnSpc>
+                <a:spcPct val="100000"/>
+              </a:lnSpc>
+              <a:spcBef>
+                <a:spcPts val="0"/>
+              </a:spcBef>
+              <a:spcAft>
+                <a:spcPts val="0"/>
+              </a:spcAft>
+              <a:buClr>
+                <a:srgbClr val="FFFFFF"/>
+              </a:buClr>
+              <a:buFont typeface="Helvetica Neue"/>
+              <a:buNone/>
+            </a:pPr>
+            <a:r>
+              <a:t/>
+            </a:r>
+            <a:endParaRPr b="0" i="0" sz="1400" u="none" cap="none" strike="noStrike">
+              <a:solidFill>
+                <a:srgbClr val="FFFFFF"/>
+              </a:solidFill>
+              <a:latin typeface="Helvetica Neue"/>
+              <a:ea typeface="Helvetica Neue"/>
+              <a:cs typeface="Helvetica Neue"/>
+              <a:sym typeface="Helvetica Neue"/>
+            </a:endParaRPr>
+          </a:p>
+        </p:txBody>
+      </p:sp>
+      <p:pic>
+        <p:nvPicPr>
+          <p:cNvPr descr="Screen Shot 2017-10-28 at 3.13.37 PM.png" id="631" name="Shape 631"/>
+          <p:cNvPicPr preferRelativeResize="0"/>
+          <p:nvPr/>
+        </p:nvPicPr>
+        <p:blipFill>
+          <a:blip r:embed="rId5">
+            <a:alphaModFix/>
+          </a:blip>
+          <a:stretch>
+            <a:fillRect/>
+          </a:stretch>
+        </p:blipFill>
+        <p:spPr>
+          <a:xfrm>
+            <a:off x="5684300" y="2107201"/>
+            <a:ext cx="3434402" cy="2065500"/>
+          </a:xfrm>
+          <a:prstGeom prst="rect">
+            <a:avLst/>
+          </a:prstGeom>
+          <a:noFill/>
+          <a:ln>
+            <a:noFill/>
+          </a:ln>
+        </p:spPr>
+      </p:pic>
+      <p:pic>
+        <p:nvPicPr>
+          <p:cNvPr descr="philly.jpg" id="632" name="Shape 632"/>
+          <p:cNvPicPr preferRelativeResize="0"/>
+          <p:nvPr/>
+        </p:nvPicPr>
+        <p:blipFill rotWithShape="1">
+          <a:blip r:embed="rId6">
+            <a:alphaModFix/>
+          </a:blip>
+          <a:srcRect b="0" l="0" r="0" t="0"/>
+          <a:stretch/>
+        </p:blipFill>
+        <p:spPr>
+          <a:xfrm>
+            <a:off x="27504" y="16878"/>
+            <a:ext cx="4295180" cy="2069455"/>
+          </a:xfrm>
+          <a:prstGeom prst="rect">
+            <a:avLst/>
+          </a:prstGeom>
+          <a:noFill/>
+          <a:ln>
+            <a:noFill/>
+          </a:ln>
+        </p:spPr>
+      </p:pic>
+    </p:spTree>
+  </p:cSld>
+  <p:clrMapOvr>
+    <a:masterClrMapping/>
+  </p:clrMapOvr>
+</p:sld>
+</file>
+
+<file path=ppt/slides/slide3.xml><?xml version="1.0" encoding="utf-8"?>
+<p:sld xmlns:a="http://schemas.openxmlformats.org/drawingml/2006/main" xmlns:r="http://schemas.openxmlformats.org/officeDocument/2006/relationships" xmlns:mc="http://schemas.openxmlformats.org/markup-compatibility/2006" xmlns:mv="urn:schemas-microsoft-com:mac:vml" xmlns:p="http://schemas.openxmlformats.org/presentationml/2006/main" xmlns:c="http://schemas.openxmlformats.org/drawingml/2006/chart" xmlns:dgm="http://schemas.openxmlformats.org/drawingml/2006/diagram" xmlns:o="urn:schemas-microsoft-com:office:office" xmlns:v="urn:schemas-microsoft-com:vml" xmlns:pvml="urn:schemas-microsoft-com:office:powerpoint" xmlns:com="http://schemas.openxmlformats.org/drawingml/2006/compatibility" xmlns:p14="http://schemas.microsoft.com/office/powerpoint/2010/main" xmlns:p15="http://schemas.microsoft.com/office/powerpoint/2012/main">
+  <p:cSld>
+    <p:bg>
+      <p:bgPr>
+        <a:solidFill>
+          <a:srgbClr val="FFFFFF"/>
+        </a:solidFill>
+      </p:bgPr>
+    </p:bg>
+    <p:spTree>
+      <p:nvGrpSpPr>
+        <p:cNvPr id="142" name="Shape 142"/>
+        <p:cNvGrpSpPr/>
+        <p:nvPr/>
+      </p:nvGrpSpPr>
+      <p:grpSpPr>
+        <a:xfrm>
+          <a:off x="0" y="0"/>
+          <a:ext cx="0" cy="0"/>
+          <a:chOff x="0" y="0"/>
+          <a:chExt cx="0" cy="0"/>
+        </a:xfrm>
+      </p:grpSpPr>
+      <p:sp>
+        <p:nvSpPr>
+          <p:cNvPr id="143" name="Shape 143"/>
+          <p:cNvSpPr/>
+          <p:nvPr/>
+        </p:nvSpPr>
+        <p:spPr>
+          <a:xfrm>
+            <a:off x="27504" y="22274"/>
+            <a:ext cx="4286251" cy="2065359"/>
+          </a:xfrm>
+          <a:prstGeom prst="rect">
+            <a:avLst/>
+          </a:prstGeom>
+          <a:solidFill>
+            <a:srgbClr val="434343"/>
+          </a:solidFill>
+          <a:ln>
+            <a:noFill/>
+          </a:ln>
+        </p:spPr>
+        <p:txBody>
+          <a:bodyPr anchorCtr="0" anchor="ctr" bIns="32750" lIns="32750" rIns="32750" wrap="square" tIns="32750">
+            <a:noAutofit/>
+          </a:bodyPr>
+          <a:lstStyle/>
+          <a:p>
+            <a:pPr indent="-88900" lvl="0" marL="0" marR="0" rtl="0" algn="ctr">
+              <a:lnSpc>
+                <a:spcPct val="100000"/>
+              </a:lnSpc>
+              <a:spcBef>
+                <a:spcPts val="0"/>
+              </a:spcBef>
+              <a:spcAft>
+                <a:spcPts val="0"/>
+              </a:spcAft>
+              <a:buClr>
+                <a:srgbClr val="FFFFFF"/>
+              </a:buClr>
+              <a:buFont typeface="Helvetica Neue"/>
+              <a:buNone/>
+            </a:pPr>
+            <a:r>
+              <a:t/>
+            </a:r>
+            <a:endParaRPr b="0" i="0" sz="1400" u="none" cap="none" strike="noStrike">
+              <a:solidFill>
+                <a:srgbClr val="FFFFFF"/>
+              </a:solidFill>
+              <a:latin typeface="Helvetica Neue"/>
+              <a:ea typeface="Helvetica Neue"/>
+              <a:cs typeface="Helvetica Neue"/>
+              <a:sym typeface="Helvetica Neue"/>
+            </a:endParaRPr>
+          </a:p>
+        </p:txBody>
+      </p:sp>
+      <p:sp>
+        <p:nvSpPr>
+          <p:cNvPr id="144" name="Shape 144"/>
+          <p:cNvSpPr/>
+          <p:nvPr/>
+        </p:nvSpPr>
+        <p:spPr>
+          <a:xfrm>
+            <a:off x="28580" y="5089464"/>
+            <a:ext cx="5634633" cy="33086"/>
+          </a:xfrm>
+          <a:prstGeom prst="rect">
+            <a:avLst/>
+          </a:prstGeom>
+          <a:solidFill>
+            <a:srgbClr val="434343"/>
+          </a:solidFill>
+          <a:ln>
+            <a:noFill/>
+          </a:ln>
+        </p:spPr>
+        <p:txBody>
+          <a:bodyPr anchorCtr="0" anchor="ctr" bIns="32750" lIns="32750" rIns="32750" wrap="square" tIns="32750">
+            <a:noAutofit/>
+          </a:bodyPr>
+          <a:lstStyle/>
+          <a:p>
+            <a:pPr indent="-88900" lvl="0" marL="0" marR="0" rtl="0" algn="ctr">
+              <a:lnSpc>
+                <a:spcPct val="100000"/>
+              </a:lnSpc>
+              <a:spcBef>
+                <a:spcPts val="0"/>
+              </a:spcBef>
+              <a:spcAft>
+                <a:spcPts val="0"/>
+              </a:spcAft>
+              <a:buClr>
+                <a:srgbClr val="FFFFFF"/>
+              </a:buClr>
+              <a:buFont typeface="Helvetica Neue"/>
+              <a:buNone/>
+            </a:pPr>
+            <a:r>
+              <a:t/>
+            </a:r>
+            <a:endParaRPr b="0" i="0" sz="1400" u="none" cap="none" strike="noStrike">
+              <a:solidFill>
+                <a:srgbClr val="FFFFFF"/>
+              </a:solidFill>
+              <a:latin typeface="Helvetica Neue"/>
+              <a:ea typeface="Helvetica Neue"/>
+              <a:cs typeface="Helvetica Neue"/>
+              <a:sym typeface="Helvetica Neue"/>
+            </a:endParaRPr>
+          </a:p>
+        </p:txBody>
+      </p:sp>
+      <p:sp>
+        <p:nvSpPr>
+          <p:cNvPr id="145" name="Shape 145"/>
+          <p:cNvSpPr/>
+          <p:nvPr/>
+        </p:nvSpPr>
+        <p:spPr>
+          <a:xfrm>
+            <a:off x="31954" y="2099458"/>
+            <a:ext cx="5628945" cy="2974787"/>
+          </a:xfrm>
+          <a:prstGeom prst="rect">
+            <a:avLst/>
+          </a:prstGeom>
+          <a:solidFill>
+            <a:srgbClr val="000000"/>
+          </a:solidFill>
+          <a:ln>
+            <a:noFill/>
+          </a:ln>
+        </p:spPr>
+        <p:txBody>
+          <a:bodyPr anchorCtr="0" anchor="ctr" bIns="32750" lIns="32750" rIns="32750" wrap="square" tIns="32750">
+            <a:noAutofit/>
+          </a:bodyPr>
+          <a:lstStyle/>
+          <a:p>
+            <a:pPr indent="-88900" lvl="0" marL="0" marR="0" rtl="0" algn="ctr">
+              <a:lnSpc>
+                <a:spcPct val="100000"/>
+              </a:lnSpc>
+              <a:spcBef>
+                <a:spcPts val="0"/>
+              </a:spcBef>
+              <a:spcAft>
+                <a:spcPts val="0"/>
+              </a:spcAft>
+              <a:buClr>
+                <a:srgbClr val="FFFFFF"/>
+              </a:buClr>
+              <a:buFont typeface="Helvetica Neue"/>
+              <a:buNone/>
+            </a:pPr>
+            <a:r>
+              <a:t/>
+            </a:r>
+            <a:endParaRPr b="0" i="0" sz="1400" u="none" cap="none" strike="noStrike">
+              <a:solidFill>
+                <a:srgbClr val="FFFFFF"/>
+              </a:solidFill>
+              <a:latin typeface="Helvetica Neue"/>
+              <a:ea typeface="Helvetica Neue"/>
+              <a:cs typeface="Helvetica Neue"/>
+              <a:sym typeface="Helvetica Neue"/>
+            </a:endParaRPr>
+          </a:p>
+        </p:txBody>
+      </p:sp>
+      <p:sp>
+        <p:nvSpPr>
+          <p:cNvPr id="146" name="Shape 146"/>
+          <p:cNvSpPr/>
+          <p:nvPr/>
+        </p:nvSpPr>
+        <p:spPr>
+          <a:xfrm>
+            <a:off x="4339745" y="955019"/>
+            <a:ext cx="1322195" cy="1129220"/>
+          </a:xfrm>
+          <a:prstGeom prst="rect">
+            <a:avLst/>
+          </a:prstGeom>
+          <a:solidFill>
+            <a:srgbClr val="6C6C6C"/>
+          </a:solidFill>
+          <a:ln>
+            <a:noFill/>
+          </a:ln>
+        </p:spPr>
+        <p:txBody>
+          <a:bodyPr anchorCtr="0" anchor="ctr" bIns="32750" lIns="32750" rIns="32750" wrap="square" tIns="32750">
+            <a:noAutofit/>
+          </a:bodyPr>
+          <a:lstStyle/>
+          <a:p>
+            <a:pPr indent="-88900" lvl="0" marL="0" marR="0" rtl="0" algn="ctr">
+              <a:lnSpc>
+                <a:spcPct val="100000"/>
+              </a:lnSpc>
+              <a:spcBef>
+                <a:spcPts val="0"/>
+              </a:spcBef>
+              <a:spcAft>
+                <a:spcPts val="0"/>
+              </a:spcAft>
+              <a:buClr>
+                <a:srgbClr val="FFFFFF"/>
+              </a:buClr>
+              <a:buFont typeface="Helvetica Neue"/>
+              <a:buNone/>
+            </a:pPr>
+            <a:r>
+              <a:t/>
+            </a:r>
+            <a:endParaRPr b="0" i="0" sz="1400" u="none" cap="none" strike="noStrike">
+              <a:solidFill>
+                <a:srgbClr val="FFFFFF"/>
+              </a:solidFill>
+              <a:latin typeface="Helvetica Neue"/>
+              <a:ea typeface="Helvetica Neue"/>
+              <a:cs typeface="Helvetica Neue"/>
+              <a:sym typeface="Helvetica Neue"/>
+            </a:endParaRPr>
+          </a:p>
+        </p:txBody>
+      </p:sp>
+      <p:sp>
+        <p:nvSpPr>
+          <p:cNvPr id="147" name="Shape 147"/>
+          <p:cNvSpPr/>
+          <p:nvPr/>
+        </p:nvSpPr>
+        <p:spPr>
+          <a:xfrm>
+            <a:off x="4344609" y="22274"/>
+            <a:ext cx="4772588" cy="917526"/>
+          </a:xfrm>
+          <a:prstGeom prst="rect">
+            <a:avLst/>
+          </a:prstGeom>
+          <a:solidFill>
+            <a:srgbClr val="434343"/>
+          </a:solidFill>
+          <a:ln>
+            <a:noFill/>
+          </a:ln>
+        </p:spPr>
+        <p:txBody>
+          <a:bodyPr anchorCtr="0" anchor="ctr" bIns="32750" lIns="32750" rIns="32750" wrap="square" tIns="32750">
+            <a:noAutofit/>
+          </a:bodyPr>
+          <a:lstStyle/>
+          <a:p>
+            <a:pPr indent="-88900" lvl="0" marL="0" marR="0" rtl="0" algn="ctr">
+              <a:lnSpc>
+                <a:spcPct val="100000"/>
+              </a:lnSpc>
+              <a:spcBef>
+                <a:spcPts val="0"/>
+              </a:spcBef>
+              <a:spcAft>
+                <a:spcPts val="0"/>
+              </a:spcAft>
+              <a:buClr>
+                <a:srgbClr val="FFFFFF"/>
+              </a:buClr>
+              <a:buFont typeface="Helvetica Neue"/>
+              <a:buNone/>
+            </a:pPr>
+            <a:r>
+              <a:t/>
+            </a:r>
+            <a:endParaRPr b="0" i="0" sz="1400" u="none" cap="none" strike="noStrike">
+              <a:solidFill>
+                <a:srgbClr val="FFFFFF"/>
+              </a:solidFill>
+              <a:latin typeface="Helvetica Neue"/>
+              <a:ea typeface="Helvetica Neue"/>
+              <a:cs typeface="Helvetica Neue"/>
+              <a:sym typeface="Helvetica Neue"/>
+            </a:endParaRPr>
+          </a:p>
+        </p:txBody>
+      </p:sp>
+      <p:sp>
+        <p:nvSpPr>
+          <p:cNvPr id="148" name="Shape 148"/>
+          <p:cNvSpPr txBox="1"/>
+          <p:nvPr/>
+        </p:nvSpPr>
+        <p:spPr>
+          <a:xfrm>
+            <a:off x="4348675" y="133025"/>
+            <a:ext cx="4730324" cy="696026"/>
+          </a:xfrm>
+          <a:prstGeom prst="rect">
+            <a:avLst/>
+          </a:prstGeom>
+          <a:noFill/>
+          <a:ln>
+            <a:noFill/>
+          </a:ln>
+        </p:spPr>
+        <p:txBody>
+          <a:bodyPr anchorCtr="0" anchor="ctr" bIns="32750" lIns="32750" rIns="32750" wrap="square" tIns="32750">
+            <a:noAutofit/>
+          </a:bodyPr>
+          <a:lstStyle/>
+          <a:p>
+            <a:pPr indent="-177800" lvl="0" marL="0" marR="0" rtl="0" algn="ctr">
+              <a:lnSpc>
+                <a:spcPct val="100000"/>
+              </a:lnSpc>
+              <a:spcBef>
+                <a:spcPts val="0"/>
+              </a:spcBef>
+              <a:spcAft>
+                <a:spcPts val="0"/>
+              </a:spcAft>
+              <a:buClr>
+                <a:srgbClr val="FFFFFF"/>
+              </a:buClr>
+              <a:buSzPct val="100000"/>
+              <a:buFont typeface="Helvetica Neue"/>
+              <a:buNone/>
+            </a:pPr>
+            <a:r>
+              <a:rPr b="1" i="0" lang="en" sz="2800" u="none" cap="none" strike="noStrike">
+                <a:solidFill>
+                  <a:srgbClr val="FFFFFF"/>
+                </a:solidFill>
+                <a:latin typeface="Helvetica Neue"/>
+                <a:ea typeface="Helvetica Neue"/>
+                <a:cs typeface="Helvetica Neue"/>
+                <a:sym typeface="Helvetica Neue"/>
+              </a:rPr>
+              <a:t>Toxics Release Inventory</a:t>
+            </a:r>
+          </a:p>
+          <a:p>
+            <a:pPr indent="-152400" lvl="0" marL="0" marR="0" rtl="0" algn="ctr">
+              <a:lnSpc>
+                <a:spcPct val="100000"/>
+              </a:lnSpc>
+              <a:spcBef>
+                <a:spcPts val="0"/>
+              </a:spcBef>
+              <a:spcAft>
+                <a:spcPts val="0"/>
+              </a:spcAft>
+              <a:buClr>
+                <a:srgbClr val="FFFFFF"/>
+              </a:buClr>
+              <a:buSzPct val="100000"/>
+              <a:buFont typeface="Helvetica Neue"/>
+              <a:buNone/>
+            </a:pPr>
+            <a:r>
+              <a:rPr b="1" i="1" lang="en" sz="2400" u="none" cap="none" strike="noStrike">
+                <a:solidFill>
+                  <a:srgbClr val="FFFFFF"/>
+                </a:solidFill>
+                <a:latin typeface="Helvetica Neue"/>
+                <a:ea typeface="Helvetica Neue"/>
+                <a:cs typeface="Helvetica Neue"/>
+                <a:sym typeface="Helvetica Neue"/>
+              </a:rPr>
+              <a:t>History</a:t>
+            </a:r>
+          </a:p>
+        </p:txBody>
+      </p:sp>
+      <p:sp>
+        <p:nvSpPr>
+          <p:cNvPr id="149" name="Shape 149"/>
+          <p:cNvSpPr/>
+          <p:nvPr/>
+        </p:nvSpPr>
+        <p:spPr>
+          <a:xfrm>
+            <a:off x="5682332" y="2101132"/>
+            <a:ext cx="3434305" cy="2083105"/>
+          </a:xfrm>
+          <a:prstGeom prst="rect">
+            <a:avLst/>
+          </a:prstGeom>
+          <a:solidFill>
+            <a:srgbClr val="434343"/>
+          </a:solidFill>
+          <a:ln>
+            <a:noFill/>
+          </a:ln>
+        </p:spPr>
+        <p:txBody>
+          <a:bodyPr anchorCtr="0" anchor="ctr" bIns="32750" lIns="32750" rIns="32750" wrap="square" tIns="32750">
+            <a:noAutofit/>
+          </a:bodyPr>
+          <a:lstStyle/>
+          <a:p>
+            <a:pPr indent="-88900" lvl="0" marL="0" marR="0" rtl="0" algn="ctr">
+              <a:lnSpc>
+                <a:spcPct val="100000"/>
+              </a:lnSpc>
+              <a:spcBef>
+                <a:spcPts val="0"/>
+              </a:spcBef>
+              <a:spcAft>
+                <a:spcPts val="0"/>
+              </a:spcAft>
+              <a:buClr>
+                <a:srgbClr val="FFFFFF"/>
+              </a:buClr>
+              <a:buFont typeface="Helvetica Neue"/>
+              <a:buNone/>
+            </a:pPr>
+            <a:r>
+              <a:t/>
+            </a:r>
+            <a:endParaRPr b="0" i="0" sz="1400" u="none" cap="none" strike="noStrike">
+              <a:solidFill>
+                <a:srgbClr val="FFFFFF"/>
+              </a:solidFill>
+              <a:latin typeface="Helvetica Neue"/>
+              <a:ea typeface="Helvetica Neue"/>
+              <a:cs typeface="Helvetica Neue"/>
+              <a:sym typeface="Helvetica Neue"/>
+            </a:endParaRPr>
+          </a:p>
+        </p:txBody>
+      </p:sp>
+      <p:sp>
+        <p:nvSpPr>
+          <p:cNvPr id="150" name="Shape 150"/>
+          <p:cNvSpPr txBox="1"/>
+          <p:nvPr/>
+        </p:nvSpPr>
+        <p:spPr>
+          <a:xfrm>
+            <a:off x="194297" y="2204897"/>
+            <a:ext cx="5303198" cy="2763910"/>
+          </a:xfrm>
+          <a:prstGeom prst="rect">
+            <a:avLst/>
+          </a:prstGeom>
+          <a:noFill/>
+          <a:ln>
+            <a:noFill/>
+          </a:ln>
+        </p:spPr>
+        <p:txBody>
+          <a:bodyPr anchorCtr="0" anchor="ctr" bIns="32750" lIns="32750" rIns="32750" wrap="square" tIns="32750">
+            <a:noAutofit/>
+          </a:bodyPr>
+          <a:lstStyle/>
+          <a:p>
+            <a:pPr indent="-88900" lvl="0" marL="0" marR="0" rtl="0" algn="l">
+              <a:lnSpc>
+                <a:spcPct val="100000"/>
+              </a:lnSpc>
+              <a:spcBef>
+                <a:spcPts val="0"/>
+              </a:spcBef>
+              <a:spcAft>
+                <a:spcPts val="0"/>
+              </a:spcAft>
+              <a:buClr>
+                <a:srgbClr val="FFFFFF"/>
+              </a:buClr>
+              <a:buSzPct val="100000"/>
+              <a:buFont typeface="Helvetica Neue"/>
+              <a:buNone/>
+            </a:pPr>
+            <a:r>
+              <a:rPr b="1" i="1" lang="en" sz="1400" u="none" cap="none" strike="noStrike">
+                <a:solidFill>
+                  <a:srgbClr val="FFFFFF"/>
+                </a:solidFill>
+                <a:latin typeface="Helvetica Neue"/>
+                <a:ea typeface="Helvetica Neue"/>
+                <a:cs typeface="Helvetica Neue"/>
+                <a:sym typeface="Helvetica Neue"/>
+              </a:rPr>
+              <a:t>From the EPA:</a:t>
+            </a:r>
+          </a:p>
+          <a:p>
+            <a:pPr indent="-88900" lvl="0" marL="0" marR="0" rtl="0" algn="l">
+              <a:lnSpc>
+                <a:spcPct val="100000"/>
+              </a:lnSpc>
+              <a:spcBef>
+                <a:spcPts val="0"/>
+              </a:spcBef>
+              <a:spcAft>
+                <a:spcPts val="0"/>
+              </a:spcAft>
+              <a:buClr>
+                <a:srgbClr val="FFFFFF"/>
+              </a:buClr>
+              <a:buSzPct val="100000"/>
+              <a:buFont typeface="Helvetica Neue"/>
+              <a:buNone/>
+            </a:pPr>
+            <a:r>
+              <a:rPr b="1" i="1" lang="en" sz="1400" u="none" cap="none" strike="noStrike">
+                <a:solidFill>
+                  <a:srgbClr val="FFFFFF"/>
+                </a:solidFill>
+                <a:latin typeface="Helvetica Neue"/>
+                <a:ea typeface="Helvetica Neue"/>
+                <a:cs typeface="Helvetica Neue"/>
+                <a:sym typeface="Helvetica Neue"/>
+              </a:rPr>
+              <a:t>“</a:t>
+            </a:r>
+            <a:r>
+              <a:rPr b="0" i="1" lang="en" sz="1400" u="none" cap="none" strike="noStrike">
+                <a:solidFill>
+                  <a:srgbClr val="FFFFFF"/>
+                </a:solidFill>
+                <a:latin typeface="Helvetica Neue"/>
+                <a:ea typeface="Helvetica Neue"/>
+                <a:cs typeface="Helvetica Neue"/>
+                <a:sym typeface="Helvetica Neue"/>
+              </a:rPr>
+              <a:t>On December 4, 1984, a cloud of extremely </a:t>
+            </a:r>
+            <a:r>
+              <a:rPr b="0" i="1" lang="en" sz="1400" u="none" cap="none" strike="noStrike">
+                <a:solidFill>
+                  <a:schemeClr val="accent3"/>
+                </a:solidFill>
+                <a:latin typeface="Helvetica Neue"/>
+                <a:ea typeface="Helvetica Neue"/>
+                <a:cs typeface="Helvetica Neue"/>
+                <a:sym typeface="Helvetica Neue"/>
+              </a:rPr>
+              <a:t>toxic methyl isocyanate gas</a:t>
+            </a:r>
+            <a:r>
+              <a:rPr b="0" i="1" lang="en" sz="1400" u="none" cap="none" strike="noStrike">
+                <a:solidFill>
+                  <a:srgbClr val="FFFFFF"/>
+                </a:solidFill>
+                <a:latin typeface="Helvetica Neue"/>
+                <a:ea typeface="Helvetica Neue"/>
+                <a:cs typeface="Helvetica Neue"/>
+                <a:sym typeface="Helvetica Neue"/>
+              </a:rPr>
+              <a:t> escaped from a Union Carbide Chemical plant in Bhopal, India. Thousands of people died that night… considered to be the worst industrial disaster in history. Thousands more died later… survivors continue to suffer with permanent disabilities. In 1985, a serious chemical release occurred at a similar plant in West Virginia.</a:t>
+            </a:r>
+          </a:p>
+          <a:p>
+            <a:pPr indent="-88900" lvl="0" marL="0" marR="0" rtl="0" algn="l">
+              <a:lnSpc>
+                <a:spcPct val="100000"/>
+              </a:lnSpc>
+              <a:spcBef>
+                <a:spcPts val="0"/>
+              </a:spcBef>
+              <a:spcAft>
+                <a:spcPts val="0"/>
+              </a:spcAft>
+              <a:buClr>
+                <a:srgbClr val="FFFFFF"/>
+              </a:buClr>
+              <a:buFont typeface="Helvetica Neue"/>
+              <a:buNone/>
+            </a:pPr>
+            <a:r>
+              <a:t/>
+            </a:r>
+            <a:endParaRPr b="0" i="1" sz="1400" u="none" cap="none" strike="noStrike">
+              <a:solidFill>
+                <a:srgbClr val="FFFFFF"/>
+              </a:solidFill>
+              <a:latin typeface="Helvetica Neue"/>
+              <a:ea typeface="Helvetica Neue"/>
+              <a:cs typeface="Helvetica Neue"/>
+              <a:sym typeface="Helvetica Neue"/>
+            </a:endParaRPr>
+          </a:p>
+          <a:p>
+            <a:pPr indent="-88900" lvl="0" marL="0" marR="0" rtl="0" algn="l">
+              <a:lnSpc>
+                <a:spcPct val="100000"/>
+              </a:lnSpc>
+              <a:spcBef>
+                <a:spcPts val="0"/>
+              </a:spcBef>
+              <a:spcAft>
+                <a:spcPts val="0"/>
+              </a:spcAft>
+              <a:buClr>
+                <a:srgbClr val="FFFFFF"/>
+              </a:buClr>
+              <a:buSzPct val="100000"/>
+              <a:buFont typeface="Helvetica Neue"/>
+              <a:buNone/>
+            </a:pPr>
+            <a:r>
+              <a:rPr b="0" i="1" lang="en" sz="1400" u="none" cap="none" strike="noStrike">
+                <a:solidFill>
+                  <a:srgbClr val="FFFFFF"/>
+                </a:solidFill>
+                <a:latin typeface="Helvetica Neue"/>
+                <a:ea typeface="Helvetica Neue"/>
+                <a:cs typeface="Helvetica Neue"/>
+                <a:sym typeface="Helvetica Neue"/>
+              </a:rPr>
+              <a:t>In 1986, Congress passed the Emergency Planning and Community Right-to-Know Act (EPCRA) to support and promote emergency planning and to provide the public with information about releases of toxic chemicals in their community. Section 313 of EPCRA established the </a:t>
+            </a:r>
+            <a:r>
+              <a:rPr b="1" i="1" lang="en" sz="1400" u="none" cap="none" strike="noStrike">
+                <a:solidFill>
+                  <a:srgbClr val="FFFFFF"/>
+                </a:solidFill>
+                <a:latin typeface="Helvetica Neue"/>
+                <a:ea typeface="Helvetica Neue"/>
+                <a:cs typeface="Helvetica Neue"/>
+                <a:sym typeface="Helvetica Neue"/>
+              </a:rPr>
+              <a:t>Toxics Release Inventory.</a:t>
+            </a:r>
+            <a:r>
+              <a:rPr b="0" i="1" lang="en" sz="1400" u="none" cap="none" strike="noStrike">
+                <a:solidFill>
+                  <a:srgbClr val="FFFFFF"/>
+                </a:solidFill>
+                <a:latin typeface="Helvetica Neue"/>
+                <a:ea typeface="Helvetica Neue"/>
+                <a:cs typeface="Helvetica Neue"/>
+                <a:sym typeface="Helvetica Neue"/>
+              </a:rPr>
+              <a:t>”</a:t>
+            </a:r>
+          </a:p>
+        </p:txBody>
+      </p:sp>
+      <p:pic>
+        <p:nvPicPr>
+          <p:cNvPr descr="magnumphotos_raibhopal.gif" id="151" name="Shape 151"/>
+          <p:cNvPicPr preferRelativeResize="0"/>
+          <p:nvPr/>
+        </p:nvPicPr>
+        <p:blipFill rotWithShape="1">
+          <a:blip r:embed="rId3">
+            <a:alphaModFix/>
+          </a:blip>
+          <a:srcRect b="0" l="0" r="0" t="0"/>
+          <a:stretch/>
+        </p:blipFill>
+        <p:spPr>
+          <a:xfrm>
+            <a:off x="28578" y="19450"/>
+            <a:ext cx="4286249" cy="2056974"/>
+          </a:xfrm>
+          <a:prstGeom prst="rect">
+            <a:avLst/>
+          </a:prstGeom>
+          <a:noFill/>
+          <a:ln>
+            <a:noFill/>
+          </a:ln>
+        </p:spPr>
+      </p:pic>
+      <p:pic>
+        <p:nvPicPr>
+          <p:cNvPr descr="bhopal-gas-tragedybest-ppt-ever-13-638.jpg" id="152" name="Shape 152"/>
+          <p:cNvPicPr preferRelativeResize="0"/>
+          <p:nvPr/>
+        </p:nvPicPr>
+        <p:blipFill rotWithShape="1">
+          <a:blip r:embed="rId4">
+            <a:alphaModFix/>
+          </a:blip>
+          <a:srcRect b="0" l="0" r="0" t="0"/>
+          <a:stretch/>
+        </p:blipFill>
+        <p:spPr>
+          <a:xfrm>
+            <a:off x="5683161" y="2101132"/>
+            <a:ext cx="3436842" cy="2078261"/>
+          </a:xfrm>
+          <a:prstGeom prst="rect">
+            <a:avLst/>
+          </a:prstGeom>
+          <a:noFill/>
+          <a:ln>
+            <a:noFill/>
+          </a:ln>
+        </p:spPr>
+      </p:pic>
+      <p:sp>
+        <p:nvSpPr>
+          <p:cNvPr id="153" name="Shape 153"/>
+          <p:cNvSpPr/>
+          <p:nvPr/>
+        </p:nvSpPr>
+        <p:spPr>
+          <a:xfrm>
+            <a:off x="5685350" y="957050"/>
+            <a:ext cx="2451300" cy="1125000"/>
+          </a:xfrm>
+          <a:prstGeom prst="rect">
+            <a:avLst/>
+          </a:prstGeom>
+          <a:solidFill>
+            <a:srgbClr val="6C6C6C"/>
+          </a:solidFill>
+          <a:ln>
+            <a:noFill/>
+          </a:ln>
+        </p:spPr>
+        <p:txBody>
+          <a:bodyPr anchorCtr="0" anchor="ctr" bIns="32750" lIns="32750" rIns="32750" wrap="square" tIns="32750">
+            <a:noAutofit/>
+          </a:bodyPr>
+          <a:lstStyle/>
+          <a:p>
+            <a:pPr indent="-88900" lvl="0" marL="0" marR="0" rtl="0" algn="ctr">
+              <a:lnSpc>
+                <a:spcPct val="100000"/>
+              </a:lnSpc>
+              <a:spcBef>
+                <a:spcPts val="0"/>
+              </a:spcBef>
+              <a:spcAft>
+                <a:spcPts val="0"/>
+              </a:spcAft>
+              <a:buClr>
+                <a:srgbClr val="FFFFFF"/>
+              </a:buClr>
+              <a:buFont typeface="Helvetica Neue"/>
+              <a:buNone/>
+            </a:pPr>
+            <a:r>
+              <a:t/>
+            </a:r>
+            <a:endParaRPr b="0" i="0" sz="1400" u="none" cap="none" strike="noStrike">
+              <a:solidFill>
+                <a:srgbClr val="FFFFFF"/>
+              </a:solidFill>
+              <a:latin typeface="Helvetica Neue"/>
+              <a:ea typeface="Helvetica Neue"/>
+              <a:cs typeface="Helvetica Neue"/>
+              <a:sym typeface="Helvetica Neue"/>
+            </a:endParaRPr>
+          </a:p>
+        </p:txBody>
+      </p:sp>
+      <p:pic>
+        <p:nvPicPr>
+          <p:cNvPr descr="2eastmainbfr.jpg" id="154" name="Shape 154"/>
+          <p:cNvPicPr preferRelativeResize="0"/>
+          <p:nvPr/>
+        </p:nvPicPr>
+        <p:blipFill rotWithShape="1">
+          <a:blip r:embed="rId5">
+            <a:alphaModFix/>
+          </a:blip>
+          <a:srcRect b="0" l="0" r="0" t="0"/>
+          <a:stretch/>
+        </p:blipFill>
+        <p:spPr>
+          <a:xfrm>
+            <a:off x="8174459" y="957284"/>
+            <a:ext cx="944244" cy="1124691"/>
+          </a:xfrm>
+          <a:prstGeom prst="rect">
+            <a:avLst/>
+          </a:prstGeom>
+          <a:noFill/>
+          <a:ln>
+            <a:noFill/>
+          </a:ln>
+        </p:spPr>
+      </p:pic>
+      <p:pic>
+        <p:nvPicPr>
+          <p:cNvPr descr="natural-wetland-2.jpg" id="155" name="Shape 155"/>
+          <p:cNvPicPr preferRelativeResize="0"/>
+          <p:nvPr/>
+        </p:nvPicPr>
+        <p:blipFill rotWithShape="1">
+          <a:blip r:embed="rId6">
+            <a:alphaModFix/>
+          </a:blip>
+          <a:srcRect b="0" l="0" r="0" t="0"/>
+          <a:stretch/>
+        </p:blipFill>
+        <p:spPr>
+          <a:xfrm>
+            <a:off x="7569975" y="4203150"/>
+            <a:ext cx="1564600" cy="916575"/>
+          </a:xfrm>
+          <a:prstGeom prst="rect">
+            <a:avLst/>
+          </a:prstGeom>
+          <a:noFill/>
+          <a:ln>
+            <a:noFill/>
+          </a:ln>
+        </p:spPr>
+      </p:pic>
+      <p:sp>
+        <p:nvSpPr>
+          <p:cNvPr id="156" name="Shape 156"/>
+          <p:cNvSpPr/>
+          <p:nvPr/>
+        </p:nvSpPr>
+        <p:spPr>
+          <a:xfrm>
+            <a:off x="5683150" y="4203175"/>
+            <a:ext cx="1866900" cy="917400"/>
+          </a:xfrm>
+          <a:prstGeom prst="rect">
+            <a:avLst/>
+          </a:prstGeom>
+          <a:solidFill>
+            <a:srgbClr val="6C6C6C"/>
+          </a:solidFill>
+          <a:ln>
+            <a:noFill/>
+          </a:ln>
+        </p:spPr>
+        <p:txBody>
+          <a:bodyPr anchorCtr="0" anchor="ctr" bIns="32750" lIns="32750" rIns="32750" wrap="square" tIns="32750">
+            <a:noAutofit/>
+          </a:bodyPr>
+          <a:lstStyle/>
+          <a:p>
+            <a:pPr indent="-88900" lvl="0" marL="0" marR="0" rtl="0" algn="ctr">
+              <a:lnSpc>
+                <a:spcPct val="100000"/>
+              </a:lnSpc>
+              <a:spcBef>
+                <a:spcPts val="0"/>
+              </a:spcBef>
+              <a:spcAft>
+                <a:spcPts val="0"/>
+              </a:spcAft>
+              <a:buClr>
+                <a:srgbClr val="FFFFFF"/>
+              </a:buClr>
+              <a:buFont typeface="Helvetica Neue"/>
+              <a:buNone/>
+            </a:pPr>
+            <a:r>
+              <a:t/>
+            </a:r>
+            <a:endParaRPr b="0" i="0" sz="1400" u="none" cap="none" strike="noStrike">
+              <a:solidFill>
+                <a:srgbClr val="FFFFFF"/>
+              </a:solidFill>
+              <a:latin typeface="Helvetica Neue"/>
+              <a:ea typeface="Helvetica Neue"/>
+              <a:cs typeface="Helvetica Neue"/>
+              <a:sym typeface="Helvetica Neue"/>
+            </a:endParaRPr>
+          </a:p>
+        </p:txBody>
+      </p:sp>
+    </p:spTree>
+  </p:cSld>
+  <p:clrMapOvr>
+    <a:masterClrMapping/>
+  </p:clrMapOvr>
+</p:sld>
+</file>
+
+<file path=ppt/slides/slide30.xml><?xml version="1.0" encoding="utf-8"?>
+<p:sld xmlns:a="http://schemas.openxmlformats.org/drawingml/2006/main" xmlns:r="http://schemas.openxmlformats.org/officeDocument/2006/relationships" xmlns:mc="http://schemas.openxmlformats.org/markup-compatibility/2006" xmlns:mv="urn:schemas-microsoft-com:mac:vml" xmlns:p="http://schemas.openxmlformats.org/presentationml/2006/main" xmlns:c="http://schemas.openxmlformats.org/drawingml/2006/chart" xmlns:dgm="http://schemas.openxmlformats.org/drawingml/2006/diagram" xmlns:o="urn:schemas-microsoft-com:office:office" xmlns:v="urn:schemas-microsoft-com:vml" xmlns:pvml="urn:schemas-microsoft-com:office:powerpoint" xmlns:com="http://schemas.openxmlformats.org/drawingml/2006/compatibility" xmlns:p14="http://schemas.microsoft.com/office/powerpoint/2010/main" xmlns:p15="http://schemas.microsoft.com/office/powerpoint/2012/main">
+  <p:cSld>
+    <p:bg>
+      <p:bgPr>
+        <a:solidFill>
+          <a:srgbClr val="FFFFFF"/>
+        </a:solidFill>
+      </p:bgPr>
+    </p:bg>
+    <p:spTree>
+      <p:nvGrpSpPr>
+        <p:cNvPr id="636" name="Shape 636"/>
+        <p:cNvGrpSpPr/>
+        <p:nvPr/>
+      </p:nvGrpSpPr>
+      <p:grpSpPr>
+        <a:xfrm>
+          <a:off x="0" y="0"/>
+          <a:ext cx="0" cy="0"/>
+          <a:chOff x="0" y="0"/>
+          <a:chExt cx="0" cy="0"/>
+        </a:xfrm>
+      </p:grpSpPr>
+      <p:sp>
+        <p:nvSpPr>
+          <p:cNvPr id="637" name="Shape 637"/>
+          <p:cNvSpPr/>
+          <p:nvPr/>
+        </p:nvSpPr>
+        <p:spPr>
+          <a:xfrm>
+            <a:off x="27504" y="22274"/>
+            <a:ext cx="4286400" cy="2065500"/>
+          </a:xfrm>
+          <a:prstGeom prst="rect">
+            <a:avLst/>
+          </a:prstGeom>
+          <a:solidFill>
+            <a:srgbClr val="434343"/>
+          </a:solidFill>
+          <a:ln>
+            <a:noFill/>
+          </a:ln>
+        </p:spPr>
+        <p:txBody>
+          <a:bodyPr anchorCtr="0" anchor="ctr" bIns="32750" lIns="32750" rIns="32750" wrap="square" tIns="32750">
+            <a:noAutofit/>
+          </a:bodyPr>
+          <a:lstStyle/>
+          <a:p>
+            <a:pPr indent="-88900" lvl="0" marL="0" marR="0" rtl="0" algn="ctr">
+              <a:lnSpc>
+                <a:spcPct val="100000"/>
+              </a:lnSpc>
+              <a:spcBef>
+                <a:spcPts val="0"/>
+              </a:spcBef>
+              <a:spcAft>
+                <a:spcPts val="0"/>
+              </a:spcAft>
+              <a:buClr>
+                <a:srgbClr val="FFFFFF"/>
+              </a:buClr>
+              <a:buFont typeface="Helvetica Neue"/>
+              <a:buNone/>
+            </a:pPr>
+            <a:r>
+              <a:t/>
+            </a:r>
+            <a:endParaRPr b="0" i="0" sz="1400" u="none" cap="none" strike="noStrike">
+              <a:solidFill>
+                <a:srgbClr val="FFFFFF"/>
+              </a:solidFill>
+              <a:latin typeface="Helvetica Neue"/>
+              <a:ea typeface="Helvetica Neue"/>
+              <a:cs typeface="Helvetica Neue"/>
+              <a:sym typeface="Helvetica Neue"/>
+            </a:endParaRPr>
+          </a:p>
+        </p:txBody>
+      </p:sp>
+      <p:sp>
+        <p:nvSpPr>
+          <p:cNvPr id="638" name="Shape 638"/>
+          <p:cNvSpPr/>
+          <p:nvPr/>
+        </p:nvSpPr>
+        <p:spPr>
+          <a:xfrm>
+            <a:off x="28580" y="5089464"/>
+            <a:ext cx="5634600" cy="33000"/>
+          </a:xfrm>
+          <a:prstGeom prst="rect">
+            <a:avLst/>
+          </a:prstGeom>
+          <a:solidFill>
+            <a:srgbClr val="434343"/>
+          </a:solidFill>
+          <a:ln>
+            <a:noFill/>
+          </a:ln>
+        </p:spPr>
+        <p:txBody>
+          <a:bodyPr anchorCtr="0" anchor="ctr" bIns="32750" lIns="32750" rIns="32750" wrap="square" tIns="32750">
+            <a:noAutofit/>
+          </a:bodyPr>
+          <a:lstStyle/>
+          <a:p>
+            <a:pPr indent="-88900" lvl="0" marL="0" marR="0" rtl="0" algn="ctr">
+              <a:lnSpc>
+                <a:spcPct val="100000"/>
+              </a:lnSpc>
+              <a:spcBef>
+                <a:spcPts val="0"/>
+              </a:spcBef>
+              <a:spcAft>
+                <a:spcPts val="0"/>
+              </a:spcAft>
+              <a:buClr>
+                <a:srgbClr val="FFFFFF"/>
+              </a:buClr>
+              <a:buFont typeface="Helvetica Neue"/>
+              <a:buNone/>
+            </a:pPr>
+            <a:r>
+              <a:t/>
+            </a:r>
+            <a:endParaRPr b="0" i="0" sz="1400" u="none" cap="none" strike="noStrike">
+              <a:solidFill>
+                <a:srgbClr val="FFFFFF"/>
+              </a:solidFill>
+              <a:latin typeface="Helvetica Neue"/>
+              <a:ea typeface="Helvetica Neue"/>
+              <a:cs typeface="Helvetica Neue"/>
+              <a:sym typeface="Helvetica Neue"/>
+            </a:endParaRPr>
+          </a:p>
+        </p:txBody>
+      </p:sp>
+      <p:sp>
+        <p:nvSpPr>
+          <p:cNvPr id="639" name="Shape 639"/>
+          <p:cNvSpPr/>
+          <p:nvPr/>
+        </p:nvSpPr>
+        <p:spPr>
+          <a:xfrm>
+            <a:off x="31954" y="2099458"/>
+            <a:ext cx="5628900" cy="2974800"/>
+          </a:xfrm>
+          <a:prstGeom prst="rect">
+            <a:avLst/>
+          </a:prstGeom>
+          <a:solidFill>
+            <a:srgbClr val="000000"/>
+          </a:solidFill>
+          <a:ln>
+            <a:noFill/>
+          </a:ln>
+        </p:spPr>
+        <p:txBody>
+          <a:bodyPr anchorCtr="0" anchor="ctr" bIns="32750" lIns="32750" rIns="32750" wrap="square" tIns="32750">
+            <a:noAutofit/>
+          </a:bodyPr>
+          <a:lstStyle/>
+          <a:p>
+            <a:pPr indent="-190500" lvl="0" marL="215900" rtl="0">
+              <a:spcBef>
+                <a:spcPts val="0"/>
+              </a:spcBef>
+              <a:buClr>
+                <a:schemeClr val="lt1"/>
+              </a:buClr>
+              <a:buSzPct val="100000"/>
+              <a:buFont typeface="Helvetica Neue"/>
+              <a:buChar char="•"/>
+            </a:pPr>
+            <a:r>
+              <a:rPr b="1" lang="en" sz="1800">
+                <a:solidFill>
+                  <a:schemeClr val="lt1"/>
+                </a:solidFill>
+                <a:latin typeface="Helvetica Neue"/>
+                <a:ea typeface="Helvetica Neue"/>
+                <a:cs typeface="Helvetica Neue"/>
+                <a:sym typeface="Helvetica Neue"/>
+              </a:rPr>
+              <a:t>Apply graphing, mapping, and statistical functions to US and State TRI data sets, focusing on:</a:t>
+            </a:r>
+          </a:p>
+          <a:p>
+            <a:pPr indent="-342900" lvl="1" marL="914400" rtl="0">
+              <a:spcBef>
+                <a:spcPts val="0"/>
+              </a:spcBef>
+              <a:buClr>
+                <a:schemeClr val="lt1"/>
+              </a:buClr>
+              <a:buSzPct val="100000"/>
+              <a:buFont typeface="Helvetica Neue"/>
+            </a:pPr>
+            <a:r>
+              <a:rPr b="1" lang="en" sz="1800">
+                <a:solidFill>
+                  <a:schemeClr val="lt1"/>
+                </a:solidFill>
+                <a:latin typeface="Helvetica Neue"/>
+                <a:ea typeface="Helvetica Neue"/>
+                <a:cs typeface="Helvetica Neue"/>
+                <a:sym typeface="Helvetica Neue"/>
+              </a:rPr>
+              <a:t>Nationwide relations and trends</a:t>
+            </a:r>
+          </a:p>
+          <a:p>
+            <a:pPr indent="-342900" lvl="1" marL="914400" rtl="0">
+              <a:spcBef>
+                <a:spcPts val="0"/>
+              </a:spcBef>
+              <a:buClr>
+                <a:schemeClr val="lt1"/>
+              </a:buClr>
+              <a:buSzPct val="100000"/>
+              <a:buFont typeface="Helvetica Neue"/>
+            </a:pPr>
+            <a:r>
+              <a:rPr b="1" lang="en" sz="1800">
+                <a:solidFill>
+                  <a:schemeClr val="lt1"/>
+                </a:solidFill>
+                <a:latin typeface="Helvetica Neue"/>
+                <a:ea typeface="Helvetica Neue"/>
+                <a:cs typeface="Helvetica Neue"/>
+                <a:sym typeface="Helvetica Neue"/>
+              </a:rPr>
+              <a:t>Regional relations and trends</a:t>
+            </a:r>
+          </a:p>
+          <a:p>
+            <a:pPr indent="-342900" lvl="1" marL="914400" rtl="0">
+              <a:spcBef>
+                <a:spcPts val="0"/>
+              </a:spcBef>
+              <a:buClr>
+                <a:schemeClr val="lt1"/>
+              </a:buClr>
+              <a:buSzPct val="100000"/>
+              <a:buFont typeface="Helvetica Neue"/>
+            </a:pPr>
+            <a:r>
+              <a:rPr b="1" lang="en" sz="1800">
+                <a:solidFill>
+                  <a:schemeClr val="lt1"/>
+                </a:solidFill>
+                <a:latin typeface="Helvetica Neue"/>
+                <a:ea typeface="Helvetica Neue"/>
+                <a:cs typeface="Helvetica Neue"/>
+                <a:sym typeface="Helvetica Neue"/>
+              </a:rPr>
+              <a:t>Facilities and parent companies’ releases</a:t>
+            </a:r>
+          </a:p>
+          <a:p>
+            <a:pPr indent="-342900" lvl="1" marL="914400" rtl="0">
+              <a:spcBef>
+                <a:spcPts val="0"/>
+              </a:spcBef>
+              <a:buClr>
+                <a:schemeClr val="lt1"/>
+              </a:buClr>
+              <a:buSzPct val="100000"/>
+              <a:buFont typeface="Helvetica Neue"/>
+            </a:pPr>
+            <a:r>
+              <a:rPr b="1" lang="en" sz="1800">
+                <a:solidFill>
+                  <a:schemeClr val="lt1"/>
+                </a:solidFill>
+                <a:latin typeface="Helvetica Neue"/>
+                <a:ea typeface="Helvetica Neue"/>
+                <a:cs typeface="Helvetica Neue"/>
+                <a:sym typeface="Helvetica Neue"/>
+              </a:rPr>
+              <a:t>Industry sector releases</a:t>
+            </a:r>
+          </a:p>
+        </p:txBody>
+      </p:sp>
+      <p:sp>
+        <p:nvSpPr>
+          <p:cNvPr id="640" name="Shape 640"/>
+          <p:cNvSpPr/>
+          <p:nvPr/>
+        </p:nvSpPr>
+        <p:spPr>
+          <a:xfrm>
+            <a:off x="4339745" y="955019"/>
+            <a:ext cx="1322100" cy="1129200"/>
+          </a:xfrm>
+          <a:prstGeom prst="rect">
+            <a:avLst/>
+          </a:prstGeom>
+          <a:solidFill>
+            <a:srgbClr val="6C6C6C"/>
+          </a:solidFill>
+          <a:ln>
+            <a:noFill/>
+          </a:ln>
+        </p:spPr>
+        <p:txBody>
+          <a:bodyPr anchorCtr="0" anchor="ctr" bIns="32750" lIns="32750" rIns="32750" wrap="square" tIns="32750">
+            <a:noAutofit/>
+          </a:bodyPr>
+          <a:lstStyle/>
+          <a:p>
+            <a:pPr indent="-88900" lvl="0" marL="0" marR="0" rtl="0" algn="ctr">
+              <a:lnSpc>
+                <a:spcPct val="100000"/>
+              </a:lnSpc>
+              <a:spcBef>
+                <a:spcPts val="0"/>
+              </a:spcBef>
+              <a:spcAft>
+                <a:spcPts val="0"/>
+              </a:spcAft>
+              <a:buClr>
+                <a:srgbClr val="FFFFFF"/>
+              </a:buClr>
+              <a:buFont typeface="Helvetica Neue"/>
+              <a:buNone/>
+            </a:pPr>
+            <a:r>
+              <a:t/>
+            </a:r>
+            <a:endParaRPr b="0" i="0" sz="1400" u="none" cap="none" strike="noStrike">
+              <a:solidFill>
+                <a:srgbClr val="FFFFFF"/>
+              </a:solidFill>
+              <a:latin typeface="Helvetica Neue"/>
+              <a:ea typeface="Helvetica Neue"/>
+              <a:cs typeface="Helvetica Neue"/>
+              <a:sym typeface="Helvetica Neue"/>
+            </a:endParaRPr>
+          </a:p>
+        </p:txBody>
+      </p:sp>
+      <p:sp>
+        <p:nvSpPr>
+          <p:cNvPr id="641" name="Shape 641"/>
+          <p:cNvSpPr/>
+          <p:nvPr/>
+        </p:nvSpPr>
+        <p:spPr>
+          <a:xfrm>
+            <a:off x="4344609" y="22274"/>
+            <a:ext cx="4772700" cy="917400"/>
+          </a:xfrm>
+          <a:prstGeom prst="rect">
+            <a:avLst/>
+          </a:prstGeom>
+          <a:solidFill>
+            <a:srgbClr val="434343"/>
+          </a:solidFill>
+          <a:ln>
+            <a:noFill/>
+          </a:ln>
+        </p:spPr>
+        <p:txBody>
+          <a:bodyPr anchorCtr="0" anchor="ctr" bIns="32750" lIns="32750" rIns="32750" wrap="square" tIns="32750">
+            <a:noAutofit/>
+          </a:bodyPr>
+          <a:lstStyle/>
+          <a:p>
+            <a:pPr indent="-88900" lvl="0" marL="0" marR="0" rtl="0" algn="ctr">
+              <a:lnSpc>
+                <a:spcPct val="100000"/>
+              </a:lnSpc>
+              <a:spcBef>
+                <a:spcPts val="0"/>
+              </a:spcBef>
+              <a:spcAft>
+                <a:spcPts val="0"/>
+              </a:spcAft>
+              <a:buClr>
+                <a:srgbClr val="FFFFFF"/>
+              </a:buClr>
+              <a:buFont typeface="Helvetica Neue"/>
+              <a:buNone/>
+            </a:pPr>
+            <a:r>
+              <a:t/>
+            </a:r>
+            <a:endParaRPr b="0" i="0" sz="1400" u="none" cap="none" strike="noStrike">
+              <a:solidFill>
+                <a:srgbClr val="FFFFFF"/>
+              </a:solidFill>
+              <a:latin typeface="Helvetica Neue"/>
+              <a:ea typeface="Helvetica Neue"/>
+              <a:cs typeface="Helvetica Neue"/>
+              <a:sym typeface="Helvetica Neue"/>
+            </a:endParaRPr>
+          </a:p>
+        </p:txBody>
+      </p:sp>
+      <p:sp>
+        <p:nvSpPr>
+          <p:cNvPr id="642" name="Shape 642"/>
+          <p:cNvSpPr txBox="1"/>
+          <p:nvPr/>
+        </p:nvSpPr>
+        <p:spPr>
+          <a:xfrm>
+            <a:off x="4382101" y="264675"/>
+            <a:ext cx="4697700" cy="432600"/>
+          </a:xfrm>
+          <a:prstGeom prst="rect">
+            <a:avLst/>
+          </a:prstGeom>
+          <a:noFill/>
+          <a:ln>
+            <a:noFill/>
+          </a:ln>
+        </p:spPr>
+        <p:txBody>
+          <a:bodyPr anchorCtr="0" anchor="ctr" bIns="32750" lIns="32750" rIns="32750" wrap="square" tIns="32750">
+            <a:noAutofit/>
+          </a:bodyPr>
+          <a:lstStyle/>
+          <a:p>
+            <a:pPr indent="-196850" lvl="0" marL="0" marR="0" rtl="0" algn="ctr">
+              <a:lnSpc>
+                <a:spcPct val="100000"/>
+              </a:lnSpc>
+              <a:spcBef>
+                <a:spcPts val="0"/>
+              </a:spcBef>
+              <a:spcAft>
+                <a:spcPts val="0"/>
+              </a:spcAft>
+              <a:buClr>
+                <a:srgbClr val="FFFFFF"/>
+              </a:buClr>
+              <a:buSzPct val="114814"/>
+              <a:buFont typeface="Helvetica Neue"/>
+              <a:buNone/>
+            </a:pPr>
+            <a:r>
+              <a:rPr b="1" lang="en" sz="2700">
+                <a:solidFill>
+                  <a:srgbClr val="FFFFFF"/>
+                </a:solidFill>
+                <a:latin typeface="Helvetica Neue"/>
+                <a:ea typeface="Helvetica Neue"/>
+                <a:cs typeface="Helvetica Neue"/>
+                <a:sym typeface="Helvetica Neue"/>
+              </a:rPr>
+              <a:t>Next Steps</a:t>
+            </a:r>
+          </a:p>
+        </p:txBody>
+      </p:sp>
+      <p:sp>
+        <p:nvSpPr>
+          <p:cNvPr id="643" name="Shape 643"/>
+          <p:cNvSpPr/>
+          <p:nvPr/>
+        </p:nvSpPr>
+        <p:spPr>
+          <a:xfrm>
+            <a:off x="5682332" y="2101132"/>
+            <a:ext cx="3434400" cy="2083200"/>
+          </a:xfrm>
+          <a:prstGeom prst="rect">
+            <a:avLst/>
+          </a:prstGeom>
+          <a:solidFill>
+            <a:srgbClr val="434343"/>
+          </a:solidFill>
+          <a:ln>
+            <a:noFill/>
+          </a:ln>
+        </p:spPr>
+        <p:txBody>
+          <a:bodyPr anchorCtr="0" anchor="ctr" bIns="32750" lIns="32750" rIns="32750" wrap="square" tIns="32750">
+            <a:noAutofit/>
+          </a:bodyPr>
+          <a:lstStyle/>
+          <a:p>
+            <a:pPr indent="-88900" lvl="0" marL="0" marR="0" rtl="0" algn="ctr">
+              <a:lnSpc>
+                <a:spcPct val="100000"/>
+              </a:lnSpc>
+              <a:spcBef>
+                <a:spcPts val="0"/>
+              </a:spcBef>
+              <a:spcAft>
+                <a:spcPts val="0"/>
+              </a:spcAft>
+              <a:buClr>
+                <a:srgbClr val="FFFFFF"/>
+              </a:buClr>
+              <a:buFont typeface="Helvetica Neue"/>
+              <a:buNone/>
+            </a:pPr>
+            <a:r>
+              <a:t/>
+            </a:r>
+            <a:endParaRPr b="0" i="0" sz="1400" u="none" cap="none" strike="noStrike">
+              <a:solidFill>
+                <a:srgbClr val="FFFFFF"/>
+              </a:solidFill>
+              <a:latin typeface="Helvetica Neue"/>
+              <a:ea typeface="Helvetica Neue"/>
+              <a:cs typeface="Helvetica Neue"/>
+              <a:sym typeface="Helvetica Neue"/>
+            </a:endParaRPr>
+          </a:p>
+        </p:txBody>
+      </p:sp>
+      <p:sp>
+        <p:nvSpPr>
+          <p:cNvPr id="644" name="Shape 644"/>
+          <p:cNvSpPr/>
+          <p:nvPr/>
+        </p:nvSpPr>
+        <p:spPr>
+          <a:xfrm>
+            <a:off x="5685350" y="957050"/>
+            <a:ext cx="2451300" cy="1125000"/>
+          </a:xfrm>
+          <a:prstGeom prst="rect">
+            <a:avLst/>
+          </a:prstGeom>
+          <a:solidFill>
+            <a:srgbClr val="6C6C6C"/>
+          </a:solidFill>
+          <a:ln>
+            <a:noFill/>
+          </a:ln>
+        </p:spPr>
+        <p:txBody>
+          <a:bodyPr anchorCtr="0" anchor="ctr" bIns="32750" lIns="32750" rIns="32750" wrap="square" tIns="32750">
+            <a:noAutofit/>
+          </a:bodyPr>
+          <a:lstStyle/>
+          <a:p>
+            <a:pPr indent="-88900" lvl="0" marL="0" marR="0" rtl="0" algn="ctr">
+              <a:lnSpc>
+                <a:spcPct val="100000"/>
+              </a:lnSpc>
+              <a:spcBef>
+                <a:spcPts val="0"/>
+              </a:spcBef>
+              <a:spcAft>
+                <a:spcPts val="0"/>
+              </a:spcAft>
+              <a:buClr>
+                <a:srgbClr val="FFFFFF"/>
+              </a:buClr>
+              <a:buFont typeface="Helvetica Neue"/>
+              <a:buNone/>
+            </a:pPr>
+            <a:r>
+              <a:t/>
+            </a:r>
+            <a:endParaRPr b="0" i="0" sz="1400" u="none" cap="none" strike="noStrike">
+              <a:solidFill>
+                <a:srgbClr val="FFFFFF"/>
+              </a:solidFill>
+              <a:latin typeface="Helvetica Neue"/>
+              <a:ea typeface="Helvetica Neue"/>
+              <a:cs typeface="Helvetica Neue"/>
+              <a:sym typeface="Helvetica Neue"/>
+            </a:endParaRPr>
+          </a:p>
+        </p:txBody>
+      </p:sp>
+      <p:pic>
+        <p:nvPicPr>
+          <p:cNvPr descr="2eastmainbfr.jpg" id="645" name="Shape 645"/>
+          <p:cNvPicPr preferRelativeResize="0"/>
+          <p:nvPr/>
+        </p:nvPicPr>
+        <p:blipFill rotWithShape="1">
+          <a:blip r:embed="rId3">
+            <a:alphaModFix/>
+          </a:blip>
+          <a:srcRect b="0" l="0" r="0" t="0"/>
+          <a:stretch/>
+        </p:blipFill>
+        <p:spPr>
+          <a:xfrm>
+            <a:off x="8174459" y="957284"/>
+            <a:ext cx="944244" cy="1124691"/>
+          </a:xfrm>
+          <a:prstGeom prst="rect">
+            <a:avLst/>
+          </a:prstGeom>
+          <a:noFill/>
+          <a:ln>
+            <a:noFill/>
+          </a:ln>
+        </p:spPr>
+      </p:pic>
+      <p:pic>
+        <p:nvPicPr>
+          <p:cNvPr descr="natural-wetland-2.jpg" id="646" name="Shape 646"/>
+          <p:cNvPicPr preferRelativeResize="0"/>
+          <p:nvPr/>
+        </p:nvPicPr>
+        <p:blipFill rotWithShape="1">
+          <a:blip r:embed="rId4">
+            <a:alphaModFix/>
+          </a:blip>
+          <a:srcRect b="0" l="0" r="0" t="0"/>
+          <a:stretch/>
+        </p:blipFill>
+        <p:spPr>
+          <a:xfrm>
+            <a:off x="7569975" y="4203150"/>
+            <a:ext cx="1564600" cy="916575"/>
+          </a:xfrm>
+          <a:prstGeom prst="rect">
+            <a:avLst/>
+          </a:prstGeom>
+          <a:noFill/>
+          <a:ln>
+            <a:noFill/>
+          </a:ln>
+        </p:spPr>
+      </p:pic>
+      <p:sp>
+        <p:nvSpPr>
+          <p:cNvPr id="647" name="Shape 647"/>
+          <p:cNvSpPr/>
+          <p:nvPr/>
+        </p:nvSpPr>
+        <p:spPr>
+          <a:xfrm>
+            <a:off x="5683150" y="4203175"/>
+            <a:ext cx="1866900" cy="917400"/>
+          </a:xfrm>
+          <a:prstGeom prst="rect">
+            <a:avLst/>
+          </a:prstGeom>
+          <a:solidFill>
+            <a:srgbClr val="6C6C6C"/>
+          </a:solidFill>
+          <a:ln>
+            <a:noFill/>
+          </a:ln>
+        </p:spPr>
+        <p:txBody>
+          <a:bodyPr anchorCtr="0" anchor="ctr" bIns="32750" lIns="32750" rIns="32750" wrap="square" tIns="32750">
+            <a:noAutofit/>
+          </a:bodyPr>
+          <a:lstStyle/>
+          <a:p>
+            <a:pPr indent="-88900" lvl="0" marL="0" marR="0" rtl="0" algn="ctr">
+              <a:lnSpc>
+                <a:spcPct val="100000"/>
+              </a:lnSpc>
+              <a:spcBef>
+                <a:spcPts val="0"/>
+              </a:spcBef>
+              <a:spcAft>
+                <a:spcPts val="0"/>
+              </a:spcAft>
+              <a:buClr>
+                <a:srgbClr val="FFFFFF"/>
+              </a:buClr>
+              <a:buFont typeface="Helvetica Neue"/>
+              <a:buNone/>
+            </a:pPr>
+            <a:r>
+              <a:t/>
+            </a:r>
+            <a:endParaRPr b="0" i="0" sz="1400" u="none" cap="none" strike="noStrike">
+              <a:solidFill>
+                <a:srgbClr val="FFFFFF"/>
+              </a:solidFill>
+              <a:latin typeface="Helvetica Neue"/>
+              <a:ea typeface="Helvetica Neue"/>
+              <a:cs typeface="Helvetica Neue"/>
+              <a:sym typeface="Helvetica Neue"/>
+            </a:endParaRPr>
+          </a:p>
+        </p:txBody>
+      </p:sp>
+      <p:pic>
+        <p:nvPicPr>
+          <p:cNvPr descr="Toxic-Waste.jpg" id="648" name="Shape 648"/>
+          <p:cNvPicPr preferRelativeResize="0"/>
+          <p:nvPr/>
+        </p:nvPicPr>
+        <p:blipFill rotWithShape="1">
+          <a:blip r:embed="rId5">
+            <a:alphaModFix/>
+          </a:blip>
+          <a:srcRect b="0" l="0" r="0" t="0"/>
+          <a:stretch/>
+        </p:blipFill>
+        <p:spPr>
+          <a:xfrm>
+            <a:off x="24267" y="19442"/>
+            <a:ext cx="4273408" cy="2058823"/>
+          </a:xfrm>
+          <a:prstGeom prst="rect">
+            <a:avLst/>
+          </a:prstGeom>
+          <a:noFill/>
+          <a:ln>
+            <a:noFill/>
+          </a:ln>
+        </p:spPr>
+      </p:pic>
+      <p:pic>
+        <p:nvPicPr>
+          <p:cNvPr descr="composite_data.gif" id="649" name="Shape 649"/>
+          <p:cNvPicPr preferRelativeResize="0"/>
+          <p:nvPr/>
+        </p:nvPicPr>
+        <p:blipFill rotWithShape="1">
+          <a:blip r:embed="rId6">
+            <a:alphaModFix/>
+          </a:blip>
+          <a:srcRect b="0" l="0" r="0" t="0"/>
+          <a:stretch/>
+        </p:blipFill>
+        <p:spPr>
+          <a:xfrm>
+            <a:off x="5683120" y="2101132"/>
+            <a:ext cx="3432796" cy="2082286"/>
+          </a:xfrm>
+          <a:prstGeom prst="rect">
+            <a:avLst/>
+          </a:prstGeom>
+          <a:noFill/>
+          <a:ln>
+            <a:noFill/>
+          </a:ln>
+        </p:spPr>
+      </p:pic>
+    </p:spTree>
+  </p:cSld>
+  <p:clrMapOvr>
+    <a:masterClrMapping/>
+  </p:clrMapOvr>
+</p:sld>
+</file>
+
+<file path=ppt/slides/slide31.xml><?xml version="1.0" encoding="utf-8"?>
+<p:sld xmlns:a="http://schemas.openxmlformats.org/drawingml/2006/main" xmlns:r="http://schemas.openxmlformats.org/officeDocument/2006/relationships" xmlns:mc="http://schemas.openxmlformats.org/markup-compatibility/2006" xmlns:mv="urn:schemas-microsoft-com:mac:vml" xmlns:p="http://schemas.openxmlformats.org/presentationml/2006/main" xmlns:c="http://schemas.openxmlformats.org/drawingml/2006/chart" xmlns:dgm="http://schemas.openxmlformats.org/drawingml/2006/diagram" xmlns:o="urn:schemas-microsoft-com:office:office" xmlns:v="urn:schemas-microsoft-com:vml" xmlns:pvml="urn:schemas-microsoft-com:office:powerpoint" xmlns:com="http://schemas.openxmlformats.org/drawingml/2006/compatibility" xmlns:p14="http://schemas.microsoft.com/office/powerpoint/2010/main" xmlns:p15="http://schemas.microsoft.com/office/powerpoint/2012/main">
+  <p:cSld>
+    <p:bg>
+      <p:bgPr>
+        <a:solidFill>
+          <a:srgbClr val="FFFFFF"/>
+        </a:solidFill>
+      </p:bgPr>
+    </p:bg>
+    <p:spTree>
+      <p:nvGrpSpPr>
+        <p:cNvPr id="653" name="Shape 653"/>
         <p:cNvGrpSpPr/>
         <p:nvPr/>
       </p:nvGrpSpPr>
@@ -33393,7 +35868,7 @@
       </p:grpSpPr>
       <p:pic>
         <p:nvPicPr>
-          <p:cNvPr descr="natural-wetland-2.jpg" id="619" name="Shape 619"/>
+          <p:cNvPr descr="natural-wetland-2.jpg" id="654" name="Shape 654"/>
           <p:cNvPicPr preferRelativeResize="0"/>
           <p:nvPr/>
         </p:nvPicPr>
@@ -33420,7 +35895,7 @@
       </p:pic>
       <p:sp>
         <p:nvSpPr>
-          <p:cNvPr id="620" name="Shape 620"/>
+          <p:cNvPr id="655" name="Shape 655"/>
           <p:cNvSpPr/>
           <p:nvPr/>
         </p:nvSpPr>
@@ -33478,7 +35953,7 @@
       </p:sp>
       <p:sp>
         <p:nvSpPr>
-          <p:cNvPr id="621" name="Shape 621"/>
+          <p:cNvPr id="656" name="Shape 656"/>
           <p:cNvSpPr/>
           <p:nvPr/>
         </p:nvSpPr>
@@ -33536,7 +36011,7 @@
       </p:sp>
       <p:pic>
         <p:nvPicPr>
-          <p:cNvPr descr="chemicalplant.jpg" id="622" name="Shape 622"/>
+          <p:cNvPr descr="chemicalplant.jpg" id="657" name="Shape 657"/>
           <p:cNvPicPr preferRelativeResize="0"/>
           <p:nvPr/>
         </p:nvPicPr>
@@ -33563,7 +36038,7 @@
       </p:pic>
       <p:sp>
         <p:nvSpPr>
-          <p:cNvPr id="623" name="Shape 623"/>
+          <p:cNvPr id="658" name="Shape 658"/>
           <p:cNvSpPr/>
           <p:nvPr/>
         </p:nvSpPr>
@@ -33621,7 +36096,7 @@
       </p:sp>
       <p:sp>
         <p:nvSpPr>
-          <p:cNvPr id="624" name="Shape 624"/>
+          <p:cNvPr id="659" name="Shape 659"/>
           <p:cNvSpPr/>
           <p:nvPr/>
         </p:nvSpPr>
@@ -33679,7 +36154,7 @@
       </p:sp>
       <p:sp>
         <p:nvSpPr>
-          <p:cNvPr id="625" name="Shape 625"/>
+          <p:cNvPr id="660" name="Shape 660"/>
           <p:cNvSpPr/>
           <p:nvPr/>
         </p:nvSpPr>
@@ -33737,7 +36212,7 @@
       </p:sp>
       <p:sp>
         <p:nvSpPr>
-          <p:cNvPr id="626" name="Shape 626"/>
+          <p:cNvPr id="661" name="Shape 661"/>
           <p:cNvSpPr/>
           <p:nvPr/>
         </p:nvSpPr>
@@ -33795,7 +36270,7 @@
       </p:sp>
       <p:sp>
         <p:nvSpPr>
-          <p:cNvPr id="627" name="Shape 627"/>
+          <p:cNvPr id="662" name="Shape 662"/>
           <p:cNvSpPr/>
           <p:nvPr/>
         </p:nvSpPr>
@@ -33853,7 +36328,7 @@
       </p:sp>
       <p:sp>
         <p:nvSpPr>
-          <p:cNvPr id="628" name="Shape 628"/>
+          <p:cNvPr id="663" name="Shape 663"/>
           <p:cNvSpPr/>
           <p:nvPr/>
         </p:nvSpPr>
@@ -33911,7 +36386,7 @@
       </p:sp>
       <p:sp>
         <p:nvSpPr>
-          <p:cNvPr id="629" name="Shape 629"/>
+          <p:cNvPr id="664" name="Shape 664"/>
           <p:cNvSpPr/>
           <p:nvPr/>
         </p:nvSpPr>
@@ -33969,7 +36444,7 @@
       </p:sp>
       <p:sp>
         <p:nvSpPr>
-          <p:cNvPr id="630" name="Shape 630"/>
+          <p:cNvPr id="665" name="Shape 665"/>
           <p:cNvSpPr/>
           <p:nvPr/>
         </p:nvSpPr>
@@ -34027,7 +36502,7 @@
       </p:sp>
       <p:pic>
         <p:nvPicPr>
-          <p:cNvPr descr="taipei.png" id="631" name="Shape 631"/>
+          <p:cNvPr descr="taipei.png" id="666" name="Shape 666"/>
           <p:cNvPicPr preferRelativeResize="0"/>
           <p:nvPr/>
         </p:nvPicPr>
@@ -34054,7 +36529,7 @@
       </p:pic>
       <p:sp>
         <p:nvSpPr>
-          <p:cNvPr id="632" name="Shape 632"/>
+          <p:cNvPr id="667" name="Shape 667"/>
           <p:cNvSpPr txBox="1"/>
           <p:nvPr/>
         </p:nvSpPr>
@@ -34111,7 +36586,7 @@
       </p:sp>
       <p:sp>
         <p:nvSpPr>
-          <p:cNvPr id="633" name="Shape 633"/>
+          <p:cNvPr id="668" name="Shape 668"/>
           <p:cNvSpPr txBox="1"/>
           <p:nvPr/>
         </p:nvSpPr>
@@ -34168,7 +36643,7 @@
       </p:sp>
       <p:sp>
         <p:nvSpPr>
-          <p:cNvPr id="634" name="Shape 634"/>
+          <p:cNvPr id="669" name="Shape 669"/>
           <p:cNvSpPr txBox="1"/>
           <p:nvPr/>
         </p:nvSpPr>
@@ -34294,7 +36769,7 @@
       </p:sp>
       <p:sp>
         <p:nvSpPr>
-          <p:cNvPr id="635" name="Shape 635"/>
+          <p:cNvPr id="670" name="Shape 670"/>
           <p:cNvSpPr txBox="1"/>
           <p:nvPr/>
         </p:nvSpPr>
@@ -34351,7 +36826,7 @@
       </p:sp>
       <p:sp>
         <p:nvSpPr>
-          <p:cNvPr id="636" name="Shape 636"/>
+          <p:cNvPr id="671" name="Shape 671"/>
           <p:cNvSpPr/>
           <p:nvPr/>
         </p:nvSpPr>
@@ -34409,7 +36884,7 @@
       </p:sp>
       <p:pic>
         <p:nvPicPr>
-          <p:cNvPr descr="2eastmainbfr.jpg" id="637" name="Shape 637"/>
+          <p:cNvPr descr="2eastmainbfr.jpg" id="672" name="Shape 672"/>
           <p:cNvPicPr preferRelativeResize="0"/>
           <p:nvPr/>
         </p:nvPicPr>
@@ -34473,7 +36948,7 @@
                                           </p:stCondLst>
                                         </p:cTn>
                                         <p:tgtEl>
-                                          <p:spTgt spid="632"/>
+                                          <p:spTgt spid="667"/>
                                         </p:tgtEl>
                                         <p:attrNameLst>
                                           <p:attrName>style.visibility</p:attrName>
@@ -34487,7 +36962,7 @@
                                       <p:cBhvr>
                                         <p:cTn dur="1500"/>
                                         <p:tgtEl>
-                                          <p:spTgt spid="632"/>
+                                          <p:spTgt spid="667"/>
                                         </p:tgtEl>
                                       </p:cBhvr>
                                     </p:animEffect>
@@ -34517,7 +36992,7 @@
                                           </p:stCondLst>
                                         </p:cTn>
                                         <p:tgtEl>
-                                          <p:spTgt spid="635"/>
+                                          <p:spTgt spid="670"/>
                                         </p:tgtEl>
                                         <p:attrNameLst>
                                           <p:attrName>style.visibility</p:attrName>
@@ -34531,7 +37006,7 @@
                                       <p:cBhvr>
                                         <p:cTn dur="1500"/>
                                         <p:tgtEl>
-                                          <p:spTgt spid="635"/>
+                                          <p:spTgt spid="670"/>
                                         </p:tgtEl>
                                       </p:cBhvr>
                                     </p:animEffect>
@@ -34566,907 +37041,6 @@
       </p:par>
     </p:tnLst>
   </p:timing>
-</p:sld>
-</file>
-
-<file path=ppt/slides/slide3.xml><?xml version="1.0" encoding="utf-8"?>
-<p:sld xmlns:a="http://schemas.openxmlformats.org/drawingml/2006/main" xmlns:r="http://schemas.openxmlformats.org/officeDocument/2006/relationships" xmlns:mc="http://schemas.openxmlformats.org/markup-compatibility/2006" xmlns:mv="urn:schemas-microsoft-com:mac:vml" xmlns:p="http://schemas.openxmlformats.org/presentationml/2006/main" xmlns:c="http://schemas.openxmlformats.org/drawingml/2006/chart" xmlns:dgm="http://schemas.openxmlformats.org/drawingml/2006/diagram" xmlns:o="urn:schemas-microsoft-com:office:office" xmlns:v="urn:schemas-microsoft-com:vml" xmlns:pvml="urn:schemas-microsoft-com:office:powerpoint" xmlns:com="http://schemas.openxmlformats.org/drawingml/2006/compatibility" xmlns:p14="http://schemas.microsoft.com/office/powerpoint/2010/main" xmlns:p15="http://schemas.microsoft.com/office/powerpoint/2012/main">
-  <p:cSld>
-    <p:bg>
-      <p:bgPr>
-        <a:solidFill>
-          <a:srgbClr val="FFFFFF"/>
-        </a:solidFill>
-      </p:bgPr>
-    </p:bg>
-    <p:spTree>
-      <p:nvGrpSpPr>
-        <p:cNvPr id="142" name="Shape 142"/>
-        <p:cNvGrpSpPr/>
-        <p:nvPr/>
-      </p:nvGrpSpPr>
-      <p:grpSpPr>
-        <a:xfrm>
-          <a:off x="0" y="0"/>
-          <a:ext cx="0" cy="0"/>
-          <a:chOff x="0" y="0"/>
-          <a:chExt cx="0" cy="0"/>
-        </a:xfrm>
-      </p:grpSpPr>
-      <p:sp>
-        <p:nvSpPr>
-          <p:cNvPr id="143" name="Shape 143"/>
-          <p:cNvSpPr/>
-          <p:nvPr/>
-        </p:nvSpPr>
-        <p:spPr>
-          <a:xfrm>
-            <a:off x="27504" y="22274"/>
-            <a:ext cx="4286251" cy="2065359"/>
-          </a:xfrm>
-          <a:prstGeom prst="rect">
-            <a:avLst/>
-          </a:prstGeom>
-          <a:solidFill>
-            <a:srgbClr val="434343"/>
-          </a:solidFill>
-          <a:ln>
-            <a:noFill/>
-          </a:ln>
-        </p:spPr>
-        <p:txBody>
-          <a:bodyPr anchorCtr="0" anchor="ctr" bIns="32750" lIns="32750" rIns="32750" wrap="square" tIns="32750">
-            <a:noAutofit/>
-          </a:bodyPr>
-          <a:lstStyle/>
-          <a:p>
-            <a:pPr indent="-88900" lvl="0" marL="0" marR="0" rtl="0" algn="ctr">
-              <a:lnSpc>
-                <a:spcPct val="100000"/>
-              </a:lnSpc>
-              <a:spcBef>
-                <a:spcPts val="0"/>
-              </a:spcBef>
-              <a:spcAft>
-                <a:spcPts val="0"/>
-              </a:spcAft>
-              <a:buClr>
-                <a:srgbClr val="FFFFFF"/>
-              </a:buClr>
-              <a:buFont typeface="Helvetica Neue"/>
-              <a:buNone/>
-            </a:pPr>
-            <a:r>
-              <a:t/>
-            </a:r>
-            <a:endParaRPr b="0" i="0" sz="1400" u="none" cap="none" strike="noStrike">
-              <a:solidFill>
-                <a:srgbClr val="FFFFFF"/>
-              </a:solidFill>
-              <a:latin typeface="Helvetica Neue"/>
-              <a:ea typeface="Helvetica Neue"/>
-              <a:cs typeface="Helvetica Neue"/>
-              <a:sym typeface="Helvetica Neue"/>
-            </a:endParaRPr>
-          </a:p>
-        </p:txBody>
-      </p:sp>
-      <p:sp>
-        <p:nvSpPr>
-          <p:cNvPr id="144" name="Shape 144"/>
-          <p:cNvSpPr/>
-          <p:nvPr/>
-        </p:nvSpPr>
-        <p:spPr>
-          <a:xfrm>
-            <a:off x="28580" y="5089464"/>
-            <a:ext cx="5634633" cy="33086"/>
-          </a:xfrm>
-          <a:prstGeom prst="rect">
-            <a:avLst/>
-          </a:prstGeom>
-          <a:solidFill>
-            <a:srgbClr val="434343"/>
-          </a:solidFill>
-          <a:ln>
-            <a:noFill/>
-          </a:ln>
-        </p:spPr>
-        <p:txBody>
-          <a:bodyPr anchorCtr="0" anchor="ctr" bIns="32750" lIns="32750" rIns="32750" wrap="square" tIns="32750">
-            <a:noAutofit/>
-          </a:bodyPr>
-          <a:lstStyle/>
-          <a:p>
-            <a:pPr indent="-88900" lvl="0" marL="0" marR="0" rtl="0" algn="ctr">
-              <a:lnSpc>
-                <a:spcPct val="100000"/>
-              </a:lnSpc>
-              <a:spcBef>
-                <a:spcPts val="0"/>
-              </a:spcBef>
-              <a:spcAft>
-                <a:spcPts val="0"/>
-              </a:spcAft>
-              <a:buClr>
-                <a:srgbClr val="FFFFFF"/>
-              </a:buClr>
-              <a:buFont typeface="Helvetica Neue"/>
-              <a:buNone/>
-            </a:pPr>
-            <a:r>
-              <a:t/>
-            </a:r>
-            <a:endParaRPr b="0" i="0" sz="1400" u="none" cap="none" strike="noStrike">
-              <a:solidFill>
-                <a:srgbClr val="FFFFFF"/>
-              </a:solidFill>
-              <a:latin typeface="Helvetica Neue"/>
-              <a:ea typeface="Helvetica Neue"/>
-              <a:cs typeface="Helvetica Neue"/>
-              <a:sym typeface="Helvetica Neue"/>
-            </a:endParaRPr>
-          </a:p>
-        </p:txBody>
-      </p:sp>
-      <p:sp>
-        <p:nvSpPr>
-          <p:cNvPr id="145" name="Shape 145"/>
-          <p:cNvSpPr/>
-          <p:nvPr/>
-        </p:nvSpPr>
-        <p:spPr>
-          <a:xfrm>
-            <a:off x="31954" y="2099458"/>
-            <a:ext cx="5628945" cy="2974787"/>
-          </a:xfrm>
-          <a:prstGeom prst="rect">
-            <a:avLst/>
-          </a:prstGeom>
-          <a:solidFill>
-            <a:srgbClr val="000000"/>
-          </a:solidFill>
-          <a:ln>
-            <a:noFill/>
-          </a:ln>
-        </p:spPr>
-        <p:txBody>
-          <a:bodyPr anchorCtr="0" anchor="ctr" bIns="32750" lIns="32750" rIns="32750" wrap="square" tIns="32750">
-            <a:noAutofit/>
-          </a:bodyPr>
-          <a:lstStyle/>
-          <a:p>
-            <a:pPr indent="-88900" lvl="0" marL="0" marR="0" rtl="0" algn="ctr">
-              <a:lnSpc>
-                <a:spcPct val="100000"/>
-              </a:lnSpc>
-              <a:spcBef>
-                <a:spcPts val="0"/>
-              </a:spcBef>
-              <a:spcAft>
-                <a:spcPts val="0"/>
-              </a:spcAft>
-              <a:buClr>
-                <a:srgbClr val="FFFFFF"/>
-              </a:buClr>
-              <a:buFont typeface="Helvetica Neue"/>
-              <a:buNone/>
-            </a:pPr>
-            <a:r>
-              <a:t/>
-            </a:r>
-            <a:endParaRPr b="0" i="0" sz="1400" u="none" cap="none" strike="noStrike">
-              <a:solidFill>
-                <a:srgbClr val="FFFFFF"/>
-              </a:solidFill>
-              <a:latin typeface="Helvetica Neue"/>
-              <a:ea typeface="Helvetica Neue"/>
-              <a:cs typeface="Helvetica Neue"/>
-              <a:sym typeface="Helvetica Neue"/>
-            </a:endParaRPr>
-          </a:p>
-        </p:txBody>
-      </p:sp>
-      <p:sp>
-        <p:nvSpPr>
-          <p:cNvPr id="146" name="Shape 146"/>
-          <p:cNvSpPr/>
-          <p:nvPr/>
-        </p:nvSpPr>
-        <p:spPr>
-          <a:xfrm>
-            <a:off x="4339745" y="955019"/>
-            <a:ext cx="1322195" cy="1129220"/>
-          </a:xfrm>
-          <a:prstGeom prst="rect">
-            <a:avLst/>
-          </a:prstGeom>
-          <a:solidFill>
-            <a:srgbClr val="6C6C6C"/>
-          </a:solidFill>
-          <a:ln>
-            <a:noFill/>
-          </a:ln>
-        </p:spPr>
-        <p:txBody>
-          <a:bodyPr anchorCtr="0" anchor="ctr" bIns="32750" lIns="32750" rIns="32750" wrap="square" tIns="32750">
-            <a:noAutofit/>
-          </a:bodyPr>
-          <a:lstStyle/>
-          <a:p>
-            <a:pPr indent="-88900" lvl="0" marL="0" marR="0" rtl="0" algn="ctr">
-              <a:lnSpc>
-                <a:spcPct val="100000"/>
-              </a:lnSpc>
-              <a:spcBef>
-                <a:spcPts val="0"/>
-              </a:spcBef>
-              <a:spcAft>
-                <a:spcPts val="0"/>
-              </a:spcAft>
-              <a:buClr>
-                <a:srgbClr val="FFFFFF"/>
-              </a:buClr>
-              <a:buFont typeface="Helvetica Neue"/>
-              <a:buNone/>
-            </a:pPr>
-            <a:r>
-              <a:t/>
-            </a:r>
-            <a:endParaRPr b="0" i="0" sz="1400" u="none" cap="none" strike="noStrike">
-              <a:solidFill>
-                <a:srgbClr val="FFFFFF"/>
-              </a:solidFill>
-              <a:latin typeface="Helvetica Neue"/>
-              <a:ea typeface="Helvetica Neue"/>
-              <a:cs typeface="Helvetica Neue"/>
-              <a:sym typeface="Helvetica Neue"/>
-            </a:endParaRPr>
-          </a:p>
-        </p:txBody>
-      </p:sp>
-      <p:sp>
-        <p:nvSpPr>
-          <p:cNvPr id="147" name="Shape 147"/>
-          <p:cNvSpPr/>
-          <p:nvPr/>
-        </p:nvSpPr>
-        <p:spPr>
-          <a:xfrm>
-            <a:off x="4344609" y="22274"/>
-            <a:ext cx="4772588" cy="917526"/>
-          </a:xfrm>
-          <a:prstGeom prst="rect">
-            <a:avLst/>
-          </a:prstGeom>
-          <a:solidFill>
-            <a:srgbClr val="434343"/>
-          </a:solidFill>
-          <a:ln>
-            <a:noFill/>
-          </a:ln>
-        </p:spPr>
-        <p:txBody>
-          <a:bodyPr anchorCtr="0" anchor="ctr" bIns="32750" lIns="32750" rIns="32750" wrap="square" tIns="32750">
-            <a:noAutofit/>
-          </a:bodyPr>
-          <a:lstStyle/>
-          <a:p>
-            <a:pPr indent="-88900" lvl="0" marL="0" marR="0" rtl="0" algn="ctr">
-              <a:lnSpc>
-                <a:spcPct val="100000"/>
-              </a:lnSpc>
-              <a:spcBef>
-                <a:spcPts val="0"/>
-              </a:spcBef>
-              <a:spcAft>
-                <a:spcPts val="0"/>
-              </a:spcAft>
-              <a:buClr>
-                <a:srgbClr val="FFFFFF"/>
-              </a:buClr>
-              <a:buFont typeface="Helvetica Neue"/>
-              <a:buNone/>
-            </a:pPr>
-            <a:r>
-              <a:t/>
-            </a:r>
-            <a:endParaRPr b="0" i="0" sz="1400" u="none" cap="none" strike="noStrike">
-              <a:solidFill>
-                <a:srgbClr val="FFFFFF"/>
-              </a:solidFill>
-              <a:latin typeface="Helvetica Neue"/>
-              <a:ea typeface="Helvetica Neue"/>
-              <a:cs typeface="Helvetica Neue"/>
-              <a:sym typeface="Helvetica Neue"/>
-            </a:endParaRPr>
-          </a:p>
-        </p:txBody>
-      </p:sp>
-      <p:sp>
-        <p:nvSpPr>
-          <p:cNvPr id="148" name="Shape 148"/>
-          <p:cNvSpPr txBox="1"/>
-          <p:nvPr/>
-        </p:nvSpPr>
-        <p:spPr>
-          <a:xfrm>
-            <a:off x="4348675" y="133025"/>
-            <a:ext cx="4730324" cy="696026"/>
-          </a:xfrm>
-          <a:prstGeom prst="rect">
-            <a:avLst/>
-          </a:prstGeom>
-          <a:noFill/>
-          <a:ln>
-            <a:noFill/>
-          </a:ln>
-        </p:spPr>
-        <p:txBody>
-          <a:bodyPr anchorCtr="0" anchor="ctr" bIns="32750" lIns="32750" rIns="32750" wrap="square" tIns="32750">
-            <a:noAutofit/>
-          </a:bodyPr>
-          <a:lstStyle/>
-          <a:p>
-            <a:pPr indent="-177800" lvl="0" marL="0" marR="0" rtl="0" algn="ctr">
-              <a:lnSpc>
-                <a:spcPct val="100000"/>
-              </a:lnSpc>
-              <a:spcBef>
-                <a:spcPts val="0"/>
-              </a:spcBef>
-              <a:spcAft>
-                <a:spcPts val="0"/>
-              </a:spcAft>
-              <a:buClr>
-                <a:srgbClr val="FFFFFF"/>
-              </a:buClr>
-              <a:buSzPct val="100000"/>
-              <a:buFont typeface="Helvetica Neue"/>
-              <a:buNone/>
-            </a:pPr>
-            <a:r>
-              <a:rPr b="1" i="0" lang="en" sz="2800" u="none" cap="none" strike="noStrike">
-                <a:solidFill>
-                  <a:srgbClr val="FFFFFF"/>
-                </a:solidFill>
-                <a:latin typeface="Helvetica Neue"/>
-                <a:ea typeface="Helvetica Neue"/>
-                <a:cs typeface="Helvetica Neue"/>
-                <a:sym typeface="Helvetica Neue"/>
-              </a:rPr>
-              <a:t>Toxics Release Inventory</a:t>
-            </a:r>
-          </a:p>
-          <a:p>
-            <a:pPr indent="-152400" lvl="0" marL="0" marR="0" rtl="0" algn="ctr">
-              <a:lnSpc>
-                <a:spcPct val="100000"/>
-              </a:lnSpc>
-              <a:spcBef>
-                <a:spcPts val="0"/>
-              </a:spcBef>
-              <a:spcAft>
-                <a:spcPts val="0"/>
-              </a:spcAft>
-              <a:buClr>
-                <a:srgbClr val="FFFFFF"/>
-              </a:buClr>
-              <a:buSzPct val="100000"/>
-              <a:buFont typeface="Helvetica Neue"/>
-              <a:buNone/>
-            </a:pPr>
-            <a:r>
-              <a:rPr b="1" i="1" lang="en" sz="2400" u="none" cap="none" strike="noStrike">
-                <a:solidFill>
-                  <a:srgbClr val="FFFFFF"/>
-                </a:solidFill>
-                <a:latin typeface="Helvetica Neue"/>
-                <a:ea typeface="Helvetica Neue"/>
-                <a:cs typeface="Helvetica Neue"/>
-                <a:sym typeface="Helvetica Neue"/>
-              </a:rPr>
-              <a:t>History</a:t>
-            </a:r>
-          </a:p>
-        </p:txBody>
-      </p:sp>
-      <p:sp>
-        <p:nvSpPr>
-          <p:cNvPr id="149" name="Shape 149"/>
-          <p:cNvSpPr/>
-          <p:nvPr/>
-        </p:nvSpPr>
-        <p:spPr>
-          <a:xfrm>
-            <a:off x="5682332" y="2101132"/>
-            <a:ext cx="3434305" cy="2083105"/>
-          </a:xfrm>
-          <a:prstGeom prst="rect">
-            <a:avLst/>
-          </a:prstGeom>
-          <a:solidFill>
-            <a:srgbClr val="434343"/>
-          </a:solidFill>
-          <a:ln>
-            <a:noFill/>
-          </a:ln>
-        </p:spPr>
-        <p:txBody>
-          <a:bodyPr anchorCtr="0" anchor="ctr" bIns="32750" lIns="32750" rIns="32750" wrap="square" tIns="32750">
-            <a:noAutofit/>
-          </a:bodyPr>
-          <a:lstStyle/>
-          <a:p>
-            <a:pPr indent="-88900" lvl="0" marL="0" marR="0" rtl="0" algn="ctr">
-              <a:lnSpc>
-                <a:spcPct val="100000"/>
-              </a:lnSpc>
-              <a:spcBef>
-                <a:spcPts val="0"/>
-              </a:spcBef>
-              <a:spcAft>
-                <a:spcPts val="0"/>
-              </a:spcAft>
-              <a:buClr>
-                <a:srgbClr val="FFFFFF"/>
-              </a:buClr>
-              <a:buFont typeface="Helvetica Neue"/>
-              <a:buNone/>
-            </a:pPr>
-            <a:r>
-              <a:t/>
-            </a:r>
-            <a:endParaRPr b="0" i="0" sz="1400" u="none" cap="none" strike="noStrike">
-              <a:solidFill>
-                <a:srgbClr val="FFFFFF"/>
-              </a:solidFill>
-              <a:latin typeface="Helvetica Neue"/>
-              <a:ea typeface="Helvetica Neue"/>
-              <a:cs typeface="Helvetica Neue"/>
-              <a:sym typeface="Helvetica Neue"/>
-            </a:endParaRPr>
-          </a:p>
-        </p:txBody>
-      </p:sp>
-      <p:sp>
-        <p:nvSpPr>
-          <p:cNvPr id="150" name="Shape 150"/>
-          <p:cNvSpPr txBox="1"/>
-          <p:nvPr/>
-        </p:nvSpPr>
-        <p:spPr>
-          <a:xfrm>
-            <a:off x="194297" y="2204897"/>
-            <a:ext cx="5303198" cy="2763910"/>
-          </a:xfrm>
-          <a:prstGeom prst="rect">
-            <a:avLst/>
-          </a:prstGeom>
-          <a:noFill/>
-          <a:ln>
-            <a:noFill/>
-          </a:ln>
-        </p:spPr>
-        <p:txBody>
-          <a:bodyPr anchorCtr="0" anchor="ctr" bIns="32750" lIns="32750" rIns="32750" wrap="square" tIns="32750">
-            <a:noAutofit/>
-          </a:bodyPr>
-          <a:lstStyle/>
-          <a:p>
-            <a:pPr indent="-88900" lvl="0" marL="0" marR="0" rtl="0" algn="l">
-              <a:lnSpc>
-                <a:spcPct val="100000"/>
-              </a:lnSpc>
-              <a:spcBef>
-                <a:spcPts val="0"/>
-              </a:spcBef>
-              <a:spcAft>
-                <a:spcPts val="0"/>
-              </a:spcAft>
-              <a:buClr>
-                <a:srgbClr val="FFFFFF"/>
-              </a:buClr>
-              <a:buSzPct val="100000"/>
-              <a:buFont typeface="Helvetica Neue"/>
-              <a:buNone/>
-            </a:pPr>
-            <a:r>
-              <a:rPr b="1" i="1" lang="en" sz="1400" u="none" cap="none" strike="noStrike">
-                <a:solidFill>
-                  <a:srgbClr val="FFFFFF"/>
-                </a:solidFill>
-                <a:latin typeface="Helvetica Neue"/>
-                <a:ea typeface="Helvetica Neue"/>
-                <a:cs typeface="Helvetica Neue"/>
-                <a:sym typeface="Helvetica Neue"/>
-              </a:rPr>
-              <a:t>From the EPA:</a:t>
-            </a:r>
-          </a:p>
-          <a:p>
-            <a:pPr indent="-88900" lvl="0" marL="0" marR="0" rtl="0" algn="l">
-              <a:lnSpc>
-                <a:spcPct val="100000"/>
-              </a:lnSpc>
-              <a:spcBef>
-                <a:spcPts val="0"/>
-              </a:spcBef>
-              <a:spcAft>
-                <a:spcPts val="0"/>
-              </a:spcAft>
-              <a:buClr>
-                <a:srgbClr val="FFFFFF"/>
-              </a:buClr>
-              <a:buSzPct val="100000"/>
-              <a:buFont typeface="Helvetica Neue"/>
-              <a:buNone/>
-            </a:pPr>
-            <a:r>
-              <a:rPr b="1" i="1" lang="en" sz="1400" u="none" cap="none" strike="noStrike">
-                <a:solidFill>
-                  <a:srgbClr val="FFFFFF"/>
-                </a:solidFill>
-                <a:latin typeface="Helvetica Neue"/>
-                <a:ea typeface="Helvetica Neue"/>
-                <a:cs typeface="Helvetica Neue"/>
-                <a:sym typeface="Helvetica Neue"/>
-              </a:rPr>
-              <a:t>“</a:t>
-            </a:r>
-            <a:r>
-              <a:rPr b="0" i="1" lang="en" sz="1400" u="none" cap="none" strike="noStrike">
-                <a:solidFill>
-                  <a:srgbClr val="FFFFFF"/>
-                </a:solidFill>
-                <a:latin typeface="Helvetica Neue"/>
-                <a:ea typeface="Helvetica Neue"/>
-                <a:cs typeface="Helvetica Neue"/>
-                <a:sym typeface="Helvetica Neue"/>
-              </a:rPr>
-              <a:t>On December 4, 1984, a cloud of extremely </a:t>
-            </a:r>
-            <a:r>
-              <a:rPr b="0" i="1" lang="en" sz="1400" u="none" cap="none" strike="noStrike">
-                <a:solidFill>
-                  <a:schemeClr val="accent3"/>
-                </a:solidFill>
-                <a:latin typeface="Helvetica Neue"/>
-                <a:ea typeface="Helvetica Neue"/>
-                <a:cs typeface="Helvetica Neue"/>
-                <a:sym typeface="Helvetica Neue"/>
-              </a:rPr>
-              <a:t>toxic methyl isocyanate gas</a:t>
-            </a:r>
-            <a:r>
-              <a:rPr b="0" i="1" lang="en" sz="1400" u="none" cap="none" strike="noStrike">
-                <a:solidFill>
-                  <a:srgbClr val="FFFFFF"/>
-                </a:solidFill>
-                <a:latin typeface="Helvetica Neue"/>
-                <a:ea typeface="Helvetica Neue"/>
-                <a:cs typeface="Helvetica Neue"/>
-                <a:sym typeface="Helvetica Neue"/>
-              </a:rPr>
-              <a:t> escaped from a Union Carbide Chemical plant in Bhopal, India. Thousands of people died that night… considered to be the worst industrial disaster in history. Thousands more died later… survivors continue to suffer with permanent disabilities. In 1985, a serious chemical release occurred at a similar plant in West Virginia.</a:t>
-            </a:r>
-          </a:p>
-          <a:p>
-            <a:pPr indent="-88900" lvl="0" marL="0" marR="0" rtl="0" algn="l">
-              <a:lnSpc>
-                <a:spcPct val="100000"/>
-              </a:lnSpc>
-              <a:spcBef>
-                <a:spcPts val="0"/>
-              </a:spcBef>
-              <a:spcAft>
-                <a:spcPts val="0"/>
-              </a:spcAft>
-              <a:buClr>
-                <a:srgbClr val="FFFFFF"/>
-              </a:buClr>
-              <a:buFont typeface="Helvetica Neue"/>
-              <a:buNone/>
-            </a:pPr>
-            <a:r>
-              <a:t/>
-            </a:r>
-            <a:endParaRPr b="0" i="1" sz="1400" u="none" cap="none" strike="noStrike">
-              <a:solidFill>
-                <a:srgbClr val="FFFFFF"/>
-              </a:solidFill>
-              <a:latin typeface="Helvetica Neue"/>
-              <a:ea typeface="Helvetica Neue"/>
-              <a:cs typeface="Helvetica Neue"/>
-              <a:sym typeface="Helvetica Neue"/>
-            </a:endParaRPr>
-          </a:p>
-          <a:p>
-            <a:pPr indent="-88900" lvl="0" marL="0" marR="0" rtl="0" algn="l">
-              <a:lnSpc>
-                <a:spcPct val="100000"/>
-              </a:lnSpc>
-              <a:spcBef>
-                <a:spcPts val="0"/>
-              </a:spcBef>
-              <a:spcAft>
-                <a:spcPts val="0"/>
-              </a:spcAft>
-              <a:buClr>
-                <a:srgbClr val="FFFFFF"/>
-              </a:buClr>
-              <a:buSzPct val="100000"/>
-              <a:buFont typeface="Helvetica Neue"/>
-              <a:buNone/>
-            </a:pPr>
-            <a:r>
-              <a:rPr b="0" i="1" lang="en" sz="1400" u="none" cap="none" strike="noStrike">
-                <a:solidFill>
-                  <a:srgbClr val="FFFFFF"/>
-                </a:solidFill>
-                <a:latin typeface="Helvetica Neue"/>
-                <a:ea typeface="Helvetica Neue"/>
-                <a:cs typeface="Helvetica Neue"/>
-                <a:sym typeface="Helvetica Neue"/>
-              </a:rPr>
-              <a:t>In 1986, Congress passed the Emergency Planning and Community Right-to-Know Act (EPCRA) to support and promote emergency planning and to provide the public with information about releases of toxic chemicals in their community. Section 313 of EPCRA established the </a:t>
-            </a:r>
-            <a:r>
-              <a:rPr b="1" i="1" lang="en" sz="1400" u="none" cap="none" strike="noStrike">
-                <a:solidFill>
-                  <a:srgbClr val="FFFFFF"/>
-                </a:solidFill>
-                <a:latin typeface="Helvetica Neue"/>
-                <a:ea typeface="Helvetica Neue"/>
-                <a:cs typeface="Helvetica Neue"/>
-                <a:sym typeface="Helvetica Neue"/>
-              </a:rPr>
-              <a:t>Toxics Release Inventory.</a:t>
-            </a:r>
-            <a:r>
-              <a:rPr b="0" i="1" lang="en" sz="1400" u="none" cap="none" strike="noStrike">
-                <a:solidFill>
-                  <a:srgbClr val="FFFFFF"/>
-                </a:solidFill>
-                <a:latin typeface="Helvetica Neue"/>
-                <a:ea typeface="Helvetica Neue"/>
-                <a:cs typeface="Helvetica Neue"/>
-                <a:sym typeface="Helvetica Neue"/>
-              </a:rPr>
-              <a:t>”</a:t>
-            </a:r>
-          </a:p>
-        </p:txBody>
-      </p:sp>
-      <p:pic>
-        <p:nvPicPr>
-          <p:cNvPr descr="magnumphotos_raibhopal.gif" id="151" name="Shape 151"/>
-          <p:cNvPicPr preferRelativeResize="0"/>
-          <p:nvPr/>
-        </p:nvPicPr>
-        <p:blipFill rotWithShape="1">
-          <a:blip r:embed="rId3">
-            <a:alphaModFix/>
-          </a:blip>
-          <a:srcRect b="0" l="0" r="0" t="0"/>
-          <a:stretch/>
-        </p:blipFill>
-        <p:spPr>
-          <a:xfrm>
-            <a:off x="28578" y="19450"/>
-            <a:ext cx="4286249" cy="2056974"/>
-          </a:xfrm>
-          <a:prstGeom prst="rect">
-            <a:avLst/>
-          </a:prstGeom>
-          <a:noFill/>
-          <a:ln>
-            <a:noFill/>
-          </a:ln>
-        </p:spPr>
-      </p:pic>
-      <p:pic>
-        <p:nvPicPr>
-          <p:cNvPr descr="bhopal-gas-tragedybest-ppt-ever-13-638.jpg" id="152" name="Shape 152"/>
-          <p:cNvPicPr preferRelativeResize="0"/>
-          <p:nvPr/>
-        </p:nvPicPr>
-        <p:blipFill rotWithShape="1">
-          <a:blip r:embed="rId4">
-            <a:alphaModFix/>
-          </a:blip>
-          <a:srcRect b="0" l="0" r="0" t="0"/>
-          <a:stretch/>
-        </p:blipFill>
-        <p:spPr>
-          <a:xfrm>
-            <a:off x="5683161" y="2101132"/>
-            <a:ext cx="3436842" cy="2078261"/>
-          </a:xfrm>
-          <a:prstGeom prst="rect">
-            <a:avLst/>
-          </a:prstGeom>
-          <a:noFill/>
-          <a:ln>
-            <a:noFill/>
-          </a:ln>
-        </p:spPr>
-      </p:pic>
-      <p:sp>
-        <p:nvSpPr>
-          <p:cNvPr id="153" name="Shape 153"/>
-          <p:cNvSpPr/>
-          <p:nvPr/>
-        </p:nvSpPr>
-        <p:spPr>
-          <a:xfrm>
-            <a:off x="5685350" y="957050"/>
-            <a:ext cx="2451300" cy="1125000"/>
-          </a:xfrm>
-          <a:prstGeom prst="rect">
-            <a:avLst/>
-          </a:prstGeom>
-          <a:solidFill>
-            <a:srgbClr val="6C6C6C"/>
-          </a:solidFill>
-          <a:ln>
-            <a:noFill/>
-          </a:ln>
-        </p:spPr>
-        <p:txBody>
-          <a:bodyPr anchorCtr="0" anchor="ctr" bIns="32750" lIns="32750" rIns="32750" wrap="square" tIns="32750">
-            <a:noAutofit/>
-          </a:bodyPr>
-          <a:lstStyle/>
-          <a:p>
-            <a:pPr indent="-88900" lvl="0" marL="0" marR="0" rtl="0" algn="ctr">
-              <a:lnSpc>
-                <a:spcPct val="100000"/>
-              </a:lnSpc>
-              <a:spcBef>
-                <a:spcPts val="0"/>
-              </a:spcBef>
-              <a:spcAft>
-                <a:spcPts val="0"/>
-              </a:spcAft>
-              <a:buClr>
-                <a:srgbClr val="FFFFFF"/>
-              </a:buClr>
-              <a:buFont typeface="Helvetica Neue"/>
-              <a:buNone/>
-            </a:pPr>
-            <a:r>
-              <a:t/>
-            </a:r>
-            <a:endParaRPr b="0" i="0" sz="1400" u="none" cap="none" strike="noStrike">
-              <a:solidFill>
-                <a:srgbClr val="FFFFFF"/>
-              </a:solidFill>
-              <a:latin typeface="Helvetica Neue"/>
-              <a:ea typeface="Helvetica Neue"/>
-              <a:cs typeface="Helvetica Neue"/>
-              <a:sym typeface="Helvetica Neue"/>
-            </a:endParaRPr>
-          </a:p>
-        </p:txBody>
-      </p:sp>
-      <p:pic>
-        <p:nvPicPr>
-          <p:cNvPr descr="2eastmainbfr.jpg" id="154" name="Shape 154"/>
-          <p:cNvPicPr preferRelativeResize="0"/>
-          <p:nvPr/>
-        </p:nvPicPr>
-        <p:blipFill rotWithShape="1">
-          <a:blip r:embed="rId5">
-            <a:alphaModFix/>
-          </a:blip>
-          <a:srcRect b="0" l="0" r="0" t="0"/>
-          <a:stretch/>
-        </p:blipFill>
-        <p:spPr>
-          <a:xfrm>
-            <a:off x="8174459" y="957284"/>
-            <a:ext cx="944244" cy="1124691"/>
-          </a:xfrm>
-          <a:prstGeom prst="rect">
-            <a:avLst/>
-          </a:prstGeom>
-          <a:noFill/>
-          <a:ln>
-            <a:noFill/>
-          </a:ln>
-        </p:spPr>
-      </p:pic>
-      <p:pic>
-        <p:nvPicPr>
-          <p:cNvPr descr="natural-wetland-2.jpg" id="155" name="Shape 155"/>
-          <p:cNvPicPr preferRelativeResize="0"/>
-          <p:nvPr/>
-        </p:nvPicPr>
-        <p:blipFill rotWithShape="1">
-          <a:blip r:embed="rId6">
-            <a:alphaModFix/>
-          </a:blip>
-          <a:srcRect b="0" l="0" r="0" t="0"/>
-          <a:stretch/>
-        </p:blipFill>
-        <p:spPr>
-          <a:xfrm>
-            <a:off x="7569975" y="4203150"/>
-            <a:ext cx="1564600" cy="916575"/>
-          </a:xfrm>
-          <a:prstGeom prst="rect">
-            <a:avLst/>
-          </a:prstGeom>
-          <a:noFill/>
-          <a:ln>
-            <a:noFill/>
-          </a:ln>
-        </p:spPr>
-      </p:pic>
-      <p:sp>
-        <p:nvSpPr>
-          <p:cNvPr id="156" name="Shape 156"/>
-          <p:cNvSpPr/>
-          <p:nvPr/>
-        </p:nvSpPr>
-        <p:spPr>
-          <a:xfrm>
-            <a:off x="5683150" y="4203175"/>
-            <a:ext cx="1866900" cy="917400"/>
-          </a:xfrm>
-          <a:prstGeom prst="rect">
-            <a:avLst/>
-          </a:prstGeom>
-          <a:solidFill>
-            <a:srgbClr val="6C6C6C"/>
-          </a:solidFill>
-          <a:ln>
-            <a:noFill/>
-          </a:ln>
-        </p:spPr>
-        <p:txBody>
-          <a:bodyPr anchorCtr="0" anchor="ctr" bIns="32750" lIns="32750" rIns="32750" wrap="square" tIns="32750">
-            <a:noAutofit/>
-          </a:bodyPr>
-          <a:lstStyle/>
-          <a:p>
-            <a:pPr indent="-88900" lvl="0" marL="0" marR="0" rtl="0" algn="ctr">
-              <a:lnSpc>
-                <a:spcPct val="100000"/>
-              </a:lnSpc>
-              <a:spcBef>
-                <a:spcPts val="0"/>
-              </a:spcBef>
-              <a:spcAft>
-                <a:spcPts val="0"/>
-              </a:spcAft>
-              <a:buClr>
-                <a:srgbClr val="FFFFFF"/>
-              </a:buClr>
-              <a:buFont typeface="Helvetica Neue"/>
-              <a:buNone/>
-            </a:pPr>
-            <a:r>
-              <a:t/>
-            </a:r>
-            <a:endParaRPr b="0" i="0" sz="1400" u="none" cap="none" strike="noStrike">
-              <a:solidFill>
-                <a:srgbClr val="FFFFFF"/>
-              </a:solidFill>
-              <a:latin typeface="Helvetica Neue"/>
-              <a:ea typeface="Helvetica Neue"/>
-              <a:cs typeface="Helvetica Neue"/>
-              <a:sym typeface="Helvetica Neue"/>
-            </a:endParaRPr>
-          </a:p>
-        </p:txBody>
-      </p:sp>
-    </p:spTree>
-  </p:cSld>
-  <p:clrMapOvr>
-    <a:masterClrMapping/>
-  </p:clrMapOvr>
 </p:sld>
 </file>
 
@@ -41362,6 +42936,285 @@
 </file>
 
 <file path=ppt/theme/theme2.xml><?xml version="1.0" encoding="utf-8"?>
+<a:theme xmlns:a="http://schemas.openxmlformats.org/drawingml/2006/main" xmlns:r="http://schemas.openxmlformats.org/officeDocument/2006/relationships" name="Custom Theme">
+  <a:themeElements>
+    <a:clrScheme name="Default">
+      <a:dk1>
+        <a:srgbClr val="000000"/>
+      </a:dk1>
+      <a:lt1>
+        <a:srgbClr val="FFFFFF"/>
+      </a:lt1>
+      <a:dk2>
+        <a:srgbClr val="158158"/>
+      </a:dk2>
+      <a:lt2>
+        <a:srgbClr val="F3F3F3"/>
+      </a:lt2>
+      <a:accent1>
+        <a:srgbClr val="058DC7"/>
+      </a:accent1>
+      <a:accent2>
+        <a:srgbClr val="50B432"/>
+      </a:accent2>
+      <a:accent3>
+        <a:srgbClr val="ED561B"/>
+      </a:accent3>
+      <a:accent4>
+        <a:srgbClr val="EDEF00"/>
+      </a:accent4>
+      <a:accent5>
+        <a:srgbClr val="24CBE5"/>
+      </a:accent5>
+      <a:accent6>
+        <a:srgbClr val="64E572"/>
+      </a:accent6>
+      <a:hlink>
+        <a:srgbClr val="2200CC"/>
+      </a:hlink>
+      <a:folHlink>
+        <a:srgbClr val="551A8B"/>
+      </a:folHlink>
+    </a:clrScheme>
+    <a:fontScheme name="Office">
+      <a:majorFont>
+        <a:latin typeface="Arial"/>
+        <a:ea typeface=""/>
+        <a:cs typeface=""/>
+        <a:font script="Jpan" typeface="ＭＳ Ｐゴシック"/>
+        <a:font script="Hang" typeface="맑은 고딕"/>
+        <a:font script="Hans" typeface="宋体"/>
+        <a:font script="Hant" typeface="新細明體"/>
+        <a:font script="Arab" typeface="Times New Roman"/>
+        <a:font script="Hebr" typeface="Times New Roman"/>
+        <a:font script="Thai" typeface="Angsana New"/>
+        <a:font script="Ethi" typeface="Nyala"/>
+        <a:font script="Beng" typeface="Vrinda"/>
+        <a:font script="Gujr" typeface="Shruti"/>
+        <a:font script="Khmr" typeface="MoolBoran"/>
+        <a:font script="Knda" typeface="Tunga"/>
+        <a:font script="Guru" typeface="Raavi"/>
+        <a:font script="Cans" typeface="Euphemia"/>
+        <a:font script="Cher" typeface="Plantagenet Cherokee"/>
+        <a:font script="Yiii" typeface="Microsoft Yi Baiti"/>
+        <a:font script="Tibt" typeface="Microsoft Himalaya"/>
+        <a:font script="Thaa" typeface="MV Boli"/>
+        <a:font script="Deva" typeface="Mangal"/>
+        <a:font script="Telu" typeface="Gautami"/>
+        <a:font script="Taml" typeface="Latha"/>
+        <a:font script="Syrc" typeface="Estrangelo Edessa"/>
+        <a:font script="Orya" typeface="Kalinga"/>
+        <a:font script="Mlym" typeface="Kartika"/>
+        <a:font script="Laoo" typeface="DokChampa"/>
+        <a:font script="Sinh" typeface="Iskoola Pota"/>
+        <a:font script="Mong" typeface="Mongolian Baiti"/>
+        <a:font script="Viet" typeface="Times New Roman"/>
+        <a:font script="Uigh" typeface="Microsoft Uighur"/>
+        <a:font script="Geor" typeface="Sylfaen"/>
+      </a:majorFont>
+      <a:minorFont>
+        <a:latin typeface="Arial"/>
+        <a:ea typeface=""/>
+        <a:cs typeface=""/>
+        <a:font script="Jpan" typeface="ＭＳ Ｐゴシック"/>
+        <a:font script="Hang" typeface="맑은 고딕"/>
+        <a:font script="Hans" typeface="宋体"/>
+        <a:font script="Hant" typeface="新細明體"/>
+        <a:font script="Arab" typeface="Arial"/>
+        <a:font script="Hebr" typeface="Arial"/>
+        <a:font script="Thai" typeface="Cordia New"/>
+        <a:font script="Ethi" typeface="Nyala"/>
+        <a:font script="Beng" typeface="Vrinda"/>
+        <a:font script="Gujr" typeface="Shruti"/>
+        <a:font script="Khmr" typeface="DaunPenh"/>
+        <a:font script="Knda" typeface="Tunga"/>
+        <a:font script="Guru" typeface="Raavi"/>
+        <a:font script="Cans" typeface="Euphemia"/>
+        <a:font script="Cher" typeface="Plantagenet Cherokee"/>
+        <a:font script="Yiii" typeface="Microsoft Yi Baiti"/>
+        <a:font script="Tibt" typeface="Microsoft Himalaya"/>
+        <a:font script="Thaa" typeface="MV Boli"/>
+        <a:font script="Deva" typeface="Mangal"/>
+        <a:font script="Telu" typeface="Gautami"/>
+        <a:font script="Taml" typeface="Latha"/>
+        <a:font script="Syrc" typeface="Estrangelo Edessa"/>
+        <a:font script="Orya" typeface="Kalinga"/>
+        <a:font script="Mlym" typeface="Kartika"/>
+        <a:font script="Laoo" typeface="DokChampa"/>
+        <a:font script="Sinh" typeface="Iskoola Pota"/>
+        <a:font script="Mong" typeface="Mongolian Baiti"/>
+        <a:font script="Viet" typeface="Arial"/>
+        <a:font script="Uigh" typeface="Microsoft Uighur"/>
+        <a:font script="Geor" typeface="Sylfaen"/>
+      </a:minorFont>
+    </a:fontScheme>
+    <a:fmtScheme name="Office">
+      <a:fillStyleLst>
+        <a:solidFill>
+          <a:schemeClr val="phClr"/>
+        </a:solidFill>
+        <a:gradFill rotWithShape="1">
+          <a:gsLst>
+            <a:gs pos="0">
+              <a:schemeClr val="phClr">
+                <a:tint val="50000"/>
+                <a:satMod val="300000"/>
+              </a:schemeClr>
+            </a:gs>
+            <a:gs pos="35000">
+              <a:schemeClr val="phClr">
+                <a:tint val="37000"/>
+                <a:satMod val="300000"/>
+              </a:schemeClr>
+            </a:gs>
+            <a:gs pos="100000">
+              <a:schemeClr val="phClr">
+                <a:tint val="15000"/>
+                <a:satMod val="350000"/>
+              </a:schemeClr>
+            </a:gs>
+          </a:gsLst>
+          <a:lin ang="16200000" scaled="1"/>
+        </a:gradFill>
+        <a:gradFill rotWithShape="1">
+          <a:gsLst>
+            <a:gs pos="0">
+              <a:schemeClr val="phClr">
+                <a:tint val="100000"/>
+                <a:shade val="100000"/>
+                <a:satMod val="130000"/>
+              </a:schemeClr>
+            </a:gs>
+            <a:gs pos="100000">
+              <a:schemeClr val="phClr">
+                <a:tint val="50000"/>
+                <a:shade val="100000"/>
+                <a:satMod val="350000"/>
+              </a:schemeClr>
+            </a:gs>
+          </a:gsLst>
+          <a:lin ang="16200000" scaled="0"/>
+        </a:gradFill>
+      </a:fillStyleLst>
+      <a:lnStyleLst>
+        <a:ln w="9525" cap="flat" cmpd="sng" algn="ctr">
+          <a:solidFill>
+            <a:schemeClr val="phClr">
+              <a:shade val="95000"/>
+              <a:satMod val="105000"/>
+            </a:schemeClr>
+          </a:solidFill>
+          <a:prstDash val="solid"/>
+        </a:ln>
+        <a:ln w="25400" cap="flat" cmpd="sng" algn="ctr">
+          <a:solidFill>
+            <a:schemeClr val="phClr"/>
+          </a:solidFill>
+          <a:prstDash val="solid"/>
+        </a:ln>
+        <a:ln w="38100" cap="flat" cmpd="sng" algn="ctr">
+          <a:solidFill>
+            <a:schemeClr val="phClr"/>
+          </a:solidFill>
+          <a:prstDash val="solid"/>
+        </a:ln>
+      </a:lnStyleLst>
+      <a:effectStyleLst>
+        <a:effectStyle>
+          <a:effectLst>
+            <a:outerShdw blurRad="40000" dist="20000" dir="5400000" rotWithShape="0">
+              <a:srgbClr val="000000">
+                <a:alpha val="38000"/>
+              </a:srgbClr>
+            </a:outerShdw>
+          </a:effectLst>
+        </a:effectStyle>
+        <a:effectStyle>
+          <a:effectLst>
+            <a:outerShdw blurRad="40000" dist="23000" dir="5400000" rotWithShape="0">
+              <a:srgbClr val="000000">
+                <a:alpha val="35000"/>
+              </a:srgbClr>
+            </a:outerShdw>
+          </a:effectLst>
+        </a:effectStyle>
+        <a:effectStyle>
+          <a:effectLst>
+            <a:outerShdw blurRad="40000" dist="23000" dir="5400000" rotWithShape="0">
+              <a:srgbClr val="000000">
+                <a:alpha val="35000"/>
+              </a:srgbClr>
+            </a:outerShdw>
+          </a:effectLst>
+          <a:scene3d>
+            <a:camera prst="orthographicFront">
+              <a:rot lat="0" lon="0" rev="0"/>
+            </a:camera>
+            <a:lightRig rig="threePt" dir="t">
+              <a:rot lat="0" lon="0" rev="1200000"/>
+            </a:lightRig>
+          </a:scene3d>
+          <a:sp3d>
+            <a:bevelT w="63500" h="25400"/>
+          </a:sp3d>
+        </a:effectStyle>
+      </a:effectStyleLst>
+      <a:bgFillStyleLst>
+        <a:solidFill>
+          <a:schemeClr val="phClr"/>
+        </a:solidFill>
+        <a:gradFill rotWithShape="1">
+          <a:gsLst>
+            <a:gs pos="0">
+              <a:schemeClr val="phClr">
+                <a:tint val="40000"/>
+                <a:satMod val="350000"/>
+              </a:schemeClr>
+            </a:gs>
+            <a:gs pos="40000">
+              <a:schemeClr val="phClr">
+                <a:tint val="45000"/>
+                <a:shade val="99000"/>
+                <a:satMod val="350000"/>
+              </a:schemeClr>
+            </a:gs>
+            <a:gs pos="100000">
+              <a:schemeClr val="phClr">
+                <a:shade val="20000"/>
+                <a:satMod val="255000"/>
+              </a:schemeClr>
+            </a:gs>
+          </a:gsLst>
+          <a:path path="circle">
+            <a:fillToRect l="50000" t="-80000" r="50000" b="180000"/>
+          </a:path>
+        </a:gradFill>
+        <a:gradFill rotWithShape="1">
+          <a:gsLst>
+            <a:gs pos="0">
+              <a:schemeClr val="phClr">
+                <a:tint val="80000"/>
+                <a:satMod val="300000"/>
+              </a:schemeClr>
+            </a:gs>
+            <a:gs pos="100000">
+              <a:schemeClr val="phClr">
+                <a:shade val="30000"/>
+                <a:satMod val="200000"/>
+              </a:schemeClr>
+            </a:gs>
+          </a:gsLst>
+          <a:path path="circle">
+            <a:fillToRect l="50000" t="50000" r="50000" b="50000"/>
+          </a:path>
+        </a:gradFill>
+      </a:bgFillStyleLst>
+    </a:fmtScheme>
+  </a:themeElements>
+</a:theme>
+</file>
+
+<file path=ppt/theme/theme3.xml><?xml version="1.0" encoding="utf-8"?>
 <a:theme xmlns:a="http://schemas.openxmlformats.org/drawingml/2006/main" xmlns:r="http://schemas.openxmlformats.org/officeDocument/2006/relationships" name="Simple Light">
   <a:themeElements>
     <a:clrScheme name="Simple Light">
@@ -41638,283 +43491,4 @@
     </a:fmtScheme>
   </a:themeElements>
 </a:theme>
-</file>
-
-<file path=ppt/theme/theme3.xml><?xml version="1.0" encoding="utf-8"?>
-<a:theme xmlns:a="http://schemas.openxmlformats.org/drawingml/2006/main" xmlns:r="http://schemas.openxmlformats.org/officeDocument/2006/relationships" name="Custom Theme">
-  <a:themeElements>
-    <a:clrScheme name="Default">
-      <a:dk1>
-        <a:srgbClr val="000000"/>
-      </a:dk1>
-      <a:lt1>
-        <a:srgbClr val="FFFFFF"/>
-      </a:lt1>
-      <a:dk2>
-        <a:srgbClr val="158158"/>
-      </a:dk2>
-      <a:lt2>
-        <a:srgbClr val="F3F3F3"/>
-      </a:lt2>
-      <a:accent1>
-        <a:srgbClr val="058DC7"/>
-      </a:accent1>
-      <a:accent2>
-        <a:srgbClr val="50B432"/>
-      </a:accent2>
-      <a:accent3>
-        <a:srgbClr val="ED561B"/>
-      </a:accent3>
-      <a:accent4>
-        <a:srgbClr val="EDEF00"/>
-      </a:accent4>
-      <a:accent5>
-        <a:srgbClr val="24CBE5"/>
-      </a:accent5>
-      <a:accent6>
-        <a:srgbClr val="64E572"/>
-      </a:accent6>
-      <a:hlink>
-        <a:srgbClr val="2200CC"/>
-      </a:hlink>
-      <a:folHlink>
-        <a:srgbClr val="551A8B"/>
-      </a:folHlink>
-    </a:clrScheme>
-    <a:fontScheme name="Office">
-      <a:majorFont>
-        <a:latin typeface="Arial"/>
-        <a:ea typeface=""/>
-        <a:cs typeface=""/>
-        <a:font script="Jpan" typeface="ＭＳ Ｐゴシック"/>
-        <a:font script="Hang" typeface="맑은 고딕"/>
-        <a:font script="Hans" typeface="宋体"/>
-        <a:font script="Hant" typeface="新細明體"/>
-        <a:font script="Arab" typeface="Times New Roman"/>
-        <a:font script="Hebr" typeface="Times New Roman"/>
-        <a:font script="Thai" typeface="Angsana New"/>
-        <a:font script="Ethi" typeface="Nyala"/>
-        <a:font script="Beng" typeface="Vrinda"/>
-        <a:font script="Gujr" typeface="Shruti"/>
-        <a:font script="Khmr" typeface="MoolBoran"/>
-        <a:font script="Knda" typeface="Tunga"/>
-        <a:font script="Guru" typeface="Raavi"/>
-        <a:font script="Cans" typeface="Euphemia"/>
-        <a:font script="Cher" typeface="Plantagenet Cherokee"/>
-        <a:font script="Yiii" typeface="Microsoft Yi Baiti"/>
-        <a:font script="Tibt" typeface="Microsoft Himalaya"/>
-        <a:font script="Thaa" typeface="MV Boli"/>
-        <a:font script="Deva" typeface="Mangal"/>
-        <a:font script="Telu" typeface="Gautami"/>
-        <a:font script="Taml" typeface="Latha"/>
-        <a:font script="Syrc" typeface="Estrangelo Edessa"/>
-        <a:font script="Orya" typeface="Kalinga"/>
-        <a:font script="Mlym" typeface="Kartika"/>
-        <a:font script="Laoo" typeface="DokChampa"/>
-        <a:font script="Sinh" typeface="Iskoola Pota"/>
-        <a:font script="Mong" typeface="Mongolian Baiti"/>
-        <a:font script="Viet" typeface="Times New Roman"/>
-        <a:font script="Uigh" typeface="Microsoft Uighur"/>
-        <a:font script="Geor" typeface="Sylfaen"/>
-      </a:majorFont>
-      <a:minorFont>
-        <a:latin typeface="Arial"/>
-        <a:ea typeface=""/>
-        <a:cs typeface=""/>
-        <a:font script="Jpan" typeface="ＭＳ Ｐゴシック"/>
-        <a:font script="Hang" typeface="맑은 고딕"/>
-        <a:font script="Hans" typeface="宋体"/>
-        <a:font script="Hant" typeface="新細明體"/>
-        <a:font script="Arab" typeface="Arial"/>
-        <a:font script="Hebr" typeface="Arial"/>
-        <a:font script="Thai" typeface="Cordia New"/>
-        <a:font script="Ethi" typeface="Nyala"/>
-        <a:font script="Beng" typeface="Vrinda"/>
-        <a:font script="Gujr" typeface="Shruti"/>
-        <a:font script="Khmr" typeface="DaunPenh"/>
-        <a:font script="Knda" typeface="Tunga"/>
-        <a:font script="Guru" typeface="Raavi"/>
-        <a:font script="Cans" typeface="Euphemia"/>
-        <a:font script="Cher" typeface="Plantagenet Cherokee"/>
-        <a:font script="Yiii" typeface="Microsoft Yi Baiti"/>
-        <a:font script="Tibt" typeface="Microsoft Himalaya"/>
-        <a:font script="Thaa" typeface="MV Boli"/>
-        <a:font script="Deva" typeface="Mangal"/>
-        <a:font script="Telu" typeface="Gautami"/>
-        <a:font script="Taml" typeface="Latha"/>
-        <a:font script="Syrc" typeface="Estrangelo Edessa"/>
-        <a:font script="Orya" typeface="Kalinga"/>
-        <a:font script="Mlym" typeface="Kartika"/>
-        <a:font script="Laoo" typeface="DokChampa"/>
-        <a:font script="Sinh" typeface="Iskoola Pota"/>
-        <a:font script="Mong" typeface="Mongolian Baiti"/>
-        <a:font script="Viet" typeface="Arial"/>
-        <a:font script="Uigh" typeface="Microsoft Uighur"/>
-        <a:font script="Geor" typeface="Sylfaen"/>
-      </a:minorFont>
-    </a:fontScheme>
-    <a:fmtScheme name="Office">
-      <a:fillStyleLst>
-        <a:solidFill>
-          <a:schemeClr val="phClr"/>
-        </a:solidFill>
-        <a:gradFill rotWithShape="1">
-          <a:gsLst>
-            <a:gs pos="0">
-              <a:schemeClr val="phClr">
-                <a:tint val="50000"/>
-                <a:satMod val="300000"/>
-              </a:schemeClr>
-            </a:gs>
-            <a:gs pos="35000">
-              <a:schemeClr val="phClr">
-                <a:tint val="37000"/>
-                <a:satMod val="300000"/>
-              </a:schemeClr>
-            </a:gs>
-            <a:gs pos="100000">
-              <a:schemeClr val="phClr">
-                <a:tint val="15000"/>
-                <a:satMod val="350000"/>
-              </a:schemeClr>
-            </a:gs>
-          </a:gsLst>
-          <a:lin ang="16200000" scaled="1"/>
-        </a:gradFill>
-        <a:gradFill rotWithShape="1">
-          <a:gsLst>
-            <a:gs pos="0">
-              <a:schemeClr val="phClr">
-                <a:tint val="100000"/>
-                <a:shade val="100000"/>
-                <a:satMod val="130000"/>
-              </a:schemeClr>
-            </a:gs>
-            <a:gs pos="100000">
-              <a:schemeClr val="phClr">
-                <a:tint val="50000"/>
-                <a:shade val="100000"/>
-                <a:satMod val="350000"/>
-              </a:schemeClr>
-            </a:gs>
-          </a:gsLst>
-          <a:lin ang="16200000" scaled="0"/>
-        </a:gradFill>
-      </a:fillStyleLst>
-      <a:lnStyleLst>
-        <a:ln w="9525" cap="flat" cmpd="sng" algn="ctr">
-          <a:solidFill>
-            <a:schemeClr val="phClr">
-              <a:shade val="95000"/>
-              <a:satMod val="105000"/>
-            </a:schemeClr>
-          </a:solidFill>
-          <a:prstDash val="solid"/>
-        </a:ln>
-        <a:ln w="25400" cap="flat" cmpd="sng" algn="ctr">
-          <a:solidFill>
-            <a:schemeClr val="phClr"/>
-          </a:solidFill>
-          <a:prstDash val="solid"/>
-        </a:ln>
-        <a:ln w="38100" cap="flat" cmpd="sng" algn="ctr">
-          <a:solidFill>
-            <a:schemeClr val="phClr"/>
-          </a:solidFill>
-          <a:prstDash val="solid"/>
-        </a:ln>
-      </a:lnStyleLst>
-      <a:effectStyleLst>
-        <a:effectStyle>
-          <a:effectLst>
-            <a:outerShdw blurRad="40000" dist="20000" dir="5400000" rotWithShape="0">
-              <a:srgbClr val="000000">
-                <a:alpha val="38000"/>
-              </a:srgbClr>
-            </a:outerShdw>
-          </a:effectLst>
-        </a:effectStyle>
-        <a:effectStyle>
-          <a:effectLst>
-            <a:outerShdw blurRad="40000" dist="23000" dir="5400000" rotWithShape="0">
-              <a:srgbClr val="000000">
-                <a:alpha val="35000"/>
-              </a:srgbClr>
-            </a:outerShdw>
-          </a:effectLst>
-        </a:effectStyle>
-        <a:effectStyle>
-          <a:effectLst>
-            <a:outerShdw blurRad="40000" dist="23000" dir="5400000" rotWithShape="0">
-              <a:srgbClr val="000000">
-                <a:alpha val="35000"/>
-              </a:srgbClr>
-            </a:outerShdw>
-          </a:effectLst>
-          <a:scene3d>
-            <a:camera prst="orthographicFront">
-              <a:rot lat="0" lon="0" rev="0"/>
-            </a:camera>
-            <a:lightRig rig="threePt" dir="t">
-              <a:rot lat="0" lon="0" rev="1200000"/>
-            </a:lightRig>
-          </a:scene3d>
-          <a:sp3d>
-            <a:bevelT w="63500" h="25400"/>
-          </a:sp3d>
-        </a:effectStyle>
-      </a:effectStyleLst>
-      <a:bgFillStyleLst>
-        <a:solidFill>
-          <a:schemeClr val="phClr"/>
-        </a:solidFill>
-        <a:gradFill rotWithShape="1">
-          <a:gsLst>
-            <a:gs pos="0">
-              <a:schemeClr val="phClr">
-                <a:tint val="40000"/>
-                <a:satMod val="350000"/>
-              </a:schemeClr>
-            </a:gs>
-            <a:gs pos="40000">
-              <a:schemeClr val="phClr">
-                <a:tint val="45000"/>
-                <a:shade val="99000"/>
-                <a:satMod val="350000"/>
-              </a:schemeClr>
-            </a:gs>
-            <a:gs pos="100000">
-              <a:schemeClr val="phClr">
-                <a:shade val="20000"/>
-                <a:satMod val="255000"/>
-              </a:schemeClr>
-            </a:gs>
-          </a:gsLst>
-          <a:path path="circle">
-            <a:fillToRect l="50000" t="-80000" r="50000" b="180000"/>
-          </a:path>
-        </a:gradFill>
-        <a:gradFill rotWithShape="1">
-          <a:gsLst>
-            <a:gs pos="0">
-              <a:schemeClr val="phClr">
-                <a:tint val="80000"/>
-                <a:satMod val="300000"/>
-              </a:schemeClr>
-            </a:gs>
-            <a:gs pos="100000">
-              <a:schemeClr val="phClr">
-                <a:shade val="30000"/>
-                <a:satMod val="200000"/>
-              </a:schemeClr>
-            </a:gs>
-          </a:gsLst>
-          <a:path path="circle">
-            <a:fillToRect l="50000" t="50000" r="50000" b="50000"/>
-          </a:path>
-        </a:gradFill>
-      </a:bgFillStyleLst>
-    </a:fmtScheme>
-  </a:themeElements>
-</a:theme>
 </file>